--- a/TeamPresentation/ProjectPresentation.pptx
+++ b/TeamPresentation/ProjectPresentation.pptx
@@ -6,6 +6,13 @@
   </p:sldMasterIdLst>
   <p:sldIdLst>
     <p:sldId id="256" r:id="rId2"/>
+    <p:sldId id="257" r:id="rId3"/>
+    <p:sldId id="260" r:id="rId4"/>
+    <p:sldId id="258" r:id="rId5"/>
+    <p:sldId id="261" r:id="rId6"/>
+    <p:sldId id="262" r:id="rId7"/>
+    <p:sldId id="263" r:id="rId8"/>
+    <p:sldId id="259" r:id="rId9"/>
   </p:sldIdLst>
   <p:sldSz cx="12192000" cy="6858000"/>
   <p:notesSz cx="6858000" cy="9144000"/>
@@ -104,7 +111,264 @@
       </a:defRPr>
     </a:lvl9pPr>
   </p:defaultTextStyle>
+  <p:extLst>
+    <p:ext uri="{EFAFB233-063F-42B5-8137-9DF3F51BA10A}">
+      <p15:sldGuideLst xmlns:p15="http://schemas.microsoft.com/office/powerpoint/2012/main"/>
+    </p:ext>
+  </p:extLst>
 </p:presentation>
+</file>
+
+<file path=ppt/revisionInfo.xml><?xml version="1.0" encoding="utf-8"?>
+<p1510:revInfo xmlns:a="http://schemas.openxmlformats.org/drawingml/2006/main" xmlns:r="http://schemas.openxmlformats.org/officeDocument/2006/relationships" xmlns:p1510="http://schemas.microsoft.com/office/powerpoint/2015/10/main">
+  <p1510:revLst>
+    <p1510:client id="{387E982F-AC20-48A9-A5D7-3E1105CE4D48}" v="1190" dt="2024-03-10T21:50:02.926"/>
+    <p1510:client id="{5A9A608C-79B4-F36A-5251-F641E9E38D46}" v="31" dt="2024-03-10T21:41:58.677"/>
+  </p1510:revLst>
+</p1510:revInfo>
+</file>
+
+<file path=ppt/changesInfos/changesInfo1.xml><?xml version="1.0" encoding="utf-8"?>
+<pc:chgInfo xmlns:a="http://schemas.openxmlformats.org/drawingml/2006/main" xmlns:r="http://schemas.openxmlformats.org/officeDocument/2006/relationships" xmlns:ac="http://schemas.microsoft.com/office/drawing/2013/main/command" xmlns:pc="http://schemas.microsoft.com/office/powerpoint/2013/main/command">
+  <pc:docChgLst>
+    <pc:chgData name="Hunter Burnham (Student)" userId="e134f687-0b34-4f02-b471-2fa4d76ea700" providerId="ADAL" clId="{387E982F-AC20-48A9-A5D7-3E1105CE4D48}"/>
+    <pc:docChg chg="custSel addSld modSld sldOrd">
+      <pc:chgData name="Hunter Burnham (Student)" userId="e134f687-0b34-4f02-b471-2fa4d76ea700" providerId="ADAL" clId="{387E982F-AC20-48A9-A5D7-3E1105CE4D48}" dt="2024-03-10T21:50:02.926" v="1270" actId="313"/>
+      <pc:docMkLst>
+        <pc:docMk/>
+      </pc:docMkLst>
+      <pc:sldChg chg="modSp mod">
+        <pc:chgData name="Hunter Burnham (Student)" userId="e134f687-0b34-4f02-b471-2fa4d76ea700" providerId="ADAL" clId="{387E982F-AC20-48A9-A5D7-3E1105CE4D48}" dt="2024-03-10T21:39:06.123" v="94" actId="403"/>
+        <pc:sldMkLst>
+          <pc:docMk/>
+          <pc:sldMk cId="234320675" sldId="256"/>
+        </pc:sldMkLst>
+        <pc:spChg chg="mod">
+          <ac:chgData name="Hunter Burnham (Student)" userId="e134f687-0b34-4f02-b471-2fa4d76ea700" providerId="ADAL" clId="{387E982F-AC20-48A9-A5D7-3E1105CE4D48}" dt="2024-03-10T21:39:06.123" v="94" actId="403"/>
+          <ac:spMkLst>
+            <pc:docMk/>
+            <pc:sldMk cId="234320675" sldId="256"/>
+            <ac:spMk id="3" creationId="{4DFAF4A9-F54B-F3A4-7967-31664984E776}"/>
+          </ac:spMkLst>
+        </pc:spChg>
+      </pc:sldChg>
+      <pc:sldChg chg="modSp mod">
+        <pc:chgData name="Hunter Burnham (Student)" userId="e134f687-0b34-4f02-b471-2fa4d76ea700" providerId="ADAL" clId="{387E982F-AC20-48A9-A5D7-3E1105CE4D48}" dt="2024-03-10T21:45:46.567" v="833" actId="21"/>
+        <pc:sldMkLst>
+          <pc:docMk/>
+          <pc:sldMk cId="2116201992" sldId="257"/>
+        </pc:sldMkLst>
+        <pc:spChg chg="mod">
+          <ac:chgData name="Hunter Burnham (Student)" userId="e134f687-0b34-4f02-b471-2fa4d76ea700" providerId="ADAL" clId="{387E982F-AC20-48A9-A5D7-3E1105CE4D48}" dt="2024-03-10T21:42:00.791" v="322" actId="20577"/>
+          <ac:spMkLst>
+            <pc:docMk/>
+            <pc:sldMk cId="2116201992" sldId="257"/>
+            <ac:spMk id="2" creationId="{5DE2EB2F-13B1-E18C-7419-802122B6252C}"/>
+          </ac:spMkLst>
+        </pc:spChg>
+        <pc:spChg chg="mod">
+          <ac:chgData name="Hunter Burnham (Student)" userId="e134f687-0b34-4f02-b471-2fa4d76ea700" providerId="ADAL" clId="{387E982F-AC20-48A9-A5D7-3E1105CE4D48}" dt="2024-03-10T21:45:46.567" v="833" actId="21"/>
+          <ac:spMkLst>
+            <pc:docMk/>
+            <pc:sldMk cId="2116201992" sldId="257"/>
+            <ac:spMk id="3" creationId="{D46C8847-1CE6-DFDE-956F-4608305A5DC6}"/>
+          </ac:spMkLst>
+        </pc:spChg>
+      </pc:sldChg>
+      <pc:sldChg chg="modSp new mod">
+        <pc:chgData name="Hunter Burnham (Student)" userId="e134f687-0b34-4f02-b471-2fa4d76ea700" providerId="ADAL" clId="{387E982F-AC20-48A9-A5D7-3E1105CE4D48}" dt="2024-03-10T21:48:12.947" v="1208" actId="20577"/>
+        <pc:sldMkLst>
+          <pc:docMk/>
+          <pc:sldMk cId="572091724" sldId="258"/>
+        </pc:sldMkLst>
+        <pc:spChg chg="mod">
+          <ac:chgData name="Hunter Burnham (Student)" userId="e134f687-0b34-4f02-b471-2fa4d76ea700" providerId="ADAL" clId="{387E982F-AC20-48A9-A5D7-3E1105CE4D48}" dt="2024-03-10T21:39:39.850" v="126" actId="20577"/>
+          <ac:spMkLst>
+            <pc:docMk/>
+            <pc:sldMk cId="572091724" sldId="258"/>
+            <ac:spMk id="2" creationId="{F0E3B5F0-F703-3E5B-8F70-F125AC03285A}"/>
+          </ac:spMkLst>
+        </pc:spChg>
+        <pc:spChg chg="mod">
+          <ac:chgData name="Hunter Burnham (Student)" userId="e134f687-0b34-4f02-b471-2fa4d76ea700" providerId="ADAL" clId="{387E982F-AC20-48A9-A5D7-3E1105CE4D48}" dt="2024-03-10T21:48:12.947" v="1208" actId="20577"/>
+          <ac:spMkLst>
+            <pc:docMk/>
+            <pc:sldMk cId="572091724" sldId="258"/>
+            <ac:spMk id="3" creationId="{A196BE1C-312B-2E1D-77D0-B1BBB68FE8F2}"/>
+          </ac:spMkLst>
+        </pc:spChg>
+      </pc:sldChg>
+      <pc:sldChg chg="modSp mod ord">
+        <pc:chgData name="Hunter Burnham (Student)" userId="e134f687-0b34-4f02-b471-2fa4d76ea700" providerId="ADAL" clId="{387E982F-AC20-48A9-A5D7-3E1105CE4D48}" dt="2024-03-10T21:50:02.926" v="1270" actId="313"/>
+        <pc:sldMkLst>
+          <pc:docMk/>
+          <pc:sldMk cId="3372943132" sldId="259"/>
+        </pc:sldMkLst>
+        <pc:spChg chg="mod">
+          <ac:chgData name="Hunter Burnham (Student)" userId="e134f687-0b34-4f02-b471-2fa4d76ea700" providerId="ADAL" clId="{387E982F-AC20-48A9-A5D7-3E1105CE4D48}" dt="2024-03-10T21:40:40.749" v="182" actId="20577"/>
+          <ac:spMkLst>
+            <pc:docMk/>
+            <pc:sldMk cId="3372943132" sldId="259"/>
+            <ac:spMk id="2" creationId="{BEB5B745-96C1-51E4-7056-D9562589D0F5}"/>
+          </ac:spMkLst>
+        </pc:spChg>
+        <pc:spChg chg="mod">
+          <ac:chgData name="Hunter Burnham (Student)" userId="e134f687-0b34-4f02-b471-2fa4d76ea700" providerId="ADAL" clId="{387E982F-AC20-48A9-A5D7-3E1105CE4D48}" dt="2024-03-10T21:50:02.926" v="1270" actId="313"/>
+          <ac:spMkLst>
+            <pc:docMk/>
+            <pc:sldMk cId="3372943132" sldId="259"/>
+            <ac:spMk id="3" creationId="{00B45081-0BD4-AC98-E3FB-757FDF4BCC4C}"/>
+          </ac:spMkLst>
+        </pc:spChg>
+      </pc:sldChg>
+      <pc:sldChg chg="modSp new mod">
+        <pc:chgData name="Hunter Burnham (Student)" userId="e134f687-0b34-4f02-b471-2fa4d76ea700" providerId="ADAL" clId="{387E982F-AC20-48A9-A5D7-3E1105CE4D48}" dt="2024-03-10T21:45:55.502" v="836" actId="313"/>
+        <pc:sldMkLst>
+          <pc:docMk/>
+          <pc:sldMk cId="907987910" sldId="260"/>
+        </pc:sldMkLst>
+        <pc:spChg chg="mod">
+          <ac:chgData name="Hunter Burnham (Student)" userId="e134f687-0b34-4f02-b471-2fa4d76ea700" providerId="ADAL" clId="{387E982F-AC20-48A9-A5D7-3E1105CE4D48}" dt="2024-03-10T21:41:52.725" v="313" actId="20577"/>
+          <ac:spMkLst>
+            <pc:docMk/>
+            <pc:sldMk cId="907987910" sldId="260"/>
+            <ac:spMk id="2" creationId="{68F347CA-AC84-EF9D-06FA-C744906CD24A}"/>
+          </ac:spMkLst>
+        </pc:spChg>
+        <pc:spChg chg="mod">
+          <ac:chgData name="Hunter Burnham (Student)" userId="e134f687-0b34-4f02-b471-2fa4d76ea700" providerId="ADAL" clId="{387E982F-AC20-48A9-A5D7-3E1105CE4D48}" dt="2024-03-10T21:45:55.502" v="836" actId="313"/>
+          <ac:spMkLst>
+            <pc:docMk/>
+            <pc:sldMk cId="907987910" sldId="260"/>
+            <ac:spMk id="3" creationId="{F627CA05-FB38-7BCD-DA2E-437F6146B06B}"/>
+          </ac:spMkLst>
+        </pc:spChg>
+      </pc:sldChg>
+      <pc:sldChg chg="modSp mod">
+        <pc:chgData name="Hunter Burnham (Student)" userId="e134f687-0b34-4f02-b471-2fa4d76ea700" providerId="ADAL" clId="{387E982F-AC20-48A9-A5D7-3E1105CE4D48}" dt="2024-03-10T21:48:18.555" v="1210"/>
+        <pc:sldMkLst>
+          <pc:docMk/>
+          <pc:sldMk cId="3928215850" sldId="261"/>
+        </pc:sldMkLst>
+        <pc:spChg chg="mod">
+          <ac:chgData name="Hunter Burnham (Student)" userId="e134f687-0b34-4f02-b471-2fa4d76ea700" providerId="ADAL" clId="{387E982F-AC20-48A9-A5D7-3E1105CE4D48}" dt="2024-03-10T21:41:04.040" v="210" actId="20577"/>
+          <ac:spMkLst>
+            <pc:docMk/>
+            <pc:sldMk cId="3928215850" sldId="261"/>
+            <ac:spMk id="2" creationId="{FD5CBC22-CD60-DEC3-9B70-431914163214}"/>
+          </ac:spMkLst>
+        </pc:spChg>
+        <pc:spChg chg="mod">
+          <ac:chgData name="Hunter Burnham (Student)" userId="e134f687-0b34-4f02-b471-2fa4d76ea700" providerId="ADAL" clId="{387E982F-AC20-48A9-A5D7-3E1105CE4D48}" dt="2024-03-10T21:48:18.555" v="1210"/>
+          <ac:spMkLst>
+            <pc:docMk/>
+            <pc:sldMk cId="3928215850" sldId="261"/>
+            <ac:spMk id="3" creationId="{82E4FC8A-EAFF-352A-DBD5-537E16C616C2}"/>
+          </ac:spMkLst>
+        </pc:spChg>
+      </pc:sldChg>
+      <pc:sldChg chg="modSp new mod">
+        <pc:chgData name="Hunter Burnham (Student)" userId="e134f687-0b34-4f02-b471-2fa4d76ea700" providerId="ADAL" clId="{387E982F-AC20-48A9-A5D7-3E1105CE4D48}" dt="2024-03-10T21:48:20.925" v="1212"/>
+        <pc:sldMkLst>
+          <pc:docMk/>
+          <pc:sldMk cId="3446202391" sldId="262"/>
+        </pc:sldMkLst>
+        <pc:spChg chg="mod">
+          <ac:chgData name="Hunter Burnham (Student)" userId="e134f687-0b34-4f02-b471-2fa4d76ea700" providerId="ADAL" clId="{387E982F-AC20-48A9-A5D7-3E1105CE4D48}" dt="2024-03-10T21:41:45.407" v="304" actId="20577"/>
+          <ac:spMkLst>
+            <pc:docMk/>
+            <pc:sldMk cId="3446202391" sldId="262"/>
+            <ac:spMk id="2" creationId="{468B33FC-5B50-2F21-E2B4-5EDC5DFC251A}"/>
+          </ac:spMkLst>
+        </pc:spChg>
+        <pc:spChg chg="mod">
+          <ac:chgData name="Hunter Burnham (Student)" userId="e134f687-0b34-4f02-b471-2fa4d76ea700" providerId="ADAL" clId="{387E982F-AC20-48A9-A5D7-3E1105CE4D48}" dt="2024-03-10T21:48:20.925" v="1212"/>
+          <ac:spMkLst>
+            <pc:docMk/>
+            <pc:sldMk cId="3446202391" sldId="262"/>
+            <ac:spMk id="3" creationId="{BAB3B5AD-7F8D-36AD-1390-9CEDC96A4C13}"/>
+          </ac:spMkLst>
+        </pc:spChg>
+      </pc:sldChg>
+      <pc:sldChg chg="modSp new mod">
+        <pc:chgData name="Hunter Burnham (Student)" userId="e134f687-0b34-4f02-b471-2fa4d76ea700" providerId="ADAL" clId="{387E982F-AC20-48A9-A5D7-3E1105CE4D48}" dt="2024-03-10T21:48:24.690" v="1214"/>
+        <pc:sldMkLst>
+          <pc:docMk/>
+          <pc:sldMk cId="2396793982" sldId="263"/>
+        </pc:sldMkLst>
+        <pc:spChg chg="mod">
+          <ac:chgData name="Hunter Burnham (Student)" userId="e134f687-0b34-4f02-b471-2fa4d76ea700" providerId="ADAL" clId="{387E982F-AC20-48A9-A5D7-3E1105CE4D48}" dt="2024-03-10T21:41:31.558" v="292" actId="20577"/>
+          <ac:spMkLst>
+            <pc:docMk/>
+            <pc:sldMk cId="2396793982" sldId="263"/>
+            <ac:spMk id="2" creationId="{6809C795-4042-CC5A-647E-5016B8E19E84}"/>
+          </ac:spMkLst>
+        </pc:spChg>
+        <pc:spChg chg="mod">
+          <ac:chgData name="Hunter Burnham (Student)" userId="e134f687-0b34-4f02-b471-2fa4d76ea700" providerId="ADAL" clId="{387E982F-AC20-48A9-A5D7-3E1105CE4D48}" dt="2024-03-10T21:48:24.690" v="1214"/>
+          <ac:spMkLst>
+            <pc:docMk/>
+            <pc:sldMk cId="2396793982" sldId="263"/>
+            <ac:spMk id="3" creationId="{A9AC157F-B5D5-20E2-9DA4-EA29118F63FC}"/>
+          </ac:spMkLst>
+        </pc:spChg>
+      </pc:sldChg>
+    </pc:docChg>
+  </pc:docChgLst>
+  <pc:docChgLst>
+    <pc:chgData name="Jonah Bertolino (Student)" userId="S::jonahbertolino@mines.edu::9e5659ea-b595-4c3b-9a51-e4ce62b2395f" providerId="AD" clId="Web-{5A9A608C-79B4-F36A-5251-F641E9E38D46}"/>
+    <pc:docChg chg="addSld delSld modSld sldOrd">
+      <pc:chgData name="Jonah Bertolino (Student)" userId="S::jonahbertolino@mines.edu::9e5659ea-b595-4c3b-9a51-e4ce62b2395f" providerId="AD" clId="Web-{5A9A608C-79B4-F36A-5251-F641E9E38D46}" dt="2024-03-10T21:41:58.677" v="27"/>
+      <pc:docMkLst>
+        <pc:docMk/>
+      </pc:docMkLst>
+      <pc:sldChg chg="new">
+        <pc:chgData name="Jonah Bertolino (Student)" userId="S::jonahbertolino@mines.edu::9e5659ea-b595-4c3b-9a51-e4ce62b2395f" providerId="AD" clId="Web-{5A9A608C-79B4-F36A-5251-F641E9E38D46}" dt="2024-03-10T21:38:50.174" v="0"/>
+        <pc:sldMkLst>
+          <pc:docMk/>
+          <pc:sldMk cId="2116201992" sldId="257"/>
+        </pc:sldMkLst>
+      </pc:sldChg>
+      <pc:sldChg chg="modSp new ord">
+        <pc:chgData name="Jonah Bertolino (Student)" userId="S::jonahbertolino@mines.edu::9e5659ea-b595-4c3b-9a51-e4ce62b2395f" providerId="AD" clId="Web-{5A9A608C-79B4-F36A-5251-F641E9E38D46}" dt="2024-03-10T21:41:58.677" v="27"/>
+        <pc:sldMkLst>
+          <pc:docMk/>
+          <pc:sldMk cId="3372943132" sldId="259"/>
+        </pc:sldMkLst>
+        <pc:spChg chg="mod">
+          <ac:chgData name="Jonah Bertolino (Student)" userId="S::jonahbertolino@mines.edu::9e5659ea-b595-4c3b-9a51-e4ce62b2395f" providerId="AD" clId="Web-{5A9A608C-79B4-F36A-5251-F641E9E38D46}" dt="2024-03-10T21:40:11.175" v="21" actId="20577"/>
+          <ac:spMkLst>
+            <pc:docMk/>
+            <pc:sldMk cId="3372943132" sldId="259"/>
+            <ac:spMk id="2" creationId="{BEB5B745-96C1-51E4-7056-D9562589D0F5}"/>
+          </ac:spMkLst>
+        </pc:spChg>
+      </pc:sldChg>
+      <pc:sldChg chg="new">
+        <pc:chgData name="Jonah Bertolino (Student)" userId="S::jonahbertolino@mines.edu::9e5659ea-b595-4c3b-9a51-e4ce62b2395f" providerId="AD" clId="Web-{5A9A608C-79B4-F36A-5251-F641E9E38D46}" dt="2024-03-10T21:39:54.190" v="10"/>
+        <pc:sldMkLst>
+          <pc:docMk/>
+          <pc:sldMk cId="3928215850" sldId="261"/>
+        </pc:sldMkLst>
+      </pc:sldChg>
+      <pc:sldChg chg="modSp new del">
+        <pc:chgData name="Jonah Bertolino (Student)" userId="S::jonahbertolino@mines.edu::9e5659ea-b595-4c3b-9a51-e4ce62b2395f" providerId="AD" clId="Web-{5A9A608C-79B4-F36A-5251-F641E9E38D46}" dt="2024-03-10T21:40:29.410" v="26"/>
+        <pc:sldMkLst>
+          <pc:docMk/>
+          <pc:sldMk cId="2107621315" sldId="262"/>
+        </pc:sldMkLst>
+        <pc:spChg chg="mod">
+          <ac:chgData name="Jonah Bertolino (Student)" userId="S::jonahbertolino@mines.edu::9e5659ea-b595-4c3b-9a51-e4ce62b2395f" providerId="AD" clId="Web-{5A9A608C-79B4-F36A-5251-F641E9E38D46}" dt="2024-03-10T21:40:23.472" v="25" actId="20577"/>
+          <ac:spMkLst>
+            <pc:docMk/>
+            <pc:sldMk cId="2107621315" sldId="262"/>
+            <ac:spMk id="2" creationId="{36D767C6-431B-F41E-77DD-74CB0B6E8974}"/>
+          </ac:spMkLst>
+        </pc:spChg>
+      </pc:sldChg>
+    </pc:docChg>
+  </pc:docChgLst>
+</pc:chgInfo>
 </file>
 
 <file path=ppt/slideLayouts/slideLayout1.xml><?xml version="1.0" encoding="utf-8"?>
@@ -3367,10 +3631,36 @@
         </p:nvSpPr>
         <p:spPr/>
         <p:txBody>
-          <a:bodyPr/>
-          <a:lstStyle/>
-          <a:p>
-            <a:endParaRPr lang="en-US"/>
+          <a:bodyPr>
+            <a:normAutofit/>
+          </a:bodyPr>
+          <a:lstStyle/>
+          <a:p>
+            <a:r>
+              <a:rPr lang="en-US" sz="2000"/>
+              <a:t>Jonah </a:t>
+            </a:r>
+            <a:r>
+              <a:rPr lang="en-US" sz="2000" err="1"/>
+              <a:t>Bertolino</a:t>
+            </a:r>
+            <a:r>
+              <a:rPr lang="en-US" sz="2000"/>
+              <a:t>, Hunter Burnham, Joseph Kirby, Joel </a:t>
+            </a:r>
+            <a:r>
+              <a:rPr lang="en-US" sz="2000" err="1"/>
+              <a:t>Shorey</a:t>
+            </a:r>
+            <a:r>
+              <a:rPr lang="en-US" sz="2000"/>
+              <a:t>,  Caden </a:t>
+            </a:r>
+            <a:r>
+              <a:rPr lang="en-US" sz="2000" err="1"/>
+              <a:t>Nubel</a:t>
+            </a:r>
+            <a:endParaRPr lang="en-US" sz="2000"/>
           </a:p>
         </p:txBody>
       </p:sp>
@@ -3378,6 +3668,797 @@
     <p:extLst>
       <p:ext uri="{BB962C8B-B14F-4D97-AF65-F5344CB8AC3E}">
         <p14:creationId xmlns:p14="http://schemas.microsoft.com/office/powerpoint/2010/main" val="234320675"/>
+      </p:ext>
+    </p:extLst>
+  </p:cSld>
+  <p:clrMapOvr>
+    <a:masterClrMapping/>
+  </p:clrMapOvr>
+</p:sld>
+</file>
+
+<file path=ppt/slides/slide2.xml><?xml version="1.0" encoding="utf-8"?>
+<p:sld xmlns:a="http://schemas.openxmlformats.org/drawingml/2006/main" xmlns:r="http://schemas.openxmlformats.org/officeDocument/2006/relationships" xmlns:p="http://schemas.openxmlformats.org/presentationml/2006/main">
+  <p:cSld>
+    <p:spTree>
+      <p:nvGrpSpPr>
+        <p:cNvPr id="1" name=""/>
+        <p:cNvGrpSpPr/>
+        <p:nvPr/>
+      </p:nvGrpSpPr>
+      <p:grpSpPr>
+        <a:xfrm>
+          <a:off x="0" y="0"/>
+          <a:ext cx="0" cy="0"/>
+          <a:chOff x="0" y="0"/>
+          <a:chExt cx="0" cy="0"/>
+        </a:xfrm>
+      </p:grpSpPr>
+      <p:sp>
+        <p:nvSpPr>
+          <p:cNvPr id="2" name="Title 1">
+            <a:extLst>
+              <a:ext uri="{FF2B5EF4-FFF2-40B4-BE49-F238E27FC236}">
+                <a16:creationId xmlns:a16="http://schemas.microsoft.com/office/drawing/2014/main" id="{5DE2EB2F-13B1-E18C-7419-802122B6252C}"/>
+              </a:ext>
+            </a:extLst>
+          </p:cNvPr>
+          <p:cNvSpPr>
+            <a:spLocks noGrp="1"/>
+          </p:cNvSpPr>
+          <p:nvPr>
+            <p:ph type="title"/>
+          </p:nvPr>
+        </p:nvSpPr>
+        <p:spPr/>
+        <p:txBody>
+          <a:bodyPr/>
+          <a:lstStyle/>
+          <a:p>
+            <a:r>
+              <a:rPr lang="en-US"/>
+              <a:t>Project Overview</a:t>
+            </a:r>
+          </a:p>
+        </p:txBody>
+      </p:sp>
+      <p:sp>
+        <p:nvSpPr>
+          <p:cNvPr id="3" name="Content Placeholder 2">
+            <a:extLst>
+              <a:ext uri="{FF2B5EF4-FFF2-40B4-BE49-F238E27FC236}">
+                <a16:creationId xmlns:a16="http://schemas.microsoft.com/office/drawing/2014/main" id="{D46C8847-1CE6-DFDE-956F-4608305A5DC6}"/>
+              </a:ext>
+            </a:extLst>
+          </p:cNvPr>
+          <p:cNvSpPr>
+            <a:spLocks noGrp="1"/>
+          </p:cNvSpPr>
+          <p:nvPr>
+            <p:ph idx="1"/>
+          </p:nvPr>
+        </p:nvSpPr>
+        <p:spPr/>
+        <p:txBody>
+          <a:bodyPr/>
+          <a:lstStyle/>
+          <a:p>
+            <a:r>
+              <a:rPr lang="en-US"/>
+              <a:t>General Overview</a:t>
+            </a:r>
+          </a:p>
+          <a:p>
+            <a:r>
+              <a:rPr lang="en-US"/>
+              <a:t>Measures of success</a:t>
+            </a:r>
+          </a:p>
+          <a:p>
+            <a:r>
+              <a:rPr lang="en-US"/>
+              <a:t>Well defined technical information (i.e. define </a:t>
+            </a:r>
+            <a:r>
+              <a:rPr lang="en-US" err="1"/>
+              <a:t>aruco</a:t>
+            </a:r>
+            <a:r>
+              <a:rPr lang="en-US"/>
+              <a:t> markers, PID or whatever </a:t>
+            </a:r>
+            <a:r>
+              <a:rPr lang="en-US" err="1"/>
+              <a:t>controllors</a:t>
+            </a:r>
+            <a:r>
+              <a:rPr lang="en-US"/>
+              <a:t>, i2c)</a:t>
+            </a:r>
+          </a:p>
+          <a:p>
+            <a:r>
+              <a:rPr lang="en-US"/>
+              <a:t>Brief description of Resources used (</a:t>
+            </a:r>
+            <a:r>
+              <a:rPr lang="en-US" err="1"/>
+              <a:t>opencv</a:t>
+            </a:r>
+            <a:r>
+              <a:rPr lang="en-US"/>
+              <a:t> and such)</a:t>
+            </a:r>
+          </a:p>
+          <a:p>
+            <a:endParaRPr lang="en-US"/>
+          </a:p>
+        </p:txBody>
+      </p:sp>
+    </p:spTree>
+    <p:extLst>
+      <p:ext uri="{BB962C8B-B14F-4D97-AF65-F5344CB8AC3E}">
+        <p14:creationId xmlns:p14="http://schemas.microsoft.com/office/powerpoint/2010/main" val="2116201992"/>
+      </p:ext>
+    </p:extLst>
+  </p:cSld>
+  <p:clrMapOvr>
+    <a:masterClrMapping/>
+  </p:clrMapOvr>
+</p:sld>
+</file>
+
+<file path=ppt/slides/slide3.xml><?xml version="1.0" encoding="utf-8"?>
+<p:sld xmlns:a="http://schemas.openxmlformats.org/drawingml/2006/main" xmlns:r="http://schemas.openxmlformats.org/officeDocument/2006/relationships" xmlns:p="http://schemas.openxmlformats.org/presentationml/2006/main">
+  <p:cSld>
+    <p:spTree>
+      <p:nvGrpSpPr>
+        <p:cNvPr id="1" name=""/>
+        <p:cNvGrpSpPr/>
+        <p:nvPr/>
+      </p:nvGrpSpPr>
+      <p:grpSpPr>
+        <a:xfrm>
+          <a:off x="0" y="0"/>
+          <a:ext cx="0" cy="0"/>
+          <a:chOff x="0" y="0"/>
+          <a:chExt cx="0" cy="0"/>
+        </a:xfrm>
+      </p:grpSpPr>
+      <p:sp>
+        <p:nvSpPr>
+          <p:cNvPr id="2" name="Title 1">
+            <a:extLst>
+              <a:ext uri="{FF2B5EF4-FFF2-40B4-BE49-F238E27FC236}">
+                <a16:creationId xmlns:a16="http://schemas.microsoft.com/office/drawing/2014/main" id="{68F347CA-AC84-EF9D-06FA-C744906CD24A}"/>
+              </a:ext>
+            </a:extLst>
+          </p:cNvPr>
+          <p:cNvSpPr>
+            <a:spLocks noGrp="1"/>
+          </p:cNvSpPr>
+          <p:nvPr>
+            <p:ph type="title"/>
+          </p:nvPr>
+        </p:nvSpPr>
+        <p:spPr/>
+        <p:txBody>
+          <a:bodyPr/>
+          <a:lstStyle/>
+          <a:p>
+            <a:r>
+              <a:rPr lang="en-US"/>
+              <a:t>System Introduction</a:t>
+            </a:r>
+          </a:p>
+        </p:txBody>
+      </p:sp>
+      <p:sp>
+        <p:nvSpPr>
+          <p:cNvPr id="3" name="Content Placeholder 2">
+            <a:extLst>
+              <a:ext uri="{FF2B5EF4-FFF2-40B4-BE49-F238E27FC236}">
+                <a16:creationId xmlns:a16="http://schemas.microsoft.com/office/drawing/2014/main" id="{F627CA05-FB38-7BCD-DA2E-437F6146B06B}"/>
+              </a:ext>
+            </a:extLst>
+          </p:cNvPr>
+          <p:cNvSpPr>
+            <a:spLocks noGrp="1"/>
+          </p:cNvSpPr>
+          <p:nvPr>
+            <p:ph idx="1"/>
+          </p:nvPr>
+        </p:nvSpPr>
+        <p:spPr/>
+        <p:txBody>
+          <a:bodyPr/>
+          <a:lstStyle/>
+          <a:p>
+            <a:r>
+              <a:rPr lang="en-US"/>
+              <a:t>Introduction of the robot we are building to meet the objective</a:t>
+            </a:r>
+          </a:p>
+          <a:p>
+            <a:r>
+              <a:rPr lang="en-US"/>
+              <a:t>Explain available components and their purpose and the subsystems they are a part of</a:t>
+            </a:r>
+          </a:p>
+          <a:p>
+            <a:r>
+              <a:rPr lang="en-US"/>
+              <a:t>Define objectives of subsystems</a:t>
+            </a:r>
+          </a:p>
+          <a:p>
+            <a:endParaRPr lang="en-US"/>
+          </a:p>
+        </p:txBody>
+      </p:sp>
+    </p:spTree>
+    <p:extLst>
+      <p:ext uri="{BB962C8B-B14F-4D97-AF65-F5344CB8AC3E}">
+        <p14:creationId xmlns:p14="http://schemas.microsoft.com/office/powerpoint/2010/main" val="907987910"/>
+      </p:ext>
+    </p:extLst>
+  </p:cSld>
+  <p:clrMapOvr>
+    <a:masterClrMapping/>
+  </p:clrMapOvr>
+</p:sld>
+</file>
+
+<file path=ppt/slides/slide4.xml><?xml version="1.0" encoding="utf-8"?>
+<p:sld xmlns:a="http://schemas.openxmlformats.org/drawingml/2006/main" xmlns:r="http://schemas.openxmlformats.org/officeDocument/2006/relationships" xmlns:p="http://schemas.openxmlformats.org/presentationml/2006/main">
+  <p:cSld>
+    <p:spTree>
+      <p:nvGrpSpPr>
+        <p:cNvPr id="1" name=""/>
+        <p:cNvGrpSpPr/>
+        <p:nvPr/>
+      </p:nvGrpSpPr>
+      <p:grpSpPr>
+        <a:xfrm>
+          <a:off x="0" y="0"/>
+          <a:ext cx="0" cy="0"/>
+          <a:chOff x="0" y="0"/>
+          <a:chExt cx="0" cy="0"/>
+        </a:xfrm>
+      </p:grpSpPr>
+      <p:sp>
+        <p:nvSpPr>
+          <p:cNvPr id="2" name="Title 1">
+            <a:extLst>
+              <a:ext uri="{FF2B5EF4-FFF2-40B4-BE49-F238E27FC236}">
+                <a16:creationId xmlns:a16="http://schemas.microsoft.com/office/drawing/2014/main" id="{F0E3B5F0-F703-3E5B-8F70-F125AC03285A}"/>
+              </a:ext>
+            </a:extLst>
+          </p:cNvPr>
+          <p:cNvSpPr>
+            <a:spLocks noGrp="1"/>
+          </p:cNvSpPr>
+          <p:nvPr>
+            <p:ph type="title"/>
+          </p:nvPr>
+        </p:nvSpPr>
+        <p:spPr/>
+        <p:txBody>
+          <a:bodyPr/>
+          <a:lstStyle/>
+          <a:p>
+            <a:r>
+              <a:rPr lang="en-US"/>
+              <a:t>Motor Subsystem</a:t>
+            </a:r>
+          </a:p>
+        </p:txBody>
+      </p:sp>
+      <p:sp>
+        <p:nvSpPr>
+          <p:cNvPr id="3" name="Content Placeholder 2">
+            <a:extLst>
+              <a:ext uri="{FF2B5EF4-FFF2-40B4-BE49-F238E27FC236}">
+                <a16:creationId xmlns:a16="http://schemas.microsoft.com/office/drawing/2014/main" id="{A196BE1C-312B-2E1D-77D0-B1BBB68FE8F2}"/>
+              </a:ext>
+            </a:extLst>
+          </p:cNvPr>
+          <p:cNvSpPr>
+            <a:spLocks noGrp="1"/>
+          </p:cNvSpPr>
+          <p:nvPr>
+            <p:ph idx="1"/>
+          </p:nvPr>
+        </p:nvSpPr>
+        <p:spPr/>
+        <p:txBody>
+          <a:bodyPr/>
+          <a:lstStyle/>
+          <a:p>
+            <a:r>
+              <a:rPr lang="en-US"/>
+              <a:t>Clearly defined Design process</a:t>
+            </a:r>
+          </a:p>
+          <a:p>
+            <a:r>
+              <a:rPr lang="en-US"/>
+              <a:t>Images and data that show design/build process</a:t>
+            </a:r>
+          </a:p>
+          <a:p>
+            <a:r>
+              <a:rPr lang="en-US"/>
+              <a:t>Show achieved performance of each subsystem</a:t>
+            </a:r>
+          </a:p>
+          <a:p>
+            <a:r>
+              <a:rPr lang="en-US"/>
+              <a:t>Graphs and tables with readable text</a:t>
+            </a:r>
+          </a:p>
+          <a:p>
+            <a:r>
+              <a:rPr lang="en-US"/>
+              <a:t>Block diagrams described in detail</a:t>
+            </a:r>
+          </a:p>
+          <a:p>
+            <a:r>
+              <a:rPr lang="en-US"/>
+              <a:t>Performance achievable (goal of subsystem that contributes to overall system success?)</a:t>
+            </a:r>
+          </a:p>
+        </p:txBody>
+      </p:sp>
+    </p:spTree>
+    <p:extLst>
+      <p:ext uri="{BB962C8B-B14F-4D97-AF65-F5344CB8AC3E}">
+        <p14:creationId xmlns:p14="http://schemas.microsoft.com/office/powerpoint/2010/main" val="572091724"/>
+      </p:ext>
+    </p:extLst>
+  </p:cSld>
+  <p:clrMapOvr>
+    <a:masterClrMapping/>
+  </p:clrMapOvr>
+</p:sld>
+</file>
+
+<file path=ppt/slides/slide5.xml><?xml version="1.0" encoding="utf-8"?>
+<p:sld xmlns:a="http://schemas.openxmlformats.org/drawingml/2006/main" xmlns:r="http://schemas.openxmlformats.org/officeDocument/2006/relationships" xmlns:p="http://schemas.openxmlformats.org/presentationml/2006/main">
+  <p:cSld>
+    <p:spTree>
+      <p:nvGrpSpPr>
+        <p:cNvPr id="1" name=""/>
+        <p:cNvGrpSpPr/>
+        <p:nvPr/>
+      </p:nvGrpSpPr>
+      <p:grpSpPr>
+        <a:xfrm>
+          <a:off x="0" y="0"/>
+          <a:ext cx="0" cy="0"/>
+          <a:chOff x="0" y="0"/>
+          <a:chExt cx="0" cy="0"/>
+        </a:xfrm>
+      </p:grpSpPr>
+      <p:sp>
+        <p:nvSpPr>
+          <p:cNvPr id="2" name="Title 1">
+            <a:extLst>
+              <a:ext uri="{FF2B5EF4-FFF2-40B4-BE49-F238E27FC236}">
+                <a16:creationId xmlns:a16="http://schemas.microsoft.com/office/drawing/2014/main" id="{FD5CBC22-CD60-DEC3-9B70-431914163214}"/>
+              </a:ext>
+            </a:extLst>
+          </p:cNvPr>
+          <p:cNvSpPr>
+            <a:spLocks noGrp="1"/>
+          </p:cNvSpPr>
+          <p:nvPr>
+            <p:ph type="title"/>
+          </p:nvPr>
+        </p:nvSpPr>
+        <p:spPr/>
+        <p:txBody>
+          <a:bodyPr/>
+          <a:lstStyle/>
+          <a:p>
+            <a:r>
+              <a:rPr lang="en-US"/>
+              <a:t>Control Subsystem</a:t>
+            </a:r>
+          </a:p>
+        </p:txBody>
+      </p:sp>
+      <p:sp>
+        <p:nvSpPr>
+          <p:cNvPr id="3" name="Content Placeholder 2">
+            <a:extLst>
+              <a:ext uri="{FF2B5EF4-FFF2-40B4-BE49-F238E27FC236}">
+                <a16:creationId xmlns:a16="http://schemas.microsoft.com/office/drawing/2014/main" id="{82E4FC8A-EAFF-352A-DBD5-537E16C616C2}"/>
+              </a:ext>
+            </a:extLst>
+          </p:cNvPr>
+          <p:cNvSpPr>
+            <a:spLocks noGrp="1"/>
+          </p:cNvSpPr>
+          <p:nvPr>
+            <p:ph idx="1"/>
+          </p:nvPr>
+        </p:nvSpPr>
+        <p:spPr/>
+        <p:txBody>
+          <a:bodyPr/>
+          <a:lstStyle/>
+          <a:p>
+            <a:r>
+              <a:rPr lang="en-US"/>
+              <a:t>Clearly defined Design process</a:t>
+            </a:r>
+          </a:p>
+          <a:p>
+            <a:r>
+              <a:rPr lang="en-US"/>
+              <a:t>Images and data that show design/build process</a:t>
+            </a:r>
+          </a:p>
+          <a:p>
+            <a:r>
+              <a:rPr lang="en-US"/>
+              <a:t>Show achieved performance of each subsystem</a:t>
+            </a:r>
+          </a:p>
+          <a:p>
+            <a:r>
+              <a:rPr lang="en-US"/>
+              <a:t>Graphs and tables with readable text</a:t>
+            </a:r>
+          </a:p>
+          <a:p>
+            <a:r>
+              <a:rPr lang="en-US"/>
+              <a:t>Block diagrams described in detail</a:t>
+            </a:r>
+          </a:p>
+          <a:p>
+            <a:r>
+              <a:rPr lang="en-US"/>
+              <a:t>Performance achievable (goal of subsystem that contributes to overall system success?)</a:t>
+            </a:r>
+          </a:p>
+          <a:p>
+            <a:endParaRPr lang="en-US"/>
+          </a:p>
+        </p:txBody>
+      </p:sp>
+    </p:spTree>
+    <p:extLst>
+      <p:ext uri="{BB962C8B-B14F-4D97-AF65-F5344CB8AC3E}">
+        <p14:creationId xmlns:p14="http://schemas.microsoft.com/office/powerpoint/2010/main" val="3928215850"/>
+      </p:ext>
+    </p:extLst>
+  </p:cSld>
+  <p:clrMapOvr>
+    <a:masterClrMapping/>
+  </p:clrMapOvr>
+</p:sld>
+</file>
+
+<file path=ppt/slides/slide6.xml><?xml version="1.0" encoding="utf-8"?>
+<p:sld xmlns:a="http://schemas.openxmlformats.org/drawingml/2006/main" xmlns:r="http://schemas.openxmlformats.org/officeDocument/2006/relationships" xmlns:p="http://schemas.openxmlformats.org/presentationml/2006/main">
+  <p:cSld>
+    <p:spTree>
+      <p:nvGrpSpPr>
+        <p:cNvPr id="1" name=""/>
+        <p:cNvGrpSpPr/>
+        <p:nvPr/>
+      </p:nvGrpSpPr>
+      <p:grpSpPr>
+        <a:xfrm>
+          <a:off x="0" y="0"/>
+          <a:ext cx="0" cy="0"/>
+          <a:chOff x="0" y="0"/>
+          <a:chExt cx="0" cy="0"/>
+        </a:xfrm>
+      </p:grpSpPr>
+      <p:sp>
+        <p:nvSpPr>
+          <p:cNvPr id="2" name="Title 1">
+            <a:extLst>
+              <a:ext uri="{FF2B5EF4-FFF2-40B4-BE49-F238E27FC236}">
+                <a16:creationId xmlns:a16="http://schemas.microsoft.com/office/drawing/2014/main" id="{468B33FC-5B50-2F21-E2B4-5EDC5DFC251A}"/>
+              </a:ext>
+            </a:extLst>
+          </p:cNvPr>
+          <p:cNvSpPr>
+            <a:spLocks noGrp="1"/>
+          </p:cNvSpPr>
+          <p:nvPr>
+            <p:ph type="title"/>
+          </p:nvPr>
+        </p:nvSpPr>
+        <p:spPr/>
+        <p:txBody>
+          <a:bodyPr/>
+          <a:lstStyle/>
+          <a:p>
+            <a:r>
+              <a:rPr lang="en-US"/>
+              <a:t>Computer Vision Subsystem</a:t>
+            </a:r>
+          </a:p>
+        </p:txBody>
+      </p:sp>
+      <p:sp>
+        <p:nvSpPr>
+          <p:cNvPr id="3" name="Content Placeholder 2">
+            <a:extLst>
+              <a:ext uri="{FF2B5EF4-FFF2-40B4-BE49-F238E27FC236}">
+                <a16:creationId xmlns:a16="http://schemas.microsoft.com/office/drawing/2014/main" id="{BAB3B5AD-7F8D-36AD-1390-9CEDC96A4C13}"/>
+              </a:ext>
+            </a:extLst>
+          </p:cNvPr>
+          <p:cNvSpPr>
+            <a:spLocks noGrp="1"/>
+          </p:cNvSpPr>
+          <p:nvPr>
+            <p:ph idx="1"/>
+          </p:nvPr>
+        </p:nvSpPr>
+        <p:spPr/>
+        <p:txBody>
+          <a:bodyPr/>
+          <a:lstStyle/>
+          <a:p>
+            <a:r>
+              <a:rPr lang="en-US"/>
+              <a:t>Clearly defined Design process</a:t>
+            </a:r>
+          </a:p>
+          <a:p>
+            <a:r>
+              <a:rPr lang="en-US"/>
+              <a:t>Images and data that show design/build process</a:t>
+            </a:r>
+          </a:p>
+          <a:p>
+            <a:r>
+              <a:rPr lang="en-US"/>
+              <a:t>Show achieved performance of each subsystem</a:t>
+            </a:r>
+          </a:p>
+          <a:p>
+            <a:r>
+              <a:rPr lang="en-US"/>
+              <a:t>Graphs and tables with readable text</a:t>
+            </a:r>
+          </a:p>
+          <a:p>
+            <a:r>
+              <a:rPr lang="en-US"/>
+              <a:t>Block diagrams described in detail</a:t>
+            </a:r>
+          </a:p>
+          <a:p>
+            <a:r>
+              <a:rPr lang="en-US"/>
+              <a:t>Performance achievable (goal of subsystem that contributes to overall system success?)</a:t>
+            </a:r>
+          </a:p>
+          <a:p>
+            <a:endParaRPr lang="en-US"/>
+          </a:p>
+        </p:txBody>
+      </p:sp>
+    </p:spTree>
+    <p:extLst>
+      <p:ext uri="{BB962C8B-B14F-4D97-AF65-F5344CB8AC3E}">
+        <p14:creationId xmlns:p14="http://schemas.microsoft.com/office/powerpoint/2010/main" val="3446202391"/>
+      </p:ext>
+    </p:extLst>
+  </p:cSld>
+  <p:clrMapOvr>
+    <a:masterClrMapping/>
+  </p:clrMapOvr>
+</p:sld>
+</file>
+
+<file path=ppt/slides/slide7.xml><?xml version="1.0" encoding="utf-8"?>
+<p:sld xmlns:a="http://schemas.openxmlformats.org/drawingml/2006/main" xmlns:r="http://schemas.openxmlformats.org/officeDocument/2006/relationships" xmlns:p="http://schemas.openxmlformats.org/presentationml/2006/main">
+  <p:cSld>
+    <p:spTree>
+      <p:nvGrpSpPr>
+        <p:cNvPr id="1" name=""/>
+        <p:cNvGrpSpPr/>
+        <p:nvPr/>
+      </p:nvGrpSpPr>
+      <p:grpSpPr>
+        <a:xfrm>
+          <a:off x="0" y="0"/>
+          <a:ext cx="0" cy="0"/>
+          <a:chOff x="0" y="0"/>
+          <a:chExt cx="0" cy="0"/>
+        </a:xfrm>
+      </p:grpSpPr>
+      <p:sp>
+        <p:nvSpPr>
+          <p:cNvPr id="2" name="Title 1">
+            <a:extLst>
+              <a:ext uri="{FF2B5EF4-FFF2-40B4-BE49-F238E27FC236}">
+                <a16:creationId xmlns:a16="http://schemas.microsoft.com/office/drawing/2014/main" id="{6809C795-4042-CC5A-647E-5016B8E19E84}"/>
+              </a:ext>
+            </a:extLst>
+          </p:cNvPr>
+          <p:cNvSpPr>
+            <a:spLocks noGrp="1"/>
+          </p:cNvSpPr>
+          <p:nvPr>
+            <p:ph type="title"/>
+          </p:nvPr>
+        </p:nvSpPr>
+        <p:spPr/>
+        <p:txBody>
+          <a:bodyPr/>
+          <a:lstStyle/>
+          <a:p>
+            <a:r>
+              <a:rPr lang="en-US"/>
+              <a:t>Communication and Integration</a:t>
+            </a:r>
+          </a:p>
+        </p:txBody>
+      </p:sp>
+      <p:sp>
+        <p:nvSpPr>
+          <p:cNvPr id="3" name="Content Placeholder 2">
+            <a:extLst>
+              <a:ext uri="{FF2B5EF4-FFF2-40B4-BE49-F238E27FC236}">
+                <a16:creationId xmlns:a16="http://schemas.microsoft.com/office/drawing/2014/main" id="{A9AC157F-B5D5-20E2-9DA4-EA29118F63FC}"/>
+              </a:ext>
+            </a:extLst>
+          </p:cNvPr>
+          <p:cNvSpPr>
+            <a:spLocks noGrp="1"/>
+          </p:cNvSpPr>
+          <p:nvPr>
+            <p:ph idx="1"/>
+          </p:nvPr>
+        </p:nvSpPr>
+        <p:spPr/>
+        <p:txBody>
+          <a:bodyPr/>
+          <a:lstStyle/>
+          <a:p>
+            <a:r>
+              <a:rPr lang="en-US"/>
+              <a:t>Clearly defined Design process</a:t>
+            </a:r>
+          </a:p>
+          <a:p>
+            <a:r>
+              <a:rPr lang="en-US"/>
+              <a:t>Images and data that show design/build process</a:t>
+            </a:r>
+          </a:p>
+          <a:p>
+            <a:r>
+              <a:rPr lang="en-US"/>
+              <a:t>Show achieved performance of each subsystem</a:t>
+            </a:r>
+          </a:p>
+          <a:p>
+            <a:r>
+              <a:rPr lang="en-US"/>
+              <a:t>Graphs and tables with readable text</a:t>
+            </a:r>
+          </a:p>
+          <a:p>
+            <a:r>
+              <a:rPr lang="en-US"/>
+              <a:t>Block diagrams described in detail</a:t>
+            </a:r>
+          </a:p>
+          <a:p>
+            <a:r>
+              <a:rPr lang="en-US"/>
+              <a:t>Performance achievable (goal of subsystem that contributes to overall system success?)</a:t>
+            </a:r>
+          </a:p>
+          <a:p>
+            <a:endParaRPr lang="en-US"/>
+          </a:p>
+        </p:txBody>
+      </p:sp>
+    </p:spTree>
+    <p:extLst>
+      <p:ext uri="{BB962C8B-B14F-4D97-AF65-F5344CB8AC3E}">
+        <p14:creationId xmlns:p14="http://schemas.microsoft.com/office/powerpoint/2010/main" val="2396793982"/>
+      </p:ext>
+    </p:extLst>
+  </p:cSld>
+  <p:clrMapOvr>
+    <a:masterClrMapping/>
+  </p:clrMapOvr>
+</p:sld>
+</file>
+
+<file path=ppt/slides/slide8.xml><?xml version="1.0" encoding="utf-8"?>
+<p:sld xmlns:a="http://schemas.openxmlformats.org/drawingml/2006/main" xmlns:r="http://schemas.openxmlformats.org/officeDocument/2006/relationships" xmlns:p="http://schemas.openxmlformats.org/presentationml/2006/main">
+  <p:cSld>
+    <p:spTree>
+      <p:nvGrpSpPr>
+        <p:cNvPr id="1" name=""/>
+        <p:cNvGrpSpPr/>
+        <p:nvPr/>
+      </p:nvGrpSpPr>
+      <p:grpSpPr>
+        <a:xfrm>
+          <a:off x="0" y="0"/>
+          <a:ext cx="0" cy="0"/>
+          <a:chOff x="0" y="0"/>
+          <a:chExt cx="0" cy="0"/>
+        </a:xfrm>
+      </p:grpSpPr>
+      <p:sp>
+        <p:nvSpPr>
+          <p:cNvPr id="2" name="Title 1">
+            <a:extLst>
+              <a:ext uri="{FF2B5EF4-FFF2-40B4-BE49-F238E27FC236}">
+                <a16:creationId xmlns:a16="http://schemas.microsoft.com/office/drawing/2014/main" id="{BEB5B745-96C1-51E4-7056-D9562589D0F5}"/>
+              </a:ext>
+            </a:extLst>
+          </p:cNvPr>
+          <p:cNvSpPr>
+            <a:spLocks noGrp="1"/>
+          </p:cNvSpPr>
+          <p:nvPr>
+            <p:ph type="title"/>
+          </p:nvPr>
+        </p:nvSpPr>
+        <p:spPr/>
+        <p:txBody>
+          <a:bodyPr/>
+          <a:lstStyle/>
+          <a:p>
+            <a:r>
+              <a:rPr lang="en-US"/>
+              <a:t>Simulations and Experiments (each group add something)</a:t>
+            </a:r>
+          </a:p>
+        </p:txBody>
+      </p:sp>
+      <p:sp>
+        <p:nvSpPr>
+          <p:cNvPr id="3" name="Content Placeholder 2">
+            <a:extLst>
+              <a:ext uri="{FF2B5EF4-FFF2-40B4-BE49-F238E27FC236}">
+                <a16:creationId xmlns:a16="http://schemas.microsoft.com/office/drawing/2014/main" id="{00B45081-0BD4-AC98-E3FB-757FDF4BCC4C}"/>
+              </a:ext>
+            </a:extLst>
+          </p:cNvPr>
+          <p:cNvSpPr>
+            <a:spLocks noGrp="1"/>
+          </p:cNvSpPr>
+          <p:nvPr>
+            <p:ph idx="1"/>
+          </p:nvPr>
+        </p:nvSpPr>
+        <p:spPr/>
+        <p:txBody>
+          <a:bodyPr/>
+          <a:lstStyle/>
+          <a:p>
+            <a:r>
+              <a:rPr lang="en-US"/>
+              <a:t>Could be part of each subsystem, probably won’t be its own piece of the presentation</a:t>
+            </a:r>
+          </a:p>
+        </p:txBody>
+      </p:sp>
+    </p:spTree>
+    <p:extLst>
+      <p:ext uri="{BB962C8B-B14F-4D97-AF65-F5344CB8AC3E}">
+        <p14:creationId xmlns:p14="http://schemas.microsoft.com/office/powerpoint/2010/main" val="3372943132"/>
       </p:ext>
     </p:extLst>
   </p:cSld>

--- a/TeamPresentation/ProjectPresentation.pptx
+++ b/TeamPresentation/ProjectPresentation.pptx
@@ -136,2582 +136,13 @@
 <file path=ppt/revisionInfo.xml><?xml version="1.0" encoding="utf-8"?>
 <p1510:revInfo xmlns:a="http://schemas.openxmlformats.org/drawingml/2006/main" xmlns:r="http://schemas.openxmlformats.org/officeDocument/2006/relationships" xmlns:p1510="http://schemas.microsoft.com/office/powerpoint/2015/10/main">
   <p1510:revLst>
-    <p1510:client id="{387E982F-AC20-48A9-A5D7-3E1105CE4D48}" v="334" dt="2024-03-15T17:51:10.372"/>
-    <p1510:client id="{631F1702-B937-4118-906D-5A11C7AE1DE5}" v="2485" dt="2024-03-15T18:16:56.358"/>
+    <p1510:client id="{387E982F-AC20-48A9-A5D7-3E1105CE4D48}" v="337" dt="2024-03-29T22:55:49.743"/>
   </p1510:revLst>
 </p1510:revInfo>
 </file>
 
 <file path=ppt/changesInfos/changesInfo1.xml><?xml version="1.0" encoding="utf-8"?>
 <pc:chgInfo xmlns:a="http://schemas.openxmlformats.org/drawingml/2006/main" xmlns:r="http://schemas.openxmlformats.org/officeDocument/2006/relationships" xmlns:ac="http://schemas.microsoft.com/office/drawing/2013/main/command" xmlns:pc="http://schemas.microsoft.com/office/powerpoint/2013/main/command">
-  <pc:docChgLst>
-    <pc:chgData name="Joel Shorey (Student)" userId="efeb13ac-a1a8-4105-bba8-6f92df6e6b9f" providerId="ADAL" clId="{631F1702-B937-4118-906D-5A11C7AE1DE5}"/>
-    <pc:docChg chg="undo custSel addSld delSld modSld">
-      <pc:chgData name="Joel Shorey (Student)" userId="efeb13ac-a1a8-4105-bba8-6f92df6e6b9f" providerId="ADAL" clId="{631F1702-B937-4118-906D-5A11C7AE1DE5}" dt="2024-03-15T18:16:56.358" v="2647" actId="1076"/>
-      <pc:docMkLst>
-        <pc:docMk/>
-      </pc:docMkLst>
-      <pc:sldChg chg="modSp mod">
-        <pc:chgData name="Joel Shorey (Student)" userId="efeb13ac-a1a8-4105-bba8-6f92df6e6b9f" providerId="ADAL" clId="{631F1702-B937-4118-906D-5A11C7AE1DE5}" dt="2024-03-15T17:16:14.075" v="2537" actId="255"/>
-        <pc:sldMkLst>
-          <pc:docMk/>
-          <pc:sldMk cId="234320675" sldId="256"/>
-        </pc:sldMkLst>
-        <pc:spChg chg="mod">
-          <ac:chgData name="Joel Shorey (Student)" userId="efeb13ac-a1a8-4105-bba8-6f92df6e6b9f" providerId="ADAL" clId="{631F1702-B937-4118-906D-5A11C7AE1DE5}" dt="2024-03-15T17:16:14.075" v="2537" actId="255"/>
-          <ac:spMkLst>
-            <pc:docMk/>
-            <pc:sldMk cId="234320675" sldId="256"/>
-            <ac:spMk id="2" creationId="{20F0F418-8CFC-AF03-63CD-F9449637605C}"/>
-          </ac:spMkLst>
-        </pc:spChg>
-      </pc:sldChg>
-      <pc:sldChg chg="del">
-        <pc:chgData name="Joel Shorey (Student)" userId="efeb13ac-a1a8-4105-bba8-6f92df6e6b9f" providerId="ADAL" clId="{631F1702-B937-4118-906D-5A11C7AE1DE5}" dt="2024-03-13T21:09:15.726" v="1543" actId="47"/>
-        <pc:sldMkLst>
-          <pc:docMk/>
-          <pc:sldMk cId="907987910" sldId="260"/>
-        </pc:sldMkLst>
-      </pc:sldChg>
-      <pc:sldChg chg="del">
-        <pc:chgData name="Joel Shorey (Student)" userId="efeb13ac-a1a8-4105-bba8-6f92df6e6b9f" providerId="ADAL" clId="{631F1702-B937-4118-906D-5A11C7AE1DE5}" dt="2024-03-13T21:04:53.508" v="1530" actId="47"/>
-        <pc:sldMkLst>
-          <pc:docMk/>
-          <pc:sldMk cId="3928215850" sldId="261"/>
-        </pc:sldMkLst>
-      </pc:sldChg>
-      <pc:sldChg chg="modSp mod">
-        <pc:chgData name="Joel Shorey (Student)" userId="efeb13ac-a1a8-4105-bba8-6f92df6e6b9f" providerId="ADAL" clId="{631F1702-B937-4118-906D-5A11C7AE1DE5}" dt="2024-03-15T17:24:28.761" v="2621" actId="14100"/>
-        <pc:sldMkLst>
-          <pc:docMk/>
-          <pc:sldMk cId="2396793982" sldId="263"/>
-        </pc:sldMkLst>
-        <pc:spChg chg="mod">
-          <ac:chgData name="Joel Shorey (Student)" userId="efeb13ac-a1a8-4105-bba8-6f92df6e6b9f" providerId="ADAL" clId="{631F1702-B937-4118-906D-5A11C7AE1DE5}" dt="2024-03-15T17:24:22.235" v="2619" actId="1076"/>
-          <ac:spMkLst>
-            <pc:docMk/>
-            <pc:sldMk cId="2396793982" sldId="263"/>
-            <ac:spMk id="2" creationId="{6809C795-4042-CC5A-647E-5016B8E19E84}"/>
-          </ac:spMkLst>
-        </pc:spChg>
-        <pc:spChg chg="mod">
-          <ac:chgData name="Joel Shorey (Student)" userId="efeb13ac-a1a8-4105-bba8-6f92df6e6b9f" providerId="ADAL" clId="{631F1702-B937-4118-906D-5A11C7AE1DE5}" dt="2024-03-15T17:24:28.761" v="2621" actId="14100"/>
-          <ac:spMkLst>
-            <pc:docMk/>
-            <pc:sldMk cId="2396793982" sldId="263"/>
-            <ac:spMk id="3" creationId="{A9AC157F-B5D5-20E2-9DA4-EA29118F63FC}"/>
-          </ac:spMkLst>
-        </pc:spChg>
-      </pc:sldChg>
-      <pc:sldChg chg="modSp mod">
-        <pc:chgData name="Joel Shorey (Student)" userId="efeb13ac-a1a8-4105-bba8-6f92df6e6b9f" providerId="ADAL" clId="{631F1702-B937-4118-906D-5A11C7AE1DE5}" dt="2024-03-15T17:23:48.656" v="2615" actId="1076"/>
-        <pc:sldMkLst>
-          <pc:docMk/>
-          <pc:sldMk cId="3498185693" sldId="264"/>
-        </pc:sldMkLst>
-        <pc:spChg chg="mod">
-          <ac:chgData name="Joel Shorey (Student)" userId="efeb13ac-a1a8-4105-bba8-6f92df6e6b9f" providerId="ADAL" clId="{631F1702-B937-4118-906D-5A11C7AE1DE5}" dt="2024-03-15T17:23:48.656" v="2615" actId="1076"/>
-          <ac:spMkLst>
-            <pc:docMk/>
-            <pc:sldMk cId="3498185693" sldId="264"/>
-            <ac:spMk id="2" creationId="{DAD4FEB1-1896-4D04-3477-F8E40CBA7E2E}"/>
-          </ac:spMkLst>
-        </pc:spChg>
-        <pc:spChg chg="mod">
-          <ac:chgData name="Joel Shorey (Student)" userId="efeb13ac-a1a8-4105-bba8-6f92df6e6b9f" providerId="ADAL" clId="{631F1702-B937-4118-906D-5A11C7AE1DE5}" dt="2024-03-15T17:23:38.272" v="2613" actId="1076"/>
-          <ac:spMkLst>
-            <pc:docMk/>
-            <pc:sldMk cId="3498185693" sldId="264"/>
-            <ac:spMk id="3" creationId="{37BDDD50-4114-09B9-F973-1B6A4E4252F3}"/>
-          </ac:spMkLst>
-        </pc:spChg>
-      </pc:sldChg>
-      <pc:sldChg chg="modSp mod">
-        <pc:chgData name="Joel Shorey (Student)" userId="efeb13ac-a1a8-4105-bba8-6f92df6e6b9f" providerId="ADAL" clId="{631F1702-B937-4118-906D-5A11C7AE1DE5}" dt="2024-03-15T17:24:01.503" v="2617" actId="1076"/>
-        <pc:sldMkLst>
-          <pc:docMk/>
-          <pc:sldMk cId="4282433805" sldId="265"/>
-        </pc:sldMkLst>
-        <pc:spChg chg="mod">
-          <ac:chgData name="Joel Shorey (Student)" userId="efeb13ac-a1a8-4105-bba8-6f92df6e6b9f" providerId="ADAL" clId="{631F1702-B937-4118-906D-5A11C7AE1DE5}" dt="2024-03-15T17:15:30.318" v="2532" actId="255"/>
-          <ac:spMkLst>
-            <pc:docMk/>
-            <pc:sldMk cId="4282433805" sldId="265"/>
-            <ac:spMk id="2" creationId="{8D59BAEB-686B-076D-6F94-24AF33C43842}"/>
-          </ac:spMkLst>
-        </pc:spChg>
-        <pc:spChg chg="mod">
-          <ac:chgData name="Joel Shorey (Student)" userId="efeb13ac-a1a8-4105-bba8-6f92df6e6b9f" providerId="ADAL" clId="{631F1702-B937-4118-906D-5A11C7AE1DE5}" dt="2024-03-15T17:24:01.503" v="2617" actId="1076"/>
-          <ac:spMkLst>
-            <pc:docMk/>
-            <pc:sldMk cId="4282433805" sldId="265"/>
-            <ac:spMk id="3" creationId="{61AA17EB-3313-5381-A3C4-8ACFAF2E635E}"/>
-          </ac:spMkLst>
-        </pc:spChg>
-      </pc:sldChg>
-      <pc:sldChg chg="modSp mod">
-        <pc:chgData name="Joel Shorey (Student)" userId="efeb13ac-a1a8-4105-bba8-6f92df6e6b9f" providerId="ADAL" clId="{631F1702-B937-4118-906D-5A11C7AE1DE5}" dt="2024-03-15T17:18:49.177" v="2554" actId="14100"/>
-        <pc:sldMkLst>
-          <pc:docMk/>
-          <pc:sldMk cId="2592547000" sldId="266"/>
-        </pc:sldMkLst>
-        <pc:spChg chg="mod">
-          <ac:chgData name="Joel Shorey (Student)" userId="efeb13ac-a1a8-4105-bba8-6f92df6e6b9f" providerId="ADAL" clId="{631F1702-B937-4118-906D-5A11C7AE1DE5}" dt="2024-03-15T17:12:22.957" v="2503" actId="255"/>
-          <ac:spMkLst>
-            <pc:docMk/>
-            <pc:sldMk cId="2592547000" sldId="266"/>
-            <ac:spMk id="2" creationId="{82D7485C-C17E-097C-D99E-2E410B176E92}"/>
-          </ac:spMkLst>
-        </pc:spChg>
-        <pc:spChg chg="mod">
-          <ac:chgData name="Joel Shorey (Student)" userId="efeb13ac-a1a8-4105-bba8-6f92df6e6b9f" providerId="ADAL" clId="{631F1702-B937-4118-906D-5A11C7AE1DE5}" dt="2024-03-15T17:18:49.177" v="2554" actId="14100"/>
-          <ac:spMkLst>
-            <pc:docMk/>
-            <pc:sldMk cId="2592547000" sldId="266"/>
-            <ac:spMk id="3" creationId="{CB0820ED-CB43-CA76-310F-14DE183269CB}"/>
-          </ac:spMkLst>
-        </pc:spChg>
-      </pc:sldChg>
-      <pc:sldChg chg="addSp modSp mod setBg">
-        <pc:chgData name="Joel Shorey (Student)" userId="efeb13ac-a1a8-4105-bba8-6f92df6e6b9f" providerId="ADAL" clId="{631F1702-B937-4118-906D-5A11C7AE1DE5}" dt="2024-03-15T17:18:26.596" v="2551" actId="14100"/>
-        <pc:sldMkLst>
-          <pc:docMk/>
-          <pc:sldMk cId="675645111" sldId="267"/>
-        </pc:sldMkLst>
-        <pc:spChg chg="mod">
-          <ac:chgData name="Joel Shorey (Student)" userId="efeb13ac-a1a8-4105-bba8-6f92df6e6b9f" providerId="ADAL" clId="{631F1702-B937-4118-906D-5A11C7AE1DE5}" dt="2024-03-15T17:12:32.150" v="2504" actId="255"/>
-          <ac:spMkLst>
-            <pc:docMk/>
-            <pc:sldMk cId="675645111" sldId="267"/>
-            <ac:spMk id="2" creationId="{800BCEC9-E715-B52B-E13E-49CCDFB662C9}"/>
-          </ac:spMkLst>
-        </pc:spChg>
-        <pc:spChg chg="mod">
-          <ac:chgData name="Joel Shorey (Student)" userId="efeb13ac-a1a8-4105-bba8-6f92df6e6b9f" providerId="ADAL" clId="{631F1702-B937-4118-906D-5A11C7AE1DE5}" dt="2024-03-15T17:18:26.596" v="2551" actId="14100"/>
-          <ac:spMkLst>
-            <pc:docMk/>
-            <pc:sldMk cId="675645111" sldId="267"/>
-            <ac:spMk id="3" creationId="{6AC13EE7-17DA-5C3E-B2C8-1DE0DAFA32FF}"/>
-          </ac:spMkLst>
-        </pc:spChg>
-        <pc:spChg chg="add">
-          <ac:chgData name="Joel Shorey (Student)" userId="efeb13ac-a1a8-4105-bba8-6f92df6e6b9f" providerId="ADAL" clId="{631F1702-B937-4118-906D-5A11C7AE1DE5}" dt="2024-03-15T17:04:53.702" v="2486" actId="26606"/>
-          <ac:spMkLst>
-            <pc:docMk/>
-            <pc:sldMk cId="675645111" sldId="267"/>
-            <ac:spMk id="1031" creationId="{6EFC920F-B85A-4068-BD93-41064EDE93D3}"/>
-          </ac:spMkLst>
-        </pc:spChg>
-        <pc:spChg chg="add">
-          <ac:chgData name="Joel Shorey (Student)" userId="efeb13ac-a1a8-4105-bba8-6f92df6e6b9f" providerId="ADAL" clId="{631F1702-B937-4118-906D-5A11C7AE1DE5}" dt="2024-03-15T17:04:53.702" v="2486" actId="26606"/>
-          <ac:spMkLst>
-            <pc:docMk/>
-            <pc:sldMk cId="675645111" sldId="267"/>
-            <ac:spMk id="1037" creationId="{CBC4F608-B4B8-48C3-9572-C0F061B1CD99}"/>
-          </ac:spMkLst>
-        </pc:spChg>
-        <pc:spChg chg="add">
-          <ac:chgData name="Joel Shorey (Student)" userId="efeb13ac-a1a8-4105-bba8-6f92df6e6b9f" providerId="ADAL" clId="{631F1702-B937-4118-906D-5A11C7AE1DE5}" dt="2024-03-15T17:04:53.702" v="2486" actId="26606"/>
-          <ac:spMkLst>
-            <pc:docMk/>
-            <pc:sldMk cId="675645111" sldId="267"/>
-            <ac:spMk id="1039" creationId="{1382A32C-5B0C-4B1C-A074-76C6DBCC9F87}"/>
-          </ac:spMkLst>
-        </pc:spChg>
-        <pc:grpChg chg="add">
-          <ac:chgData name="Joel Shorey (Student)" userId="efeb13ac-a1a8-4105-bba8-6f92df6e6b9f" providerId="ADAL" clId="{631F1702-B937-4118-906D-5A11C7AE1DE5}" dt="2024-03-15T17:04:53.702" v="2486" actId="26606"/>
-          <ac:grpSpMkLst>
-            <pc:docMk/>
-            <pc:sldMk cId="675645111" sldId="267"/>
-            <ac:grpSpMk id="1033" creationId="{1C559108-BBAE-426C-8564-051D2BA6DDC8}"/>
-          </ac:grpSpMkLst>
-        </pc:grpChg>
-        <pc:picChg chg="add mod">
-          <ac:chgData name="Joel Shorey (Student)" userId="efeb13ac-a1a8-4105-bba8-6f92df6e6b9f" providerId="ADAL" clId="{631F1702-B937-4118-906D-5A11C7AE1DE5}" dt="2024-03-15T17:04:53.702" v="2486" actId="26606"/>
-          <ac:picMkLst>
-            <pc:docMk/>
-            <pc:sldMk cId="675645111" sldId="267"/>
-            <ac:picMk id="1026" creationId="{76649751-B4BA-7B14-88E7-8BF7D1F4716D}"/>
-          </ac:picMkLst>
-        </pc:picChg>
-      </pc:sldChg>
-      <pc:sldChg chg="modSp mod">
-        <pc:chgData name="Joel Shorey (Student)" userId="efeb13ac-a1a8-4105-bba8-6f92df6e6b9f" providerId="ADAL" clId="{631F1702-B937-4118-906D-5A11C7AE1DE5}" dt="2024-03-15T17:23:09.687" v="2607" actId="1076"/>
-        <pc:sldMkLst>
-          <pc:docMk/>
-          <pc:sldMk cId="3085835959" sldId="268"/>
-        </pc:sldMkLst>
-        <pc:spChg chg="mod">
-          <ac:chgData name="Joel Shorey (Student)" userId="efeb13ac-a1a8-4105-bba8-6f92df6e6b9f" providerId="ADAL" clId="{631F1702-B937-4118-906D-5A11C7AE1DE5}" dt="2024-03-15T17:14:55.175" v="2525" actId="255"/>
-          <ac:spMkLst>
-            <pc:docMk/>
-            <pc:sldMk cId="3085835959" sldId="268"/>
-            <ac:spMk id="2" creationId="{E0D42B90-D36E-F541-0DA9-D3AE86A9CC81}"/>
-          </ac:spMkLst>
-        </pc:spChg>
-        <pc:spChg chg="mod">
-          <ac:chgData name="Joel Shorey (Student)" userId="efeb13ac-a1a8-4105-bba8-6f92df6e6b9f" providerId="ADAL" clId="{631F1702-B937-4118-906D-5A11C7AE1DE5}" dt="2024-03-15T17:23:09.687" v="2607" actId="1076"/>
-          <ac:spMkLst>
-            <pc:docMk/>
-            <pc:sldMk cId="3085835959" sldId="268"/>
-            <ac:spMk id="3" creationId="{6B3CF716-4EFA-6566-2DC6-AC662E3D731E}"/>
-          </ac:spMkLst>
-        </pc:spChg>
-      </pc:sldChg>
-      <pc:sldChg chg="addSp modSp mod setBg modNotesTx">
-        <pc:chgData name="Joel Shorey (Student)" userId="efeb13ac-a1a8-4105-bba8-6f92df6e6b9f" providerId="ADAL" clId="{631F1702-B937-4118-906D-5A11C7AE1DE5}" dt="2024-03-15T18:16:56.358" v="2647" actId="1076"/>
-        <pc:sldMkLst>
-          <pc:docMk/>
-          <pc:sldMk cId="429712299" sldId="269"/>
-        </pc:sldMkLst>
-        <pc:spChg chg="mod">
-          <ac:chgData name="Joel Shorey (Student)" userId="efeb13ac-a1a8-4105-bba8-6f92df6e6b9f" providerId="ADAL" clId="{631F1702-B937-4118-906D-5A11C7AE1DE5}" dt="2024-03-15T17:12:15.480" v="2502" actId="255"/>
-          <ac:spMkLst>
-            <pc:docMk/>
-            <pc:sldMk cId="429712299" sldId="269"/>
-            <ac:spMk id="2" creationId="{A1BE16B5-0518-3336-16DF-25E2E5A448A0}"/>
-          </ac:spMkLst>
-        </pc:spChg>
-        <pc:spChg chg="mod">
-          <ac:chgData name="Joel Shorey (Student)" userId="efeb13ac-a1a8-4105-bba8-6f92df6e6b9f" providerId="ADAL" clId="{631F1702-B937-4118-906D-5A11C7AE1DE5}" dt="2024-03-15T18:16:56.358" v="2647" actId="1076"/>
-          <ac:spMkLst>
-            <pc:docMk/>
-            <pc:sldMk cId="429712299" sldId="269"/>
-            <ac:spMk id="3" creationId="{0DE0A9B2-02E3-EEC7-79A0-D9CAE464B68B}"/>
-          </ac:spMkLst>
-        </pc:spChg>
-        <pc:spChg chg="add">
-          <ac:chgData name="Joel Shorey (Student)" userId="efeb13ac-a1a8-4105-bba8-6f92df6e6b9f" providerId="ADAL" clId="{631F1702-B937-4118-906D-5A11C7AE1DE5}" dt="2024-03-15T17:05:04.025" v="2487" actId="26606"/>
-          <ac:spMkLst>
-            <pc:docMk/>
-            <pc:sldMk cId="429712299" sldId="269"/>
-            <ac:spMk id="8" creationId="{DBF61EA3-B236-439E-9C0B-340980D56BEE}"/>
-          </ac:spMkLst>
-        </pc:spChg>
-        <pc:spChg chg="add">
-          <ac:chgData name="Joel Shorey (Student)" userId="efeb13ac-a1a8-4105-bba8-6f92df6e6b9f" providerId="ADAL" clId="{631F1702-B937-4118-906D-5A11C7AE1DE5}" dt="2024-03-15T17:05:04.025" v="2487" actId="26606"/>
-          <ac:spMkLst>
-            <pc:docMk/>
-            <pc:sldMk cId="429712299" sldId="269"/>
-            <ac:spMk id="14" creationId="{E659831F-0D9A-4C63-9EBB-8435B85A440F}"/>
-          </ac:spMkLst>
-        </pc:spChg>
-        <pc:grpChg chg="add">
-          <ac:chgData name="Joel Shorey (Student)" userId="efeb13ac-a1a8-4105-bba8-6f92df6e6b9f" providerId="ADAL" clId="{631F1702-B937-4118-906D-5A11C7AE1DE5}" dt="2024-03-15T17:05:04.025" v="2487" actId="26606"/>
-          <ac:grpSpMkLst>
-            <pc:docMk/>
-            <pc:sldMk cId="429712299" sldId="269"/>
-            <ac:grpSpMk id="10" creationId="{28FAF094-D087-493F-8DF9-A486C2D6BBAA}"/>
-          </ac:grpSpMkLst>
-        </pc:grpChg>
-      </pc:sldChg>
-      <pc:sldChg chg="addSp modSp mod setBg modNotesTx">
-        <pc:chgData name="Joel Shorey (Student)" userId="efeb13ac-a1a8-4105-bba8-6f92df6e6b9f" providerId="ADAL" clId="{631F1702-B937-4118-906D-5A11C7AE1DE5}" dt="2024-03-15T17:22:15.436" v="2595" actId="1076"/>
-        <pc:sldMkLst>
-          <pc:docMk/>
-          <pc:sldMk cId="2766623718" sldId="270"/>
-        </pc:sldMkLst>
-        <pc:spChg chg="mod">
-          <ac:chgData name="Joel Shorey (Student)" userId="efeb13ac-a1a8-4105-bba8-6f92df6e6b9f" providerId="ADAL" clId="{631F1702-B937-4118-906D-5A11C7AE1DE5}" dt="2024-03-15T17:22:06.833" v="2593" actId="14100"/>
-          <ac:spMkLst>
-            <pc:docMk/>
-            <pc:sldMk cId="2766623718" sldId="270"/>
-            <ac:spMk id="2" creationId="{62253C70-6C03-D2B4-6ED8-5BEC296D605C}"/>
-          </ac:spMkLst>
-        </pc:spChg>
-        <pc:spChg chg="mod">
-          <ac:chgData name="Joel Shorey (Student)" userId="efeb13ac-a1a8-4105-bba8-6f92df6e6b9f" providerId="ADAL" clId="{631F1702-B937-4118-906D-5A11C7AE1DE5}" dt="2024-03-15T17:22:15.436" v="2595" actId="1076"/>
-          <ac:spMkLst>
-            <pc:docMk/>
-            <pc:sldMk cId="2766623718" sldId="270"/>
-            <ac:spMk id="3" creationId="{5150BF1F-3C30-460C-F88F-4312665694A6}"/>
-          </ac:spMkLst>
-        </pc:spChg>
-        <pc:spChg chg="add">
-          <ac:chgData name="Joel Shorey (Student)" userId="efeb13ac-a1a8-4105-bba8-6f92df6e6b9f" providerId="ADAL" clId="{631F1702-B937-4118-906D-5A11C7AE1DE5}" dt="2024-03-15T17:05:26.959" v="2489" actId="26606"/>
-          <ac:spMkLst>
-            <pc:docMk/>
-            <pc:sldMk cId="2766623718" sldId="270"/>
-            <ac:spMk id="8" creationId="{4DA718D0-4865-4629-8134-44F68D41D574}"/>
-          </ac:spMkLst>
-        </pc:spChg>
-        <pc:spChg chg="add">
-          <ac:chgData name="Joel Shorey (Student)" userId="efeb13ac-a1a8-4105-bba8-6f92df6e6b9f" providerId="ADAL" clId="{631F1702-B937-4118-906D-5A11C7AE1DE5}" dt="2024-03-15T17:05:26.959" v="2489" actId="26606"/>
-          <ac:spMkLst>
-            <pc:docMk/>
-            <pc:sldMk cId="2766623718" sldId="270"/>
-            <ac:spMk id="14" creationId="{CBC4F608-B4B8-48C3-9572-C0F061B1CD99}"/>
-          </ac:spMkLst>
-        </pc:spChg>
-        <pc:grpChg chg="add">
-          <ac:chgData name="Joel Shorey (Student)" userId="efeb13ac-a1a8-4105-bba8-6f92df6e6b9f" providerId="ADAL" clId="{631F1702-B937-4118-906D-5A11C7AE1DE5}" dt="2024-03-15T17:05:26.959" v="2489" actId="26606"/>
-          <ac:grpSpMkLst>
-            <pc:docMk/>
-            <pc:sldMk cId="2766623718" sldId="270"/>
-            <ac:grpSpMk id="10" creationId="{65167ED7-6315-43AB-B1B6-C326D5FD8F84}"/>
-          </ac:grpSpMkLst>
-        </pc:grpChg>
-      </pc:sldChg>
-      <pc:sldChg chg="addSp modSp mod setBg modNotesTx">
-        <pc:chgData name="Joel Shorey (Student)" userId="efeb13ac-a1a8-4105-bba8-6f92df6e6b9f" providerId="ADAL" clId="{631F1702-B937-4118-906D-5A11C7AE1DE5}" dt="2024-03-15T17:22:29.680" v="2597" actId="1076"/>
-        <pc:sldMkLst>
-          <pc:docMk/>
-          <pc:sldMk cId="1344676927" sldId="271"/>
-        </pc:sldMkLst>
-        <pc:spChg chg="mod">
-          <ac:chgData name="Joel Shorey (Student)" userId="efeb13ac-a1a8-4105-bba8-6f92df6e6b9f" providerId="ADAL" clId="{631F1702-B937-4118-906D-5A11C7AE1DE5}" dt="2024-03-15T17:13:30.345" v="2511" actId="255"/>
-          <ac:spMkLst>
-            <pc:docMk/>
-            <pc:sldMk cId="1344676927" sldId="271"/>
-            <ac:spMk id="2" creationId="{37969071-03F3-BF68-7DF7-9A6E553EF9F2}"/>
-          </ac:spMkLst>
-        </pc:spChg>
-        <pc:spChg chg="mod">
-          <ac:chgData name="Joel Shorey (Student)" userId="efeb13ac-a1a8-4105-bba8-6f92df6e6b9f" providerId="ADAL" clId="{631F1702-B937-4118-906D-5A11C7AE1DE5}" dt="2024-03-15T17:22:29.680" v="2597" actId="1076"/>
-          <ac:spMkLst>
-            <pc:docMk/>
-            <pc:sldMk cId="1344676927" sldId="271"/>
-            <ac:spMk id="3" creationId="{C15207E0-F9CD-47A3-D8CB-8486831FB6A4}"/>
-          </ac:spMkLst>
-        </pc:spChg>
-        <pc:spChg chg="add">
-          <ac:chgData name="Joel Shorey (Student)" userId="efeb13ac-a1a8-4105-bba8-6f92df6e6b9f" providerId="ADAL" clId="{631F1702-B937-4118-906D-5A11C7AE1DE5}" dt="2024-03-15T17:06:13.609" v="2492" actId="26606"/>
-          <ac:spMkLst>
-            <pc:docMk/>
-            <pc:sldMk cId="1344676927" sldId="271"/>
-            <ac:spMk id="8" creationId="{B6CDA21F-E7AF-4C75-8395-33F58D5B0E45}"/>
-          </ac:spMkLst>
-        </pc:spChg>
-        <pc:spChg chg="add">
-          <ac:chgData name="Joel Shorey (Student)" userId="efeb13ac-a1a8-4105-bba8-6f92df6e6b9f" providerId="ADAL" clId="{631F1702-B937-4118-906D-5A11C7AE1DE5}" dt="2024-03-15T17:06:13.609" v="2492" actId="26606"/>
-          <ac:spMkLst>
-            <pc:docMk/>
-            <pc:sldMk cId="1344676927" sldId="271"/>
-            <ac:spMk id="15" creationId="{D5B0017B-2ECA-49AF-B397-DC140825DF8D}"/>
-          </ac:spMkLst>
-        </pc:spChg>
-        <pc:grpChg chg="add">
-          <ac:chgData name="Joel Shorey (Student)" userId="efeb13ac-a1a8-4105-bba8-6f92df6e6b9f" providerId="ADAL" clId="{631F1702-B937-4118-906D-5A11C7AE1DE5}" dt="2024-03-15T17:06:13.609" v="2492" actId="26606"/>
-          <ac:grpSpMkLst>
-            <pc:docMk/>
-            <pc:sldMk cId="1344676927" sldId="271"/>
-            <ac:grpSpMk id="10" creationId="{AE1C45F0-260A-458C-96ED-C1F6D2151219}"/>
-          </ac:grpSpMkLst>
-        </pc:grpChg>
-        <pc:cxnChg chg="add">
-          <ac:chgData name="Joel Shorey (Student)" userId="efeb13ac-a1a8-4105-bba8-6f92df6e6b9f" providerId="ADAL" clId="{631F1702-B937-4118-906D-5A11C7AE1DE5}" dt="2024-03-15T17:06:13.609" v="2492" actId="26606"/>
-          <ac:cxnSpMkLst>
-            <pc:docMk/>
-            <pc:sldMk cId="1344676927" sldId="271"/>
-            <ac:cxnSpMk id="17" creationId="{6CF1BAF6-AD41-4082-B212-8A1F9A2E8779}"/>
-          </ac:cxnSpMkLst>
-        </pc:cxnChg>
-      </pc:sldChg>
-      <pc:sldChg chg="new">
-        <pc:chgData name="Joel Shorey (Student)" userId="efeb13ac-a1a8-4105-bba8-6f92df6e6b9f" providerId="ADAL" clId="{631F1702-B937-4118-906D-5A11C7AE1DE5}" dt="2024-03-13T20:12:46.573" v="0" actId="680"/>
-        <pc:sldMkLst>
-          <pc:docMk/>
-          <pc:sldMk cId="176244466" sldId="272"/>
-        </pc:sldMkLst>
-      </pc:sldChg>
-      <pc:sldChg chg="addSp modSp mod setBg modNotesTx">
-        <pc:chgData name="Joel Shorey (Student)" userId="efeb13ac-a1a8-4105-bba8-6f92df6e6b9f" providerId="ADAL" clId="{631F1702-B937-4118-906D-5A11C7AE1DE5}" dt="2024-03-15T17:26:51.151" v="2639" actId="14100"/>
-        <pc:sldMkLst>
-          <pc:docMk/>
-          <pc:sldMk cId="833408984" sldId="272"/>
-        </pc:sldMkLst>
-        <pc:spChg chg="mod">
-          <ac:chgData name="Joel Shorey (Student)" userId="efeb13ac-a1a8-4105-bba8-6f92df6e6b9f" providerId="ADAL" clId="{631F1702-B937-4118-906D-5A11C7AE1DE5}" dt="2024-03-15T17:26:51.151" v="2639" actId="14100"/>
-          <ac:spMkLst>
-            <pc:docMk/>
-            <pc:sldMk cId="833408984" sldId="272"/>
-            <ac:spMk id="2" creationId="{F4AF2B95-5C06-5380-8759-E58BF961D259}"/>
-          </ac:spMkLst>
-        </pc:spChg>
-        <pc:spChg chg="mod">
-          <ac:chgData name="Joel Shorey (Student)" userId="efeb13ac-a1a8-4105-bba8-6f92df6e6b9f" providerId="ADAL" clId="{631F1702-B937-4118-906D-5A11C7AE1DE5}" dt="2024-03-15T17:22:41.291" v="2600" actId="1076"/>
-          <ac:spMkLst>
-            <pc:docMk/>
-            <pc:sldMk cId="833408984" sldId="272"/>
-            <ac:spMk id="3" creationId="{CED9B64C-B477-2972-D888-A88C6427B333}"/>
-          </ac:spMkLst>
-        </pc:spChg>
-        <pc:spChg chg="add">
-          <ac:chgData name="Joel Shorey (Student)" userId="efeb13ac-a1a8-4105-bba8-6f92df6e6b9f" providerId="ADAL" clId="{631F1702-B937-4118-906D-5A11C7AE1DE5}" dt="2024-03-15T17:07:01.268" v="2498" actId="26606"/>
-          <ac:spMkLst>
-            <pc:docMk/>
-            <pc:sldMk cId="833408984" sldId="272"/>
-            <ac:spMk id="8" creationId="{DBF61EA3-B236-439E-9C0B-340980D56BEE}"/>
-          </ac:spMkLst>
-        </pc:spChg>
-        <pc:spChg chg="add">
-          <ac:chgData name="Joel Shorey (Student)" userId="efeb13ac-a1a8-4105-bba8-6f92df6e6b9f" providerId="ADAL" clId="{631F1702-B937-4118-906D-5A11C7AE1DE5}" dt="2024-03-15T17:07:01.268" v="2498" actId="26606"/>
-          <ac:spMkLst>
-            <pc:docMk/>
-            <pc:sldMk cId="833408984" sldId="272"/>
-            <ac:spMk id="14" creationId="{E659831F-0D9A-4C63-9EBB-8435B85A440F}"/>
-          </ac:spMkLst>
-        </pc:spChg>
-        <pc:grpChg chg="add">
-          <ac:chgData name="Joel Shorey (Student)" userId="efeb13ac-a1a8-4105-bba8-6f92df6e6b9f" providerId="ADAL" clId="{631F1702-B937-4118-906D-5A11C7AE1DE5}" dt="2024-03-15T17:07:01.268" v="2498" actId="26606"/>
-          <ac:grpSpMkLst>
-            <pc:docMk/>
-            <pc:sldMk cId="833408984" sldId="272"/>
-            <ac:grpSpMk id="10" creationId="{28FAF094-D087-493F-8DF9-A486C2D6BBAA}"/>
-          </ac:grpSpMkLst>
-        </pc:grpChg>
-      </pc:sldChg>
-      <pc:sldChg chg="addSp delSp modSp mod setBg">
-        <pc:chgData name="Joel Shorey (Student)" userId="efeb13ac-a1a8-4105-bba8-6f92df6e6b9f" providerId="ADAL" clId="{631F1702-B937-4118-906D-5A11C7AE1DE5}" dt="2024-03-15T17:14:22.296" v="2521" actId="1076"/>
-        <pc:sldMkLst>
-          <pc:docMk/>
-          <pc:sldMk cId="176244466" sldId="273"/>
-        </pc:sldMkLst>
-        <pc:spChg chg="mod">
-          <ac:chgData name="Joel Shorey (Student)" userId="efeb13ac-a1a8-4105-bba8-6f92df6e6b9f" providerId="ADAL" clId="{631F1702-B937-4118-906D-5A11C7AE1DE5}" dt="2024-03-15T17:14:22.296" v="2521" actId="1076"/>
-          <ac:spMkLst>
-            <pc:docMk/>
-            <pc:sldMk cId="176244466" sldId="273"/>
-            <ac:spMk id="2" creationId="{7417232C-720D-6752-429B-B5252B698094}"/>
-          </ac:spMkLst>
-        </pc:spChg>
-        <pc:spChg chg="del">
-          <ac:chgData name="Joel Shorey (Student)" userId="efeb13ac-a1a8-4105-bba8-6f92df6e6b9f" providerId="ADAL" clId="{631F1702-B937-4118-906D-5A11C7AE1DE5}" dt="2024-03-13T20:13:01.460" v="43" actId="478"/>
-          <ac:spMkLst>
-            <pc:docMk/>
-            <pc:sldMk cId="176244466" sldId="273"/>
-            <ac:spMk id="3" creationId="{B84FE517-D4F4-CA78-278D-FD94279633E4}"/>
-          </ac:spMkLst>
-        </pc:spChg>
-        <pc:spChg chg="add">
-          <ac:chgData name="Joel Shorey (Student)" userId="efeb13ac-a1a8-4105-bba8-6f92df6e6b9f" providerId="ADAL" clId="{631F1702-B937-4118-906D-5A11C7AE1DE5}" dt="2024-03-15T17:05:38.383" v="2490" actId="26606"/>
-          <ac:spMkLst>
-            <pc:docMk/>
-            <pc:sldMk cId="176244466" sldId="273"/>
-            <ac:spMk id="10" creationId="{9180DE06-7362-4888-AADA-7AADD57AC49D}"/>
-          </ac:spMkLst>
-        </pc:spChg>
-        <pc:spChg chg="add">
-          <ac:chgData name="Joel Shorey (Student)" userId="efeb13ac-a1a8-4105-bba8-6f92df6e6b9f" providerId="ADAL" clId="{631F1702-B937-4118-906D-5A11C7AE1DE5}" dt="2024-03-15T17:05:38.383" v="2490" actId="26606"/>
-          <ac:spMkLst>
-            <pc:docMk/>
-            <pc:sldMk cId="176244466" sldId="273"/>
-            <ac:spMk id="16" creationId="{04357C93-F0CB-4A1C-8F77-4E9063789819}"/>
-          </ac:spMkLst>
-        </pc:spChg>
-        <pc:grpChg chg="add">
-          <ac:chgData name="Joel Shorey (Student)" userId="efeb13ac-a1a8-4105-bba8-6f92df6e6b9f" providerId="ADAL" clId="{631F1702-B937-4118-906D-5A11C7AE1DE5}" dt="2024-03-15T17:05:38.383" v="2490" actId="26606"/>
-          <ac:grpSpMkLst>
-            <pc:docMk/>
-            <pc:sldMk cId="176244466" sldId="273"/>
-            <ac:grpSpMk id="12" creationId="{3AF6A671-C637-4547-85F4-51B6D1881399}"/>
-          </ac:grpSpMkLst>
-        </pc:grpChg>
-        <pc:picChg chg="add mod">
-          <ac:chgData name="Joel Shorey (Student)" userId="efeb13ac-a1a8-4105-bba8-6f92df6e6b9f" providerId="ADAL" clId="{631F1702-B937-4118-906D-5A11C7AE1DE5}" dt="2024-03-15T17:05:38.383" v="2490" actId="26606"/>
-          <ac:picMkLst>
-            <pc:docMk/>
-            <pc:sldMk cId="176244466" sldId="273"/>
-            <ac:picMk id="5" creationId="{A6794B46-FF66-85AE-5630-997F6718DE13}"/>
-          </ac:picMkLst>
-        </pc:picChg>
-      </pc:sldChg>
-      <pc:sldChg chg="addSp modSp mod setBg modNotesTx">
-        <pc:chgData name="Joel Shorey (Student)" userId="efeb13ac-a1a8-4105-bba8-6f92df6e6b9f" providerId="ADAL" clId="{631F1702-B937-4118-906D-5A11C7AE1DE5}" dt="2024-03-15T17:21:48.353" v="2589" actId="1076"/>
-        <pc:sldMkLst>
-          <pc:docMk/>
-          <pc:sldMk cId="898442046" sldId="274"/>
-        </pc:sldMkLst>
-        <pc:spChg chg="mod">
-          <ac:chgData name="Joel Shorey (Student)" userId="efeb13ac-a1a8-4105-bba8-6f92df6e6b9f" providerId="ADAL" clId="{631F1702-B937-4118-906D-5A11C7AE1DE5}" dt="2024-03-15T17:12:52.035" v="2505" actId="255"/>
-          <ac:spMkLst>
-            <pc:docMk/>
-            <pc:sldMk cId="898442046" sldId="274"/>
-            <ac:spMk id="2" creationId="{CE5C8BC2-B6F2-8846-40B0-D7E2B2FF9C3F}"/>
-          </ac:spMkLst>
-        </pc:spChg>
-        <pc:spChg chg="mod">
-          <ac:chgData name="Joel Shorey (Student)" userId="efeb13ac-a1a8-4105-bba8-6f92df6e6b9f" providerId="ADAL" clId="{631F1702-B937-4118-906D-5A11C7AE1DE5}" dt="2024-03-15T17:21:48.353" v="2589" actId="1076"/>
-          <ac:spMkLst>
-            <pc:docMk/>
-            <pc:sldMk cId="898442046" sldId="274"/>
-            <ac:spMk id="3" creationId="{4119DD99-55A5-19B7-62DB-07F85371ACFC}"/>
-          </ac:spMkLst>
-        </pc:spChg>
-        <pc:spChg chg="add">
-          <ac:chgData name="Joel Shorey (Student)" userId="efeb13ac-a1a8-4105-bba8-6f92df6e6b9f" providerId="ADAL" clId="{631F1702-B937-4118-906D-5A11C7AE1DE5}" dt="2024-03-15T17:05:17.847" v="2488" actId="26606"/>
-          <ac:spMkLst>
-            <pc:docMk/>
-            <pc:sldMk cId="898442046" sldId="274"/>
-            <ac:spMk id="8" creationId="{B6CDA21F-E7AF-4C75-8395-33F58D5B0E45}"/>
-          </ac:spMkLst>
-        </pc:spChg>
-        <pc:spChg chg="add">
-          <ac:chgData name="Joel Shorey (Student)" userId="efeb13ac-a1a8-4105-bba8-6f92df6e6b9f" providerId="ADAL" clId="{631F1702-B937-4118-906D-5A11C7AE1DE5}" dt="2024-03-15T17:05:17.847" v="2488" actId="26606"/>
-          <ac:spMkLst>
-            <pc:docMk/>
-            <pc:sldMk cId="898442046" sldId="274"/>
-            <ac:spMk id="15" creationId="{D5B0017B-2ECA-49AF-B397-DC140825DF8D}"/>
-          </ac:spMkLst>
-        </pc:spChg>
-        <pc:grpChg chg="add">
-          <ac:chgData name="Joel Shorey (Student)" userId="efeb13ac-a1a8-4105-bba8-6f92df6e6b9f" providerId="ADAL" clId="{631F1702-B937-4118-906D-5A11C7AE1DE5}" dt="2024-03-15T17:05:17.847" v="2488" actId="26606"/>
-          <ac:grpSpMkLst>
-            <pc:docMk/>
-            <pc:sldMk cId="898442046" sldId="274"/>
-            <ac:grpSpMk id="10" creationId="{AE1C45F0-260A-458C-96ED-C1F6D2151219}"/>
-          </ac:grpSpMkLst>
-        </pc:grpChg>
-        <pc:cxnChg chg="add">
-          <ac:chgData name="Joel Shorey (Student)" userId="efeb13ac-a1a8-4105-bba8-6f92df6e6b9f" providerId="ADAL" clId="{631F1702-B937-4118-906D-5A11C7AE1DE5}" dt="2024-03-15T17:05:17.847" v="2488" actId="26606"/>
-          <ac:cxnSpMkLst>
-            <pc:docMk/>
-            <pc:sldMk cId="898442046" sldId="274"/>
-            <ac:cxnSpMk id="17" creationId="{6CF1BAF6-AD41-4082-B212-8A1F9A2E8779}"/>
-          </ac:cxnSpMkLst>
-        </pc:cxnChg>
-      </pc:sldChg>
-      <pc:sldChg chg="del">
-        <pc:chgData name="Joel Shorey (Student)" userId="efeb13ac-a1a8-4105-bba8-6f92df6e6b9f" providerId="ADAL" clId="{631F1702-B937-4118-906D-5A11C7AE1DE5}" dt="2024-03-13T20:53:01.307" v="774" actId="47"/>
-        <pc:sldMkLst>
-          <pc:docMk/>
-          <pc:sldMk cId="1409966744" sldId="276"/>
-        </pc:sldMkLst>
-      </pc:sldChg>
-      <pc:sldChg chg="addSp delSp modSp mod">
-        <pc:chgData name="Joel Shorey (Student)" userId="efeb13ac-a1a8-4105-bba8-6f92df6e6b9f" providerId="ADAL" clId="{631F1702-B937-4118-906D-5A11C7AE1DE5}" dt="2024-03-15T17:23:29.570" v="2611" actId="1076"/>
-        <pc:sldMkLst>
-          <pc:docMk/>
-          <pc:sldMk cId="2002257491" sldId="277"/>
-        </pc:sldMkLst>
-        <pc:spChg chg="mod">
-          <ac:chgData name="Joel Shorey (Student)" userId="efeb13ac-a1a8-4105-bba8-6f92df6e6b9f" providerId="ADAL" clId="{631F1702-B937-4118-906D-5A11C7AE1DE5}" dt="2024-03-15T17:15:17.262" v="2530" actId="1076"/>
-          <ac:spMkLst>
-            <pc:docMk/>
-            <pc:sldMk cId="2002257491" sldId="277"/>
-            <ac:spMk id="2" creationId="{67AE8871-96B2-0FB7-216F-2AE202108C5C}"/>
-          </ac:spMkLst>
-        </pc:spChg>
-        <pc:spChg chg="mod">
-          <ac:chgData name="Joel Shorey (Student)" userId="efeb13ac-a1a8-4105-bba8-6f92df6e6b9f" providerId="ADAL" clId="{631F1702-B937-4118-906D-5A11C7AE1DE5}" dt="2024-03-15T17:23:29.570" v="2611" actId="1076"/>
-          <ac:spMkLst>
-            <pc:docMk/>
-            <pc:sldMk cId="2002257491" sldId="277"/>
-            <ac:spMk id="3" creationId="{6ADD6E1A-EFCF-E7F9-5CDE-7EB9AB725A6D}"/>
-          </ac:spMkLst>
-        </pc:spChg>
-        <pc:spChg chg="add del">
-          <ac:chgData name="Joel Shorey (Student)" userId="efeb13ac-a1a8-4105-bba8-6f92df6e6b9f" providerId="ADAL" clId="{631F1702-B937-4118-906D-5A11C7AE1DE5}" dt="2024-03-15T17:04:21.214" v="2485" actId="26606"/>
-          <ac:spMkLst>
-            <pc:docMk/>
-            <pc:sldMk cId="2002257491" sldId="277"/>
-            <ac:spMk id="51" creationId="{91DC6ABD-215C-4EA8-A483-CEF5B99AB385}"/>
-          </ac:spMkLst>
-        </pc:spChg>
-        <pc:spChg chg="add del">
-          <ac:chgData name="Joel Shorey (Student)" userId="efeb13ac-a1a8-4105-bba8-6f92df6e6b9f" providerId="ADAL" clId="{631F1702-B937-4118-906D-5A11C7AE1DE5}" dt="2024-03-15T17:04:21.214" v="2485" actId="26606"/>
-          <ac:spMkLst>
-            <pc:docMk/>
-            <pc:sldMk cId="2002257491" sldId="277"/>
-            <ac:spMk id="54" creationId="{04357C93-F0CB-4A1C-8F77-4E9063789819}"/>
-          </ac:spMkLst>
-        </pc:spChg>
-        <pc:spChg chg="add del">
-          <ac:chgData name="Joel Shorey (Student)" userId="efeb13ac-a1a8-4105-bba8-6f92df6e6b9f" providerId="ADAL" clId="{631F1702-B937-4118-906D-5A11C7AE1DE5}" dt="2024-03-15T17:04:21.214" v="2485" actId="26606"/>
-          <ac:spMkLst>
-            <pc:docMk/>
-            <pc:sldMk cId="2002257491" sldId="277"/>
-            <ac:spMk id="59" creationId="{22A397E7-BF60-45B2-84C7-B074B76C37A7}"/>
-          </ac:spMkLst>
-        </pc:spChg>
-        <pc:spChg chg="add del">
-          <ac:chgData name="Joel Shorey (Student)" userId="efeb13ac-a1a8-4105-bba8-6f92df6e6b9f" providerId="ADAL" clId="{631F1702-B937-4118-906D-5A11C7AE1DE5}" dt="2024-03-15T17:04:21.214" v="2485" actId="26606"/>
-          <ac:spMkLst>
-            <pc:docMk/>
-            <pc:sldMk cId="2002257491" sldId="277"/>
-            <ac:spMk id="61" creationId="{890DEF05-784E-4B61-89E4-04C4ECF4E5A0}"/>
-          </ac:spMkLst>
-        </pc:spChg>
-        <pc:grpChg chg="add del">
-          <ac:chgData name="Joel Shorey (Student)" userId="efeb13ac-a1a8-4105-bba8-6f92df6e6b9f" providerId="ADAL" clId="{631F1702-B937-4118-906D-5A11C7AE1DE5}" dt="2024-03-15T17:04:21.214" v="2485" actId="26606"/>
-          <ac:grpSpMkLst>
-            <pc:docMk/>
-            <pc:sldMk cId="2002257491" sldId="277"/>
-            <ac:grpSpMk id="52" creationId="{3AF6A671-C637-4547-85F4-51B6D1881399}"/>
-          </ac:grpSpMkLst>
-        </pc:grpChg>
-        <pc:picChg chg="mod ord">
-          <ac:chgData name="Joel Shorey (Student)" userId="efeb13ac-a1a8-4105-bba8-6f92df6e6b9f" providerId="ADAL" clId="{631F1702-B937-4118-906D-5A11C7AE1DE5}" dt="2024-03-15T17:04:21.214" v="2485" actId="26606"/>
-          <ac:picMkLst>
-            <pc:docMk/>
-            <pc:sldMk cId="2002257491" sldId="277"/>
-            <ac:picMk id="4" creationId="{AA0BECA3-9414-E9A7-7722-442863B7798C}"/>
-          </ac:picMkLst>
-        </pc:picChg>
-        <pc:cxnChg chg="add del">
-          <ac:chgData name="Joel Shorey (Student)" userId="efeb13ac-a1a8-4105-bba8-6f92df6e6b9f" providerId="ADAL" clId="{631F1702-B937-4118-906D-5A11C7AE1DE5}" dt="2024-03-15T17:04:21.214" v="2485" actId="26606"/>
-          <ac:cxnSpMkLst>
-            <pc:docMk/>
-            <pc:sldMk cId="2002257491" sldId="277"/>
-            <ac:cxnSpMk id="63" creationId="{C41BAEC7-F7B0-4224-8B18-8F74B7D87F0B}"/>
-          </ac:cxnSpMkLst>
-        </pc:cxnChg>
-      </pc:sldChg>
-      <pc:sldChg chg="addSp delSp modSp mod setBg modNotesTx">
-        <pc:chgData name="Joel Shorey (Student)" userId="efeb13ac-a1a8-4105-bba8-6f92df6e6b9f" providerId="ADAL" clId="{631F1702-B937-4118-906D-5A11C7AE1DE5}" dt="2024-03-15T17:27:02.696" v="2646" actId="20577"/>
-        <pc:sldMkLst>
-          <pc:docMk/>
-          <pc:sldMk cId="4106172094" sldId="278"/>
-        </pc:sldMkLst>
-        <pc:spChg chg="mod">
-          <ac:chgData name="Joel Shorey (Student)" userId="efeb13ac-a1a8-4105-bba8-6f92df6e6b9f" providerId="ADAL" clId="{631F1702-B937-4118-906D-5A11C7AE1DE5}" dt="2024-03-15T17:27:02.696" v="2646" actId="20577"/>
-          <ac:spMkLst>
-            <pc:docMk/>
-            <pc:sldMk cId="4106172094" sldId="278"/>
-            <ac:spMk id="2" creationId="{6F710674-8F47-E652-60B0-D9489E02E111}"/>
-          </ac:spMkLst>
-        </pc:spChg>
-        <pc:spChg chg="add del mod">
-          <ac:chgData name="Joel Shorey (Student)" userId="efeb13ac-a1a8-4105-bba8-6f92df6e6b9f" providerId="ADAL" clId="{631F1702-B937-4118-906D-5A11C7AE1DE5}" dt="2024-03-15T17:22:54.059" v="2603" actId="1076"/>
-          <ac:spMkLst>
-            <pc:docMk/>
-            <pc:sldMk cId="4106172094" sldId="278"/>
-            <ac:spMk id="3" creationId="{B524E7C7-9AE5-4E83-66DF-0AA1322B12ED}"/>
-          </ac:spMkLst>
-        </pc:spChg>
-        <pc:spChg chg="add">
-          <ac:chgData name="Joel Shorey (Student)" userId="efeb13ac-a1a8-4105-bba8-6f92df6e6b9f" providerId="ADAL" clId="{631F1702-B937-4118-906D-5A11C7AE1DE5}" dt="2024-03-15T17:07:07.490" v="2499" actId="26606"/>
-          <ac:spMkLst>
-            <pc:docMk/>
-            <pc:sldMk cId="4106172094" sldId="278"/>
-            <ac:spMk id="7" creationId="{D5B0017B-2ECA-49AF-B397-DC140825DF8D}"/>
-          </ac:spMkLst>
-        </pc:spChg>
-        <pc:spChg chg="add">
-          <ac:chgData name="Joel Shorey (Student)" userId="efeb13ac-a1a8-4105-bba8-6f92df6e6b9f" providerId="ADAL" clId="{631F1702-B937-4118-906D-5A11C7AE1DE5}" dt="2024-03-15T17:07:07.490" v="2499" actId="26606"/>
-          <ac:spMkLst>
-            <pc:docMk/>
-            <pc:sldMk cId="4106172094" sldId="278"/>
-            <ac:spMk id="8" creationId="{B6CDA21F-E7AF-4C75-8395-33F58D5B0E45}"/>
-          </ac:spMkLst>
-        </pc:spChg>
-        <pc:spChg chg="add del">
-          <ac:chgData name="Joel Shorey (Student)" userId="efeb13ac-a1a8-4105-bba8-6f92df6e6b9f" providerId="ADAL" clId="{631F1702-B937-4118-906D-5A11C7AE1DE5}" dt="2024-03-15T17:01:49.554" v="2483" actId="26606"/>
-          <ac:spMkLst>
-            <pc:docMk/>
-            <pc:sldMk cId="4106172094" sldId="278"/>
-            <ac:spMk id="9" creationId="{A1F6BF70-C7D1-4AF9-8DB4-BEEB8A9C3529}"/>
-          </ac:spMkLst>
-        </pc:spChg>
-        <pc:spChg chg="add del">
-          <ac:chgData name="Joel Shorey (Student)" userId="efeb13ac-a1a8-4105-bba8-6f92df6e6b9f" providerId="ADAL" clId="{631F1702-B937-4118-906D-5A11C7AE1DE5}" dt="2024-03-15T17:01:49.554" v="2483" actId="26606"/>
-          <ac:spMkLst>
-            <pc:docMk/>
-            <pc:sldMk cId="4106172094" sldId="278"/>
-            <ac:spMk id="15" creationId="{2C1BBA94-3F40-40AA-8BB9-E69E25E537C1}"/>
-          </ac:spMkLst>
-        </pc:spChg>
-        <pc:grpChg chg="add">
-          <ac:chgData name="Joel Shorey (Student)" userId="efeb13ac-a1a8-4105-bba8-6f92df6e6b9f" providerId="ADAL" clId="{631F1702-B937-4118-906D-5A11C7AE1DE5}" dt="2024-03-15T17:07:07.490" v="2499" actId="26606"/>
-          <ac:grpSpMkLst>
-            <pc:docMk/>
-            <pc:sldMk cId="4106172094" sldId="278"/>
-            <ac:grpSpMk id="10" creationId="{AE1C45F0-260A-458C-96ED-C1F6D2151219}"/>
-          </ac:grpSpMkLst>
-        </pc:grpChg>
-        <pc:grpChg chg="add del">
-          <ac:chgData name="Joel Shorey (Student)" userId="efeb13ac-a1a8-4105-bba8-6f92df6e6b9f" providerId="ADAL" clId="{631F1702-B937-4118-906D-5A11C7AE1DE5}" dt="2024-03-15T17:01:49.554" v="2483" actId="26606"/>
-          <ac:grpSpMkLst>
-            <pc:docMk/>
-            <pc:sldMk cId="4106172094" sldId="278"/>
-            <ac:grpSpMk id="11" creationId="{0C66A8B6-1F6E-4FCC-93B9-B9986B6FD111}"/>
-          </ac:grpSpMkLst>
-        </pc:grpChg>
-        <pc:graphicFrameChg chg="add del">
-          <ac:chgData name="Joel Shorey (Student)" userId="efeb13ac-a1a8-4105-bba8-6f92df6e6b9f" providerId="ADAL" clId="{631F1702-B937-4118-906D-5A11C7AE1DE5}" dt="2024-03-15T17:01:49.554" v="2483" actId="26606"/>
-          <ac:graphicFrameMkLst>
-            <pc:docMk/>
-            <pc:sldMk cId="4106172094" sldId="278"/>
-            <ac:graphicFrameMk id="5" creationId="{FCC22DD5-4CA4-5B5A-001E-B9CF698A187B}"/>
-          </ac:graphicFrameMkLst>
-        </pc:graphicFrameChg>
-        <pc:cxnChg chg="add">
-          <ac:chgData name="Joel Shorey (Student)" userId="efeb13ac-a1a8-4105-bba8-6f92df6e6b9f" providerId="ADAL" clId="{631F1702-B937-4118-906D-5A11C7AE1DE5}" dt="2024-03-15T17:07:07.490" v="2499" actId="26606"/>
-          <ac:cxnSpMkLst>
-            <pc:docMk/>
-            <pc:sldMk cId="4106172094" sldId="278"/>
-            <ac:cxnSpMk id="17" creationId="{6CF1BAF6-AD41-4082-B212-8A1F9A2E8779}"/>
-          </ac:cxnSpMkLst>
-        </pc:cxnChg>
-      </pc:sldChg>
-      <pc:sldChg chg="addSp delSp modSp new mod setBg">
-        <pc:chgData name="Joel Shorey (Student)" userId="efeb13ac-a1a8-4105-bba8-6f92df6e6b9f" providerId="ADAL" clId="{631F1702-B937-4118-906D-5A11C7AE1DE5}" dt="2024-03-15T17:26:02.697" v="2623" actId="14100"/>
-        <pc:sldMkLst>
-          <pc:docMk/>
-          <pc:sldMk cId="959600081" sldId="280"/>
-        </pc:sldMkLst>
-        <pc:spChg chg="mod">
-          <ac:chgData name="Joel Shorey (Student)" userId="efeb13ac-a1a8-4105-bba8-6f92df6e6b9f" providerId="ADAL" clId="{631F1702-B937-4118-906D-5A11C7AE1DE5}" dt="2024-03-15T17:14:02.027" v="2517" actId="255"/>
-          <ac:spMkLst>
-            <pc:docMk/>
-            <pc:sldMk cId="959600081" sldId="280"/>
-            <ac:spMk id="2" creationId="{55CEA096-E629-EEB3-F135-725A15F1EC1C}"/>
-          </ac:spMkLst>
-        </pc:spChg>
-        <pc:spChg chg="del">
-          <ac:chgData name="Joel Shorey (Student)" userId="efeb13ac-a1a8-4105-bba8-6f92df6e6b9f" providerId="ADAL" clId="{631F1702-B937-4118-906D-5A11C7AE1DE5}" dt="2024-03-13T20:36:13.194" v="126" actId="478"/>
-          <ac:spMkLst>
-            <pc:docMk/>
-            <pc:sldMk cId="959600081" sldId="280"/>
-            <ac:spMk id="3" creationId="{244D0872-B977-EA8E-4D72-0AA8DB874BDA}"/>
-          </ac:spMkLst>
-        </pc:spChg>
-        <pc:spChg chg="add">
-          <ac:chgData name="Joel Shorey (Student)" userId="efeb13ac-a1a8-4105-bba8-6f92df6e6b9f" providerId="ADAL" clId="{631F1702-B937-4118-906D-5A11C7AE1DE5}" dt="2024-03-15T17:06:27.625" v="2493" actId="26606"/>
-          <ac:spMkLst>
-            <pc:docMk/>
-            <pc:sldMk cId="959600081" sldId="280"/>
-            <ac:spMk id="10" creationId="{BA79A7CF-01AF-4178-9369-94E0C90EB046}"/>
-          </ac:spMkLst>
-        </pc:spChg>
-        <pc:spChg chg="add">
-          <ac:chgData name="Joel Shorey (Student)" userId="efeb13ac-a1a8-4105-bba8-6f92df6e6b9f" providerId="ADAL" clId="{631F1702-B937-4118-906D-5A11C7AE1DE5}" dt="2024-03-15T17:06:27.625" v="2493" actId="26606"/>
-          <ac:spMkLst>
-            <pc:docMk/>
-            <pc:sldMk cId="959600081" sldId="280"/>
-            <ac:spMk id="12" creationId="{99413ED5-9ED4-4772-BCE4-2BCAE6B12E35}"/>
-          </ac:spMkLst>
-        </pc:spChg>
-        <pc:spChg chg="add">
-          <ac:chgData name="Joel Shorey (Student)" userId="efeb13ac-a1a8-4105-bba8-6f92df6e6b9f" providerId="ADAL" clId="{631F1702-B937-4118-906D-5A11C7AE1DE5}" dt="2024-03-15T17:06:27.625" v="2493" actId="26606"/>
-          <ac:spMkLst>
-            <pc:docMk/>
-            <pc:sldMk cId="959600081" sldId="280"/>
-            <ac:spMk id="14" creationId="{04357C93-F0CB-4A1C-8F77-4E9063789819}"/>
-          </ac:spMkLst>
-        </pc:spChg>
-        <pc:spChg chg="add">
-          <ac:chgData name="Joel Shorey (Student)" userId="efeb13ac-a1a8-4105-bba8-6f92df6e6b9f" providerId="ADAL" clId="{631F1702-B937-4118-906D-5A11C7AE1DE5}" dt="2024-03-15T17:06:27.625" v="2493" actId="26606"/>
-          <ac:spMkLst>
-            <pc:docMk/>
-            <pc:sldMk cId="959600081" sldId="280"/>
-            <ac:spMk id="16" creationId="{90F533E9-6690-41A8-A372-4C6C622D028D}"/>
-          </ac:spMkLst>
-        </pc:spChg>
-        <pc:picChg chg="add mod">
-          <ac:chgData name="Joel Shorey (Student)" userId="efeb13ac-a1a8-4105-bba8-6f92df6e6b9f" providerId="ADAL" clId="{631F1702-B937-4118-906D-5A11C7AE1DE5}" dt="2024-03-15T17:26:02.697" v="2623" actId="14100"/>
-          <ac:picMkLst>
-            <pc:docMk/>
-            <pc:sldMk cId="959600081" sldId="280"/>
-            <ac:picMk id="5" creationId="{7AEBBE45-B1A8-1C03-E51D-6FE4699332E0}"/>
-          </ac:picMkLst>
-        </pc:picChg>
-      </pc:sldChg>
-      <pc:sldChg chg="modSp mod">
-        <pc:chgData name="Joel Shorey (Student)" userId="efeb13ac-a1a8-4105-bba8-6f92df6e6b9f" providerId="ADAL" clId="{631F1702-B937-4118-906D-5A11C7AE1DE5}" dt="2024-03-15T17:24:12.730" v="2618" actId="1076"/>
-        <pc:sldMkLst>
-          <pc:docMk/>
-          <pc:sldMk cId="3717565896" sldId="281"/>
-        </pc:sldMkLst>
-        <pc:spChg chg="mod">
-          <ac:chgData name="Joel Shorey (Student)" userId="efeb13ac-a1a8-4105-bba8-6f92df6e6b9f" providerId="ADAL" clId="{631F1702-B937-4118-906D-5A11C7AE1DE5}" dt="2024-03-15T17:15:37.597" v="2533" actId="255"/>
-          <ac:spMkLst>
-            <pc:docMk/>
-            <pc:sldMk cId="3717565896" sldId="281"/>
-            <ac:spMk id="2" creationId="{50E7C36E-FBD4-D03C-FD47-AB83F936D25A}"/>
-          </ac:spMkLst>
-        </pc:spChg>
-        <pc:spChg chg="mod">
-          <ac:chgData name="Joel Shorey (Student)" userId="efeb13ac-a1a8-4105-bba8-6f92df6e6b9f" providerId="ADAL" clId="{631F1702-B937-4118-906D-5A11C7AE1DE5}" dt="2024-03-15T17:20:53.887" v="2582" actId="14100"/>
-          <ac:spMkLst>
-            <pc:docMk/>
-            <pc:sldMk cId="3717565896" sldId="281"/>
-            <ac:spMk id="5" creationId="{2EE385B2-D0B9-D866-19CD-4BD275D44F33}"/>
-          </ac:spMkLst>
-        </pc:spChg>
-        <pc:spChg chg="mod">
-          <ac:chgData name="Joel Shorey (Student)" userId="efeb13ac-a1a8-4105-bba8-6f92df6e6b9f" providerId="ADAL" clId="{631F1702-B937-4118-906D-5A11C7AE1DE5}" dt="2024-03-15T17:20:12.598" v="2573" actId="14100"/>
-          <ac:spMkLst>
-            <pc:docMk/>
-            <pc:sldMk cId="3717565896" sldId="281"/>
-            <ac:spMk id="6" creationId="{EE6A5CFC-0052-953B-3D22-B122B447516B}"/>
-          </ac:spMkLst>
-        </pc:spChg>
-        <pc:graphicFrameChg chg="mod">
-          <ac:chgData name="Joel Shorey (Student)" userId="efeb13ac-a1a8-4105-bba8-6f92df6e6b9f" providerId="ADAL" clId="{631F1702-B937-4118-906D-5A11C7AE1DE5}" dt="2024-03-15T17:24:12.730" v="2618" actId="1076"/>
-          <ac:graphicFrameMkLst>
-            <pc:docMk/>
-            <pc:sldMk cId="3717565896" sldId="281"/>
-            <ac:graphicFrameMk id="4" creationId="{9B4F24D1-4EAD-A87E-8B5A-A84FD5B22C59}"/>
-          </ac:graphicFrameMkLst>
-        </pc:graphicFrameChg>
-      </pc:sldChg>
-    </pc:docChg>
-  </pc:docChgLst>
-  <pc:docChgLst>
-    <pc:chgData name="Joseph Kirby (Student)" userId="S::josephkirby@mines.edu::e8822a9d-bfd7-419b-a2ac-0f6e4b5323f8" providerId="AD" clId="Web-{9CE1BDE5-E15A-3C55-EB4E-707B527F9D4E}"/>
-    <pc:docChg chg="modSld">
-      <pc:chgData name="Joseph Kirby (Student)" userId="S::josephkirby@mines.edu::e8822a9d-bfd7-419b-a2ac-0f6e4b5323f8" providerId="AD" clId="Web-{9CE1BDE5-E15A-3C55-EB4E-707B527F9D4E}" dt="2024-03-11T21:10:09.022" v="0" actId="20577"/>
-      <pc:docMkLst>
-        <pc:docMk/>
-      </pc:docMkLst>
-      <pc:sldChg chg="modSp">
-        <pc:chgData name="Joseph Kirby (Student)" userId="S::josephkirby@mines.edu::e8822a9d-bfd7-419b-a2ac-0f6e4b5323f8" providerId="AD" clId="Web-{9CE1BDE5-E15A-3C55-EB4E-707B527F9D4E}" dt="2024-03-11T21:10:09.022" v="0" actId="20577"/>
-        <pc:sldMkLst>
-          <pc:docMk/>
-          <pc:sldMk cId="234320675" sldId="256"/>
-        </pc:sldMkLst>
-        <pc:spChg chg="mod">
-          <ac:chgData name="Joseph Kirby (Student)" userId="S::josephkirby@mines.edu::e8822a9d-bfd7-419b-a2ac-0f6e4b5323f8" providerId="AD" clId="Web-{9CE1BDE5-E15A-3C55-EB4E-707B527F9D4E}" dt="2024-03-11T21:10:09.022" v="0" actId="20577"/>
-          <ac:spMkLst>
-            <pc:docMk/>
-            <pc:sldMk cId="234320675" sldId="256"/>
-            <ac:spMk id="3" creationId="{4DFAF4A9-F54B-F3A4-7967-31664984E776}"/>
-          </ac:spMkLst>
-        </pc:spChg>
-      </pc:sldChg>
-    </pc:docChg>
-  </pc:docChgLst>
-  <pc:docChgLst>
-    <pc:chgData name="Joseph Kirby (Student)" userId="S::josephkirby@mines.edu::e8822a9d-bfd7-419b-a2ac-0f6e4b5323f8" providerId="AD" clId="Web-{54E2F79E-DDDB-2ED5-E763-AEDFE91C596B}"/>
-    <pc:docChg chg="modSld">
-      <pc:chgData name="Joseph Kirby (Student)" userId="S::josephkirby@mines.edu::e8822a9d-bfd7-419b-a2ac-0f6e4b5323f8" providerId="AD" clId="Web-{54E2F79E-DDDB-2ED5-E763-AEDFE91C596B}" dt="2024-03-13T20:31:22.928" v="89" actId="20577"/>
-      <pc:docMkLst>
-        <pc:docMk/>
-      </pc:docMkLst>
-      <pc:sldChg chg="modSp">
-        <pc:chgData name="Joseph Kirby (Student)" userId="S::josephkirby@mines.edu::e8822a9d-bfd7-419b-a2ac-0f6e4b5323f8" providerId="AD" clId="Web-{54E2F79E-DDDB-2ED5-E763-AEDFE91C596B}" dt="2024-03-13T20:31:22.928" v="89" actId="20577"/>
-        <pc:sldMkLst>
-          <pc:docMk/>
-          <pc:sldMk cId="2396793982" sldId="263"/>
-        </pc:sldMkLst>
-        <pc:spChg chg="mod">
-          <ac:chgData name="Joseph Kirby (Student)" userId="S::josephkirby@mines.edu::e8822a9d-bfd7-419b-a2ac-0f6e4b5323f8" providerId="AD" clId="Web-{54E2F79E-DDDB-2ED5-E763-AEDFE91C596B}" dt="2024-03-13T20:31:22.928" v="89" actId="20577"/>
-          <ac:spMkLst>
-            <pc:docMk/>
-            <pc:sldMk cId="2396793982" sldId="263"/>
-            <ac:spMk id="3" creationId="{A9AC157F-B5D5-20E2-9DA4-EA29118F63FC}"/>
-          </ac:spMkLst>
-        </pc:spChg>
-      </pc:sldChg>
-      <pc:sldChg chg="addSp delSp modSp">
-        <pc:chgData name="Joseph Kirby (Student)" userId="S::josephkirby@mines.edu::e8822a9d-bfd7-419b-a2ac-0f6e4b5323f8" providerId="AD" clId="Web-{54E2F79E-DDDB-2ED5-E763-AEDFE91C596B}" dt="2024-03-13T20:31:12.990" v="71" actId="20577"/>
-        <pc:sldMkLst>
-          <pc:docMk/>
-          <pc:sldMk cId="3085835959" sldId="268"/>
-        </pc:sldMkLst>
-        <pc:spChg chg="mod">
-          <ac:chgData name="Joseph Kirby (Student)" userId="S::josephkirby@mines.edu::e8822a9d-bfd7-419b-a2ac-0f6e4b5323f8" providerId="AD" clId="Web-{54E2F79E-DDDB-2ED5-E763-AEDFE91C596B}" dt="2024-03-13T20:31:12.990" v="71" actId="20577"/>
-          <ac:spMkLst>
-            <pc:docMk/>
-            <pc:sldMk cId="3085835959" sldId="268"/>
-            <ac:spMk id="3" creationId="{6B3CF716-4EFA-6566-2DC6-AC662E3D731E}"/>
-          </ac:spMkLst>
-        </pc:spChg>
-        <pc:picChg chg="add del mod">
-          <ac:chgData name="Joseph Kirby (Student)" userId="S::josephkirby@mines.edu::e8822a9d-bfd7-419b-a2ac-0f6e4b5323f8" providerId="AD" clId="Web-{54E2F79E-DDDB-2ED5-E763-AEDFE91C596B}" dt="2024-03-13T20:28:52.534" v="15"/>
-          <ac:picMkLst>
-            <pc:docMk/>
-            <pc:sldMk cId="3085835959" sldId="268"/>
-            <ac:picMk id="4" creationId="{7353F93A-7F9A-3E7F-2C74-46629F08CB64}"/>
-          </ac:picMkLst>
-        </pc:picChg>
-        <pc:picChg chg="del">
-          <ac:chgData name="Joseph Kirby (Student)" userId="S::josephkirby@mines.edu::e8822a9d-bfd7-419b-a2ac-0f6e4b5323f8" providerId="AD" clId="Web-{54E2F79E-DDDB-2ED5-E763-AEDFE91C596B}" dt="2024-03-13T20:26:52.578" v="0"/>
-          <ac:picMkLst>
-            <pc:docMk/>
-            <pc:sldMk cId="3085835959" sldId="268"/>
-            <ac:picMk id="5" creationId="{70444C2F-5D23-D084-6686-188E5401C5E1}"/>
-          </ac:picMkLst>
-        </pc:picChg>
-        <pc:picChg chg="add mod">
-          <ac:chgData name="Joseph Kirby (Student)" userId="S::josephkirby@mines.edu::e8822a9d-bfd7-419b-a2ac-0f6e4b5323f8" providerId="AD" clId="Web-{54E2F79E-DDDB-2ED5-E763-AEDFE91C596B}" dt="2024-03-13T20:29:22.191" v="18" actId="14100"/>
-          <ac:picMkLst>
-            <pc:docMk/>
-            <pc:sldMk cId="3085835959" sldId="268"/>
-            <ac:picMk id="6" creationId="{08766FB1-FF95-115A-0305-FB1958240F74}"/>
-          </ac:picMkLst>
-        </pc:picChg>
-      </pc:sldChg>
-    </pc:docChg>
-  </pc:docChgLst>
-  <pc:docChgLst>
-    <pc:chgData name="Jonah Bertolino (Student)" userId="S::jonahbertolino@mines.edu::9e5659ea-b595-4c3b-9a51-e4ce62b2395f" providerId="AD" clId="Web-{04C64894-5397-A2BA-EE8E-98946C4C4F1F}"/>
-    <pc:docChg chg="addSld delSld modSld">
-      <pc:chgData name="Jonah Bertolino (Student)" userId="S::jonahbertolino@mines.edu::9e5659ea-b595-4c3b-9a51-e4ce62b2395f" providerId="AD" clId="Web-{04C64894-5397-A2BA-EE8E-98946C4C4F1F}" dt="2024-03-13T21:16:19.482" v="127" actId="1076"/>
-      <pc:docMkLst>
-        <pc:docMk/>
-      </pc:docMkLst>
-      <pc:sldChg chg="addSp delSp modSp mod setBg">
-        <pc:chgData name="Jonah Bertolino (Student)" userId="S::jonahbertolino@mines.edu::9e5659ea-b595-4c3b-9a51-e4ce62b2395f" providerId="AD" clId="Web-{04C64894-5397-A2BA-EE8E-98946C4C4F1F}" dt="2024-03-13T21:03:57.077" v="89"/>
-        <pc:sldMkLst>
-          <pc:docMk/>
-          <pc:sldMk cId="2396793982" sldId="263"/>
-        </pc:sldMkLst>
-        <pc:spChg chg="mod">
-          <ac:chgData name="Jonah Bertolino (Student)" userId="S::jonahbertolino@mines.edu::9e5659ea-b595-4c3b-9a51-e4ce62b2395f" providerId="AD" clId="Web-{04C64894-5397-A2BA-EE8E-98946C4C4F1F}" dt="2024-03-13T21:03:57.077" v="89"/>
-          <ac:spMkLst>
-            <pc:docMk/>
-            <pc:sldMk cId="2396793982" sldId="263"/>
-            <ac:spMk id="2" creationId="{6809C795-4042-CC5A-647E-5016B8E19E84}"/>
-          </ac:spMkLst>
-        </pc:spChg>
-        <pc:spChg chg="mod">
-          <ac:chgData name="Jonah Bertolino (Student)" userId="S::jonahbertolino@mines.edu::9e5659ea-b595-4c3b-9a51-e4ce62b2395f" providerId="AD" clId="Web-{04C64894-5397-A2BA-EE8E-98946C4C4F1F}" dt="2024-03-13T21:03:57.077" v="89"/>
-          <ac:spMkLst>
-            <pc:docMk/>
-            <pc:sldMk cId="2396793982" sldId="263"/>
-            <ac:spMk id="3" creationId="{A9AC157F-B5D5-20E2-9DA4-EA29118F63FC}"/>
-          </ac:spMkLst>
-        </pc:spChg>
-        <pc:spChg chg="add del">
-          <ac:chgData name="Jonah Bertolino (Student)" userId="S::jonahbertolino@mines.edu::9e5659ea-b595-4c3b-9a51-e4ce62b2395f" providerId="AD" clId="Web-{04C64894-5397-A2BA-EE8E-98946C4C4F1F}" dt="2024-03-13T21:03:57.077" v="89"/>
-          <ac:spMkLst>
-            <pc:docMk/>
-            <pc:sldMk cId="2396793982" sldId="263"/>
-            <ac:spMk id="9" creationId="{D776D29F-0A2C-4F75-8582-7C7DFCBD11D5}"/>
-          </ac:spMkLst>
-        </pc:spChg>
-        <pc:spChg chg="add del">
-          <ac:chgData name="Jonah Bertolino (Student)" userId="S::jonahbertolino@mines.edu::9e5659ea-b595-4c3b-9a51-e4ce62b2395f" providerId="AD" clId="Web-{04C64894-5397-A2BA-EE8E-98946C4C4F1F}" dt="2024-03-13T21:03:57.077" v="89"/>
-          <ac:spMkLst>
-            <pc:docMk/>
-            <pc:sldMk cId="2396793982" sldId="263"/>
-            <ac:spMk id="11" creationId="{C4D41903-2C9D-4F9E-AA1F-6161F8A6FC01}"/>
-          </ac:spMkLst>
-        </pc:spChg>
-        <pc:spChg chg="add del">
-          <ac:chgData name="Jonah Bertolino (Student)" userId="S::jonahbertolino@mines.edu::9e5659ea-b595-4c3b-9a51-e4ce62b2395f" providerId="AD" clId="Web-{04C64894-5397-A2BA-EE8E-98946C4C4F1F}" dt="2024-03-13T21:03:57.077" v="89"/>
-          <ac:spMkLst>
-            <pc:docMk/>
-            <pc:sldMk cId="2396793982" sldId="263"/>
-            <ac:spMk id="13" creationId="{9E4574B5-C90E-412D-BAB0-B9F483290C67}"/>
-          </ac:spMkLst>
-        </pc:spChg>
-        <pc:spChg chg="add">
-          <ac:chgData name="Jonah Bertolino (Student)" userId="S::jonahbertolino@mines.edu::9e5659ea-b595-4c3b-9a51-e4ce62b2395f" providerId="AD" clId="Web-{04C64894-5397-A2BA-EE8E-98946C4C4F1F}" dt="2024-03-13T21:03:57.077" v="89"/>
-          <ac:spMkLst>
-            <pc:docMk/>
-            <pc:sldMk cId="2396793982" sldId="263"/>
-            <ac:spMk id="18" creationId="{91DC6ABD-215C-4EA8-A483-CEF5B99AB385}"/>
-          </ac:spMkLst>
-        </pc:spChg>
-        <pc:spChg chg="add">
-          <ac:chgData name="Jonah Bertolino (Student)" userId="S::jonahbertolino@mines.edu::9e5659ea-b595-4c3b-9a51-e4ce62b2395f" providerId="AD" clId="Web-{04C64894-5397-A2BA-EE8E-98946C4C4F1F}" dt="2024-03-13T21:03:57.077" v="89"/>
-          <ac:spMkLst>
-            <pc:docMk/>
-            <pc:sldMk cId="2396793982" sldId="263"/>
-            <ac:spMk id="24" creationId="{04357C93-F0CB-4A1C-8F77-4E9063789819}"/>
-          </ac:spMkLst>
-        </pc:spChg>
-        <pc:grpChg chg="add">
-          <ac:chgData name="Jonah Bertolino (Student)" userId="S::jonahbertolino@mines.edu::9e5659ea-b595-4c3b-9a51-e4ce62b2395f" providerId="AD" clId="Web-{04C64894-5397-A2BA-EE8E-98946C4C4F1F}" dt="2024-03-13T21:03:57.077" v="89"/>
-          <ac:grpSpMkLst>
-            <pc:docMk/>
-            <pc:sldMk cId="2396793982" sldId="263"/>
-            <ac:grpSpMk id="20" creationId="{3AF6A671-C637-4547-85F4-51B6D1881399}"/>
-          </ac:grpSpMkLst>
-        </pc:grpChg>
-        <pc:picChg chg="add mod">
-          <ac:chgData name="Jonah Bertolino (Student)" userId="S::jonahbertolino@mines.edu::9e5659ea-b595-4c3b-9a51-e4ce62b2395f" providerId="AD" clId="Web-{04C64894-5397-A2BA-EE8E-98946C4C4F1F}" dt="2024-03-13T21:03:57.077" v="89"/>
-          <ac:picMkLst>
-            <pc:docMk/>
-            <pc:sldMk cId="2396793982" sldId="263"/>
-            <ac:picMk id="4" creationId="{3ECD532D-C132-DCCD-6D89-0D1118B8D2BD}"/>
-          </ac:picMkLst>
-        </pc:picChg>
-      </pc:sldChg>
-      <pc:sldChg chg="addSp delSp modSp mod setBg">
-        <pc:chgData name="Jonah Bertolino (Student)" userId="S::jonahbertolino@mines.edu::9e5659ea-b595-4c3b-9a51-e4ce62b2395f" providerId="AD" clId="Web-{04C64894-5397-A2BA-EE8E-98946C4C4F1F}" dt="2024-03-13T20:58:33.367" v="85"/>
-        <pc:sldMkLst>
-          <pc:docMk/>
-          <pc:sldMk cId="3085835959" sldId="268"/>
-        </pc:sldMkLst>
-        <pc:spChg chg="mod">
-          <ac:chgData name="Jonah Bertolino (Student)" userId="S::jonahbertolino@mines.edu::9e5659ea-b595-4c3b-9a51-e4ce62b2395f" providerId="AD" clId="Web-{04C64894-5397-A2BA-EE8E-98946C4C4F1F}" dt="2024-03-13T20:58:33.367" v="85"/>
-          <ac:spMkLst>
-            <pc:docMk/>
-            <pc:sldMk cId="3085835959" sldId="268"/>
-            <ac:spMk id="2" creationId="{E0D42B90-D36E-F541-0DA9-D3AE86A9CC81}"/>
-          </ac:spMkLst>
-        </pc:spChg>
-        <pc:spChg chg="mod ord">
-          <ac:chgData name="Jonah Bertolino (Student)" userId="S::jonahbertolino@mines.edu::9e5659ea-b595-4c3b-9a51-e4ce62b2395f" providerId="AD" clId="Web-{04C64894-5397-A2BA-EE8E-98946C4C4F1F}" dt="2024-03-13T20:58:33.367" v="85"/>
-          <ac:spMkLst>
-            <pc:docMk/>
-            <pc:sldMk cId="3085835959" sldId="268"/>
-            <ac:spMk id="3" creationId="{6B3CF716-4EFA-6566-2DC6-AC662E3D731E}"/>
-          </ac:spMkLst>
-        </pc:spChg>
-        <pc:spChg chg="add del">
-          <ac:chgData name="Jonah Bertolino (Student)" userId="S::jonahbertolino@mines.edu::9e5659ea-b595-4c3b-9a51-e4ce62b2395f" providerId="AD" clId="Web-{04C64894-5397-A2BA-EE8E-98946C4C4F1F}" dt="2024-03-13T20:58:33.367" v="85"/>
-          <ac:spMkLst>
-            <pc:docMk/>
-            <pc:sldMk cId="3085835959" sldId="268"/>
-            <ac:spMk id="11" creationId="{E8A8EAB8-D2FF-444D-B34B-7D32F106AD0E}"/>
-          </ac:spMkLst>
-        </pc:spChg>
-        <pc:spChg chg="add del">
-          <ac:chgData name="Jonah Bertolino (Student)" userId="S::jonahbertolino@mines.edu::9e5659ea-b595-4c3b-9a51-e4ce62b2395f" providerId="AD" clId="Web-{04C64894-5397-A2BA-EE8E-98946C4C4F1F}" dt="2024-03-13T20:58:29.398" v="79"/>
-          <ac:spMkLst>
-            <pc:docMk/>
-            <pc:sldMk cId="3085835959" sldId="268"/>
-            <ac:spMk id="20" creationId="{B1595A09-E336-4D1B-9B3A-06A2287A54E2}"/>
-          </ac:spMkLst>
-        </pc:spChg>
-        <pc:spChg chg="add del">
-          <ac:chgData name="Jonah Bertolino (Student)" userId="S::jonahbertolino@mines.edu::9e5659ea-b595-4c3b-9a51-e4ce62b2395f" providerId="AD" clId="Web-{04C64894-5397-A2BA-EE8E-98946C4C4F1F}" dt="2024-03-13T20:58:29.398" v="79"/>
-          <ac:spMkLst>
-            <pc:docMk/>
-            <pc:sldMk cId="3085835959" sldId="268"/>
-            <ac:spMk id="22" creationId="{3540989C-C7B8-473B-BF87-6F2DA6A90006}"/>
-          </ac:spMkLst>
-        </pc:spChg>
-        <pc:picChg chg="mod modCrop">
-          <ac:chgData name="Jonah Bertolino (Student)" userId="S::jonahbertolino@mines.edu::9e5659ea-b595-4c3b-9a51-e4ce62b2395f" providerId="AD" clId="Web-{04C64894-5397-A2BA-EE8E-98946C4C4F1F}" dt="2024-03-13T20:58:33.367" v="85"/>
-          <ac:picMkLst>
-            <pc:docMk/>
-            <pc:sldMk cId="3085835959" sldId="268"/>
-            <ac:picMk id="6" creationId="{08766FB1-FF95-115A-0305-FB1958240F74}"/>
-          </ac:picMkLst>
-        </pc:picChg>
-        <pc:cxnChg chg="add del">
-          <ac:chgData name="Jonah Bertolino (Student)" userId="S::jonahbertolino@mines.edu::9e5659ea-b595-4c3b-9a51-e4ce62b2395f" providerId="AD" clId="Web-{04C64894-5397-A2BA-EE8E-98946C4C4F1F}" dt="2024-03-13T20:58:33.367" v="85"/>
-          <ac:cxnSpMkLst>
-            <pc:docMk/>
-            <pc:sldMk cId="3085835959" sldId="268"/>
-            <ac:cxnSpMk id="13" creationId="{EEA38897-7BA3-4408-8083-3235339C4A60}"/>
-          </ac:cxnSpMkLst>
-        </pc:cxnChg>
-        <pc:cxnChg chg="add del">
-          <ac:chgData name="Jonah Bertolino (Student)" userId="S::jonahbertolino@mines.edu::9e5659ea-b595-4c3b-9a51-e4ce62b2395f" providerId="AD" clId="Web-{04C64894-5397-A2BA-EE8E-98946C4C4F1F}" dt="2024-03-13T20:58:33.367" v="85"/>
-          <ac:cxnSpMkLst>
-            <pc:docMk/>
-            <pc:sldMk cId="3085835959" sldId="268"/>
-            <ac:cxnSpMk id="15" creationId="{F11AD06B-AB20-4097-8606-5DA00DBACE88}"/>
-          </ac:cxnSpMkLst>
-        </pc:cxnChg>
-      </pc:sldChg>
-      <pc:sldChg chg="modSp new del">
-        <pc:chgData name="Jonah Bertolino (Student)" userId="S::jonahbertolino@mines.edu::9e5659ea-b595-4c3b-9a51-e4ce62b2395f" providerId="AD" clId="Web-{04C64894-5397-A2BA-EE8E-98946C4C4F1F}" dt="2024-03-13T20:59:43.306" v="88"/>
-        <pc:sldMkLst>
-          <pc:docMk/>
-          <pc:sldMk cId="2061822980" sldId="275"/>
-        </pc:sldMkLst>
-        <pc:spChg chg="mod">
-          <ac:chgData name="Jonah Bertolino (Student)" userId="S::jonahbertolino@mines.edu::9e5659ea-b595-4c3b-9a51-e4ce62b2395f" providerId="AD" clId="Web-{04C64894-5397-A2BA-EE8E-98946C4C4F1F}" dt="2024-03-13T20:21:01.246" v="11" actId="20577"/>
-          <ac:spMkLst>
-            <pc:docMk/>
-            <pc:sldMk cId="2061822980" sldId="275"/>
-            <ac:spMk id="2" creationId="{B6D9029B-6C41-D409-F312-FEAAE00597AE}"/>
-          </ac:spMkLst>
-        </pc:spChg>
-      </pc:sldChg>
-      <pc:sldChg chg="addSp modSp">
-        <pc:chgData name="Jonah Bertolino (Student)" userId="S::jonahbertolino@mines.edu::9e5659ea-b595-4c3b-9a51-e4ce62b2395f" providerId="AD" clId="Web-{04C64894-5397-A2BA-EE8E-98946C4C4F1F}" dt="2024-03-13T20:34:06.714" v="27" actId="20577"/>
-        <pc:sldMkLst>
-          <pc:docMk/>
-          <pc:sldMk cId="2002257491" sldId="277"/>
-        </pc:sldMkLst>
-        <pc:spChg chg="mod">
-          <ac:chgData name="Jonah Bertolino (Student)" userId="S::jonahbertolino@mines.edu::9e5659ea-b595-4c3b-9a51-e4ce62b2395f" providerId="AD" clId="Web-{04C64894-5397-A2BA-EE8E-98946C4C4F1F}" dt="2024-03-13T20:34:06.714" v="27" actId="20577"/>
-          <ac:spMkLst>
-            <pc:docMk/>
-            <pc:sldMk cId="2002257491" sldId="277"/>
-            <ac:spMk id="3" creationId="{6ADD6E1A-EFCF-E7F9-5CDE-7EB9AB725A6D}"/>
-          </ac:spMkLst>
-        </pc:spChg>
-        <pc:picChg chg="add mod">
-          <ac:chgData name="Jonah Bertolino (Student)" userId="S::jonahbertolino@mines.edu::9e5659ea-b595-4c3b-9a51-e4ce62b2395f" providerId="AD" clId="Web-{04C64894-5397-A2BA-EE8E-98946C4C4F1F}" dt="2024-03-13T20:33:23.526" v="19" actId="1076"/>
-          <ac:picMkLst>
-            <pc:docMk/>
-            <pc:sldMk cId="2002257491" sldId="277"/>
-            <ac:picMk id="4" creationId="{AA0BECA3-9414-E9A7-7722-442863B7798C}"/>
-          </ac:picMkLst>
-        </pc:picChg>
-      </pc:sldChg>
-      <pc:sldChg chg="addSp delSp modSp new mod setBg addAnim delAnim modAnim">
-        <pc:chgData name="Jonah Bertolino (Student)" userId="S::jonahbertolino@mines.edu::9e5659ea-b595-4c3b-9a51-e4ce62b2395f" providerId="AD" clId="Web-{04C64894-5397-A2BA-EE8E-98946C4C4F1F}" dt="2024-03-13T21:16:19.482" v="127" actId="1076"/>
-        <pc:sldMkLst>
-          <pc:docMk/>
-          <pc:sldMk cId="1052766174" sldId="279"/>
-        </pc:sldMkLst>
-        <pc:spChg chg="mod ord">
-          <ac:chgData name="Jonah Bertolino (Student)" userId="S::jonahbertolino@mines.edu::9e5659ea-b595-4c3b-9a51-e4ce62b2395f" providerId="AD" clId="Web-{04C64894-5397-A2BA-EE8E-98946C4C4F1F}" dt="2024-03-13T21:05:34.485" v="111"/>
-          <ac:spMkLst>
-            <pc:docMk/>
-            <pc:sldMk cId="1052766174" sldId="279"/>
-            <ac:spMk id="2" creationId="{7B1DBB69-A9CF-8ABD-9859-D6161068EC57}"/>
-          </ac:spMkLst>
-        </pc:spChg>
-        <pc:spChg chg="del">
-          <ac:chgData name="Jonah Bertolino (Student)" userId="S::jonahbertolino@mines.edu::9e5659ea-b595-4c3b-9a51-e4ce62b2395f" providerId="AD" clId="Web-{04C64894-5397-A2BA-EE8E-98946C4C4F1F}" dt="2024-03-13T20:41:16.535" v="35"/>
-          <ac:spMkLst>
-            <pc:docMk/>
-            <pc:sldMk cId="1052766174" sldId="279"/>
-            <ac:spMk id="3" creationId="{29187699-EED9-6415-6381-EB645BB998BC}"/>
-          </ac:spMkLst>
-        </pc:spChg>
-        <pc:spChg chg="add del mod">
-          <ac:chgData name="Jonah Bertolino (Student)" userId="S::jonahbertolino@mines.edu::9e5659ea-b595-4c3b-9a51-e4ce62b2395f" providerId="AD" clId="Web-{04C64894-5397-A2BA-EE8E-98946C4C4F1F}" dt="2024-03-13T20:53:22.955" v="43"/>
-          <ac:spMkLst>
-            <pc:docMk/>
-            <pc:sldMk cId="1052766174" sldId="279"/>
-            <ac:spMk id="6" creationId="{E6A09884-5FE3-267D-A409-36350A19D92D}"/>
-          </ac:spMkLst>
-        </pc:spChg>
-        <pc:spChg chg="add del">
-          <ac:chgData name="Jonah Bertolino (Student)" userId="S::jonahbertolino@mines.edu::9e5659ea-b595-4c3b-9a51-e4ce62b2395f" providerId="AD" clId="Web-{04C64894-5397-A2BA-EE8E-98946C4C4F1F}" dt="2024-03-13T20:53:44.315" v="50"/>
-          <ac:spMkLst>
-            <pc:docMk/>
-            <pc:sldMk cId="1052766174" sldId="279"/>
-            <ac:spMk id="9" creationId="{A34066D6-1B59-4642-A86D-39464CEE971B}"/>
-          </ac:spMkLst>
-        </pc:spChg>
-        <pc:spChg chg="add del mod">
-          <ac:chgData name="Jonah Bertolino (Student)" userId="S::jonahbertolino@mines.edu::9e5659ea-b595-4c3b-9a51-e4ce62b2395f" providerId="AD" clId="Web-{04C64894-5397-A2BA-EE8E-98946C4C4F1F}" dt="2024-03-13T20:56:04.224" v="64"/>
-          <ac:spMkLst>
-            <pc:docMk/>
-            <pc:sldMk cId="1052766174" sldId="279"/>
-            <ac:spMk id="10" creationId="{4108C6AB-4AA5-91C1-E72E-A39C87EEB2D3}"/>
-          </ac:spMkLst>
-        </pc:spChg>
-        <pc:spChg chg="add del">
-          <ac:chgData name="Jonah Bertolino (Student)" userId="S::jonahbertolino@mines.edu::9e5659ea-b595-4c3b-9a51-e4ce62b2395f" providerId="AD" clId="Web-{04C64894-5397-A2BA-EE8E-98946C4C4F1F}" dt="2024-03-13T20:53:44.315" v="50"/>
-          <ac:spMkLst>
-            <pc:docMk/>
-            <pc:sldMk cId="1052766174" sldId="279"/>
-            <ac:spMk id="11" creationId="{18E928D9-3091-4385-B979-265D55AD02CE}"/>
-          </ac:spMkLst>
-        </pc:spChg>
-        <pc:spChg chg="add del">
-          <ac:chgData name="Jonah Bertolino (Student)" userId="S::jonahbertolino@mines.edu::9e5659ea-b595-4c3b-9a51-e4ce62b2395f" providerId="AD" clId="Web-{04C64894-5397-A2BA-EE8E-98946C4C4F1F}" dt="2024-03-13T20:53:44.315" v="50"/>
-          <ac:spMkLst>
-            <pc:docMk/>
-            <pc:sldMk cId="1052766174" sldId="279"/>
-            <ac:spMk id="13" creationId="{7D602432-D774-4CF5-94E8-7D52D01059D2}"/>
-          </ac:spMkLst>
-        </pc:spChg>
-        <pc:spChg chg="add del">
-          <ac:chgData name="Jonah Bertolino (Student)" userId="S::jonahbertolino@mines.edu::9e5659ea-b595-4c3b-9a51-e4ce62b2395f" providerId="AD" clId="Web-{04C64894-5397-A2BA-EE8E-98946C4C4F1F}" dt="2024-03-13T20:53:44.315" v="50"/>
-          <ac:spMkLst>
-            <pc:docMk/>
-            <pc:sldMk cId="1052766174" sldId="279"/>
-            <ac:spMk id="15" creationId="{CBF9EBB4-5078-47B2-AAA0-DF4A88D8182A}"/>
-          </ac:spMkLst>
-        </pc:spChg>
-        <pc:spChg chg="add del">
-          <ac:chgData name="Jonah Bertolino (Student)" userId="S::jonahbertolino@mines.edu::9e5659ea-b595-4c3b-9a51-e4ce62b2395f" providerId="AD" clId="Web-{04C64894-5397-A2BA-EE8E-98946C4C4F1F}" dt="2024-03-13T21:05:04.390" v="100"/>
-          <ac:spMkLst>
-            <pc:docMk/>
-            <pc:sldMk cId="1052766174" sldId="279"/>
-            <ac:spMk id="16" creationId="{E659831F-0D9A-4C63-9EBB-8435B85A440F}"/>
-          </ac:spMkLst>
-        </pc:spChg>
-        <pc:spChg chg="add del">
-          <ac:chgData name="Jonah Bertolino (Student)" userId="S::jonahbertolino@mines.edu::9e5659ea-b595-4c3b-9a51-e4ce62b2395f" providerId="AD" clId="Web-{04C64894-5397-A2BA-EE8E-98946C4C4F1F}" dt="2024-03-13T20:53:40.877" v="47"/>
-          <ac:spMkLst>
-            <pc:docMk/>
-            <pc:sldMk cId="1052766174" sldId="279"/>
-            <ac:spMk id="19" creationId="{4E84D788-B256-5225-0E0A-87BA406D02BF}"/>
-          </ac:spMkLst>
-        </pc:spChg>
-        <pc:spChg chg="add del">
-          <ac:chgData name="Jonah Bertolino (Student)" userId="S::jonahbertolino@mines.edu::9e5659ea-b595-4c3b-9a51-e4ce62b2395f" providerId="AD" clId="Web-{04C64894-5397-A2BA-EE8E-98946C4C4F1F}" dt="2024-03-13T20:53:30.783" v="45"/>
-          <ac:spMkLst>
-            <pc:docMk/>
-            <pc:sldMk cId="1052766174" sldId="279"/>
-            <ac:spMk id="20" creationId="{A34066D6-1B59-4642-A86D-39464CEE971B}"/>
-          </ac:spMkLst>
-        </pc:spChg>
-        <pc:spChg chg="add del">
-          <ac:chgData name="Jonah Bertolino (Student)" userId="S::jonahbertolino@mines.edu::9e5659ea-b595-4c3b-9a51-e4ce62b2395f" providerId="AD" clId="Web-{04C64894-5397-A2BA-EE8E-98946C4C4F1F}" dt="2024-03-13T20:53:30.783" v="45"/>
-          <ac:spMkLst>
-            <pc:docMk/>
-            <pc:sldMk cId="1052766174" sldId="279"/>
-            <ac:spMk id="22" creationId="{18E928D9-3091-4385-B979-265D55AD02CE}"/>
-          </ac:spMkLst>
-        </pc:spChg>
-        <pc:spChg chg="add del">
-          <ac:chgData name="Jonah Bertolino (Student)" userId="S::jonahbertolino@mines.edu::9e5659ea-b595-4c3b-9a51-e4ce62b2395f" providerId="AD" clId="Web-{04C64894-5397-A2BA-EE8E-98946C4C4F1F}" dt="2024-03-13T20:53:30.783" v="45"/>
-          <ac:spMkLst>
-            <pc:docMk/>
-            <pc:sldMk cId="1052766174" sldId="279"/>
-            <ac:spMk id="24" creationId="{7D602432-D774-4CF5-94E8-7D52D01059D2}"/>
-          </ac:spMkLst>
-        </pc:spChg>
-        <pc:spChg chg="add del">
-          <ac:chgData name="Jonah Bertolino (Student)" userId="S::jonahbertolino@mines.edu::9e5659ea-b595-4c3b-9a51-e4ce62b2395f" providerId="AD" clId="Web-{04C64894-5397-A2BA-EE8E-98946C4C4F1F}" dt="2024-03-13T20:53:30.783" v="45"/>
-          <ac:spMkLst>
-            <pc:docMk/>
-            <pc:sldMk cId="1052766174" sldId="279"/>
-            <ac:spMk id="26" creationId="{CBF9EBB4-5078-47B2-AAA0-DF4A88D8182A}"/>
-          </ac:spMkLst>
-        </pc:spChg>
-        <pc:spChg chg="add del">
-          <ac:chgData name="Jonah Bertolino (Student)" userId="S::jonahbertolino@mines.edu::9e5659ea-b595-4c3b-9a51-e4ce62b2395f" providerId="AD" clId="Web-{04C64894-5397-A2BA-EE8E-98946C4C4F1F}" dt="2024-03-13T20:53:40.877" v="47"/>
-          <ac:spMkLst>
-            <pc:docMk/>
-            <pc:sldMk cId="1052766174" sldId="279"/>
-            <ac:spMk id="28" creationId="{A7AE9375-4664-4DB2-922D-2782A6E439AC}"/>
-          </ac:spMkLst>
-        </pc:spChg>
-        <pc:spChg chg="add del">
-          <ac:chgData name="Jonah Bertolino (Student)" userId="S::jonahbertolino@mines.edu::9e5659ea-b595-4c3b-9a51-e4ce62b2395f" providerId="AD" clId="Web-{04C64894-5397-A2BA-EE8E-98946C4C4F1F}" dt="2024-03-13T20:53:44.299" v="49"/>
-          <ac:spMkLst>
-            <pc:docMk/>
-            <pc:sldMk cId="1052766174" sldId="279"/>
-            <ac:spMk id="32" creationId="{5396781C-32A1-4FDA-A83B-A7FF8C1B1E99}"/>
-          </ac:spMkLst>
-        </pc:spChg>
-        <pc:spChg chg="add del">
-          <ac:chgData name="Jonah Bertolino (Student)" userId="S::jonahbertolino@mines.edu::9e5659ea-b595-4c3b-9a51-e4ce62b2395f" providerId="AD" clId="Web-{04C64894-5397-A2BA-EE8E-98946C4C4F1F}" dt="2024-03-13T20:53:44.299" v="49"/>
-          <ac:spMkLst>
-            <pc:docMk/>
-            <pc:sldMk cId="1052766174" sldId="279"/>
-            <ac:spMk id="35" creationId="{C1DC8D11-B51E-A295-3225-5620FC557F42}"/>
-          </ac:spMkLst>
-        </pc:spChg>
-        <pc:spChg chg="add del">
-          <ac:chgData name="Jonah Bertolino (Student)" userId="S::jonahbertolino@mines.edu::9e5659ea-b595-4c3b-9a51-e4ce62b2395f" providerId="AD" clId="Web-{04C64894-5397-A2BA-EE8E-98946C4C4F1F}" dt="2024-03-13T20:54:12.222" v="54"/>
-          <ac:spMkLst>
-            <pc:docMk/>
-            <pc:sldMk cId="1052766174" sldId="279"/>
-            <ac:spMk id="37" creationId="{135FA909-3F24-448C-A8BC-7CF77F62F84F}"/>
-          </ac:spMkLst>
-        </pc:spChg>
-        <pc:spChg chg="add del">
-          <ac:chgData name="Jonah Bertolino (Student)" userId="S::jonahbertolino@mines.edu::9e5659ea-b595-4c3b-9a51-e4ce62b2395f" providerId="AD" clId="Web-{04C64894-5397-A2BA-EE8E-98946C4C4F1F}" dt="2024-03-13T20:54:12.222" v="54"/>
-          <ac:spMkLst>
-            <pc:docMk/>
-            <pc:sldMk cId="1052766174" sldId="279"/>
-            <ac:spMk id="38" creationId="{6C32E633-BDBF-961A-CB5D-0F054618E9AE}"/>
-          </ac:spMkLst>
-        </pc:spChg>
-        <pc:spChg chg="add del">
-          <ac:chgData name="Jonah Bertolino (Student)" userId="S::jonahbertolino@mines.edu::9e5659ea-b595-4c3b-9a51-e4ce62b2395f" providerId="AD" clId="Web-{04C64894-5397-A2BA-EE8E-98946C4C4F1F}" dt="2024-03-13T20:54:12.206" v="53"/>
-          <ac:spMkLst>
-            <pc:docMk/>
-            <pc:sldMk cId="1052766174" sldId="279"/>
-            <ac:spMk id="45" creationId="{FB5B0058-AF13-4859-B429-4EDDE2A26F7F}"/>
-          </ac:spMkLst>
-        </pc:spChg>
-        <pc:spChg chg="add del">
-          <ac:chgData name="Jonah Bertolino (Student)" userId="S::jonahbertolino@mines.edu::9e5659ea-b595-4c3b-9a51-e4ce62b2395f" providerId="AD" clId="Web-{04C64894-5397-A2BA-EE8E-98946C4C4F1F}" dt="2024-03-13T20:54:12.206" v="53"/>
-          <ac:spMkLst>
-            <pc:docMk/>
-            <pc:sldMk cId="1052766174" sldId="279"/>
-            <ac:spMk id="49" creationId="{A4A161CC-6DC5-4863-B213-94529D6E06D7}"/>
-          </ac:spMkLst>
-        </pc:spChg>
-        <pc:spChg chg="add del">
-          <ac:chgData name="Jonah Bertolino (Student)" userId="S::jonahbertolino@mines.edu::9e5659ea-b595-4c3b-9a51-e4ce62b2395f" providerId="AD" clId="Web-{04C64894-5397-A2BA-EE8E-98946C4C4F1F}" dt="2024-03-13T20:54:57.269" v="59"/>
-          <ac:spMkLst>
-            <pc:docMk/>
-            <pc:sldMk cId="1052766174" sldId="279"/>
-            <ac:spMk id="51" creationId="{5396781C-32A1-4FDA-A83B-A7FF8C1B1E99}"/>
-          </ac:spMkLst>
-        </pc:spChg>
-        <pc:spChg chg="add del">
-          <ac:chgData name="Jonah Bertolino (Student)" userId="S::jonahbertolino@mines.edu::9e5659ea-b595-4c3b-9a51-e4ce62b2395f" providerId="AD" clId="Web-{04C64894-5397-A2BA-EE8E-98946C4C4F1F}" dt="2024-03-13T20:54:51.816" v="55"/>
-          <ac:spMkLst>
-            <pc:docMk/>
-            <pc:sldMk cId="1052766174" sldId="279"/>
-            <ac:spMk id="54" creationId="{6C32E633-BDBF-961A-CB5D-0F054618E9AE}"/>
-          </ac:spMkLst>
-        </pc:spChg>
-        <pc:spChg chg="add del mod">
-          <ac:chgData name="Jonah Bertolino (Student)" userId="S::jonahbertolino@mines.edu::9e5659ea-b595-4c3b-9a51-e4ce62b2395f" providerId="AD" clId="Web-{04C64894-5397-A2BA-EE8E-98946C4C4F1F}" dt="2024-03-13T20:56:19.474" v="66"/>
-          <ac:spMkLst>
-            <pc:docMk/>
-            <pc:sldMk cId="1052766174" sldId="279"/>
-            <ac:spMk id="57" creationId="{B8C0EE08-9749-26AA-7ADE-7D37E5FD508B}"/>
-          </ac:spMkLst>
-        </pc:spChg>
-        <pc:spChg chg="add del">
-          <ac:chgData name="Jonah Bertolino (Student)" userId="S::jonahbertolino@mines.edu::9e5659ea-b595-4c3b-9a51-e4ce62b2395f" providerId="AD" clId="Web-{04C64894-5397-A2BA-EE8E-98946C4C4F1F}" dt="2024-03-13T20:56:11.755" v="65"/>
-          <ac:spMkLst>
-            <pc:docMk/>
-            <pc:sldMk cId="1052766174" sldId="279"/>
-            <ac:spMk id="60" creationId="{2172A0AC-3DCE-4672-BCAF-28FEF91F6020}"/>
-          </ac:spMkLst>
-        </pc:spChg>
-        <pc:spChg chg="add del">
-          <ac:chgData name="Jonah Bertolino (Student)" userId="S::jonahbertolino@mines.edu::9e5659ea-b595-4c3b-9a51-e4ce62b2395f" providerId="AD" clId="Web-{04C64894-5397-A2BA-EE8E-98946C4C4F1F}" dt="2024-03-13T20:56:11.755" v="65"/>
-          <ac:spMkLst>
-            <pc:docMk/>
-            <pc:sldMk cId="1052766174" sldId="279"/>
-            <ac:spMk id="62" creationId="{AE6F1C77-EDC9-4C5F-8C1C-62DD46BDA3C3}"/>
-          </ac:spMkLst>
-        </pc:spChg>
-        <pc:spChg chg="add del">
-          <ac:chgData name="Jonah Bertolino (Student)" userId="S::jonahbertolino@mines.edu::9e5659ea-b595-4c3b-9a51-e4ce62b2395f" providerId="AD" clId="Web-{04C64894-5397-A2BA-EE8E-98946C4C4F1F}" dt="2024-03-13T21:04:01.858" v="90"/>
-          <ac:spMkLst>
-            <pc:docMk/>
-            <pc:sldMk cId="1052766174" sldId="279"/>
-            <ac:spMk id="67" creationId="{135FA909-3F24-448C-A8BC-7CF77F62F84F}"/>
-          </ac:spMkLst>
-        </pc:spChg>
-        <pc:spChg chg="add del mod">
-          <ac:chgData name="Jonah Bertolino (Student)" userId="S::jonahbertolino@mines.edu::9e5659ea-b595-4c3b-9a51-e4ce62b2395f" providerId="AD" clId="Web-{04C64894-5397-A2BA-EE8E-98946C4C4F1F}" dt="2024-03-13T21:05:41.422" v="112"/>
-          <ac:spMkLst>
-            <pc:docMk/>
-            <pc:sldMk cId="1052766174" sldId="279"/>
-            <ac:spMk id="75" creationId="{1063622A-C147-A002-86A8-077CADF92CDA}"/>
-          </ac:spMkLst>
-        </pc:spChg>
-        <pc:spChg chg="add del">
-          <ac:chgData name="Jonah Bertolino (Student)" userId="S::jonahbertolino@mines.edu::9e5659ea-b595-4c3b-9a51-e4ce62b2395f" providerId="AD" clId="Web-{04C64894-5397-A2BA-EE8E-98946C4C4F1F}" dt="2024-03-13T21:05:34.485" v="111"/>
-          <ac:spMkLst>
-            <pc:docMk/>
-            <pc:sldMk cId="1052766174" sldId="279"/>
-            <ac:spMk id="78" creationId="{26CAED0A-2A45-4C9C-BCDD-21A8A092C5F3}"/>
-          </ac:spMkLst>
-        </pc:spChg>
-        <pc:spChg chg="add del">
-          <ac:chgData name="Jonah Bertolino (Student)" userId="S::jonahbertolino@mines.edu::9e5659ea-b595-4c3b-9a51-e4ce62b2395f" providerId="AD" clId="Web-{04C64894-5397-A2BA-EE8E-98946C4C4F1F}" dt="2024-03-13T21:05:34.485" v="111"/>
-          <ac:spMkLst>
-            <pc:docMk/>
-            <pc:sldMk cId="1052766174" sldId="279"/>
-            <ac:spMk id="80" creationId="{3A9A4357-BD1D-4622-A4FE-766E6AB8DE84}"/>
-          </ac:spMkLst>
-        </pc:spChg>
-        <pc:spChg chg="add del">
-          <ac:chgData name="Jonah Bertolino (Student)" userId="S::jonahbertolino@mines.edu::9e5659ea-b595-4c3b-9a51-e4ce62b2395f" providerId="AD" clId="Web-{04C64894-5397-A2BA-EE8E-98946C4C4F1F}" dt="2024-03-13T21:05:29.782" v="109"/>
-          <ac:spMkLst>
-            <pc:docMk/>
-            <pc:sldMk cId="1052766174" sldId="279"/>
-            <ac:spMk id="82" creationId="{E659831F-0D9A-4C63-9EBB-8435B85A440F}"/>
-          </ac:spMkLst>
-        </pc:spChg>
-        <pc:spChg chg="add del">
-          <ac:chgData name="Jonah Bertolino (Student)" userId="S::jonahbertolino@mines.edu::9e5659ea-b595-4c3b-9a51-e4ce62b2395f" providerId="AD" clId="Web-{04C64894-5397-A2BA-EE8E-98946C4C4F1F}" dt="2024-03-13T21:05:34.485" v="111"/>
-          <ac:spMkLst>
-            <pc:docMk/>
-            <pc:sldMk cId="1052766174" sldId="279"/>
-            <ac:spMk id="84" creationId="{E6995CE5-F890-4ABA-82A2-26507CE8D2A3}"/>
-          </ac:spMkLst>
-        </pc:spChg>
-        <pc:spChg chg="add">
-          <ac:chgData name="Jonah Bertolino (Student)" userId="S::jonahbertolino@mines.edu::9e5659ea-b595-4c3b-9a51-e4ce62b2395f" providerId="AD" clId="Web-{04C64894-5397-A2BA-EE8E-98946C4C4F1F}" dt="2024-03-13T21:05:34.485" v="111"/>
-          <ac:spMkLst>
-            <pc:docMk/>
-            <pc:sldMk cId="1052766174" sldId="279"/>
-            <ac:spMk id="86" creationId="{201CC55D-ED54-4C5C-95E6-10947BD1103B}"/>
-          </ac:spMkLst>
-        </pc:spChg>
-        <pc:spChg chg="add">
-          <ac:chgData name="Jonah Bertolino (Student)" userId="S::jonahbertolino@mines.edu::9e5659ea-b595-4c3b-9a51-e4ce62b2395f" providerId="AD" clId="Web-{04C64894-5397-A2BA-EE8E-98946C4C4F1F}" dt="2024-03-13T21:05:34.485" v="111"/>
-          <ac:spMkLst>
-            <pc:docMk/>
-            <pc:sldMk cId="1052766174" sldId="279"/>
-            <ac:spMk id="88" creationId="{3873B707-463F-40B0-8227-E8CC6C67EB25}"/>
-          </ac:spMkLst>
-        </pc:spChg>
-        <pc:spChg chg="add del">
-          <ac:chgData name="Jonah Bertolino (Student)" userId="S::jonahbertolino@mines.edu::9e5659ea-b595-4c3b-9a51-e4ce62b2395f" providerId="AD" clId="Web-{04C64894-5397-A2BA-EE8E-98946C4C4F1F}" dt="2024-03-13T21:05:05.328" v="101"/>
-          <ac:spMkLst>
-            <pc:docMk/>
-            <pc:sldMk cId="1052766174" sldId="279"/>
-            <ac:spMk id="89" creationId="{201CC55D-ED54-4C5C-95E6-10947BD1103B}"/>
-          </ac:spMkLst>
-        </pc:spChg>
-        <pc:spChg chg="add">
-          <ac:chgData name="Jonah Bertolino (Student)" userId="S::jonahbertolino@mines.edu::9e5659ea-b595-4c3b-9a51-e4ce62b2395f" providerId="AD" clId="Web-{04C64894-5397-A2BA-EE8E-98946C4C4F1F}" dt="2024-03-13T21:05:34.485" v="111"/>
-          <ac:spMkLst>
-            <pc:docMk/>
-            <pc:sldMk cId="1052766174" sldId="279"/>
-            <ac:spMk id="90" creationId="{C13237C8-E62C-4F0D-A318-BD6FB6C2D138}"/>
-          </ac:spMkLst>
-        </pc:spChg>
-        <pc:spChg chg="add del">
-          <ac:chgData name="Jonah Bertolino (Student)" userId="S::jonahbertolino@mines.edu::9e5659ea-b595-4c3b-9a51-e4ce62b2395f" providerId="AD" clId="Web-{04C64894-5397-A2BA-EE8E-98946C4C4F1F}" dt="2024-03-13T21:06:14.392" v="117"/>
-          <ac:spMkLst>
-            <pc:docMk/>
-            <pc:sldMk cId="1052766174" sldId="279"/>
-            <ac:spMk id="94" creationId="{19C9EAEA-39D0-4B0E-A0EB-51E7B26740B1}"/>
-          </ac:spMkLst>
-        </pc:spChg>
-        <pc:spChg chg="add del">
-          <ac:chgData name="Jonah Bertolino (Student)" userId="S::jonahbertolino@mines.edu::9e5659ea-b595-4c3b-9a51-e4ce62b2395f" providerId="AD" clId="Web-{04C64894-5397-A2BA-EE8E-98946C4C4F1F}" dt="2024-03-13T21:05:05.328" v="101"/>
-          <ac:spMkLst>
-            <pc:docMk/>
-            <pc:sldMk cId="1052766174" sldId="279"/>
-            <ac:spMk id="95" creationId="{3873B707-463F-40B0-8227-E8CC6C67EB25}"/>
-          </ac:spMkLst>
-        </pc:spChg>
-        <pc:spChg chg="add del">
-          <ac:chgData name="Jonah Bertolino (Student)" userId="S::jonahbertolino@mines.edu::9e5659ea-b595-4c3b-9a51-e4ce62b2395f" providerId="AD" clId="Web-{04C64894-5397-A2BA-EE8E-98946C4C4F1F}" dt="2024-03-13T21:05:05.328" v="101"/>
-          <ac:spMkLst>
-            <pc:docMk/>
-            <pc:sldMk cId="1052766174" sldId="279"/>
-            <ac:spMk id="97" creationId="{C13237C8-E62C-4F0D-A318-BD6FB6C2D138}"/>
-          </ac:spMkLst>
-        </pc:spChg>
-        <pc:spChg chg="add del">
-          <ac:chgData name="Jonah Bertolino (Student)" userId="S::jonahbertolino@mines.edu::9e5659ea-b595-4c3b-9a51-e4ce62b2395f" providerId="AD" clId="Web-{04C64894-5397-A2BA-EE8E-98946C4C4F1F}" dt="2024-03-13T21:05:05.328" v="101"/>
-          <ac:spMkLst>
-            <pc:docMk/>
-            <pc:sldMk cId="1052766174" sldId="279"/>
-            <ac:spMk id="99" creationId="{19C9EAEA-39D0-4B0E-A0EB-51E7B26740B1}"/>
-          </ac:spMkLst>
-        </pc:spChg>
-        <pc:grpChg chg="add del">
-          <ac:chgData name="Jonah Bertolino (Student)" userId="S::jonahbertolino@mines.edu::9e5659ea-b595-4c3b-9a51-e4ce62b2395f" providerId="AD" clId="Web-{04C64894-5397-A2BA-EE8E-98946C4C4F1F}" dt="2024-03-13T20:53:44.299" v="49"/>
-          <ac:grpSpMkLst>
-            <pc:docMk/>
-            <pc:sldMk cId="1052766174" sldId="279"/>
-            <ac:grpSpMk id="33" creationId="{54A1C8FD-E5B7-4BEC-A74A-A55FB8EA7CFE}"/>
-          </ac:grpSpMkLst>
-        </pc:grpChg>
-        <pc:grpChg chg="add del">
-          <ac:chgData name="Jonah Bertolino (Student)" userId="S::jonahbertolino@mines.edu::9e5659ea-b595-4c3b-9a51-e4ce62b2395f" providerId="AD" clId="Web-{04C64894-5397-A2BA-EE8E-98946C4C4F1F}" dt="2024-03-13T20:54:12.222" v="54"/>
-          <ac:grpSpMkLst>
-            <pc:docMk/>
-            <pc:sldMk cId="1052766174" sldId="279"/>
-            <ac:grpSpMk id="39" creationId="{8B60959F-9B69-4520-A16E-EA6BECC747D6}"/>
-          </ac:grpSpMkLst>
-        </pc:grpChg>
-        <pc:grpChg chg="add del">
-          <ac:chgData name="Jonah Bertolino (Student)" userId="S::jonahbertolino@mines.edu::9e5659ea-b595-4c3b-9a51-e4ce62b2395f" providerId="AD" clId="Web-{04C64894-5397-A2BA-EE8E-98946C4C4F1F}" dt="2024-03-13T20:54:57.269" v="59"/>
-          <ac:grpSpMkLst>
-            <pc:docMk/>
-            <pc:sldMk cId="1052766174" sldId="279"/>
-            <ac:grpSpMk id="52" creationId="{54A1C8FD-E5B7-4BEC-A74A-A55FB8EA7CFE}"/>
-          </ac:grpSpMkLst>
-        </pc:grpChg>
-        <pc:grpChg chg="add del">
-          <ac:chgData name="Jonah Bertolino (Student)" userId="S::jonahbertolino@mines.edu::9e5659ea-b595-4c3b-9a51-e4ce62b2395f" providerId="AD" clId="Web-{04C64894-5397-A2BA-EE8E-98946C4C4F1F}" dt="2024-03-13T21:04:01.858" v="90"/>
-          <ac:grpSpMkLst>
-            <pc:docMk/>
-            <pc:sldMk cId="1052766174" sldId="279"/>
-            <ac:grpSpMk id="69" creationId="{8B60959F-9B69-4520-A16E-EA6BECC747D6}"/>
-          </ac:grpSpMkLst>
-        </pc:grpChg>
-        <pc:grpChg chg="add">
-          <ac:chgData name="Jonah Bertolino (Student)" userId="S::jonahbertolino@mines.edu::9e5659ea-b595-4c3b-9a51-e4ce62b2395f" providerId="AD" clId="Web-{04C64894-5397-A2BA-EE8E-98946C4C4F1F}" dt="2024-03-13T21:05:34.485" v="111"/>
-          <ac:grpSpMkLst>
-            <pc:docMk/>
-            <pc:sldMk cId="1052766174" sldId="279"/>
-            <ac:grpSpMk id="87" creationId="{1DE889C7-FAD6-4397-98E2-05D503484459}"/>
-          </ac:grpSpMkLst>
-        </pc:grpChg>
-        <pc:grpChg chg="add del">
-          <ac:chgData name="Jonah Bertolino (Student)" userId="S::jonahbertolino@mines.edu::9e5659ea-b595-4c3b-9a51-e4ce62b2395f" providerId="AD" clId="Web-{04C64894-5397-A2BA-EE8E-98946C4C4F1F}" dt="2024-03-13T21:05:05.328" v="101"/>
-          <ac:grpSpMkLst>
-            <pc:docMk/>
-            <pc:sldMk cId="1052766174" sldId="279"/>
-            <ac:grpSpMk id="91" creationId="{1DE889C7-FAD6-4397-98E2-05D503484459}"/>
-          </ac:grpSpMkLst>
-        </pc:grpChg>
-        <pc:picChg chg="add del mod ord">
-          <ac:chgData name="Jonah Bertolino (Student)" userId="S::jonahbertolino@mines.edu::9e5659ea-b595-4c3b-9a51-e4ce62b2395f" providerId="AD" clId="Web-{04C64894-5397-A2BA-EE8E-98946C4C4F1F}" dt="2024-03-13T20:53:13.799" v="42"/>
-          <ac:picMkLst>
-            <pc:docMk/>
-            <pc:sldMk cId="1052766174" sldId="279"/>
-            <ac:picMk id="4" creationId="{74C737AD-9FEF-EF2B-9DC5-CC13C9EE6A7B}"/>
-          </ac:picMkLst>
-        </pc:picChg>
-        <pc:picChg chg="add del mod ord modCrop">
-          <ac:chgData name="Jonah Bertolino (Student)" userId="S::jonahbertolino@mines.edu::9e5659ea-b595-4c3b-9a51-e4ce62b2395f" providerId="AD" clId="Web-{04C64894-5397-A2BA-EE8E-98946C4C4F1F}" dt="2024-03-13T21:15:38.669" v="119"/>
-          <ac:picMkLst>
-            <pc:docMk/>
-            <pc:sldMk cId="1052766174" sldId="279"/>
-            <ac:picMk id="7" creationId="{2D93EF3F-33C1-EC24-201B-37A39E876B0A}"/>
-          </ac:picMkLst>
-        </pc:picChg>
-        <pc:picChg chg="add del mod ord">
-          <ac:chgData name="Jonah Bertolino (Student)" userId="S::jonahbertolino@mines.edu::9e5659ea-b595-4c3b-9a51-e4ce62b2395f" providerId="AD" clId="Web-{04C64894-5397-A2BA-EE8E-98946C4C4F1F}" dt="2024-03-13T20:56:04.224" v="64"/>
-          <ac:picMkLst>
-            <pc:docMk/>
-            <pc:sldMk cId="1052766174" sldId="279"/>
-            <ac:picMk id="8" creationId="{92684E06-8E73-FFA1-29F3-586A7E0B5667}"/>
-          </ac:picMkLst>
-        </pc:picChg>
-        <pc:picChg chg="add del mod ord">
-          <ac:chgData name="Jonah Bertolino (Student)" userId="S::jonahbertolino@mines.edu::9e5659ea-b595-4c3b-9a51-e4ce62b2395f" providerId="AD" clId="Web-{04C64894-5397-A2BA-EE8E-98946C4C4F1F}" dt="2024-03-13T21:05:32.219" v="110"/>
-          <ac:picMkLst>
-            <pc:docMk/>
-            <pc:sldMk cId="1052766174" sldId="279"/>
-            <ac:picMk id="14" creationId="{EA3ECBC4-1396-A3EE-EF8F-4CF4F6FE007E}"/>
-          </ac:picMkLst>
-        </pc:picChg>
-        <pc:picChg chg="add del mod ord">
-          <ac:chgData name="Jonah Bertolino (Student)" userId="S::jonahbertolino@mines.edu::9e5659ea-b595-4c3b-9a51-e4ce62b2395f" providerId="AD" clId="Web-{04C64894-5397-A2BA-EE8E-98946C4C4F1F}" dt="2024-03-13T21:05:46.235" v="113"/>
-          <ac:picMkLst>
-            <pc:docMk/>
-            <pc:sldMk cId="1052766174" sldId="279"/>
-            <ac:picMk id="17" creationId="{1A6ABD3E-EBC5-96B9-51B6-EA1E1D51C933}"/>
-          </ac:picMkLst>
-        </pc:picChg>
-        <pc:picChg chg="add mod modCrop">
-          <ac:chgData name="Jonah Bertolino (Student)" userId="S::jonahbertolino@mines.edu::9e5659ea-b595-4c3b-9a51-e4ce62b2395f" providerId="AD" clId="Web-{04C64894-5397-A2BA-EE8E-98946C4C4F1F}" dt="2024-03-13T21:16:19.482" v="127" actId="1076"/>
-          <ac:picMkLst>
-            <pc:docMk/>
-            <pc:sldMk cId="1052766174" sldId="279"/>
-            <ac:picMk id="18" creationId="{0A8B447F-A66F-0934-EF13-418B6913A925}"/>
-          </ac:picMkLst>
-        </pc:picChg>
-        <pc:cxnChg chg="add del">
-          <ac:chgData name="Jonah Bertolino (Student)" userId="S::jonahbertolino@mines.edu::9e5659ea-b595-4c3b-9a51-e4ce62b2395f" providerId="AD" clId="Web-{04C64894-5397-A2BA-EE8E-98946C4C4F1F}" dt="2024-03-13T20:53:40.877" v="47"/>
-          <ac:cxnSpMkLst>
-            <pc:docMk/>
-            <pc:sldMk cId="1052766174" sldId="279"/>
-            <ac:cxnSpMk id="29" creationId="{EE504C98-6397-41C1-A8D8-2D9C4ED307E0}"/>
-          </ac:cxnSpMkLst>
-        </pc:cxnChg>
-        <pc:cxnChg chg="add del">
-          <ac:chgData name="Jonah Bertolino (Student)" userId="S::jonahbertolino@mines.edu::9e5659ea-b595-4c3b-9a51-e4ce62b2395f" providerId="AD" clId="Web-{04C64894-5397-A2BA-EE8E-98946C4C4F1F}" dt="2024-03-13T20:53:40.877" v="47"/>
-          <ac:cxnSpMkLst>
-            <pc:docMk/>
-            <pc:sldMk cId="1052766174" sldId="279"/>
-            <ac:cxnSpMk id="30" creationId="{B7188D9B-1674-419B-A379-D1632A7EC3A2}"/>
-          </ac:cxnSpMkLst>
-        </pc:cxnChg>
-        <pc:cxnChg chg="add del">
-          <ac:chgData name="Jonah Bertolino (Student)" userId="S::jonahbertolino@mines.edu::9e5659ea-b595-4c3b-9a51-e4ce62b2395f" providerId="AD" clId="Web-{04C64894-5397-A2BA-EE8E-98946C4C4F1F}" dt="2024-03-13T20:54:12.206" v="53"/>
-          <ac:cxnSpMkLst>
-            <pc:docMk/>
-            <pc:sldMk cId="1052766174" sldId="279"/>
-            <ac:cxnSpMk id="47" creationId="{AC65C03C-3F17-45DC-A1B9-35ACA43397D4}"/>
-          </ac:cxnSpMkLst>
-        </pc:cxnChg>
-      </pc:sldChg>
-    </pc:docChg>
-  </pc:docChgLst>
-  <pc:docChgLst>
-    <pc:chgData name="Hunter Burnham (Student)" userId="e134f687-0b34-4f02-b471-2fa4d76ea700" providerId="ADAL" clId="{387E982F-AC20-48A9-A5D7-3E1105CE4D48}"/>
-    <pc:docChg chg="undo custSel addSld delSld modSld sldOrd">
-      <pc:chgData name="Hunter Burnham (Student)" userId="e134f687-0b34-4f02-b471-2fa4d76ea700" providerId="ADAL" clId="{387E982F-AC20-48A9-A5D7-3E1105CE4D48}" dt="2024-03-15T17:51:10.372" v="4161" actId="20577"/>
-      <pc:docMkLst>
-        <pc:docMk/>
-      </pc:docMkLst>
-      <pc:sldChg chg="addSp delSp modSp mod modMedia setBg delAnim">
-        <pc:chgData name="Hunter Burnham (Student)" userId="e134f687-0b34-4f02-b471-2fa4d76ea700" providerId="ADAL" clId="{387E982F-AC20-48A9-A5D7-3E1105CE4D48}" dt="2024-03-15T17:47:44.831" v="3894" actId="20577"/>
-        <pc:sldMkLst>
-          <pc:docMk/>
-          <pc:sldMk cId="234320675" sldId="256"/>
-        </pc:sldMkLst>
-        <pc:spChg chg="mod">
-          <ac:chgData name="Hunter Burnham (Student)" userId="e134f687-0b34-4f02-b471-2fa4d76ea700" providerId="ADAL" clId="{387E982F-AC20-48A9-A5D7-3E1105CE4D48}" dt="2024-03-15T17:47:33.387" v="3884" actId="14100"/>
-          <ac:spMkLst>
-            <pc:docMk/>
-            <pc:sldMk cId="234320675" sldId="256"/>
-            <ac:spMk id="2" creationId="{20F0F418-8CFC-AF03-63CD-F9449637605C}"/>
-          </ac:spMkLst>
-        </pc:spChg>
-        <pc:spChg chg="mod">
-          <ac:chgData name="Hunter Burnham (Student)" userId="e134f687-0b34-4f02-b471-2fa4d76ea700" providerId="ADAL" clId="{387E982F-AC20-48A9-A5D7-3E1105CE4D48}" dt="2024-03-15T17:47:44.831" v="3894" actId="20577"/>
-          <ac:spMkLst>
-            <pc:docMk/>
-            <pc:sldMk cId="234320675" sldId="256"/>
-            <ac:spMk id="3" creationId="{4DFAF4A9-F54B-F3A4-7967-31664984E776}"/>
-          </ac:spMkLst>
-        </pc:spChg>
-        <pc:spChg chg="add del">
-          <ac:chgData name="Hunter Burnham (Student)" userId="e134f687-0b34-4f02-b471-2fa4d76ea700" providerId="ADAL" clId="{387E982F-AC20-48A9-A5D7-3E1105CE4D48}" dt="2024-03-15T17:47:05.848" v="3876" actId="26606"/>
-          <ac:spMkLst>
-            <pc:docMk/>
-            <pc:sldMk cId="234320675" sldId="256"/>
-            <ac:spMk id="9" creationId="{716F42E0-28DF-4093-AFC5-CA01F54C8897}"/>
-          </ac:spMkLst>
-        </pc:spChg>
-        <pc:spChg chg="add del">
-          <ac:chgData name="Hunter Burnham (Student)" userId="e134f687-0b34-4f02-b471-2fa4d76ea700" providerId="ADAL" clId="{387E982F-AC20-48A9-A5D7-3E1105CE4D48}" dt="2024-03-15T17:47:05.848" v="3876" actId="26606"/>
-          <ac:spMkLst>
-            <pc:docMk/>
-            <pc:sldMk cId="234320675" sldId="256"/>
-            <ac:spMk id="11" creationId="{4063B759-00FC-46D1-9898-8E8625268FAF}"/>
-          </ac:spMkLst>
-        </pc:spChg>
-        <pc:spChg chg="add del">
-          <ac:chgData name="Hunter Burnham (Student)" userId="e134f687-0b34-4f02-b471-2fa4d76ea700" providerId="ADAL" clId="{387E982F-AC20-48A9-A5D7-3E1105CE4D48}" dt="2024-03-15T17:47:05.848" v="3876" actId="26606"/>
-          <ac:spMkLst>
-            <pc:docMk/>
-            <pc:sldMk cId="234320675" sldId="256"/>
-            <ac:spMk id="13" creationId="{D5B012D8-7F27-4758-9AC6-C889B154BD73}"/>
-          </ac:spMkLst>
-        </pc:spChg>
-        <pc:spChg chg="add">
-          <ac:chgData name="Hunter Burnham (Student)" userId="e134f687-0b34-4f02-b471-2fa4d76ea700" providerId="ADAL" clId="{387E982F-AC20-48A9-A5D7-3E1105CE4D48}" dt="2024-03-15T17:47:05.848" v="3876" actId="26606"/>
-          <ac:spMkLst>
-            <pc:docMk/>
-            <pc:sldMk cId="234320675" sldId="256"/>
-            <ac:spMk id="15" creationId="{934F1179-B481-4F9E-BCA3-AFB972070F83}"/>
-          </ac:spMkLst>
-        </pc:spChg>
-        <pc:spChg chg="add">
-          <ac:chgData name="Hunter Burnham (Student)" userId="e134f687-0b34-4f02-b471-2fa4d76ea700" providerId="ADAL" clId="{387E982F-AC20-48A9-A5D7-3E1105CE4D48}" dt="2024-03-15T17:47:05.848" v="3876" actId="26606"/>
-          <ac:spMkLst>
-            <pc:docMk/>
-            <pc:sldMk cId="234320675" sldId="256"/>
-            <ac:spMk id="16" creationId="{827DC2C4-B485-428A-BF4A-472D2967F47F}"/>
-          </ac:spMkLst>
-        </pc:spChg>
-        <pc:spChg chg="add del">
-          <ac:chgData name="Hunter Burnham (Student)" userId="e134f687-0b34-4f02-b471-2fa4d76ea700" providerId="ADAL" clId="{387E982F-AC20-48A9-A5D7-3E1105CE4D48}" dt="2024-03-13T21:07:57.867" v="3532" actId="26606"/>
-          <ac:spMkLst>
-            <pc:docMk/>
-            <pc:sldMk cId="234320675" sldId="256"/>
-            <ac:spMk id="18" creationId="{47942995-B07F-4636-9A06-C6A104B260A8}"/>
-          </ac:spMkLst>
-        </pc:spChg>
-        <pc:spChg chg="add">
-          <ac:chgData name="Hunter Burnham (Student)" userId="e134f687-0b34-4f02-b471-2fa4d76ea700" providerId="ADAL" clId="{387E982F-AC20-48A9-A5D7-3E1105CE4D48}" dt="2024-03-15T17:47:05.848" v="3876" actId="26606"/>
-          <ac:spMkLst>
-            <pc:docMk/>
-            <pc:sldMk cId="234320675" sldId="256"/>
-            <ac:spMk id="22" creationId="{EE04B5EB-F158-4507-90DD-BD23620C7CC9}"/>
-          </ac:spMkLst>
-        </pc:spChg>
-        <pc:spChg chg="add del">
-          <ac:chgData name="Hunter Burnham (Student)" userId="e134f687-0b34-4f02-b471-2fa4d76ea700" providerId="ADAL" clId="{387E982F-AC20-48A9-A5D7-3E1105CE4D48}" dt="2024-03-13T21:07:57.867" v="3532" actId="26606"/>
-          <ac:spMkLst>
-            <pc:docMk/>
-            <pc:sldMk cId="234320675" sldId="256"/>
-            <ac:spMk id="25" creationId="{B81933D1-5615-42C7-9C0B-4EB7105CCE2D}"/>
-          </ac:spMkLst>
-        </pc:spChg>
-        <pc:spChg chg="add del">
-          <ac:chgData name="Hunter Burnham (Student)" userId="e134f687-0b34-4f02-b471-2fa4d76ea700" providerId="ADAL" clId="{387E982F-AC20-48A9-A5D7-3E1105CE4D48}" dt="2024-03-13T21:07:57.867" v="3532" actId="26606"/>
-          <ac:spMkLst>
-            <pc:docMk/>
-            <pc:sldMk cId="234320675" sldId="256"/>
-            <ac:spMk id="27" creationId="{19C9EAEA-39D0-4B0E-A0EB-51E7B26740B1}"/>
-          </ac:spMkLst>
-        </pc:spChg>
-        <pc:grpChg chg="add del">
-          <ac:chgData name="Hunter Burnham (Student)" userId="e134f687-0b34-4f02-b471-2fa4d76ea700" providerId="ADAL" clId="{387E982F-AC20-48A9-A5D7-3E1105CE4D48}" dt="2024-03-13T21:07:57.867" v="3532" actId="26606"/>
-          <ac:grpSpMkLst>
-            <pc:docMk/>
-            <pc:sldMk cId="234320675" sldId="256"/>
-            <ac:grpSpMk id="20" creationId="{032D8612-31EB-44CF-A1D0-14FD4C705424}"/>
-          </ac:grpSpMkLst>
-        </pc:grpChg>
-        <pc:picChg chg="add del mod ord">
-          <ac:chgData name="Hunter Burnham (Student)" userId="e134f687-0b34-4f02-b471-2fa4d76ea700" providerId="ADAL" clId="{387E982F-AC20-48A9-A5D7-3E1105CE4D48}" dt="2024-03-15T17:46:36.462" v="3875" actId="21"/>
-          <ac:picMkLst>
-            <pc:docMk/>
-            <pc:sldMk cId="234320675" sldId="256"/>
-            <ac:picMk id="5" creationId="{7F43B5C3-611A-429E-C0DD-3F8BEFBB819D}"/>
-          </ac:picMkLst>
-        </pc:picChg>
-      </pc:sldChg>
-      <pc:sldChg chg="modSp del mod">
-        <pc:chgData name="Hunter Burnham (Student)" userId="e134f687-0b34-4f02-b471-2fa4d76ea700" providerId="ADAL" clId="{387E982F-AC20-48A9-A5D7-3E1105CE4D48}" dt="2024-03-13T20:57:28.059" v="3253" actId="2696"/>
-        <pc:sldMkLst>
-          <pc:docMk/>
-          <pc:sldMk cId="2116201992" sldId="257"/>
-        </pc:sldMkLst>
-        <pc:spChg chg="mod">
-          <ac:chgData name="Hunter Burnham (Student)" userId="e134f687-0b34-4f02-b471-2fa4d76ea700" providerId="ADAL" clId="{387E982F-AC20-48A9-A5D7-3E1105CE4D48}" dt="2024-03-10T21:42:00.791" v="322" actId="20577"/>
-          <ac:spMkLst>
-            <pc:docMk/>
-            <pc:sldMk cId="2116201992" sldId="257"/>
-            <ac:spMk id="2" creationId="{5DE2EB2F-13B1-E18C-7419-802122B6252C}"/>
-          </ac:spMkLst>
-        </pc:spChg>
-        <pc:spChg chg="mod">
-          <ac:chgData name="Hunter Burnham (Student)" userId="e134f687-0b34-4f02-b471-2fa4d76ea700" providerId="ADAL" clId="{387E982F-AC20-48A9-A5D7-3E1105CE4D48}" dt="2024-03-11T21:12:01.402" v="2030" actId="20577"/>
-          <ac:spMkLst>
-            <pc:docMk/>
-            <pc:sldMk cId="2116201992" sldId="257"/>
-            <ac:spMk id="3" creationId="{D46C8847-1CE6-DFDE-956F-4608305A5DC6}"/>
-          </ac:spMkLst>
-        </pc:spChg>
-      </pc:sldChg>
-      <pc:sldChg chg="modSp new mod">
-        <pc:chgData name="Hunter Burnham (Student)" userId="e134f687-0b34-4f02-b471-2fa4d76ea700" providerId="ADAL" clId="{387E982F-AC20-48A9-A5D7-3E1105CE4D48}" dt="2024-03-10T21:48:12.947" v="1208" actId="20577"/>
-        <pc:sldMkLst>
-          <pc:docMk/>
-          <pc:sldMk cId="572091724" sldId="258"/>
-        </pc:sldMkLst>
-        <pc:spChg chg="mod">
-          <ac:chgData name="Hunter Burnham (Student)" userId="e134f687-0b34-4f02-b471-2fa4d76ea700" providerId="ADAL" clId="{387E982F-AC20-48A9-A5D7-3E1105CE4D48}" dt="2024-03-10T21:39:39.850" v="126" actId="20577"/>
-          <ac:spMkLst>
-            <pc:docMk/>
-            <pc:sldMk cId="572091724" sldId="258"/>
-            <ac:spMk id="2" creationId="{F0E3B5F0-F703-3E5B-8F70-F125AC03285A}"/>
-          </ac:spMkLst>
-        </pc:spChg>
-        <pc:spChg chg="mod">
-          <ac:chgData name="Hunter Burnham (Student)" userId="e134f687-0b34-4f02-b471-2fa4d76ea700" providerId="ADAL" clId="{387E982F-AC20-48A9-A5D7-3E1105CE4D48}" dt="2024-03-10T21:48:12.947" v="1208" actId="20577"/>
-          <ac:spMkLst>
-            <pc:docMk/>
-            <pc:sldMk cId="572091724" sldId="258"/>
-            <ac:spMk id="3" creationId="{A196BE1C-312B-2E1D-77D0-B1BBB68FE8F2}"/>
-          </ac:spMkLst>
-        </pc:spChg>
-      </pc:sldChg>
-      <pc:sldChg chg="modSp del mod ord">
-        <pc:chgData name="Hunter Burnham (Student)" userId="e134f687-0b34-4f02-b471-2fa4d76ea700" providerId="ADAL" clId="{387E982F-AC20-48A9-A5D7-3E1105CE4D48}" dt="2024-03-13T21:05:53.127" v="3529" actId="2696"/>
-        <pc:sldMkLst>
-          <pc:docMk/>
-          <pc:sldMk cId="3372943132" sldId="259"/>
-        </pc:sldMkLst>
-        <pc:spChg chg="mod">
-          <ac:chgData name="Hunter Burnham (Student)" userId="e134f687-0b34-4f02-b471-2fa4d76ea700" providerId="ADAL" clId="{387E982F-AC20-48A9-A5D7-3E1105CE4D48}" dt="2024-03-10T21:40:40.749" v="182" actId="20577"/>
-          <ac:spMkLst>
-            <pc:docMk/>
-            <pc:sldMk cId="3372943132" sldId="259"/>
-            <ac:spMk id="2" creationId="{BEB5B745-96C1-51E4-7056-D9562589D0F5}"/>
-          </ac:spMkLst>
-        </pc:spChg>
-        <pc:spChg chg="mod">
-          <ac:chgData name="Hunter Burnham (Student)" userId="e134f687-0b34-4f02-b471-2fa4d76ea700" providerId="ADAL" clId="{387E982F-AC20-48A9-A5D7-3E1105CE4D48}" dt="2024-03-10T21:50:02.926" v="1270" actId="313"/>
-          <ac:spMkLst>
-            <pc:docMk/>
-            <pc:sldMk cId="3372943132" sldId="259"/>
-            <ac:spMk id="3" creationId="{00B45081-0BD4-AC98-E3FB-757FDF4BCC4C}"/>
-          </ac:spMkLst>
-        </pc:spChg>
-      </pc:sldChg>
-      <pc:sldChg chg="modSp new mod">
-        <pc:chgData name="Hunter Burnham (Student)" userId="e134f687-0b34-4f02-b471-2fa4d76ea700" providerId="ADAL" clId="{387E982F-AC20-48A9-A5D7-3E1105CE4D48}" dt="2024-03-10T21:45:55.502" v="836" actId="313"/>
-        <pc:sldMkLst>
-          <pc:docMk/>
-          <pc:sldMk cId="907987910" sldId="260"/>
-        </pc:sldMkLst>
-        <pc:spChg chg="mod">
-          <ac:chgData name="Hunter Burnham (Student)" userId="e134f687-0b34-4f02-b471-2fa4d76ea700" providerId="ADAL" clId="{387E982F-AC20-48A9-A5D7-3E1105CE4D48}" dt="2024-03-10T21:41:52.725" v="313" actId="20577"/>
-          <ac:spMkLst>
-            <pc:docMk/>
-            <pc:sldMk cId="907987910" sldId="260"/>
-            <ac:spMk id="2" creationId="{68F347CA-AC84-EF9D-06FA-C744906CD24A}"/>
-          </ac:spMkLst>
-        </pc:spChg>
-        <pc:spChg chg="mod">
-          <ac:chgData name="Hunter Burnham (Student)" userId="e134f687-0b34-4f02-b471-2fa4d76ea700" providerId="ADAL" clId="{387E982F-AC20-48A9-A5D7-3E1105CE4D48}" dt="2024-03-10T21:45:55.502" v="836" actId="313"/>
-          <ac:spMkLst>
-            <pc:docMk/>
-            <pc:sldMk cId="907987910" sldId="260"/>
-            <ac:spMk id="3" creationId="{F627CA05-FB38-7BCD-DA2E-437F6146B06B}"/>
-          </ac:spMkLst>
-        </pc:spChg>
-      </pc:sldChg>
-      <pc:sldChg chg="modSp mod">
-        <pc:chgData name="Hunter Burnham (Student)" userId="e134f687-0b34-4f02-b471-2fa4d76ea700" providerId="ADAL" clId="{387E982F-AC20-48A9-A5D7-3E1105CE4D48}" dt="2024-03-10T21:48:18.555" v="1210"/>
-        <pc:sldMkLst>
-          <pc:docMk/>
-          <pc:sldMk cId="3928215850" sldId="261"/>
-        </pc:sldMkLst>
-        <pc:spChg chg="mod">
-          <ac:chgData name="Hunter Burnham (Student)" userId="e134f687-0b34-4f02-b471-2fa4d76ea700" providerId="ADAL" clId="{387E982F-AC20-48A9-A5D7-3E1105CE4D48}" dt="2024-03-10T21:41:04.040" v="210" actId="20577"/>
-          <ac:spMkLst>
-            <pc:docMk/>
-            <pc:sldMk cId="3928215850" sldId="261"/>
-            <ac:spMk id="2" creationId="{FD5CBC22-CD60-DEC3-9B70-431914163214}"/>
-          </ac:spMkLst>
-        </pc:spChg>
-        <pc:spChg chg="mod">
-          <ac:chgData name="Hunter Burnham (Student)" userId="e134f687-0b34-4f02-b471-2fa4d76ea700" providerId="ADAL" clId="{387E982F-AC20-48A9-A5D7-3E1105CE4D48}" dt="2024-03-10T21:48:18.555" v="1210"/>
-          <ac:spMkLst>
-            <pc:docMk/>
-            <pc:sldMk cId="3928215850" sldId="261"/>
-            <ac:spMk id="3" creationId="{82E4FC8A-EAFF-352A-DBD5-537E16C616C2}"/>
-          </ac:spMkLst>
-        </pc:spChg>
-      </pc:sldChg>
-      <pc:sldChg chg="modSp new del mod">
-        <pc:chgData name="Hunter Burnham (Student)" userId="e134f687-0b34-4f02-b471-2fa4d76ea700" providerId="ADAL" clId="{387E982F-AC20-48A9-A5D7-3E1105CE4D48}" dt="2024-03-13T20:36:37.921" v="2529" actId="2696"/>
-        <pc:sldMkLst>
-          <pc:docMk/>
-          <pc:sldMk cId="3446202391" sldId="262"/>
-        </pc:sldMkLst>
-        <pc:spChg chg="mod">
-          <ac:chgData name="Hunter Burnham (Student)" userId="e134f687-0b34-4f02-b471-2fa4d76ea700" providerId="ADAL" clId="{387E982F-AC20-48A9-A5D7-3E1105CE4D48}" dt="2024-03-10T21:41:45.407" v="304" actId="20577"/>
-          <ac:spMkLst>
-            <pc:docMk/>
-            <pc:sldMk cId="3446202391" sldId="262"/>
-            <ac:spMk id="2" creationId="{468B33FC-5B50-2F21-E2B4-5EDC5DFC251A}"/>
-          </ac:spMkLst>
-        </pc:spChg>
-        <pc:spChg chg="mod">
-          <ac:chgData name="Hunter Burnham (Student)" userId="e134f687-0b34-4f02-b471-2fa4d76ea700" providerId="ADAL" clId="{387E982F-AC20-48A9-A5D7-3E1105CE4D48}" dt="2024-03-10T21:48:20.925" v="1212"/>
-          <ac:spMkLst>
-            <pc:docMk/>
-            <pc:sldMk cId="3446202391" sldId="262"/>
-            <ac:spMk id="3" creationId="{BAB3B5AD-7F8D-36AD-1390-9CEDC96A4C13}"/>
-          </ac:spMkLst>
-        </pc:spChg>
-      </pc:sldChg>
-      <pc:sldChg chg="modSp new mod modNotesTx">
-        <pc:chgData name="Hunter Burnham (Student)" userId="e134f687-0b34-4f02-b471-2fa4d76ea700" providerId="ADAL" clId="{387E982F-AC20-48A9-A5D7-3E1105CE4D48}" dt="2024-03-13T21:14:02.459" v="3823" actId="20577"/>
-        <pc:sldMkLst>
-          <pc:docMk/>
-          <pc:sldMk cId="2396793982" sldId="263"/>
-        </pc:sldMkLst>
-        <pc:spChg chg="mod">
-          <ac:chgData name="Hunter Burnham (Student)" userId="e134f687-0b34-4f02-b471-2fa4d76ea700" providerId="ADAL" clId="{387E982F-AC20-48A9-A5D7-3E1105CE4D48}" dt="2024-03-10T21:41:31.558" v="292" actId="20577"/>
-          <ac:spMkLst>
-            <pc:docMk/>
-            <pc:sldMk cId="2396793982" sldId="263"/>
-            <ac:spMk id="2" creationId="{6809C795-4042-CC5A-647E-5016B8E19E84}"/>
-          </ac:spMkLst>
-        </pc:spChg>
-        <pc:spChg chg="mod">
-          <ac:chgData name="Hunter Burnham (Student)" userId="e134f687-0b34-4f02-b471-2fa4d76ea700" providerId="ADAL" clId="{387E982F-AC20-48A9-A5D7-3E1105CE4D48}" dt="2024-03-13T21:12:04.240" v="3653" actId="27636"/>
-          <ac:spMkLst>
-            <pc:docMk/>
-            <pc:sldMk cId="2396793982" sldId="263"/>
-            <ac:spMk id="3" creationId="{A9AC157F-B5D5-20E2-9DA4-EA29118F63FC}"/>
-          </ac:spMkLst>
-        </pc:spChg>
-      </pc:sldChg>
-      <pc:sldChg chg="addSp delSp modSp new mod ord setBg modNotesTx">
-        <pc:chgData name="Hunter Burnham (Student)" userId="e134f687-0b34-4f02-b471-2fa4d76ea700" providerId="ADAL" clId="{387E982F-AC20-48A9-A5D7-3E1105CE4D48}" dt="2024-03-15T17:51:10.372" v="4161" actId="20577"/>
-        <pc:sldMkLst>
-          <pc:docMk/>
-          <pc:sldMk cId="3498185693" sldId="264"/>
-        </pc:sldMkLst>
-        <pc:spChg chg="mod">
-          <ac:chgData name="Hunter Burnham (Student)" userId="e134f687-0b34-4f02-b471-2fa4d76ea700" providerId="ADAL" clId="{387E982F-AC20-48A9-A5D7-3E1105CE4D48}" dt="2024-03-13T20:21:21.533" v="2181" actId="14100"/>
-          <ac:spMkLst>
-            <pc:docMk/>
-            <pc:sldMk cId="3498185693" sldId="264"/>
-            <ac:spMk id="2" creationId="{DAD4FEB1-1896-4D04-3477-F8E40CBA7E2E}"/>
-          </ac:spMkLst>
-        </pc:spChg>
-        <pc:spChg chg="mod ord">
-          <ac:chgData name="Hunter Burnham (Student)" userId="e134f687-0b34-4f02-b471-2fa4d76ea700" providerId="ADAL" clId="{387E982F-AC20-48A9-A5D7-3E1105CE4D48}" dt="2024-03-13T20:48:56.561" v="2843" actId="404"/>
-          <ac:spMkLst>
-            <pc:docMk/>
-            <pc:sldMk cId="3498185693" sldId="264"/>
-            <ac:spMk id="3" creationId="{37BDDD50-4114-09B9-F973-1B6A4E4252F3}"/>
-          </ac:spMkLst>
-        </pc:spChg>
-        <pc:spChg chg="add del">
-          <ac:chgData name="Hunter Burnham (Student)" userId="e134f687-0b34-4f02-b471-2fa4d76ea700" providerId="ADAL" clId="{387E982F-AC20-48A9-A5D7-3E1105CE4D48}" dt="2024-03-13T20:21:04.254" v="2176" actId="26606"/>
-          <ac:spMkLst>
-            <pc:docMk/>
-            <pc:sldMk cId="3498185693" sldId="264"/>
-            <ac:spMk id="11" creationId="{B712E947-0734-45F9-9C4F-41114EC3A33E}"/>
-          </ac:spMkLst>
-        </pc:spChg>
-        <pc:spChg chg="add">
-          <ac:chgData name="Hunter Burnham (Student)" userId="e134f687-0b34-4f02-b471-2fa4d76ea700" providerId="ADAL" clId="{387E982F-AC20-48A9-A5D7-3E1105CE4D48}" dt="2024-03-13T20:21:12.580" v="2179" actId="26606"/>
-          <ac:spMkLst>
-            <pc:docMk/>
-            <pc:sldMk cId="3498185693" sldId="264"/>
-            <ac:spMk id="15" creationId="{2C1BBA94-3F40-40AA-8BB9-E69E25E537C1}"/>
-          </ac:spMkLst>
-        </pc:spChg>
-        <pc:spChg chg="add">
-          <ac:chgData name="Hunter Burnham (Student)" userId="e134f687-0b34-4f02-b471-2fa4d76ea700" providerId="ADAL" clId="{387E982F-AC20-48A9-A5D7-3E1105CE4D48}" dt="2024-03-13T20:21:12.580" v="2179" actId="26606"/>
-          <ac:spMkLst>
-            <pc:docMk/>
-            <pc:sldMk cId="3498185693" sldId="264"/>
-            <ac:spMk id="17" creationId="{FE43805F-24A6-46A4-B19B-54F28347355C}"/>
-          </ac:spMkLst>
-        </pc:spChg>
-        <pc:spChg chg="add del">
-          <ac:chgData name="Hunter Burnham (Student)" userId="e134f687-0b34-4f02-b471-2fa4d76ea700" providerId="ADAL" clId="{387E982F-AC20-48A9-A5D7-3E1105CE4D48}" dt="2024-03-13T20:21:12.550" v="2178" actId="26606"/>
-          <ac:spMkLst>
-            <pc:docMk/>
-            <pc:sldMk cId="3498185693" sldId="264"/>
-            <ac:spMk id="18" creationId="{A51A0227-072A-4F5F-928C-E2C3E5CCD10C}"/>
-          </ac:spMkLst>
-        </pc:spChg>
-        <pc:spChg chg="add del">
-          <ac:chgData name="Hunter Burnham (Student)" userId="e134f687-0b34-4f02-b471-2fa4d76ea700" providerId="ADAL" clId="{387E982F-AC20-48A9-A5D7-3E1105CE4D48}" dt="2024-03-13T20:21:12.550" v="2178" actId="26606"/>
-          <ac:spMkLst>
-            <pc:docMk/>
-            <pc:sldMk cId="3498185693" sldId="264"/>
-            <ac:spMk id="19" creationId="{35D99776-4B38-47DF-A302-11AD9AF87ACA}"/>
-          </ac:spMkLst>
-        </pc:spChg>
-        <pc:spChg chg="add">
-          <ac:chgData name="Hunter Burnham (Student)" userId="e134f687-0b34-4f02-b471-2fa4d76ea700" providerId="ADAL" clId="{387E982F-AC20-48A9-A5D7-3E1105CE4D48}" dt="2024-03-13T20:21:12.580" v="2179" actId="26606"/>
-          <ac:spMkLst>
-            <pc:docMk/>
-            <pc:sldMk cId="3498185693" sldId="264"/>
-            <ac:spMk id="21" creationId="{1022CA72-2A63-428F-B586-37BA5AB6D265}"/>
-          </ac:spMkLst>
-        </pc:spChg>
-        <pc:spChg chg="add">
-          <ac:chgData name="Hunter Burnham (Student)" userId="e134f687-0b34-4f02-b471-2fa4d76ea700" providerId="ADAL" clId="{387E982F-AC20-48A9-A5D7-3E1105CE4D48}" dt="2024-03-13T20:21:12.580" v="2179" actId="26606"/>
-          <ac:spMkLst>
-            <pc:docMk/>
-            <pc:sldMk cId="3498185693" sldId="264"/>
-            <ac:spMk id="22" creationId="{95C8260E-968F-44E8-A823-ABB431311926}"/>
-          </ac:spMkLst>
-        </pc:spChg>
-        <pc:grpChg chg="add del">
-          <ac:chgData name="Hunter Burnham (Student)" userId="e134f687-0b34-4f02-b471-2fa4d76ea700" providerId="ADAL" clId="{387E982F-AC20-48A9-A5D7-3E1105CE4D48}" dt="2024-03-13T20:21:04.254" v="2176" actId="26606"/>
-          <ac:grpSpMkLst>
-            <pc:docMk/>
-            <pc:sldMk cId="3498185693" sldId="264"/>
-            <ac:grpSpMk id="13" creationId="{12B3290A-D3BF-4B87-B55B-FD9A98B49727}"/>
-          </ac:grpSpMkLst>
-        </pc:grpChg>
-        <pc:picChg chg="add mod ord modCrop">
-          <ac:chgData name="Hunter Burnham (Student)" userId="e134f687-0b34-4f02-b471-2fa4d76ea700" providerId="ADAL" clId="{387E982F-AC20-48A9-A5D7-3E1105CE4D48}" dt="2024-03-13T20:45:33.693" v="2766" actId="14100"/>
-          <ac:picMkLst>
-            <pc:docMk/>
-            <pc:sldMk cId="3498185693" sldId="264"/>
-            <ac:picMk id="5" creationId="{4D2F8233-C50F-2635-3B64-71690276E158}"/>
-          </ac:picMkLst>
-        </pc:picChg>
-        <pc:picChg chg="add mod">
-          <ac:chgData name="Hunter Burnham (Student)" userId="e134f687-0b34-4f02-b471-2fa4d76ea700" providerId="ADAL" clId="{387E982F-AC20-48A9-A5D7-3E1105CE4D48}" dt="2024-03-13T20:21:12.580" v="2179" actId="26606"/>
-          <ac:picMkLst>
-            <pc:docMk/>
-            <pc:sldMk cId="3498185693" sldId="264"/>
-            <ac:picMk id="6" creationId="{7C881784-BAA2-6642-FEDE-BD0866746B06}"/>
-          </ac:picMkLst>
-        </pc:picChg>
-      </pc:sldChg>
-      <pc:sldChg chg="addSp modSp new mod setBg modNotesTx">
-        <pc:chgData name="Hunter Burnham (Student)" userId="e134f687-0b34-4f02-b471-2fa4d76ea700" providerId="ADAL" clId="{387E982F-AC20-48A9-A5D7-3E1105CE4D48}" dt="2024-03-15T17:49:10.972" v="4047" actId="20577"/>
-        <pc:sldMkLst>
-          <pc:docMk/>
-          <pc:sldMk cId="4282433805" sldId="265"/>
-        </pc:sldMkLst>
-        <pc:spChg chg="mod">
-          <ac:chgData name="Hunter Burnham (Student)" userId="e134f687-0b34-4f02-b471-2fa4d76ea700" providerId="ADAL" clId="{387E982F-AC20-48A9-A5D7-3E1105CE4D48}" dt="2024-03-13T20:44:43.744" v="2760" actId="26606"/>
-          <ac:spMkLst>
-            <pc:docMk/>
-            <pc:sldMk cId="4282433805" sldId="265"/>
-            <ac:spMk id="2" creationId="{8D59BAEB-686B-076D-6F94-24AF33C43842}"/>
-          </ac:spMkLst>
-        </pc:spChg>
-        <pc:spChg chg="mod">
-          <ac:chgData name="Hunter Burnham (Student)" userId="e134f687-0b34-4f02-b471-2fa4d76ea700" providerId="ADAL" clId="{387E982F-AC20-48A9-A5D7-3E1105CE4D48}" dt="2024-03-13T20:44:43.744" v="2760" actId="26606"/>
-          <ac:spMkLst>
-            <pc:docMk/>
-            <pc:sldMk cId="4282433805" sldId="265"/>
-            <ac:spMk id="3" creationId="{61AA17EB-3313-5381-A3C4-8ACFAF2E635E}"/>
-          </ac:spMkLst>
-        </pc:spChg>
-        <pc:spChg chg="add">
-          <ac:chgData name="Hunter Burnham (Student)" userId="e134f687-0b34-4f02-b471-2fa4d76ea700" providerId="ADAL" clId="{387E982F-AC20-48A9-A5D7-3E1105CE4D48}" dt="2024-03-13T20:44:43.744" v="2760" actId="26606"/>
-          <ac:spMkLst>
-            <pc:docMk/>
-            <pc:sldMk cId="4282433805" sldId="265"/>
-            <ac:spMk id="10" creationId="{201CC55D-ED54-4C5C-95E6-10947BD1103B}"/>
-          </ac:spMkLst>
-        </pc:spChg>
-        <pc:spChg chg="add">
-          <ac:chgData name="Hunter Burnham (Student)" userId="e134f687-0b34-4f02-b471-2fa4d76ea700" providerId="ADAL" clId="{387E982F-AC20-48A9-A5D7-3E1105CE4D48}" dt="2024-03-13T20:44:43.744" v="2760" actId="26606"/>
-          <ac:spMkLst>
-            <pc:docMk/>
-            <pc:sldMk cId="4282433805" sldId="265"/>
-            <ac:spMk id="16" creationId="{3873B707-463F-40B0-8227-E8CC6C67EB25}"/>
-          </ac:spMkLst>
-        </pc:spChg>
-        <pc:spChg chg="add">
-          <ac:chgData name="Hunter Burnham (Student)" userId="e134f687-0b34-4f02-b471-2fa4d76ea700" providerId="ADAL" clId="{387E982F-AC20-48A9-A5D7-3E1105CE4D48}" dt="2024-03-13T20:44:43.744" v="2760" actId="26606"/>
-          <ac:spMkLst>
-            <pc:docMk/>
-            <pc:sldMk cId="4282433805" sldId="265"/>
-            <ac:spMk id="18" creationId="{C13237C8-E62C-4F0D-A318-BD6FB6C2D138}"/>
-          </ac:spMkLst>
-        </pc:spChg>
-        <pc:spChg chg="add">
-          <ac:chgData name="Hunter Burnham (Student)" userId="e134f687-0b34-4f02-b471-2fa4d76ea700" providerId="ADAL" clId="{387E982F-AC20-48A9-A5D7-3E1105CE4D48}" dt="2024-03-13T20:44:43.744" v="2760" actId="26606"/>
-          <ac:spMkLst>
-            <pc:docMk/>
-            <pc:sldMk cId="4282433805" sldId="265"/>
-            <ac:spMk id="20" creationId="{19C9EAEA-39D0-4B0E-A0EB-51E7B26740B1}"/>
-          </ac:spMkLst>
-        </pc:spChg>
-        <pc:grpChg chg="add">
-          <ac:chgData name="Hunter Burnham (Student)" userId="e134f687-0b34-4f02-b471-2fa4d76ea700" providerId="ADAL" clId="{387E982F-AC20-48A9-A5D7-3E1105CE4D48}" dt="2024-03-13T20:44:43.744" v="2760" actId="26606"/>
-          <ac:grpSpMkLst>
-            <pc:docMk/>
-            <pc:sldMk cId="4282433805" sldId="265"/>
-            <ac:grpSpMk id="12" creationId="{1DE889C7-FAD6-4397-98E2-05D503484459}"/>
-          </ac:grpSpMkLst>
-        </pc:grpChg>
-        <pc:picChg chg="add mod modCrop">
-          <ac:chgData name="Hunter Burnham (Student)" userId="e134f687-0b34-4f02-b471-2fa4d76ea700" providerId="ADAL" clId="{387E982F-AC20-48A9-A5D7-3E1105CE4D48}" dt="2024-03-13T20:44:43.744" v="2760" actId="26606"/>
-          <ac:picMkLst>
-            <pc:docMk/>
-            <pc:sldMk cId="4282433805" sldId="265"/>
-            <ac:picMk id="5" creationId="{47716B5C-88D7-AF78-4D9F-38DA4FA92620}"/>
-          </ac:picMkLst>
-        </pc:picChg>
-      </pc:sldChg>
-      <pc:sldChg chg="addSp delSp modSp new mod setBg modNotesTx">
-        <pc:chgData name="Hunter Burnham (Student)" userId="e134f687-0b34-4f02-b471-2fa4d76ea700" providerId="ADAL" clId="{387E982F-AC20-48A9-A5D7-3E1105CE4D48}" dt="2024-03-15T17:48:17.666" v="3900" actId="20577"/>
-        <pc:sldMkLst>
-          <pc:docMk/>
-          <pc:sldMk cId="2592547000" sldId="266"/>
-        </pc:sldMkLst>
-        <pc:spChg chg="mod">
-          <ac:chgData name="Hunter Burnham (Student)" userId="e134f687-0b34-4f02-b471-2fa4d76ea700" providerId="ADAL" clId="{387E982F-AC20-48A9-A5D7-3E1105CE4D48}" dt="2024-03-13T21:07:38.683" v="3530" actId="26606"/>
-          <ac:spMkLst>
-            <pc:docMk/>
-            <pc:sldMk cId="2592547000" sldId="266"/>
-            <ac:spMk id="2" creationId="{82D7485C-C17E-097C-D99E-2E410B176E92}"/>
-          </ac:spMkLst>
-        </pc:spChg>
-        <pc:spChg chg="mod ord">
-          <ac:chgData name="Hunter Burnham (Student)" userId="e134f687-0b34-4f02-b471-2fa4d76ea700" providerId="ADAL" clId="{387E982F-AC20-48A9-A5D7-3E1105CE4D48}" dt="2024-03-13T21:07:38.683" v="3530" actId="26606"/>
-          <ac:spMkLst>
-            <pc:docMk/>
-            <pc:sldMk cId="2592547000" sldId="266"/>
-            <ac:spMk id="3" creationId="{CB0820ED-CB43-CA76-310F-14DE183269CB}"/>
-          </ac:spMkLst>
-        </pc:spChg>
-        <pc:spChg chg="add del">
-          <ac:chgData name="Hunter Burnham (Student)" userId="e134f687-0b34-4f02-b471-2fa4d76ea700" providerId="ADAL" clId="{387E982F-AC20-48A9-A5D7-3E1105CE4D48}" dt="2024-03-13T21:07:38.683" v="3530" actId="26606"/>
-          <ac:spMkLst>
-            <pc:docMk/>
-            <pc:sldMk cId="2592547000" sldId="266"/>
-            <ac:spMk id="9" creationId="{7ED7575E-88D2-B771-681D-46A7E55415DD}"/>
-          </ac:spMkLst>
-        </pc:spChg>
-        <pc:spChg chg="add">
-          <ac:chgData name="Hunter Burnham (Student)" userId="e134f687-0b34-4f02-b471-2fa4d76ea700" providerId="ADAL" clId="{387E982F-AC20-48A9-A5D7-3E1105CE4D48}" dt="2024-03-13T21:07:38.683" v="3530" actId="26606"/>
-          <ac:spMkLst>
-            <pc:docMk/>
-            <pc:sldMk cId="2592547000" sldId="266"/>
-            <ac:spMk id="16" creationId="{DBC6133C-0615-4CE4-9132-37E609A9BDFA}"/>
-          </ac:spMkLst>
-        </pc:spChg>
-        <pc:spChg chg="add">
-          <ac:chgData name="Hunter Burnham (Student)" userId="e134f687-0b34-4f02-b471-2fa4d76ea700" providerId="ADAL" clId="{387E982F-AC20-48A9-A5D7-3E1105CE4D48}" dt="2024-03-13T21:07:38.683" v="3530" actId="26606"/>
-          <ac:spMkLst>
-            <pc:docMk/>
-            <pc:sldMk cId="2592547000" sldId="266"/>
-            <ac:spMk id="18" creationId="{169CC832-2974-4E8D-90ED-3E2941BA7336}"/>
-          </ac:spMkLst>
-        </pc:spChg>
-        <pc:spChg chg="add">
-          <ac:chgData name="Hunter Burnham (Student)" userId="e134f687-0b34-4f02-b471-2fa4d76ea700" providerId="ADAL" clId="{387E982F-AC20-48A9-A5D7-3E1105CE4D48}" dt="2024-03-13T21:07:38.683" v="3530" actId="26606"/>
-          <ac:spMkLst>
-            <pc:docMk/>
-            <pc:sldMk cId="2592547000" sldId="266"/>
-            <ac:spMk id="20" creationId="{55222F96-971A-4F90-B841-6BAB416C7AC1}"/>
-          </ac:spMkLst>
-        </pc:spChg>
-        <pc:spChg chg="add">
-          <ac:chgData name="Hunter Burnham (Student)" userId="e134f687-0b34-4f02-b471-2fa4d76ea700" providerId="ADAL" clId="{387E982F-AC20-48A9-A5D7-3E1105CE4D48}" dt="2024-03-13T21:07:38.683" v="3530" actId="26606"/>
-          <ac:spMkLst>
-            <pc:docMk/>
-            <pc:sldMk cId="2592547000" sldId="266"/>
-            <ac:spMk id="22" creationId="{08980754-6F4B-43C9-B9BE-127B6BED6586}"/>
-          </ac:spMkLst>
-        </pc:spChg>
-        <pc:spChg chg="add">
-          <ac:chgData name="Hunter Burnham (Student)" userId="e134f687-0b34-4f02-b471-2fa4d76ea700" providerId="ADAL" clId="{387E982F-AC20-48A9-A5D7-3E1105CE4D48}" dt="2024-03-13T21:07:38.683" v="3530" actId="26606"/>
-          <ac:spMkLst>
-            <pc:docMk/>
-            <pc:sldMk cId="2592547000" sldId="266"/>
-            <ac:spMk id="24" creationId="{2C1BBA94-3F40-40AA-8BB9-E69E25E537C1}"/>
-          </ac:spMkLst>
-        </pc:spChg>
-        <pc:picChg chg="mod ord">
-          <ac:chgData name="Hunter Burnham (Student)" userId="e134f687-0b34-4f02-b471-2fa4d76ea700" providerId="ADAL" clId="{387E982F-AC20-48A9-A5D7-3E1105CE4D48}" dt="2024-03-13T21:07:38.683" v="3530" actId="26606"/>
-          <ac:picMkLst>
-            <pc:docMk/>
-            <pc:sldMk cId="2592547000" sldId="266"/>
-            <ac:picMk id="4" creationId="{4B28B800-C4CA-98CC-6CED-42EDF0D9E55E}"/>
-          </ac:picMkLst>
-        </pc:picChg>
-        <pc:cxnChg chg="add del">
-          <ac:chgData name="Hunter Burnham (Student)" userId="e134f687-0b34-4f02-b471-2fa4d76ea700" providerId="ADAL" clId="{387E982F-AC20-48A9-A5D7-3E1105CE4D48}" dt="2024-03-13T21:07:38.683" v="3530" actId="26606"/>
-          <ac:cxnSpMkLst>
-            <pc:docMk/>
-            <pc:sldMk cId="2592547000" sldId="266"/>
-            <ac:cxnSpMk id="11" creationId="{249EDD1B-F94D-B4E6-ACAA-566B9A26FDE3}"/>
-          </ac:cxnSpMkLst>
-        </pc:cxnChg>
-      </pc:sldChg>
-      <pc:sldChg chg="addSp delSp modSp mod setBg">
-        <pc:chgData name="Hunter Burnham (Student)" userId="e134f687-0b34-4f02-b471-2fa4d76ea700" providerId="ADAL" clId="{387E982F-AC20-48A9-A5D7-3E1105CE4D48}" dt="2024-03-13T20:59:36.972" v="3269" actId="1076"/>
-        <pc:sldMkLst>
-          <pc:docMk/>
-          <pc:sldMk cId="3085835959" sldId="268"/>
-        </pc:sldMkLst>
-        <pc:spChg chg="mod">
-          <ac:chgData name="Hunter Burnham (Student)" userId="e134f687-0b34-4f02-b471-2fa4d76ea700" providerId="ADAL" clId="{387E982F-AC20-48A9-A5D7-3E1105CE4D48}" dt="2024-03-13T20:59:07.041" v="3257" actId="26606"/>
-          <ac:spMkLst>
-            <pc:docMk/>
-            <pc:sldMk cId="3085835959" sldId="268"/>
-            <ac:spMk id="2" creationId="{E0D42B90-D36E-F541-0DA9-D3AE86A9CC81}"/>
-          </ac:spMkLst>
-        </pc:spChg>
-        <pc:spChg chg="mod">
-          <ac:chgData name="Hunter Burnham (Student)" userId="e134f687-0b34-4f02-b471-2fa4d76ea700" providerId="ADAL" clId="{387E982F-AC20-48A9-A5D7-3E1105CE4D48}" dt="2024-03-13T20:59:13.116" v="3259" actId="14100"/>
-          <ac:spMkLst>
-            <pc:docMk/>
-            <pc:sldMk cId="3085835959" sldId="268"/>
-            <ac:spMk id="3" creationId="{6B3CF716-4EFA-6566-2DC6-AC662E3D731E}"/>
-          </ac:spMkLst>
-        </pc:spChg>
-        <pc:spChg chg="add del">
-          <ac:chgData name="Hunter Burnham (Student)" userId="e134f687-0b34-4f02-b471-2fa4d76ea700" providerId="ADAL" clId="{387E982F-AC20-48A9-A5D7-3E1105CE4D48}" dt="2024-03-13T20:59:07.041" v="3257" actId="26606"/>
-          <ac:spMkLst>
-            <pc:docMk/>
-            <pc:sldMk cId="3085835959" sldId="268"/>
-            <ac:spMk id="8" creationId="{DBC6133C-0615-4CE4-9132-37E609A9BDFA}"/>
-          </ac:spMkLst>
-        </pc:spChg>
-        <pc:spChg chg="add del">
-          <ac:chgData name="Hunter Burnham (Student)" userId="e134f687-0b34-4f02-b471-2fa4d76ea700" providerId="ADAL" clId="{387E982F-AC20-48A9-A5D7-3E1105CE4D48}" dt="2024-03-13T20:59:07.041" v="3257" actId="26606"/>
-          <ac:spMkLst>
-            <pc:docMk/>
-            <pc:sldMk cId="3085835959" sldId="268"/>
-            <ac:spMk id="9" creationId="{169CC832-2974-4E8D-90ED-3E2941BA7336}"/>
-          </ac:spMkLst>
-        </pc:spChg>
-        <pc:spChg chg="add del">
-          <ac:chgData name="Hunter Burnham (Student)" userId="e134f687-0b34-4f02-b471-2fa4d76ea700" providerId="ADAL" clId="{387E982F-AC20-48A9-A5D7-3E1105CE4D48}" dt="2024-03-13T20:59:07.041" v="3257" actId="26606"/>
-          <ac:spMkLst>
-            <pc:docMk/>
-            <pc:sldMk cId="3085835959" sldId="268"/>
-            <ac:spMk id="10" creationId="{55222F96-971A-4F90-B841-6BAB416C7AC1}"/>
-          </ac:spMkLst>
-        </pc:spChg>
-        <pc:spChg chg="add del">
-          <ac:chgData name="Hunter Burnham (Student)" userId="e134f687-0b34-4f02-b471-2fa4d76ea700" providerId="ADAL" clId="{387E982F-AC20-48A9-A5D7-3E1105CE4D48}" dt="2024-03-13T20:59:07.041" v="3257" actId="26606"/>
-          <ac:spMkLst>
-            <pc:docMk/>
-            <pc:sldMk cId="3085835959" sldId="268"/>
-            <ac:spMk id="17" creationId="{08980754-6F4B-43C9-B9BE-127B6BED6586}"/>
-          </ac:spMkLst>
-        </pc:spChg>
-        <pc:spChg chg="add del">
-          <ac:chgData name="Hunter Burnham (Student)" userId="e134f687-0b34-4f02-b471-2fa4d76ea700" providerId="ADAL" clId="{387E982F-AC20-48A9-A5D7-3E1105CE4D48}" dt="2024-03-13T20:59:07.041" v="3257" actId="26606"/>
-          <ac:spMkLst>
-            <pc:docMk/>
-            <pc:sldMk cId="3085835959" sldId="268"/>
-            <ac:spMk id="19" creationId="{2C1BBA94-3F40-40AA-8BB9-E69E25E537C1}"/>
-          </ac:spMkLst>
-        </pc:spChg>
-        <pc:spChg chg="add">
-          <ac:chgData name="Hunter Burnham (Student)" userId="e134f687-0b34-4f02-b471-2fa4d76ea700" providerId="ADAL" clId="{387E982F-AC20-48A9-A5D7-3E1105CE4D48}" dt="2024-03-13T20:59:07.041" v="3257" actId="26606"/>
-          <ac:spMkLst>
-            <pc:docMk/>
-            <pc:sldMk cId="3085835959" sldId="268"/>
-            <ac:spMk id="24" creationId="{058A14AF-9FB5-4CC7-BA35-E8E85D3EDF0E}"/>
-          </ac:spMkLst>
-        </pc:spChg>
-        <pc:spChg chg="add">
-          <ac:chgData name="Hunter Burnham (Student)" userId="e134f687-0b34-4f02-b471-2fa4d76ea700" providerId="ADAL" clId="{387E982F-AC20-48A9-A5D7-3E1105CE4D48}" dt="2024-03-13T20:59:07.041" v="3257" actId="26606"/>
-          <ac:spMkLst>
-            <pc:docMk/>
-            <pc:sldMk cId="3085835959" sldId="268"/>
-            <ac:spMk id="26" creationId="{3A9A4357-BD1D-4622-A4FE-766E6AB8DE84}"/>
-          </ac:spMkLst>
-        </pc:spChg>
-        <pc:spChg chg="add">
-          <ac:chgData name="Hunter Burnham (Student)" userId="e134f687-0b34-4f02-b471-2fa4d76ea700" providerId="ADAL" clId="{387E982F-AC20-48A9-A5D7-3E1105CE4D48}" dt="2024-03-13T20:59:07.041" v="3257" actId="26606"/>
-          <ac:spMkLst>
-            <pc:docMk/>
-            <pc:sldMk cId="3085835959" sldId="268"/>
-            <ac:spMk id="28" creationId="{E659831F-0D9A-4C63-9EBB-8435B85A440F}"/>
-          </ac:spMkLst>
-        </pc:spChg>
-        <pc:spChg chg="add">
-          <ac:chgData name="Hunter Burnham (Student)" userId="e134f687-0b34-4f02-b471-2fa4d76ea700" providerId="ADAL" clId="{387E982F-AC20-48A9-A5D7-3E1105CE4D48}" dt="2024-03-13T20:59:07.041" v="3257" actId="26606"/>
-          <ac:spMkLst>
-            <pc:docMk/>
-            <pc:sldMk cId="3085835959" sldId="268"/>
-            <ac:spMk id="30" creationId="{E6995CE5-F890-4ABA-82A2-26507CE8D2A3}"/>
-          </ac:spMkLst>
-        </pc:spChg>
-        <pc:picChg chg="del">
-          <ac:chgData name="Hunter Burnham (Student)" userId="e134f687-0b34-4f02-b471-2fa4d76ea700" providerId="ADAL" clId="{387E982F-AC20-48A9-A5D7-3E1105CE4D48}" dt="2024-03-13T20:20:16.883" v="2172" actId="21"/>
-          <ac:picMkLst>
-            <pc:docMk/>
-            <pc:sldMk cId="3085835959" sldId="268"/>
-            <ac:picMk id="4" creationId="{7C881784-BAA2-6642-FEDE-BD0866746B06}"/>
-          </ac:picMkLst>
-        </pc:picChg>
-        <pc:picChg chg="mod">
-          <ac:chgData name="Hunter Burnham (Student)" userId="e134f687-0b34-4f02-b471-2fa4d76ea700" providerId="ADAL" clId="{387E982F-AC20-48A9-A5D7-3E1105CE4D48}" dt="2024-03-13T20:59:36.972" v="3269" actId="1076"/>
-          <ac:picMkLst>
-            <pc:docMk/>
-            <pc:sldMk cId="3085835959" sldId="268"/>
-            <ac:picMk id="6" creationId="{08766FB1-FF95-115A-0305-FB1958240F74}"/>
-          </ac:picMkLst>
-        </pc:picChg>
-      </pc:sldChg>
-      <pc:sldChg chg="addSp delSp modSp new mod setBg modNotesTx">
-        <pc:chgData name="Hunter Burnham (Student)" userId="e134f687-0b34-4f02-b471-2fa4d76ea700" providerId="ADAL" clId="{387E982F-AC20-48A9-A5D7-3E1105CE4D48}" dt="2024-03-15T17:48:52.456" v="3991" actId="20577"/>
-        <pc:sldMkLst>
-          <pc:docMk/>
-          <pc:sldMk cId="2002257491" sldId="277"/>
-        </pc:sldMkLst>
-        <pc:spChg chg="mod">
-          <ac:chgData name="Hunter Burnham (Student)" userId="e134f687-0b34-4f02-b471-2fa4d76ea700" providerId="ADAL" clId="{387E982F-AC20-48A9-A5D7-3E1105CE4D48}" dt="2024-03-13T20:35:20.782" v="2526" actId="26606"/>
-          <ac:spMkLst>
-            <pc:docMk/>
-            <pc:sldMk cId="2002257491" sldId="277"/>
-            <ac:spMk id="2" creationId="{67AE8871-96B2-0FB7-216F-2AE202108C5C}"/>
-          </ac:spMkLst>
-        </pc:spChg>
-        <pc:spChg chg="mod">
-          <ac:chgData name="Hunter Burnham (Student)" userId="e134f687-0b34-4f02-b471-2fa4d76ea700" providerId="ADAL" clId="{387E982F-AC20-48A9-A5D7-3E1105CE4D48}" dt="2024-03-13T20:35:20.782" v="2526" actId="26606"/>
-          <ac:spMkLst>
-            <pc:docMk/>
-            <pc:sldMk cId="2002257491" sldId="277"/>
-            <ac:spMk id="3" creationId="{6ADD6E1A-EFCF-E7F9-5CDE-7EB9AB725A6D}"/>
-          </ac:spMkLst>
-        </pc:spChg>
-        <pc:spChg chg="add del">
-          <ac:chgData name="Hunter Burnham (Student)" userId="e134f687-0b34-4f02-b471-2fa4d76ea700" providerId="ADAL" clId="{387E982F-AC20-48A9-A5D7-3E1105CE4D48}" dt="2024-03-13T20:34:27.552" v="2511" actId="26606"/>
-          <ac:spMkLst>
-            <pc:docMk/>
-            <pc:sldMk cId="2002257491" sldId="277"/>
-            <ac:spMk id="9" creationId="{F13C74B1-5B17-4795-BED0-7140497B445A}"/>
-          </ac:spMkLst>
-        </pc:spChg>
-        <pc:spChg chg="add del">
-          <ac:chgData name="Hunter Burnham (Student)" userId="e134f687-0b34-4f02-b471-2fa4d76ea700" providerId="ADAL" clId="{387E982F-AC20-48A9-A5D7-3E1105CE4D48}" dt="2024-03-13T20:34:27.552" v="2511" actId="26606"/>
-          <ac:spMkLst>
-            <pc:docMk/>
-            <pc:sldMk cId="2002257491" sldId="277"/>
-            <ac:spMk id="11" creationId="{D4974D33-8DC5-464E-8C6D-BE58F0669C17}"/>
-          </ac:spMkLst>
-        </pc:spChg>
-        <pc:spChg chg="add del">
-          <ac:chgData name="Hunter Burnham (Student)" userId="e134f687-0b34-4f02-b471-2fa4d76ea700" providerId="ADAL" clId="{387E982F-AC20-48A9-A5D7-3E1105CE4D48}" dt="2024-03-13T20:34:38.222" v="2513" actId="26606"/>
-          <ac:spMkLst>
-            <pc:docMk/>
-            <pc:sldMk cId="2002257491" sldId="277"/>
-            <ac:spMk id="13" creationId="{C0763A76-9F1C-4FC5-82B7-DD475DA461B2}"/>
-          </ac:spMkLst>
-        </pc:spChg>
-        <pc:spChg chg="add del">
-          <ac:chgData name="Hunter Burnham (Student)" userId="e134f687-0b34-4f02-b471-2fa4d76ea700" providerId="ADAL" clId="{387E982F-AC20-48A9-A5D7-3E1105CE4D48}" dt="2024-03-13T20:34:38.222" v="2513" actId="26606"/>
-          <ac:spMkLst>
-            <pc:docMk/>
-            <pc:sldMk cId="2002257491" sldId="277"/>
-            <ac:spMk id="14" creationId="{E81BF4F6-F2CF-4984-9D14-D6966D92F99F}"/>
-          </ac:spMkLst>
-        </pc:spChg>
-        <pc:spChg chg="add del">
-          <ac:chgData name="Hunter Burnham (Student)" userId="e134f687-0b34-4f02-b471-2fa4d76ea700" providerId="ADAL" clId="{387E982F-AC20-48A9-A5D7-3E1105CE4D48}" dt="2024-03-13T20:34:39.307" v="2515" actId="26606"/>
-          <ac:spMkLst>
-            <pc:docMk/>
-            <pc:sldMk cId="2002257491" sldId="277"/>
-            <ac:spMk id="15" creationId="{4A62647B-1222-407C-8740-5A497612B1F5}"/>
-          </ac:spMkLst>
-        </pc:spChg>
-        <pc:spChg chg="add del">
-          <ac:chgData name="Hunter Burnham (Student)" userId="e134f687-0b34-4f02-b471-2fa4d76ea700" providerId="ADAL" clId="{387E982F-AC20-48A9-A5D7-3E1105CE4D48}" dt="2024-03-13T20:34:39.307" v="2515" actId="26606"/>
-          <ac:spMkLst>
-            <pc:docMk/>
-            <pc:sldMk cId="2002257491" sldId="277"/>
-            <ac:spMk id="16" creationId="{19D32F93-50AC-4C46-A5DB-291C60DDB7BD}"/>
-          </ac:spMkLst>
-        </pc:spChg>
-        <pc:spChg chg="add del">
-          <ac:chgData name="Hunter Burnham (Student)" userId="e134f687-0b34-4f02-b471-2fa4d76ea700" providerId="ADAL" clId="{387E982F-AC20-48A9-A5D7-3E1105CE4D48}" dt="2024-03-13T20:34:39.307" v="2515" actId="26606"/>
-          <ac:spMkLst>
-            <pc:docMk/>
-            <pc:sldMk cId="2002257491" sldId="277"/>
-            <ac:spMk id="17" creationId="{86FD7672-78BE-4D6F-A711-2CDB79B52DFF}"/>
-          </ac:spMkLst>
-        </pc:spChg>
-        <pc:spChg chg="add del">
-          <ac:chgData name="Hunter Burnham (Student)" userId="e134f687-0b34-4f02-b471-2fa4d76ea700" providerId="ADAL" clId="{387E982F-AC20-48A9-A5D7-3E1105CE4D48}" dt="2024-03-13T20:34:39.307" v="2515" actId="26606"/>
-          <ac:spMkLst>
-            <pc:docMk/>
-            <pc:sldMk cId="2002257491" sldId="277"/>
-            <ac:spMk id="18" creationId="{827DC2C4-B485-428A-BF4A-472D2967F47F}"/>
-          </ac:spMkLst>
-        </pc:spChg>
-        <pc:spChg chg="add del">
-          <ac:chgData name="Hunter Burnham (Student)" userId="e134f687-0b34-4f02-b471-2fa4d76ea700" providerId="ADAL" clId="{387E982F-AC20-48A9-A5D7-3E1105CE4D48}" dt="2024-03-13T20:34:44.670" v="2517" actId="26606"/>
-          <ac:spMkLst>
-            <pc:docMk/>
-            <pc:sldMk cId="2002257491" sldId="277"/>
-            <ac:spMk id="20" creationId="{F13C74B1-5B17-4795-BED0-7140497B445A}"/>
-          </ac:spMkLst>
-        </pc:spChg>
-        <pc:spChg chg="add del">
-          <ac:chgData name="Hunter Burnham (Student)" userId="e134f687-0b34-4f02-b471-2fa4d76ea700" providerId="ADAL" clId="{387E982F-AC20-48A9-A5D7-3E1105CE4D48}" dt="2024-03-13T20:34:44.670" v="2517" actId="26606"/>
-          <ac:spMkLst>
-            <pc:docMk/>
-            <pc:sldMk cId="2002257491" sldId="277"/>
-            <ac:spMk id="21" creationId="{D4974D33-8DC5-464E-8C6D-BE58F0669C17}"/>
-          </ac:spMkLst>
-        </pc:spChg>
-        <pc:spChg chg="add del">
-          <ac:chgData name="Hunter Burnham (Student)" userId="e134f687-0b34-4f02-b471-2fa4d76ea700" providerId="ADAL" clId="{387E982F-AC20-48A9-A5D7-3E1105CE4D48}" dt="2024-03-13T20:34:48.750" v="2519" actId="26606"/>
-          <ac:spMkLst>
-            <pc:docMk/>
-            <pc:sldMk cId="2002257491" sldId="277"/>
-            <ac:spMk id="23" creationId="{19D32F93-50AC-4C46-A5DB-291C60DDB7BD}"/>
-          </ac:spMkLst>
-        </pc:spChg>
-        <pc:spChg chg="add del">
-          <ac:chgData name="Hunter Burnham (Student)" userId="e134f687-0b34-4f02-b471-2fa4d76ea700" providerId="ADAL" clId="{387E982F-AC20-48A9-A5D7-3E1105CE4D48}" dt="2024-03-13T20:34:48.750" v="2519" actId="26606"/>
-          <ac:spMkLst>
-            <pc:docMk/>
-            <pc:sldMk cId="2002257491" sldId="277"/>
-            <ac:spMk id="24" creationId="{86FD7672-78BE-4D6F-A711-2CDB79B52DFF}"/>
-          </ac:spMkLst>
-        </pc:spChg>
-        <pc:spChg chg="add del">
-          <ac:chgData name="Hunter Burnham (Student)" userId="e134f687-0b34-4f02-b471-2fa4d76ea700" providerId="ADAL" clId="{387E982F-AC20-48A9-A5D7-3E1105CE4D48}" dt="2024-03-13T20:34:48.750" v="2519" actId="26606"/>
-          <ac:spMkLst>
-            <pc:docMk/>
-            <pc:sldMk cId="2002257491" sldId="277"/>
-            <ac:spMk id="25" creationId="{827DC2C4-B485-428A-BF4A-472D2967F47F}"/>
-          </ac:spMkLst>
-        </pc:spChg>
-        <pc:spChg chg="add del">
-          <ac:chgData name="Hunter Burnham (Student)" userId="e134f687-0b34-4f02-b471-2fa4d76ea700" providerId="ADAL" clId="{387E982F-AC20-48A9-A5D7-3E1105CE4D48}" dt="2024-03-13T20:34:48.750" v="2519" actId="26606"/>
-          <ac:spMkLst>
-            <pc:docMk/>
-            <pc:sldMk cId="2002257491" sldId="277"/>
-            <ac:spMk id="26" creationId="{4A62647B-1222-407C-8740-5A497612B1F5}"/>
-          </ac:spMkLst>
-        </pc:spChg>
-        <pc:spChg chg="add del">
-          <ac:chgData name="Hunter Burnham (Student)" userId="e134f687-0b34-4f02-b471-2fa4d76ea700" providerId="ADAL" clId="{387E982F-AC20-48A9-A5D7-3E1105CE4D48}" dt="2024-03-13T20:34:56.748" v="2523" actId="26606"/>
-          <ac:spMkLst>
-            <pc:docMk/>
-            <pc:sldMk cId="2002257491" sldId="277"/>
-            <ac:spMk id="28" creationId="{C0763A76-9F1C-4FC5-82B7-DD475DA461B2}"/>
-          </ac:spMkLst>
-        </pc:spChg>
-        <pc:spChg chg="add del">
-          <ac:chgData name="Hunter Burnham (Student)" userId="e134f687-0b34-4f02-b471-2fa4d76ea700" providerId="ADAL" clId="{387E982F-AC20-48A9-A5D7-3E1105CE4D48}" dt="2024-03-13T20:34:56.748" v="2523" actId="26606"/>
-          <ac:spMkLst>
-            <pc:docMk/>
-            <pc:sldMk cId="2002257491" sldId="277"/>
-            <ac:spMk id="29" creationId="{E81BF4F6-F2CF-4984-9D14-D6966D92F99F}"/>
-          </ac:spMkLst>
-        </pc:spChg>
-        <pc:spChg chg="add del">
-          <ac:chgData name="Hunter Burnham (Student)" userId="e134f687-0b34-4f02-b471-2fa4d76ea700" providerId="ADAL" clId="{387E982F-AC20-48A9-A5D7-3E1105CE4D48}" dt="2024-03-13T20:35:20.782" v="2526" actId="26606"/>
-          <ac:spMkLst>
-            <pc:docMk/>
-            <pc:sldMk cId="2002257491" sldId="277"/>
-            <ac:spMk id="34" creationId="{ECC07320-C2CA-4E29-8481-9D9E143C7788}"/>
-          </ac:spMkLst>
-        </pc:spChg>
-        <pc:spChg chg="add del">
-          <ac:chgData name="Hunter Burnham (Student)" userId="e134f687-0b34-4f02-b471-2fa4d76ea700" providerId="ADAL" clId="{387E982F-AC20-48A9-A5D7-3E1105CE4D48}" dt="2024-03-13T20:35:20.782" v="2526" actId="26606"/>
-          <ac:spMkLst>
-            <pc:docMk/>
-            <pc:sldMk cId="2002257491" sldId="277"/>
-            <ac:spMk id="36" creationId="{178FB36B-5BFE-42CA-BC60-1115E0D95EEC}"/>
-          </ac:spMkLst>
-        </pc:spChg>
-        <pc:spChg chg="add del">
-          <ac:chgData name="Hunter Burnham (Student)" userId="e134f687-0b34-4f02-b471-2fa4d76ea700" providerId="ADAL" clId="{387E982F-AC20-48A9-A5D7-3E1105CE4D48}" dt="2024-03-13T20:35:20.774" v="2525" actId="26606"/>
-          <ac:spMkLst>
-            <pc:docMk/>
-            <pc:sldMk cId="2002257491" sldId="277"/>
-            <ac:spMk id="41" creationId="{55666830-9A19-4E01-8505-D6C7F9AC5665}"/>
-          </ac:spMkLst>
-        </pc:spChg>
-        <pc:spChg chg="add del">
-          <ac:chgData name="Hunter Burnham (Student)" userId="e134f687-0b34-4f02-b471-2fa4d76ea700" providerId="ADAL" clId="{387E982F-AC20-48A9-A5D7-3E1105CE4D48}" dt="2024-03-13T20:35:20.774" v="2525" actId="26606"/>
-          <ac:spMkLst>
-            <pc:docMk/>
-            <pc:sldMk cId="2002257491" sldId="277"/>
-            <ac:spMk id="43" creationId="{AE9FC877-7FB6-4D22-9988-35420644E202}"/>
-          </ac:spMkLst>
-        </pc:spChg>
-        <pc:spChg chg="add del">
-          <ac:chgData name="Hunter Burnham (Student)" userId="e134f687-0b34-4f02-b471-2fa4d76ea700" providerId="ADAL" clId="{387E982F-AC20-48A9-A5D7-3E1105CE4D48}" dt="2024-03-13T20:35:20.774" v="2525" actId="26606"/>
-          <ac:spMkLst>
-            <pc:docMk/>
-            <pc:sldMk cId="2002257491" sldId="277"/>
-            <ac:spMk id="45" creationId="{E41809D1-F12E-46BB-B804-5F209D325E8B}"/>
-          </ac:spMkLst>
-        </pc:spChg>
-        <pc:spChg chg="add del">
-          <ac:chgData name="Hunter Burnham (Student)" userId="e134f687-0b34-4f02-b471-2fa4d76ea700" providerId="ADAL" clId="{387E982F-AC20-48A9-A5D7-3E1105CE4D48}" dt="2024-03-13T20:35:20.774" v="2525" actId="26606"/>
-          <ac:spMkLst>
-            <pc:docMk/>
-            <pc:sldMk cId="2002257491" sldId="277"/>
-            <ac:spMk id="47" creationId="{AF2F604E-43BE-4DC3-B983-E071523364F8}"/>
-          </ac:spMkLst>
-        </pc:spChg>
-        <pc:spChg chg="add del">
-          <ac:chgData name="Hunter Burnham (Student)" userId="e134f687-0b34-4f02-b471-2fa4d76ea700" providerId="ADAL" clId="{387E982F-AC20-48A9-A5D7-3E1105CE4D48}" dt="2024-03-13T20:35:20.774" v="2525" actId="26606"/>
-          <ac:spMkLst>
-            <pc:docMk/>
-            <pc:sldMk cId="2002257491" sldId="277"/>
-            <ac:spMk id="49" creationId="{08C9B587-E65E-4B52-B37C-ABEBB6E87928}"/>
-          </ac:spMkLst>
-        </pc:spChg>
-        <pc:spChg chg="add">
-          <ac:chgData name="Hunter Burnham (Student)" userId="e134f687-0b34-4f02-b471-2fa4d76ea700" providerId="ADAL" clId="{387E982F-AC20-48A9-A5D7-3E1105CE4D48}" dt="2024-03-13T20:35:20.782" v="2526" actId="26606"/>
-          <ac:spMkLst>
-            <pc:docMk/>
-            <pc:sldMk cId="2002257491" sldId="277"/>
-            <ac:spMk id="51" creationId="{91DC6ABD-215C-4EA8-A483-CEF5B99AB385}"/>
-          </ac:spMkLst>
-        </pc:spChg>
-        <pc:spChg chg="add">
-          <ac:chgData name="Hunter Burnham (Student)" userId="e134f687-0b34-4f02-b471-2fa4d76ea700" providerId="ADAL" clId="{387E982F-AC20-48A9-A5D7-3E1105CE4D48}" dt="2024-03-13T20:35:20.782" v="2526" actId="26606"/>
-          <ac:spMkLst>
-            <pc:docMk/>
-            <pc:sldMk cId="2002257491" sldId="277"/>
-            <ac:spMk id="54" creationId="{04357C93-F0CB-4A1C-8F77-4E9063789819}"/>
-          </ac:spMkLst>
-        </pc:spChg>
-        <pc:grpChg chg="add">
-          <ac:chgData name="Hunter Burnham (Student)" userId="e134f687-0b34-4f02-b471-2fa4d76ea700" providerId="ADAL" clId="{387E982F-AC20-48A9-A5D7-3E1105CE4D48}" dt="2024-03-13T20:35:20.782" v="2526" actId="26606"/>
-          <ac:grpSpMkLst>
-            <pc:docMk/>
-            <pc:sldMk cId="2002257491" sldId="277"/>
-            <ac:grpSpMk id="52" creationId="{3AF6A671-C637-4547-85F4-51B6D1881399}"/>
-          </ac:grpSpMkLst>
-        </pc:grpChg>
-        <pc:picChg chg="mod ord">
-          <ac:chgData name="Hunter Burnham (Student)" userId="e134f687-0b34-4f02-b471-2fa4d76ea700" providerId="ADAL" clId="{387E982F-AC20-48A9-A5D7-3E1105CE4D48}" dt="2024-03-13T20:35:20.782" v="2526" actId="26606"/>
-          <ac:picMkLst>
-            <pc:docMk/>
-            <pc:sldMk cId="2002257491" sldId="277"/>
-            <ac:picMk id="4" creationId="{AA0BECA3-9414-E9A7-7722-442863B7798C}"/>
-          </ac:picMkLst>
-        </pc:picChg>
-      </pc:sldChg>
-      <pc:sldChg chg="addSp delSp modSp new mod setBg modNotesTx">
-        <pc:chgData name="Hunter Burnham (Student)" userId="e134f687-0b34-4f02-b471-2fa4d76ea700" providerId="ADAL" clId="{387E982F-AC20-48A9-A5D7-3E1105CE4D48}" dt="2024-03-15T17:49:25.975" v="4093" actId="20577"/>
-        <pc:sldMkLst>
-          <pc:docMk/>
-          <pc:sldMk cId="3717565896" sldId="281"/>
-        </pc:sldMkLst>
-        <pc:spChg chg="mod">
-          <ac:chgData name="Hunter Burnham (Student)" userId="e134f687-0b34-4f02-b471-2fa4d76ea700" providerId="ADAL" clId="{387E982F-AC20-48A9-A5D7-3E1105CE4D48}" dt="2024-03-13T21:03:36.635" v="3416" actId="26606"/>
-          <ac:spMkLst>
-            <pc:docMk/>
-            <pc:sldMk cId="3717565896" sldId="281"/>
-            <ac:spMk id="2" creationId="{50E7C36E-FBD4-D03C-FD47-AB83F936D25A}"/>
-          </ac:spMkLst>
-        </pc:spChg>
-        <pc:spChg chg="del">
-          <ac:chgData name="Hunter Burnham (Student)" userId="e134f687-0b34-4f02-b471-2fa4d76ea700" providerId="ADAL" clId="{387E982F-AC20-48A9-A5D7-3E1105CE4D48}" dt="2024-03-13T20:46:26.856" v="2786" actId="3680"/>
-          <ac:spMkLst>
-            <pc:docMk/>
-            <pc:sldMk cId="3717565896" sldId="281"/>
-            <ac:spMk id="3" creationId="{A5880670-8D01-3789-83FD-F966847C1C0D}"/>
-          </ac:spMkLst>
-        </pc:spChg>
-        <pc:spChg chg="add mod">
-          <ac:chgData name="Hunter Burnham (Student)" userId="e134f687-0b34-4f02-b471-2fa4d76ea700" providerId="ADAL" clId="{387E982F-AC20-48A9-A5D7-3E1105CE4D48}" dt="2024-03-13T21:03:36.635" v="3416" actId="26606"/>
-          <ac:spMkLst>
-            <pc:docMk/>
-            <pc:sldMk cId="3717565896" sldId="281"/>
-            <ac:spMk id="5" creationId="{2EE385B2-D0B9-D866-19CD-4BD275D44F33}"/>
-          </ac:spMkLst>
-        </pc:spChg>
-        <pc:spChg chg="add mod">
-          <ac:chgData name="Hunter Burnham (Student)" userId="e134f687-0b34-4f02-b471-2fa4d76ea700" providerId="ADAL" clId="{387E982F-AC20-48A9-A5D7-3E1105CE4D48}" dt="2024-03-13T21:05:40.613" v="3528" actId="313"/>
-          <ac:spMkLst>
-            <pc:docMk/>
-            <pc:sldMk cId="3717565896" sldId="281"/>
-            <ac:spMk id="6" creationId="{EE6A5CFC-0052-953B-3D22-B122B447516B}"/>
-          </ac:spMkLst>
-        </pc:spChg>
-        <pc:spChg chg="add">
-          <ac:chgData name="Hunter Burnham (Student)" userId="e134f687-0b34-4f02-b471-2fa4d76ea700" providerId="ADAL" clId="{387E982F-AC20-48A9-A5D7-3E1105CE4D48}" dt="2024-03-13T21:03:36.635" v="3416" actId="26606"/>
-          <ac:spMkLst>
-            <pc:docMk/>
-            <pc:sldMk cId="3717565896" sldId="281"/>
-            <ac:spMk id="11" creationId="{9D8233B0-41B5-4D9A-AEEC-13DB66A8C9B5}"/>
-          </ac:spMkLst>
-        </pc:spChg>
-        <pc:spChg chg="add">
-          <ac:chgData name="Hunter Burnham (Student)" userId="e134f687-0b34-4f02-b471-2fa4d76ea700" providerId="ADAL" clId="{387E982F-AC20-48A9-A5D7-3E1105CE4D48}" dt="2024-03-13T21:03:36.635" v="3416" actId="26606"/>
-          <ac:spMkLst>
-            <pc:docMk/>
-            <pc:sldMk cId="3717565896" sldId="281"/>
-            <ac:spMk id="17" creationId="{E659831F-0D9A-4C63-9EBB-8435B85A440F}"/>
-          </ac:spMkLst>
-        </pc:spChg>
-        <pc:grpChg chg="add">
-          <ac:chgData name="Hunter Burnham (Student)" userId="e134f687-0b34-4f02-b471-2fa4d76ea700" providerId="ADAL" clId="{387E982F-AC20-48A9-A5D7-3E1105CE4D48}" dt="2024-03-13T21:03:36.635" v="3416" actId="26606"/>
-          <ac:grpSpMkLst>
-            <pc:docMk/>
-            <pc:sldMk cId="3717565896" sldId="281"/>
-            <ac:grpSpMk id="13" creationId="{28FAF094-D087-493F-8DF9-A486C2D6BBAA}"/>
-          </ac:grpSpMkLst>
-        </pc:grpChg>
-        <pc:graphicFrameChg chg="add mod ord modGraphic">
-          <ac:chgData name="Hunter Burnham (Student)" userId="e134f687-0b34-4f02-b471-2fa4d76ea700" providerId="ADAL" clId="{387E982F-AC20-48A9-A5D7-3E1105CE4D48}" dt="2024-03-13T21:03:36.635" v="3416" actId="26606"/>
-          <ac:graphicFrameMkLst>
-            <pc:docMk/>
-            <pc:sldMk cId="3717565896" sldId="281"/>
-            <ac:graphicFrameMk id="4" creationId="{9B4F24D1-4EAD-A87E-8B5A-A84FD5B22C59}"/>
-          </ac:graphicFrameMkLst>
-        </pc:graphicFrameChg>
-      </pc:sldChg>
-      <pc:sldChg chg="addSp delSp modSp new add del mod ord setBg">
-        <pc:chgData name="Hunter Burnham (Student)" userId="e134f687-0b34-4f02-b471-2fa4d76ea700" providerId="ADAL" clId="{387E982F-AC20-48A9-A5D7-3E1105CE4D48}" dt="2024-03-15T17:50:41.103" v="4131"/>
-        <pc:sldMkLst>
-          <pc:docMk/>
-          <pc:sldMk cId="949957755" sldId="282"/>
-        </pc:sldMkLst>
-        <pc:spChg chg="del">
-          <ac:chgData name="Hunter Burnham (Student)" userId="e134f687-0b34-4f02-b471-2fa4d76ea700" providerId="ADAL" clId="{387E982F-AC20-48A9-A5D7-3E1105CE4D48}" dt="2024-03-15T17:49:41.951" v="4097" actId="26606"/>
-          <ac:spMkLst>
-            <pc:docMk/>
-            <pc:sldMk cId="949957755" sldId="282"/>
-            <ac:spMk id="2" creationId="{F56D5A80-7071-8B9D-1DE3-00BE4444FFFA}"/>
-          </ac:spMkLst>
-        </pc:spChg>
-        <pc:spChg chg="del">
-          <ac:chgData name="Hunter Burnham (Student)" userId="e134f687-0b34-4f02-b471-2fa4d76ea700" providerId="ADAL" clId="{387E982F-AC20-48A9-A5D7-3E1105CE4D48}" dt="2024-03-15T17:49:36.630" v="4095"/>
-          <ac:spMkLst>
-            <pc:docMk/>
-            <pc:sldMk cId="949957755" sldId="282"/>
-            <ac:spMk id="3" creationId="{1D64A930-6A12-620B-E2C3-D51FE6CBB4F3}"/>
-          </ac:spMkLst>
-        </pc:spChg>
-        <pc:spChg chg="add mod">
-          <ac:chgData name="Hunter Burnham (Student)" userId="e134f687-0b34-4f02-b471-2fa4d76ea700" providerId="ADAL" clId="{387E982F-AC20-48A9-A5D7-3E1105CE4D48}" dt="2024-03-15T17:50:24.516" v="4127" actId="14100"/>
-          <ac:spMkLst>
-            <pc:docMk/>
-            <pc:sldMk cId="949957755" sldId="282"/>
-            <ac:spMk id="5" creationId="{FF803A9F-8F10-D0ED-BFC6-6EDDBA0A7604}"/>
-          </ac:spMkLst>
-        </pc:spChg>
-        <pc:spChg chg="add">
-          <ac:chgData name="Hunter Burnham (Student)" userId="e134f687-0b34-4f02-b471-2fa4d76ea700" providerId="ADAL" clId="{387E982F-AC20-48A9-A5D7-3E1105CE4D48}" dt="2024-03-15T17:49:41.951" v="4097" actId="26606"/>
-          <ac:spMkLst>
-            <pc:docMk/>
-            <pc:sldMk cId="949957755" sldId="282"/>
-            <ac:spMk id="9" creationId="{22F15A2D-2324-487D-A02A-BF46C5C580EB}"/>
-          </ac:spMkLst>
-        </pc:spChg>
-        <pc:spChg chg="add">
-          <ac:chgData name="Hunter Burnham (Student)" userId="e134f687-0b34-4f02-b471-2fa4d76ea700" providerId="ADAL" clId="{387E982F-AC20-48A9-A5D7-3E1105CE4D48}" dt="2024-03-15T17:49:41.951" v="4097" actId="26606"/>
-          <ac:spMkLst>
-            <pc:docMk/>
-            <pc:sldMk cId="949957755" sldId="282"/>
-            <ac:spMk id="11" creationId="{2AEAFA59-923A-4F54-8B49-44C970BCC323}"/>
-          </ac:spMkLst>
-        </pc:spChg>
-        <pc:spChg chg="add">
-          <ac:chgData name="Hunter Burnham (Student)" userId="e134f687-0b34-4f02-b471-2fa4d76ea700" providerId="ADAL" clId="{387E982F-AC20-48A9-A5D7-3E1105CE4D48}" dt="2024-03-15T17:49:41.951" v="4097" actId="26606"/>
-          <ac:spMkLst>
-            <pc:docMk/>
-            <pc:sldMk cId="949957755" sldId="282"/>
-            <ac:spMk id="13" creationId="{C37E9D4B-7BFA-4D10-B666-547BAC499469}"/>
-          </ac:spMkLst>
-        </pc:spChg>
-        <pc:picChg chg="add mod">
-          <ac:chgData name="Hunter Burnham (Student)" userId="e134f687-0b34-4f02-b471-2fa4d76ea700" providerId="ADAL" clId="{387E982F-AC20-48A9-A5D7-3E1105CE4D48}" dt="2024-03-15T17:49:41.951" v="4097" actId="26606"/>
-          <ac:picMkLst>
-            <pc:docMk/>
-            <pc:sldMk cId="949957755" sldId="282"/>
-            <ac:picMk id="4" creationId="{C6759827-DD90-0596-D667-FC8C76AC7F7B}"/>
-          </ac:picMkLst>
-        </pc:picChg>
-      </pc:sldChg>
-      <pc:sldChg chg="new del">
-        <pc:chgData name="Hunter Burnham (Student)" userId="e134f687-0b34-4f02-b471-2fa4d76ea700" providerId="ADAL" clId="{387E982F-AC20-48A9-A5D7-3E1105CE4D48}" dt="2024-03-15T17:50:00.300" v="4101" actId="2696"/>
-        <pc:sldMkLst>
-          <pc:docMk/>
-          <pc:sldMk cId="3023232825" sldId="283"/>
-        </pc:sldMkLst>
-      </pc:sldChg>
-    </pc:docChg>
-  </pc:docChgLst>
   <pc:docChgLst>
     <pc:chgData name="Caden Nubel (Student)" userId="S::cnubel@mines.edu::d1ab956a-99f4-4cea-80c3-a77e0e4018dd" providerId="AD" clId="Web-{A9DB9383-0E22-94D3-D5A6-5E7D078EAA8F}"/>
     <pc:docChg chg="addSld delSld modSld sldOrd">
@@ -2870,108 +301,6 @@
             <ac:spMk id="3" creationId="{B524E7C7-9AE5-4E83-66DF-0AA1322B12ED}"/>
           </ac:spMkLst>
         </pc:spChg>
-      </pc:sldChg>
-    </pc:docChg>
-  </pc:docChgLst>
-  <pc:docChgLst>
-    <pc:chgData name="Joseph Kirby (Student)" userId="S::josephkirby@mines.edu::e8822a9d-bfd7-419b-a2ac-0f6e4b5323f8" providerId="AD" clId="Web-{8B68C9BB-ECBD-11A5-1970-274C38F27C8E}"/>
-    <pc:docChg chg="addSld modSld sldOrd">
-      <pc:chgData name="Joseph Kirby (Student)" userId="S::josephkirby@mines.edu::e8822a9d-bfd7-419b-a2ac-0f6e4b5323f8" providerId="AD" clId="Web-{8B68C9BB-ECBD-11A5-1970-274C38F27C8E}" dt="2024-03-11T22:56:05.999" v="300" actId="20577"/>
-      <pc:docMkLst>
-        <pc:docMk/>
-      </pc:docMkLst>
-      <pc:sldChg chg="addSp modSp ord">
-        <pc:chgData name="Joseph Kirby (Student)" userId="S::josephkirby@mines.edu::e8822a9d-bfd7-419b-a2ac-0f6e4b5323f8" providerId="AD" clId="Web-{8B68C9BB-ECBD-11A5-1970-274C38F27C8E}" dt="2024-03-11T22:29:39.963" v="182"/>
-        <pc:sldMkLst>
-          <pc:docMk/>
-          <pc:sldMk cId="2592547000" sldId="266"/>
-        </pc:sldMkLst>
-        <pc:spChg chg="mod">
-          <ac:chgData name="Joseph Kirby (Student)" userId="S::josephkirby@mines.edu::e8822a9d-bfd7-419b-a2ac-0f6e4b5323f8" providerId="AD" clId="Web-{8B68C9BB-ECBD-11A5-1970-274C38F27C8E}" dt="2024-03-11T21:56:40.500" v="14" actId="20577"/>
-          <ac:spMkLst>
-            <pc:docMk/>
-            <pc:sldMk cId="2592547000" sldId="266"/>
-            <ac:spMk id="2" creationId="{82D7485C-C17E-097C-D99E-2E410B176E92}"/>
-          </ac:spMkLst>
-        </pc:spChg>
-        <pc:spChg chg="mod">
-          <ac:chgData name="Joseph Kirby (Student)" userId="S::josephkirby@mines.edu::e8822a9d-bfd7-419b-a2ac-0f6e4b5323f8" providerId="AD" clId="Web-{8B68C9BB-ECBD-11A5-1970-274C38F27C8E}" dt="2024-03-11T22:06:22.117" v="134" actId="20577"/>
-          <ac:spMkLst>
-            <pc:docMk/>
-            <pc:sldMk cId="2592547000" sldId="266"/>
-            <ac:spMk id="3" creationId="{CB0820ED-CB43-CA76-310F-14DE183269CB}"/>
-          </ac:spMkLst>
-        </pc:spChg>
-        <pc:picChg chg="add mod">
-          <ac:chgData name="Joseph Kirby (Student)" userId="S::josephkirby@mines.edu::e8822a9d-bfd7-419b-a2ac-0f6e4b5323f8" providerId="AD" clId="Web-{8B68C9BB-ECBD-11A5-1970-274C38F27C8E}" dt="2024-03-11T22:06:39.039" v="139" actId="1076"/>
-          <ac:picMkLst>
-            <pc:docMk/>
-            <pc:sldMk cId="2592547000" sldId="266"/>
-            <ac:picMk id="4" creationId="{4B28B800-C4CA-98CC-6CED-42EDF0D9E55E}"/>
-          </ac:picMkLst>
-        </pc:picChg>
-      </pc:sldChg>
-      <pc:sldChg chg="modSp new">
-        <pc:chgData name="Joseph Kirby (Student)" userId="S::josephkirby@mines.edu::e8822a9d-bfd7-419b-a2ac-0f6e4b5323f8" providerId="AD" clId="Web-{8B68C9BB-ECBD-11A5-1970-274C38F27C8E}" dt="2024-03-11T22:56:05.999" v="300" actId="20577"/>
-        <pc:sldMkLst>
-          <pc:docMk/>
-          <pc:sldMk cId="675645111" sldId="267"/>
-        </pc:sldMkLst>
-        <pc:spChg chg="mod">
-          <ac:chgData name="Joseph Kirby (Student)" userId="S::josephkirby@mines.edu::e8822a9d-bfd7-419b-a2ac-0f6e4b5323f8" providerId="AD" clId="Web-{8B68C9BB-ECBD-11A5-1970-274C38F27C8E}" dt="2024-03-11T22:13:56.060" v="157" actId="20577"/>
-          <ac:spMkLst>
-            <pc:docMk/>
-            <pc:sldMk cId="675645111" sldId="267"/>
-            <ac:spMk id="2" creationId="{800BCEC9-E715-B52B-E13E-49CCDFB662C9}"/>
-          </ac:spMkLst>
-        </pc:spChg>
-        <pc:spChg chg="mod">
-          <ac:chgData name="Joseph Kirby (Student)" userId="S::josephkirby@mines.edu::e8822a9d-bfd7-419b-a2ac-0f6e4b5323f8" providerId="AD" clId="Web-{8B68C9BB-ECBD-11A5-1970-274C38F27C8E}" dt="2024-03-11T22:56:05.999" v="300" actId="20577"/>
-          <ac:spMkLst>
-            <pc:docMk/>
-            <pc:sldMk cId="675645111" sldId="267"/>
-            <ac:spMk id="3" creationId="{6AC13EE7-17DA-5C3E-B2C8-1DE0DAFA32FF}"/>
-          </ac:spMkLst>
-        </pc:spChg>
-      </pc:sldChg>
-      <pc:sldChg chg="addSp modSp new">
-        <pc:chgData name="Joseph Kirby (Student)" userId="S::josephkirby@mines.edu::e8822a9d-bfd7-419b-a2ac-0f6e4b5323f8" providerId="AD" clId="Web-{8B68C9BB-ECBD-11A5-1970-274C38F27C8E}" dt="2024-03-11T22:55:48.780" v="270" actId="1076"/>
-        <pc:sldMkLst>
-          <pc:docMk/>
-          <pc:sldMk cId="3085835959" sldId="268"/>
-        </pc:sldMkLst>
-        <pc:spChg chg="mod">
-          <ac:chgData name="Joseph Kirby (Student)" userId="S::josephkirby@mines.edu::e8822a9d-bfd7-419b-a2ac-0f6e4b5323f8" providerId="AD" clId="Web-{8B68C9BB-ECBD-11A5-1970-274C38F27C8E}" dt="2024-03-11T22:35:30.139" v="230" actId="20577"/>
-          <ac:spMkLst>
-            <pc:docMk/>
-            <pc:sldMk cId="3085835959" sldId="268"/>
-            <ac:spMk id="2" creationId="{E0D42B90-D36E-F541-0DA9-D3AE86A9CC81}"/>
-          </ac:spMkLst>
-        </pc:spChg>
-        <pc:spChg chg="mod">
-          <ac:chgData name="Joseph Kirby (Student)" userId="S::josephkirby@mines.edu::e8822a9d-bfd7-419b-a2ac-0f6e4b5323f8" providerId="AD" clId="Web-{8B68C9BB-ECBD-11A5-1970-274C38F27C8E}" dt="2024-03-11T22:36:00.280" v="246" actId="20577"/>
-          <ac:spMkLst>
-            <pc:docMk/>
-            <pc:sldMk cId="3085835959" sldId="268"/>
-            <ac:spMk id="3" creationId="{6B3CF716-4EFA-6566-2DC6-AC662E3D731E}"/>
-          </ac:spMkLst>
-        </pc:spChg>
-        <pc:picChg chg="add mod">
-          <ac:chgData name="Joseph Kirby (Student)" userId="S::josephkirby@mines.edu::e8822a9d-bfd7-419b-a2ac-0f6e4b5323f8" providerId="AD" clId="Web-{8B68C9BB-ECBD-11A5-1970-274C38F27C8E}" dt="2024-03-11T22:39:11.017" v="248" actId="1076"/>
-          <ac:picMkLst>
-            <pc:docMk/>
-            <pc:sldMk cId="3085835959" sldId="268"/>
-            <ac:picMk id="4" creationId="{7C881784-BAA2-6642-FEDE-BD0866746B06}"/>
-          </ac:picMkLst>
-        </pc:picChg>
-        <pc:picChg chg="add mod">
-          <ac:chgData name="Joseph Kirby (Student)" userId="S::josephkirby@mines.edu::e8822a9d-bfd7-419b-a2ac-0f6e4b5323f8" providerId="AD" clId="Web-{8B68C9BB-ECBD-11A5-1970-274C38F27C8E}" dt="2024-03-11T22:55:48.780" v="270" actId="1076"/>
-          <ac:picMkLst>
-            <pc:docMk/>
-            <pc:sldMk cId="3085835959" sldId="268"/>
-            <ac:picMk id="5" creationId="{70444C2F-5D23-D084-6686-188E5401C5E1}"/>
-          </ac:picMkLst>
-        </pc:picChg>
       </pc:sldChg>
     </pc:docChg>
   </pc:docChgLst>
@@ -3025,6 +354,2691 @@
             <ac:spMk id="2" creationId="{36D767C6-431B-F41E-77DD-74CB0B6E8974}"/>
           </ac:spMkLst>
         </pc:spChg>
+      </pc:sldChg>
+    </pc:docChg>
+  </pc:docChgLst>
+  <pc:docChgLst>
+    <pc:chgData name="Joseph Kirby (Student)" userId="S::josephkirby@mines.edu::e8822a9d-bfd7-419b-a2ac-0f6e4b5323f8" providerId="AD" clId="Web-{8B68C9BB-ECBD-11A5-1970-274C38F27C8E}"/>
+    <pc:docChg chg="addSld modSld sldOrd">
+      <pc:chgData name="Joseph Kirby (Student)" userId="S::josephkirby@mines.edu::e8822a9d-bfd7-419b-a2ac-0f6e4b5323f8" providerId="AD" clId="Web-{8B68C9BB-ECBD-11A5-1970-274C38F27C8E}" dt="2024-03-11T22:56:05.999" v="300" actId="20577"/>
+      <pc:docMkLst>
+        <pc:docMk/>
+      </pc:docMkLst>
+      <pc:sldChg chg="addSp modSp ord">
+        <pc:chgData name="Joseph Kirby (Student)" userId="S::josephkirby@mines.edu::e8822a9d-bfd7-419b-a2ac-0f6e4b5323f8" providerId="AD" clId="Web-{8B68C9BB-ECBD-11A5-1970-274C38F27C8E}" dt="2024-03-11T22:29:39.963" v="182"/>
+        <pc:sldMkLst>
+          <pc:docMk/>
+          <pc:sldMk cId="2592547000" sldId="266"/>
+        </pc:sldMkLst>
+        <pc:spChg chg="mod">
+          <ac:chgData name="Joseph Kirby (Student)" userId="S::josephkirby@mines.edu::e8822a9d-bfd7-419b-a2ac-0f6e4b5323f8" providerId="AD" clId="Web-{8B68C9BB-ECBD-11A5-1970-274C38F27C8E}" dt="2024-03-11T21:56:40.500" v="14" actId="20577"/>
+          <ac:spMkLst>
+            <pc:docMk/>
+            <pc:sldMk cId="2592547000" sldId="266"/>
+            <ac:spMk id="2" creationId="{82D7485C-C17E-097C-D99E-2E410B176E92}"/>
+          </ac:spMkLst>
+        </pc:spChg>
+        <pc:spChg chg="mod">
+          <ac:chgData name="Joseph Kirby (Student)" userId="S::josephkirby@mines.edu::e8822a9d-bfd7-419b-a2ac-0f6e4b5323f8" providerId="AD" clId="Web-{8B68C9BB-ECBD-11A5-1970-274C38F27C8E}" dt="2024-03-11T22:06:22.117" v="134" actId="20577"/>
+          <ac:spMkLst>
+            <pc:docMk/>
+            <pc:sldMk cId="2592547000" sldId="266"/>
+            <ac:spMk id="3" creationId="{CB0820ED-CB43-CA76-310F-14DE183269CB}"/>
+          </ac:spMkLst>
+        </pc:spChg>
+        <pc:picChg chg="add mod">
+          <ac:chgData name="Joseph Kirby (Student)" userId="S::josephkirby@mines.edu::e8822a9d-bfd7-419b-a2ac-0f6e4b5323f8" providerId="AD" clId="Web-{8B68C9BB-ECBD-11A5-1970-274C38F27C8E}" dt="2024-03-11T22:06:39.039" v="139" actId="1076"/>
+          <ac:picMkLst>
+            <pc:docMk/>
+            <pc:sldMk cId="2592547000" sldId="266"/>
+            <ac:picMk id="4" creationId="{4B28B800-C4CA-98CC-6CED-42EDF0D9E55E}"/>
+          </ac:picMkLst>
+        </pc:picChg>
+      </pc:sldChg>
+      <pc:sldChg chg="modSp new">
+        <pc:chgData name="Joseph Kirby (Student)" userId="S::josephkirby@mines.edu::e8822a9d-bfd7-419b-a2ac-0f6e4b5323f8" providerId="AD" clId="Web-{8B68C9BB-ECBD-11A5-1970-274C38F27C8E}" dt="2024-03-11T22:56:05.999" v="300" actId="20577"/>
+        <pc:sldMkLst>
+          <pc:docMk/>
+          <pc:sldMk cId="675645111" sldId="267"/>
+        </pc:sldMkLst>
+        <pc:spChg chg="mod">
+          <ac:chgData name="Joseph Kirby (Student)" userId="S::josephkirby@mines.edu::e8822a9d-bfd7-419b-a2ac-0f6e4b5323f8" providerId="AD" clId="Web-{8B68C9BB-ECBD-11A5-1970-274C38F27C8E}" dt="2024-03-11T22:13:56.060" v="157" actId="20577"/>
+          <ac:spMkLst>
+            <pc:docMk/>
+            <pc:sldMk cId="675645111" sldId="267"/>
+            <ac:spMk id="2" creationId="{800BCEC9-E715-B52B-E13E-49CCDFB662C9}"/>
+          </ac:spMkLst>
+        </pc:spChg>
+        <pc:spChg chg="mod">
+          <ac:chgData name="Joseph Kirby (Student)" userId="S::josephkirby@mines.edu::e8822a9d-bfd7-419b-a2ac-0f6e4b5323f8" providerId="AD" clId="Web-{8B68C9BB-ECBD-11A5-1970-274C38F27C8E}" dt="2024-03-11T22:56:05.999" v="300" actId="20577"/>
+          <ac:spMkLst>
+            <pc:docMk/>
+            <pc:sldMk cId="675645111" sldId="267"/>
+            <ac:spMk id="3" creationId="{6AC13EE7-17DA-5C3E-B2C8-1DE0DAFA32FF}"/>
+          </ac:spMkLst>
+        </pc:spChg>
+      </pc:sldChg>
+      <pc:sldChg chg="addSp modSp new">
+        <pc:chgData name="Joseph Kirby (Student)" userId="S::josephkirby@mines.edu::e8822a9d-bfd7-419b-a2ac-0f6e4b5323f8" providerId="AD" clId="Web-{8B68C9BB-ECBD-11A5-1970-274C38F27C8E}" dt="2024-03-11T22:55:48.780" v="270" actId="1076"/>
+        <pc:sldMkLst>
+          <pc:docMk/>
+          <pc:sldMk cId="3085835959" sldId="268"/>
+        </pc:sldMkLst>
+        <pc:spChg chg="mod">
+          <ac:chgData name="Joseph Kirby (Student)" userId="S::josephkirby@mines.edu::e8822a9d-bfd7-419b-a2ac-0f6e4b5323f8" providerId="AD" clId="Web-{8B68C9BB-ECBD-11A5-1970-274C38F27C8E}" dt="2024-03-11T22:35:30.139" v="230" actId="20577"/>
+          <ac:spMkLst>
+            <pc:docMk/>
+            <pc:sldMk cId="3085835959" sldId="268"/>
+            <ac:spMk id="2" creationId="{E0D42B90-D36E-F541-0DA9-D3AE86A9CC81}"/>
+          </ac:spMkLst>
+        </pc:spChg>
+        <pc:spChg chg="mod">
+          <ac:chgData name="Joseph Kirby (Student)" userId="S::josephkirby@mines.edu::e8822a9d-bfd7-419b-a2ac-0f6e4b5323f8" providerId="AD" clId="Web-{8B68C9BB-ECBD-11A5-1970-274C38F27C8E}" dt="2024-03-11T22:36:00.280" v="246" actId="20577"/>
+          <ac:spMkLst>
+            <pc:docMk/>
+            <pc:sldMk cId="3085835959" sldId="268"/>
+            <ac:spMk id="3" creationId="{6B3CF716-4EFA-6566-2DC6-AC662E3D731E}"/>
+          </ac:spMkLst>
+        </pc:spChg>
+        <pc:picChg chg="add mod">
+          <ac:chgData name="Joseph Kirby (Student)" userId="S::josephkirby@mines.edu::e8822a9d-bfd7-419b-a2ac-0f6e4b5323f8" providerId="AD" clId="Web-{8B68C9BB-ECBD-11A5-1970-274C38F27C8E}" dt="2024-03-11T22:39:11.017" v="248" actId="1076"/>
+          <ac:picMkLst>
+            <pc:docMk/>
+            <pc:sldMk cId="3085835959" sldId="268"/>
+            <ac:picMk id="4" creationId="{7C881784-BAA2-6642-FEDE-BD0866746B06}"/>
+          </ac:picMkLst>
+        </pc:picChg>
+        <pc:picChg chg="add mod">
+          <ac:chgData name="Joseph Kirby (Student)" userId="S::josephkirby@mines.edu::e8822a9d-bfd7-419b-a2ac-0f6e4b5323f8" providerId="AD" clId="Web-{8B68C9BB-ECBD-11A5-1970-274C38F27C8E}" dt="2024-03-11T22:55:48.780" v="270" actId="1076"/>
+          <ac:picMkLst>
+            <pc:docMk/>
+            <pc:sldMk cId="3085835959" sldId="268"/>
+            <ac:picMk id="5" creationId="{70444C2F-5D23-D084-6686-188E5401C5E1}"/>
+          </ac:picMkLst>
+        </pc:picChg>
+      </pc:sldChg>
+    </pc:docChg>
+  </pc:docChgLst>
+  <pc:docChgLst>
+    <pc:chgData name="Joseph Kirby (Student)" userId="S::josephkirby@mines.edu::e8822a9d-bfd7-419b-a2ac-0f6e4b5323f8" providerId="AD" clId="Web-{54E2F79E-DDDB-2ED5-E763-AEDFE91C596B}"/>
+    <pc:docChg chg="modSld">
+      <pc:chgData name="Joseph Kirby (Student)" userId="S::josephkirby@mines.edu::e8822a9d-bfd7-419b-a2ac-0f6e4b5323f8" providerId="AD" clId="Web-{54E2F79E-DDDB-2ED5-E763-AEDFE91C596B}" dt="2024-03-13T20:31:22.928" v="89" actId="20577"/>
+      <pc:docMkLst>
+        <pc:docMk/>
+      </pc:docMkLst>
+      <pc:sldChg chg="modSp">
+        <pc:chgData name="Joseph Kirby (Student)" userId="S::josephkirby@mines.edu::e8822a9d-bfd7-419b-a2ac-0f6e4b5323f8" providerId="AD" clId="Web-{54E2F79E-DDDB-2ED5-E763-AEDFE91C596B}" dt="2024-03-13T20:31:22.928" v="89" actId="20577"/>
+        <pc:sldMkLst>
+          <pc:docMk/>
+          <pc:sldMk cId="2396793982" sldId="263"/>
+        </pc:sldMkLst>
+        <pc:spChg chg="mod">
+          <ac:chgData name="Joseph Kirby (Student)" userId="S::josephkirby@mines.edu::e8822a9d-bfd7-419b-a2ac-0f6e4b5323f8" providerId="AD" clId="Web-{54E2F79E-DDDB-2ED5-E763-AEDFE91C596B}" dt="2024-03-13T20:31:22.928" v="89" actId="20577"/>
+          <ac:spMkLst>
+            <pc:docMk/>
+            <pc:sldMk cId="2396793982" sldId="263"/>
+            <ac:spMk id="3" creationId="{A9AC157F-B5D5-20E2-9DA4-EA29118F63FC}"/>
+          </ac:spMkLst>
+        </pc:spChg>
+      </pc:sldChg>
+      <pc:sldChg chg="addSp delSp modSp">
+        <pc:chgData name="Joseph Kirby (Student)" userId="S::josephkirby@mines.edu::e8822a9d-bfd7-419b-a2ac-0f6e4b5323f8" providerId="AD" clId="Web-{54E2F79E-DDDB-2ED5-E763-AEDFE91C596B}" dt="2024-03-13T20:31:12.990" v="71" actId="20577"/>
+        <pc:sldMkLst>
+          <pc:docMk/>
+          <pc:sldMk cId="3085835959" sldId="268"/>
+        </pc:sldMkLst>
+        <pc:spChg chg="mod">
+          <ac:chgData name="Joseph Kirby (Student)" userId="S::josephkirby@mines.edu::e8822a9d-bfd7-419b-a2ac-0f6e4b5323f8" providerId="AD" clId="Web-{54E2F79E-DDDB-2ED5-E763-AEDFE91C596B}" dt="2024-03-13T20:31:12.990" v="71" actId="20577"/>
+          <ac:spMkLst>
+            <pc:docMk/>
+            <pc:sldMk cId="3085835959" sldId="268"/>
+            <ac:spMk id="3" creationId="{6B3CF716-4EFA-6566-2DC6-AC662E3D731E}"/>
+          </ac:spMkLst>
+        </pc:spChg>
+        <pc:picChg chg="add del mod">
+          <ac:chgData name="Joseph Kirby (Student)" userId="S::josephkirby@mines.edu::e8822a9d-bfd7-419b-a2ac-0f6e4b5323f8" providerId="AD" clId="Web-{54E2F79E-DDDB-2ED5-E763-AEDFE91C596B}" dt="2024-03-13T20:28:52.534" v="15"/>
+          <ac:picMkLst>
+            <pc:docMk/>
+            <pc:sldMk cId="3085835959" sldId="268"/>
+            <ac:picMk id="4" creationId="{7353F93A-7F9A-3E7F-2C74-46629F08CB64}"/>
+          </ac:picMkLst>
+        </pc:picChg>
+        <pc:picChg chg="del">
+          <ac:chgData name="Joseph Kirby (Student)" userId="S::josephkirby@mines.edu::e8822a9d-bfd7-419b-a2ac-0f6e4b5323f8" providerId="AD" clId="Web-{54E2F79E-DDDB-2ED5-E763-AEDFE91C596B}" dt="2024-03-13T20:26:52.578" v="0"/>
+          <ac:picMkLst>
+            <pc:docMk/>
+            <pc:sldMk cId="3085835959" sldId="268"/>
+            <ac:picMk id="5" creationId="{70444C2F-5D23-D084-6686-188E5401C5E1}"/>
+          </ac:picMkLst>
+        </pc:picChg>
+        <pc:picChg chg="add mod">
+          <ac:chgData name="Joseph Kirby (Student)" userId="S::josephkirby@mines.edu::e8822a9d-bfd7-419b-a2ac-0f6e4b5323f8" providerId="AD" clId="Web-{54E2F79E-DDDB-2ED5-E763-AEDFE91C596B}" dt="2024-03-13T20:29:22.191" v="18" actId="14100"/>
+          <ac:picMkLst>
+            <pc:docMk/>
+            <pc:sldMk cId="3085835959" sldId="268"/>
+            <ac:picMk id="6" creationId="{08766FB1-FF95-115A-0305-FB1958240F74}"/>
+          </ac:picMkLst>
+        </pc:picChg>
+      </pc:sldChg>
+    </pc:docChg>
+  </pc:docChgLst>
+  <pc:docChgLst>
+    <pc:chgData name="Joseph Kirby (Student)" userId="S::josephkirby@mines.edu::e8822a9d-bfd7-419b-a2ac-0f6e4b5323f8" providerId="AD" clId="Web-{9CE1BDE5-E15A-3C55-EB4E-707B527F9D4E}"/>
+    <pc:docChg chg="modSld">
+      <pc:chgData name="Joseph Kirby (Student)" userId="S::josephkirby@mines.edu::e8822a9d-bfd7-419b-a2ac-0f6e4b5323f8" providerId="AD" clId="Web-{9CE1BDE5-E15A-3C55-EB4E-707B527F9D4E}" dt="2024-03-11T21:10:09.022" v="0" actId="20577"/>
+      <pc:docMkLst>
+        <pc:docMk/>
+      </pc:docMkLst>
+      <pc:sldChg chg="modSp">
+        <pc:chgData name="Joseph Kirby (Student)" userId="S::josephkirby@mines.edu::e8822a9d-bfd7-419b-a2ac-0f6e4b5323f8" providerId="AD" clId="Web-{9CE1BDE5-E15A-3C55-EB4E-707B527F9D4E}" dt="2024-03-11T21:10:09.022" v="0" actId="20577"/>
+        <pc:sldMkLst>
+          <pc:docMk/>
+          <pc:sldMk cId="234320675" sldId="256"/>
+        </pc:sldMkLst>
+        <pc:spChg chg="mod">
+          <ac:chgData name="Joseph Kirby (Student)" userId="S::josephkirby@mines.edu::e8822a9d-bfd7-419b-a2ac-0f6e4b5323f8" providerId="AD" clId="Web-{9CE1BDE5-E15A-3C55-EB4E-707B527F9D4E}" dt="2024-03-11T21:10:09.022" v="0" actId="20577"/>
+          <ac:spMkLst>
+            <pc:docMk/>
+            <pc:sldMk cId="234320675" sldId="256"/>
+            <ac:spMk id="3" creationId="{4DFAF4A9-F54B-F3A4-7967-31664984E776}"/>
+          </ac:spMkLst>
+        </pc:spChg>
+      </pc:sldChg>
+    </pc:docChg>
+  </pc:docChgLst>
+  <pc:docChgLst>
+    <pc:chgData name="Joel Shorey (Student)" userId="efeb13ac-a1a8-4105-bba8-6f92df6e6b9f" providerId="ADAL" clId="{631F1702-B937-4118-906D-5A11C7AE1DE5}"/>
+    <pc:docChg chg="undo custSel addSld delSld modSld">
+      <pc:chgData name="Joel Shorey (Student)" userId="efeb13ac-a1a8-4105-bba8-6f92df6e6b9f" providerId="ADAL" clId="{631F1702-B937-4118-906D-5A11C7AE1DE5}" dt="2024-03-15T18:16:56.358" v="2647" actId="1076"/>
+      <pc:docMkLst>
+        <pc:docMk/>
+      </pc:docMkLst>
+      <pc:sldChg chg="modSp mod">
+        <pc:chgData name="Joel Shorey (Student)" userId="efeb13ac-a1a8-4105-bba8-6f92df6e6b9f" providerId="ADAL" clId="{631F1702-B937-4118-906D-5A11C7AE1DE5}" dt="2024-03-15T17:16:14.075" v="2537" actId="255"/>
+        <pc:sldMkLst>
+          <pc:docMk/>
+          <pc:sldMk cId="234320675" sldId="256"/>
+        </pc:sldMkLst>
+        <pc:spChg chg="mod">
+          <ac:chgData name="Joel Shorey (Student)" userId="efeb13ac-a1a8-4105-bba8-6f92df6e6b9f" providerId="ADAL" clId="{631F1702-B937-4118-906D-5A11C7AE1DE5}" dt="2024-03-15T17:16:14.075" v="2537" actId="255"/>
+          <ac:spMkLst>
+            <pc:docMk/>
+            <pc:sldMk cId="234320675" sldId="256"/>
+            <ac:spMk id="2" creationId="{20F0F418-8CFC-AF03-63CD-F9449637605C}"/>
+          </ac:spMkLst>
+        </pc:spChg>
+      </pc:sldChg>
+      <pc:sldChg chg="del">
+        <pc:chgData name="Joel Shorey (Student)" userId="efeb13ac-a1a8-4105-bba8-6f92df6e6b9f" providerId="ADAL" clId="{631F1702-B937-4118-906D-5A11C7AE1DE5}" dt="2024-03-13T21:09:15.726" v="1543" actId="47"/>
+        <pc:sldMkLst>
+          <pc:docMk/>
+          <pc:sldMk cId="907987910" sldId="260"/>
+        </pc:sldMkLst>
+      </pc:sldChg>
+      <pc:sldChg chg="del">
+        <pc:chgData name="Joel Shorey (Student)" userId="efeb13ac-a1a8-4105-bba8-6f92df6e6b9f" providerId="ADAL" clId="{631F1702-B937-4118-906D-5A11C7AE1DE5}" dt="2024-03-13T21:04:53.508" v="1530" actId="47"/>
+        <pc:sldMkLst>
+          <pc:docMk/>
+          <pc:sldMk cId="3928215850" sldId="261"/>
+        </pc:sldMkLst>
+      </pc:sldChg>
+      <pc:sldChg chg="modSp mod">
+        <pc:chgData name="Joel Shorey (Student)" userId="efeb13ac-a1a8-4105-bba8-6f92df6e6b9f" providerId="ADAL" clId="{631F1702-B937-4118-906D-5A11C7AE1DE5}" dt="2024-03-15T17:24:28.761" v="2621" actId="14100"/>
+        <pc:sldMkLst>
+          <pc:docMk/>
+          <pc:sldMk cId="2396793982" sldId="263"/>
+        </pc:sldMkLst>
+        <pc:spChg chg="mod">
+          <ac:chgData name="Joel Shorey (Student)" userId="efeb13ac-a1a8-4105-bba8-6f92df6e6b9f" providerId="ADAL" clId="{631F1702-B937-4118-906D-5A11C7AE1DE5}" dt="2024-03-15T17:24:22.235" v="2619" actId="1076"/>
+          <ac:spMkLst>
+            <pc:docMk/>
+            <pc:sldMk cId="2396793982" sldId="263"/>
+            <ac:spMk id="2" creationId="{6809C795-4042-CC5A-647E-5016B8E19E84}"/>
+          </ac:spMkLst>
+        </pc:spChg>
+        <pc:spChg chg="mod">
+          <ac:chgData name="Joel Shorey (Student)" userId="efeb13ac-a1a8-4105-bba8-6f92df6e6b9f" providerId="ADAL" clId="{631F1702-B937-4118-906D-5A11C7AE1DE5}" dt="2024-03-15T17:24:28.761" v="2621" actId="14100"/>
+          <ac:spMkLst>
+            <pc:docMk/>
+            <pc:sldMk cId="2396793982" sldId="263"/>
+            <ac:spMk id="3" creationId="{A9AC157F-B5D5-20E2-9DA4-EA29118F63FC}"/>
+          </ac:spMkLst>
+        </pc:spChg>
+      </pc:sldChg>
+      <pc:sldChg chg="modSp mod">
+        <pc:chgData name="Joel Shorey (Student)" userId="efeb13ac-a1a8-4105-bba8-6f92df6e6b9f" providerId="ADAL" clId="{631F1702-B937-4118-906D-5A11C7AE1DE5}" dt="2024-03-15T17:23:48.656" v="2615" actId="1076"/>
+        <pc:sldMkLst>
+          <pc:docMk/>
+          <pc:sldMk cId="3498185693" sldId="264"/>
+        </pc:sldMkLst>
+        <pc:spChg chg="mod">
+          <ac:chgData name="Joel Shorey (Student)" userId="efeb13ac-a1a8-4105-bba8-6f92df6e6b9f" providerId="ADAL" clId="{631F1702-B937-4118-906D-5A11C7AE1DE5}" dt="2024-03-15T17:23:48.656" v="2615" actId="1076"/>
+          <ac:spMkLst>
+            <pc:docMk/>
+            <pc:sldMk cId="3498185693" sldId="264"/>
+            <ac:spMk id="2" creationId="{DAD4FEB1-1896-4D04-3477-F8E40CBA7E2E}"/>
+          </ac:spMkLst>
+        </pc:spChg>
+        <pc:spChg chg="mod">
+          <ac:chgData name="Joel Shorey (Student)" userId="efeb13ac-a1a8-4105-bba8-6f92df6e6b9f" providerId="ADAL" clId="{631F1702-B937-4118-906D-5A11C7AE1DE5}" dt="2024-03-15T17:23:38.272" v="2613" actId="1076"/>
+          <ac:spMkLst>
+            <pc:docMk/>
+            <pc:sldMk cId="3498185693" sldId="264"/>
+            <ac:spMk id="3" creationId="{37BDDD50-4114-09B9-F973-1B6A4E4252F3}"/>
+          </ac:spMkLst>
+        </pc:spChg>
+      </pc:sldChg>
+      <pc:sldChg chg="modSp mod">
+        <pc:chgData name="Joel Shorey (Student)" userId="efeb13ac-a1a8-4105-bba8-6f92df6e6b9f" providerId="ADAL" clId="{631F1702-B937-4118-906D-5A11C7AE1DE5}" dt="2024-03-15T17:24:01.503" v="2617" actId="1076"/>
+        <pc:sldMkLst>
+          <pc:docMk/>
+          <pc:sldMk cId="4282433805" sldId="265"/>
+        </pc:sldMkLst>
+        <pc:spChg chg="mod">
+          <ac:chgData name="Joel Shorey (Student)" userId="efeb13ac-a1a8-4105-bba8-6f92df6e6b9f" providerId="ADAL" clId="{631F1702-B937-4118-906D-5A11C7AE1DE5}" dt="2024-03-15T17:15:30.318" v="2532" actId="255"/>
+          <ac:spMkLst>
+            <pc:docMk/>
+            <pc:sldMk cId="4282433805" sldId="265"/>
+            <ac:spMk id="2" creationId="{8D59BAEB-686B-076D-6F94-24AF33C43842}"/>
+          </ac:spMkLst>
+        </pc:spChg>
+        <pc:spChg chg="mod">
+          <ac:chgData name="Joel Shorey (Student)" userId="efeb13ac-a1a8-4105-bba8-6f92df6e6b9f" providerId="ADAL" clId="{631F1702-B937-4118-906D-5A11C7AE1DE5}" dt="2024-03-15T17:24:01.503" v="2617" actId="1076"/>
+          <ac:spMkLst>
+            <pc:docMk/>
+            <pc:sldMk cId="4282433805" sldId="265"/>
+            <ac:spMk id="3" creationId="{61AA17EB-3313-5381-A3C4-8ACFAF2E635E}"/>
+          </ac:spMkLst>
+        </pc:spChg>
+      </pc:sldChg>
+      <pc:sldChg chg="modSp mod">
+        <pc:chgData name="Joel Shorey (Student)" userId="efeb13ac-a1a8-4105-bba8-6f92df6e6b9f" providerId="ADAL" clId="{631F1702-B937-4118-906D-5A11C7AE1DE5}" dt="2024-03-15T17:18:49.177" v="2554" actId="14100"/>
+        <pc:sldMkLst>
+          <pc:docMk/>
+          <pc:sldMk cId="2592547000" sldId="266"/>
+        </pc:sldMkLst>
+        <pc:spChg chg="mod">
+          <ac:chgData name="Joel Shorey (Student)" userId="efeb13ac-a1a8-4105-bba8-6f92df6e6b9f" providerId="ADAL" clId="{631F1702-B937-4118-906D-5A11C7AE1DE5}" dt="2024-03-15T17:12:22.957" v="2503" actId="255"/>
+          <ac:spMkLst>
+            <pc:docMk/>
+            <pc:sldMk cId="2592547000" sldId="266"/>
+            <ac:spMk id="2" creationId="{82D7485C-C17E-097C-D99E-2E410B176E92}"/>
+          </ac:spMkLst>
+        </pc:spChg>
+        <pc:spChg chg="mod">
+          <ac:chgData name="Joel Shorey (Student)" userId="efeb13ac-a1a8-4105-bba8-6f92df6e6b9f" providerId="ADAL" clId="{631F1702-B937-4118-906D-5A11C7AE1DE5}" dt="2024-03-15T17:18:49.177" v="2554" actId="14100"/>
+          <ac:spMkLst>
+            <pc:docMk/>
+            <pc:sldMk cId="2592547000" sldId="266"/>
+            <ac:spMk id="3" creationId="{CB0820ED-CB43-CA76-310F-14DE183269CB}"/>
+          </ac:spMkLst>
+        </pc:spChg>
+      </pc:sldChg>
+      <pc:sldChg chg="addSp modSp mod setBg">
+        <pc:chgData name="Joel Shorey (Student)" userId="efeb13ac-a1a8-4105-bba8-6f92df6e6b9f" providerId="ADAL" clId="{631F1702-B937-4118-906D-5A11C7AE1DE5}" dt="2024-03-15T17:18:26.596" v="2551" actId="14100"/>
+        <pc:sldMkLst>
+          <pc:docMk/>
+          <pc:sldMk cId="675645111" sldId="267"/>
+        </pc:sldMkLst>
+        <pc:spChg chg="mod">
+          <ac:chgData name="Joel Shorey (Student)" userId="efeb13ac-a1a8-4105-bba8-6f92df6e6b9f" providerId="ADAL" clId="{631F1702-B937-4118-906D-5A11C7AE1DE5}" dt="2024-03-15T17:12:32.150" v="2504" actId="255"/>
+          <ac:spMkLst>
+            <pc:docMk/>
+            <pc:sldMk cId="675645111" sldId="267"/>
+            <ac:spMk id="2" creationId="{800BCEC9-E715-B52B-E13E-49CCDFB662C9}"/>
+          </ac:spMkLst>
+        </pc:spChg>
+        <pc:spChg chg="mod">
+          <ac:chgData name="Joel Shorey (Student)" userId="efeb13ac-a1a8-4105-bba8-6f92df6e6b9f" providerId="ADAL" clId="{631F1702-B937-4118-906D-5A11C7AE1DE5}" dt="2024-03-15T17:18:26.596" v="2551" actId="14100"/>
+          <ac:spMkLst>
+            <pc:docMk/>
+            <pc:sldMk cId="675645111" sldId="267"/>
+            <ac:spMk id="3" creationId="{6AC13EE7-17DA-5C3E-B2C8-1DE0DAFA32FF}"/>
+          </ac:spMkLst>
+        </pc:spChg>
+        <pc:spChg chg="add">
+          <ac:chgData name="Joel Shorey (Student)" userId="efeb13ac-a1a8-4105-bba8-6f92df6e6b9f" providerId="ADAL" clId="{631F1702-B937-4118-906D-5A11C7AE1DE5}" dt="2024-03-15T17:04:53.702" v="2486" actId="26606"/>
+          <ac:spMkLst>
+            <pc:docMk/>
+            <pc:sldMk cId="675645111" sldId="267"/>
+            <ac:spMk id="1031" creationId="{6EFC920F-B85A-4068-BD93-41064EDE93D3}"/>
+          </ac:spMkLst>
+        </pc:spChg>
+        <pc:spChg chg="add">
+          <ac:chgData name="Joel Shorey (Student)" userId="efeb13ac-a1a8-4105-bba8-6f92df6e6b9f" providerId="ADAL" clId="{631F1702-B937-4118-906D-5A11C7AE1DE5}" dt="2024-03-15T17:04:53.702" v="2486" actId="26606"/>
+          <ac:spMkLst>
+            <pc:docMk/>
+            <pc:sldMk cId="675645111" sldId="267"/>
+            <ac:spMk id="1037" creationId="{CBC4F608-B4B8-48C3-9572-C0F061B1CD99}"/>
+          </ac:spMkLst>
+        </pc:spChg>
+        <pc:spChg chg="add">
+          <ac:chgData name="Joel Shorey (Student)" userId="efeb13ac-a1a8-4105-bba8-6f92df6e6b9f" providerId="ADAL" clId="{631F1702-B937-4118-906D-5A11C7AE1DE5}" dt="2024-03-15T17:04:53.702" v="2486" actId="26606"/>
+          <ac:spMkLst>
+            <pc:docMk/>
+            <pc:sldMk cId="675645111" sldId="267"/>
+            <ac:spMk id="1039" creationId="{1382A32C-5B0C-4B1C-A074-76C6DBCC9F87}"/>
+          </ac:spMkLst>
+        </pc:spChg>
+        <pc:grpChg chg="add">
+          <ac:chgData name="Joel Shorey (Student)" userId="efeb13ac-a1a8-4105-bba8-6f92df6e6b9f" providerId="ADAL" clId="{631F1702-B937-4118-906D-5A11C7AE1DE5}" dt="2024-03-15T17:04:53.702" v="2486" actId="26606"/>
+          <ac:grpSpMkLst>
+            <pc:docMk/>
+            <pc:sldMk cId="675645111" sldId="267"/>
+            <ac:grpSpMk id="1033" creationId="{1C559108-BBAE-426C-8564-051D2BA6DDC8}"/>
+          </ac:grpSpMkLst>
+        </pc:grpChg>
+        <pc:picChg chg="add mod">
+          <ac:chgData name="Joel Shorey (Student)" userId="efeb13ac-a1a8-4105-bba8-6f92df6e6b9f" providerId="ADAL" clId="{631F1702-B937-4118-906D-5A11C7AE1DE5}" dt="2024-03-15T17:04:53.702" v="2486" actId="26606"/>
+          <ac:picMkLst>
+            <pc:docMk/>
+            <pc:sldMk cId="675645111" sldId="267"/>
+            <ac:picMk id="1026" creationId="{76649751-B4BA-7B14-88E7-8BF7D1F4716D}"/>
+          </ac:picMkLst>
+        </pc:picChg>
+      </pc:sldChg>
+      <pc:sldChg chg="modSp mod">
+        <pc:chgData name="Joel Shorey (Student)" userId="efeb13ac-a1a8-4105-bba8-6f92df6e6b9f" providerId="ADAL" clId="{631F1702-B937-4118-906D-5A11C7AE1DE5}" dt="2024-03-15T17:23:09.687" v="2607" actId="1076"/>
+        <pc:sldMkLst>
+          <pc:docMk/>
+          <pc:sldMk cId="3085835959" sldId="268"/>
+        </pc:sldMkLst>
+        <pc:spChg chg="mod">
+          <ac:chgData name="Joel Shorey (Student)" userId="efeb13ac-a1a8-4105-bba8-6f92df6e6b9f" providerId="ADAL" clId="{631F1702-B937-4118-906D-5A11C7AE1DE5}" dt="2024-03-15T17:14:55.175" v="2525" actId="255"/>
+          <ac:spMkLst>
+            <pc:docMk/>
+            <pc:sldMk cId="3085835959" sldId="268"/>
+            <ac:spMk id="2" creationId="{E0D42B90-D36E-F541-0DA9-D3AE86A9CC81}"/>
+          </ac:spMkLst>
+        </pc:spChg>
+        <pc:spChg chg="mod">
+          <ac:chgData name="Joel Shorey (Student)" userId="efeb13ac-a1a8-4105-bba8-6f92df6e6b9f" providerId="ADAL" clId="{631F1702-B937-4118-906D-5A11C7AE1DE5}" dt="2024-03-15T17:23:09.687" v="2607" actId="1076"/>
+          <ac:spMkLst>
+            <pc:docMk/>
+            <pc:sldMk cId="3085835959" sldId="268"/>
+            <ac:spMk id="3" creationId="{6B3CF716-4EFA-6566-2DC6-AC662E3D731E}"/>
+          </ac:spMkLst>
+        </pc:spChg>
+      </pc:sldChg>
+      <pc:sldChg chg="addSp modSp mod setBg modNotesTx">
+        <pc:chgData name="Joel Shorey (Student)" userId="efeb13ac-a1a8-4105-bba8-6f92df6e6b9f" providerId="ADAL" clId="{631F1702-B937-4118-906D-5A11C7AE1DE5}" dt="2024-03-15T18:16:56.358" v="2647" actId="1076"/>
+        <pc:sldMkLst>
+          <pc:docMk/>
+          <pc:sldMk cId="429712299" sldId="269"/>
+        </pc:sldMkLst>
+        <pc:spChg chg="mod">
+          <ac:chgData name="Joel Shorey (Student)" userId="efeb13ac-a1a8-4105-bba8-6f92df6e6b9f" providerId="ADAL" clId="{631F1702-B937-4118-906D-5A11C7AE1DE5}" dt="2024-03-15T17:12:15.480" v="2502" actId="255"/>
+          <ac:spMkLst>
+            <pc:docMk/>
+            <pc:sldMk cId="429712299" sldId="269"/>
+            <ac:spMk id="2" creationId="{A1BE16B5-0518-3336-16DF-25E2E5A448A0}"/>
+          </ac:spMkLst>
+        </pc:spChg>
+        <pc:spChg chg="mod">
+          <ac:chgData name="Joel Shorey (Student)" userId="efeb13ac-a1a8-4105-bba8-6f92df6e6b9f" providerId="ADAL" clId="{631F1702-B937-4118-906D-5A11C7AE1DE5}" dt="2024-03-15T18:16:56.358" v="2647" actId="1076"/>
+          <ac:spMkLst>
+            <pc:docMk/>
+            <pc:sldMk cId="429712299" sldId="269"/>
+            <ac:spMk id="3" creationId="{0DE0A9B2-02E3-EEC7-79A0-D9CAE464B68B}"/>
+          </ac:spMkLst>
+        </pc:spChg>
+        <pc:spChg chg="add">
+          <ac:chgData name="Joel Shorey (Student)" userId="efeb13ac-a1a8-4105-bba8-6f92df6e6b9f" providerId="ADAL" clId="{631F1702-B937-4118-906D-5A11C7AE1DE5}" dt="2024-03-15T17:05:04.025" v="2487" actId="26606"/>
+          <ac:spMkLst>
+            <pc:docMk/>
+            <pc:sldMk cId="429712299" sldId="269"/>
+            <ac:spMk id="8" creationId="{DBF61EA3-B236-439E-9C0B-340980D56BEE}"/>
+          </ac:spMkLst>
+        </pc:spChg>
+        <pc:spChg chg="add">
+          <ac:chgData name="Joel Shorey (Student)" userId="efeb13ac-a1a8-4105-bba8-6f92df6e6b9f" providerId="ADAL" clId="{631F1702-B937-4118-906D-5A11C7AE1DE5}" dt="2024-03-15T17:05:04.025" v="2487" actId="26606"/>
+          <ac:spMkLst>
+            <pc:docMk/>
+            <pc:sldMk cId="429712299" sldId="269"/>
+            <ac:spMk id="14" creationId="{E659831F-0D9A-4C63-9EBB-8435B85A440F}"/>
+          </ac:spMkLst>
+        </pc:spChg>
+        <pc:grpChg chg="add">
+          <ac:chgData name="Joel Shorey (Student)" userId="efeb13ac-a1a8-4105-bba8-6f92df6e6b9f" providerId="ADAL" clId="{631F1702-B937-4118-906D-5A11C7AE1DE5}" dt="2024-03-15T17:05:04.025" v="2487" actId="26606"/>
+          <ac:grpSpMkLst>
+            <pc:docMk/>
+            <pc:sldMk cId="429712299" sldId="269"/>
+            <ac:grpSpMk id="10" creationId="{28FAF094-D087-493F-8DF9-A486C2D6BBAA}"/>
+          </ac:grpSpMkLst>
+        </pc:grpChg>
+      </pc:sldChg>
+      <pc:sldChg chg="addSp modSp mod setBg modNotesTx">
+        <pc:chgData name="Joel Shorey (Student)" userId="efeb13ac-a1a8-4105-bba8-6f92df6e6b9f" providerId="ADAL" clId="{631F1702-B937-4118-906D-5A11C7AE1DE5}" dt="2024-03-15T17:22:15.436" v="2595" actId="1076"/>
+        <pc:sldMkLst>
+          <pc:docMk/>
+          <pc:sldMk cId="2766623718" sldId="270"/>
+        </pc:sldMkLst>
+        <pc:spChg chg="mod">
+          <ac:chgData name="Joel Shorey (Student)" userId="efeb13ac-a1a8-4105-bba8-6f92df6e6b9f" providerId="ADAL" clId="{631F1702-B937-4118-906D-5A11C7AE1DE5}" dt="2024-03-15T17:22:06.833" v="2593" actId="14100"/>
+          <ac:spMkLst>
+            <pc:docMk/>
+            <pc:sldMk cId="2766623718" sldId="270"/>
+            <ac:spMk id="2" creationId="{62253C70-6C03-D2B4-6ED8-5BEC296D605C}"/>
+          </ac:spMkLst>
+        </pc:spChg>
+        <pc:spChg chg="mod">
+          <ac:chgData name="Joel Shorey (Student)" userId="efeb13ac-a1a8-4105-bba8-6f92df6e6b9f" providerId="ADAL" clId="{631F1702-B937-4118-906D-5A11C7AE1DE5}" dt="2024-03-15T17:22:15.436" v="2595" actId="1076"/>
+          <ac:spMkLst>
+            <pc:docMk/>
+            <pc:sldMk cId="2766623718" sldId="270"/>
+            <ac:spMk id="3" creationId="{5150BF1F-3C30-460C-F88F-4312665694A6}"/>
+          </ac:spMkLst>
+        </pc:spChg>
+        <pc:spChg chg="add">
+          <ac:chgData name="Joel Shorey (Student)" userId="efeb13ac-a1a8-4105-bba8-6f92df6e6b9f" providerId="ADAL" clId="{631F1702-B937-4118-906D-5A11C7AE1DE5}" dt="2024-03-15T17:05:26.959" v="2489" actId="26606"/>
+          <ac:spMkLst>
+            <pc:docMk/>
+            <pc:sldMk cId="2766623718" sldId="270"/>
+            <ac:spMk id="8" creationId="{4DA718D0-4865-4629-8134-44F68D41D574}"/>
+          </ac:spMkLst>
+        </pc:spChg>
+        <pc:spChg chg="add">
+          <ac:chgData name="Joel Shorey (Student)" userId="efeb13ac-a1a8-4105-bba8-6f92df6e6b9f" providerId="ADAL" clId="{631F1702-B937-4118-906D-5A11C7AE1DE5}" dt="2024-03-15T17:05:26.959" v="2489" actId="26606"/>
+          <ac:spMkLst>
+            <pc:docMk/>
+            <pc:sldMk cId="2766623718" sldId="270"/>
+            <ac:spMk id="14" creationId="{CBC4F608-B4B8-48C3-9572-C0F061B1CD99}"/>
+          </ac:spMkLst>
+        </pc:spChg>
+        <pc:grpChg chg="add">
+          <ac:chgData name="Joel Shorey (Student)" userId="efeb13ac-a1a8-4105-bba8-6f92df6e6b9f" providerId="ADAL" clId="{631F1702-B937-4118-906D-5A11C7AE1DE5}" dt="2024-03-15T17:05:26.959" v="2489" actId="26606"/>
+          <ac:grpSpMkLst>
+            <pc:docMk/>
+            <pc:sldMk cId="2766623718" sldId="270"/>
+            <ac:grpSpMk id="10" creationId="{65167ED7-6315-43AB-B1B6-C326D5FD8F84}"/>
+          </ac:grpSpMkLst>
+        </pc:grpChg>
+      </pc:sldChg>
+      <pc:sldChg chg="addSp modSp mod setBg modNotesTx">
+        <pc:chgData name="Joel Shorey (Student)" userId="efeb13ac-a1a8-4105-bba8-6f92df6e6b9f" providerId="ADAL" clId="{631F1702-B937-4118-906D-5A11C7AE1DE5}" dt="2024-03-15T17:22:29.680" v="2597" actId="1076"/>
+        <pc:sldMkLst>
+          <pc:docMk/>
+          <pc:sldMk cId="1344676927" sldId="271"/>
+        </pc:sldMkLst>
+        <pc:spChg chg="mod">
+          <ac:chgData name="Joel Shorey (Student)" userId="efeb13ac-a1a8-4105-bba8-6f92df6e6b9f" providerId="ADAL" clId="{631F1702-B937-4118-906D-5A11C7AE1DE5}" dt="2024-03-15T17:13:30.345" v="2511" actId="255"/>
+          <ac:spMkLst>
+            <pc:docMk/>
+            <pc:sldMk cId="1344676927" sldId="271"/>
+            <ac:spMk id="2" creationId="{37969071-03F3-BF68-7DF7-9A6E553EF9F2}"/>
+          </ac:spMkLst>
+        </pc:spChg>
+        <pc:spChg chg="mod">
+          <ac:chgData name="Joel Shorey (Student)" userId="efeb13ac-a1a8-4105-bba8-6f92df6e6b9f" providerId="ADAL" clId="{631F1702-B937-4118-906D-5A11C7AE1DE5}" dt="2024-03-15T17:22:29.680" v="2597" actId="1076"/>
+          <ac:spMkLst>
+            <pc:docMk/>
+            <pc:sldMk cId="1344676927" sldId="271"/>
+            <ac:spMk id="3" creationId="{C15207E0-F9CD-47A3-D8CB-8486831FB6A4}"/>
+          </ac:spMkLst>
+        </pc:spChg>
+        <pc:spChg chg="add">
+          <ac:chgData name="Joel Shorey (Student)" userId="efeb13ac-a1a8-4105-bba8-6f92df6e6b9f" providerId="ADAL" clId="{631F1702-B937-4118-906D-5A11C7AE1DE5}" dt="2024-03-15T17:06:13.609" v="2492" actId="26606"/>
+          <ac:spMkLst>
+            <pc:docMk/>
+            <pc:sldMk cId="1344676927" sldId="271"/>
+            <ac:spMk id="8" creationId="{B6CDA21F-E7AF-4C75-8395-33F58D5B0E45}"/>
+          </ac:spMkLst>
+        </pc:spChg>
+        <pc:spChg chg="add">
+          <ac:chgData name="Joel Shorey (Student)" userId="efeb13ac-a1a8-4105-bba8-6f92df6e6b9f" providerId="ADAL" clId="{631F1702-B937-4118-906D-5A11C7AE1DE5}" dt="2024-03-15T17:06:13.609" v="2492" actId="26606"/>
+          <ac:spMkLst>
+            <pc:docMk/>
+            <pc:sldMk cId="1344676927" sldId="271"/>
+            <ac:spMk id="15" creationId="{D5B0017B-2ECA-49AF-B397-DC140825DF8D}"/>
+          </ac:spMkLst>
+        </pc:spChg>
+        <pc:grpChg chg="add">
+          <ac:chgData name="Joel Shorey (Student)" userId="efeb13ac-a1a8-4105-bba8-6f92df6e6b9f" providerId="ADAL" clId="{631F1702-B937-4118-906D-5A11C7AE1DE5}" dt="2024-03-15T17:06:13.609" v="2492" actId="26606"/>
+          <ac:grpSpMkLst>
+            <pc:docMk/>
+            <pc:sldMk cId="1344676927" sldId="271"/>
+            <ac:grpSpMk id="10" creationId="{AE1C45F0-260A-458C-96ED-C1F6D2151219}"/>
+          </ac:grpSpMkLst>
+        </pc:grpChg>
+        <pc:cxnChg chg="add">
+          <ac:chgData name="Joel Shorey (Student)" userId="efeb13ac-a1a8-4105-bba8-6f92df6e6b9f" providerId="ADAL" clId="{631F1702-B937-4118-906D-5A11C7AE1DE5}" dt="2024-03-15T17:06:13.609" v="2492" actId="26606"/>
+          <ac:cxnSpMkLst>
+            <pc:docMk/>
+            <pc:sldMk cId="1344676927" sldId="271"/>
+            <ac:cxnSpMk id="17" creationId="{6CF1BAF6-AD41-4082-B212-8A1F9A2E8779}"/>
+          </ac:cxnSpMkLst>
+        </pc:cxnChg>
+      </pc:sldChg>
+      <pc:sldChg chg="new">
+        <pc:chgData name="Joel Shorey (Student)" userId="efeb13ac-a1a8-4105-bba8-6f92df6e6b9f" providerId="ADAL" clId="{631F1702-B937-4118-906D-5A11C7AE1DE5}" dt="2024-03-13T20:12:46.573" v="0" actId="680"/>
+        <pc:sldMkLst>
+          <pc:docMk/>
+          <pc:sldMk cId="176244466" sldId="272"/>
+        </pc:sldMkLst>
+      </pc:sldChg>
+      <pc:sldChg chg="addSp modSp mod setBg modNotesTx">
+        <pc:chgData name="Joel Shorey (Student)" userId="efeb13ac-a1a8-4105-bba8-6f92df6e6b9f" providerId="ADAL" clId="{631F1702-B937-4118-906D-5A11C7AE1DE5}" dt="2024-03-15T17:26:51.151" v="2639" actId="14100"/>
+        <pc:sldMkLst>
+          <pc:docMk/>
+          <pc:sldMk cId="833408984" sldId="272"/>
+        </pc:sldMkLst>
+        <pc:spChg chg="mod">
+          <ac:chgData name="Joel Shorey (Student)" userId="efeb13ac-a1a8-4105-bba8-6f92df6e6b9f" providerId="ADAL" clId="{631F1702-B937-4118-906D-5A11C7AE1DE5}" dt="2024-03-15T17:26:51.151" v="2639" actId="14100"/>
+          <ac:spMkLst>
+            <pc:docMk/>
+            <pc:sldMk cId="833408984" sldId="272"/>
+            <ac:spMk id="2" creationId="{F4AF2B95-5C06-5380-8759-E58BF961D259}"/>
+          </ac:spMkLst>
+        </pc:spChg>
+        <pc:spChg chg="mod">
+          <ac:chgData name="Joel Shorey (Student)" userId="efeb13ac-a1a8-4105-bba8-6f92df6e6b9f" providerId="ADAL" clId="{631F1702-B937-4118-906D-5A11C7AE1DE5}" dt="2024-03-15T17:22:41.291" v="2600" actId="1076"/>
+          <ac:spMkLst>
+            <pc:docMk/>
+            <pc:sldMk cId="833408984" sldId="272"/>
+            <ac:spMk id="3" creationId="{CED9B64C-B477-2972-D888-A88C6427B333}"/>
+          </ac:spMkLst>
+        </pc:spChg>
+        <pc:spChg chg="add">
+          <ac:chgData name="Joel Shorey (Student)" userId="efeb13ac-a1a8-4105-bba8-6f92df6e6b9f" providerId="ADAL" clId="{631F1702-B937-4118-906D-5A11C7AE1DE5}" dt="2024-03-15T17:07:01.268" v="2498" actId="26606"/>
+          <ac:spMkLst>
+            <pc:docMk/>
+            <pc:sldMk cId="833408984" sldId="272"/>
+            <ac:spMk id="8" creationId="{DBF61EA3-B236-439E-9C0B-340980D56BEE}"/>
+          </ac:spMkLst>
+        </pc:spChg>
+        <pc:spChg chg="add">
+          <ac:chgData name="Joel Shorey (Student)" userId="efeb13ac-a1a8-4105-bba8-6f92df6e6b9f" providerId="ADAL" clId="{631F1702-B937-4118-906D-5A11C7AE1DE5}" dt="2024-03-15T17:07:01.268" v="2498" actId="26606"/>
+          <ac:spMkLst>
+            <pc:docMk/>
+            <pc:sldMk cId="833408984" sldId="272"/>
+            <ac:spMk id="14" creationId="{E659831F-0D9A-4C63-9EBB-8435B85A440F}"/>
+          </ac:spMkLst>
+        </pc:spChg>
+        <pc:grpChg chg="add">
+          <ac:chgData name="Joel Shorey (Student)" userId="efeb13ac-a1a8-4105-bba8-6f92df6e6b9f" providerId="ADAL" clId="{631F1702-B937-4118-906D-5A11C7AE1DE5}" dt="2024-03-15T17:07:01.268" v="2498" actId="26606"/>
+          <ac:grpSpMkLst>
+            <pc:docMk/>
+            <pc:sldMk cId="833408984" sldId="272"/>
+            <ac:grpSpMk id="10" creationId="{28FAF094-D087-493F-8DF9-A486C2D6BBAA}"/>
+          </ac:grpSpMkLst>
+        </pc:grpChg>
+      </pc:sldChg>
+      <pc:sldChg chg="addSp delSp modSp mod setBg">
+        <pc:chgData name="Joel Shorey (Student)" userId="efeb13ac-a1a8-4105-bba8-6f92df6e6b9f" providerId="ADAL" clId="{631F1702-B937-4118-906D-5A11C7AE1DE5}" dt="2024-03-15T17:14:22.296" v="2521" actId="1076"/>
+        <pc:sldMkLst>
+          <pc:docMk/>
+          <pc:sldMk cId="176244466" sldId="273"/>
+        </pc:sldMkLst>
+        <pc:spChg chg="mod">
+          <ac:chgData name="Joel Shorey (Student)" userId="efeb13ac-a1a8-4105-bba8-6f92df6e6b9f" providerId="ADAL" clId="{631F1702-B937-4118-906D-5A11C7AE1DE5}" dt="2024-03-15T17:14:22.296" v="2521" actId="1076"/>
+          <ac:spMkLst>
+            <pc:docMk/>
+            <pc:sldMk cId="176244466" sldId="273"/>
+            <ac:spMk id="2" creationId="{7417232C-720D-6752-429B-B5252B698094}"/>
+          </ac:spMkLst>
+        </pc:spChg>
+        <pc:spChg chg="del">
+          <ac:chgData name="Joel Shorey (Student)" userId="efeb13ac-a1a8-4105-bba8-6f92df6e6b9f" providerId="ADAL" clId="{631F1702-B937-4118-906D-5A11C7AE1DE5}" dt="2024-03-13T20:13:01.460" v="43" actId="478"/>
+          <ac:spMkLst>
+            <pc:docMk/>
+            <pc:sldMk cId="176244466" sldId="273"/>
+            <ac:spMk id="3" creationId="{B84FE517-D4F4-CA78-278D-FD94279633E4}"/>
+          </ac:spMkLst>
+        </pc:spChg>
+        <pc:spChg chg="add">
+          <ac:chgData name="Joel Shorey (Student)" userId="efeb13ac-a1a8-4105-bba8-6f92df6e6b9f" providerId="ADAL" clId="{631F1702-B937-4118-906D-5A11C7AE1DE5}" dt="2024-03-15T17:05:38.383" v="2490" actId="26606"/>
+          <ac:spMkLst>
+            <pc:docMk/>
+            <pc:sldMk cId="176244466" sldId="273"/>
+            <ac:spMk id="10" creationId="{9180DE06-7362-4888-AADA-7AADD57AC49D}"/>
+          </ac:spMkLst>
+        </pc:spChg>
+        <pc:spChg chg="add">
+          <ac:chgData name="Joel Shorey (Student)" userId="efeb13ac-a1a8-4105-bba8-6f92df6e6b9f" providerId="ADAL" clId="{631F1702-B937-4118-906D-5A11C7AE1DE5}" dt="2024-03-15T17:05:38.383" v="2490" actId="26606"/>
+          <ac:spMkLst>
+            <pc:docMk/>
+            <pc:sldMk cId="176244466" sldId="273"/>
+            <ac:spMk id="16" creationId="{04357C93-F0CB-4A1C-8F77-4E9063789819}"/>
+          </ac:spMkLst>
+        </pc:spChg>
+        <pc:grpChg chg="add">
+          <ac:chgData name="Joel Shorey (Student)" userId="efeb13ac-a1a8-4105-bba8-6f92df6e6b9f" providerId="ADAL" clId="{631F1702-B937-4118-906D-5A11C7AE1DE5}" dt="2024-03-15T17:05:38.383" v="2490" actId="26606"/>
+          <ac:grpSpMkLst>
+            <pc:docMk/>
+            <pc:sldMk cId="176244466" sldId="273"/>
+            <ac:grpSpMk id="12" creationId="{3AF6A671-C637-4547-85F4-51B6D1881399}"/>
+          </ac:grpSpMkLst>
+        </pc:grpChg>
+        <pc:picChg chg="add mod">
+          <ac:chgData name="Joel Shorey (Student)" userId="efeb13ac-a1a8-4105-bba8-6f92df6e6b9f" providerId="ADAL" clId="{631F1702-B937-4118-906D-5A11C7AE1DE5}" dt="2024-03-15T17:05:38.383" v="2490" actId="26606"/>
+          <ac:picMkLst>
+            <pc:docMk/>
+            <pc:sldMk cId="176244466" sldId="273"/>
+            <ac:picMk id="5" creationId="{A6794B46-FF66-85AE-5630-997F6718DE13}"/>
+          </ac:picMkLst>
+        </pc:picChg>
+      </pc:sldChg>
+      <pc:sldChg chg="addSp modSp mod setBg modNotesTx">
+        <pc:chgData name="Joel Shorey (Student)" userId="efeb13ac-a1a8-4105-bba8-6f92df6e6b9f" providerId="ADAL" clId="{631F1702-B937-4118-906D-5A11C7AE1DE5}" dt="2024-03-15T17:21:48.353" v="2589" actId="1076"/>
+        <pc:sldMkLst>
+          <pc:docMk/>
+          <pc:sldMk cId="898442046" sldId="274"/>
+        </pc:sldMkLst>
+        <pc:spChg chg="mod">
+          <ac:chgData name="Joel Shorey (Student)" userId="efeb13ac-a1a8-4105-bba8-6f92df6e6b9f" providerId="ADAL" clId="{631F1702-B937-4118-906D-5A11C7AE1DE5}" dt="2024-03-15T17:12:52.035" v="2505" actId="255"/>
+          <ac:spMkLst>
+            <pc:docMk/>
+            <pc:sldMk cId="898442046" sldId="274"/>
+            <ac:spMk id="2" creationId="{CE5C8BC2-B6F2-8846-40B0-D7E2B2FF9C3F}"/>
+          </ac:spMkLst>
+        </pc:spChg>
+        <pc:spChg chg="mod">
+          <ac:chgData name="Joel Shorey (Student)" userId="efeb13ac-a1a8-4105-bba8-6f92df6e6b9f" providerId="ADAL" clId="{631F1702-B937-4118-906D-5A11C7AE1DE5}" dt="2024-03-15T17:21:48.353" v="2589" actId="1076"/>
+          <ac:spMkLst>
+            <pc:docMk/>
+            <pc:sldMk cId="898442046" sldId="274"/>
+            <ac:spMk id="3" creationId="{4119DD99-55A5-19B7-62DB-07F85371ACFC}"/>
+          </ac:spMkLst>
+        </pc:spChg>
+        <pc:spChg chg="add">
+          <ac:chgData name="Joel Shorey (Student)" userId="efeb13ac-a1a8-4105-bba8-6f92df6e6b9f" providerId="ADAL" clId="{631F1702-B937-4118-906D-5A11C7AE1DE5}" dt="2024-03-15T17:05:17.847" v="2488" actId="26606"/>
+          <ac:spMkLst>
+            <pc:docMk/>
+            <pc:sldMk cId="898442046" sldId="274"/>
+            <ac:spMk id="8" creationId="{B6CDA21F-E7AF-4C75-8395-33F58D5B0E45}"/>
+          </ac:spMkLst>
+        </pc:spChg>
+        <pc:spChg chg="add">
+          <ac:chgData name="Joel Shorey (Student)" userId="efeb13ac-a1a8-4105-bba8-6f92df6e6b9f" providerId="ADAL" clId="{631F1702-B937-4118-906D-5A11C7AE1DE5}" dt="2024-03-15T17:05:17.847" v="2488" actId="26606"/>
+          <ac:spMkLst>
+            <pc:docMk/>
+            <pc:sldMk cId="898442046" sldId="274"/>
+            <ac:spMk id="15" creationId="{D5B0017B-2ECA-49AF-B397-DC140825DF8D}"/>
+          </ac:spMkLst>
+        </pc:spChg>
+        <pc:grpChg chg="add">
+          <ac:chgData name="Joel Shorey (Student)" userId="efeb13ac-a1a8-4105-bba8-6f92df6e6b9f" providerId="ADAL" clId="{631F1702-B937-4118-906D-5A11C7AE1DE5}" dt="2024-03-15T17:05:17.847" v="2488" actId="26606"/>
+          <ac:grpSpMkLst>
+            <pc:docMk/>
+            <pc:sldMk cId="898442046" sldId="274"/>
+            <ac:grpSpMk id="10" creationId="{AE1C45F0-260A-458C-96ED-C1F6D2151219}"/>
+          </ac:grpSpMkLst>
+        </pc:grpChg>
+        <pc:cxnChg chg="add">
+          <ac:chgData name="Joel Shorey (Student)" userId="efeb13ac-a1a8-4105-bba8-6f92df6e6b9f" providerId="ADAL" clId="{631F1702-B937-4118-906D-5A11C7AE1DE5}" dt="2024-03-15T17:05:17.847" v="2488" actId="26606"/>
+          <ac:cxnSpMkLst>
+            <pc:docMk/>
+            <pc:sldMk cId="898442046" sldId="274"/>
+            <ac:cxnSpMk id="17" creationId="{6CF1BAF6-AD41-4082-B212-8A1F9A2E8779}"/>
+          </ac:cxnSpMkLst>
+        </pc:cxnChg>
+      </pc:sldChg>
+      <pc:sldChg chg="del">
+        <pc:chgData name="Joel Shorey (Student)" userId="efeb13ac-a1a8-4105-bba8-6f92df6e6b9f" providerId="ADAL" clId="{631F1702-B937-4118-906D-5A11C7AE1DE5}" dt="2024-03-13T20:53:01.307" v="774" actId="47"/>
+        <pc:sldMkLst>
+          <pc:docMk/>
+          <pc:sldMk cId="1409966744" sldId="276"/>
+        </pc:sldMkLst>
+      </pc:sldChg>
+      <pc:sldChg chg="addSp delSp modSp mod">
+        <pc:chgData name="Joel Shorey (Student)" userId="efeb13ac-a1a8-4105-bba8-6f92df6e6b9f" providerId="ADAL" clId="{631F1702-B937-4118-906D-5A11C7AE1DE5}" dt="2024-03-15T17:23:29.570" v="2611" actId="1076"/>
+        <pc:sldMkLst>
+          <pc:docMk/>
+          <pc:sldMk cId="2002257491" sldId="277"/>
+        </pc:sldMkLst>
+        <pc:spChg chg="mod">
+          <ac:chgData name="Joel Shorey (Student)" userId="efeb13ac-a1a8-4105-bba8-6f92df6e6b9f" providerId="ADAL" clId="{631F1702-B937-4118-906D-5A11C7AE1DE5}" dt="2024-03-15T17:15:17.262" v="2530" actId="1076"/>
+          <ac:spMkLst>
+            <pc:docMk/>
+            <pc:sldMk cId="2002257491" sldId="277"/>
+            <ac:spMk id="2" creationId="{67AE8871-96B2-0FB7-216F-2AE202108C5C}"/>
+          </ac:spMkLst>
+        </pc:spChg>
+        <pc:spChg chg="mod">
+          <ac:chgData name="Joel Shorey (Student)" userId="efeb13ac-a1a8-4105-bba8-6f92df6e6b9f" providerId="ADAL" clId="{631F1702-B937-4118-906D-5A11C7AE1DE5}" dt="2024-03-15T17:23:29.570" v="2611" actId="1076"/>
+          <ac:spMkLst>
+            <pc:docMk/>
+            <pc:sldMk cId="2002257491" sldId="277"/>
+            <ac:spMk id="3" creationId="{6ADD6E1A-EFCF-E7F9-5CDE-7EB9AB725A6D}"/>
+          </ac:spMkLst>
+        </pc:spChg>
+        <pc:spChg chg="add del">
+          <ac:chgData name="Joel Shorey (Student)" userId="efeb13ac-a1a8-4105-bba8-6f92df6e6b9f" providerId="ADAL" clId="{631F1702-B937-4118-906D-5A11C7AE1DE5}" dt="2024-03-15T17:04:21.214" v="2485" actId="26606"/>
+          <ac:spMkLst>
+            <pc:docMk/>
+            <pc:sldMk cId="2002257491" sldId="277"/>
+            <ac:spMk id="51" creationId="{91DC6ABD-215C-4EA8-A483-CEF5B99AB385}"/>
+          </ac:spMkLst>
+        </pc:spChg>
+        <pc:spChg chg="add del">
+          <ac:chgData name="Joel Shorey (Student)" userId="efeb13ac-a1a8-4105-bba8-6f92df6e6b9f" providerId="ADAL" clId="{631F1702-B937-4118-906D-5A11C7AE1DE5}" dt="2024-03-15T17:04:21.214" v="2485" actId="26606"/>
+          <ac:spMkLst>
+            <pc:docMk/>
+            <pc:sldMk cId="2002257491" sldId="277"/>
+            <ac:spMk id="54" creationId="{04357C93-F0CB-4A1C-8F77-4E9063789819}"/>
+          </ac:spMkLst>
+        </pc:spChg>
+        <pc:spChg chg="add del">
+          <ac:chgData name="Joel Shorey (Student)" userId="efeb13ac-a1a8-4105-bba8-6f92df6e6b9f" providerId="ADAL" clId="{631F1702-B937-4118-906D-5A11C7AE1DE5}" dt="2024-03-15T17:04:21.214" v="2485" actId="26606"/>
+          <ac:spMkLst>
+            <pc:docMk/>
+            <pc:sldMk cId="2002257491" sldId="277"/>
+            <ac:spMk id="59" creationId="{22A397E7-BF60-45B2-84C7-B074B76C37A7}"/>
+          </ac:spMkLst>
+        </pc:spChg>
+        <pc:spChg chg="add del">
+          <ac:chgData name="Joel Shorey (Student)" userId="efeb13ac-a1a8-4105-bba8-6f92df6e6b9f" providerId="ADAL" clId="{631F1702-B937-4118-906D-5A11C7AE1DE5}" dt="2024-03-15T17:04:21.214" v="2485" actId="26606"/>
+          <ac:spMkLst>
+            <pc:docMk/>
+            <pc:sldMk cId="2002257491" sldId="277"/>
+            <ac:spMk id="61" creationId="{890DEF05-784E-4B61-89E4-04C4ECF4E5A0}"/>
+          </ac:spMkLst>
+        </pc:spChg>
+        <pc:grpChg chg="add del">
+          <ac:chgData name="Joel Shorey (Student)" userId="efeb13ac-a1a8-4105-bba8-6f92df6e6b9f" providerId="ADAL" clId="{631F1702-B937-4118-906D-5A11C7AE1DE5}" dt="2024-03-15T17:04:21.214" v="2485" actId="26606"/>
+          <ac:grpSpMkLst>
+            <pc:docMk/>
+            <pc:sldMk cId="2002257491" sldId="277"/>
+            <ac:grpSpMk id="52" creationId="{3AF6A671-C637-4547-85F4-51B6D1881399}"/>
+          </ac:grpSpMkLst>
+        </pc:grpChg>
+        <pc:picChg chg="mod ord">
+          <ac:chgData name="Joel Shorey (Student)" userId="efeb13ac-a1a8-4105-bba8-6f92df6e6b9f" providerId="ADAL" clId="{631F1702-B937-4118-906D-5A11C7AE1DE5}" dt="2024-03-15T17:04:21.214" v="2485" actId="26606"/>
+          <ac:picMkLst>
+            <pc:docMk/>
+            <pc:sldMk cId="2002257491" sldId="277"/>
+            <ac:picMk id="4" creationId="{AA0BECA3-9414-E9A7-7722-442863B7798C}"/>
+          </ac:picMkLst>
+        </pc:picChg>
+        <pc:cxnChg chg="add del">
+          <ac:chgData name="Joel Shorey (Student)" userId="efeb13ac-a1a8-4105-bba8-6f92df6e6b9f" providerId="ADAL" clId="{631F1702-B937-4118-906D-5A11C7AE1DE5}" dt="2024-03-15T17:04:21.214" v="2485" actId="26606"/>
+          <ac:cxnSpMkLst>
+            <pc:docMk/>
+            <pc:sldMk cId="2002257491" sldId="277"/>
+            <ac:cxnSpMk id="63" creationId="{C41BAEC7-F7B0-4224-8B18-8F74B7D87F0B}"/>
+          </ac:cxnSpMkLst>
+        </pc:cxnChg>
+      </pc:sldChg>
+      <pc:sldChg chg="addSp delSp modSp mod setBg modNotesTx">
+        <pc:chgData name="Joel Shorey (Student)" userId="efeb13ac-a1a8-4105-bba8-6f92df6e6b9f" providerId="ADAL" clId="{631F1702-B937-4118-906D-5A11C7AE1DE5}" dt="2024-03-15T17:27:02.696" v="2646" actId="20577"/>
+        <pc:sldMkLst>
+          <pc:docMk/>
+          <pc:sldMk cId="4106172094" sldId="278"/>
+        </pc:sldMkLst>
+        <pc:spChg chg="mod">
+          <ac:chgData name="Joel Shorey (Student)" userId="efeb13ac-a1a8-4105-bba8-6f92df6e6b9f" providerId="ADAL" clId="{631F1702-B937-4118-906D-5A11C7AE1DE5}" dt="2024-03-15T17:27:02.696" v="2646" actId="20577"/>
+          <ac:spMkLst>
+            <pc:docMk/>
+            <pc:sldMk cId="4106172094" sldId="278"/>
+            <ac:spMk id="2" creationId="{6F710674-8F47-E652-60B0-D9489E02E111}"/>
+          </ac:spMkLst>
+        </pc:spChg>
+        <pc:spChg chg="add del mod">
+          <ac:chgData name="Joel Shorey (Student)" userId="efeb13ac-a1a8-4105-bba8-6f92df6e6b9f" providerId="ADAL" clId="{631F1702-B937-4118-906D-5A11C7AE1DE5}" dt="2024-03-15T17:22:54.059" v="2603" actId="1076"/>
+          <ac:spMkLst>
+            <pc:docMk/>
+            <pc:sldMk cId="4106172094" sldId="278"/>
+            <ac:spMk id="3" creationId="{B524E7C7-9AE5-4E83-66DF-0AA1322B12ED}"/>
+          </ac:spMkLst>
+        </pc:spChg>
+        <pc:spChg chg="add">
+          <ac:chgData name="Joel Shorey (Student)" userId="efeb13ac-a1a8-4105-bba8-6f92df6e6b9f" providerId="ADAL" clId="{631F1702-B937-4118-906D-5A11C7AE1DE5}" dt="2024-03-15T17:07:07.490" v="2499" actId="26606"/>
+          <ac:spMkLst>
+            <pc:docMk/>
+            <pc:sldMk cId="4106172094" sldId="278"/>
+            <ac:spMk id="7" creationId="{D5B0017B-2ECA-49AF-B397-DC140825DF8D}"/>
+          </ac:spMkLst>
+        </pc:spChg>
+        <pc:spChg chg="add">
+          <ac:chgData name="Joel Shorey (Student)" userId="efeb13ac-a1a8-4105-bba8-6f92df6e6b9f" providerId="ADAL" clId="{631F1702-B937-4118-906D-5A11C7AE1DE5}" dt="2024-03-15T17:07:07.490" v="2499" actId="26606"/>
+          <ac:spMkLst>
+            <pc:docMk/>
+            <pc:sldMk cId="4106172094" sldId="278"/>
+            <ac:spMk id="8" creationId="{B6CDA21F-E7AF-4C75-8395-33F58D5B0E45}"/>
+          </ac:spMkLst>
+        </pc:spChg>
+        <pc:spChg chg="add del">
+          <ac:chgData name="Joel Shorey (Student)" userId="efeb13ac-a1a8-4105-bba8-6f92df6e6b9f" providerId="ADAL" clId="{631F1702-B937-4118-906D-5A11C7AE1DE5}" dt="2024-03-15T17:01:49.554" v="2483" actId="26606"/>
+          <ac:spMkLst>
+            <pc:docMk/>
+            <pc:sldMk cId="4106172094" sldId="278"/>
+            <ac:spMk id="9" creationId="{A1F6BF70-C7D1-4AF9-8DB4-BEEB8A9C3529}"/>
+          </ac:spMkLst>
+        </pc:spChg>
+        <pc:spChg chg="add del">
+          <ac:chgData name="Joel Shorey (Student)" userId="efeb13ac-a1a8-4105-bba8-6f92df6e6b9f" providerId="ADAL" clId="{631F1702-B937-4118-906D-5A11C7AE1DE5}" dt="2024-03-15T17:01:49.554" v="2483" actId="26606"/>
+          <ac:spMkLst>
+            <pc:docMk/>
+            <pc:sldMk cId="4106172094" sldId="278"/>
+            <ac:spMk id="15" creationId="{2C1BBA94-3F40-40AA-8BB9-E69E25E537C1}"/>
+          </ac:spMkLst>
+        </pc:spChg>
+        <pc:grpChg chg="add">
+          <ac:chgData name="Joel Shorey (Student)" userId="efeb13ac-a1a8-4105-bba8-6f92df6e6b9f" providerId="ADAL" clId="{631F1702-B937-4118-906D-5A11C7AE1DE5}" dt="2024-03-15T17:07:07.490" v="2499" actId="26606"/>
+          <ac:grpSpMkLst>
+            <pc:docMk/>
+            <pc:sldMk cId="4106172094" sldId="278"/>
+            <ac:grpSpMk id="10" creationId="{AE1C45F0-260A-458C-96ED-C1F6D2151219}"/>
+          </ac:grpSpMkLst>
+        </pc:grpChg>
+        <pc:grpChg chg="add del">
+          <ac:chgData name="Joel Shorey (Student)" userId="efeb13ac-a1a8-4105-bba8-6f92df6e6b9f" providerId="ADAL" clId="{631F1702-B937-4118-906D-5A11C7AE1DE5}" dt="2024-03-15T17:01:49.554" v="2483" actId="26606"/>
+          <ac:grpSpMkLst>
+            <pc:docMk/>
+            <pc:sldMk cId="4106172094" sldId="278"/>
+            <ac:grpSpMk id="11" creationId="{0C66A8B6-1F6E-4FCC-93B9-B9986B6FD111}"/>
+          </ac:grpSpMkLst>
+        </pc:grpChg>
+        <pc:graphicFrameChg chg="add del">
+          <ac:chgData name="Joel Shorey (Student)" userId="efeb13ac-a1a8-4105-bba8-6f92df6e6b9f" providerId="ADAL" clId="{631F1702-B937-4118-906D-5A11C7AE1DE5}" dt="2024-03-15T17:01:49.554" v="2483" actId="26606"/>
+          <ac:graphicFrameMkLst>
+            <pc:docMk/>
+            <pc:sldMk cId="4106172094" sldId="278"/>
+            <ac:graphicFrameMk id="5" creationId="{FCC22DD5-4CA4-5B5A-001E-B9CF698A187B}"/>
+          </ac:graphicFrameMkLst>
+        </pc:graphicFrameChg>
+        <pc:cxnChg chg="add">
+          <ac:chgData name="Joel Shorey (Student)" userId="efeb13ac-a1a8-4105-bba8-6f92df6e6b9f" providerId="ADAL" clId="{631F1702-B937-4118-906D-5A11C7AE1DE5}" dt="2024-03-15T17:07:07.490" v="2499" actId="26606"/>
+          <ac:cxnSpMkLst>
+            <pc:docMk/>
+            <pc:sldMk cId="4106172094" sldId="278"/>
+            <ac:cxnSpMk id="17" creationId="{6CF1BAF6-AD41-4082-B212-8A1F9A2E8779}"/>
+          </ac:cxnSpMkLst>
+        </pc:cxnChg>
+      </pc:sldChg>
+      <pc:sldChg chg="addSp delSp modSp new mod setBg">
+        <pc:chgData name="Joel Shorey (Student)" userId="efeb13ac-a1a8-4105-bba8-6f92df6e6b9f" providerId="ADAL" clId="{631F1702-B937-4118-906D-5A11C7AE1DE5}" dt="2024-03-15T17:26:02.697" v="2623" actId="14100"/>
+        <pc:sldMkLst>
+          <pc:docMk/>
+          <pc:sldMk cId="959600081" sldId="280"/>
+        </pc:sldMkLst>
+        <pc:spChg chg="mod">
+          <ac:chgData name="Joel Shorey (Student)" userId="efeb13ac-a1a8-4105-bba8-6f92df6e6b9f" providerId="ADAL" clId="{631F1702-B937-4118-906D-5A11C7AE1DE5}" dt="2024-03-15T17:14:02.027" v="2517" actId="255"/>
+          <ac:spMkLst>
+            <pc:docMk/>
+            <pc:sldMk cId="959600081" sldId="280"/>
+            <ac:spMk id="2" creationId="{55CEA096-E629-EEB3-F135-725A15F1EC1C}"/>
+          </ac:spMkLst>
+        </pc:spChg>
+        <pc:spChg chg="del">
+          <ac:chgData name="Joel Shorey (Student)" userId="efeb13ac-a1a8-4105-bba8-6f92df6e6b9f" providerId="ADAL" clId="{631F1702-B937-4118-906D-5A11C7AE1DE5}" dt="2024-03-13T20:36:13.194" v="126" actId="478"/>
+          <ac:spMkLst>
+            <pc:docMk/>
+            <pc:sldMk cId="959600081" sldId="280"/>
+            <ac:spMk id="3" creationId="{244D0872-B977-EA8E-4D72-0AA8DB874BDA}"/>
+          </ac:spMkLst>
+        </pc:spChg>
+        <pc:spChg chg="add">
+          <ac:chgData name="Joel Shorey (Student)" userId="efeb13ac-a1a8-4105-bba8-6f92df6e6b9f" providerId="ADAL" clId="{631F1702-B937-4118-906D-5A11C7AE1DE5}" dt="2024-03-15T17:06:27.625" v="2493" actId="26606"/>
+          <ac:spMkLst>
+            <pc:docMk/>
+            <pc:sldMk cId="959600081" sldId="280"/>
+            <ac:spMk id="10" creationId="{BA79A7CF-01AF-4178-9369-94E0C90EB046}"/>
+          </ac:spMkLst>
+        </pc:spChg>
+        <pc:spChg chg="add">
+          <ac:chgData name="Joel Shorey (Student)" userId="efeb13ac-a1a8-4105-bba8-6f92df6e6b9f" providerId="ADAL" clId="{631F1702-B937-4118-906D-5A11C7AE1DE5}" dt="2024-03-15T17:06:27.625" v="2493" actId="26606"/>
+          <ac:spMkLst>
+            <pc:docMk/>
+            <pc:sldMk cId="959600081" sldId="280"/>
+            <ac:spMk id="12" creationId="{99413ED5-9ED4-4772-BCE4-2BCAE6B12E35}"/>
+          </ac:spMkLst>
+        </pc:spChg>
+        <pc:spChg chg="add">
+          <ac:chgData name="Joel Shorey (Student)" userId="efeb13ac-a1a8-4105-bba8-6f92df6e6b9f" providerId="ADAL" clId="{631F1702-B937-4118-906D-5A11C7AE1DE5}" dt="2024-03-15T17:06:27.625" v="2493" actId="26606"/>
+          <ac:spMkLst>
+            <pc:docMk/>
+            <pc:sldMk cId="959600081" sldId="280"/>
+            <ac:spMk id="14" creationId="{04357C93-F0CB-4A1C-8F77-4E9063789819}"/>
+          </ac:spMkLst>
+        </pc:spChg>
+        <pc:spChg chg="add">
+          <ac:chgData name="Joel Shorey (Student)" userId="efeb13ac-a1a8-4105-bba8-6f92df6e6b9f" providerId="ADAL" clId="{631F1702-B937-4118-906D-5A11C7AE1DE5}" dt="2024-03-15T17:06:27.625" v="2493" actId="26606"/>
+          <ac:spMkLst>
+            <pc:docMk/>
+            <pc:sldMk cId="959600081" sldId="280"/>
+            <ac:spMk id="16" creationId="{90F533E9-6690-41A8-A372-4C6C622D028D}"/>
+          </ac:spMkLst>
+        </pc:spChg>
+        <pc:picChg chg="add mod">
+          <ac:chgData name="Joel Shorey (Student)" userId="efeb13ac-a1a8-4105-bba8-6f92df6e6b9f" providerId="ADAL" clId="{631F1702-B937-4118-906D-5A11C7AE1DE5}" dt="2024-03-15T17:26:02.697" v="2623" actId="14100"/>
+          <ac:picMkLst>
+            <pc:docMk/>
+            <pc:sldMk cId="959600081" sldId="280"/>
+            <ac:picMk id="5" creationId="{7AEBBE45-B1A8-1C03-E51D-6FE4699332E0}"/>
+          </ac:picMkLst>
+        </pc:picChg>
+      </pc:sldChg>
+      <pc:sldChg chg="modSp mod">
+        <pc:chgData name="Joel Shorey (Student)" userId="efeb13ac-a1a8-4105-bba8-6f92df6e6b9f" providerId="ADAL" clId="{631F1702-B937-4118-906D-5A11C7AE1DE5}" dt="2024-03-15T17:24:12.730" v="2618" actId="1076"/>
+        <pc:sldMkLst>
+          <pc:docMk/>
+          <pc:sldMk cId="3717565896" sldId="281"/>
+        </pc:sldMkLst>
+        <pc:spChg chg="mod">
+          <ac:chgData name="Joel Shorey (Student)" userId="efeb13ac-a1a8-4105-bba8-6f92df6e6b9f" providerId="ADAL" clId="{631F1702-B937-4118-906D-5A11C7AE1DE5}" dt="2024-03-15T17:15:37.597" v="2533" actId="255"/>
+          <ac:spMkLst>
+            <pc:docMk/>
+            <pc:sldMk cId="3717565896" sldId="281"/>
+            <ac:spMk id="2" creationId="{50E7C36E-FBD4-D03C-FD47-AB83F936D25A}"/>
+          </ac:spMkLst>
+        </pc:spChg>
+        <pc:spChg chg="mod">
+          <ac:chgData name="Joel Shorey (Student)" userId="efeb13ac-a1a8-4105-bba8-6f92df6e6b9f" providerId="ADAL" clId="{631F1702-B937-4118-906D-5A11C7AE1DE5}" dt="2024-03-15T17:20:53.887" v="2582" actId="14100"/>
+          <ac:spMkLst>
+            <pc:docMk/>
+            <pc:sldMk cId="3717565896" sldId="281"/>
+            <ac:spMk id="5" creationId="{2EE385B2-D0B9-D866-19CD-4BD275D44F33}"/>
+          </ac:spMkLst>
+        </pc:spChg>
+        <pc:spChg chg="mod">
+          <ac:chgData name="Joel Shorey (Student)" userId="efeb13ac-a1a8-4105-bba8-6f92df6e6b9f" providerId="ADAL" clId="{631F1702-B937-4118-906D-5A11C7AE1DE5}" dt="2024-03-15T17:20:12.598" v="2573" actId="14100"/>
+          <ac:spMkLst>
+            <pc:docMk/>
+            <pc:sldMk cId="3717565896" sldId="281"/>
+            <ac:spMk id="6" creationId="{EE6A5CFC-0052-953B-3D22-B122B447516B}"/>
+          </ac:spMkLst>
+        </pc:spChg>
+        <pc:graphicFrameChg chg="mod">
+          <ac:chgData name="Joel Shorey (Student)" userId="efeb13ac-a1a8-4105-bba8-6f92df6e6b9f" providerId="ADAL" clId="{631F1702-B937-4118-906D-5A11C7AE1DE5}" dt="2024-03-15T17:24:12.730" v="2618" actId="1076"/>
+          <ac:graphicFrameMkLst>
+            <pc:docMk/>
+            <pc:sldMk cId="3717565896" sldId="281"/>
+            <ac:graphicFrameMk id="4" creationId="{9B4F24D1-4EAD-A87E-8B5A-A84FD5B22C59}"/>
+          </ac:graphicFrameMkLst>
+        </pc:graphicFrameChg>
+      </pc:sldChg>
+    </pc:docChg>
+  </pc:docChgLst>
+  <pc:docChgLst>
+    <pc:chgData name="Jonah Bertolino (Student)" userId="S::jonahbertolino@mines.edu::9e5659ea-b595-4c3b-9a51-e4ce62b2395f" providerId="AD" clId="Web-{04C64894-5397-A2BA-EE8E-98946C4C4F1F}"/>
+    <pc:docChg chg="addSld delSld modSld">
+      <pc:chgData name="Jonah Bertolino (Student)" userId="S::jonahbertolino@mines.edu::9e5659ea-b595-4c3b-9a51-e4ce62b2395f" providerId="AD" clId="Web-{04C64894-5397-A2BA-EE8E-98946C4C4F1F}" dt="2024-03-13T21:16:19.482" v="127" actId="1076"/>
+      <pc:docMkLst>
+        <pc:docMk/>
+      </pc:docMkLst>
+      <pc:sldChg chg="addSp delSp modSp mod setBg">
+        <pc:chgData name="Jonah Bertolino (Student)" userId="S::jonahbertolino@mines.edu::9e5659ea-b595-4c3b-9a51-e4ce62b2395f" providerId="AD" clId="Web-{04C64894-5397-A2BA-EE8E-98946C4C4F1F}" dt="2024-03-13T21:03:57.077" v="89"/>
+        <pc:sldMkLst>
+          <pc:docMk/>
+          <pc:sldMk cId="2396793982" sldId="263"/>
+        </pc:sldMkLst>
+        <pc:spChg chg="mod">
+          <ac:chgData name="Jonah Bertolino (Student)" userId="S::jonahbertolino@mines.edu::9e5659ea-b595-4c3b-9a51-e4ce62b2395f" providerId="AD" clId="Web-{04C64894-5397-A2BA-EE8E-98946C4C4F1F}" dt="2024-03-13T21:03:57.077" v="89"/>
+          <ac:spMkLst>
+            <pc:docMk/>
+            <pc:sldMk cId="2396793982" sldId="263"/>
+            <ac:spMk id="2" creationId="{6809C795-4042-CC5A-647E-5016B8E19E84}"/>
+          </ac:spMkLst>
+        </pc:spChg>
+        <pc:spChg chg="mod">
+          <ac:chgData name="Jonah Bertolino (Student)" userId="S::jonahbertolino@mines.edu::9e5659ea-b595-4c3b-9a51-e4ce62b2395f" providerId="AD" clId="Web-{04C64894-5397-A2BA-EE8E-98946C4C4F1F}" dt="2024-03-13T21:03:57.077" v="89"/>
+          <ac:spMkLst>
+            <pc:docMk/>
+            <pc:sldMk cId="2396793982" sldId="263"/>
+            <ac:spMk id="3" creationId="{A9AC157F-B5D5-20E2-9DA4-EA29118F63FC}"/>
+          </ac:spMkLst>
+        </pc:spChg>
+        <pc:spChg chg="add del">
+          <ac:chgData name="Jonah Bertolino (Student)" userId="S::jonahbertolino@mines.edu::9e5659ea-b595-4c3b-9a51-e4ce62b2395f" providerId="AD" clId="Web-{04C64894-5397-A2BA-EE8E-98946C4C4F1F}" dt="2024-03-13T21:03:57.077" v="89"/>
+          <ac:spMkLst>
+            <pc:docMk/>
+            <pc:sldMk cId="2396793982" sldId="263"/>
+            <ac:spMk id="9" creationId="{D776D29F-0A2C-4F75-8582-7C7DFCBD11D5}"/>
+          </ac:spMkLst>
+        </pc:spChg>
+        <pc:spChg chg="add del">
+          <ac:chgData name="Jonah Bertolino (Student)" userId="S::jonahbertolino@mines.edu::9e5659ea-b595-4c3b-9a51-e4ce62b2395f" providerId="AD" clId="Web-{04C64894-5397-A2BA-EE8E-98946C4C4F1F}" dt="2024-03-13T21:03:57.077" v="89"/>
+          <ac:spMkLst>
+            <pc:docMk/>
+            <pc:sldMk cId="2396793982" sldId="263"/>
+            <ac:spMk id="11" creationId="{C4D41903-2C9D-4F9E-AA1F-6161F8A6FC01}"/>
+          </ac:spMkLst>
+        </pc:spChg>
+        <pc:spChg chg="add del">
+          <ac:chgData name="Jonah Bertolino (Student)" userId="S::jonahbertolino@mines.edu::9e5659ea-b595-4c3b-9a51-e4ce62b2395f" providerId="AD" clId="Web-{04C64894-5397-A2BA-EE8E-98946C4C4F1F}" dt="2024-03-13T21:03:57.077" v="89"/>
+          <ac:spMkLst>
+            <pc:docMk/>
+            <pc:sldMk cId="2396793982" sldId="263"/>
+            <ac:spMk id="13" creationId="{9E4574B5-C90E-412D-BAB0-B9F483290C67}"/>
+          </ac:spMkLst>
+        </pc:spChg>
+        <pc:spChg chg="add">
+          <ac:chgData name="Jonah Bertolino (Student)" userId="S::jonahbertolino@mines.edu::9e5659ea-b595-4c3b-9a51-e4ce62b2395f" providerId="AD" clId="Web-{04C64894-5397-A2BA-EE8E-98946C4C4F1F}" dt="2024-03-13T21:03:57.077" v="89"/>
+          <ac:spMkLst>
+            <pc:docMk/>
+            <pc:sldMk cId="2396793982" sldId="263"/>
+            <ac:spMk id="18" creationId="{91DC6ABD-215C-4EA8-A483-CEF5B99AB385}"/>
+          </ac:spMkLst>
+        </pc:spChg>
+        <pc:spChg chg="add">
+          <ac:chgData name="Jonah Bertolino (Student)" userId="S::jonahbertolino@mines.edu::9e5659ea-b595-4c3b-9a51-e4ce62b2395f" providerId="AD" clId="Web-{04C64894-5397-A2BA-EE8E-98946C4C4F1F}" dt="2024-03-13T21:03:57.077" v="89"/>
+          <ac:spMkLst>
+            <pc:docMk/>
+            <pc:sldMk cId="2396793982" sldId="263"/>
+            <ac:spMk id="24" creationId="{04357C93-F0CB-4A1C-8F77-4E9063789819}"/>
+          </ac:spMkLst>
+        </pc:spChg>
+        <pc:grpChg chg="add">
+          <ac:chgData name="Jonah Bertolino (Student)" userId="S::jonahbertolino@mines.edu::9e5659ea-b595-4c3b-9a51-e4ce62b2395f" providerId="AD" clId="Web-{04C64894-5397-A2BA-EE8E-98946C4C4F1F}" dt="2024-03-13T21:03:57.077" v="89"/>
+          <ac:grpSpMkLst>
+            <pc:docMk/>
+            <pc:sldMk cId="2396793982" sldId="263"/>
+            <ac:grpSpMk id="20" creationId="{3AF6A671-C637-4547-85F4-51B6D1881399}"/>
+          </ac:grpSpMkLst>
+        </pc:grpChg>
+        <pc:picChg chg="add mod">
+          <ac:chgData name="Jonah Bertolino (Student)" userId="S::jonahbertolino@mines.edu::9e5659ea-b595-4c3b-9a51-e4ce62b2395f" providerId="AD" clId="Web-{04C64894-5397-A2BA-EE8E-98946C4C4F1F}" dt="2024-03-13T21:03:57.077" v="89"/>
+          <ac:picMkLst>
+            <pc:docMk/>
+            <pc:sldMk cId="2396793982" sldId="263"/>
+            <ac:picMk id="4" creationId="{3ECD532D-C132-DCCD-6D89-0D1118B8D2BD}"/>
+          </ac:picMkLst>
+        </pc:picChg>
+      </pc:sldChg>
+      <pc:sldChg chg="addSp delSp modSp mod setBg">
+        <pc:chgData name="Jonah Bertolino (Student)" userId="S::jonahbertolino@mines.edu::9e5659ea-b595-4c3b-9a51-e4ce62b2395f" providerId="AD" clId="Web-{04C64894-5397-A2BA-EE8E-98946C4C4F1F}" dt="2024-03-13T20:58:33.367" v="85"/>
+        <pc:sldMkLst>
+          <pc:docMk/>
+          <pc:sldMk cId="3085835959" sldId="268"/>
+        </pc:sldMkLst>
+        <pc:spChg chg="mod">
+          <ac:chgData name="Jonah Bertolino (Student)" userId="S::jonahbertolino@mines.edu::9e5659ea-b595-4c3b-9a51-e4ce62b2395f" providerId="AD" clId="Web-{04C64894-5397-A2BA-EE8E-98946C4C4F1F}" dt="2024-03-13T20:58:33.367" v="85"/>
+          <ac:spMkLst>
+            <pc:docMk/>
+            <pc:sldMk cId="3085835959" sldId="268"/>
+            <ac:spMk id="2" creationId="{E0D42B90-D36E-F541-0DA9-D3AE86A9CC81}"/>
+          </ac:spMkLst>
+        </pc:spChg>
+        <pc:spChg chg="mod ord">
+          <ac:chgData name="Jonah Bertolino (Student)" userId="S::jonahbertolino@mines.edu::9e5659ea-b595-4c3b-9a51-e4ce62b2395f" providerId="AD" clId="Web-{04C64894-5397-A2BA-EE8E-98946C4C4F1F}" dt="2024-03-13T20:58:33.367" v="85"/>
+          <ac:spMkLst>
+            <pc:docMk/>
+            <pc:sldMk cId="3085835959" sldId="268"/>
+            <ac:spMk id="3" creationId="{6B3CF716-4EFA-6566-2DC6-AC662E3D731E}"/>
+          </ac:spMkLst>
+        </pc:spChg>
+        <pc:spChg chg="add del">
+          <ac:chgData name="Jonah Bertolino (Student)" userId="S::jonahbertolino@mines.edu::9e5659ea-b595-4c3b-9a51-e4ce62b2395f" providerId="AD" clId="Web-{04C64894-5397-A2BA-EE8E-98946C4C4F1F}" dt="2024-03-13T20:58:33.367" v="85"/>
+          <ac:spMkLst>
+            <pc:docMk/>
+            <pc:sldMk cId="3085835959" sldId="268"/>
+            <ac:spMk id="11" creationId="{E8A8EAB8-D2FF-444D-B34B-7D32F106AD0E}"/>
+          </ac:spMkLst>
+        </pc:spChg>
+        <pc:spChg chg="add del">
+          <ac:chgData name="Jonah Bertolino (Student)" userId="S::jonahbertolino@mines.edu::9e5659ea-b595-4c3b-9a51-e4ce62b2395f" providerId="AD" clId="Web-{04C64894-5397-A2BA-EE8E-98946C4C4F1F}" dt="2024-03-13T20:58:29.398" v="79"/>
+          <ac:spMkLst>
+            <pc:docMk/>
+            <pc:sldMk cId="3085835959" sldId="268"/>
+            <ac:spMk id="20" creationId="{B1595A09-E336-4D1B-9B3A-06A2287A54E2}"/>
+          </ac:spMkLst>
+        </pc:spChg>
+        <pc:spChg chg="add del">
+          <ac:chgData name="Jonah Bertolino (Student)" userId="S::jonahbertolino@mines.edu::9e5659ea-b595-4c3b-9a51-e4ce62b2395f" providerId="AD" clId="Web-{04C64894-5397-A2BA-EE8E-98946C4C4F1F}" dt="2024-03-13T20:58:29.398" v="79"/>
+          <ac:spMkLst>
+            <pc:docMk/>
+            <pc:sldMk cId="3085835959" sldId="268"/>
+            <ac:spMk id="22" creationId="{3540989C-C7B8-473B-BF87-6F2DA6A90006}"/>
+          </ac:spMkLst>
+        </pc:spChg>
+        <pc:picChg chg="mod modCrop">
+          <ac:chgData name="Jonah Bertolino (Student)" userId="S::jonahbertolino@mines.edu::9e5659ea-b595-4c3b-9a51-e4ce62b2395f" providerId="AD" clId="Web-{04C64894-5397-A2BA-EE8E-98946C4C4F1F}" dt="2024-03-13T20:58:33.367" v="85"/>
+          <ac:picMkLst>
+            <pc:docMk/>
+            <pc:sldMk cId="3085835959" sldId="268"/>
+            <ac:picMk id="6" creationId="{08766FB1-FF95-115A-0305-FB1958240F74}"/>
+          </ac:picMkLst>
+        </pc:picChg>
+        <pc:cxnChg chg="add del">
+          <ac:chgData name="Jonah Bertolino (Student)" userId="S::jonahbertolino@mines.edu::9e5659ea-b595-4c3b-9a51-e4ce62b2395f" providerId="AD" clId="Web-{04C64894-5397-A2BA-EE8E-98946C4C4F1F}" dt="2024-03-13T20:58:33.367" v="85"/>
+          <ac:cxnSpMkLst>
+            <pc:docMk/>
+            <pc:sldMk cId="3085835959" sldId="268"/>
+            <ac:cxnSpMk id="13" creationId="{EEA38897-7BA3-4408-8083-3235339C4A60}"/>
+          </ac:cxnSpMkLst>
+        </pc:cxnChg>
+        <pc:cxnChg chg="add del">
+          <ac:chgData name="Jonah Bertolino (Student)" userId="S::jonahbertolino@mines.edu::9e5659ea-b595-4c3b-9a51-e4ce62b2395f" providerId="AD" clId="Web-{04C64894-5397-A2BA-EE8E-98946C4C4F1F}" dt="2024-03-13T20:58:33.367" v="85"/>
+          <ac:cxnSpMkLst>
+            <pc:docMk/>
+            <pc:sldMk cId="3085835959" sldId="268"/>
+            <ac:cxnSpMk id="15" creationId="{F11AD06B-AB20-4097-8606-5DA00DBACE88}"/>
+          </ac:cxnSpMkLst>
+        </pc:cxnChg>
+      </pc:sldChg>
+      <pc:sldChg chg="modSp new del">
+        <pc:chgData name="Jonah Bertolino (Student)" userId="S::jonahbertolino@mines.edu::9e5659ea-b595-4c3b-9a51-e4ce62b2395f" providerId="AD" clId="Web-{04C64894-5397-A2BA-EE8E-98946C4C4F1F}" dt="2024-03-13T20:59:43.306" v="88"/>
+        <pc:sldMkLst>
+          <pc:docMk/>
+          <pc:sldMk cId="2061822980" sldId="275"/>
+        </pc:sldMkLst>
+        <pc:spChg chg="mod">
+          <ac:chgData name="Jonah Bertolino (Student)" userId="S::jonahbertolino@mines.edu::9e5659ea-b595-4c3b-9a51-e4ce62b2395f" providerId="AD" clId="Web-{04C64894-5397-A2BA-EE8E-98946C4C4F1F}" dt="2024-03-13T20:21:01.246" v="11" actId="20577"/>
+          <ac:spMkLst>
+            <pc:docMk/>
+            <pc:sldMk cId="2061822980" sldId="275"/>
+            <ac:spMk id="2" creationId="{B6D9029B-6C41-D409-F312-FEAAE00597AE}"/>
+          </ac:spMkLst>
+        </pc:spChg>
+      </pc:sldChg>
+      <pc:sldChg chg="addSp modSp">
+        <pc:chgData name="Jonah Bertolino (Student)" userId="S::jonahbertolino@mines.edu::9e5659ea-b595-4c3b-9a51-e4ce62b2395f" providerId="AD" clId="Web-{04C64894-5397-A2BA-EE8E-98946C4C4F1F}" dt="2024-03-13T20:34:06.714" v="27" actId="20577"/>
+        <pc:sldMkLst>
+          <pc:docMk/>
+          <pc:sldMk cId="2002257491" sldId="277"/>
+        </pc:sldMkLst>
+        <pc:spChg chg="mod">
+          <ac:chgData name="Jonah Bertolino (Student)" userId="S::jonahbertolino@mines.edu::9e5659ea-b595-4c3b-9a51-e4ce62b2395f" providerId="AD" clId="Web-{04C64894-5397-A2BA-EE8E-98946C4C4F1F}" dt="2024-03-13T20:34:06.714" v="27" actId="20577"/>
+          <ac:spMkLst>
+            <pc:docMk/>
+            <pc:sldMk cId="2002257491" sldId="277"/>
+            <ac:spMk id="3" creationId="{6ADD6E1A-EFCF-E7F9-5CDE-7EB9AB725A6D}"/>
+          </ac:spMkLst>
+        </pc:spChg>
+        <pc:picChg chg="add mod">
+          <ac:chgData name="Jonah Bertolino (Student)" userId="S::jonahbertolino@mines.edu::9e5659ea-b595-4c3b-9a51-e4ce62b2395f" providerId="AD" clId="Web-{04C64894-5397-A2BA-EE8E-98946C4C4F1F}" dt="2024-03-13T20:33:23.526" v="19" actId="1076"/>
+          <ac:picMkLst>
+            <pc:docMk/>
+            <pc:sldMk cId="2002257491" sldId="277"/>
+            <ac:picMk id="4" creationId="{AA0BECA3-9414-E9A7-7722-442863B7798C}"/>
+          </ac:picMkLst>
+        </pc:picChg>
+      </pc:sldChg>
+      <pc:sldChg chg="addSp delSp modSp new mod setBg addAnim delAnim modAnim">
+        <pc:chgData name="Jonah Bertolino (Student)" userId="S::jonahbertolino@mines.edu::9e5659ea-b595-4c3b-9a51-e4ce62b2395f" providerId="AD" clId="Web-{04C64894-5397-A2BA-EE8E-98946C4C4F1F}" dt="2024-03-13T21:16:19.482" v="127" actId="1076"/>
+        <pc:sldMkLst>
+          <pc:docMk/>
+          <pc:sldMk cId="1052766174" sldId="279"/>
+        </pc:sldMkLst>
+        <pc:spChg chg="mod ord">
+          <ac:chgData name="Jonah Bertolino (Student)" userId="S::jonahbertolino@mines.edu::9e5659ea-b595-4c3b-9a51-e4ce62b2395f" providerId="AD" clId="Web-{04C64894-5397-A2BA-EE8E-98946C4C4F1F}" dt="2024-03-13T21:05:34.485" v="111"/>
+          <ac:spMkLst>
+            <pc:docMk/>
+            <pc:sldMk cId="1052766174" sldId="279"/>
+            <ac:spMk id="2" creationId="{7B1DBB69-A9CF-8ABD-9859-D6161068EC57}"/>
+          </ac:spMkLst>
+        </pc:spChg>
+        <pc:spChg chg="del">
+          <ac:chgData name="Jonah Bertolino (Student)" userId="S::jonahbertolino@mines.edu::9e5659ea-b595-4c3b-9a51-e4ce62b2395f" providerId="AD" clId="Web-{04C64894-5397-A2BA-EE8E-98946C4C4F1F}" dt="2024-03-13T20:41:16.535" v="35"/>
+          <ac:spMkLst>
+            <pc:docMk/>
+            <pc:sldMk cId="1052766174" sldId="279"/>
+            <ac:spMk id="3" creationId="{29187699-EED9-6415-6381-EB645BB998BC}"/>
+          </ac:spMkLst>
+        </pc:spChg>
+        <pc:spChg chg="add del mod">
+          <ac:chgData name="Jonah Bertolino (Student)" userId="S::jonahbertolino@mines.edu::9e5659ea-b595-4c3b-9a51-e4ce62b2395f" providerId="AD" clId="Web-{04C64894-5397-A2BA-EE8E-98946C4C4F1F}" dt="2024-03-13T20:53:22.955" v="43"/>
+          <ac:spMkLst>
+            <pc:docMk/>
+            <pc:sldMk cId="1052766174" sldId="279"/>
+            <ac:spMk id="6" creationId="{E6A09884-5FE3-267D-A409-36350A19D92D}"/>
+          </ac:spMkLst>
+        </pc:spChg>
+        <pc:spChg chg="add del">
+          <ac:chgData name="Jonah Bertolino (Student)" userId="S::jonahbertolino@mines.edu::9e5659ea-b595-4c3b-9a51-e4ce62b2395f" providerId="AD" clId="Web-{04C64894-5397-A2BA-EE8E-98946C4C4F1F}" dt="2024-03-13T20:53:44.315" v="50"/>
+          <ac:spMkLst>
+            <pc:docMk/>
+            <pc:sldMk cId="1052766174" sldId="279"/>
+            <ac:spMk id="9" creationId="{A34066D6-1B59-4642-A86D-39464CEE971B}"/>
+          </ac:spMkLst>
+        </pc:spChg>
+        <pc:spChg chg="add del mod">
+          <ac:chgData name="Jonah Bertolino (Student)" userId="S::jonahbertolino@mines.edu::9e5659ea-b595-4c3b-9a51-e4ce62b2395f" providerId="AD" clId="Web-{04C64894-5397-A2BA-EE8E-98946C4C4F1F}" dt="2024-03-13T20:56:04.224" v="64"/>
+          <ac:spMkLst>
+            <pc:docMk/>
+            <pc:sldMk cId="1052766174" sldId="279"/>
+            <ac:spMk id="10" creationId="{4108C6AB-4AA5-91C1-E72E-A39C87EEB2D3}"/>
+          </ac:spMkLst>
+        </pc:spChg>
+        <pc:spChg chg="add del">
+          <ac:chgData name="Jonah Bertolino (Student)" userId="S::jonahbertolino@mines.edu::9e5659ea-b595-4c3b-9a51-e4ce62b2395f" providerId="AD" clId="Web-{04C64894-5397-A2BA-EE8E-98946C4C4F1F}" dt="2024-03-13T20:53:44.315" v="50"/>
+          <ac:spMkLst>
+            <pc:docMk/>
+            <pc:sldMk cId="1052766174" sldId="279"/>
+            <ac:spMk id="11" creationId="{18E928D9-3091-4385-B979-265D55AD02CE}"/>
+          </ac:spMkLst>
+        </pc:spChg>
+        <pc:spChg chg="add del">
+          <ac:chgData name="Jonah Bertolino (Student)" userId="S::jonahbertolino@mines.edu::9e5659ea-b595-4c3b-9a51-e4ce62b2395f" providerId="AD" clId="Web-{04C64894-5397-A2BA-EE8E-98946C4C4F1F}" dt="2024-03-13T20:53:44.315" v="50"/>
+          <ac:spMkLst>
+            <pc:docMk/>
+            <pc:sldMk cId="1052766174" sldId="279"/>
+            <ac:spMk id="13" creationId="{7D602432-D774-4CF5-94E8-7D52D01059D2}"/>
+          </ac:spMkLst>
+        </pc:spChg>
+        <pc:spChg chg="add del">
+          <ac:chgData name="Jonah Bertolino (Student)" userId="S::jonahbertolino@mines.edu::9e5659ea-b595-4c3b-9a51-e4ce62b2395f" providerId="AD" clId="Web-{04C64894-5397-A2BA-EE8E-98946C4C4F1F}" dt="2024-03-13T20:53:44.315" v="50"/>
+          <ac:spMkLst>
+            <pc:docMk/>
+            <pc:sldMk cId="1052766174" sldId="279"/>
+            <ac:spMk id="15" creationId="{CBF9EBB4-5078-47B2-AAA0-DF4A88D8182A}"/>
+          </ac:spMkLst>
+        </pc:spChg>
+        <pc:spChg chg="add del">
+          <ac:chgData name="Jonah Bertolino (Student)" userId="S::jonahbertolino@mines.edu::9e5659ea-b595-4c3b-9a51-e4ce62b2395f" providerId="AD" clId="Web-{04C64894-5397-A2BA-EE8E-98946C4C4F1F}" dt="2024-03-13T21:05:04.390" v="100"/>
+          <ac:spMkLst>
+            <pc:docMk/>
+            <pc:sldMk cId="1052766174" sldId="279"/>
+            <ac:spMk id="16" creationId="{E659831F-0D9A-4C63-9EBB-8435B85A440F}"/>
+          </ac:spMkLst>
+        </pc:spChg>
+        <pc:spChg chg="add del">
+          <ac:chgData name="Jonah Bertolino (Student)" userId="S::jonahbertolino@mines.edu::9e5659ea-b595-4c3b-9a51-e4ce62b2395f" providerId="AD" clId="Web-{04C64894-5397-A2BA-EE8E-98946C4C4F1F}" dt="2024-03-13T20:53:40.877" v="47"/>
+          <ac:spMkLst>
+            <pc:docMk/>
+            <pc:sldMk cId="1052766174" sldId="279"/>
+            <ac:spMk id="19" creationId="{4E84D788-B256-5225-0E0A-87BA406D02BF}"/>
+          </ac:spMkLst>
+        </pc:spChg>
+        <pc:spChg chg="add del">
+          <ac:chgData name="Jonah Bertolino (Student)" userId="S::jonahbertolino@mines.edu::9e5659ea-b595-4c3b-9a51-e4ce62b2395f" providerId="AD" clId="Web-{04C64894-5397-A2BA-EE8E-98946C4C4F1F}" dt="2024-03-13T20:53:30.783" v="45"/>
+          <ac:spMkLst>
+            <pc:docMk/>
+            <pc:sldMk cId="1052766174" sldId="279"/>
+            <ac:spMk id="20" creationId="{A34066D6-1B59-4642-A86D-39464CEE971B}"/>
+          </ac:spMkLst>
+        </pc:spChg>
+        <pc:spChg chg="add del">
+          <ac:chgData name="Jonah Bertolino (Student)" userId="S::jonahbertolino@mines.edu::9e5659ea-b595-4c3b-9a51-e4ce62b2395f" providerId="AD" clId="Web-{04C64894-5397-A2BA-EE8E-98946C4C4F1F}" dt="2024-03-13T20:53:30.783" v="45"/>
+          <ac:spMkLst>
+            <pc:docMk/>
+            <pc:sldMk cId="1052766174" sldId="279"/>
+            <ac:spMk id="22" creationId="{18E928D9-3091-4385-B979-265D55AD02CE}"/>
+          </ac:spMkLst>
+        </pc:spChg>
+        <pc:spChg chg="add del">
+          <ac:chgData name="Jonah Bertolino (Student)" userId="S::jonahbertolino@mines.edu::9e5659ea-b595-4c3b-9a51-e4ce62b2395f" providerId="AD" clId="Web-{04C64894-5397-A2BA-EE8E-98946C4C4F1F}" dt="2024-03-13T20:53:30.783" v="45"/>
+          <ac:spMkLst>
+            <pc:docMk/>
+            <pc:sldMk cId="1052766174" sldId="279"/>
+            <ac:spMk id="24" creationId="{7D602432-D774-4CF5-94E8-7D52D01059D2}"/>
+          </ac:spMkLst>
+        </pc:spChg>
+        <pc:spChg chg="add del">
+          <ac:chgData name="Jonah Bertolino (Student)" userId="S::jonahbertolino@mines.edu::9e5659ea-b595-4c3b-9a51-e4ce62b2395f" providerId="AD" clId="Web-{04C64894-5397-A2BA-EE8E-98946C4C4F1F}" dt="2024-03-13T20:53:30.783" v="45"/>
+          <ac:spMkLst>
+            <pc:docMk/>
+            <pc:sldMk cId="1052766174" sldId="279"/>
+            <ac:spMk id="26" creationId="{CBF9EBB4-5078-47B2-AAA0-DF4A88D8182A}"/>
+          </ac:spMkLst>
+        </pc:spChg>
+        <pc:spChg chg="add del">
+          <ac:chgData name="Jonah Bertolino (Student)" userId="S::jonahbertolino@mines.edu::9e5659ea-b595-4c3b-9a51-e4ce62b2395f" providerId="AD" clId="Web-{04C64894-5397-A2BA-EE8E-98946C4C4F1F}" dt="2024-03-13T20:53:40.877" v="47"/>
+          <ac:spMkLst>
+            <pc:docMk/>
+            <pc:sldMk cId="1052766174" sldId="279"/>
+            <ac:spMk id="28" creationId="{A7AE9375-4664-4DB2-922D-2782A6E439AC}"/>
+          </ac:spMkLst>
+        </pc:spChg>
+        <pc:spChg chg="add del">
+          <ac:chgData name="Jonah Bertolino (Student)" userId="S::jonahbertolino@mines.edu::9e5659ea-b595-4c3b-9a51-e4ce62b2395f" providerId="AD" clId="Web-{04C64894-5397-A2BA-EE8E-98946C4C4F1F}" dt="2024-03-13T20:53:44.299" v="49"/>
+          <ac:spMkLst>
+            <pc:docMk/>
+            <pc:sldMk cId="1052766174" sldId="279"/>
+            <ac:spMk id="32" creationId="{5396781C-32A1-4FDA-A83B-A7FF8C1B1E99}"/>
+          </ac:spMkLst>
+        </pc:spChg>
+        <pc:spChg chg="add del">
+          <ac:chgData name="Jonah Bertolino (Student)" userId="S::jonahbertolino@mines.edu::9e5659ea-b595-4c3b-9a51-e4ce62b2395f" providerId="AD" clId="Web-{04C64894-5397-A2BA-EE8E-98946C4C4F1F}" dt="2024-03-13T20:53:44.299" v="49"/>
+          <ac:spMkLst>
+            <pc:docMk/>
+            <pc:sldMk cId="1052766174" sldId="279"/>
+            <ac:spMk id="35" creationId="{C1DC8D11-B51E-A295-3225-5620FC557F42}"/>
+          </ac:spMkLst>
+        </pc:spChg>
+        <pc:spChg chg="add del">
+          <ac:chgData name="Jonah Bertolino (Student)" userId="S::jonahbertolino@mines.edu::9e5659ea-b595-4c3b-9a51-e4ce62b2395f" providerId="AD" clId="Web-{04C64894-5397-A2BA-EE8E-98946C4C4F1F}" dt="2024-03-13T20:54:12.222" v="54"/>
+          <ac:spMkLst>
+            <pc:docMk/>
+            <pc:sldMk cId="1052766174" sldId="279"/>
+            <ac:spMk id="37" creationId="{135FA909-3F24-448C-A8BC-7CF77F62F84F}"/>
+          </ac:spMkLst>
+        </pc:spChg>
+        <pc:spChg chg="add del">
+          <ac:chgData name="Jonah Bertolino (Student)" userId="S::jonahbertolino@mines.edu::9e5659ea-b595-4c3b-9a51-e4ce62b2395f" providerId="AD" clId="Web-{04C64894-5397-A2BA-EE8E-98946C4C4F1F}" dt="2024-03-13T20:54:12.222" v="54"/>
+          <ac:spMkLst>
+            <pc:docMk/>
+            <pc:sldMk cId="1052766174" sldId="279"/>
+            <ac:spMk id="38" creationId="{6C32E633-BDBF-961A-CB5D-0F054618E9AE}"/>
+          </ac:spMkLst>
+        </pc:spChg>
+        <pc:spChg chg="add del">
+          <ac:chgData name="Jonah Bertolino (Student)" userId="S::jonahbertolino@mines.edu::9e5659ea-b595-4c3b-9a51-e4ce62b2395f" providerId="AD" clId="Web-{04C64894-5397-A2BA-EE8E-98946C4C4F1F}" dt="2024-03-13T20:54:12.206" v="53"/>
+          <ac:spMkLst>
+            <pc:docMk/>
+            <pc:sldMk cId="1052766174" sldId="279"/>
+            <ac:spMk id="45" creationId="{FB5B0058-AF13-4859-B429-4EDDE2A26F7F}"/>
+          </ac:spMkLst>
+        </pc:spChg>
+        <pc:spChg chg="add del">
+          <ac:chgData name="Jonah Bertolino (Student)" userId="S::jonahbertolino@mines.edu::9e5659ea-b595-4c3b-9a51-e4ce62b2395f" providerId="AD" clId="Web-{04C64894-5397-A2BA-EE8E-98946C4C4F1F}" dt="2024-03-13T20:54:12.206" v="53"/>
+          <ac:spMkLst>
+            <pc:docMk/>
+            <pc:sldMk cId="1052766174" sldId="279"/>
+            <ac:spMk id="49" creationId="{A4A161CC-6DC5-4863-B213-94529D6E06D7}"/>
+          </ac:spMkLst>
+        </pc:spChg>
+        <pc:spChg chg="add del">
+          <ac:chgData name="Jonah Bertolino (Student)" userId="S::jonahbertolino@mines.edu::9e5659ea-b595-4c3b-9a51-e4ce62b2395f" providerId="AD" clId="Web-{04C64894-5397-A2BA-EE8E-98946C4C4F1F}" dt="2024-03-13T20:54:57.269" v="59"/>
+          <ac:spMkLst>
+            <pc:docMk/>
+            <pc:sldMk cId="1052766174" sldId="279"/>
+            <ac:spMk id="51" creationId="{5396781C-32A1-4FDA-A83B-A7FF8C1B1E99}"/>
+          </ac:spMkLst>
+        </pc:spChg>
+        <pc:spChg chg="add del">
+          <ac:chgData name="Jonah Bertolino (Student)" userId="S::jonahbertolino@mines.edu::9e5659ea-b595-4c3b-9a51-e4ce62b2395f" providerId="AD" clId="Web-{04C64894-5397-A2BA-EE8E-98946C4C4F1F}" dt="2024-03-13T20:54:51.816" v="55"/>
+          <ac:spMkLst>
+            <pc:docMk/>
+            <pc:sldMk cId="1052766174" sldId="279"/>
+            <ac:spMk id="54" creationId="{6C32E633-BDBF-961A-CB5D-0F054618E9AE}"/>
+          </ac:spMkLst>
+        </pc:spChg>
+        <pc:spChg chg="add del mod">
+          <ac:chgData name="Jonah Bertolino (Student)" userId="S::jonahbertolino@mines.edu::9e5659ea-b595-4c3b-9a51-e4ce62b2395f" providerId="AD" clId="Web-{04C64894-5397-A2BA-EE8E-98946C4C4F1F}" dt="2024-03-13T20:56:19.474" v="66"/>
+          <ac:spMkLst>
+            <pc:docMk/>
+            <pc:sldMk cId="1052766174" sldId="279"/>
+            <ac:spMk id="57" creationId="{B8C0EE08-9749-26AA-7ADE-7D37E5FD508B}"/>
+          </ac:spMkLst>
+        </pc:spChg>
+        <pc:spChg chg="add del">
+          <ac:chgData name="Jonah Bertolino (Student)" userId="S::jonahbertolino@mines.edu::9e5659ea-b595-4c3b-9a51-e4ce62b2395f" providerId="AD" clId="Web-{04C64894-5397-A2BA-EE8E-98946C4C4F1F}" dt="2024-03-13T20:56:11.755" v="65"/>
+          <ac:spMkLst>
+            <pc:docMk/>
+            <pc:sldMk cId="1052766174" sldId="279"/>
+            <ac:spMk id="60" creationId="{2172A0AC-3DCE-4672-BCAF-28FEF91F6020}"/>
+          </ac:spMkLst>
+        </pc:spChg>
+        <pc:spChg chg="add del">
+          <ac:chgData name="Jonah Bertolino (Student)" userId="S::jonahbertolino@mines.edu::9e5659ea-b595-4c3b-9a51-e4ce62b2395f" providerId="AD" clId="Web-{04C64894-5397-A2BA-EE8E-98946C4C4F1F}" dt="2024-03-13T20:56:11.755" v="65"/>
+          <ac:spMkLst>
+            <pc:docMk/>
+            <pc:sldMk cId="1052766174" sldId="279"/>
+            <ac:spMk id="62" creationId="{AE6F1C77-EDC9-4C5F-8C1C-62DD46BDA3C3}"/>
+          </ac:spMkLst>
+        </pc:spChg>
+        <pc:spChg chg="add del">
+          <ac:chgData name="Jonah Bertolino (Student)" userId="S::jonahbertolino@mines.edu::9e5659ea-b595-4c3b-9a51-e4ce62b2395f" providerId="AD" clId="Web-{04C64894-5397-A2BA-EE8E-98946C4C4F1F}" dt="2024-03-13T21:04:01.858" v="90"/>
+          <ac:spMkLst>
+            <pc:docMk/>
+            <pc:sldMk cId="1052766174" sldId="279"/>
+            <ac:spMk id="67" creationId="{135FA909-3F24-448C-A8BC-7CF77F62F84F}"/>
+          </ac:spMkLst>
+        </pc:spChg>
+        <pc:spChg chg="add del mod">
+          <ac:chgData name="Jonah Bertolino (Student)" userId="S::jonahbertolino@mines.edu::9e5659ea-b595-4c3b-9a51-e4ce62b2395f" providerId="AD" clId="Web-{04C64894-5397-A2BA-EE8E-98946C4C4F1F}" dt="2024-03-13T21:05:41.422" v="112"/>
+          <ac:spMkLst>
+            <pc:docMk/>
+            <pc:sldMk cId="1052766174" sldId="279"/>
+            <ac:spMk id="75" creationId="{1063622A-C147-A002-86A8-077CADF92CDA}"/>
+          </ac:spMkLst>
+        </pc:spChg>
+        <pc:spChg chg="add del">
+          <ac:chgData name="Jonah Bertolino (Student)" userId="S::jonahbertolino@mines.edu::9e5659ea-b595-4c3b-9a51-e4ce62b2395f" providerId="AD" clId="Web-{04C64894-5397-A2BA-EE8E-98946C4C4F1F}" dt="2024-03-13T21:05:34.485" v="111"/>
+          <ac:spMkLst>
+            <pc:docMk/>
+            <pc:sldMk cId="1052766174" sldId="279"/>
+            <ac:spMk id="78" creationId="{26CAED0A-2A45-4C9C-BCDD-21A8A092C5F3}"/>
+          </ac:spMkLst>
+        </pc:spChg>
+        <pc:spChg chg="add del">
+          <ac:chgData name="Jonah Bertolino (Student)" userId="S::jonahbertolino@mines.edu::9e5659ea-b595-4c3b-9a51-e4ce62b2395f" providerId="AD" clId="Web-{04C64894-5397-A2BA-EE8E-98946C4C4F1F}" dt="2024-03-13T21:05:34.485" v="111"/>
+          <ac:spMkLst>
+            <pc:docMk/>
+            <pc:sldMk cId="1052766174" sldId="279"/>
+            <ac:spMk id="80" creationId="{3A9A4357-BD1D-4622-A4FE-766E6AB8DE84}"/>
+          </ac:spMkLst>
+        </pc:spChg>
+        <pc:spChg chg="add del">
+          <ac:chgData name="Jonah Bertolino (Student)" userId="S::jonahbertolino@mines.edu::9e5659ea-b595-4c3b-9a51-e4ce62b2395f" providerId="AD" clId="Web-{04C64894-5397-A2BA-EE8E-98946C4C4F1F}" dt="2024-03-13T21:05:29.782" v="109"/>
+          <ac:spMkLst>
+            <pc:docMk/>
+            <pc:sldMk cId="1052766174" sldId="279"/>
+            <ac:spMk id="82" creationId="{E659831F-0D9A-4C63-9EBB-8435B85A440F}"/>
+          </ac:spMkLst>
+        </pc:spChg>
+        <pc:spChg chg="add del">
+          <ac:chgData name="Jonah Bertolino (Student)" userId="S::jonahbertolino@mines.edu::9e5659ea-b595-4c3b-9a51-e4ce62b2395f" providerId="AD" clId="Web-{04C64894-5397-A2BA-EE8E-98946C4C4F1F}" dt="2024-03-13T21:05:34.485" v="111"/>
+          <ac:spMkLst>
+            <pc:docMk/>
+            <pc:sldMk cId="1052766174" sldId="279"/>
+            <ac:spMk id="84" creationId="{E6995CE5-F890-4ABA-82A2-26507CE8D2A3}"/>
+          </ac:spMkLst>
+        </pc:spChg>
+        <pc:spChg chg="add">
+          <ac:chgData name="Jonah Bertolino (Student)" userId="S::jonahbertolino@mines.edu::9e5659ea-b595-4c3b-9a51-e4ce62b2395f" providerId="AD" clId="Web-{04C64894-5397-A2BA-EE8E-98946C4C4F1F}" dt="2024-03-13T21:05:34.485" v="111"/>
+          <ac:spMkLst>
+            <pc:docMk/>
+            <pc:sldMk cId="1052766174" sldId="279"/>
+            <ac:spMk id="86" creationId="{201CC55D-ED54-4C5C-95E6-10947BD1103B}"/>
+          </ac:spMkLst>
+        </pc:spChg>
+        <pc:spChg chg="add">
+          <ac:chgData name="Jonah Bertolino (Student)" userId="S::jonahbertolino@mines.edu::9e5659ea-b595-4c3b-9a51-e4ce62b2395f" providerId="AD" clId="Web-{04C64894-5397-A2BA-EE8E-98946C4C4F1F}" dt="2024-03-13T21:05:34.485" v="111"/>
+          <ac:spMkLst>
+            <pc:docMk/>
+            <pc:sldMk cId="1052766174" sldId="279"/>
+            <ac:spMk id="88" creationId="{3873B707-463F-40B0-8227-E8CC6C67EB25}"/>
+          </ac:spMkLst>
+        </pc:spChg>
+        <pc:spChg chg="add del">
+          <ac:chgData name="Jonah Bertolino (Student)" userId="S::jonahbertolino@mines.edu::9e5659ea-b595-4c3b-9a51-e4ce62b2395f" providerId="AD" clId="Web-{04C64894-5397-A2BA-EE8E-98946C4C4F1F}" dt="2024-03-13T21:05:05.328" v="101"/>
+          <ac:spMkLst>
+            <pc:docMk/>
+            <pc:sldMk cId="1052766174" sldId="279"/>
+            <ac:spMk id="89" creationId="{201CC55D-ED54-4C5C-95E6-10947BD1103B}"/>
+          </ac:spMkLst>
+        </pc:spChg>
+        <pc:spChg chg="add">
+          <ac:chgData name="Jonah Bertolino (Student)" userId="S::jonahbertolino@mines.edu::9e5659ea-b595-4c3b-9a51-e4ce62b2395f" providerId="AD" clId="Web-{04C64894-5397-A2BA-EE8E-98946C4C4F1F}" dt="2024-03-13T21:05:34.485" v="111"/>
+          <ac:spMkLst>
+            <pc:docMk/>
+            <pc:sldMk cId="1052766174" sldId="279"/>
+            <ac:spMk id="90" creationId="{C13237C8-E62C-4F0D-A318-BD6FB6C2D138}"/>
+          </ac:spMkLst>
+        </pc:spChg>
+        <pc:spChg chg="add del">
+          <ac:chgData name="Jonah Bertolino (Student)" userId="S::jonahbertolino@mines.edu::9e5659ea-b595-4c3b-9a51-e4ce62b2395f" providerId="AD" clId="Web-{04C64894-5397-A2BA-EE8E-98946C4C4F1F}" dt="2024-03-13T21:06:14.392" v="117"/>
+          <ac:spMkLst>
+            <pc:docMk/>
+            <pc:sldMk cId="1052766174" sldId="279"/>
+            <ac:spMk id="94" creationId="{19C9EAEA-39D0-4B0E-A0EB-51E7B26740B1}"/>
+          </ac:spMkLst>
+        </pc:spChg>
+        <pc:spChg chg="add del">
+          <ac:chgData name="Jonah Bertolino (Student)" userId="S::jonahbertolino@mines.edu::9e5659ea-b595-4c3b-9a51-e4ce62b2395f" providerId="AD" clId="Web-{04C64894-5397-A2BA-EE8E-98946C4C4F1F}" dt="2024-03-13T21:05:05.328" v="101"/>
+          <ac:spMkLst>
+            <pc:docMk/>
+            <pc:sldMk cId="1052766174" sldId="279"/>
+            <ac:spMk id="95" creationId="{3873B707-463F-40B0-8227-E8CC6C67EB25}"/>
+          </ac:spMkLst>
+        </pc:spChg>
+        <pc:spChg chg="add del">
+          <ac:chgData name="Jonah Bertolino (Student)" userId="S::jonahbertolino@mines.edu::9e5659ea-b595-4c3b-9a51-e4ce62b2395f" providerId="AD" clId="Web-{04C64894-5397-A2BA-EE8E-98946C4C4F1F}" dt="2024-03-13T21:05:05.328" v="101"/>
+          <ac:spMkLst>
+            <pc:docMk/>
+            <pc:sldMk cId="1052766174" sldId="279"/>
+            <ac:spMk id="97" creationId="{C13237C8-E62C-4F0D-A318-BD6FB6C2D138}"/>
+          </ac:spMkLst>
+        </pc:spChg>
+        <pc:spChg chg="add del">
+          <ac:chgData name="Jonah Bertolino (Student)" userId="S::jonahbertolino@mines.edu::9e5659ea-b595-4c3b-9a51-e4ce62b2395f" providerId="AD" clId="Web-{04C64894-5397-A2BA-EE8E-98946C4C4F1F}" dt="2024-03-13T21:05:05.328" v="101"/>
+          <ac:spMkLst>
+            <pc:docMk/>
+            <pc:sldMk cId="1052766174" sldId="279"/>
+            <ac:spMk id="99" creationId="{19C9EAEA-39D0-4B0E-A0EB-51E7B26740B1}"/>
+          </ac:spMkLst>
+        </pc:spChg>
+        <pc:grpChg chg="add del">
+          <ac:chgData name="Jonah Bertolino (Student)" userId="S::jonahbertolino@mines.edu::9e5659ea-b595-4c3b-9a51-e4ce62b2395f" providerId="AD" clId="Web-{04C64894-5397-A2BA-EE8E-98946C4C4F1F}" dt="2024-03-13T20:53:44.299" v="49"/>
+          <ac:grpSpMkLst>
+            <pc:docMk/>
+            <pc:sldMk cId="1052766174" sldId="279"/>
+            <ac:grpSpMk id="33" creationId="{54A1C8FD-E5B7-4BEC-A74A-A55FB8EA7CFE}"/>
+          </ac:grpSpMkLst>
+        </pc:grpChg>
+        <pc:grpChg chg="add del">
+          <ac:chgData name="Jonah Bertolino (Student)" userId="S::jonahbertolino@mines.edu::9e5659ea-b595-4c3b-9a51-e4ce62b2395f" providerId="AD" clId="Web-{04C64894-5397-A2BA-EE8E-98946C4C4F1F}" dt="2024-03-13T20:54:12.222" v="54"/>
+          <ac:grpSpMkLst>
+            <pc:docMk/>
+            <pc:sldMk cId="1052766174" sldId="279"/>
+            <ac:grpSpMk id="39" creationId="{8B60959F-9B69-4520-A16E-EA6BECC747D6}"/>
+          </ac:grpSpMkLst>
+        </pc:grpChg>
+        <pc:grpChg chg="add del">
+          <ac:chgData name="Jonah Bertolino (Student)" userId="S::jonahbertolino@mines.edu::9e5659ea-b595-4c3b-9a51-e4ce62b2395f" providerId="AD" clId="Web-{04C64894-5397-A2BA-EE8E-98946C4C4F1F}" dt="2024-03-13T20:54:57.269" v="59"/>
+          <ac:grpSpMkLst>
+            <pc:docMk/>
+            <pc:sldMk cId="1052766174" sldId="279"/>
+            <ac:grpSpMk id="52" creationId="{54A1C8FD-E5B7-4BEC-A74A-A55FB8EA7CFE}"/>
+          </ac:grpSpMkLst>
+        </pc:grpChg>
+        <pc:grpChg chg="add del">
+          <ac:chgData name="Jonah Bertolino (Student)" userId="S::jonahbertolino@mines.edu::9e5659ea-b595-4c3b-9a51-e4ce62b2395f" providerId="AD" clId="Web-{04C64894-5397-A2BA-EE8E-98946C4C4F1F}" dt="2024-03-13T21:04:01.858" v="90"/>
+          <ac:grpSpMkLst>
+            <pc:docMk/>
+            <pc:sldMk cId="1052766174" sldId="279"/>
+            <ac:grpSpMk id="69" creationId="{8B60959F-9B69-4520-A16E-EA6BECC747D6}"/>
+          </ac:grpSpMkLst>
+        </pc:grpChg>
+        <pc:grpChg chg="add">
+          <ac:chgData name="Jonah Bertolino (Student)" userId="S::jonahbertolino@mines.edu::9e5659ea-b595-4c3b-9a51-e4ce62b2395f" providerId="AD" clId="Web-{04C64894-5397-A2BA-EE8E-98946C4C4F1F}" dt="2024-03-13T21:05:34.485" v="111"/>
+          <ac:grpSpMkLst>
+            <pc:docMk/>
+            <pc:sldMk cId="1052766174" sldId="279"/>
+            <ac:grpSpMk id="87" creationId="{1DE889C7-FAD6-4397-98E2-05D503484459}"/>
+          </ac:grpSpMkLst>
+        </pc:grpChg>
+        <pc:grpChg chg="add del">
+          <ac:chgData name="Jonah Bertolino (Student)" userId="S::jonahbertolino@mines.edu::9e5659ea-b595-4c3b-9a51-e4ce62b2395f" providerId="AD" clId="Web-{04C64894-5397-A2BA-EE8E-98946C4C4F1F}" dt="2024-03-13T21:05:05.328" v="101"/>
+          <ac:grpSpMkLst>
+            <pc:docMk/>
+            <pc:sldMk cId="1052766174" sldId="279"/>
+            <ac:grpSpMk id="91" creationId="{1DE889C7-FAD6-4397-98E2-05D503484459}"/>
+          </ac:grpSpMkLst>
+        </pc:grpChg>
+        <pc:picChg chg="add del mod ord">
+          <ac:chgData name="Jonah Bertolino (Student)" userId="S::jonahbertolino@mines.edu::9e5659ea-b595-4c3b-9a51-e4ce62b2395f" providerId="AD" clId="Web-{04C64894-5397-A2BA-EE8E-98946C4C4F1F}" dt="2024-03-13T20:53:13.799" v="42"/>
+          <ac:picMkLst>
+            <pc:docMk/>
+            <pc:sldMk cId="1052766174" sldId="279"/>
+            <ac:picMk id="4" creationId="{74C737AD-9FEF-EF2B-9DC5-CC13C9EE6A7B}"/>
+          </ac:picMkLst>
+        </pc:picChg>
+        <pc:picChg chg="add del mod ord modCrop">
+          <ac:chgData name="Jonah Bertolino (Student)" userId="S::jonahbertolino@mines.edu::9e5659ea-b595-4c3b-9a51-e4ce62b2395f" providerId="AD" clId="Web-{04C64894-5397-A2BA-EE8E-98946C4C4F1F}" dt="2024-03-13T21:15:38.669" v="119"/>
+          <ac:picMkLst>
+            <pc:docMk/>
+            <pc:sldMk cId="1052766174" sldId="279"/>
+            <ac:picMk id="7" creationId="{2D93EF3F-33C1-EC24-201B-37A39E876B0A}"/>
+          </ac:picMkLst>
+        </pc:picChg>
+        <pc:picChg chg="add del mod ord">
+          <ac:chgData name="Jonah Bertolino (Student)" userId="S::jonahbertolino@mines.edu::9e5659ea-b595-4c3b-9a51-e4ce62b2395f" providerId="AD" clId="Web-{04C64894-5397-A2BA-EE8E-98946C4C4F1F}" dt="2024-03-13T20:56:04.224" v="64"/>
+          <ac:picMkLst>
+            <pc:docMk/>
+            <pc:sldMk cId="1052766174" sldId="279"/>
+            <ac:picMk id="8" creationId="{92684E06-8E73-FFA1-29F3-586A7E0B5667}"/>
+          </ac:picMkLst>
+        </pc:picChg>
+        <pc:picChg chg="add del mod ord">
+          <ac:chgData name="Jonah Bertolino (Student)" userId="S::jonahbertolino@mines.edu::9e5659ea-b595-4c3b-9a51-e4ce62b2395f" providerId="AD" clId="Web-{04C64894-5397-A2BA-EE8E-98946C4C4F1F}" dt="2024-03-13T21:05:32.219" v="110"/>
+          <ac:picMkLst>
+            <pc:docMk/>
+            <pc:sldMk cId="1052766174" sldId="279"/>
+            <ac:picMk id="14" creationId="{EA3ECBC4-1396-A3EE-EF8F-4CF4F6FE007E}"/>
+          </ac:picMkLst>
+        </pc:picChg>
+        <pc:picChg chg="add del mod ord">
+          <ac:chgData name="Jonah Bertolino (Student)" userId="S::jonahbertolino@mines.edu::9e5659ea-b595-4c3b-9a51-e4ce62b2395f" providerId="AD" clId="Web-{04C64894-5397-A2BA-EE8E-98946C4C4F1F}" dt="2024-03-13T21:05:46.235" v="113"/>
+          <ac:picMkLst>
+            <pc:docMk/>
+            <pc:sldMk cId="1052766174" sldId="279"/>
+            <ac:picMk id="17" creationId="{1A6ABD3E-EBC5-96B9-51B6-EA1E1D51C933}"/>
+          </ac:picMkLst>
+        </pc:picChg>
+        <pc:picChg chg="add mod modCrop">
+          <ac:chgData name="Jonah Bertolino (Student)" userId="S::jonahbertolino@mines.edu::9e5659ea-b595-4c3b-9a51-e4ce62b2395f" providerId="AD" clId="Web-{04C64894-5397-A2BA-EE8E-98946C4C4F1F}" dt="2024-03-13T21:16:19.482" v="127" actId="1076"/>
+          <ac:picMkLst>
+            <pc:docMk/>
+            <pc:sldMk cId="1052766174" sldId="279"/>
+            <ac:picMk id="18" creationId="{0A8B447F-A66F-0934-EF13-418B6913A925}"/>
+          </ac:picMkLst>
+        </pc:picChg>
+        <pc:cxnChg chg="add del">
+          <ac:chgData name="Jonah Bertolino (Student)" userId="S::jonahbertolino@mines.edu::9e5659ea-b595-4c3b-9a51-e4ce62b2395f" providerId="AD" clId="Web-{04C64894-5397-A2BA-EE8E-98946C4C4F1F}" dt="2024-03-13T20:53:40.877" v="47"/>
+          <ac:cxnSpMkLst>
+            <pc:docMk/>
+            <pc:sldMk cId="1052766174" sldId="279"/>
+            <ac:cxnSpMk id="29" creationId="{EE504C98-6397-41C1-A8D8-2D9C4ED307E0}"/>
+          </ac:cxnSpMkLst>
+        </pc:cxnChg>
+        <pc:cxnChg chg="add del">
+          <ac:chgData name="Jonah Bertolino (Student)" userId="S::jonahbertolino@mines.edu::9e5659ea-b595-4c3b-9a51-e4ce62b2395f" providerId="AD" clId="Web-{04C64894-5397-A2BA-EE8E-98946C4C4F1F}" dt="2024-03-13T20:53:40.877" v="47"/>
+          <ac:cxnSpMkLst>
+            <pc:docMk/>
+            <pc:sldMk cId="1052766174" sldId="279"/>
+            <ac:cxnSpMk id="30" creationId="{B7188D9B-1674-419B-A379-D1632A7EC3A2}"/>
+          </ac:cxnSpMkLst>
+        </pc:cxnChg>
+        <pc:cxnChg chg="add del">
+          <ac:chgData name="Jonah Bertolino (Student)" userId="S::jonahbertolino@mines.edu::9e5659ea-b595-4c3b-9a51-e4ce62b2395f" providerId="AD" clId="Web-{04C64894-5397-A2BA-EE8E-98946C4C4F1F}" dt="2024-03-13T20:54:12.206" v="53"/>
+          <ac:cxnSpMkLst>
+            <pc:docMk/>
+            <pc:sldMk cId="1052766174" sldId="279"/>
+            <ac:cxnSpMk id="47" creationId="{AC65C03C-3F17-45DC-A1B9-35ACA43397D4}"/>
+          </ac:cxnSpMkLst>
+        </pc:cxnChg>
+      </pc:sldChg>
+    </pc:docChg>
+  </pc:docChgLst>
+  <pc:docChgLst>
+    <pc:chgData name="Hunter Burnham (Student)" userId="e134f687-0b34-4f02-b471-2fa4d76ea700" providerId="ADAL" clId="{387E982F-AC20-48A9-A5D7-3E1105CE4D48}"/>
+    <pc:docChg chg="undo custSel addSld delSld modSld sldOrd">
+      <pc:chgData name="Hunter Burnham (Student)" userId="e134f687-0b34-4f02-b471-2fa4d76ea700" providerId="ADAL" clId="{387E982F-AC20-48A9-A5D7-3E1105CE4D48}" dt="2024-03-29T22:56:12.030" v="4165" actId="1076"/>
+      <pc:docMkLst>
+        <pc:docMk/>
+      </pc:docMkLst>
+      <pc:sldChg chg="addSp delSp modSp mod modMedia setBg delAnim">
+        <pc:chgData name="Hunter Burnham (Student)" userId="e134f687-0b34-4f02-b471-2fa4d76ea700" providerId="ADAL" clId="{387E982F-AC20-48A9-A5D7-3E1105CE4D48}" dt="2024-03-15T17:47:44.831" v="3894" actId="20577"/>
+        <pc:sldMkLst>
+          <pc:docMk/>
+          <pc:sldMk cId="234320675" sldId="256"/>
+        </pc:sldMkLst>
+        <pc:spChg chg="mod">
+          <ac:chgData name="Hunter Burnham (Student)" userId="e134f687-0b34-4f02-b471-2fa4d76ea700" providerId="ADAL" clId="{387E982F-AC20-48A9-A5D7-3E1105CE4D48}" dt="2024-03-15T17:47:33.387" v="3884" actId="14100"/>
+          <ac:spMkLst>
+            <pc:docMk/>
+            <pc:sldMk cId="234320675" sldId="256"/>
+            <ac:spMk id="2" creationId="{20F0F418-8CFC-AF03-63CD-F9449637605C}"/>
+          </ac:spMkLst>
+        </pc:spChg>
+        <pc:spChg chg="mod">
+          <ac:chgData name="Hunter Burnham (Student)" userId="e134f687-0b34-4f02-b471-2fa4d76ea700" providerId="ADAL" clId="{387E982F-AC20-48A9-A5D7-3E1105CE4D48}" dt="2024-03-15T17:47:44.831" v="3894" actId="20577"/>
+          <ac:spMkLst>
+            <pc:docMk/>
+            <pc:sldMk cId="234320675" sldId="256"/>
+            <ac:spMk id="3" creationId="{4DFAF4A9-F54B-F3A4-7967-31664984E776}"/>
+          </ac:spMkLst>
+        </pc:spChg>
+        <pc:spChg chg="add del">
+          <ac:chgData name="Hunter Burnham (Student)" userId="e134f687-0b34-4f02-b471-2fa4d76ea700" providerId="ADAL" clId="{387E982F-AC20-48A9-A5D7-3E1105CE4D48}" dt="2024-03-15T17:47:05.848" v="3876" actId="26606"/>
+          <ac:spMkLst>
+            <pc:docMk/>
+            <pc:sldMk cId="234320675" sldId="256"/>
+            <ac:spMk id="9" creationId="{716F42E0-28DF-4093-AFC5-CA01F54C8897}"/>
+          </ac:spMkLst>
+        </pc:spChg>
+        <pc:spChg chg="add del">
+          <ac:chgData name="Hunter Burnham (Student)" userId="e134f687-0b34-4f02-b471-2fa4d76ea700" providerId="ADAL" clId="{387E982F-AC20-48A9-A5D7-3E1105CE4D48}" dt="2024-03-15T17:47:05.848" v="3876" actId="26606"/>
+          <ac:spMkLst>
+            <pc:docMk/>
+            <pc:sldMk cId="234320675" sldId="256"/>
+            <ac:spMk id="11" creationId="{4063B759-00FC-46D1-9898-8E8625268FAF}"/>
+          </ac:spMkLst>
+        </pc:spChg>
+        <pc:spChg chg="add del">
+          <ac:chgData name="Hunter Burnham (Student)" userId="e134f687-0b34-4f02-b471-2fa4d76ea700" providerId="ADAL" clId="{387E982F-AC20-48A9-A5D7-3E1105CE4D48}" dt="2024-03-15T17:47:05.848" v="3876" actId="26606"/>
+          <ac:spMkLst>
+            <pc:docMk/>
+            <pc:sldMk cId="234320675" sldId="256"/>
+            <ac:spMk id="13" creationId="{D5B012D8-7F27-4758-9AC6-C889B154BD73}"/>
+          </ac:spMkLst>
+        </pc:spChg>
+        <pc:spChg chg="add">
+          <ac:chgData name="Hunter Burnham (Student)" userId="e134f687-0b34-4f02-b471-2fa4d76ea700" providerId="ADAL" clId="{387E982F-AC20-48A9-A5D7-3E1105CE4D48}" dt="2024-03-15T17:47:05.848" v="3876" actId="26606"/>
+          <ac:spMkLst>
+            <pc:docMk/>
+            <pc:sldMk cId="234320675" sldId="256"/>
+            <ac:spMk id="15" creationId="{934F1179-B481-4F9E-BCA3-AFB972070F83}"/>
+          </ac:spMkLst>
+        </pc:spChg>
+        <pc:spChg chg="add">
+          <ac:chgData name="Hunter Burnham (Student)" userId="e134f687-0b34-4f02-b471-2fa4d76ea700" providerId="ADAL" clId="{387E982F-AC20-48A9-A5D7-3E1105CE4D48}" dt="2024-03-15T17:47:05.848" v="3876" actId="26606"/>
+          <ac:spMkLst>
+            <pc:docMk/>
+            <pc:sldMk cId="234320675" sldId="256"/>
+            <ac:spMk id="16" creationId="{827DC2C4-B485-428A-BF4A-472D2967F47F}"/>
+          </ac:spMkLst>
+        </pc:spChg>
+        <pc:spChg chg="add del">
+          <ac:chgData name="Hunter Burnham (Student)" userId="e134f687-0b34-4f02-b471-2fa4d76ea700" providerId="ADAL" clId="{387E982F-AC20-48A9-A5D7-3E1105CE4D48}" dt="2024-03-13T21:07:57.867" v="3532" actId="26606"/>
+          <ac:spMkLst>
+            <pc:docMk/>
+            <pc:sldMk cId="234320675" sldId="256"/>
+            <ac:spMk id="18" creationId="{47942995-B07F-4636-9A06-C6A104B260A8}"/>
+          </ac:spMkLst>
+        </pc:spChg>
+        <pc:spChg chg="add">
+          <ac:chgData name="Hunter Burnham (Student)" userId="e134f687-0b34-4f02-b471-2fa4d76ea700" providerId="ADAL" clId="{387E982F-AC20-48A9-A5D7-3E1105CE4D48}" dt="2024-03-15T17:47:05.848" v="3876" actId="26606"/>
+          <ac:spMkLst>
+            <pc:docMk/>
+            <pc:sldMk cId="234320675" sldId="256"/>
+            <ac:spMk id="22" creationId="{EE04B5EB-F158-4507-90DD-BD23620C7CC9}"/>
+          </ac:spMkLst>
+        </pc:spChg>
+        <pc:spChg chg="add del">
+          <ac:chgData name="Hunter Burnham (Student)" userId="e134f687-0b34-4f02-b471-2fa4d76ea700" providerId="ADAL" clId="{387E982F-AC20-48A9-A5D7-3E1105CE4D48}" dt="2024-03-13T21:07:57.867" v="3532" actId="26606"/>
+          <ac:spMkLst>
+            <pc:docMk/>
+            <pc:sldMk cId="234320675" sldId="256"/>
+            <ac:spMk id="25" creationId="{B81933D1-5615-42C7-9C0B-4EB7105CCE2D}"/>
+          </ac:spMkLst>
+        </pc:spChg>
+        <pc:spChg chg="add del">
+          <ac:chgData name="Hunter Burnham (Student)" userId="e134f687-0b34-4f02-b471-2fa4d76ea700" providerId="ADAL" clId="{387E982F-AC20-48A9-A5D7-3E1105CE4D48}" dt="2024-03-13T21:07:57.867" v="3532" actId="26606"/>
+          <ac:spMkLst>
+            <pc:docMk/>
+            <pc:sldMk cId="234320675" sldId="256"/>
+            <ac:spMk id="27" creationId="{19C9EAEA-39D0-4B0E-A0EB-51E7B26740B1}"/>
+          </ac:spMkLst>
+        </pc:spChg>
+        <pc:grpChg chg="add del">
+          <ac:chgData name="Hunter Burnham (Student)" userId="e134f687-0b34-4f02-b471-2fa4d76ea700" providerId="ADAL" clId="{387E982F-AC20-48A9-A5D7-3E1105CE4D48}" dt="2024-03-13T21:07:57.867" v="3532" actId="26606"/>
+          <ac:grpSpMkLst>
+            <pc:docMk/>
+            <pc:sldMk cId="234320675" sldId="256"/>
+            <ac:grpSpMk id="20" creationId="{032D8612-31EB-44CF-A1D0-14FD4C705424}"/>
+          </ac:grpSpMkLst>
+        </pc:grpChg>
+        <pc:picChg chg="add del mod ord">
+          <ac:chgData name="Hunter Burnham (Student)" userId="e134f687-0b34-4f02-b471-2fa4d76ea700" providerId="ADAL" clId="{387E982F-AC20-48A9-A5D7-3E1105CE4D48}" dt="2024-03-15T17:46:36.462" v="3875" actId="21"/>
+          <ac:picMkLst>
+            <pc:docMk/>
+            <pc:sldMk cId="234320675" sldId="256"/>
+            <ac:picMk id="5" creationId="{7F43B5C3-611A-429E-C0DD-3F8BEFBB819D}"/>
+          </ac:picMkLst>
+        </pc:picChg>
+      </pc:sldChg>
+      <pc:sldChg chg="modSp del mod">
+        <pc:chgData name="Hunter Burnham (Student)" userId="e134f687-0b34-4f02-b471-2fa4d76ea700" providerId="ADAL" clId="{387E982F-AC20-48A9-A5D7-3E1105CE4D48}" dt="2024-03-13T20:57:28.059" v="3253" actId="2696"/>
+        <pc:sldMkLst>
+          <pc:docMk/>
+          <pc:sldMk cId="2116201992" sldId="257"/>
+        </pc:sldMkLst>
+        <pc:spChg chg="mod">
+          <ac:chgData name="Hunter Burnham (Student)" userId="e134f687-0b34-4f02-b471-2fa4d76ea700" providerId="ADAL" clId="{387E982F-AC20-48A9-A5D7-3E1105CE4D48}" dt="2024-03-10T21:42:00.791" v="322" actId="20577"/>
+          <ac:spMkLst>
+            <pc:docMk/>
+            <pc:sldMk cId="2116201992" sldId="257"/>
+            <ac:spMk id="2" creationId="{5DE2EB2F-13B1-E18C-7419-802122B6252C}"/>
+          </ac:spMkLst>
+        </pc:spChg>
+        <pc:spChg chg="mod">
+          <ac:chgData name="Hunter Burnham (Student)" userId="e134f687-0b34-4f02-b471-2fa4d76ea700" providerId="ADAL" clId="{387E982F-AC20-48A9-A5D7-3E1105CE4D48}" dt="2024-03-11T21:12:01.402" v="2030" actId="20577"/>
+          <ac:spMkLst>
+            <pc:docMk/>
+            <pc:sldMk cId="2116201992" sldId="257"/>
+            <ac:spMk id="3" creationId="{D46C8847-1CE6-DFDE-956F-4608305A5DC6}"/>
+          </ac:spMkLst>
+        </pc:spChg>
+      </pc:sldChg>
+      <pc:sldChg chg="modSp new mod">
+        <pc:chgData name="Hunter Burnham (Student)" userId="e134f687-0b34-4f02-b471-2fa4d76ea700" providerId="ADAL" clId="{387E982F-AC20-48A9-A5D7-3E1105CE4D48}" dt="2024-03-10T21:48:12.947" v="1208" actId="20577"/>
+        <pc:sldMkLst>
+          <pc:docMk/>
+          <pc:sldMk cId="572091724" sldId="258"/>
+        </pc:sldMkLst>
+        <pc:spChg chg="mod">
+          <ac:chgData name="Hunter Burnham (Student)" userId="e134f687-0b34-4f02-b471-2fa4d76ea700" providerId="ADAL" clId="{387E982F-AC20-48A9-A5D7-3E1105CE4D48}" dt="2024-03-10T21:39:39.850" v="126" actId="20577"/>
+          <ac:spMkLst>
+            <pc:docMk/>
+            <pc:sldMk cId="572091724" sldId="258"/>
+            <ac:spMk id="2" creationId="{F0E3B5F0-F703-3E5B-8F70-F125AC03285A}"/>
+          </ac:spMkLst>
+        </pc:spChg>
+        <pc:spChg chg="mod">
+          <ac:chgData name="Hunter Burnham (Student)" userId="e134f687-0b34-4f02-b471-2fa4d76ea700" providerId="ADAL" clId="{387E982F-AC20-48A9-A5D7-3E1105CE4D48}" dt="2024-03-10T21:48:12.947" v="1208" actId="20577"/>
+          <ac:spMkLst>
+            <pc:docMk/>
+            <pc:sldMk cId="572091724" sldId="258"/>
+            <ac:spMk id="3" creationId="{A196BE1C-312B-2E1D-77D0-B1BBB68FE8F2}"/>
+          </ac:spMkLst>
+        </pc:spChg>
+      </pc:sldChg>
+      <pc:sldChg chg="modSp del mod ord">
+        <pc:chgData name="Hunter Burnham (Student)" userId="e134f687-0b34-4f02-b471-2fa4d76ea700" providerId="ADAL" clId="{387E982F-AC20-48A9-A5D7-3E1105CE4D48}" dt="2024-03-13T21:05:53.127" v="3529" actId="2696"/>
+        <pc:sldMkLst>
+          <pc:docMk/>
+          <pc:sldMk cId="3372943132" sldId="259"/>
+        </pc:sldMkLst>
+        <pc:spChg chg="mod">
+          <ac:chgData name="Hunter Burnham (Student)" userId="e134f687-0b34-4f02-b471-2fa4d76ea700" providerId="ADAL" clId="{387E982F-AC20-48A9-A5D7-3E1105CE4D48}" dt="2024-03-10T21:40:40.749" v="182" actId="20577"/>
+          <ac:spMkLst>
+            <pc:docMk/>
+            <pc:sldMk cId="3372943132" sldId="259"/>
+            <ac:spMk id="2" creationId="{BEB5B745-96C1-51E4-7056-D9562589D0F5}"/>
+          </ac:spMkLst>
+        </pc:spChg>
+        <pc:spChg chg="mod">
+          <ac:chgData name="Hunter Burnham (Student)" userId="e134f687-0b34-4f02-b471-2fa4d76ea700" providerId="ADAL" clId="{387E982F-AC20-48A9-A5D7-3E1105CE4D48}" dt="2024-03-10T21:50:02.926" v="1270" actId="313"/>
+          <ac:spMkLst>
+            <pc:docMk/>
+            <pc:sldMk cId="3372943132" sldId="259"/>
+            <ac:spMk id="3" creationId="{00B45081-0BD4-AC98-E3FB-757FDF4BCC4C}"/>
+          </ac:spMkLst>
+        </pc:spChg>
+      </pc:sldChg>
+      <pc:sldChg chg="modSp new mod">
+        <pc:chgData name="Hunter Burnham (Student)" userId="e134f687-0b34-4f02-b471-2fa4d76ea700" providerId="ADAL" clId="{387E982F-AC20-48A9-A5D7-3E1105CE4D48}" dt="2024-03-10T21:45:55.502" v="836" actId="313"/>
+        <pc:sldMkLst>
+          <pc:docMk/>
+          <pc:sldMk cId="907987910" sldId="260"/>
+        </pc:sldMkLst>
+        <pc:spChg chg="mod">
+          <ac:chgData name="Hunter Burnham (Student)" userId="e134f687-0b34-4f02-b471-2fa4d76ea700" providerId="ADAL" clId="{387E982F-AC20-48A9-A5D7-3E1105CE4D48}" dt="2024-03-10T21:41:52.725" v="313" actId="20577"/>
+          <ac:spMkLst>
+            <pc:docMk/>
+            <pc:sldMk cId="907987910" sldId="260"/>
+            <ac:spMk id="2" creationId="{68F347CA-AC84-EF9D-06FA-C744906CD24A}"/>
+          </ac:spMkLst>
+        </pc:spChg>
+        <pc:spChg chg="mod">
+          <ac:chgData name="Hunter Burnham (Student)" userId="e134f687-0b34-4f02-b471-2fa4d76ea700" providerId="ADAL" clId="{387E982F-AC20-48A9-A5D7-3E1105CE4D48}" dt="2024-03-10T21:45:55.502" v="836" actId="313"/>
+          <ac:spMkLst>
+            <pc:docMk/>
+            <pc:sldMk cId="907987910" sldId="260"/>
+            <ac:spMk id="3" creationId="{F627CA05-FB38-7BCD-DA2E-437F6146B06B}"/>
+          </ac:spMkLst>
+        </pc:spChg>
+      </pc:sldChg>
+      <pc:sldChg chg="modSp mod">
+        <pc:chgData name="Hunter Burnham (Student)" userId="e134f687-0b34-4f02-b471-2fa4d76ea700" providerId="ADAL" clId="{387E982F-AC20-48A9-A5D7-3E1105CE4D48}" dt="2024-03-10T21:48:18.555" v="1210"/>
+        <pc:sldMkLst>
+          <pc:docMk/>
+          <pc:sldMk cId="3928215850" sldId="261"/>
+        </pc:sldMkLst>
+        <pc:spChg chg="mod">
+          <ac:chgData name="Hunter Burnham (Student)" userId="e134f687-0b34-4f02-b471-2fa4d76ea700" providerId="ADAL" clId="{387E982F-AC20-48A9-A5D7-3E1105CE4D48}" dt="2024-03-10T21:41:04.040" v="210" actId="20577"/>
+          <ac:spMkLst>
+            <pc:docMk/>
+            <pc:sldMk cId="3928215850" sldId="261"/>
+            <ac:spMk id="2" creationId="{FD5CBC22-CD60-DEC3-9B70-431914163214}"/>
+          </ac:spMkLst>
+        </pc:spChg>
+        <pc:spChg chg="mod">
+          <ac:chgData name="Hunter Burnham (Student)" userId="e134f687-0b34-4f02-b471-2fa4d76ea700" providerId="ADAL" clId="{387E982F-AC20-48A9-A5D7-3E1105CE4D48}" dt="2024-03-10T21:48:18.555" v="1210"/>
+          <ac:spMkLst>
+            <pc:docMk/>
+            <pc:sldMk cId="3928215850" sldId="261"/>
+            <ac:spMk id="3" creationId="{82E4FC8A-EAFF-352A-DBD5-537E16C616C2}"/>
+          </ac:spMkLst>
+        </pc:spChg>
+      </pc:sldChg>
+      <pc:sldChg chg="modSp new del mod">
+        <pc:chgData name="Hunter Burnham (Student)" userId="e134f687-0b34-4f02-b471-2fa4d76ea700" providerId="ADAL" clId="{387E982F-AC20-48A9-A5D7-3E1105CE4D48}" dt="2024-03-13T20:36:37.921" v="2529" actId="2696"/>
+        <pc:sldMkLst>
+          <pc:docMk/>
+          <pc:sldMk cId="3446202391" sldId="262"/>
+        </pc:sldMkLst>
+        <pc:spChg chg="mod">
+          <ac:chgData name="Hunter Burnham (Student)" userId="e134f687-0b34-4f02-b471-2fa4d76ea700" providerId="ADAL" clId="{387E982F-AC20-48A9-A5D7-3E1105CE4D48}" dt="2024-03-10T21:41:45.407" v="304" actId="20577"/>
+          <ac:spMkLst>
+            <pc:docMk/>
+            <pc:sldMk cId="3446202391" sldId="262"/>
+            <ac:spMk id="2" creationId="{468B33FC-5B50-2F21-E2B4-5EDC5DFC251A}"/>
+          </ac:spMkLst>
+        </pc:spChg>
+        <pc:spChg chg="mod">
+          <ac:chgData name="Hunter Burnham (Student)" userId="e134f687-0b34-4f02-b471-2fa4d76ea700" providerId="ADAL" clId="{387E982F-AC20-48A9-A5D7-3E1105CE4D48}" dt="2024-03-10T21:48:20.925" v="1212"/>
+          <ac:spMkLst>
+            <pc:docMk/>
+            <pc:sldMk cId="3446202391" sldId="262"/>
+            <ac:spMk id="3" creationId="{BAB3B5AD-7F8D-36AD-1390-9CEDC96A4C13}"/>
+          </ac:spMkLst>
+        </pc:spChg>
+      </pc:sldChg>
+      <pc:sldChg chg="modSp new mod modNotesTx">
+        <pc:chgData name="Hunter Burnham (Student)" userId="e134f687-0b34-4f02-b471-2fa4d76ea700" providerId="ADAL" clId="{387E982F-AC20-48A9-A5D7-3E1105CE4D48}" dt="2024-03-13T21:14:02.459" v="3823" actId="20577"/>
+        <pc:sldMkLst>
+          <pc:docMk/>
+          <pc:sldMk cId="2396793982" sldId="263"/>
+        </pc:sldMkLst>
+        <pc:spChg chg="mod">
+          <ac:chgData name="Hunter Burnham (Student)" userId="e134f687-0b34-4f02-b471-2fa4d76ea700" providerId="ADAL" clId="{387E982F-AC20-48A9-A5D7-3E1105CE4D48}" dt="2024-03-10T21:41:31.558" v="292" actId="20577"/>
+          <ac:spMkLst>
+            <pc:docMk/>
+            <pc:sldMk cId="2396793982" sldId="263"/>
+            <ac:spMk id="2" creationId="{6809C795-4042-CC5A-647E-5016B8E19E84}"/>
+          </ac:spMkLst>
+        </pc:spChg>
+        <pc:spChg chg="mod">
+          <ac:chgData name="Hunter Burnham (Student)" userId="e134f687-0b34-4f02-b471-2fa4d76ea700" providerId="ADAL" clId="{387E982F-AC20-48A9-A5D7-3E1105CE4D48}" dt="2024-03-13T21:12:04.240" v="3653" actId="27636"/>
+          <ac:spMkLst>
+            <pc:docMk/>
+            <pc:sldMk cId="2396793982" sldId="263"/>
+            <ac:spMk id="3" creationId="{A9AC157F-B5D5-20E2-9DA4-EA29118F63FC}"/>
+          </ac:spMkLst>
+        </pc:spChg>
+      </pc:sldChg>
+      <pc:sldChg chg="addSp delSp modSp new mod ord setBg modNotesTx">
+        <pc:chgData name="Hunter Burnham (Student)" userId="e134f687-0b34-4f02-b471-2fa4d76ea700" providerId="ADAL" clId="{387E982F-AC20-48A9-A5D7-3E1105CE4D48}" dt="2024-03-29T22:56:12.030" v="4165" actId="1076"/>
+        <pc:sldMkLst>
+          <pc:docMk/>
+          <pc:sldMk cId="3498185693" sldId="264"/>
+        </pc:sldMkLst>
+        <pc:spChg chg="mod">
+          <ac:chgData name="Hunter Burnham (Student)" userId="e134f687-0b34-4f02-b471-2fa4d76ea700" providerId="ADAL" clId="{387E982F-AC20-48A9-A5D7-3E1105CE4D48}" dt="2024-03-13T20:21:21.533" v="2181" actId="14100"/>
+          <ac:spMkLst>
+            <pc:docMk/>
+            <pc:sldMk cId="3498185693" sldId="264"/>
+            <ac:spMk id="2" creationId="{DAD4FEB1-1896-4D04-3477-F8E40CBA7E2E}"/>
+          </ac:spMkLst>
+        </pc:spChg>
+        <pc:spChg chg="mod ord">
+          <ac:chgData name="Hunter Burnham (Student)" userId="e134f687-0b34-4f02-b471-2fa4d76ea700" providerId="ADAL" clId="{387E982F-AC20-48A9-A5D7-3E1105CE4D48}" dt="2024-03-13T20:48:56.561" v="2843" actId="404"/>
+          <ac:spMkLst>
+            <pc:docMk/>
+            <pc:sldMk cId="3498185693" sldId="264"/>
+            <ac:spMk id="3" creationId="{37BDDD50-4114-09B9-F973-1B6A4E4252F3}"/>
+          </ac:spMkLst>
+        </pc:spChg>
+        <pc:spChg chg="add del">
+          <ac:chgData name="Hunter Burnham (Student)" userId="e134f687-0b34-4f02-b471-2fa4d76ea700" providerId="ADAL" clId="{387E982F-AC20-48A9-A5D7-3E1105CE4D48}" dt="2024-03-13T20:21:04.254" v="2176" actId="26606"/>
+          <ac:spMkLst>
+            <pc:docMk/>
+            <pc:sldMk cId="3498185693" sldId="264"/>
+            <ac:spMk id="11" creationId="{B712E947-0734-45F9-9C4F-41114EC3A33E}"/>
+          </ac:spMkLst>
+        </pc:spChg>
+        <pc:spChg chg="add">
+          <ac:chgData name="Hunter Burnham (Student)" userId="e134f687-0b34-4f02-b471-2fa4d76ea700" providerId="ADAL" clId="{387E982F-AC20-48A9-A5D7-3E1105CE4D48}" dt="2024-03-13T20:21:12.580" v="2179" actId="26606"/>
+          <ac:spMkLst>
+            <pc:docMk/>
+            <pc:sldMk cId="3498185693" sldId="264"/>
+            <ac:spMk id="15" creationId="{2C1BBA94-3F40-40AA-8BB9-E69E25E537C1}"/>
+          </ac:spMkLst>
+        </pc:spChg>
+        <pc:spChg chg="add">
+          <ac:chgData name="Hunter Burnham (Student)" userId="e134f687-0b34-4f02-b471-2fa4d76ea700" providerId="ADAL" clId="{387E982F-AC20-48A9-A5D7-3E1105CE4D48}" dt="2024-03-13T20:21:12.580" v="2179" actId="26606"/>
+          <ac:spMkLst>
+            <pc:docMk/>
+            <pc:sldMk cId="3498185693" sldId="264"/>
+            <ac:spMk id="17" creationId="{FE43805F-24A6-46A4-B19B-54F28347355C}"/>
+          </ac:spMkLst>
+        </pc:spChg>
+        <pc:spChg chg="add del">
+          <ac:chgData name="Hunter Burnham (Student)" userId="e134f687-0b34-4f02-b471-2fa4d76ea700" providerId="ADAL" clId="{387E982F-AC20-48A9-A5D7-3E1105CE4D48}" dt="2024-03-13T20:21:12.550" v="2178" actId="26606"/>
+          <ac:spMkLst>
+            <pc:docMk/>
+            <pc:sldMk cId="3498185693" sldId="264"/>
+            <ac:spMk id="18" creationId="{A51A0227-072A-4F5F-928C-E2C3E5CCD10C}"/>
+          </ac:spMkLst>
+        </pc:spChg>
+        <pc:spChg chg="add del">
+          <ac:chgData name="Hunter Burnham (Student)" userId="e134f687-0b34-4f02-b471-2fa4d76ea700" providerId="ADAL" clId="{387E982F-AC20-48A9-A5D7-3E1105CE4D48}" dt="2024-03-13T20:21:12.550" v="2178" actId="26606"/>
+          <ac:spMkLst>
+            <pc:docMk/>
+            <pc:sldMk cId="3498185693" sldId="264"/>
+            <ac:spMk id="19" creationId="{35D99776-4B38-47DF-A302-11AD9AF87ACA}"/>
+          </ac:spMkLst>
+        </pc:spChg>
+        <pc:spChg chg="add">
+          <ac:chgData name="Hunter Burnham (Student)" userId="e134f687-0b34-4f02-b471-2fa4d76ea700" providerId="ADAL" clId="{387E982F-AC20-48A9-A5D7-3E1105CE4D48}" dt="2024-03-13T20:21:12.580" v="2179" actId="26606"/>
+          <ac:spMkLst>
+            <pc:docMk/>
+            <pc:sldMk cId="3498185693" sldId="264"/>
+            <ac:spMk id="21" creationId="{1022CA72-2A63-428F-B586-37BA5AB6D265}"/>
+          </ac:spMkLst>
+        </pc:spChg>
+        <pc:spChg chg="add">
+          <ac:chgData name="Hunter Burnham (Student)" userId="e134f687-0b34-4f02-b471-2fa4d76ea700" providerId="ADAL" clId="{387E982F-AC20-48A9-A5D7-3E1105CE4D48}" dt="2024-03-13T20:21:12.580" v="2179" actId="26606"/>
+          <ac:spMkLst>
+            <pc:docMk/>
+            <pc:sldMk cId="3498185693" sldId="264"/>
+            <ac:spMk id="22" creationId="{95C8260E-968F-44E8-A823-ABB431311926}"/>
+          </ac:spMkLst>
+        </pc:spChg>
+        <pc:grpChg chg="add del">
+          <ac:chgData name="Hunter Burnham (Student)" userId="e134f687-0b34-4f02-b471-2fa4d76ea700" providerId="ADAL" clId="{387E982F-AC20-48A9-A5D7-3E1105CE4D48}" dt="2024-03-13T20:21:04.254" v="2176" actId="26606"/>
+          <ac:grpSpMkLst>
+            <pc:docMk/>
+            <pc:sldMk cId="3498185693" sldId="264"/>
+            <ac:grpSpMk id="13" creationId="{12B3290A-D3BF-4B87-B55B-FD9A98B49727}"/>
+          </ac:grpSpMkLst>
+        </pc:grpChg>
+        <pc:picChg chg="add mod ord modCrop">
+          <ac:chgData name="Hunter Burnham (Student)" userId="e134f687-0b34-4f02-b471-2fa4d76ea700" providerId="ADAL" clId="{387E982F-AC20-48A9-A5D7-3E1105CE4D48}" dt="2024-03-29T22:56:12.030" v="4165" actId="1076"/>
+          <ac:picMkLst>
+            <pc:docMk/>
+            <pc:sldMk cId="3498185693" sldId="264"/>
+            <ac:picMk id="5" creationId="{4D2F8233-C50F-2635-3B64-71690276E158}"/>
+          </ac:picMkLst>
+        </pc:picChg>
+        <pc:picChg chg="add mod">
+          <ac:chgData name="Hunter Burnham (Student)" userId="e134f687-0b34-4f02-b471-2fa4d76ea700" providerId="ADAL" clId="{387E982F-AC20-48A9-A5D7-3E1105CE4D48}" dt="2024-03-13T20:21:12.580" v="2179" actId="26606"/>
+          <ac:picMkLst>
+            <pc:docMk/>
+            <pc:sldMk cId="3498185693" sldId="264"/>
+            <ac:picMk id="6" creationId="{7C881784-BAA2-6642-FEDE-BD0866746B06}"/>
+          </ac:picMkLst>
+        </pc:picChg>
+      </pc:sldChg>
+      <pc:sldChg chg="addSp modSp new mod setBg modNotesTx">
+        <pc:chgData name="Hunter Burnham (Student)" userId="e134f687-0b34-4f02-b471-2fa4d76ea700" providerId="ADAL" clId="{387E982F-AC20-48A9-A5D7-3E1105CE4D48}" dt="2024-03-15T17:49:10.972" v="4047" actId="20577"/>
+        <pc:sldMkLst>
+          <pc:docMk/>
+          <pc:sldMk cId="4282433805" sldId="265"/>
+        </pc:sldMkLst>
+        <pc:spChg chg="mod">
+          <ac:chgData name="Hunter Burnham (Student)" userId="e134f687-0b34-4f02-b471-2fa4d76ea700" providerId="ADAL" clId="{387E982F-AC20-48A9-A5D7-3E1105CE4D48}" dt="2024-03-13T20:44:43.744" v="2760" actId="26606"/>
+          <ac:spMkLst>
+            <pc:docMk/>
+            <pc:sldMk cId="4282433805" sldId="265"/>
+            <ac:spMk id="2" creationId="{8D59BAEB-686B-076D-6F94-24AF33C43842}"/>
+          </ac:spMkLst>
+        </pc:spChg>
+        <pc:spChg chg="mod">
+          <ac:chgData name="Hunter Burnham (Student)" userId="e134f687-0b34-4f02-b471-2fa4d76ea700" providerId="ADAL" clId="{387E982F-AC20-48A9-A5D7-3E1105CE4D48}" dt="2024-03-13T20:44:43.744" v="2760" actId="26606"/>
+          <ac:spMkLst>
+            <pc:docMk/>
+            <pc:sldMk cId="4282433805" sldId="265"/>
+            <ac:spMk id="3" creationId="{61AA17EB-3313-5381-A3C4-8ACFAF2E635E}"/>
+          </ac:spMkLst>
+        </pc:spChg>
+        <pc:spChg chg="add">
+          <ac:chgData name="Hunter Burnham (Student)" userId="e134f687-0b34-4f02-b471-2fa4d76ea700" providerId="ADAL" clId="{387E982F-AC20-48A9-A5D7-3E1105CE4D48}" dt="2024-03-13T20:44:43.744" v="2760" actId="26606"/>
+          <ac:spMkLst>
+            <pc:docMk/>
+            <pc:sldMk cId="4282433805" sldId="265"/>
+            <ac:spMk id="10" creationId="{201CC55D-ED54-4C5C-95E6-10947BD1103B}"/>
+          </ac:spMkLst>
+        </pc:spChg>
+        <pc:spChg chg="add">
+          <ac:chgData name="Hunter Burnham (Student)" userId="e134f687-0b34-4f02-b471-2fa4d76ea700" providerId="ADAL" clId="{387E982F-AC20-48A9-A5D7-3E1105CE4D48}" dt="2024-03-13T20:44:43.744" v="2760" actId="26606"/>
+          <ac:spMkLst>
+            <pc:docMk/>
+            <pc:sldMk cId="4282433805" sldId="265"/>
+            <ac:spMk id="16" creationId="{3873B707-463F-40B0-8227-E8CC6C67EB25}"/>
+          </ac:spMkLst>
+        </pc:spChg>
+        <pc:spChg chg="add">
+          <ac:chgData name="Hunter Burnham (Student)" userId="e134f687-0b34-4f02-b471-2fa4d76ea700" providerId="ADAL" clId="{387E982F-AC20-48A9-A5D7-3E1105CE4D48}" dt="2024-03-13T20:44:43.744" v="2760" actId="26606"/>
+          <ac:spMkLst>
+            <pc:docMk/>
+            <pc:sldMk cId="4282433805" sldId="265"/>
+            <ac:spMk id="18" creationId="{C13237C8-E62C-4F0D-A318-BD6FB6C2D138}"/>
+          </ac:spMkLst>
+        </pc:spChg>
+        <pc:spChg chg="add">
+          <ac:chgData name="Hunter Burnham (Student)" userId="e134f687-0b34-4f02-b471-2fa4d76ea700" providerId="ADAL" clId="{387E982F-AC20-48A9-A5D7-3E1105CE4D48}" dt="2024-03-13T20:44:43.744" v="2760" actId="26606"/>
+          <ac:spMkLst>
+            <pc:docMk/>
+            <pc:sldMk cId="4282433805" sldId="265"/>
+            <ac:spMk id="20" creationId="{19C9EAEA-39D0-4B0E-A0EB-51E7B26740B1}"/>
+          </ac:spMkLst>
+        </pc:spChg>
+        <pc:grpChg chg="add">
+          <ac:chgData name="Hunter Burnham (Student)" userId="e134f687-0b34-4f02-b471-2fa4d76ea700" providerId="ADAL" clId="{387E982F-AC20-48A9-A5D7-3E1105CE4D48}" dt="2024-03-13T20:44:43.744" v="2760" actId="26606"/>
+          <ac:grpSpMkLst>
+            <pc:docMk/>
+            <pc:sldMk cId="4282433805" sldId="265"/>
+            <ac:grpSpMk id="12" creationId="{1DE889C7-FAD6-4397-98E2-05D503484459}"/>
+          </ac:grpSpMkLst>
+        </pc:grpChg>
+        <pc:picChg chg="add mod modCrop">
+          <ac:chgData name="Hunter Burnham (Student)" userId="e134f687-0b34-4f02-b471-2fa4d76ea700" providerId="ADAL" clId="{387E982F-AC20-48A9-A5D7-3E1105CE4D48}" dt="2024-03-13T20:44:43.744" v="2760" actId="26606"/>
+          <ac:picMkLst>
+            <pc:docMk/>
+            <pc:sldMk cId="4282433805" sldId="265"/>
+            <ac:picMk id="5" creationId="{47716B5C-88D7-AF78-4D9F-38DA4FA92620}"/>
+          </ac:picMkLst>
+        </pc:picChg>
+      </pc:sldChg>
+      <pc:sldChg chg="addSp delSp modSp new mod setBg modNotesTx">
+        <pc:chgData name="Hunter Burnham (Student)" userId="e134f687-0b34-4f02-b471-2fa4d76ea700" providerId="ADAL" clId="{387E982F-AC20-48A9-A5D7-3E1105CE4D48}" dt="2024-03-15T17:48:17.666" v="3900" actId="20577"/>
+        <pc:sldMkLst>
+          <pc:docMk/>
+          <pc:sldMk cId="2592547000" sldId="266"/>
+        </pc:sldMkLst>
+        <pc:spChg chg="mod">
+          <ac:chgData name="Hunter Burnham (Student)" userId="e134f687-0b34-4f02-b471-2fa4d76ea700" providerId="ADAL" clId="{387E982F-AC20-48A9-A5D7-3E1105CE4D48}" dt="2024-03-13T21:07:38.683" v="3530" actId="26606"/>
+          <ac:spMkLst>
+            <pc:docMk/>
+            <pc:sldMk cId="2592547000" sldId="266"/>
+            <ac:spMk id="2" creationId="{82D7485C-C17E-097C-D99E-2E410B176E92}"/>
+          </ac:spMkLst>
+        </pc:spChg>
+        <pc:spChg chg="mod ord">
+          <ac:chgData name="Hunter Burnham (Student)" userId="e134f687-0b34-4f02-b471-2fa4d76ea700" providerId="ADAL" clId="{387E982F-AC20-48A9-A5D7-3E1105CE4D48}" dt="2024-03-13T21:07:38.683" v="3530" actId="26606"/>
+          <ac:spMkLst>
+            <pc:docMk/>
+            <pc:sldMk cId="2592547000" sldId="266"/>
+            <ac:spMk id="3" creationId="{CB0820ED-CB43-CA76-310F-14DE183269CB}"/>
+          </ac:spMkLst>
+        </pc:spChg>
+        <pc:spChg chg="add del">
+          <ac:chgData name="Hunter Burnham (Student)" userId="e134f687-0b34-4f02-b471-2fa4d76ea700" providerId="ADAL" clId="{387E982F-AC20-48A9-A5D7-3E1105CE4D48}" dt="2024-03-13T21:07:38.683" v="3530" actId="26606"/>
+          <ac:spMkLst>
+            <pc:docMk/>
+            <pc:sldMk cId="2592547000" sldId="266"/>
+            <ac:spMk id="9" creationId="{7ED7575E-88D2-B771-681D-46A7E55415DD}"/>
+          </ac:spMkLst>
+        </pc:spChg>
+        <pc:spChg chg="add">
+          <ac:chgData name="Hunter Burnham (Student)" userId="e134f687-0b34-4f02-b471-2fa4d76ea700" providerId="ADAL" clId="{387E982F-AC20-48A9-A5D7-3E1105CE4D48}" dt="2024-03-13T21:07:38.683" v="3530" actId="26606"/>
+          <ac:spMkLst>
+            <pc:docMk/>
+            <pc:sldMk cId="2592547000" sldId="266"/>
+            <ac:spMk id="16" creationId="{DBC6133C-0615-4CE4-9132-37E609A9BDFA}"/>
+          </ac:spMkLst>
+        </pc:spChg>
+        <pc:spChg chg="add">
+          <ac:chgData name="Hunter Burnham (Student)" userId="e134f687-0b34-4f02-b471-2fa4d76ea700" providerId="ADAL" clId="{387E982F-AC20-48A9-A5D7-3E1105CE4D48}" dt="2024-03-13T21:07:38.683" v="3530" actId="26606"/>
+          <ac:spMkLst>
+            <pc:docMk/>
+            <pc:sldMk cId="2592547000" sldId="266"/>
+            <ac:spMk id="18" creationId="{169CC832-2974-4E8D-90ED-3E2941BA7336}"/>
+          </ac:spMkLst>
+        </pc:spChg>
+        <pc:spChg chg="add">
+          <ac:chgData name="Hunter Burnham (Student)" userId="e134f687-0b34-4f02-b471-2fa4d76ea700" providerId="ADAL" clId="{387E982F-AC20-48A9-A5D7-3E1105CE4D48}" dt="2024-03-13T21:07:38.683" v="3530" actId="26606"/>
+          <ac:spMkLst>
+            <pc:docMk/>
+            <pc:sldMk cId="2592547000" sldId="266"/>
+            <ac:spMk id="20" creationId="{55222F96-971A-4F90-B841-6BAB416C7AC1}"/>
+          </ac:spMkLst>
+        </pc:spChg>
+        <pc:spChg chg="add">
+          <ac:chgData name="Hunter Burnham (Student)" userId="e134f687-0b34-4f02-b471-2fa4d76ea700" providerId="ADAL" clId="{387E982F-AC20-48A9-A5D7-3E1105CE4D48}" dt="2024-03-13T21:07:38.683" v="3530" actId="26606"/>
+          <ac:spMkLst>
+            <pc:docMk/>
+            <pc:sldMk cId="2592547000" sldId="266"/>
+            <ac:spMk id="22" creationId="{08980754-6F4B-43C9-B9BE-127B6BED6586}"/>
+          </ac:spMkLst>
+        </pc:spChg>
+        <pc:spChg chg="add">
+          <ac:chgData name="Hunter Burnham (Student)" userId="e134f687-0b34-4f02-b471-2fa4d76ea700" providerId="ADAL" clId="{387E982F-AC20-48A9-A5D7-3E1105CE4D48}" dt="2024-03-13T21:07:38.683" v="3530" actId="26606"/>
+          <ac:spMkLst>
+            <pc:docMk/>
+            <pc:sldMk cId="2592547000" sldId="266"/>
+            <ac:spMk id="24" creationId="{2C1BBA94-3F40-40AA-8BB9-E69E25E537C1}"/>
+          </ac:spMkLst>
+        </pc:spChg>
+        <pc:picChg chg="mod ord">
+          <ac:chgData name="Hunter Burnham (Student)" userId="e134f687-0b34-4f02-b471-2fa4d76ea700" providerId="ADAL" clId="{387E982F-AC20-48A9-A5D7-3E1105CE4D48}" dt="2024-03-13T21:07:38.683" v="3530" actId="26606"/>
+          <ac:picMkLst>
+            <pc:docMk/>
+            <pc:sldMk cId="2592547000" sldId="266"/>
+            <ac:picMk id="4" creationId="{4B28B800-C4CA-98CC-6CED-42EDF0D9E55E}"/>
+          </ac:picMkLst>
+        </pc:picChg>
+        <pc:cxnChg chg="add del">
+          <ac:chgData name="Hunter Burnham (Student)" userId="e134f687-0b34-4f02-b471-2fa4d76ea700" providerId="ADAL" clId="{387E982F-AC20-48A9-A5D7-3E1105CE4D48}" dt="2024-03-13T21:07:38.683" v="3530" actId="26606"/>
+          <ac:cxnSpMkLst>
+            <pc:docMk/>
+            <pc:sldMk cId="2592547000" sldId="266"/>
+            <ac:cxnSpMk id="11" creationId="{249EDD1B-F94D-B4E6-ACAA-566B9A26FDE3}"/>
+          </ac:cxnSpMkLst>
+        </pc:cxnChg>
+      </pc:sldChg>
+      <pc:sldChg chg="modSp">
+        <pc:chgData name="Hunter Burnham (Student)" userId="e134f687-0b34-4f02-b471-2fa4d76ea700" providerId="ADAL" clId="{387E982F-AC20-48A9-A5D7-3E1105CE4D48}" dt="2024-03-29T22:55:49.743" v="4164" actId="1076"/>
+        <pc:sldMkLst>
+          <pc:docMk/>
+          <pc:sldMk cId="675645111" sldId="267"/>
+        </pc:sldMkLst>
+        <pc:picChg chg="mod">
+          <ac:chgData name="Hunter Burnham (Student)" userId="e134f687-0b34-4f02-b471-2fa4d76ea700" providerId="ADAL" clId="{387E982F-AC20-48A9-A5D7-3E1105CE4D48}" dt="2024-03-29T22:55:49.743" v="4164" actId="1076"/>
+          <ac:picMkLst>
+            <pc:docMk/>
+            <pc:sldMk cId="675645111" sldId="267"/>
+            <ac:picMk id="1026" creationId="{76649751-B4BA-7B14-88E7-8BF7D1F4716D}"/>
+          </ac:picMkLst>
+        </pc:picChg>
+      </pc:sldChg>
+      <pc:sldChg chg="addSp delSp modSp mod setBg">
+        <pc:chgData name="Hunter Burnham (Student)" userId="e134f687-0b34-4f02-b471-2fa4d76ea700" providerId="ADAL" clId="{387E982F-AC20-48A9-A5D7-3E1105CE4D48}" dt="2024-03-13T20:59:36.972" v="3269" actId="1076"/>
+        <pc:sldMkLst>
+          <pc:docMk/>
+          <pc:sldMk cId="3085835959" sldId="268"/>
+        </pc:sldMkLst>
+        <pc:spChg chg="mod">
+          <ac:chgData name="Hunter Burnham (Student)" userId="e134f687-0b34-4f02-b471-2fa4d76ea700" providerId="ADAL" clId="{387E982F-AC20-48A9-A5D7-3E1105CE4D48}" dt="2024-03-13T20:59:07.041" v="3257" actId="26606"/>
+          <ac:spMkLst>
+            <pc:docMk/>
+            <pc:sldMk cId="3085835959" sldId="268"/>
+            <ac:spMk id="2" creationId="{E0D42B90-D36E-F541-0DA9-D3AE86A9CC81}"/>
+          </ac:spMkLst>
+        </pc:spChg>
+        <pc:spChg chg="mod">
+          <ac:chgData name="Hunter Burnham (Student)" userId="e134f687-0b34-4f02-b471-2fa4d76ea700" providerId="ADAL" clId="{387E982F-AC20-48A9-A5D7-3E1105CE4D48}" dt="2024-03-13T20:59:13.116" v="3259" actId="14100"/>
+          <ac:spMkLst>
+            <pc:docMk/>
+            <pc:sldMk cId="3085835959" sldId="268"/>
+            <ac:spMk id="3" creationId="{6B3CF716-4EFA-6566-2DC6-AC662E3D731E}"/>
+          </ac:spMkLst>
+        </pc:spChg>
+        <pc:spChg chg="add del">
+          <ac:chgData name="Hunter Burnham (Student)" userId="e134f687-0b34-4f02-b471-2fa4d76ea700" providerId="ADAL" clId="{387E982F-AC20-48A9-A5D7-3E1105CE4D48}" dt="2024-03-13T20:59:07.041" v="3257" actId="26606"/>
+          <ac:spMkLst>
+            <pc:docMk/>
+            <pc:sldMk cId="3085835959" sldId="268"/>
+            <ac:spMk id="8" creationId="{DBC6133C-0615-4CE4-9132-37E609A9BDFA}"/>
+          </ac:spMkLst>
+        </pc:spChg>
+        <pc:spChg chg="add del">
+          <ac:chgData name="Hunter Burnham (Student)" userId="e134f687-0b34-4f02-b471-2fa4d76ea700" providerId="ADAL" clId="{387E982F-AC20-48A9-A5D7-3E1105CE4D48}" dt="2024-03-13T20:59:07.041" v="3257" actId="26606"/>
+          <ac:spMkLst>
+            <pc:docMk/>
+            <pc:sldMk cId="3085835959" sldId="268"/>
+            <ac:spMk id="9" creationId="{169CC832-2974-4E8D-90ED-3E2941BA7336}"/>
+          </ac:spMkLst>
+        </pc:spChg>
+        <pc:spChg chg="add del">
+          <ac:chgData name="Hunter Burnham (Student)" userId="e134f687-0b34-4f02-b471-2fa4d76ea700" providerId="ADAL" clId="{387E982F-AC20-48A9-A5D7-3E1105CE4D48}" dt="2024-03-13T20:59:07.041" v="3257" actId="26606"/>
+          <ac:spMkLst>
+            <pc:docMk/>
+            <pc:sldMk cId="3085835959" sldId="268"/>
+            <ac:spMk id="10" creationId="{55222F96-971A-4F90-B841-6BAB416C7AC1}"/>
+          </ac:spMkLst>
+        </pc:spChg>
+        <pc:spChg chg="add del">
+          <ac:chgData name="Hunter Burnham (Student)" userId="e134f687-0b34-4f02-b471-2fa4d76ea700" providerId="ADAL" clId="{387E982F-AC20-48A9-A5D7-3E1105CE4D48}" dt="2024-03-13T20:59:07.041" v="3257" actId="26606"/>
+          <ac:spMkLst>
+            <pc:docMk/>
+            <pc:sldMk cId="3085835959" sldId="268"/>
+            <ac:spMk id="17" creationId="{08980754-6F4B-43C9-B9BE-127B6BED6586}"/>
+          </ac:spMkLst>
+        </pc:spChg>
+        <pc:spChg chg="add del">
+          <ac:chgData name="Hunter Burnham (Student)" userId="e134f687-0b34-4f02-b471-2fa4d76ea700" providerId="ADAL" clId="{387E982F-AC20-48A9-A5D7-3E1105CE4D48}" dt="2024-03-13T20:59:07.041" v="3257" actId="26606"/>
+          <ac:spMkLst>
+            <pc:docMk/>
+            <pc:sldMk cId="3085835959" sldId="268"/>
+            <ac:spMk id="19" creationId="{2C1BBA94-3F40-40AA-8BB9-E69E25E537C1}"/>
+          </ac:spMkLst>
+        </pc:spChg>
+        <pc:spChg chg="add">
+          <ac:chgData name="Hunter Burnham (Student)" userId="e134f687-0b34-4f02-b471-2fa4d76ea700" providerId="ADAL" clId="{387E982F-AC20-48A9-A5D7-3E1105CE4D48}" dt="2024-03-13T20:59:07.041" v="3257" actId="26606"/>
+          <ac:spMkLst>
+            <pc:docMk/>
+            <pc:sldMk cId="3085835959" sldId="268"/>
+            <ac:spMk id="24" creationId="{058A14AF-9FB5-4CC7-BA35-E8E85D3EDF0E}"/>
+          </ac:spMkLst>
+        </pc:spChg>
+        <pc:spChg chg="add">
+          <ac:chgData name="Hunter Burnham (Student)" userId="e134f687-0b34-4f02-b471-2fa4d76ea700" providerId="ADAL" clId="{387E982F-AC20-48A9-A5D7-3E1105CE4D48}" dt="2024-03-13T20:59:07.041" v="3257" actId="26606"/>
+          <ac:spMkLst>
+            <pc:docMk/>
+            <pc:sldMk cId="3085835959" sldId="268"/>
+            <ac:spMk id="26" creationId="{3A9A4357-BD1D-4622-A4FE-766E6AB8DE84}"/>
+          </ac:spMkLst>
+        </pc:spChg>
+        <pc:spChg chg="add">
+          <ac:chgData name="Hunter Burnham (Student)" userId="e134f687-0b34-4f02-b471-2fa4d76ea700" providerId="ADAL" clId="{387E982F-AC20-48A9-A5D7-3E1105CE4D48}" dt="2024-03-13T20:59:07.041" v="3257" actId="26606"/>
+          <ac:spMkLst>
+            <pc:docMk/>
+            <pc:sldMk cId="3085835959" sldId="268"/>
+            <ac:spMk id="28" creationId="{E659831F-0D9A-4C63-9EBB-8435B85A440F}"/>
+          </ac:spMkLst>
+        </pc:spChg>
+        <pc:spChg chg="add">
+          <ac:chgData name="Hunter Burnham (Student)" userId="e134f687-0b34-4f02-b471-2fa4d76ea700" providerId="ADAL" clId="{387E982F-AC20-48A9-A5D7-3E1105CE4D48}" dt="2024-03-13T20:59:07.041" v="3257" actId="26606"/>
+          <ac:spMkLst>
+            <pc:docMk/>
+            <pc:sldMk cId="3085835959" sldId="268"/>
+            <ac:spMk id="30" creationId="{E6995CE5-F890-4ABA-82A2-26507CE8D2A3}"/>
+          </ac:spMkLst>
+        </pc:spChg>
+        <pc:picChg chg="del">
+          <ac:chgData name="Hunter Burnham (Student)" userId="e134f687-0b34-4f02-b471-2fa4d76ea700" providerId="ADAL" clId="{387E982F-AC20-48A9-A5D7-3E1105CE4D48}" dt="2024-03-13T20:20:16.883" v="2172" actId="21"/>
+          <ac:picMkLst>
+            <pc:docMk/>
+            <pc:sldMk cId="3085835959" sldId="268"/>
+            <ac:picMk id="4" creationId="{7C881784-BAA2-6642-FEDE-BD0866746B06}"/>
+          </ac:picMkLst>
+        </pc:picChg>
+        <pc:picChg chg="mod">
+          <ac:chgData name="Hunter Burnham (Student)" userId="e134f687-0b34-4f02-b471-2fa4d76ea700" providerId="ADAL" clId="{387E982F-AC20-48A9-A5D7-3E1105CE4D48}" dt="2024-03-13T20:59:36.972" v="3269" actId="1076"/>
+          <ac:picMkLst>
+            <pc:docMk/>
+            <pc:sldMk cId="3085835959" sldId="268"/>
+            <ac:picMk id="6" creationId="{08766FB1-FF95-115A-0305-FB1958240F74}"/>
+          </ac:picMkLst>
+        </pc:picChg>
+      </pc:sldChg>
+      <pc:sldChg chg="addSp delSp modSp new mod setBg modNotesTx">
+        <pc:chgData name="Hunter Burnham (Student)" userId="e134f687-0b34-4f02-b471-2fa4d76ea700" providerId="ADAL" clId="{387E982F-AC20-48A9-A5D7-3E1105CE4D48}" dt="2024-03-15T17:48:52.456" v="3991" actId="20577"/>
+        <pc:sldMkLst>
+          <pc:docMk/>
+          <pc:sldMk cId="2002257491" sldId="277"/>
+        </pc:sldMkLst>
+        <pc:spChg chg="mod">
+          <ac:chgData name="Hunter Burnham (Student)" userId="e134f687-0b34-4f02-b471-2fa4d76ea700" providerId="ADAL" clId="{387E982F-AC20-48A9-A5D7-3E1105CE4D48}" dt="2024-03-13T20:35:20.782" v="2526" actId="26606"/>
+          <ac:spMkLst>
+            <pc:docMk/>
+            <pc:sldMk cId="2002257491" sldId="277"/>
+            <ac:spMk id="2" creationId="{67AE8871-96B2-0FB7-216F-2AE202108C5C}"/>
+          </ac:spMkLst>
+        </pc:spChg>
+        <pc:spChg chg="mod">
+          <ac:chgData name="Hunter Burnham (Student)" userId="e134f687-0b34-4f02-b471-2fa4d76ea700" providerId="ADAL" clId="{387E982F-AC20-48A9-A5D7-3E1105CE4D48}" dt="2024-03-13T20:35:20.782" v="2526" actId="26606"/>
+          <ac:spMkLst>
+            <pc:docMk/>
+            <pc:sldMk cId="2002257491" sldId="277"/>
+            <ac:spMk id="3" creationId="{6ADD6E1A-EFCF-E7F9-5CDE-7EB9AB725A6D}"/>
+          </ac:spMkLst>
+        </pc:spChg>
+        <pc:spChg chg="add del">
+          <ac:chgData name="Hunter Burnham (Student)" userId="e134f687-0b34-4f02-b471-2fa4d76ea700" providerId="ADAL" clId="{387E982F-AC20-48A9-A5D7-3E1105CE4D48}" dt="2024-03-13T20:34:27.552" v="2511" actId="26606"/>
+          <ac:spMkLst>
+            <pc:docMk/>
+            <pc:sldMk cId="2002257491" sldId="277"/>
+            <ac:spMk id="9" creationId="{F13C74B1-5B17-4795-BED0-7140497B445A}"/>
+          </ac:spMkLst>
+        </pc:spChg>
+        <pc:spChg chg="add del">
+          <ac:chgData name="Hunter Burnham (Student)" userId="e134f687-0b34-4f02-b471-2fa4d76ea700" providerId="ADAL" clId="{387E982F-AC20-48A9-A5D7-3E1105CE4D48}" dt="2024-03-13T20:34:27.552" v="2511" actId="26606"/>
+          <ac:spMkLst>
+            <pc:docMk/>
+            <pc:sldMk cId="2002257491" sldId="277"/>
+            <ac:spMk id="11" creationId="{D4974D33-8DC5-464E-8C6D-BE58F0669C17}"/>
+          </ac:spMkLst>
+        </pc:spChg>
+        <pc:spChg chg="add del">
+          <ac:chgData name="Hunter Burnham (Student)" userId="e134f687-0b34-4f02-b471-2fa4d76ea700" providerId="ADAL" clId="{387E982F-AC20-48A9-A5D7-3E1105CE4D48}" dt="2024-03-13T20:34:38.222" v="2513" actId="26606"/>
+          <ac:spMkLst>
+            <pc:docMk/>
+            <pc:sldMk cId="2002257491" sldId="277"/>
+            <ac:spMk id="13" creationId="{C0763A76-9F1C-4FC5-82B7-DD475DA461B2}"/>
+          </ac:spMkLst>
+        </pc:spChg>
+        <pc:spChg chg="add del">
+          <ac:chgData name="Hunter Burnham (Student)" userId="e134f687-0b34-4f02-b471-2fa4d76ea700" providerId="ADAL" clId="{387E982F-AC20-48A9-A5D7-3E1105CE4D48}" dt="2024-03-13T20:34:38.222" v="2513" actId="26606"/>
+          <ac:spMkLst>
+            <pc:docMk/>
+            <pc:sldMk cId="2002257491" sldId="277"/>
+            <ac:spMk id="14" creationId="{E81BF4F6-F2CF-4984-9D14-D6966D92F99F}"/>
+          </ac:spMkLst>
+        </pc:spChg>
+        <pc:spChg chg="add del">
+          <ac:chgData name="Hunter Burnham (Student)" userId="e134f687-0b34-4f02-b471-2fa4d76ea700" providerId="ADAL" clId="{387E982F-AC20-48A9-A5D7-3E1105CE4D48}" dt="2024-03-13T20:34:39.307" v="2515" actId="26606"/>
+          <ac:spMkLst>
+            <pc:docMk/>
+            <pc:sldMk cId="2002257491" sldId="277"/>
+            <ac:spMk id="15" creationId="{4A62647B-1222-407C-8740-5A497612B1F5}"/>
+          </ac:spMkLst>
+        </pc:spChg>
+        <pc:spChg chg="add del">
+          <ac:chgData name="Hunter Burnham (Student)" userId="e134f687-0b34-4f02-b471-2fa4d76ea700" providerId="ADAL" clId="{387E982F-AC20-48A9-A5D7-3E1105CE4D48}" dt="2024-03-13T20:34:39.307" v="2515" actId="26606"/>
+          <ac:spMkLst>
+            <pc:docMk/>
+            <pc:sldMk cId="2002257491" sldId="277"/>
+            <ac:spMk id="16" creationId="{19D32F93-50AC-4C46-A5DB-291C60DDB7BD}"/>
+          </ac:spMkLst>
+        </pc:spChg>
+        <pc:spChg chg="add del">
+          <ac:chgData name="Hunter Burnham (Student)" userId="e134f687-0b34-4f02-b471-2fa4d76ea700" providerId="ADAL" clId="{387E982F-AC20-48A9-A5D7-3E1105CE4D48}" dt="2024-03-13T20:34:39.307" v="2515" actId="26606"/>
+          <ac:spMkLst>
+            <pc:docMk/>
+            <pc:sldMk cId="2002257491" sldId="277"/>
+            <ac:spMk id="17" creationId="{86FD7672-78BE-4D6F-A711-2CDB79B52DFF}"/>
+          </ac:spMkLst>
+        </pc:spChg>
+        <pc:spChg chg="add del">
+          <ac:chgData name="Hunter Burnham (Student)" userId="e134f687-0b34-4f02-b471-2fa4d76ea700" providerId="ADAL" clId="{387E982F-AC20-48A9-A5D7-3E1105CE4D48}" dt="2024-03-13T20:34:39.307" v="2515" actId="26606"/>
+          <ac:spMkLst>
+            <pc:docMk/>
+            <pc:sldMk cId="2002257491" sldId="277"/>
+            <ac:spMk id="18" creationId="{827DC2C4-B485-428A-BF4A-472D2967F47F}"/>
+          </ac:spMkLst>
+        </pc:spChg>
+        <pc:spChg chg="add del">
+          <ac:chgData name="Hunter Burnham (Student)" userId="e134f687-0b34-4f02-b471-2fa4d76ea700" providerId="ADAL" clId="{387E982F-AC20-48A9-A5D7-3E1105CE4D48}" dt="2024-03-13T20:34:44.670" v="2517" actId="26606"/>
+          <ac:spMkLst>
+            <pc:docMk/>
+            <pc:sldMk cId="2002257491" sldId="277"/>
+            <ac:spMk id="20" creationId="{F13C74B1-5B17-4795-BED0-7140497B445A}"/>
+          </ac:spMkLst>
+        </pc:spChg>
+        <pc:spChg chg="add del">
+          <ac:chgData name="Hunter Burnham (Student)" userId="e134f687-0b34-4f02-b471-2fa4d76ea700" providerId="ADAL" clId="{387E982F-AC20-48A9-A5D7-3E1105CE4D48}" dt="2024-03-13T20:34:44.670" v="2517" actId="26606"/>
+          <ac:spMkLst>
+            <pc:docMk/>
+            <pc:sldMk cId="2002257491" sldId="277"/>
+            <ac:spMk id="21" creationId="{D4974D33-8DC5-464E-8C6D-BE58F0669C17}"/>
+          </ac:spMkLst>
+        </pc:spChg>
+        <pc:spChg chg="add del">
+          <ac:chgData name="Hunter Burnham (Student)" userId="e134f687-0b34-4f02-b471-2fa4d76ea700" providerId="ADAL" clId="{387E982F-AC20-48A9-A5D7-3E1105CE4D48}" dt="2024-03-13T20:34:48.750" v="2519" actId="26606"/>
+          <ac:spMkLst>
+            <pc:docMk/>
+            <pc:sldMk cId="2002257491" sldId="277"/>
+            <ac:spMk id="23" creationId="{19D32F93-50AC-4C46-A5DB-291C60DDB7BD}"/>
+          </ac:spMkLst>
+        </pc:spChg>
+        <pc:spChg chg="add del">
+          <ac:chgData name="Hunter Burnham (Student)" userId="e134f687-0b34-4f02-b471-2fa4d76ea700" providerId="ADAL" clId="{387E982F-AC20-48A9-A5D7-3E1105CE4D48}" dt="2024-03-13T20:34:48.750" v="2519" actId="26606"/>
+          <ac:spMkLst>
+            <pc:docMk/>
+            <pc:sldMk cId="2002257491" sldId="277"/>
+            <ac:spMk id="24" creationId="{86FD7672-78BE-4D6F-A711-2CDB79B52DFF}"/>
+          </ac:spMkLst>
+        </pc:spChg>
+        <pc:spChg chg="add del">
+          <ac:chgData name="Hunter Burnham (Student)" userId="e134f687-0b34-4f02-b471-2fa4d76ea700" providerId="ADAL" clId="{387E982F-AC20-48A9-A5D7-3E1105CE4D48}" dt="2024-03-13T20:34:48.750" v="2519" actId="26606"/>
+          <ac:spMkLst>
+            <pc:docMk/>
+            <pc:sldMk cId="2002257491" sldId="277"/>
+            <ac:spMk id="25" creationId="{827DC2C4-B485-428A-BF4A-472D2967F47F}"/>
+          </ac:spMkLst>
+        </pc:spChg>
+        <pc:spChg chg="add del">
+          <ac:chgData name="Hunter Burnham (Student)" userId="e134f687-0b34-4f02-b471-2fa4d76ea700" providerId="ADAL" clId="{387E982F-AC20-48A9-A5D7-3E1105CE4D48}" dt="2024-03-13T20:34:48.750" v="2519" actId="26606"/>
+          <ac:spMkLst>
+            <pc:docMk/>
+            <pc:sldMk cId="2002257491" sldId="277"/>
+            <ac:spMk id="26" creationId="{4A62647B-1222-407C-8740-5A497612B1F5}"/>
+          </ac:spMkLst>
+        </pc:spChg>
+        <pc:spChg chg="add del">
+          <ac:chgData name="Hunter Burnham (Student)" userId="e134f687-0b34-4f02-b471-2fa4d76ea700" providerId="ADAL" clId="{387E982F-AC20-48A9-A5D7-3E1105CE4D48}" dt="2024-03-13T20:34:56.748" v="2523" actId="26606"/>
+          <ac:spMkLst>
+            <pc:docMk/>
+            <pc:sldMk cId="2002257491" sldId="277"/>
+            <ac:spMk id="28" creationId="{C0763A76-9F1C-4FC5-82B7-DD475DA461B2}"/>
+          </ac:spMkLst>
+        </pc:spChg>
+        <pc:spChg chg="add del">
+          <ac:chgData name="Hunter Burnham (Student)" userId="e134f687-0b34-4f02-b471-2fa4d76ea700" providerId="ADAL" clId="{387E982F-AC20-48A9-A5D7-3E1105CE4D48}" dt="2024-03-13T20:34:56.748" v="2523" actId="26606"/>
+          <ac:spMkLst>
+            <pc:docMk/>
+            <pc:sldMk cId="2002257491" sldId="277"/>
+            <ac:spMk id="29" creationId="{E81BF4F6-F2CF-4984-9D14-D6966D92F99F}"/>
+          </ac:spMkLst>
+        </pc:spChg>
+        <pc:spChg chg="add del">
+          <ac:chgData name="Hunter Burnham (Student)" userId="e134f687-0b34-4f02-b471-2fa4d76ea700" providerId="ADAL" clId="{387E982F-AC20-48A9-A5D7-3E1105CE4D48}" dt="2024-03-13T20:35:20.782" v="2526" actId="26606"/>
+          <ac:spMkLst>
+            <pc:docMk/>
+            <pc:sldMk cId="2002257491" sldId="277"/>
+            <ac:spMk id="34" creationId="{ECC07320-C2CA-4E29-8481-9D9E143C7788}"/>
+          </ac:spMkLst>
+        </pc:spChg>
+        <pc:spChg chg="add del">
+          <ac:chgData name="Hunter Burnham (Student)" userId="e134f687-0b34-4f02-b471-2fa4d76ea700" providerId="ADAL" clId="{387E982F-AC20-48A9-A5D7-3E1105CE4D48}" dt="2024-03-13T20:35:20.782" v="2526" actId="26606"/>
+          <ac:spMkLst>
+            <pc:docMk/>
+            <pc:sldMk cId="2002257491" sldId="277"/>
+            <ac:spMk id="36" creationId="{178FB36B-5BFE-42CA-BC60-1115E0D95EEC}"/>
+          </ac:spMkLst>
+        </pc:spChg>
+        <pc:spChg chg="add del">
+          <ac:chgData name="Hunter Burnham (Student)" userId="e134f687-0b34-4f02-b471-2fa4d76ea700" providerId="ADAL" clId="{387E982F-AC20-48A9-A5D7-3E1105CE4D48}" dt="2024-03-13T20:35:20.774" v="2525" actId="26606"/>
+          <ac:spMkLst>
+            <pc:docMk/>
+            <pc:sldMk cId="2002257491" sldId="277"/>
+            <ac:spMk id="41" creationId="{55666830-9A19-4E01-8505-D6C7F9AC5665}"/>
+          </ac:spMkLst>
+        </pc:spChg>
+        <pc:spChg chg="add del">
+          <ac:chgData name="Hunter Burnham (Student)" userId="e134f687-0b34-4f02-b471-2fa4d76ea700" providerId="ADAL" clId="{387E982F-AC20-48A9-A5D7-3E1105CE4D48}" dt="2024-03-13T20:35:20.774" v="2525" actId="26606"/>
+          <ac:spMkLst>
+            <pc:docMk/>
+            <pc:sldMk cId="2002257491" sldId="277"/>
+            <ac:spMk id="43" creationId="{AE9FC877-7FB6-4D22-9988-35420644E202}"/>
+          </ac:spMkLst>
+        </pc:spChg>
+        <pc:spChg chg="add del">
+          <ac:chgData name="Hunter Burnham (Student)" userId="e134f687-0b34-4f02-b471-2fa4d76ea700" providerId="ADAL" clId="{387E982F-AC20-48A9-A5D7-3E1105CE4D48}" dt="2024-03-13T20:35:20.774" v="2525" actId="26606"/>
+          <ac:spMkLst>
+            <pc:docMk/>
+            <pc:sldMk cId="2002257491" sldId="277"/>
+            <ac:spMk id="45" creationId="{E41809D1-F12E-46BB-B804-5F209D325E8B}"/>
+          </ac:spMkLst>
+        </pc:spChg>
+        <pc:spChg chg="add del">
+          <ac:chgData name="Hunter Burnham (Student)" userId="e134f687-0b34-4f02-b471-2fa4d76ea700" providerId="ADAL" clId="{387E982F-AC20-48A9-A5D7-3E1105CE4D48}" dt="2024-03-13T20:35:20.774" v="2525" actId="26606"/>
+          <ac:spMkLst>
+            <pc:docMk/>
+            <pc:sldMk cId="2002257491" sldId="277"/>
+            <ac:spMk id="47" creationId="{AF2F604E-43BE-4DC3-B983-E071523364F8}"/>
+          </ac:spMkLst>
+        </pc:spChg>
+        <pc:spChg chg="add del">
+          <ac:chgData name="Hunter Burnham (Student)" userId="e134f687-0b34-4f02-b471-2fa4d76ea700" providerId="ADAL" clId="{387E982F-AC20-48A9-A5D7-3E1105CE4D48}" dt="2024-03-13T20:35:20.774" v="2525" actId="26606"/>
+          <ac:spMkLst>
+            <pc:docMk/>
+            <pc:sldMk cId="2002257491" sldId="277"/>
+            <ac:spMk id="49" creationId="{08C9B587-E65E-4B52-B37C-ABEBB6E87928}"/>
+          </ac:spMkLst>
+        </pc:spChg>
+        <pc:spChg chg="add">
+          <ac:chgData name="Hunter Burnham (Student)" userId="e134f687-0b34-4f02-b471-2fa4d76ea700" providerId="ADAL" clId="{387E982F-AC20-48A9-A5D7-3E1105CE4D48}" dt="2024-03-13T20:35:20.782" v="2526" actId="26606"/>
+          <ac:spMkLst>
+            <pc:docMk/>
+            <pc:sldMk cId="2002257491" sldId="277"/>
+            <ac:spMk id="51" creationId="{91DC6ABD-215C-4EA8-A483-CEF5B99AB385}"/>
+          </ac:spMkLst>
+        </pc:spChg>
+        <pc:spChg chg="add">
+          <ac:chgData name="Hunter Burnham (Student)" userId="e134f687-0b34-4f02-b471-2fa4d76ea700" providerId="ADAL" clId="{387E982F-AC20-48A9-A5D7-3E1105CE4D48}" dt="2024-03-13T20:35:20.782" v="2526" actId="26606"/>
+          <ac:spMkLst>
+            <pc:docMk/>
+            <pc:sldMk cId="2002257491" sldId="277"/>
+            <ac:spMk id="54" creationId="{04357C93-F0CB-4A1C-8F77-4E9063789819}"/>
+          </ac:spMkLst>
+        </pc:spChg>
+        <pc:grpChg chg="add">
+          <ac:chgData name="Hunter Burnham (Student)" userId="e134f687-0b34-4f02-b471-2fa4d76ea700" providerId="ADAL" clId="{387E982F-AC20-48A9-A5D7-3E1105CE4D48}" dt="2024-03-13T20:35:20.782" v="2526" actId="26606"/>
+          <ac:grpSpMkLst>
+            <pc:docMk/>
+            <pc:sldMk cId="2002257491" sldId="277"/>
+            <ac:grpSpMk id="52" creationId="{3AF6A671-C637-4547-85F4-51B6D1881399}"/>
+          </ac:grpSpMkLst>
+        </pc:grpChg>
+        <pc:picChg chg="mod ord">
+          <ac:chgData name="Hunter Burnham (Student)" userId="e134f687-0b34-4f02-b471-2fa4d76ea700" providerId="ADAL" clId="{387E982F-AC20-48A9-A5D7-3E1105CE4D48}" dt="2024-03-13T20:35:20.782" v="2526" actId="26606"/>
+          <ac:picMkLst>
+            <pc:docMk/>
+            <pc:sldMk cId="2002257491" sldId="277"/>
+            <ac:picMk id="4" creationId="{AA0BECA3-9414-E9A7-7722-442863B7798C}"/>
+          </ac:picMkLst>
+        </pc:picChg>
+      </pc:sldChg>
+      <pc:sldChg chg="addSp delSp modSp new mod setBg modNotesTx">
+        <pc:chgData name="Hunter Burnham (Student)" userId="e134f687-0b34-4f02-b471-2fa4d76ea700" providerId="ADAL" clId="{387E982F-AC20-48A9-A5D7-3E1105CE4D48}" dt="2024-03-15T17:49:25.975" v="4093" actId="20577"/>
+        <pc:sldMkLst>
+          <pc:docMk/>
+          <pc:sldMk cId="3717565896" sldId="281"/>
+        </pc:sldMkLst>
+        <pc:spChg chg="mod">
+          <ac:chgData name="Hunter Burnham (Student)" userId="e134f687-0b34-4f02-b471-2fa4d76ea700" providerId="ADAL" clId="{387E982F-AC20-48A9-A5D7-3E1105CE4D48}" dt="2024-03-13T21:03:36.635" v="3416" actId="26606"/>
+          <ac:spMkLst>
+            <pc:docMk/>
+            <pc:sldMk cId="3717565896" sldId="281"/>
+            <ac:spMk id="2" creationId="{50E7C36E-FBD4-D03C-FD47-AB83F936D25A}"/>
+          </ac:spMkLst>
+        </pc:spChg>
+        <pc:spChg chg="del">
+          <ac:chgData name="Hunter Burnham (Student)" userId="e134f687-0b34-4f02-b471-2fa4d76ea700" providerId="ADAL" clId="{387E982F-AC20-48A9-A5D7-3E1105CE4D48}" dt="2024-03-13T20:46:26.856" v="2786" actId="3680"/>
+          <ac:spMkLst>
+            <pc:docMk/>
+            <pc:sldMk cId="3717565896" sldId="281"/>
+            <ac:spMk id="3" creationId="{A5880670-8D01-3789-83FD-F966847C1C0D}"/>
+          </ac:spMkLst>
+        </pc:spChg>
+        <pc:spChg chg="add mod">
+          <ac:chgData name="Hunter Burnham (Student)" userId="e134f687-0b34-4f02-b471-2fa4d76ea700" providerId="ADAL" clId="{387E982F-AC20-48A9-A5D7-3E1105CE4D48}" dt="2024-03-13T21:03:36.635" v="3416" actId="26606"/>
+          <ac:spMkLst>
+            <pc:docMk/>
+            <pc:sldMk cId="3717565896" sldId="281"/>
+            <ac:spMk id="5" creationId="{2EE385B2-D0B9-D866-19CD-4BD275D44F33}"/>
+          </ac:spMkLst>
+        </pc:spChg>
+        <pc:spChg chg="add mod">
+          <ac:chgData name="Hunter Burnham (Student)" userId="e134f687-0b34-4f02-b471-2fa4d76ea700" providerId="ADAL" clId="{387E982F-AC20-48A9-A5D7-3E1105CE4D48}" dt="2024-03-13T21:05:40.613" v="3528" actId="313"/>
+          <ac:spMkLst>
+            <pc:docMk/>
+            <pc:sldMk cId="3717565896" sldId="281"/>
+            <ac:spMk id="6" creationId="{EE6A5CFC-0052-953B-3D22-B122B447516B}"/>
+          </ac:spMkLst>
+        </pc:spChg>
+        <pc:spChg chg="add">
+          <ac:chgData name="Hunter Burnham (Student)" userId="e134f687-0b34-4f02-b471-2fa4d76ea700" providerId="ADAL" clId="{387E982F-AC20-48A9-A5D7-3E1105CE4D48}" dt="2024-03-13T21:03:36.635" v="3416" actId="26606"/>
+          <ac:spMkLst>
+            <pc:docMk/>
+            <pc:sldMk cId="3717565896" sldId="281"/>
+            <ac:spMk id="11" creationId="{9D8233B0-41B5-4D9A-AEEC-13DB66A8C9B5}"/>
+          </ac:spMkLst>
+        </pc:spChg>
+        <pc:spChg chg="add">
+          <ac:chgData name="Hunter Burnham (Student)" userId="e134f687-0b34-4f02-b471-2fa4d76ea700" providerId="ADAL" clId="{387E982F-AC20-48A9-A5D7-3E1105CE4D48}" dt="2024-03-13T21:03:36.635" v="3416" actId="26606"/>
+          <ac:spMkLst>
+            <pc:docMk/>
+            <pc:sldMk cId="3717565896" sldId="281"/>
+            <ac:spMk id="17" creationId="{E659831F-0D9A-4C63-9EBB-8435B85A440F}"/>
+          </ac:spMkLst>
+        </pc:spChg>
+        <pc:grpChg chg="add">
+          <ac:chgData name="Hunter Burnham (Student)" userId="e134f687-0b34-4f02-b471-2fa4d76ea700" providerId="ADAL" clId="{387E982F-AC20-48A9-A5D7-3E1105CE4D48}" dt="2024-03-13T21:03:36.635" v="3416" actId="26606"/>
+          <ac:grpSpMkLst>
+            <pc:docMk/>
+            <pc:sldMk cId="3717565896" sldId="281"/>
+            <ac:grpSpMk id="13" creationId="{28FAF094-D087-493F-8DF9-A486C2D6BBAA}"/>
+          </ac:grpSpMkLst>
+        </pc:grpChg>
+        <pc:graphicFrameChg chg="add mod ord modGraphic">
+          <ac:chgData name="Hunter Burnham (Student)" userId="e134f687-0b34-4f02-b471-2fa4d76ea700" providerId="ADAL" clId="{387E982F-AC20-48A9-A5D7-3E1105CE4D48}" dt="2024-03-13T21:03:36.635" v="3416" actId="26606"/>
+          <ac:graphicFrameMkLst>
+            <pc:docMk/>
+            <pc:sldMk cId="3717565896" sldId="281"/>
+            <ac:graphicFrameMk id="4" creationId="{9B4F24D1-4EAD-A87E-8B5A-A84FD5B22C59}"/>
+          </ac:graphicFrameMkLst>
+        </pc:graphicFrameChg>
+      </pc:sldChg>
+      <pc:sldChg chg="addSp delSp modSp new add del mod ord setBg">
+        <pc:chgData name="Hunter Burnham (Student)" userId="e134f687-0b34-4f02-b471-2fa4d76ea700" providerId="ADAL" clId="{387E982F-AC20-48A9-A5D7-3E1105CE4D48}" dt="2024-03-15T17:50:41.103" v="4131"/>
+        <pc:sldMkLst>
+          <pc:docMk/>
+          <pc:sldMk cId="949957755" sldId="282"/>
+        </pc:sldMkLst>
+        <pc:spChg chg="del">
+          <ac:chgData name="Hunter Burnham (Student)" userId="e134f687-0b34-4f02-b471-2fa4d76ea700" providerId="ADAL" clId="{387E982F-AC20-48A9-A5D7-3E1105CE4D48}" dt="2024-03-15T17:49:41.951" v="4097" actId="26606"/>
+          <ac:spMkLst>
+            <pc:docMk/>
+            <pc:sldMk cId="949957755" sldId="282"/>
+            <ac:spMk id="2" creationId="{F56D5A80-7071-8B9D-1DE3-00BE4444FFFA}"/>
+          </ac:spMkLst>
+        </pc:spChg>
+        <pc:spChg chg="del">
+          <ac:chgData name="Hunter Burnham (Student)" userId="e134f687-0b34-4f02-b471-2fa4d76ea700" providerId="ADAL" clId="{387E982F-AC20-48A9-A5D7-3E1105CE4D48}" dt="2024-03-15T17:49:36.630" v="4095"/>
+          <ac:spMkLst>
+            <pc:docMk/>
+            <pc:sldMk cId="949957755" sldId="282"/>
+            <ac:spMk id="3" creationId="{1D64A930-6A12-620B-E2C3-D51FE6CBB4F3}"/>
+          </ac:spMkLst>
+        </pc:spChg>
+        <pc:spChg chg="add mod">
+          <ac:chgData name="Hunter Burnham (Student)" userId="e134f687-0b34-4f02-b471-2fa4d76ea700" providerId="ADAL" clId="{387E982F-AC20-48A9-A5D7-3E1105CE4D48}" dt="2024-03-15T17:50:24.516" v="4127" actId="14100"/>
+          <ac:spMkLst>
+            <pc:docMk/>
+            <pc:sldMk cId="949957755" sldId="282"/>
+            <ac:spMk id="5" creationId="{FF803A9F-8F10-D0ED-BFC6-6EDDBA0A7604}"/>
+          </ac:spMkLst>
+        </pc:spChg>
+        <pc:spChg chg="add">
+          <ac:chgData name="Hunter Burnham (Student)" userId="e134f687-0b34-4f02-b471-2fa4d76ea700" providerId="ADAL" clId="{387E982F-AC20-48A9-A5D7-3E1105CE4D48}" dt="2024-03-15T17:49:41.951" v="4097" actId="26606"/>
+          <ac:spMkLst>
+            <pc:docMk/>
+            <pc:sldMk cId="949957755" sldId="282"/>
+            <ac:spMk id="9" creationId="{22F15A2D-2324-487D-A02A-BF46C5C580EB}"/>
+          </ac:spMkLst>
+        </pc:spChg>
+        <pc:spChg chg="add">
+          <ac:chgData name="Hunter Burnham (Student)" userId="e134f687-0b34-4f02-b471-2fa4d76ea700" providerId="ADAL" clId="{387E982F-AC20-48A9-A5D7-3E1105CE4D48}" dt="2024-03-15T17:49:41.951" v="4097" actId="26606"/>
+          <ac:spMkLst>
+            <pc:docMk/>
+            <pc:sldMk cId="949957755" sldId="282"/>
+            <ac:spMk id="11" creationId="{2AEAFA59-923A-4F54-8B49-44C970BCC323}"/>
+          </ac:spMkLst>
+        </pc:spChg>
+        <pc:spChg chg="add">
+          <ac:chgData name="Hunter Burnham (Student)" userId="e134f687-0b34-4f02-b471-2fa4d76ea700" providerId="ADAL" clId="{387E982F-AC20-48A9-A5D7-3E1105CE4D48}" dt="2024-03-15T17:49:41.951" v="4097" actId="26606"/>
+          <ac:spMkLst>
+            <pc:docMk/>
+            <pc:sldMk cId="949957755" sldId="282"/>
+            <ac:spMk id="13" creationId="{C37E9D4B-7BFA-4D10-B666-547BAC499469}"/>
+          </ac:spMkLst>
+        </pc:spChg>
+        <pc:picChg chg="add mod">
+          <ac:chgData name="Hunter Burnham (Student)" userId="e134f687-0b34-4f02-b471-2fa4d76ea700" providerId="ADAL" clId="{387E982F-AC20-48A9-A5D7-3E1105CE4D48}" dt="2024-03-15T17:49:41.951" v="4097" actId="26606"/>
+          <ac:picMkLst>
+            <pc:docMk/>
+            <pc:sldMk cId="949957755" sldId="282"/>
+            <ac:picMk id="4" creationId="{C6759827-DD90-0596-D667-FC8C76AC7F7B}"/>
+          </ac:picMkLst>
+        </pc:picChg>
+      </pc:sldChg>
+      <pc:sldChg chg="new del">
+        <pc:chgData name="Hunter Burnham (Student)" userId="e134f687-0b34-4f02-b471-2fa4d76ea700" providerId="ADAL" clId="{387E982F-AC20-48A9-A5D7-3E1105CE4D48}" dt="2024-03-15T17:50:00.300" v="4101" actId="2696"/>
+        <pc:sldMkLst>
+          <pc:docMk/>
+          <pc:sldMk cId="3023232825" sldId="283"/>
+        </pc:sldMkLst>
       </pc:sldChg>
     </pc:docChg>
   </pc:docChgLst>
@@ -3113,7 +3127,7 @@
           <a:p>
             <a:fld id="{9C0BEE93-BD2C-4176-AEB0-96F81204B769}" type="datetimeFigureOut">
               <a:rPr lang="en-US" smtClean="0"/>
-              <a:t>3/15/2024</a:t>
+              <a:t>3/29/2024</a:t>
             </a:fld>
             <a:endParaRPr lang="en-US"/>
           </a:p>
@@ -4691,7 +4705,7 @@
           <a:p>
             <a:fld id="{CA45E206-6551-4622-8FB4-F518B278DF17}" type="datetimeFigureOut">
               <a:rPr lang="en-US" smtClean="0"/>
-              <a:t>3/15/2024</a:t>
+              <a:t>3/29/2024</a:t>
             </a:fld>
             <a:endParaRPr lang="en-US"/>
           </a:p>
@@ -4889,7 +4903,7 @@
           <a:p>
             <a:fld id="{CA45E206-6551-4622-8FB4-F518B278DF17}" type="datetimeFigureOut">
               <a:rPr lang="en-US" smtClean="0"/>
-              <a:t>3/15/2024</a:t>
+              <a:t>3/29/2024</a:t>
             </a:fld>
             <a:endParaRPr lang="en-US"/>
           </a:p>
@@ -5097,7 +5111,7 @@
           <a:p>
             <a:fld id="{CA45E206-6551-4622-8FB4-F518B278DF17}" type="datetimeFigureOut">
               <a:rPr lang="en-US" smtClean="0"/>
-              <a:t>3/15/2024</a:t>
+              <a:t>3/29/2024</a:t>
             </a:fld>
             <a:endParaRPr lang="en-US"/>
           </a:p>
@@ -5295,7 +5309,7 @@
           <a:p>
             <a:fld id="{CA45E206-6551-4622-8FB4-F518B278DF17}" type="datetimeFigureOut">
               <a:rPr lang="en-US" smtClean="0"/>
-              <a:t>3/15/2024</a:t>
+              <a:t>3/29/2024</a:t>
             </a:fld>
             <a:endParaRPr lang="en-US"/>
           </a:p>
@@ -5570,7 +5584,7 @@
           <a:p>
             <a:fld id="{CA45E206-6551-4622-8FB4-F518B278DF17}" type="datetimeFigureOut">
               <a:rPr lang="en-US" smtClean="0"/>
-              <a:t>3/15/2024</a:t>
+              <a:t>3/29/2024</a:t>
             </a:fld>
             <a:endParaRPr lang="en-US"/>
           </a:p>
@@ -5835,7 +5849,7 @@
           <a:p>
             <a:fld id="{CA45E206-6551-4622-8FB4-F518B278DF17}" type="datetimeFigureOut">
               <a:rPr lang="en-US" smtClean="0"/>
-              <a:t>3/15/2024</a:t>
+              <a:t>3/29/2024</a:t>
             </a:fld>
             <a:endParaRPr lang="en-US"/>
           </a:p>
@@ -6247,7 +6261,7 @@
           <a:p>
             <a:fld id="{CA45E206-6551-4622-8FB4-F518B278DF17}" type="datetimeFigureOut">
               <a:rPr lang="en-US" smtClean="0"/>
-              <a:t>3/15/2024</a:t>
+              <a:t>3/29/2024</a:t>
             </a:fld>
             <a:endParaRPr lang="en-US"/>
           </a:p>
@@ -6388,7 +6402,7 @@
           <a:p>
             <a:fld id="{CA45E206-6551-4622-8FB4-F518B278DF17}" type="datetimeFigureOut">
               <a:rPr lang="en-US" smtClean="0"/>
-              <a:t>3/15/2024</a:t>
+              <a:t>3/29/2024</a:t>
             </a:fld>
             <a:endParaRPr lang="en-US"/>
           </a:p>
@@ -6501,7 +6515,7 @@
           <a:p>
             <a:fld id="{CA45E206-6551-4622-8FB4-F518B278DF17}" type="datetimeFigureOut">
               <a:rPr lang="en-US" smtClean="0"/>
-              <a:t>3/15/2024</a:t>
+              <a:t>3/29/2024</a:t>
             </a:fld>
             <a:endParaRPr lang="en-US"/>
           </a:p>
@@ -6812,7 +6826,7 @@
           <a:p>
             <a:fld id="{CA45E206-6551-4622-8FB4-F518B278DF17}" type="datetimeFigureOut">
               <a:rPr lang="en-US" smtClean="0"/>
-              <a:t>3/15/2024</a:t>
+              <a:t>3/29/2024</a:t>
             </a:fld>
             <a:endParaRPr lang="en-US"/>
           </a:p>
@@ -7100,7 +7114,7 @@
           <a:p>
             <a:fld id="{CA45E206-6551-4622-8FB4-F518B278DF17}" type="datetimeFigureOut">
               <a:rPr lang="en-US" smtClean="0"/>
-              <a:t>3/15/2024</a:t>
+              <a:t>3/29/2024</a:t>
             </a:fld>
             <a:endParaRPr lang="en-US"/>
           </a:p>
@@ -7341,7 +7355,7 @@
           <a:p>
             <a:fld id="{CA45E206-6551-4622-8FB4-F518B278DF17}" type="datetimeFigureOut">
               <a:rPr lang="en-US" smtClean="0"/>
-              <a:t>3/15/2024</a:t>
+              <a:t>3/29/2024</a:t>
             </a:fld>
             <a:endParaRPr lang="en-US"/>
           </a:p>
@@ -10176,7 +10190,7 @@
         </p:blipFill>
         <p:spPr>
           <a:xfrm>
-            <a:off x="6626942" y="457743"/>
+            <a:off x="6295305" y="399280"/>
             <a:ext cx="3854245" cy="3332861"/>
           </a:xfrm>
           <a:prstGeom prst="rect">
@@ -10247,8 +10261,8 @@
           </a:p>
         </p:txBody>
       </p:sp>
-      <mc:AlternateContent xmlns:mc="http://schemas.openxmlformats.org/markup-compatibility/2006">
-        <mc:Choice xmlns:a14="http://schemas.microsoft.com/office/drawing/2010/main" Requires="a14">
+      <mc:AlternateContent xmlns:mc="http://schemas.openxmlformats.org/markup-compatibility/2006" xmlns:a14="http://schemas.microsoft.com/office/drawing/2010/main">
+        <mc:Choice Requires="a14">
           <p:sp>
             <p:nvSpPr>
               <p:cNvPr id="3" name="Content Placeholder 2">
@@ -10552,7 +10566,7 @@
             </p:txBody>
           </p:sp>
         </mc:Choice>
-        <mc:Fallback>
+        <mc:Fallback xmlns="">
           <p:sp>
             <p:nvSpPr>
               <p:cNvPr id="3" name="Content Placeholder 2">
@@ -14144,7 +14158,7 @@
         </p:blipFill>
         <p:spPr bwMode="auto">
           <a:xfrm rot="16200000">
-            <a:off x="6624480" y="1297624"/>
+            <a:off x="6469346" y="937542"/>
             <a:ext cx="4756870" cy="4929098"/>
           </a:xfrm>
           <a:prstGeom prst="rect">

--- a/TeamPresentation/ProjectPresentation.pptx
+++ b/TeamPresentation/ProjectPresentation.pptx
@@ -136,13 +136,2737 @@
 <file path=ppt/revisionInfo.xml><?xml version="1.0" encoding="utf-8"?>
 <p1510:revInfo xmlns:a="http://schemas.openxmlformats.org/drawingml/2006/main" xmlns:r="http://schemas.openxmlformats.org/officeDocument/2006/relationships" xmlns:p1510="http://schemas.microsoft.com/office/powerpoint/2015/10/main">
   <p1510:revLst>
-    <p1510:client id="{387E982F-AC20-48A9-A5D7-3E1105CE4D48}" v="337" dt="2024-03-29T22:55:49.743"/>
+    <p1510:client id="{7E1642F1-16E2-0ACB-77D1-A02F1476A316}" v="19" dt="2024-04-22T20:17:27.505"/>
   </p1510:revLst>
 </p1510:revInfo>
 </file>
 
 <file path=ppt/changesInfos/changesInfo1.xml><?xml version="1.0" encoding="utf-8"?>
 <pc:chgInfo xmlns:a="http://schemas.openxmlformats.org/drawingml/2006/main" xmlns:r="http://schemas.openxmlformats.org/officeDocument/2006/relationships" xmlns:ac="http://schemas.microsoft.com/office/drawing/2013/main/command" xmlns:pc="http://schemas.microsoft.com/office/powerpoint/2013/main/command">
+  <pc:docChgLst>
+    <pc:chgData name="Joel Shorey (Student)" userId="efeb13ac-a1a8-4105-bba8-6f92df6e6b9f" providerId="ADAL" clId="{631F1702-B937-4118-906D-5A11C7AE1DE5}"/>
+    <pc:docChg chg="undo custSel addSld delSld modSld">
+      <pc:chgData name="Joel Shorey (Student)" userId="efeb13ac-a1a8-4105-bba8-6f92df6e6b9f" providerId="ADAL" clId="{631F1702-B937-4118-906D-5A11C7AE1DE5}" dt="2024-03-15T18:16:56.358" v="2647" actId="1076"/>
+      <pc:docMkLst>
+        <pc:docMk/>
+      </pc:docMkLst>
+      <pc:sldChg chg="modSp mod">
+        <pc:chgData name="Joel Shorey (Student)" userId="efeb13ac-a1a8-4105-bba8-6f92df6e6b9f" providerId="ADAL" clId="{631F1702-B937-4118-906D-5A11C7AE1DE5}" dt="2024-03-15T17:16:14.075" v="2537" actId="255"/>
+        <pc:sldMkLst>
+          <pc:docMk/>
+          <pc:sldMk cId="234320675" sldId="256"/>
+        </pc:sldMkLst>
+        <pc:spChg chg="mod">
+          <ac:chgData name="Joel Shorey (Student)" userId="efeb13ac-a1a8-4105-bba8-6f92df6e6b9f" providerId="ADAL" clId="{631F1702-B937-4118-906D-5A11C7AE1DE5}" dt="2024-03-15T17:16:14.075" v="2537" actId="255"/>
+          <ac:spMkLst>
+            <pc:docMk/>
+            <pc:sldMk cId="234320675" sldId="256"/>
+            <ac:spMk id="2" creationId="{20F0F418-8CFC-AF03-63CD-F9449637605C}"/>
+          </ac:spMkLst>
+        </pc:spChg>
+      </pc:sldChg>
+      <pc:sldChg chg="del">
+        <pc:chgData name="Joel Shorey (Student)" userId="efeb13ac-a1a8-4105-bba8-6f92df6e6b9f" providerId="ADAL" clId="{631F1702-B937-4118-906D-5A11C7AE1DE5}" dt="2024-03-13T21:09:15.726" v="1543" actId="47"/>
+        <pc:sldMkLst>
+          <pc:docMk/>
+          <pc:sldMk cId="907987910" sldId="260"/>
+        </pc:sldMkLst>
+      </pc:sldChg>
+      <pc:sldChg chg="del">
+        <pc:chgData name="Joel Shorey (Student)" userId="efeb13ac-a1a8-4105-bba8-6f92df6e6b9f" providerId="ADAL" clId="{631F1702-B937-4118-906D-5A11C7AE1DE5}" dt="2024-03-13T21:04:53.508" v="1530" actId="47"/>
+        <pc:sldMkLst>
+          <pc:docMk/>
+          <pc:sldMk cId="3928215850" sldId="261"/>
+        </pc:sldMkLst>
+      </pc:sldChg>
+      <pc:sldChg chg="modSp mod">
+        <pc:chgData name="Joel Shorey (Student)" userId="efeb13ac-a1a8-4105-bba8-6f92df6e6b9f" providerId="ADAL" clId="{631F1702-B937-4118-906D-5A11C7AE1DE5}" dt="2024-03-15T17:24:28.761" v="2621" actId="14100"/>
+        <pc:sldMkLst>
+          <pc:docMk/>
+          <pc:sldMk cId="2396793982" sldId="263"/>
+        </pc:sldMkLst>
+        <pc:spChg chg="mod">
+          <ac:chgData name="Joel Shorey (Student)" userId="efeb13ac-a1a8-4105-bba8-6f92df6e6b9f" providerId="ADAL" clId="{631F1702-B937-4118-906D-5A11C7AE1DE5}" dt="2024-03-15T17:24:22.235" v="2619" actId="1076"/>
+          <ac:spMkLst>
+            <pc:docMk/>
+            <pc:sldMk cId="2396793982" sldId="263"/>
+            <ac:spMk id="2" creationId="{6809C795-4042-CC5A-647E-5016B8E19E84}"/>
+          </ac:spMkLst>
+        </pc:spChg>
+        <pc:spChg chg="mod">
+          <ac:chgData name="Joel Shorey (Student)" userId="efeb13ac-a1a8-4105-bba8-6f92df6e6b9f" providerId="ADAL" clId="{631F1702-B937-4118-906D-5A11C7AE1DE5}" dt="2024-03-15T17:24:28.761" v="2621" actId="14100"/>
+          <ac:spMkLst>
+            <pc:docMk/>
+            <pc:sldMk cId="2396793982" sldId="263"/>
+            <ac:spMk id="3" creationId="{A9AC157F-B5D5-20E2-9DA4-EA29118F63FC}"/>
+          </ac:spMkLst>
+        </pc:spChg>
+      </pc:sldChg>
+      <pc:sldChg chg="modSp mod">
+        <pc:chgData name="Joel Shorey (Student)" userId="efeb13ac-a1a8-4105-bba8-6f92df6e6b9f" providerId="ADAL" clId="{631F1702-B937-4118-906D-5A11C7AE1DE5}" dt="2024-03-15T17:23:48.656" v="2615" actId="1076"/>
+        <pc:sldMkLst>
+          <pc:docMk/>
+          <pc:sldMk cId="3498185693" sldId="264"/>
+        </pc:sldMkLst>
+        <pc:spChg chg="mod">
+          <ac:chgData name="Joel Shorey (Student)" userId="efeb13ac-a1a8-4105-bba8-6f92df6e6b9f" providerId="ADAL" clId="{631F1702-B937-4118-906D-5A11C7AE1DE5}" dt="2024-03-15T17:23:48.656" v="2615" actId="1076"/>
+          <ac:spMkLst>
+            <pc:docMk/>
+            <pc:sldMk cId="3498185693" sldId="264"/>
+            <ac:spMk id="2" creationId="{DAD4FEB1-1896-4D04-3477-F8E40CBA7E2E}"/>
+          </ac:spMkLst>
+        </pc:spChg>
+        <pc:spChg chg="mod">
+          <ac:chgData name="Joel Shorey (Student)" userId="efeb13ac-a1a8-4105-bba8-6f92df6e6b9f" providerId="ADAL" clId="{631F1702-B937-4118-906D-5A11C7AE1DE5}" dt="2024-03-15T17:23:38.272" v="2613" actId="1076"/>
+          <ac:spMkLst>
+            <pc:docMk/>
+            <pc:sldMk cId="3498185693" sldId="264"/>
+            <ac:spMk id="3" creationId="{37BDDD50-4114-09B9-F973-1B6A4E4252F3}"/>
+          </ac:spMkLst>
+        </pc:spChg>
+      </pc:sldChg>
+      <pc:sldChg chg="modSp mod">
+        <pc:chgData name="Joel Shorey (Student)" userId="efeb13ac-a1a8-4105-bba8-6f92df6e6b9f" providerId="ADAL" clId="{631F1702-B937-4118-906D-5A11C7AE1DE5}" dt="2024-03-15T17:24:01.503" v="2617" actId="1076"/>
+        <pc:sldMkLst>
+          <pc:docMk/>
+          <pc:sldMk cId="4282433805" sldId="265"/>
+        </pc:sldMkLst>
+        <pc:spChg chg="mod">
+          <ac:chgData name="Joel Shorey (Student)" userId="efeb13ac-a1a8-4105-bba8-6f92df6e6b9f" providerId="ADAL" clId="{631F1702-B937-4118-906D-5A11C7AE1DE5}" dt="2024-03-15T17:15:30.318" v="2532" actId="255"/>
+          <ac:spMkLst>
+            <pc:docMk/>
+            <pc:sldMk cId="4282433805" sldId="265"/>
+            <ac:spMk id="2" creationId="{8D59BAEB-686B-076D-6F94-24AF33C43842}"/>
+          </ac:spMkLst>
+        </pc:spChg>
+        <pc:spChg chg="mod">
+          <ac:chgData name="Joel Shorey (Student)" userId="efeb13ac-a1a8-4105-bba8-6f92df6e6b9f" providerId="ADAL" clId="{631F1702-B937-4118-906D-5A11C7AE1DE5}" dt="2024-03-15T17:24:01.503" v="2617" actId="1076"/>
+          <ac:spMkLst>
+            <pc:docMk/>
+            <pc:sldMk cId="4282433805" sldId="265"/>
+            <ac:spMk id="3" creationId="{61AA17EB-3313-5381-A3C4-8ACFAF2E635E}"/>
+          </ac:spMkLst>
+        </pc:spChg>
+      </pc:sldChg>
+      <pc:sldChg chg="modSp mod">
+        <pc:chgData name="Joel Shorey (Student)" userId="efeb13ac-a1a8-4105-bba8-6f92df6e6b9f" providerId="ADAL" clId="{631F1702-B937-4118-906D-5A11C7AE1DE5}" dt="2024-03-15T17:18:49.177" v="2554" actId="14100"/>
+        <pc:sldMkLst>
+          <pc:docMk/>
+          <pc:sldMk cId="2592547000" sldId="266"/>
+        </pc:sldMkLst>
+        <pc:spChg chg="mod">
+          <ac:chgData name="Joel Shorey (Student)" userId="efeb13ac-a1a8-4105-bba8-6f92df6e6b9f" providerId="ADAL" clId="{631F1702-B937-4118-906D-5A11C7AE1DE5}" dt="2024-03-15T17:12:22.957" v="2503" actId="255"/>
+          <ac:spMkLst>
+            <pc:docMk/>
+            <pc:sldMk cId="2592547000" sldId="266"/>
+            <ac:spMk id="2" creationId="{82D7485C-C17E-097C-D99E-2E410B176E92}"/>
+          </ac:spMkLst>
+        </pc:spChg>
+        <pc:spChg chg="mod">
+          <ac:chgData name="Joel Shorey (Student)" userId="efeb13ac-a1a8-4105-bba8-6f92df6e6b9f" providerId="ADAL" clId="{631F1702-B937-4118-906D-5A11C7AE1DE5}" dt="2024-03-15T17:18:49.177" v="2554" actId="14100"/>
+          <ac:spMkLst>
+            <pc:docMk/>
+            <pc:sldMk cId="2592547000" sldId="266"/>
+            <ac:spMk id="3" creationId="{CB0820ED-CB43-CA76-310F-14DE183269CB}"/>
+          </ac:spMkLst>
+        </pc:spChg>
+      </pc:sldChg>
+      <pc:sldChg chg="addSp modSp mod setBg">
+        <pc:chgData name="Joel Shorey (Student)" userId="efeb13ac-a1a8-4105-bba8-6f92df6e6b9f" providerId="ADAL" clId="{631F1702-B937-4118-906D-5A11C7AE1DE5}" dt="2024-03-15T17:18:26.596" v="2551" actId="14100"/>
+        <pc:sldMkLst>
+          <pc:docMk/>
+          <pc:sldMk cId="675645111" sldId="267"/>
+        </pc:sldMkLst>
+        <pc:spChg chg="mod">
+          <ac:chgData name="Joel Shorey (Student)" userId="efeb13ac-a1a8-4105-bba8-6f92df6e6b9f" providerId="ADAL" clId="{631F1702-B937-4118-906D-5A11C7AE1DE5}" dt="2024-03-15T17:12:32.150" v="2504" actId="255"/>
+          <ac:spMkLst>
+            <pc:docMk/>
+            <pc:sldMk cId="675645111" sldId="267"/>
+            <ac:spMk id="2" creationId="{800BCEC9-E715-B52B-E13E-49CCDFB662C9}"/>
+          </ac:spMkLst>
+        </pc:spChg>
+        <pc:spChg chg="mod">
+          <ac:chgData name="Joel Shorey (Student)" userId="efeb13ac-a1a8-4105-bba8-6f92df6e6b9f" providerId="ADAL" clId="{631F1702-B937-4118-906D-5A11C7AE1DE5}" dt="2024-03-15T17:18:26.596" v="2551" actId="14100"/>
+          <ac:spMkLst>
+            <pc:docMk/>
+            <pc:sldMk cId="675645111" sldId="267"/>
+            <ac:spMk id="3" creationId="{6AC13EE7-17DA-5C3E-B2C8-1DE0DAFA32FF}"/>
+          </ac:spMkLst>
+        </pc:spChg>
+        <pc:spChg chg="add">
+          <ac:chgData name="Joel Shorey (Student)" userId="efeb13ac-a1a8-4105-bba8-6f92df6e6b9f" providerId="ADAL" clId="{631F1702-B937-4118-906D-5A11C7AE1DE5}" dt="2024-03-15T17:04:53.702" v="2486" actId="26606"/>
+          <ac:spMkLst>
+            <pc:docMk/>
+            <pc:sldMk cId="675645111" sldId="267"/>
+            <ac:spMk id="1031" creationId="{6EFC920F-B85A-4068-BD93-41064EDE93D3}"/>
+          </ac:spMkLst>
+        </pc:spChg>
+        <pc:spChg chg="add">
+          <ac:chgData name="Joel Shorey (Student)" userId="efeb13ac-a1a8-4105-bba8-6f92df6e6b9f" providerId="ADAL" clId="{631F1702-B937-4118-906D-5A11C7AE1DE5}" dt="2024-03-15T17:04:53.702" v="2486" actId="26606"/>
+          <ac:spMkLst>
+            <pc:docMk/>
+            <pc:sldMk cId="675645111" sldId="267"/>
+            <ac:spMk id="1037" creationId="{CBC4F608-B4B8-48C3-9572-C0F061B1CD99}"/>
+          </ac:spMkLst>
+        </pc:spChg>
+        <pc:spChg chg="add">
+          <ac:chgData name="Joel Shorey (Student)" userId="efeb13ac-a1a8-4105-bba8-6f92df6e6b9f" providerId="ADAL" clId="{631F1702-B937-4118-906D-5A11C7AE1DE5}" dt="2024-03-15T17:04:53.702" v="2486" actId="26606"/>
+          <ac:spMkLst>
+            <pc:docMk/>
+            <pc:sldMk cId="675645111" sldId="267"/>
+            <ac:spMk id="1039" creationId="{1382A32C-5B0C-4B1C-A074-76C6DBCC9F87}"/>
+          </ac:spMkLst>
+        </pc:spChg>
+        <pc:grpChg chg="add">
+          <ac:chgData name="Joel Shorey (Student)" userId="efeb13ac-a1a8-4105-bba8-6f92df6e6b9f" providerId="ADAL" clId="{631F1702-B937-4118-906D-5A11C7AE1DE5}" dt="2024-03-15T17:04:53.702" v="2486" actId="26606"/>
+          <ac:grpSpMkLst>
+            <pc:docMk/>
+            <pc:sldMk cId="675645111" sldId="267"/>
+            <ac:grpSpMk id="1033" creationId="{1C559108-BBAE-426C-8564-051D2BA6DDC8}"/>
+          </ac:grpSpMkLst>
+        </pc:grpChg>
+        <pc:picChg chg="add mod">
+          <ac:chgData name="Joel Shorey (Student)" userId="efeb13ac-a1a8-4105-bba8-6f92df6e6b9f" providerId="ADAL" clId="{631F1702-B937-4118-906D-5A11C7AE1DE5}" dt="2024-03-15T17:04:53.702" v="2486" actId="26606"/>
+          <ac:picMkLst>
+            <pc:docMk/>
+            <pc:sldMk cId="675645111" sldId="267"/>
+            <ac:picMk id="1026" creationId="{76649751-B4BA-7B14-88E7-8BF7D1F4716D}"/>
+          </ac:picMkLst>
+        </pc:picChg>
+      </pc:sldChg>
+      <pc:sldChg chg="modSp mod">
+        <pc:chgData name="Joel Shorey (Student)" userId="efeb13ac-a1a8-4105-bba8-6f92df6e6b9f" providerId="ADAL" clId="{631F1702-B937-4118-906D-5A11C7AE1DE5}" dt="2024-03-15T17:23:09.687" v="2607" actId="1076"/>
+        <pc:sldMkLst>
+          <pc:docMk/>
+          <pc:sldMk cId="3085835959" sldId="268"/>
+        </pc:sldMkLst>
+        <pc:spChg chg="mod">
+          <ac:chgData name="Joel Shorey (Student)" userId="efeb13ac-a1a8-4105-bba8-6f92df6e6b9f" providerId="ADAL" clId="{631F1702-B937-4118-906D-5A11C7AE1DE5}" dt="2024-03-15T17:14:55.175" v="2525" actId="255"/>
+          <ac:spMkLst>
+            <pc:docMk/>
+            <pc:sldMk cId="3085835959" sldId="268"/>
+            <ac:spMk id="2" creationId="{E0D42B90-D36E-F541-0DA9-D3AE86A9CC81}"/>
+          </ac:spMkLst>
+        </pc:spChg>
+        <pc:spChg chg="mod">
+          <ac:chgData name="Joel Shorey (Student)" userId="efeb13ac-a1a8-4105-bba8-6f92df6e6b9f" providerId="ADAL" clId="{631F1702-B937-4118-906D-5A11C7AE1DE5}" dt="2024-03-15T17:23:09.687" v="2607" actId="1076"/>
+          <ac:spMkLst>
+            <pc:docMk/>
+            <pc:sldMk cId="3085835959" sldId="268"/>
+            <ac:spMk id="3" creationId="{6B3CF716-4EFA-6566-2DC6-AC662E3D731E}"/>
+          </ac:spMkLst>
+        </pc:spChg>
+      </pc:sldChg>
+      <pc:sldChg chg="addSp modSp mod setBg modNotesTx">
+        <pc:chgData name="Joel Shorey (Student)" userId="efeb13ac-a1a8-4105-bba8-6f92df6e6b9f" providerId="ADAL" clId="{631F1702-B937-4118-906D-5A11C7AE1DE5}" dt="2024-03-15T18:16:56.358" v="2647" actId="1076"/>
+        <pc:sldMkLst>
+          <pc:docMk/>
+          <pc:sldMk cId="429712299" sldId="269"/>
+        </pc:sldMkLst>
+        <pc:spChg chg="mod">
+          <ac:chgData name="Joel Shorey (Student)" userId="efeb13ac-a1a8-4105-bba8-6f92df6e6b9f" providerId="ADAL" clId="{631F1702-B937-4118-906D-5A11C7AE1DE5}" dt="2024-03-15T17:12:15.480" v="2502" actId="255"/>
+          <ac:spMkLst>
+            <pc:docMk/>
+            <pc:sldMk cId="429712299" sldId="269"/>
+            <ac:spMk id="2" creationId="{A1BE16B5-0518-3336-16DF-25E2E5A448A0}"/>
+          </ac:spMkLst>
+        </pc:spChg>
+        <pc:spChg chg="mod">
+          <ac:chgData name="Joel Shorey (Student)" userId="efeb13ac-a1a8-4105-bba8-6f92df6e6b9f" providerId="ADAL" clId="{631F1702-B937-4118-906D-5A11C7AE1DE5}" dt="2024-03-15T18:16:56.358" v="2647" actId="1076"/>
+          <ac:spMkLst>
+            <pc:docMk/>
+            <pc:sldMk cId="429712299" sldId="269"/>
+            <ac:spMk id="3" creationId="{0DE0A9B2-02E3-EEC7-79A0-D9CAE464B68B}"/>
+          </ac:spMkLst>
+        </pc:spChg>
+        <pc:spChg chg="add">
+          <ac:chgData name="Joel Shorey (Student)" userId="efeb13ac-a1a8-4105-bba8-6f92df6e6b9f" providerId="ADAL" clId="{631F1702-B937-4118-906D-5A11C7AE1DE5}" dt="2024-03-15T17:05:04.025" v="2487" actId="26606"/>
+          <ac:spMkLst>
+            <pc:docMk/>
+            <pc:sldMk cId="429712299" sldId="269"/>
+            <ac:spMk id="8" creationId="{DBF61EA3-B236-439E-9C0B-340980D56BEE}"/>
+          </ac:spMkLst>
+        </pc:spChg>
+        <pc:spChg chg="add">
+          <ac:chgData name="Joel Shorey (Student)" userId="efeb13ac-a1a8-4105-bba8-6f92df6e6b9f" providerId="ADAL" clId="{631F1702-B937-4118-906D-5A11C7AE1DE5}" dt="2024-03-15T17:05:04.025" v="2487" actId="26606"/>
+          <ac:spMkLst>
+            <pc:docMk/>
+            <pc:sldMk cId="429712299" sldId="269"/>
+            <ac:spMk id="14" creationId="{E659831F-0D9A-4C63-9EBB-8435B85A440F}"/>
+          </ac:spMkLst>
+        </pc:spChg>
+        <pc:grpChg chg="add">
+          <ac:chgData name="Joel Shorey (Student)" userId="efeb13ac-a1a8-4105-bba8-6f92df6e6b9f" providerId="ADAL" clId="{631F1702-B937-4118-906D-5A11C7AE1DE5}" dt="2024-03-15T17:05:04.025" v="2487" actId="26606"/>
+          <ac:grpSpMkLst>
+            <pc:docMk/>
+            <pc:sldMk cId="429712299" sldId="269"/>
+            <ac:grpSpMk id="10" creationId="{28FAF094-D087-493F-8DF9-A486C2D6BBAA}"/>
+          </ac:grpSpMkLst>
+        </pc:grpChg>
+      </pc:sldChg>
+      <pc:sldChg chg="addSp modSp mod setBg modNotesTx">
+        <pc:chgData name="Joel Shorey (Student)" userId="efeb13ac-a1a8-4105-bba8-6f92df6e6b9f" providerId="ADAL" clId="{631F1702-B937-4118-906D-5A11C7AE1DE5}" dt="2024-03-15T17:22:15.436" v="2595" actId="1076"/>
+        <pc:sldMkLst>
+          <pc:docMk/>
+          <pc:sldMk cId="2766623718" sldId="270"/>
+        </pc:sldMkLst>
+        <pc:spChg chg="mod">
+          <ac:chgData name="Joel Shorey (Student)" userId="efeb13ac-a1a8-4105-bba8-6f92df6e6b9f" providerId="ADAL" clId="{631F1702-B937-4118-906D-5A11C7AE1DE5}" dt="2024-03-15T17:22:06.833" v="2593" actId="14100"/>
+          <ac:spMkLst>
+            <pc:docMk/>
+            <pc:sldMk cId="2766623718" sldId="270"/>
+            <ac:spMk id="2" creationId="{62253C70-6C03-D2B4-6ED8-5BEC296D605C}"/>
+          </ac:spMkLst>
+        </pc:spChg>
+        <pc:spChg chg="mod">
+          <ac:chgData name="Joel Shorey (Student)" userId="efeb13ac-a1a8-4105-bba8-6f92df6e6b9f" providerId="ADAL" clId="{631F1702-B937-4118-906D-5A11C7AE1DE5}" dt="2024-03-15T17:22:15.436" v="2595" actId="1076"/>
+          <ac:spMkLst>
+            <pc:docMk/>
+            <pc:sldMk cId="2766623718" sldId="270"/>
+            <ac:spMk id="3" creationId="{5150BF1F-3C30-460C-F88F-4312665694A6}"/>
+          </ac:spMkLst>
+        </pc:spChg>
+        <pc:spChg chg="add">
+          <ac:chgData name="Joel Shorey (Student)" userId="efeb13ac-a1a8-4105-bba8-6f92df6e6b9f" providerId="ADAL" clId="{631F1702-B937-4118-906D-5A11C7AE1DE5}" dt="2024-03-15T17:05:26.959" v="2489" actId="26606"/>
+          <ac:spMkLst>
+            <pc:docMk/>
+            <pc:sldMk cId="2766623718" sldId="270"/>
+            <ac:spMk id="8" creationId="{4DA718D0-4865-4629-8134-44F68D41D574}"/>
+          </ac:spMkLst>
+        </pc:spChg>
+        <pc:spChg chg="add">
+          <ac:chgData name="Joel Shorey (Student)" userId="efeb13ac-a1a8-4105-bba8-6f92df6e6b9f" providerId="ADAL" clId="{631F1702-B937-4118-906D-5A11C7AE1DE5}" dt="2024-03-15T17:05:26.959" v="2489" actId="26606"/>
+          <ac:spMkLst>
+            <pc:docMk/>
+            <pc:sldMk cId="2766623718" sldId="270"/>
+            <ac:spMk id="14" creationId="{CBC4F608-B4B8-48C3-9572-C0F061B1CD99}"/>
+          </ac:spMkLst>
+        </pc:spChg>
+        <pc:grpChg chg="add">
+          <ac:chgData name="Joel Shorey (Student)" userId="efeb13ac-a1a8-4105-bba8-6f92df6e6b9f" providerId="ADAL" clId="{631F1702-B937-4118-906D-5A11C7AE1DE5}" dt="2024-03-15T17:05:26.959" v="2489" actId="26606"/>
+          <ac:grpSpMkLst>
+            <pc:docMk/>
+            <pc:sldMk cId="2766623718" sldId="270"/>
+            <ac:grpSpMk id="10" creationId="{65167ED7-6315-43AB-B1B6-C326D5FD8F84}"/>
+          </ac:grpSpMkLst>
+        </pc:grpChg>
+      </pc:sldChg>
+      <pc:sldChg chg="addSp modSp mod setBg modNotesTx">
+        <pc:chgData name="Joel Shorey (Student)" userId="efeb13ac-a1a8-4105-bba8-6f92df6e6b9f" providerId="ADAL" clId="{631F1702-B937-4118-906D-5A11C7AE1DE5}" dt="2024-03-15T17:22:29.680" v="2597" actId="1076"/>
+        <pc:sldMkLst>
+          <pc:docMk/>
+          <pc:sldMk cId="1344676927" sldId="271"/>
+        </pc:sldMkLst>
+        <pc:spChg chg="mod">
+          <ac:chgData name="Joel Shorey (Student)" userId="efeb13ac-a1a8-4105-bba8-6f92df6e6b9f" providerId="ADAL" clId="{631F1702-B937-4118-906D-5A11C7AE1DE5}" dt="2024-03-15T17:13:30.345" v="2511" actId="255"/>
+          <ac:spMkLst>
+            <pc:docMk/>
+            <pc:sldMk cId="1344676927" sldId="271"/>
+            <ac:spMk id="2" creationId="{37969071-03F3-BF68-7DF7-9A6E553EF9F2}"/>
+          </ac:spMkLst>
+        </pc:spChg>
+        <pc:spChg chg="mod">
+          <ac:chgData name="Joel Shorey (Student)" userId="efeb13ac-a1a8-4105-bba8-6f92df6e6b9f" providerId="ADAL" clId="{631F1702-B937-4118-906D-5A11C7AE1DE5}" dt="2024-03-15T17:22:29.680" v="2597" actId="1076"/>
+          <ac:spMkLst>
+            <pc:docMk/>
+            <pc:sldMk cId="1344676927" sldId="271"/>
+            <ac:spMk id="3" creationId="{C15207E0-F9CD-47A3-D8CB-8486831FB6A4}"/>
+          </ac:spMkLst>
+        </pc:spChg>
+        <pc:spChg chg="add">
+          <ac:chgData name="Joel Shorey (Student)" userId="efeb13ac-a1a8-4105-bba8-6f92df6e6b9f" providerId="ADAL" clId="{631F1702-B937-4118-906D-5A11C7AE1DE5}" dt="2024-03-15T17:06:13.609" v="2492" actId="26606"/>
+          <ac:spMkLst>
+            <pc:docMk/>
+            <pc:sldMk cId="1344676927" sldId="271"/>
+            <ac:spMk id="8" creationId="{B6CDA21F-E7AF-4C75-8395-33F58D5B0E45}"/>
+          </ac:spMkLst>
+        </pc:spChg>
+        <pc:spChg chg="add">
+          <ac:chgData name="Joel Shorey (Student)" userId="efeb13ac-a1a8-4105-bba8-6f92df6e6b9f" providerId="ADAL" clId="{631F1702-B937-4118-906D-5A11C7AE1DE5}" dt="2024-03-15T17:06:13.609" v="2492" actId="26606"/>
+          <ac:spMkLst>
+            <pc:docMk/>
+            <pc:sldMk cId="1344676927" sldId="271"/>
+            <ac:spMk id="15" creationId="{D5B0017B-2ECA-49AF-B397-DC140825DF8D}"/>
+          </ac:spMkLst>
+        </pc:spChg>
+        <pc:grpChg chg="add">
+          <ac:chgData name="Joel Shorey (Student)" userId="efeb13ac-a1a8-4105-bba8-6f92df6e6b9f" providerId="ADAL" clId="{631F1702-B937-4118-906D-5A11C7AE1DE5}" dt="2024-03-15T17:06:13.609" v="2492" actId="26606"/>
+          <ac:grpSpMkLst>
+            <pc:docMk/>
+            <pc:sldMk cId="1344676927" sldId="271"/>
+            <ac:grpSpMk id="10" creationId="{AE1C45F0-260A-458C-96ED-C1F6D2151219}"/>
+          </ac:grpSpMkLst>
+        </pc:grpChg>
+        <pc:cxnChg chg="add">
+          <ac:chgData name="Joel Shorey (Student)" userId="efeb13ac-a1a8-4105-bba8-6f92df6e6b9f" providerId="ADAL" clId="{631F1702-B937-4118-906D-5A11C7AE1DE5}" dt="2024-03-15T17:06:13.609" v="2492" actId="26606"/>
+          <ac:cxnSpMkLst>
+            <pc:docMk/>
+            <pc:sldMk cId="1344676927" sldId="271"/>
+            <ac:cxnSpMk id="17" creationId="{6CF1BAF6-AD41-4082-B212-8A1F9A2E8779}"/>
+          </ac:cxnSpMkLst>
+        </pc:cxnChg>
+      </pc:sldChg>
+      <pc:sldChg chg="new">
+        <pc:chgData name="Joel Shorey (Student)" userId="efeb13ac-a1a8-4105-bba8-6f92df6e6b9f" providerId="ADAL" clId="{631F1702-B937-4118-906D-5A11C7AE1DE5}" dt="2024-03-13T20:12:46.573" v="0" actId="680"/>
+        <pc:sldMkLst>
+          <pc:docMk/>
+          <pc:sldMk cId="176244466" sldId="272"/>
+        </pc:sldMkLst>
+      </pc:sldChg>
+      <pc:sldChg chg="addSp modSp mod setBg modNotesTx">
+        <pc:chgData name="Joel Shorey (Student)" userId="efeb13ac-a1a8-4105-bba8-6f92df6e6b9f" providerId="ADAL" clId="{631F1702-B937-4118-906D-5A11C7AE1DE5}" dt="2024-03-15T17:26:51.151" v="2639" actId="14100"/>
+        <pc:sldMkLst>
+          <pc:docMk/>
+          <pc:sldMk cId="833408984" sldId="272"/>
+        </pc:sldMkLst>
+        <pc:spChg chg="mod">
+          <ac:chgData name="Joel Shorey (Student)" userId="efeb13ac-a1a8-4105-bba8-6f92df6e6b9f" providerId="ADAL" clId="{631F1702-B937-4118-906D-5A11C7AE1DE5}" dt="2024-03-15T17:26:51.151" v="2639" actId="14100"/>
+          <ac:spMkLst>
+            <pc:docMk/>
+            <pc:sldMk cId="833408984" sldId="272"/>
+            <ac:spMk id="2" creationId="{F4AF2B95-5C06-5380-8759-E58BF961D259}"/>
+          </ac:spMkLst>
+        </pc:spChg>
+        <pc:spChg chg="mod">
+          <ac:chgData name="Joel Shorey (Student)" userId="efeb13ac-a1a8-4105-bba8-6f92df6e6b9f" providerId="ADAL" clId="{631F1702-B937-4118-906D-5A11C7AE1DE5}" dt="2024-03-15T17:22:41.291" v="2600" actId="1076"/>
+          <ac:spMkLst>
+            <pc:docMk/>
+            <pc:sldMk cId="833408984" sldId="272"/>
+            <ac:spMk id="3" creationId="{CED9B64C-B477-2972-D888-A88C6427B333}"/>
+          </ac:spMkLst>
+        </pc:spChg>
+        <pc:spChg chg="add">
+          <ac:chgData name="Joel Shorey (Student)" userId="efeb13ac-a1a8-4105-bba8-6f92df6e6b9f" providerId="ADAL" clId="{631F1702-B937-4118-906D-5A11C7AE1DE5}" dt="2024-03-15T17:07:01.268" v="2498" actId="26606"/>
+          <ac:spMkLst>
+            <pc:docMk/>
+            <pc:sldMk cId="833408984" sldId="272"/>
+            <ac:spMk id="8" creationId="{DBF61EA3-B236-439E-9C0B-340980D56BEE}"/>
+          </ac:spMkLst>
+        </pc:spChg>
+        <pc:spChg chg="add">
+          <ac:chgData name="Joel Shorey (Student)" userId="efeb13ac-a1a8-4105-bba8-6f92df6e6b9f" providerId="ADAL" clId="{631F1702-B937-4118-906D-5A11C7AE1DE5}" dt="2024-03-15T17:07:01.268" v="2498" actId="26606"/>
+          <ac:spMkLst>
+            <pc:docMk/>
+            <pc:sldMk cId="833408984" sldId="272"/>
+            <ac:spMk id="14" creationId="{E659831F-0D9A-4C63-9EBB-8435B85A440F}"/>
+          </ac:spMkLst>
+        </pc:spChg>
+        <pc:grpChg chg="add">
+          <ac:chgData name="Joel Shorey (Student)" userId="efeb13ac-a1a8-4105-bba8-6f92df6e6b9f" providerId="ADAL" clId="{631F1702-B937-4118-906D-5A11C7AE1DE5}" dt="2024-03-15T17:07:01.268" v="2498" actId="26606"/>
+          <ac:grpSpMkLst>
+            <pc:docMk/>
+            <pc:sldMk cId="833408984" sldId="272"/>
+            <ac:grpSpMk id="10" creationId="{28FAF094-D087-493F-8DF9-A486C2D6BBAA}"/>
+          </ac:grpSpMkLst>
+        </pc:grpChg>
+      </pc:sldChg>
+      <pc:sldChg chg="addSp delSp modSp mod setBg">
+        <pc:chgData name="Joel Shorey (Student)" userId="efeb13ac-a1a8-4105-bba8-6f92df6e6b9f" providerId="ADAL" clId="{631F1702-B937-4118-906D-5A11C7AE1DE5}" dt="2024-03-15T17:14:22.296" v="2521" actId="1076"/>
+        <pc:sldMkLst>
+          <pc:docMk/>
+          <pc:sldMk cId="176244466" sldId="273"/>
+        </pc:sldMkLst>
+        <pc:spChg chg="mod">
+          <ac:chgData name="Joel Shorey (Student)" userId="efeb13ac-a1a8-4105-bba8-6f92df6e6b9f" providerId="ADAL" clId="{631F1702-B937-4118-906D-5A11C7AE1DE5}" dt="2024-03-15T17:14:22.296" v="2521" actId="1076"/>
+          <ac:spMkLst>
+            <pc:docMk/>
+            <pc:sldMk cId="176244466" sldId="273"/>
+            <ac:spMk id="2" creationId="{7417232C-720D-6752-429B-B5252B698094}"/>
+          </ac:spMkLst>
+        </pc:spChg>
+        <pc:spChg chg="del">
+          <ac:chgData name="Joel Shorey (Student)" userId="efeb13ac-a1a8-4105-bba8-6f92df6e6b9f" providerId="ADAL" clId="{631F1702-B937-4118-906D-5A11C7AE1DE5}" dt="2024-03-13T20:13:01.460" v="43" actId="478"/>
+          <ac:spMkLst>
+            <pc:docMk/>
+            <pc:sldMk cId="176244466" sldId="273"/>
+            <ac:spMk id="3" creationId="{B84FE517-D4F4-CA78-278D-FD94279633E4}"/>
+          </ac:spMkLst>
+        </pc:spChg>
+        <pc:spChg chg="add">
+          <ac:chgData name="Joel Shorey (Student)" userId="efeb13ac-a1a8-4105-bba8-6f92df6e6b9f" providerId="ADAL" clId="{631F1702-B937-4118-906D-5A11C7AE1DE5}" dt="2024-03-15T17:05:38.383" v="2490" actId="26606"/>
+          <ac:spMkLst>
+            <pc:docMk/>
+            <pc:sldMk cId="176244466" sldId="273"/>
+            <ac:spMk id="10" creationId="{9180DE06-7362-4888-AADA-7AADD57AC49D}"/>
+          </ac:spMkLst>
+        </pc:spChg>
+        <pc:spChg chg="add">
+          <ac:chgData name="Joel Shorey (Student)" userId="efeb13ac-a1a8-4105-bba8-6f92df6e6b9f" providerId="ADAL" clId="{631F1702-B937-4118-906D-5A11C7AE1DE5}" dt="2024-03-15T17:05:38.383" v="2490" actId="26606"/>
+          <ac:spMkLst>
+            <pc:docMk/>
+            <pc:sldMk cId="176244466" sldId="273"/>
+            <ac:spMk id="16" creationId="{04357C93-F0CB-4A1C-8F77-4E9063789819}"/>
+          </ac:spMkLst>
+        </pc:spChg>
+        <pc:grpChg chg="add">
+          <ac:chgData name="Joel Shorey (Student)" userId="efeb13ac-a1a8-4105-bba8-6f92df6e6b9f" providerId="ADAL" clId="{631F1702-B937-4118-906D-5A11C7AE1DE5}" dt="2024-03-15T17:05:38.383" v="2490" actId="26606"/>
+          <ac:grpSpMkLst>
+            <pc:docMk/>
+            <pc:sldMk cId="176244466" sldId="273"/>
+            <ac:grpSpMk id="12" creationId="{3AF6A671-C637-4547-85F4-51B6D1881399}"/>
+          </ac:grpSpMkLst>
+        </pc:grpChg>
+        <pc:picChg chg="add mod">
+          <ac:chgData name="Joel Shorey (Student)" userId="efeb13ac-a1a8-4105-bba8-6f92df6e6b9f" providerId="ADAL" clId="{631F1702-B937-4118-906D-5A11C7AE1DE5}" dt="2024-03-15T17:05:38.383" v="2490" actId="26606"/>
+          <ac:picMkLst>
+            <pc:docMk/>
+            <pc:sldMk cId="176244466" sldId="273"/>
+            <ac:picMk id="5" creationId="{A6794B46-FF66-85AE-5630-997F6718DE13}"/>
+          </ac:picMkLst>
+        </pc:picChg>
+      </pc:sldChg>
+      <pc:sldChg chg="addSp modSp mod setBg modNotesTx">
+        <pc:chgData name="Joel Shorey (Student)" userId="efeb13ac-a1a8-4105-bba8-6f92df6e6b9f" providerId="ADAL" clId="{631F1702-B937-4118-906D-5A11C7AE1DE5}" dt="2024-03-15T17:21:48.353" v="2589" actId="1076"/>
+        <pc:sldMkLst>
+          <pc:docMk/>
+          <pc:sldMk cId="898442046" sldId="274"/>
+        </pc:sldMkLst>
+        <pc:spChg chg="mod">
+          <ac:chgData name="Joel Shorey (Student)" userId="efeb13ac-a1a8-4105-bba8-6f92df6e6b9f" providerId="ADAL" clId="{631F1702-B937-4118-906D-5A11C7AE1DE5}" dt="2024-03-15T17:12:52.035" v="2505" actId="255"/>
+          <ac:spMkLst>
+            <pc:docMk/>
+            <pc:sldMk cId="898442046" sldId="274"/>
+            <ac:spMk id="2" creationId="{CE5C8BC2-B6F2-8846-40B0-D7E2B2FF9C3F}"/>
+          </ac:spMkLst>
+        </pc:spChg>
+        <pc:spChg chg="mod">
+          <ac:chgData name="Joel Shorey (Student)" userId="efeb13ac-a1a8-4105-bba8-6f92df6e6b9f" providerId="ADAL" clId="{631F1702-B937-4118-906D-5A11C7AE1DE5}" dt="2024-03-15T17:21:48.353" v="2589" actId="1076"/>
+          <ac:spMkLst>
+            <pc:docMk/>
+            <pc:sldMk cId="898442046" sldId="274"/>
+            <ac:spMk id="3" creationId="{4119DD99-55A5-19B7-62DB-07F85371ACFC}"/>
+          </ac:spMkLst>
+        </pc:spChg>
+        <pc:spChg chg="add">
+          <ac:chgData name="Joel Shorey (Student)" userId="efeb13ac-a1a8-4105-bba8-6f92df6e6b9f" providerId="ADAL" clId="{631F1702-B937-4118-906D-5A11C7AE1DE5}" dt="2024-03-15T17:05:17.847" v="2488" actId="26606"/>
+          <ac:spMkLst>
+            <pc:docMk/>
+            <pc:sldMk cId="898442046" sldId="274"/>
+            <ac:spMk id="8" creationId="{B6CDA21F-E7AF-4C75-8395-33F58D5B0E45}"/>
+          </ac:spMkLst>
+        </pc:spChg>
+        <pc:spChg chg="add">
+          <ac:chgData name="Joel Shorey (Student)" userId="efeb13ac-a1a8-4105-bba8-6f92df6e6b9f" providerId="ADAL" clId="{631F1702-B937-4118-906D-5A11C7AE1DE5}" dt="2024-03-15T17:05:17.847" v="2488" actId="26606"/>
+          <ac:spMkLst>
+            <pc:docMk/>
+            <pc:sldMk cId="898442046" sldId="274"/>
+            <ac:spMk id="15" creationId="{D5B0017B-2ECA-49AF-B397-DC140825DF8D}"/>
+          </ac:spMkLst>
+        </pc:spChg>
+        <pc:grpChg chg="add">
+          <ac:chgData name="Joel Shorey (Student)" userId="efeb13ac-a1a8-4105-bba8-6f92df6e6b9f" providerId="ADAL" clId="{631F1702-B937-4118-906D-5A11C7AE1DE5}" dt="2024-03-15T17:05:17.847" v="2488" actId="26606"/>
+          <ac:grpSpMkLst>
+            <pc:docMk/>
+            <pc:sldMk cId="898442046" sldId="274"/>
+            <ac:grpSpMk id="10" creationId="{AE1C45F0-260A-458C-96ED-C1F6D2151219}"/>
+          </ac:grpSpMkLst>
+        </pc:grpChg>
+        <pc:cxnChg chg="add">
+          <ac:chgData name="Joel Shorey (Student)" userId="efeb13ac-a1a8-4105-bba8-6f92df6e6b9f" providerId="ADAL" clId="{631F1702-B937-4118-906D-5A11C7AE1DE5}" dt="2024-03-15T17:05:17.847" v="2488" actId="26606"/>
+          <ac:cxnSpMkLst>
+            <pc:docMk/>
+            <pc:sldMk cId="898442046" sldId="274"/>
+            <ac:cxnSpMk id="17" creationId="{6CF1BAF6-AD41-4082-B212-8A1F9A2E8779}"/>
+          </ac:cxnSpMkLst>
+        </pc:cxnChg>
+      </pc:sldChg>
+      <pc:sldChg chg="del">
+        <pc:chgData name="Joel Shorey (Student)" userId="efeb13ac-a1a8-4105-bba8-6f92df6e6b9f" providerId="ADAL" clId="{631F1702-B937-4118-906D-5A11C7AE1DE5}" dt="2024-03-13T20:53:01.307" v="774" actId="47"/>
+        <pc:sldMkLst>
+          <pc:docMk/>
+          <pc:sldMk cId="1409966744" sldId="276"/>
+        </pc:sldMkLst>
+      </pc:sldChg>
+      <pc:sldChg chg="addSp delSp modSp mod">
+        <pc:chgData name="Joel Shorey (Student)" userId="efeb13ac-a1a8-4105-bba8-6f92df6e6b9f" providerId="ADAL" clId="{631F1702-B937-4118-906D-5A11C7AE1DE5}" dt="2024-03-15T17:23:29.570" v="2611" actId="1076"/>
+        <pc:sldMkLst>
+          <pc:docMk/>
+          <pc:sldMk cId="2002257491" sldId="277"/>
+        </pc:sldMkLst>
+        <pc:spChg chg="mod">
+          <ac:chgData name="Joel Shorey (Student)" userId="efeb13ac-a1a8-4105-bba8-6f92df6e6b9f" providerId="ADAL" clId="{631F1702-B937-4118-906D-5A11C7AE1DE5}" dt="2024-03-15T17:15:17.262" v="2530" actId="1076"/>
+          <ac:spMkLst>
+            <pc:docMk/>
+            <pc:sldMk cId="2002257491" sldId="277"/>
+            <ac:spMk id="2" creationId="{67AE8871-96B2-0FB7-216F-2AE202108C5C}"/>
+          </ac:spMkLst>
+        </pc:spChg>
+        <pc:spChg chg="mod">
+          <ac:chgData name="Joel Shorey (Student)" userId="efeb13ac-a1a8-4105-bba8-6f92df6e6b9f" providerId="ADAL" clId="{631F1702-B937-4118-906D-5A11C7AE1DE5}" dt="2024-03-15T17:23:29.570" v="2611" actId="1076"/>
+          <ac:spMkLst>
+            <pc:docMk/>
+            <pc:sldMk cId="2002257491" sldId="277"/>
+            <ac:spMk id="3" creationId="{6ADD6E1A-EFCF-E7F9-5CDE-7EB9AB725A6D}"/>
+          </ac:spMkLst>
+        </pc:spChg>
+        <pc:spChg chg="add del">
+          <ac:chgData name="Joel Shorey (Student)" userId="efeb13ac-a1a8-4105-bba8-6f92df6e6b9f" providerId="ADAL" clId="{631F1702-B937-4118-906D-5A11C7AE1DE5}" dt="2024-03-15T17:04:21.214" v="2485" actId="26606"/>
+          <ac:spMkLst>
+            <pc:docMk/>
+            <pc:sldMk cId="2002257491" sldId="277"/>
+            <ac:spMk id="51" creationId="{91DC6ABD-215C-4EA8-A483-CEF5B99AB385}"/>
+          </ac:spMkLst>
+        </pc:spChg>
+        <pc:spChg chg="add del">
+          <ac:chgData name="Joel Shorey (Student)" userId="efeb13ac-a1a8-4105-bba8-6f92df6e6b9f" providerId="ADAL" clId="{631F1702-B937-4118-906D-5A11C7AE1DE5}" dt="2024-03-15T17:04:21.214" v="2485" actId="26606"/>
+          <ac:spMkLst>
+            <pc:docMk/>
+            <pc:sldMk cId="2002257491" sldId="277"/>
+            <ac:spMk id="54" creationId="{04357C93-F0CB-4A1C-8F77-4E9063789819}"/>
+          </ac:spMkLst>
+        </pc:spChg>
+        <pc:spChg chg="add del">
+          <ac:chgData name="Joel Shorey (Student)" userId="efeb13ac-a1a8-4105-bba8-6f92df6e6b9f" providerId="ADAL" clId="{631F1702-B937-4118-906D-5A11C7AE1DE5}" dt="2024-03-15T17:04:21.214" v="2485" actId="26606"/>
+          <ac:spMkLst>
+            <pc:docMk/>
+            <pc:sldMk cId="2002257491" sldId="277"/>
+            <ac:spMk id="59" creationId="{22A397E7-BF60-45B2-84C7-B074B76C37A7}"/>
+          </ac:spMkLst>
+        </pc:spChg>
+        <pc:spChg chg="add del">
+          <ac:chgData name="Joel Shorey (Student)" userId="efeb13ac-a1a8-4105-bba8-6f92df6e6b9f" providerId="ADAL" clId="{631F1702-B937-4118-906D-5A11C7AE1DE5}" dt="2024-03-15T17:04:21.214" v="2485" actId="26606"/>
+          <ac:spMkLst>
+            <pc:docMk/>
+            <pc:sldMk cId="2002257491" sldId="277"/>
+            <ac:spMk id="61" creationId="{890DEF05-784E-4B61-89E4-04C4ECF4E5A0}"/>
+          </ac:spMkLst>
+        </pc:spChg>
+        <pc:grpChg chg="add del">
+          <ac:chgData name="Joel Shorey (Student)" userId="efeb13ac-a1a8-4105-bba8-6f92df6e6b9f" providerId="ADAL" clId="{631F1702-B937-4118-906D-5A11C7AE1DE5}" dt="2024-03-15T17:04:21.214" v="2485" actId="26606"/>
+          <ac:grpSpMkLst>
+            <pc:docMk/>
+            <pc:sldMk cId="2002257491" sldId="277"/>
+            <ac:grpSpMk id="52" creationId="{3AF6A671-C637-4547-85F4-51B6D1881399}"/>
+          </ac:grpSpMkLst>
+        </pc:grpChg>
+        <pc:picChg chg="mod ord">
+          <ac:chgData name="Joel Shorey (Student)" userId="efeb13ac-a1a8-4105-bba8-6f92df6e6b9f" providerId="ADAL" clId="{631F1702-B937-4118-906D-5A11C7AE1DE5}" dt="2024-03-15T17:04:21.214" v="2485" actId="26606"/>
+          <ac:picMkLst>
+            <pc:docMk/>
+            <pc:sldMk cId="2002257491" sldId="277"/>
+            <ac:picMk id="4" creationId="{AA0BECA3-9414-E9A7-7722-442863B7798C}"/>
+          </ac:picMkLst>
+        </pc:picChg>
+        <pc:cxnChg chg="add del">
+          <ac:chgData name="Joel Shorey (Student)" userId="efeb13ac-a1a8-4105-bba8-6f92df6e6b9f" providerId="ADAL" clId="{631F1702-B937-4118-906D-5A11C7AE1DE5}" dt="2024-03-15T17:04:21.214" v="2485" actId="26606"/>
+          <ac:cxnSpMkLst>
+            <pc:docMk/>
+            <pc:sldMk cId="2002257491" sldId="277"/>
+            <ac:cxnSpMk id="63" creationId="{C41BAEC7-F7B0-4224-8B18-8F74B7D87F0B}"/>
+          </ac:cxnSpMkLst>
+        </pc:cxnChg>
+      </pc:sldChg>
+      <pc:sldChg chg="addSp delSp modSp mod setBg modNotesTx">
+        <pc:chgData name="Joel Shorey (Student)" userId="efeb13ac-a1a8-4105-bba8-6f92df6e6b9f" providerId="ADAL" clId="{631F1702-B937-4118-906D-5A11C7AE1DE5}" dt="2024-03-15T17:27:02.696" v="2646" actId="20577"/>
+        <pc:sldMkLst>
+          <pc:docMk/>
+          <pc:sldMk cId="4106172094" sldId="278"/>
+        </pc:sldMkLst>
+        <pc:spChg chg="mod">
+          <ac:chgData name="Joel Shorey (Student)" userId="efeb13ac-a1a8-4105-bba8-6f92df6e6b9f" providerId="ADAL" clId="{631F1702-B937-4118-906D-5A11C7AE1DE5}" dt="2024-03-15T17:27:02.696" v="2646" actId="20577"/>
+          <ac:spMkLst>
+            <pc:docMk/>
+            <pc:sldMk cId="4106172094" sldId="278"/>
+            <ac:spMk id="2" creationId="{6F710674-8F47-E652-60B0-D9489E02E111}"/>
+          </ac:spMkLst>
+        </pc:spChg>
+        <pc:spChg chg="add del mod">
+          <ac:chgData name="Joel Shorey (Student)" userId="efeb13ac-a1a8-4105-bba8-6f92df6e6b9f" providerId="ADAL" clId="{631F1702-B937-4118-906D-5A11C7AE1DE5}" dt="2024-03-15T17:22:54.059" v="2603" actId="1076"/>
+          <ac:spMkLst>
+            <pc:docMk/>
+            <pc:sldMk cId="4106172094" sldId="278"/>
+            <ac:spMk id="3" creationId="{B524E7C7-9AE5-4E83-66DF-0AA1322B12ED}"/>
+          </ac:spMkLst>
+        </pc:spChg>
+        <pc:spChg chg="add">
+          <ac:chgData name="Joel Shorey (Student)" userId="efeb13ac-a1a8-4105-bba8-6f92df6e6b9f" providerId="ADAL" clId="{631F1702-B937-4118-906D-5A11C7AE1DE5}" dt="2024-03-15T17:07:07.490" v="2499" actId="26606"/>
+          <ac:spMkLst>
+            <pc:docMk/>
+            <pc:sldMk cId="4106172094" sldId="278"/>
+            <ac:spMk id="7" creationId="{D5B0017B-2ECA-49AF-B397-DC140825DF8D}"/>
+          </ac:spMkLst>
+        </pc:spChg>
+        <pc:spChg chg="add">
+          <ac:chgData name="Joel Shorey (Student)" userId="efeb13ac-a1a8-4105-bba8-6f92df6e6b9f" providerId="ADAL" clId="{631F1702-B937-4118-906D-5A11C7AE1DE5}" dt="2024-03-15T17:07:07.490" v="2499" actId="26606"/>
+          <ac:spMkLst>
+            <pc:docMk/>
+            <pc:sldMk cId="4106172094" sldId="278"/>
+            <ac:spMk id="8" creationId="{B6CDA21F-E7AF-4C75-8395-33F58D5B0E45}"/>
+          </ac:spMkLst>
+        </pc:spChg>
+        <pc:spChg chg="add del">
+          <ac:chgData name="Joel Shorey (Student)" userId="efeb13ac-a1a8-4105-bba8-6f92df6e6b9f" providerId="ADAL" clId="{631F1702-B937-4118-906D-5A11C7AE1DE5}" dt="2024-03-15T17:01:49.554" v="2483" actId="26606"/>
+          <ac:spMkLst>
+            <pc:docMk/>
+            <pc:sldMk cId="4106172094" sldId="278"/>
+            <ac:spMk id="9" creationId="{A1F6BF70-C7D1-4AF9-8DB4-BEEB8A9C3529}"/>
+          </ac:spMkLst>
+        </pc:spChg>
+        <pc:spChg chg="add del">
+          <ac:chgData name="Joel Shorey (Student)" userId="efeb13ac-a1a8-4105-bba8-6f92df6e6b9f" providerId="ADAL" clId="{631F1702-B937-4118-906D-5A11C7AE1DE5}" dt="2024-03-15T17:01:49.554" v="2483" actId="26606"/>
+          <ac:spMkLst>
+            <pc:docMk/>
+            <pc:sldMk cId="4106172094" sldId="278"/>
+            <ac:spMk id="15" creationId="{2C1BBA94-3F40-40AA-8BB9-E69E25E537C1}"/>
+          </ac:spMkLst>
+        </pc:spChg>
+        <pc:grpChg chg="add">
+          <ac:chgData name="Joel Shorey (Student)" userId="efeb13ac-a1a8-4105-bba8-6f92df6e6b9f" providerId="ADAL" clId="{631F1702-B937-4118-906D-5A11C7AE1DE5}" dt="2024-03-15T17:07:07.490" v="2499" actId="26606"/>
+          <ac:grpSpMkLst>
+            <pc:docMk/>
+            <pc:sldMk cId="4106172094" sldId="278"/>
+            <ac:grpSpMk id="10" creationId="{AE1C45F0-260A-458C-96ED-C1F6D2151219}"/>
+          </ac:grpSpMkLst>
+        </pc:grpChg>
+        <pc:grpChg chg="add del">
+          <ac:chgData name="Joel Shorey (Student)" userId="efeb13ac-a1a8-4105-bba8-6f92df6e6b9f" providerId="ADAL" clId="{631F1702-B937-4118-906D-5A11C7AE1DE5}" dt="2024-03-15T17:01:49.554" v="2483" actId="26606"/>
+          <ac:grpSpMkLst>
+            <pc:docMk/>
+            <pc:sldMk cId="4106172094" sldId="278"/>
+            <ac:grpSpMk id="11" creationId="{0C66A8B6-1F6E-4FCC-93B9-B9986B6FD111}"/>
+          </ac:grpSpMkLst>
+        </pc:grpChg>
+        <pc:graphicFrameChg chg="add del">
+          <ac:chgData name="Joel Shorey (Student)" userId="efeb13ac-a1a8-4105-bba8-6f92df6e6b9f" providerId="ADAL" clId="{631F1702-B937-4118-906D-5A11C7AE1DE5}" dt="2024-03-15T17:01:49.554" v="2483" actId="26606"/>
+          <ac:graphicFrameMkLst>
+            <pc:docMk/>
+            <pc:sldMk cId="4106172094" sldId="278"/>
+            <ac:graphicFrameMk id="5" creationId="{FCC22DD5-4CA4-5B5A-001E-B9CF698A187B}"/>
+          </ac:graphicFrameMkLst>
+        </pc:graphicFrameChg>
+        <pc:cxnChg chg="add">
+          <ac:chgData name="Joel Shorey (Student)" userId="efeb13ac-a1a8-4105-bba8-6f92df6e6b9f" providerId="ADAL" clId="{631F1702-B937-4118-906D-5A11C7AE1DE5}" dt="2024-03-15T17:07:07.490" v="2499" actId="26606"/>
+          <ac:cxnSpMkLst>
+            <pc:docMk/>
+            <pc:sldMk cId="4106172094" sldId="278"/>
+            <ac:cxnSpMk id="17" creationId="{6CF1BAF6-AD41-4082-B212-8A1F9A2E8779}"/>
+          </ac:cxnSpMkLst>
+        </pc:cxnChg>
+      </pc:sldChg>
+      <pc:sldChg chg="addSp delSp modSp new mod setBg">
+        <pc:chgData name="Joel Shorey (Student)" userId="efeb13ac-a1a8-4105-bba8-6f92df6e6b9f" providerId="ADAL" clId="{631F1702-B937-4118-906D-5A11C7AE1DE5}" dt="2024-03-15T17:26:02.697" v="2623" actId="14100"/>
+        <pc:sldMkLst>
+          <pc:docMk/>
+          <pc:sldMk cId="959600081" sldId="280"/>
+        </pc:sldMkLst>
+        <pc:spChg chg="mod">
+          <ac:chgData name="Joel Shorey (Student)" userId="efeb13ac-a1a8-4105-bba8-6f92df6e6b9f" providerId="ADAL" clId="{631F1702-B937-4118-906D-5A11C7AE1DE5}" dt="2024-03-15T17:14:02.027" v="2517" actId="255"/>
+          <ac:spMkLst>
+            <pc:docMk/>
+            <pc:sldMk cId="959600081" sldId="280"/>
+            <ac:spMk id="2" creationId="{55CEA096-E629-EEB3-F135-725A15F1EC1C}"/>
+          </ac:spMkLst>
+        </pc:spChg>
+        <pc:spChg chg="del">
+          <ac:chgData name="Joel Shorey (Student)" userId="efeb13ac-a1a8-4105-bba8-6f92df6e6b9f" providerId="ADAL" clId="{631F1702-B937-4118-906D-5A11C7AE1DE5}" dt="2024-03-13T20:36:13.194" v="126" actId="478"/>
+          <ac:spMkLst>
+            <pc:docMk/>
+            <pc:sldMk cId="959600081" sldId="280"/>
+            <ac:spMk id="3" creationId="{244D0872-B977-EA8E-4D72-0AA8DB874BDA}"/>
+          </ac:spMkLst>
+        </pc:spChg>
+        <pc:spChg chg="add">
+          <ac:chgData name="Joel Shorey (Student)" userId="efeb13ac-a1a8-4105-bba8-6f92df6e6b9f" providerId="ADAL" clId="{631F1702-B937-4118-906D-5A11C7AE1DE5}" dt="2024-03-15T17:06:27.625" v="2493" actId="26606"/>
+          <ac:spMkLst>
+            <pc:docMk/>
+            <pc:sldMk cId="959600081" sldId="280"/>
+            <ac:spMk id="10" creationId="{BA79A7CF-01AF-4178-9369-94E0C90EB046}"/>
+          </ac:spMkLst>
+        </pc:spChg>
+        <pc:spChg chg="add">
+          <ac:chgData name="Joel Shorey (Student)" userId="efeb13ac-a1a8-4105-bba8-6f92df6e6b9f" providerId="ADAL" clId="{631F1702-B937-4118-906D-5A11C7AE1DE5}" dt="2024-03-15T17:06:27.625" v="2493" actId="26606"/>
+          <ac:spMkLst>
+            <pc:docMk/>
+            <pc:sldMk cId="959600081" sldId="280"/>
+            <ac:spMk id="12" creationId="{99413ED5-9ED4-4772-BCE4-2BCAE6B12E35}"/>
+          </ac:spMkLst>
+        </pc:spChg>
+        <pc:spChg chg="add">
+          <ac:chgData name="Joel Shorey (Student)" userId="efeb13ac-a1a8-4105-bba8-6f92df6e6b9f" providerId="ADAL" clId="{631F1702-B937-4118-906D-5A11C7AE1DE5}" dt="2024-03-15T17:06:27.625" v="2493" actId="26606"/>
+          <ac:spMkLst>
+            <pc:docMk/>
+            <pc:sldMk cId="959600081" sldId="280"/>
+            <ac:spMk id="14" creationId="{04357C93-F0CB-4A1C-8F77-4E9063789819}"/>
+          </ac:spMkLst>
+        </pc:spChg>
+        <pc:spChg chg="add">
+          <ac:chgData name="Joel Shorey (Student)" userId="efeb13ac-a1a8-4105-bba8-6f92df6e6b9f" providerId="ADAL" clId="{631F1702-B937-4118-906D-5A11C7AE1DE5}" dt="2024-03-15T17:06:27.625" v="2493" actId="26606"/>
+          <ac:spMkLst>
+            <pc:docMk/>
+            <pc:sldMk cId="959600081" sldId="280"/>
+            <ac:spMk id="16" creationId="{90F533E9-6690-41A8-A372-4C6C622D028D}"/>
+          </ac:spMkLst>
+        </pc:spChg>
+        <pc:picChg chg="add mod">
+          <ac:chgData name="Joel Shorey (Student)" userId="efeb13ac-a1a8-4105-bba8-6f92df6e6b9f" providerId="ADAL" clId="{631F1702-B937-4118-906D-5A11C7AE1DE5}" dt="2024-03-15T17:26:02.697" v="2623" actId="14100"/>
+          <ac:picMkLst>
+            <pc:docMk/>
+            <pc:sldMk cId="959600081" sldId="280"/>
+            <ac:picMk id="5" creationId="{7AEBBE45-B1A8-1C03-E51D-6FE4699332E0}"/>
+          </ac:picMkLst>
+        </pc:picChg>
+      </pc:sldChg>
+      <pc:sldChg chg="modSp mod">
+        <pc:chgData name="Joel Shorey (Student)" userId="efeb13ac-a1a8-4105-bba8-6f92df6e6b9f" providerId="ADAL" clId="{631F1702-B937-4118-906D-5A11C7AE1DE5}" dt="2024-03-15T17:24:12.730" v="2618" actId="1076"/>
+        <pc:sldMkLst>
+          <pc:docMk/>
+          <pc:sldMk cId="3717565896" sldId="281"/>
+        </pc:sldMkLst>
+        <pc:spChg chg="mod">
+          <ac:chgData name="Joel Shorey (Student)" userId="efeb13ac-a1a8-4105-bba8-6f92df6e6b9f" providerId="ADAL" clId="{631F1702-B937-4118-906D-5A11C7AE1DE5}" dt="2024-03-15T17:15:37.597" v="2533" actId="255"/>
+          <ac:spMkLst>
+            <pc:docMk/>
+            <pc:sldMk cId="3717565896" sldId="281"/>
+            <ac:spMk id="2" creationId="{50E7C36E-FBD4-D03C-FD47-AB83F936D25A}"/>
+          </ac:spMkLst>
+        </pc:spChg>
+        <pc:spChg chg="mod">
+          <ac:chgData name="Joel Shorey (Student)" userId="efeb13ac-a1a8-4105-bba8-6f92df6e6b9f" providerId="ADAL" clId="{631F1702-B937-4118-906D-5A11C7AE1DE5}" dt="2024-03-15T17:20:53.887" v="2582" actId="14100"/>
+          <ac:spMkLst>
+            <pc:docMk/>
+            <pc:sldMk cId="3717565896" sldId="281"/>
+            <ac:spMk id="5" creationId="{2EE385B2-D0B9-D866-19CD-4BD275D44F33}"/>
+          </ac:spMkLst>
+        </pc:spChg>
+        <pc:spChg chg="mod">
+          <ac:chgData name="Joel Shorey (Student)" userId="efeb13ac-a1a8-4105-bba8-6f92df6e6b9f" providerId="ADAL" clId="{631F1702-B937-4118-906D-5A11C7AE1DE5}" dt="2024-03-15T17:20:12.598" v="2573" actId="14100"/>
+          <ac:spMkLst>
+            <pc:docMk/>
+            <pc:sldMk cId="3717565896" sldId="281"/>
+            <ac:spMk id="6" creationId="{EE6A5CFC-0052-953B-3D22-B122B447516B}"/>
+          </ac:spMkLst>
+        </pc:spChg>
+        <pc:graphicFrameChg chg="mod">
+          <ac:chgData name="Joel Shorey (Student)" userId="efeb13ac-a1a8-4105-bba8-6f92df6e6b9f" providerId="ADAL" clId="{631F1702-B937-4118-906D-5A11C7AE1DE5}" dt="2024-03-15T17:24:12.730" v="2618" actId="1076"/>
+          <ac:graphicFrameMkLst>
+            <pc:docMk/>
+            <pc:sldMk cId="3717565896" sldId="281"/>
+            <ac:graphicFrameMk id="4" creationId="{9B4F24D1-4EAD-A87E-8B5A-A84FD5B22C59}"/>
+          </ac:graphicFrameMkLst>
+        </pc:graphicFrameChg>
+      </pc:sldChg>
+    </pc:docChg>
+  </pc:docChgLst>
+  <pc:docChgLst>
+    <pc:chgData name="Joseph Kirby (Student)" userId="S::josephkirby@mines.edu::e8822a9d-bfd7-419b-a2ac-0f6e4b5323f8" providerId="AD" clId="Web-{9CE1BDE5-E15A-3C55-EB4E-707B527F9D4E}"/>
+    <pc:docChg chg="modSld">
+      <pc:chgData name="Joseph Kirby (Student)" userId="S::josephkirby@mines.edu::e8822a9d-bfd7-419b-a2ac-0f6e4b5323f8" providerId="AD" clId="Web-{9CE1BDE5-E15A-3C55-EB4E-707B527F9D4E}" dt="2024-03-11T21:10:09.022" v="0" actId="20577"/>
+      <pc:docMkLst>
+        <pc:docMk/>
+      </pc:docMkLst>
+      <pc:sldChg chg="modSp">
+        <pc:chgData name="Joseph Kirby (Student)" userId="S::josephkirby@mines.edu::e8822a9d-bfd7-419b-a2ac-0f6e4b5323f8" providerId="AD" clId="Web-{9CE1BDE5-E15A-3C55-EB4E-707B527F9D4E}" dt="2024-03-11T21:10:09.022" v="0" actId="20577"/>
+        <pc:sldMkLst>
+          <pc:docMk/>
+          <pc:sldMk cId="234320675" sldId="256"/>
+        </pc:sldMkLst>
+        <pc:spChg chg="mod">
+          <ac:chgData name="Joseph Kirby (Student)" userId="S::josephkirby@mines.edu::e8822a9d-bfd7-419b-a2ac-0f6e4b5323f8" providerId="AD" clId="Web-{9CE1BDE5-E15A-3C55-EB4E-707B527F9D4E}" dt="2024-03-11T21:10:09.022" v="0" actId="20577"/>
+          <ac:spMkLst>
+            <pc:docMk/>
+            <pc:sldMk cId="234320675" sldId="256"/>
+            <ac:spMk id="3" creationId="{4DFAF4A9-F54B-F3A4-7967-31664984E776}"/>
+          </ac:spMkLst>
+        </pc:spChg>
+      </pc:sldChg>
+    </pc:docChg>
+  </pc:docChgLst>
+  <pc:docChgLst>
+    <pc:chgData name="Joseph Kirby (Student)" userId="S::josephkirby@mines.edu::e8822a9d-bfd7-419b-a2ac-0f6e4b5323f8" providerId="AD" clId="Web-{54E2F79E-DDDB-2ED5-E763-AEDFE91C596B}"/>
+    <pc:docChg chg="modSld">
+      <pc:chgData name="Joseph Kirby (Student)" userId="S::josephkirby@mines.edu::e8822a9d-bfd7-419b-a2ac-0f6e4b5323f8" providerId="AD" clId="Web-{54E2F79E-DDDB-2ED5-E763-AEDFE91C596B}" dt="2024-03-13T20:31:22.928" v="89" actId="20577"/>
+      <pc:docMkLst>
+        <pc:docMk/>
+      </pc:docMkLst>
+      <pc:sldChg chg="modSp">
+        <pc:chgData name="Joseph Kirby (Student)" userId="S::josephkirby@mines.edu::e8822a9d-bfd7-419b-a2ac-0f6e4b5323f8" providerId="AD" clId="Web-{54E2F79E-DDDB-2ED5-E763-AEDFE91C596B}" dt="2024-03-13T20:31:22.928" v="89" actId="20577"/>
+        <pc:sldMkLst>
+          <pc:docMk/>
+          <pc:sldMk cId="2396793982" sldId="263"/>
+        </pc:sldMkLst>
+        <pc:spChg chg="mod">
+          <ac:chgData name="Joseph Kirby (Student)" userId="S::josephkirby@mines.edu::e8822a9d-bfd7-419b-a2ac-0f6e4b5323f8" providerId="AD" clId="Web-{54E2F79E-DDDB-2ED5-E763-AEDFE91C596B}" dt="2024-03-13T20:31:22.928" v="89" actId="20577"/>
+          <ac:spMkLst>
+            <pc:docMk/>
+            <pc:sldMk cId="2396793982" sldId="263"/>
+            <ac:spMk id="3" creationId="{A9AC157F-B5D5-20E2-9DA4-EA29118F63FC}"/>
+          </ac:spMkLst>
+        </pc:spChg>
+      </pc:sldChg>
+      <pc:sldChg chg="addSp delSp modSp">
+        <pc:chgData name="Joseph Kirby (Student)" userId="S::josephkirby@mines.edu::e8822a9d-bfd7-419b-a2ac-0f6e4b5323f8" providerId="AD" clId="Web-{54E2F79E-DDDB-2ED5-E763-AEDFE91C596B}" dt="2024-03-13T20:31:12.990" v="71" actId="20577"/>
+        <pc:sldMkLst>
+          <pc:docMk/>
+          <pc:sldMk cId="3085835959" sldId="268"/>
+        </pc:sldMkLst>
+        <pc:spChg chg="mod">
+          <ac:chgData name="Joseph Kirby (Student)" userId="S::josephkirby@mines.edu::e8822a9d-bfd7-419b-a2ac-0f6e4b5323f8" providerId="AD" clId="Web-{54E2F79E-DDDB-2ED5-E763-AEDFE91C596B}" dt="2024-03-13T20:31:12.990" v="71" actId="20577"/>
+          <ac:spMkLst>
+            <pc:docMk/>
+            <pc:sldMk cId="3085835959" sldId="268"/>
+            <ac:spMk id="3" creationId="{6B3CF716-4EFA-6566-2DC6-AC662E3D731E}"/>
+          </ac:spMkLst>
+        </pc:spChg>
+        <pc:picChg chg="add del mod">
+          <ac:chgData name="Joseph Kirby (Student)" userId="S::josephkirby@mines.edu::e8822a9d-bfd7-419b-a2ac-0f6e4b5323f8" providerId="AD" clId="Web-{54E2F79E-DDDB-2ED5-E763-AEDFE91C596B}" dt="2024-03-13T20:28:52.534" v="15"/>
+          <ac:picMkLst>
+            <pc:docMk/>
+            <pc:sldMk cId="3085835959" sldId="268"/>
+            <ac:picMk id="4" creationId="{7353F93A-7F9A-3E7F-2C74-46629F08CB64}"/>
+          </ac:picMkLst>
+        </pc:picChg>
+        <pc:picChg chg="del">
+          <ac:chgData name="Joseph Kirby (Student)" userId="S::josephkirby@mines.edu::e8822a9d-bfd7-419b-a2ac-0f6e4b5323f8" providerId="AD" clId="Web-{54E2F79E-DDDB-2ED5-E763-AEDFE91C596B}" dt="2024-03-13T20:26:52.578" v="0"/>
+          <ac:picMkLst>
+            <pc:docMk/>
+            <pc:sldMk cId="3085835959" sldId="268"/>
+            <ac:picMk id="5" creationId="{70444C2F-5D23-D084-6686-188E5401C5E1}"/>
+          </ac:picMkLst>
+        </pc:picChg>
+        <pc:picChg chg="add mod">
+          <ac:chgData name="Joseph Kirby (Student)" userId="S::josephkirby@mines.edu::e8822a9d-bfd7-419b-a2ac-0f6e4b5323f8" providerId="AD" clId="Web-{54E2F79E-DDDB-2ED5-E763-AEDFE91C596B}" dt="2024-03-13T20:29:22.191" v="18" actId="14100"/>
+          <ac:picMkLst>
+            <pc:docMk/>
+            <pc:sldMk cId="3085835959" sldId="268"/>
+            <ac:picMk id="6" creationId="{08766FB1-FF95-115A-0305-FB1958240F74}"/>
+          </ac:picMkLst>
+        </pc:picChg>
+      </pc:sldChg>
+    </pc:docChg>
+  </pc:docChgLst>
+  <pc:docChgLst>
+    <pc:chgData name="Jonah Bertolino (Student)" userId="S::jonahbertolino@mines.edu::9e5659ea-b595-4c3b-9a51-e4ce62b2395f" providerId="AD" clId="Web-{7E1642F1-16E2-0ACB-77D1-A02F1476A316}"/>
+    <pc:docChg chg="modSld">
+      <pc:chgData name="Jonah Bertolino (Student)" userId="S::jonahbertolino@mines.edu::9e5659ea-b595-4c3b-9a51-e4ce62b2395f" providerId="AD" clId="Web-{7E1642F1-16E2-0ACB-77D1-A02F1476A316}" dt="2024-04-22T20:17:27.505" v="18" actId="20577"/>
+      <pc:docMkLst>
+        <pc:docMk/>
+      </pc:docMkLst>
+      <pc:sldChg chg="modSp">
+        <pc:chgData name="Jonah Bertolino (Student)" userId="S::jonahbertolino@mines.edu::9e5659ea-b595-4c3b-9a51-e4ce62b2395f" providerId="AD" clId="Web-{7E1642F1-16E2-0ACB-77D1-A02F1476A316}" dt="2024-04-22T20:17:27.505" v="18" actId="20577"/>
+        <pc:sldMkLst>
+          <pc:docMk/>
+          <pc:sldMk cId="2592547000" sldId="266"/>
+        </pc:sldMkLst>
+        <pc:spChg chg="mod">
+          <ac:chgData name="Jonah Bertolino (Student)" userId="S::jonahbertolino@mines.edu::9e5659ea-b595-4c3b-9a51-e4ce62b2395f" providerId="AD" clId="Web-{7E1642F1-16E2-0ACB-77D1-A02F1476A316}" dt="2024-04-22T20:17:27.505" v="18" actId="20577"/>
+          <ac:spMkLst>
+            <pc:docMk/>
+            <pc:sldMk cId="2592547000" sldId="266"/>
+            <ac:spMk id="3" creationId="{CB0820ED-CB43-CA76-310F-14DE183269CB}"/>
+          </ac:spMkLst>
+        </pc:spChg>
+      </pc:sldChg>
+      <pc:sldChg chg="modSp">
+        <pc:chgData name="Jonah Bertolino (Student)" userId="S::jonahbertolino@mines.edu::9e5659ea-b595-4c3b-9a51-e4ce62b2395f" providerId="AD" clId="Web-{7E1642F1-16E2-0ACB-77D1-A02F1476A316}" dt="2024-04-22T19:38:49.720" v="10" actId="20577"/>
+        <pc:sldMkLst>
+          <pc:docMk/>
+          <pc:sldMk cId="3717565896" sldId="281"/>
+        </pc:sldMkLst>
+        <pc:spChg chg="mod">
+          <ac:chgData name="Jonah Bertolino (Student)" userId="S::jonahbertolino@mines.edu::9e5659ea-b595-4c3b-9a51-e4ce62b2395f" providerId="AD" clId="Web-{7E1642F1-16E2-0ACB-77D1-A02F1476A316}" dt="2024-04-22T19:38:49.720" v="10" actId="20577"/>
+          <ac:spMkLst>
+            <pc:docMk/>
+            <pc:sldMk cId="3717565896" sldId="281"/>
+            <ac:spMk id="2" creationId="{50E7C36E-FBD4-D03C-FD47-AB83F936D25A}"/>
+          </ac:spMkLst>
+        </pc:spChg>
+      </pc:sldChg>
+    </pc:docChg>
+  </pc:docChgLst>
+  <pc:docChgLst>
+    <pc:chgData name="Jonah Bertolino (Student)" userId="S::jonahbertolino@mines.edu::9e5659ea-b595-4c3b-9a51-e4ce62b2395f" providerId="AD" clId="Web-{04C64894-5397-A2BA-EE8E-98946C4C4F1F}"/>
+    <pc:docChg chg="addSld delSld modSld">
+      <pc:chgData name="Jonah Bertolino (Student)" userId="S::jonahbertolino@mines.edu::9e5659ea-b595-4c3b-9a51-e4ce62b2395f" providerId="AD" clId="Web-{04C64894-5397-A2BA-EE8E-98946C4C4F1F}" dt="2024-03-13T21:16:19.482" v="127" actId="1076"/>
+      <pc:docMkLst>
+        <pc:docMk/>
+      </pc:docMkLst>
+      <pc:sldChg chg="addSp delSp modSp mod setBg">
+        <pc:chgData name="Jonah Bertolino (Student)" userId="S::jonahbertolino@mines.edu::9e5659ea-b595-4c3b-9a51-e4ce62b2395f" providerId="AD" clId="Web-{04C64894-5397-A2BA-EE8E-98946C4C4F1F}" dt="2024-03-13T21:03:57.077" v="89"/>
+        <pc:sldMkLst>
+          <pc:docMk/>
+          <pc:sldMk cId="2396793982" sldId="263"/>
+        </pc:sldMkLst>
+        <pc:spChg chg="mod">
+          <ac:chgData name="Jonah Bertolino (Student)" userId="S::jonahbertolino@mines.edu::9e5659ea-b595-4c3b-9a51-e4ce62b2395f" providerId="AD" clId="Web-{04C64894-5397-A2BA-EE8E-98946C4C4F1F}" dt="2024-03-13T21:03:57.077" v="89"/>
+          <ac:spMkLst>
+            <pc:docMk/>
+            <pc:sldMk cId="2396793982" sldId="263"/>
+            <ac:spMk id="2" creationId="{6809C795-4042-CC5A-647E-5016B8E19E84}"/>
+          </ac:spMkLst>
+        </pc:spChg>
+        <pc:spChg chg="mod">
+          <ac:chgData name="Jonah Bertolino (Student)" userId="S::jonahbertolino@mines.edu::9e5659ea-b595-4c3b-9a51-e4ce62b2395f" providerId="AD" clId="Web-{04C64894-5397-A2BA-EE8E-98946C4C4F1F}" dt="2024-03-13T21:03:57.077" v="89"/>
+          <ac:spMkLst>
+            <pc:docMk/>
+            <pc:sldMk cId="2396793982" sldId="263"/>
+            <ac:spMk id="3" creationId="{A9AC157F-B5D5-20E2-9DA4-EA29118F63FC}"/>
+          </ac:spMkLst>
+        </pc:spChg>
+        <pc:spChg chg="add del">
+          <ac:chgData name="Jonah Bertolino (Student)" userId="S::jonahbertolino@mines.edu::9e5659ea-b595-4c3b-9a51-e4ce62b2395f" providerId="AD" clId="Web-{04C64894-5397-A2BA-EE8E-98946C4C4F1F}" dt="2024-03-13T21:03:57.077" v="89"/>
+          <ac:spMkLst>
+            <pc:docMk/>
+            <pc:sldMk cId="2396793982" sldId="263"/>
+            <ac:spMk id="9" creationId="{D776D29F-0A2C-4F75-8582-7C7DFCBD11D5}"/>
+          </ac:spMkLst>
+        </pc:spChg>
+        <pc:spChg chg="add del">
+          <ac:chgData name="Jonah Bertolino (Student)" userId="S::jonahbertolino@mines.edu::9e5659ea-b595-4c3b-9a51-e4ce62b2395f" providerId="AD" clId="Web-{04C64894-5397-A2BA-EE8E-98946C4C4F1F}" dt="2024-03-13T21:03:57.077" v="89"/>
+          <ac:spMkLst>
+            <pc:docMk/>
+            <pc:sldMk cId="2396793982" sldId="263"/>
+            <ac:spMk id="11" creationId="{C4D41903-2C9D-4F9E-AA1F-6161F8A6FC01}"/>
+          </ac:spMkLst>
+        </pc:spChg>
+        <pc:spChg chg="add del">
+          <ac:chgData name="Jonah Bertolino (Student)" userId="S::jonahbertolino@mines.edu::9e5659ea-b595-4c3b-9a51-e4ce62b2395f" providerId="AD" clId="Web-{04C64894-5397-A2BA-EE8E-98946C4C4F1F}" dt="2024-03-13T21:03:57.077" v="89"/>
+          <ac:spMkLst>
+            <pc:docMk/>
+            <pc:sldMk cId="2396793982" sldId="263"/>
+            <ac:spMk id="13" creationId="{9E4574B5-C90E-412D-BAB0-B9F483290C67}"/>
+          </ac:spMkLst>
+        </pc:spChg>
+        <pc:spChg chg="add">
+          <ac:chgData name="Jonah Bertolino (Student)" userId="S::jonahbertolino@mines.edu::9e5659ea-b595-4c3b-9a51-e4ce62b2395f" providerId="AD" clId="Web-{04C64894-5397-A2BA-EE8E-98946C4C4F1F}" dt="2024-03-13T21:03:57.077" v="89"/>
+          <ac:spMkLst>
+            <pc:docMk/>
+            <pc:sldMk cId="2396793982" sldId="263"/>
+            <ac:spMk id="18" creationId="{91DC6ABD-215C-4EA8-A483-CEF5B99AB385}"/>
+          </ac:spMkLst>
+        </pc:spChg>
+        <pc:spChg chg="add">
+          <ac:chgData name="Jonah Bertolino (Student)" userId="S::jonahbertolino@mines.edu::9e5659ea-b595-4c3b-9a51-e4ce62b2395f" providerId="AD" clId="Web-{04C64894-5397-A2BA-EE8E-98946C4C4F1F}" dt="2024-03-13T21:03:57.077" v="89"/>
+          <ac:spMkLst>
+            <pc:docMk/>
+            <pc:sldMk cId="2396793982" sldId="263"/>
+            <ac:spMk id="24" creationId="{04357C93-F0CB-4A1C-8F77-4E9063789819}"/>
+          </ac:spMkLst>
+        </pc:spChg>
+        <pc:grpChg chg="add">
+          <ac:chgData name="Jonah Bertolino (Student)" userId="S::jonahbertolino@mines.edu::9e5659ea-b595-4c3b-9a51-e4ce62b2395f" providerId="AD" clId="Web-{04C64894-5397-A2BA-EE8E-98946C4C4F1F}" dt="2024-03-13T21:03:57.077" v="89"/>
+          <ac:grpSpMkLst>
+            <pc:docMk/>
+            <pc:sldMk cId="2396793982" sldId="263"/>
+            <ac:grpSpMk id="20" creationId="{3AF6A671-C637-4547-85F4-51B6D1881399}"/>
+          </ac:grpSpMkLst>
+        </pc:grpChg>
+        <pc:picChg chg="add mod">
+          <ac:chgData name="Jonah Bertolino (Student)" userId="S::jonahbertolino@mines.edu::9e5659ea-b595-4c3b-9a51-e4ce62b2395f" providerId="AD" clId="Web-{04C64894-5397-A2BA-EE8E-98946C4C4F1F}" dt="2024-03-13T21:03:57.077" v="89"/>
+          <ac:picMkLst>
+            <pc:docMk/>
+            <pc:sldMk cId="2396793982" sldId="263"/>
+            <ac:picMk id="4" creationId="{3ECD532D-C132-DCCD-6D89-0D1118B8D2BD}"/>
+          </ac:picMkLst>
+        </pc:picChg>
+      </pc:sldChg>
+      <pc:sldChg chg="addSp delSp modSp mod setBg">
+        <pc:chgData name="Jonah Bertolino (Student)" userId="S::jonahbertolino@mines.edu::9e5659ea-b595-4c3b-9a51-e4ce62b2395f" providerId="AD" clId="Web-{04C64894-5397-A2BA-EE8E-98946C4C4F1F}" dt="2024-03-13T20:58:33.367" v="85"/>
+        <pc:sldMkLst>
+          <pc:docMk/>
+          <pc:sldMk cId="3085835959" sldId="268"/>
+        </pc:sldMkLst>
+        <pc:spChg chg="mod">
+          <ac:chgData name="Jonah Bertolino (Student)" userId="S::jonahbertolino@mines.edu::9e5659ea-b595-4c3b-9a51-e4ce62b2395f" providerId="AD" clId="Web-{04C64894-5397-A2BA-EE8E-98946C4C4F1F}" dt="2024-03-13T20:58:33.367" v="85"/>
+          <ac:spMkLst>
+            <pc:docMk/>
+            <pc:sldMk cId="3085835959" sldId="268"/>
+            <ac:spMk id="2" creationId="{E0D42B90-D36E-F541-0DA9-D3AE86A9CC81}"/>
+          </ac:spMkLst>
+        </pc:spChg>
+        <pc:spChg chg="mod ord">
+          <ac:chgData name="Jonah Bertolino (Student)" userId="S::jonahbertolino@mines.edu::9e5659ea-b595-4c3b-9a51-e4ce62b2395f" providerId="AD" clId="Web-{04C64894-5397-A2BA-EE8E-98946C4C4F1F}" dt="2024-03-13T20:58:33.367" v="85"/>
+          <ac:spMkLst>
+            <pc:docMk/>
+            <pc:sldMk cId="3085835959" sldId="268"/>
+            <ac:spMk id="3" creationId="{6B3CF716-4EFA-6566-2DC6-AC662E3D731E}"/>
+          </ac:spMkLst>
+        </pc:spChg>
+        <pc:spChg chg="add del">
+          <ac:chgData name="Jonah Bertolino (Student)" userId="S::jonahbertolino@mines.edu::9e5659ea-b595-4c3b-9a51-e4ce62b2395f" providerId="AD" clId="Web-{04C64894-5397-A2BA-EE8E-98946C4C4F1F}" dt="2024-03-13T20:58:33.367" v="85"/>
+          <ac:spMkLst>
+            <pc:docMk/>
+            <pc:sldMk cId="3085835959" sldId="268"/>
+            <ac:spMk id="11" creationId="{E8A8EAB8-D2FF-444D-B34B-7D32F106AD0E}"/>
+          </ac:spMkLst>
+        </pc:spChg>
+        <pc:spChg chg="add del">
+          <ac:chgData name="Jonah Bertolino (Student)" userId="S::jonahbertolino@mines.edu::9e5659ea-b595-4c3b-9a51-e4ce62b2395f" providerId="AD" clId="Web-{04C64894-5397-A2BA-EE8E-98946C4C4F1F}" dt="2024-03-13T20:58:29.398" v="79"/>
+          <ac:spMkLst>
+            <pc:docMk/>
+            <pc:sldMk cId="3085835959" sldId="268"/>
+            <ac:spMk id="20" creationId="{B1595A09-E336-4D1B-9B3A-06A2287A54E2}"/>
+          </ac:spMkLst>
+        </pc:spChg>
+        <pc:spChg chg="add del">
+          <ac:chgData name="Jonah Bertolino (Student)" userId="S::jonahbertolino@mines.edu::9e5659ea-b595-4c3b-9a51-e4ce62b2395f" providerId="AD" clId="Web-{04C64894-5397-A2BA-EE8E-98946C4C4F1F}" dt="2024-03-13T20:58:29.398" v="79"/>
+          <ac:spMkLst>
+            <pc:docMk/>
+            <pc:sldMk cId="3085835959" sldId="268"/>
+            <ac:spMk id="22" creationId="{3540989C-C7B8-473B-BF87-6F2DA6A90006}"/>
+          </ac:spMkLst>
+        </pc:spChg>
+        <pc:picChg chg="mod modCrop">
+          <ac:chgData name="Jonah Bertolino (Student)" userId="S::jonahbertolino@mines.edu::9e5659ea-b595-4c3b-9a51-e4ce62b2395f" providerId="AD" clId="Web-{04C64894-5397-A2BA-EE8E-98946C4C4F1F}" dt="2024-03-13T20:58:33.367" v="85"/>
+          <ac:picMkLst>
+            <pc:docMk/>
+            <pc:sldMk cId="3085835959" sldId="268"/>
+            <ac:picMk id="6" creationId="{08766FB1-FF95-115A-0305-FB1958240F74}"/>
+          </ac:picMkLst>
+        </pc:picChg>
+        <pc:cxnChg chg="add del">
+          <ac:chgData name="Jonah Bertolino (Student)" userId="S::jonahbertolino@mines.edu::9e5659ea-b595-4c3b-9a51-e4ce62b2395f" providerId="AD" clId="Web-{04C64894-5397-A2BA-EE8E-98946C4C4F1F}" dt="2024-03-13T20:58:33.367" v="85"/>
+          <ac:cxnSpMkLst>
+            <pc:docMk/>
+            <pc:sldMk cId="3085835959" sldId="268"/>
+            <ac:cxnSpMk id="13" creationId="{EEA38897-7BA3-4408-8083-3235339C4A60}"/>
+          </ac:cxnSpMkLst>
+        </pc:cxnChg>
+        <pc:cxnChg chg="add del">
+          <ac:chgData name="Jonah Bertolino (Student)" userId="S::jonahbertolino@mines.edu::9e5659ea-b595-4c3b-9a51-e4ce62b2395f" providerId="AD" clId="Web-{04C64894-5397-A2BA-EE8E-98946C4C4F1F}" dt="2024-03-13T20:58:33.367" v="85"/>
+          <ac:cxnSpMkLst>
+            <pc:docMk/>
+            <pc:sldMk cId="3085835959" sldId="268"/>
+            <ac:cxnSpMk id="15" creationId="{F11AD06B-AB20-4097-8606-5DA00DBACE88}"/>
+          </ac:cxnSpMkLst>
+        </pc:cxnChg>
+      </pc:sldChg>
+      <pc:sldChg chg="modSp new del">
+        <pc:chgData name="Jonah Bertolino (Student)" userId="S::jonahbertolino@mines.edu::9e5659ea-b595-4c3b-9a51-e4ce62b2395f" providerId="AD" clId="Web-{04C64894-5397-A2BA-EE8E-98946C4C4F1F}" dt="2024-03-13T20:59:43.306" v="88"/>
+        <pc:sldMkLst>
+          <pc:docMk/>
+          <pc:sldMk cId="2061822980" sldId="275"/>
+        </pc:sldMkLst>
+        <pc:spChg chg="mod">
+          <ac:chgData name="Jonah Bertolino (Student)" userId="S::jonahbertolino@mines.edu::9e5659ea-b595-4c3b-9a51-e4ce62b2395f" providerId="AD" clId="Web-{04C64894-5397-A2BA-EE8E-98946C4C4F1F}" dt="2024-03-13T20:21:01.246" v="11" actId="20577"/>
+          <ac:spMkLst>
+            <pc:docMk/>
+            <pc:sldMk cId="2061822980" sldId="275"/>
+            <ac:spMk id="2" creationId="{B6D9029B-6C41-D409-F312-FEAAE00597AE}"/>
+          </ac:spMkLst>
+        </pc:spChg>
+      </pc:sldChg>
+      <pc:sldChg chg="addSp modSp">
+        <pc:chgData name="Jonah Bertolino (Student)" userId="S::jonahbertolino@mines.edu::9e5659ea-b595-4c3b-9a51-e4ce62b2395f" providerId="AD" clId="Web-{04C64894-5397-A2BA-EE8E-98946C4C4F1F}" dt="2024-03-13T20:34:06.714" v="27" actId="20577"/>
+        <pc:sldMkLst>
+          <pc:docMk/>
+          <pc:sldMk cId="2002257491" sldId="277"/>
+        </pc:sldMkLst>
+        <pc:spChg chg="mod">
+          <ac:chgData name="Jonah Bertolino (Student)" userId="S::jonahbertolino@mines.edu::9e5659ea-b595-4c3b-9a51-e4ce62b2395f" providerId="AD" clId="Web-{04C64894-5397-A2BA-EE8E-98946C4C4F1F}" dt="2024-03-13T20:34:06.714" v="27" actId="20577"/>
+          <ac:spMkLst>
+            <pc:docMk/>
+            <pc:sldMk cId="2002257491" sldId="277"/>
+            <ac:spMk id="3" creationId="{6ADD6E1A-EFCF-E7F9-5CDE-7EB9AB725A6D}"/>
+          </ac:spMkLst>
+        </pc:spChg>
+        <pc:picChg chg="add mod">
+          <ac:chgData name="Jonah Bertolino (Student)" userId="S::jonahbertolino@mines.edu::9e5659ea-b595-4c3b-9a51-e4ce62b2395f" providerId="AD" clId="Web-{04C64894-5397-A2BA-EE8E-98946C4C4F1F}" dt="2024-03-13T20:33:23.526" v="19" actId="1076"/>
+          <ac:picMkLst>
+            <pc:docMk/>
+            <pc:sldMk cId="2002257491" sldId="277"/>
+            <ac:picMk id="4" creationId="{AA0BECA3-9414-E9A7-7722-442863B7798C}"/>
+          </ac:picMkLst>
+        </pc:picChg>
+      </pc:sldChg>
+      <pc:sldChg chg="addSp delSp modSp new mod setBg addAnim delAnim modAnim">
+        <pc:chgData name="Jonah Bertolino (Student)" userId="S::jonahbertolino@mines.edu::9e5659ea-b595-4c3b-9a51-e4ce62b2395f" providerId="AD" clId="Web-{04C64894-5397-A2BA-EE8E-98946C4C4F1F}" dt="2024-03-13T21:16:19.482" v="127" actId="1076"/>
+        <pc:sldMkLst>
+          <pc:docMk/>
+          <pc:sldMk cId="1052766174" sldId="279"/>
+        </pc:sldMkLst>
+        <pc:spChg chg="mod ord">
+          <ac:chgData name="Jonah Bertolino (Student)" userId="S::jonahbertolino@mines.edu::9e5659ea-b595-4c3b-9a51-e4ce62b2395f" providerId="AD" clId="Web-{04C64894-5397-A2BA-EE8E-98946C4C4F1F}" dt="2024-03-13T21:05:34.485" v="111"/>
+          <ac:spMkLst>
+            <pc:docMk/>
+            <pc:sldMk cId="1052766174" sldId="279"/>
+            <ac:spMk id="2" creationId="{7B1DBB69-A9CF-8ABD-9859-D6161068EC57}"/>
+          </ac:spMkLst>
+        </pc:spChg>
+        <pc:spChg chg="del">
+          <ac:chgData name="Jonah Bertolino (Student)" userId="S::jonahbertolino@mines.edu::9e5659ea-b595-4c3b-9a51-e4ce62b2395f" providerId="AD" clId="Web-{04C64894-5397-A2BA-EE8E-98946C4C4F1F}" dt="2024-03-13T20:41:16.535" v="35"/>
+          <ac:spMkLst>
+            <pc:docMk/>
+            <pc:sldMk cId="1052766174" sldId="279"/>
+            <ac:spMk id="3" creationId="{29187699-EED9-6415-6381-EB645BB998BC}"/>
+          </ac:spMkLst>
+        </pc:spChg>
+        <pc:spChg chg="add del mod">
+          <ac:chgData name="Jonah Bertolino (Student)" userId="S::jonahbertolino@mines.edu::9e5659ea-b595-4c3b-9a51-e4ce62b2395f" providerId="AD" clId="Web-{04C64894-5397-A2BA-EE8E-98946C4C4F1F}" dt="2024-03-13T20:53:22.955" v="43"/>
+          <ac:spMkLst>
+            <pc:docMk/>
+            <pc:sldMk cId="1052766174" sldId="279"/>
+            <ac:spMk id="6" creationId="{E6A09884-5FE3-267D-A409-36350A19D92D}"/>
+          </ac:spMkLst>
+        </pc:spChg>
+        <pc:spChg chg="add del">
+          <ac:chgData name="Jonah Bertolino (Student)" userId="S::jonahbertolino@mines.edu::9e5659ea-b595-4c3b-9a51-e4ce62b2395f" providerId="AD" clId="Web-{04C64894-5397-A2BA-EE8E-98946C4C4F1F}" dt="2024-03-13T20:53:44.315" v="50"/>
+          <ac:spMkLst>
+            <pc:docMk/>
+            <pc:sldMk cId="1052766174" sldId="279"/>
+            <ac:spMk id="9" creationId="{A34066D6-1B59-4642-A86D-39464CEE971B}"/>
+          </ac:spMkLst>
+        </pc:spChg>
+        <pc:spChg chg="add del mod">
+          <ac:chgData name="Jonah Bertolino (Student)" userId="S::jonahbertolino@mines.edu::9e5659ea-b595-4c3b-9a51-e4ce62b2395f" providerId="AD" clId="Web-{04C64894-5397-A2BA-EE8E-98946C4C4F1F}" dt="2024-03-13T20:56:04.224" v="64"/>
+          <ac:spMkLst>
+            <pc:docMk/>
+            <pc:sldMk cId="1052766174" sldId="279"/>
+            <ac:spMk id="10" creationId="{4108C6AB-4AA5-91C1-E72E-A39C87EEB2D3}"/>
+          </ac:spMkLst>
+        </pc:spChg>
+        <pc:spChg chg="add del">
+          <ac:chgData name="Jonah Bertolino (Student)" userId="S::jonahbertolino@mines.edu::9e5659ea-b595-4c3b-9a51-e4ce62b2395f" providerId="AD" clId="Web-{04C64894-5397-A2BA-EE8E-98946C4C4F1F}" dt="2024-03-13T20:53:44.315" v="50"/>
+          <ac:spMkLst>
+            <pc:docMk/>
+            <pc:sldMk cId="1052766174" sldId="279"/>
+            <ac:spMk id="11" creationId="{18E928D9-3091-4385-B979-265D55AD02CE}"/>
+          </ac:spMkLst>
+        </pc:spChg>
+        <pc:spChg chg="add del">
+          <ac:chgData name="Jonah Bertolino (Student)" userId="S::jonahbertolino@mines.edu::9e5659ea-b595-4c3b-9a51-e4ce62b2395f" providerId="AD" clId="Web-{04C64894-5397-A2BA-EE8E-98946C4C4F1F}" dt="2024-03-13T20:53:44.315" v="50"/>
+          <ac:spMkLst>
+            <pc:docMk/>
+            <pc:sldMk cId="1052766174" sldId="279"/>
+            <ac:spMk id="13" creationId="{7D602432-D774-4CF5-94E8-7D52D01059D2}"/>
+          </ac:spMkLst>
+        </pc:spChg>
+        <pc:spChg chg="add del">
+          <ac:chgData name="Jonah Bertolino (Student)" userId="S::jonahbertolino@mines.edu::9e5659ea-b595-4c3b-9a51-e4ce62b2395f" providerId="AD" clId="Web-{04C64894-5397-A2BA-EE8E-98946C4C4F1F}" dt="2024-03-13T20:53:44.315" v="50"/>
+          <ac:spMkLst>
+            <pc:docMk/>
+            <pc:sldMk cId="1052766174" sldId="279"/>
+            <ac:spMk id="15" creationId="{CBF9EBB4-5078-47B2-AAA0-DF4A88D8182A}"/>
+          </ac:spMkLst>
+        </pc:spChg>
+        <pc:spChg chg="add del">
+          <ac:chgData name="Jonah Bertolino (Student)" userId="S::jonahbertolino@mines.edu::9e5659ea-b595-4c3b-9a51-e4ce62b2395f" providerId="AD" clId="Web-{04C64894-5397-A2BA-EE8E-98946C4C4F1F}" dt="2024-03-13T21:05:04.390" v="100"/>
+          <ac:spMkLst>
+            <pc:docMk/>
+            <pc:sldMk cId="1052766174" sldId="279"/>
+            <ac:spMk id="16" creationId="{E659831F-0D9A-4C63-9EBB-8435B85A440F}"/>
+          </ac:spMkLst>
+        </pc:spChg>
+        <pc:spChg chg="add del">
+          <ac:chgData name="Jonah Bertolino (Student)" userId="S::jonahbertolino@mines.edu::9e5659ea-b595-4c3b-9a51-e4ce62b2395f" providerId="AD" clId="Web-{04C64894-5397-A2BA-EE8E-98946C4C4F1F}" dt="2024-03-13T20:53:40.877" v="47"/>
+          <ac:spMkLst>
+            <pc:docMk/>
+            <pc:sldMk cId="1052766174" sldId="279"/>
+            <ac:spMk id="19" creationId="{4E84D788-B256-5225-0E0A-87BA406D02BF}"/>
+          </ac:spMkLst>
+        </pc:spChg>
+        <pc:spChg chg="add del">
+          <ac:chgData name="Jonah Bertolino (Student)" userId="S::jonahbertolino@mines.edu::9e5659ea-b595-4c3b-9a51-e4ce62b2395f" providerId="AD" clId="Web-{04C64894-5397-A2BA-EE8E-98946C4C4F1F}" dt="2024-03-13T20:53:30.783" v="45"/>
+          <ac:spMkLst>
+            <pc:docMk/>
+            <pc:sldMk cId="1052766174" sldId="279"/>
+            <ac:spMk id="20" creationId="{A34066D6-1B59-4642-A86D-39464CEE971B}"/>
+          </ac:spMkLst>
+        </pc:spChg>
+        <pc:spChg chg="add del">
+          <ac:chgData name="Jonah Bertolino (Student)" userId="S::jonahbertolino@mines.edu::9e5659ea-b595-4c3b-9a51-e4ce62b2395f" providerId="AD" clId="Web-{04C64894-5397-A2BA-EE8E-98946C4C4F1F}" dt="2024-03-13T20:53:30.783" v="45"/>
+          <ac:spMkLst>
+            <pc:docMk/>
+            <pc:sldMk cId="1052766174" sldId="279"/>
+            <ac:spMk id="22" creationId="{18E928D9-3091-4385-B979-265D55AD02CE}"/>
+          </ac:spMkLst>
+        </pc:spChg>
+        <pc:spChg chg="add del">
+          <ac:chgData name="Jonah Bertolino (Student)" userId="S::jonahbertolino@mines.edu::9e5659ea-b595-4c3b-9a51-e4ce62b2395f" providerId="AD" clId="Web-{04C64894-5397-A2BA-EE8E-98946C4C4F1F}" dt="2024-03-13T20:53:30.783" v="45"/>
+          <ac:spMkLst>
+            <pc:docMk/>
+            <pc:sldMk cId="1052766174" sldId="279"/>
+            <ac:spMk id="24" creationId="{7D602432-D774-4CF5-94E8-7D52D01059D2}"/>
+          </ac:spMkLst>
+        </pc:spChg>
+        <pc:spChg chg="add del">
+          <ac:chgData name="Jonah Bertolino (Student)" userId="S::jonahbertolino@mines.edu::9e5659ea-b595-4c3b-9a51-e4ce62b2395f" providerId="AD" clId="Web-{04C64894-5397-A2BA-EE8E-98946C4C4F1F}" dt="2024-03-13T20:53:30.783" v="45"/>
+          <ac:spMkLst>
+            <pc:docMk/>
+            <pc:sldMk cId="1052766174" sldId="279"/>
+            <ac:spMk id="26" creationId="{CBF9EBB4-5078-47B2-AAA0-DF4A88D8182A}"/>
+          </ac:spMkLst>
+        </pc:spChg>
+        <pc:spChg chg="add del">
+          <ac:chgData name="Jonah Bertolino (Student)" userId="S::jonahbertolino@mines.edu::9e5659ea-b595-4c3b-9a51-e4ce62b2395f" providerId="AD" clId="Web-{04C64894-5397-A2BA-EE8E-98946C4C4F1F}" dt="2024-03-13T20:53:40.877" v="47"/>
+          <ac:spMkLst>
+            <pc:docMk/>
+            <pc:sldMk cId="1052766174" sldId="279"/>
+            <ac:spMk id="28" creationId="{A7AE9375-4664-4DB2-922D-2782A6E439AC}"/>
+          </ac:spMkLst>
+        </pc:spChg>
+        <pc:spChg chg="add del">
+          <ac:chgData name="Jonah Bertolino (Student)" userId="S::jonahbertolino@mines.edu::9e5659ea-b595-4c3b-9a51-e4ce62b2395f" providerId="AD" clId="Web-{04C64894-5397-A2BA-EE8E-98946C4C4F1F}" dt="2024-03-13T20:53:44.299" v="49"/>
+          <ac:spMkLst>
+            <pc:docMk/>
+            <pc:sldMk cId="1052766174" sldId="279"/>
+            <ac:spMk id="32" creationId="{5396781C-32A1-4FDA-A83B-A7FF8C1B1E99}"/>
+          </ac:spMkLst>
+        </pc:spChg>
+        <pc:spChg chg="add del">
+          <ac:chgData name="Jonah Bertolino (Student)" userId="S::jonahbertolino@mines.edu::9e5659ea-b595-4c3b-9a51-e4ce62b2395f" providerId="AD" clId="Web-{04C64894-5397-A2BA-EE8E-98946C4C4F1F}" dt="2024-03-13T20:53:44.299" v="49"/>
+          <ac:spMkLst>
+            <pc:docMk/>
+            <pc:sldMk cId="1052766174" sldId="279"/>
+            <ac:spMk id="35" creationId="{C1DC8D11-B51E-A295-3225-5620FC557F42}"/>
+          </ac:spMkLst>
+        </pc:spChg>
+        <pc:spChg chg="add del">
+          <ac:chgData name="Jonah Bertolino (Student)" userId="S::jonahbertolino@mines.edu::9e5659ea-b595-4c3b-9a51-e4ce62b2395f" providerId="AD" clId="Web-{04C64894-5397-A2BA-EE8E-98946C4C4F1F}" dt="2024-03-13T20:54:12.222" v="54"/>
+          <ac:spMkLst>
+            <pc:docMk/>
+            <pc:sldMk cId="1052766174" sldId="279"/>
+            <ac:spMk id="37" creationId="{135FA909-3F24-448C-A8BC-7CF77F62F84F}"/>
+          </ac:spMkLst>
+        </pc:spChg>
+        <pc:spChg chg="add del">
+          <ac:chgData name="Jonah Bertolino (Student)" userId="S::jonahbertolino@mines.edu::9e5659ea-b595-4c3b-9a51-e4ce62b2395f" providerId="AD" clId="Web-{04C64894-5397-A2BA-EE8E-98946C4C4F1F}" dt="2024-03-13T20:54:12.222" v="54"/>
+          <ac:spMkLst>
+            <pc:docMk/>
+            <pc:sldMk cId="1052766174" sldId="279"/>
+            <ac:spMk id="38" creationId="{6C32E633-BDBF-961A-CB5D-0F054618E9AE}"/>
+          </ac:spMkLst>
+        </pc:spChg>
+        <pc:spChg chg="add del">
+          <ac:chgData name="Jonah Bertolino (Student)" userId="S::jonahbertolino@mines.edu::9e5659ea-b595-4c3b-9a51-e4ce62b2395f" providerId="AD" clId="Web-{04C64894-5397-A2BA-EE8E-98946C4C4F1F}" dt="2024-03-13T20:54:12.206" v="53"/>
+          <ac:spMkLst>
+            <pc:docMk/>
+            <pc:sldMk cId="1052766174" sldId="279"/>
+            <ac:spMk id="45" creationId="{FB5B0058-AF13-4859-B429-4EDDE2A26F7F}"/>
+          </ac:spMkLst>
+        </pc:spChg>
+        <pc:spChg chg="add del">
+          <ac:chgData name="Jonah Bertolino (Student)" userId="S::jonahbertolino@mines.edu::9e5659ea-b595-4c3b-9a51-e4ce62b2395f" providerId="AD" clId="Web-{04C64894-5397-A2BA-EE8E-98946C4C4F1F}" dt="2024-03-13T20:54:12.206" v="53"/>
+          <ac:spMkLst>
+            <pc:docMk/>
+            <pc:sldMk cId="1052766174" sldId="279"/>
+            <ac:spMk id="49" creationId="{A4A161CC-6DC5-4863-B213-94529D6E06D7}"/>
+          </ac:spMkLst>
+        </pc:spChg>
+        <pc:spChg chg="add del">
+          <ac:chgData name="Jonah Bertolino (Student)" userId="S::jonahbertolino@mines.edu::9e5659ea-b595-4c3b-9a51-e4ce62b2395f" providerId="AD" clId="Web-{04C64894-5397-A2BA-EE8E-98946C4C4F1F}" dt="2024-03-13T20:54:57.269" v="59"/>
+          <ac:spMkLst>
+            <pc:docMk/>
+            <pc:sldMk cId="1052766174" sldId="279"/>
+            <ac:spMk id="51" creationId="{5396781C-32A1-4FDA-A83B-A7FF8C1B1E99}"/>
+          </ac:spMkLst>
+        </pc:spChg>
+        <pc:spChg chg="add del">
+          <ac:chgData name="Jonah Bertolino (Student)" userId="S::jonahbertolino@mines.edu::9e5659ea-b595-4c3b-9a51-e4ce62b2395f" providerId="AD" clId="Web-{04C64894-5397-A2BA-EE8E-98946C4C4F1F}" dt="2024-03-13T20:54:51.816" v="55"/>
+          <ac:spMkLst>
+            <pc:docMk/>
+            <pc:sldMk cId="1052766174" sldId="279"/>
+            <ac:spMk id="54" creationId="{6C32E633-BDBF-961A-CB5D-0F054618E9AE}"/>
+          </ac:spMkLst>
+        </pc:spChg>
+        <pc:spChg chg="add del mod">
+          <ac:chgData name="Jonah Bertolino (Student)" userId="S::jonahbertolino@mines.edu::9e5659ea-b595-4c3b-9a51-e4ce62b2395f" providerId="AD" clId="Web-{04C64894-5397-A2BA-EE8E-98946C4C4F1F}" dt="2024-03-13T20:56:19.474" v="66"/>
+          <ac:spMkLst>
+            <pc:docMk/>
+            <pc:sldMk cId="1052766174" sldId="279"/>
+            <ac:spMk id="57" creationId="{B8C0EE08-9749-26AA-7ADE-7D37E5FD508B}"/>
+          </ac:spMkLst>
+        </pc:spChg>
+        <pc:spChg chg="add del">
+          <ac:chgData name="Jonah Bertolino (Student)" userId="S::jonahbertolino@mines.edu::9e5659ea-b595-4c3b-9a51-e4ce62b2395f" providerId="AD" clId="Web-{04C64894-5397-A2BA-EE8E-98946C4C4F1F}" dt="2024-03-13T20:56:11.755" v="65"/>
+          <ac:spMkLst>
+            <pc:docMk/>
+            <pc:sldMk cId="1052766174" sldId="279"/>
+            <ac:spMk id="60" creationId="{2172A0AC-3DCE-4672-BCAF-28FEF91F6020}"/>
+          </ac:spMkLst>
+        </pc:spChg>
+        <pc:spChg chg="add del">
+          <ac:chgData name="Jonah Bertolino (Student)" userId="S::jonahbertolino@mines.edu::9e5659ea-b595-4c3b-9a51-e4ce62b2395f" providerId="AD" clId="Web-{04C64894-5397-A2BA-EE8E-98946C4C4F1F}" dt="2024-03-13T20:56:11.755" v="65"/>
+          <ac:spMkLst>
+            <pc:docMk/>
+            <pc:sldMk cId="1052766174" sldId="279"/>
+            <ac:spMk id="62" creationId="{AE6F1C77-EDC9-4C5F-8C1C-62DD46BDA3C3}"/>
+          </ac:spMkLst>
+        </pc:spChg>
+        <pc:spChg chg="add del">
+          <ac:chgData name="Jonah Bertolino (Student)" userId="S::jonahbertolino@mines.edu::9e5659ea-b595-4c3b-9a51-e4ce62b2395f" providerId="AD" clId="Web-{04C64894-5397-A2BA-EE8E-98946C4C4F1F}" dt="2024-03-13T21:04:01.858" v="90"/>
+          <ac:spMkLst>
+            <pc:docMk/>
+            <pc:sldMk cId="1052766174" sldId="279"/>
+            <ac:spMk id="67" creationId="{135FA909-3F24-448C-A8BC-7CF77F62F84F}"/>
+          </ac:spMkLst>
+        </pc:spChg>
+        <pc:spChg chg="add del mod">
+          <ac:chgData name="Jonah Bertolino (Student)" userId="S::jonahbertolino@mines.edu::9e5659ea-b595-4c3b-9a51-e4ce62b2395f" providerId="AD" clId="Web-{04C64894-5397-A2BA-EE8E-98946C4C4F1F}" dt="2024-03-13T21:05:41.422" v="112"/>
+          <ac:spMkLst>
+            <pc:docMk/>
+            <pc:sldMk cId="1052766174" sldId="279"/>
+            <ac:spMk id="75" creationId="{1063622A-C147-A002-86A8-077CADF92CDA}"/>
+          </ac:spMkLst>
+        </pc:spChg>
+        <pc:spChg chg="add del">
+          <ac:chgData name="Jonah Bertolino (Student)" userId="S::jonahbertolino@mines.edu::9e5659ea-b595-4c3b-9a51-e4ce62b2395f" providerId="AD" clId="Web-{04C64894-5397-A2BA-EE8E-98946C4C4F1F}" dt="2024-03-13T21:05:34.485" v="111"/>
+          <ac:spMkLst>
+            <pc:docMk/>
+            <pc:sldMk cId="1052766174" sldId="279"/>
+            <ac:spMk id="78" creationId="{26CAED0A-2A45-4C9C-BCDD-21A8A092C5F3}"/>
+          </ac:spMkLst>
+        </pc:spChg>
+        <pc:spChg chg="add del">
+          <ac:chgData name="Jonah Bertolino (Student)" userId="S::jonahbertolino@mines.edu::9e5659ea-b595-4c3b-9a51-e4ce62b2395f" providerId="AD" clId="Web-{04C64894-5397-A2BA-EE8E-98946C4C4F1F}" dt="2024-03-13T21:05:34.485" v="111"/>
+          <ac:spMkLst>
+            <pc:docMk/>
+            <pc:sldMk cId="1052766174" sldId="279"/>
+            <ac:spMk id="80" creationId="{3A9A4357-BD1D-4622-A4FE-766E6AB8DE84}"/>
+          </ac:spMkLst>
+        </pc:spChg>
+        <pc:spChg chg="add del">
+          <ac:chgData name="Jonah Bertolino (Student)" userId="S::jonahbertolino@mines.edu::9e5659ea-b595-4c3b-9a51-e4ce62b2395f" providerId="AD" clId="Web-{04C64894-5397-A2BA-EE8E-98946C4C4F1F}" dt="2024-03-13T21:05:29.782" v="109"/>
+          <ac:spMkLst>
+            <pc:docMk/>
+            <pc:sldMk cId="1052766174" sldId="279"/>
+            <ac:spMk id="82" creationId="{E659831F-0D9A-4C63-9EBB-8435B85A440F}"/>
+          </ac:spMkLst>
+        </pc:spChg>
+        <pc:spChg chg="add del">
+          <ac:chgData name="Jonah Bertolino (Student)" userId="S::jonahbertolino@mines.edu::9e5659ea-b595-4c3b-9a51-e4ce62b2395f" providerId="AD" clId="Web-{04C64894-5397-A2BA-EE8E-98946C4C4F1F}" dt="2024-03-13T21:05:34.485" v="111"/>
+          <ac:spMkLst>
+            <pc:docMk/>
+            <pc:sldMk cId="1052766174" sldId="279"/>
+            <ac:spMk id="84" creationId="{E6995CE5-F890-4ABA-82A2-26507CE8D2A3}"/>
+          </ac:spMkLst>
+        </pc:spChg>
+        <pc:spChg chg="add">
+          <ac:chgData name="Jonah Bertolino (Student)" userId="S::jonahbertolino@mines.edu::9e5659ea-b595-4c3b-9a51-e4ce62b2395f" providerId="AD" clId="Web-{04C64894-5397-A2BA-EE8E-98946C4C4F1F}" dt="2024-03-13T21:05:34.485" v="111"/>
+          <ac:spMkLst>
+            <pc:docMk/>
+            <pc:sldMk cId="1052766174" sldId="279"/>
+            <ac:spMk id="86" creationId="{201CC55D-ED54-4C5C-95E6-10947BD1103B}"/>
+          </ac:spMkLst>
+        </pc:spChg>
+        <pc:spChg chg="add">
+          <ac:chgData name="Jonah Bertolino (Student)" userId="S::jonahbertolino@mines.edu::9e5659ea-b595-4c3b-9a51-e4ce62b2395f" providerId="AD" clId="Web-{04C64894-5397-A2BA-EE8E-98946C4C4F1F}" dt="2024-03-13T21:05:34.485" v="111"/>
+          <ac:spMkLst>
+            <pc:docMk/>
+            <pc:sldMk cId="1052766174" sldId="279"/>
+            <ac:spMk id="88" creationId="{3873B707-463F-40B0-8227-E8CC6C67EB25}"/>
+          </ac:spMkLst>
+        </pc:spChg>
+        <pc:spChg chg="add del">
+          <ac:chgData name="Jonah Bertolino (Student)" userId="S::jonahbertolino@mines.edu::9e5659ea-b595-4c3b-9a51-e4ce62b2395f" providerId="AD" clId="Web-{04C64894-5397-A2BA-EE8E-98946C4C4F1F}" dt="2024-03-13T21:05:05.328" v="101"/>
+          <ac:spMkLst>
+            <pc:docMk/>
+            <pc:sldMk cId="1052766174" sldId="279"/>
+            <ac:spMk id="89" creationId="{201CC55D-ED54-4C5C-95E6-10947BD1103B}"/>
+          </ac:spMkLst>
+        </pc:spChg>
+        <pc:spChg chg="add">
+          <ac:chgData name="Jonah Bertolino (Student)" userId="S::jonahbertolino@mines.edu::9e5659ea-b595-4c3b-9a51-e4ce62b2395f" providerId="AD" clId="Web-{04C64894-5397-A2BA-EE8E-98946C4C4F1F}" dt="2024-03-13T21:05:34.485" v="111"/>
+          <ac:spMkLst>
+            <pc:docMk/>
+            <pc:sldMk cId="1052766174" sldId="279"/>
+            <ac:spMk id="90" creationId="{C13237C8-E62C-4F0D-A318-BD6FB6C2D138}"/>
+          </ac:spMkLst>
+        </pc:spChg>
+        <pc:spChg chg="add del">
+          <ac:chgData name="Jonah Bertolino (Student)" userId="S::jonahbertolino@mines.edu::9e5659ea-b595-4c3b-9a51-e4ce62b2395f" providerId="AD" clId="Web-{04C64894-5397-A2BA-EE8E-98946C4C4F1F}" dt="2024-03-13T21:06:14.392" v="117"/>
+          <ac:spMkLst>
+            <pc:docMk/>
+            <pc:sldMk cId="1052766174" sldId="279"/>
+            <ac:spMk id="94" creationId="{19C9EAEA-39D0-4B0E-A0EB-51E7B26740B1}"/>
+          </ac:spMkLst>
+        </pc:spChg>
+        <pc:spChg chg="add del">
+          <ac:chgData name="Jonah Bertolino (Student)" userId="S::jonahbertolino@mines.edu::9e5659ea-b595-4c3b-9a51-e4ce62b2395f" providerId="AD" clId="Web-{04C64894-5397-A2BA-EE8E-98946C4C4F1F}" dt="2024-03-13T21:05:05.328" v="101"/>
+          <ac:spMkLst>
+            <pc:docMk/>
+            <pc:sldMk cId="1052766174" sldId="279"/>
+            <ac:spMk id="95" creationId="{3873B707-463F-40B0-8227-E8CC6C67EB25}"/>
+          </ac:spMkLst>
+        </pc:spChg>
+        <pc:spChg chg="add del">
+          <ac:chgData name="Jonah Bertolino (Student)" userId="S::jonahbertolino@mines.edu::9e5659ea-b595-4c3b-9a51-e4ce62b2395f" providerId="AD" clId="Web-{04C64894-5397-A2BA-EE8E-98946C4C4F1F}" dt="2024-03-13T21:05:05.328" v="101"/>
+          <ac:spMkLst>
+            <pc:docMk/>
+            <pc:sldMk cId="1052766174" sldId="279"/>
+            <ac:spMk id="97" creationId="{C13237C8-E62C-4F0D-A318-BD6FB6C2D138}"/>
+          </ac:spMkLst>
+        </pc:spChg>
+        <pc:spChg chg="add del">
+          <ac:chgData name="Jonah Bertolino (Student)" userId="S::jonahbertolino@mines.edu::9e5659ea-b595-4c3b-9a51-e4ce62b2395f" providerId="AD" clId="Web-{04C64894-5397-A2BA-EE8E-98946C4C4F1F}" dt="2024-03-13T21:05:05.328" v="101"/>
+          <ac:spMkLst>
+            <pc:docMk/>
+            <pc:sldMk cId="1052766174" sldId="279"/>
+            <ac:spMk id="99" creationId="{19C9EAEA-39D0-4B0E-A0EB-51E7B26740B1}"/>
+          </ac:spMkLst>
+        </pc:spChg>
+        <pc:grpChg chg="add del">
+          <ac:chgData name="Jonah Bertolino (Student)" userId="S::jonahbertolino@mines.edu::9e5659ea-b595-4c3b-9a51-e4ce62b2395f" providerId="AD" clId="Web-{04C64894-5397-A2BA-EE8E-98946C4C4F1F}" dt="2024-03-13T20:53:44.299" v="49"/>
+          <ac:grpSpMkLst>
+            <pc:docMk/>
+            <pc:sldMk cId="1052766174" sldId="279"/>
+            <ac:grpSpMk id="33" creationId="{54A1C8FD-E5B7-4BEC-A74A-A55FB8EA7CFE}"/>
+          </ac:grpSpMkLst>
+        </pc:grpChg>
+        <pc:grpChg chg="add del">
+          <ac:chgData name="Jonah Bertolino (Student)" userId="S::jonahbertolino@mines.edu::9e5659ea-b595-4c3b-9a51-e4ce62b2395f" providerId="AD" clId="Web-{04C64894-5397-A2BA-EE8E-98946C4C4F1F}" dt="2024-03-13T20:54:12.222" v="54"/>
+          <ac:grpSpMkLst>
+            <pc:docMk/>
+            <pc:sldMk cId="1052766174" sldId="279"/>
+            <ac:grpSpMk id="39" creationId="{8B60959F-9B69-4520-A16E-EA6BECC747D6}"/>
+          </ac:grpSpMkLst>
+        </pc:grpChg>
+        <pc:grpChg chg="add del">
+          <ac:chgData name="Jonah Bertolino (Student)" userId="S::jonahbertolino@mines.edu::9e5659ea-b595-4c3b-9a51-e4ce62b2395f" providerId="AD" clId="Web-{04C64894-5397-A2BA-EE8E-98946C4C4F1F}" dt="2024-03-13T20:54:57.269" v="59"/>
+          <ac:grpSpMkLst>
+            <pc:docMk/>
+            <pc:sldMk cId="1052766174" sldId="279"/>
+            <ac:grpSpMk id="52" creationId="{54A1C8FD-E5B7-4BEC-A74A-A55FB8EA7CFE}"/>
+          </ac:grpSpMkLst>
+        </pc:grpChg>
+        <pc:grpChg chg="add del">
+          <ac:chgData name="Jonah Bertolino (Student)" userId="S::jonahbertolino@mines.edu::9e5659ea-b595-4c3b-9a51-e4ce62b2395f" providerId="AD" clId="Web-{04C64894-5397-A2BA-EE8E-98946C4C4F1F}" dt="2024-03-13T21:04:01.858" v="90"/>
+          <ac:grpSpMkLst>
+            <pc:docMk/>
+            <pc:sldMk cId="1052766174" sldId="279"/>
+            <ac:grpSpMk id="69" creationId="{8B60959F-9B69-4520-A16E-EA6BECC747D6}"/>
+          </ac:grpSpMkLst>
+        </pc:grpChg>
+        <pc:grpChg chg="add">
+          <ac:chgData name="Jonah Bertolino (Student)" userId="S::jonahbertolino@mines.edu::9e5659ea-b595-4c3b-9a51-e4ce62b2395f" providerId="AD" clId="Web-{04C64894-5397-A2BA-EE8E-98946C4C4F1F}" dt="2024-03-13T21:05:34.485" v="111"/>
+          <ac:grpSpMkLst>
+            <pc:docMk/>
+            <pc:sldMk cId="1052766174" sldId="279"/>
+            <ac:grpSpMk id="87" creationId="{1DE889C7-FAD6-4397-98E2-05D503484459}"/>
+          </ac:grpSpMkLst>
+        </pc:grpChg>
+        <pc:grpChg chg="add del">
+          <ac:chgData name="Jonah Bertolino (Student)" userId="S::jonahbertolino@mines.edu::9e5659ea-b595-4c3b-9a51-e4ce62b2395f" providerId="AD" clId="Web-{04C64894-5397-A2BA-EE8E-98946C4C4F1F}" dt="2024-03-13T21:05:05.328" v="101"/>
+          <ac:grpSpMkLst>
+            <pc:docMk/>
+            <pc:sldMk cId="1052766174" sldId="279"/>
+            <ac:grpSpMk id="91" creationId="{1DE889C7-FAD6-4397-98E2-05D503484459}"/>
+          </ac:grpSpMkLst>
+        </pc:grpChg>
+        <pc:picChg chg="add del mod ord">
+          <ac:chgData name="Jonah Bertolino (Student)" userId="S::jonahbertolino@mines.edu::9e5659ea-b595-4c3b-9a51-e4ce62b2395f" providerId="AD" clId="Web-{04C64894-5397-A2BA-EE8E-98946C4C4F1F}" dt="2024-03-13T20:53:13.799" v="42"/>
+          <ac:picMkLst>
+            <pc:docMk/>
+            <pc:sldMk cId="1052766174" sldId="279"/>
+            <ac:picMk id="4" creationId="{74C737AD-9FEF-EF2B-9DC5-CC13C9EE6A7B}"/>
+          </ac:picMkLst>
+        </pc:picChg>
+        <pc:picChg chg="add del mod ord modCrop">
+          <ac:chgData name="Jonah Bertolino (Student)" userId="S::jonahbertolino@mines.edu::9e5659ea-b595-4c3b-9a51-e4ce62b2395f" providerId="AD" clId="Web-{04C64894-5397-A2BA-EE8E-98946C4C4F1F}" dt="2024-03-13T21:15:38.669" v="119"/>
+          <ac:picMkLst>
+            <pc:docMk/>
+            <pc:sldMk cId="1052766174" sldId="279"/>
+            <ac:picMk id="7" creationId="{2D93EF3F-33C1-EC24-201B-37A39E876B0A}"/>
+          </ac:picMkLst>
+        </pc:picChg>
+        <pc:picChg chg="add del mod ord">
+          <ac:chgData name="Jonah Bertolino (Student)" userId="S::jonahbertolino@mines.edu::9e5659ea-b595-4c3b-9a51-e4ce62b2395f" providerId="AD" clId="Web-{04C64894-5397-A2BA-EE8E-98946C4C4F1F}" dt="2024-03-13T20:56:04.224" v="64"/>
+          <ac:picMkLst>
+            <pc:docMk/>
+            <pc:sldMk cId="1052766174" sldId="279"/>
+            <ac:picMk id="8" creationId="{92684E06-8E73-FFA1-29F3-586A7E0B5667}"/>
+          </ac:picMkLst>
+        </pc:picChg>
+        <pc:picChg chg="add del mod ord">
+          <ac:chgData name="Jonah Bertolino (Student)" userId="S::jonahbertolino@mines.edu::9e5659ea-b595-4c3b-9a51-e4ce62b2395f" providerId="AD" clId="Web-{04C64894-5397-A2BA-EE8E-98946C4C4F1F}" dt="2024-03-13T21:05:32.219" v="110"/>
+          <ac:picMkLst>
+            <pc:docMk/>
+            <pc:sldMk cId="1052766174" sldId="279"/>
+            <ac:picMk id="14" creationId="{EA3ECBC4-1396-A3EE-EF8F-4CF4F6FE007E}"/>
+          </ac:picMkLst>
+        </pc:picChg>
+        <pc:picChg chg="add del mod ord">
+          <ac:chgData name="Jonah Bertolino (Student)" userId="S::jonahbertolino@mines.edu::9e5659ea-b595-4c3b-9a51-e4ce62b2395f" providerId="AD" clId="Web-{04C64894-5397-A2BA-EE8E-98946C4C4F1F}" dt="2024-03-13T21:05:46.235" v="113"/>
+          <ac:picMkLst>
+            <pc:docMk/>
+            <pc:sldMk cId="1052766174" sldId="279"/>
+            <ac:picMk id="17" creationId="{1A6ABD3E-EBC5-96B9-51B6-EA1E1D51C933}"/>
+          </ac:picMkLst>
+        </pc:picChg>
+        <pc:picChg chg="add mod modCrop">
+          <ac:chgData name="Jonah Bertolino (Student)" userId="S::jonahbertolino@mines.edu::9e5659ea-b595-4c3b-9a51-e4ce62b2395f" providerId="AD" clId="Web-{04C64894-5397-A2BA-EE8E-98946C4C4F1F}" dt="2024-03-13T21:16:19.482" v="127" actId="1076"/>
+          <ac:picMkLst>
+            <pc:docMk/>
+            <pc:sldMk cId="1052766174" sldId="279"/>
+            <ac:picMk id="18" creationId="{0A8B447F-A66F-0934-EF13-418B6913A925}"/>
+          </ac:picMkLst>
+        </pc:picChg>
+        <pc:cxnChg chg="add del">
+          <ac:chgData name="Jonah Bertolino (Student)" userId="S::jonahbertolino@mines.edu::9e5659ea-b595-4c3b-9a51-e4ce62b2395f" providerId="AD" clId="Web-{04C64894-5397-A2BA-EE8E-98946C4C4F1F}" dt="2024-03-13T20:53:40.877" v="47"/>
+          <ac:cxnSpMkLst>
+            <pc:docMk/>
+            <pc:sldMk cId="1052766174" sldId="279"/>
+            <ac:cxnSpMk id="29" creationId="{EE504C98-6397-41C1-A8D8-2D9C4ED307E0}"/>
+          </ac:cxnSpMkLst>
+        </pc:cxnChg>
+        <pc:cxnChg chg="add del">
+          <ac:chgData name="Jonah Bertolino (Student)" userId="S::jonahbertolino@mines.edu::9e5659ea-b595-4c3b-9a51-e4ce62b2395f" providerId="AD" clId="Web-{04C64894-5397-A2BA-EE8E-98946C4C4F1F}" dt="2024-03-13T20:53:40.877" v="47"/>
+          <ac:cxnSpMkLst>
+            <pc:docMk/>
+            <pc:sldMk cId="1052766174" sldId="279"/>
+            <ac:cxnSpMk id="30" creationId="{B7188D9B-1674-419B-A379-D1632A7EC3A2}"/>
+          </ac:cxnSpMkLst>
+        </pc:cxnChg>
+        <pc:cxnChg chg="add del">
+          <ac:chgData name="Jonah Bertolino (Student)" userId="S::jonahbertolino@mines.edu::9e5659ea-b595-4c3b-9a51-e4ce62b2395f" providerId="AD" clId="Web-{04C64894-5397-A2BA-EE8E-98946C4C4F1F}" dt="2024-03-13T20:54:12.206" v="53"/>
+          <ac:cxnSpMkLst>
+            <pc:docMk/>
+            <pc:sldMk cId="1052766174" sldId="279"/>
+            <ac:cxnSpMk id="47" creationId="{AC65C03C-3F17-45DC-A1B9-35ACA43397D4}"/>
+          </ac:cxnSpMkLst>
+        </pc:cxnChg>
+      </pc:sldChg>
+    </pc:docChg>
+  </pc:docChgLst>
+  <pc:docChgLst>
+    <pc:chgData name="Hunter Burnham (Student)" userId="e134f687-0b34-4f02-b471-2fa4d76ea700" providerId="ADAL" clId="{387E982F-AC20-48A9-A5D7-3E1105CE4D48}"/>
+    <pc:docChg chg="undo custSel addSld delSld modSld sldOrd">
+      <pc:chgData name="Hunter Burnham (Student)" userId="e134f687-0b34-4f02-b471-2fa4d76ea700" providerId="ADAL" clId="{387E982F-AC20-48A9-A5D7-3E1105CE4D48}" dt="2024-03-29T22:56:12.030" v="4165" actId="1076"/>
+      <pc:docMkLst>
+        <pc:docMk/>
+      </pc:docMkLst>
+      <pc:sldChg chg="addSp delSp modSp mod modMedia setBg delAnim">
+        <pc:chgData name="Hunter Burnham (Student)" userId="e134f687-0b34-4f02-b471-2fa4d76ea700" providerId="ADAL" clId="{387E982F-AC20-48A9-A5D7-3E1105CE4D48}" dt="2024-03-15T17:47:44.831" v="3894" actId="20577"/>
+        <pc:sldMkLst>
+          <pc:docMk/>
+          <pc:sldMk cId="234320675" sldId="256"/>
+        </pc:sldMkLst>
+        <pc:spChg chg="mod">
+          <ac:chgData name="Hunter Burnham (Student)" userId="e134f687-0b34-4f02-b471-2fa4d76ea700" providerId="ADAL" clId="{387E982F-AC20-48A9-A5D7-3E1105CE4D48}" dt="2024-03-15T17:47:33.387" v="3884" actId="14100"/>
+          <ac:spMkLst>
+            <pc:docMk/>
+            <pc:sldMk cId="234320675" sldId="256"/>
+            <ac:spMk id="2" creationId="{20F0F418-8CFC-AF03-63CD-F9449637605C}"/>
+          </ac:spMkLst>
+        </pc:spChg>
+        <pc:spChg chg="mod">
+          <ac:chgData name="Hunter Burnham (Student)" userId="e134f687-0b34-4f02-b471-2fa4d76ea700" providerId="ADAL" clId="{387E982F-AC20-48A9-A5D7-3E1105CE4D48}" dt="2024-03-15T17:47:44.831" v="3894" actId="20577"/>
+          <ac:spMkLst>
+            <pc:docMk/>
+            <pc:sldMk cId="234320675" sldId="256"/>
+            <ac:spMk id="3" creationId="{4DFAF4A9-F54B-F3A4-7967-31664984E776}"/>
+          </ac:spMkLst>
+        </pc:spChg>
+        <pc:spChg chg="add del">
+          <ac:chgData name="Hunter Burnham (Student)" userId="e134f687-0b34-4f02-b471-2fa4d76ea700" providerId="ADAL" clId="{387E982F-AC20-48A9-A5D7-3E1105CE4D48}" dt="2024-03-15T17:47:05.848" v="3876" actId="26606"/>
+          <ac:spMkLst>
+            <pc:docMk/>
+            <pc:sldMk cId="234320675" sldId="256"/>
+            <ac:spMk id="9" creationId="{716F42E0-28DF-4093-AFC5-CA01F54C8897}"/>
+          </ac:spMkLst>
+        </pc:spChg>
+        <pc:spChg chg="add del">
+          <ac:chgData name="Hunter Burnham (Student)" userId="e134f687-0b34-4f02-b471-2fa4d76ea700" providerId="ADAL" clId="{387E982F-AC20-48A9-A5D7-3E1105CE4D48}" dt="2024-03-15T17:47:05.848" v="3876" actId="26606"/>
+          <ac:spMkLst>
+            <pc:docMk/>
+            <pc:sldMk cId="234320675" sldId="256"/>
+            <ac:spMk id="11" creationId="{4063B759-00FC-46D1-9898-8E8625268FAF}"/>
+          </ac:spMkLst>
+        </pc:spChg>
+        <pc:spChg chg="add del">
+          <ac:chgData name="Hunter Burnham (Student)" userId="e134f687-0b34-4f02-b471-2fa4d76ea700" providerId="ADAL" clId="{387E982F-AC20-48A9-A5D7-3E1105CE4D48}" dt="2024-03-15T17:47:05.848" v="3876" actId="26606"/>
+          <ac:spMkLst>
+            <pc:docMk/>
+            <pc:sldMk cId="234320675" sldId="256"/>
+            <ac:spMk id="13" creationId="{D5B012D8-7F27-4758-9AC6-C889B154BD73}"/>
+          </ac:spMkLst>
+        </pc:spChg>
+        <pc:spChg chg="add">
+          <ac:chgData name="Hunter Burnham (Student)" userId="e134f687-0b34-4f02-b471-2fa4d76ea700" providerId="ADAL" clId="{387E982F-AC20-48A9-A5D7-3E1105CE4D48}" dt="2024-03-15T17:47:05.848" v="3876" actId="26606"/>
+          <ac:spMkLst>
+            <pc:docMk/>
+            <pc:sldMk cId="234320675" sldId="256"/>
+            <ac:spMk id="15" creationId="{934F1179-B481-4F9E-BCA3-AFB972070F83}"/>
+          </ac:spMkLst>
+        </pc:spChg>
+        <pc:spChg chg="add">
+          <ac:chgData name="Hunter Burnham (Student)" userId="e134f687-0b34-4f02-b471-2fa4d76ea700" providerId="ADAL" clId="{387E982F-AC20-48A9-A5D7-3E1105CE4D48}" dt="2024-03-15T17:47:05.848" v="3876" actId="26606"/>
+          <ac:spMkLst>
+            <pc:docMk/>
+            <pc:sldMk cId="234320675" sldId="256"/>
+            <ac:spMk id="16" creationId="{827DC2C4-B485-428A-BF4A-472D2967F47F}"/>
+          </ac:spMkLst>
+        </pc:spChg>
+        <pc:spChg chg="add del">
+          <ac:chgData name="Hunter Burnham (Student)" userId="e134f687-0b34-4f02-b471-2fa4d76ea700" providerId="ADAL" clId="{387E982F-AC20-48A9-A5D7-3E1105CE4D48}" dt="2024-03-13T21:07:57.867" v="3532" actId="26606"/>
+          <ac:spMkLst>
+            <pc:docMk/>
+            <pc:sldMk cId="234320675" sldId="256"/>
+            <ac:spMk id="18" creationId="{47942995-B07F-4636-9A06-C6A104B260A8}"/>
+          </ac:spMkLst>
+        </pc:spChg>
+        <pc:spChg chg="add">
+          <ac:chgData name="Hunter Burnham (Student)" userId="e134f687-0b34-4f02-b471-2fa4d76ea700" providerId="ADAL" clId="{387E982F-AC20-48A9-A5D7-3E1105CE4D48}" dt="2024-03-15T17:47:05.848" v="3876" actId="26606"/>
+          <ac:spMkLst>
+            <pc:docMk/>
+            <pc:sldMk cId="234320675" sldId="256"/>
+            <ac:spMk id="22" creationId="{EE04B5EB-F158-4507-90DD-BD23620C7CC9}"/>
+          </ac:spMkLst>
+        </pc:spChg>
+        <pc:spChg chg="add del">
+          <ac:chgData name="Hunter Burnham (Student)" userId="e134f687-0b34-4f02-b471-2fa4d76ea700" providerId="ADAL" clId="{387E982F-AC20-48A9-A5D7-3E1105CE4D48}" dt="2024-03-13T21:07:57.867" v="3532" actId="26606"/>
+          <ac:spMkLst>
+            <pc:docMk/>
+            <pc:sldMk cId="234320675" sldId="256"/>
+            <ac:spMk id="25" creationId="{B81933D1-5615-42C7-9C0B-4EB7105CCE2D}"/>
+          </ac:spMkLst>
+        </pc:spChg>
+        <pc:spChg chg="add del">
+          <ac:chgData name="Hunter Burnham (Student)" userId="e134f687-0b34-4f02-b471-2fa4d76ea700" providerId="ADAL" clId="{387E982F-AC20-48A9-A5D7-3E1105CE4D48}" dt="2024-03-13T21:07:57.867" v="3532" actId="26606"/>
+          <ac:spMkLst>
+            <pc:docMk/>
+            <pc:sldMk cId="234320675" sldId="256"/>
+            <ac:spMk id="27" creationId="{19C9EAEA-39D0-4B0E-A0EB-51E7B26740B1}"/>
+          </ac:spMkLst>
+        </pc:spChg>
+        <pc:grpChg chg="add del">
+          <ac:chgData name="Hunter Burnham (Student)" userId="e134f687-0b34-4f02-b471-2fa4d76ea700" providerId="ADAL" clId="{387E982F-AC20-48A9-A5D7-3E1105CE4D48}" dt="2024-03-13T21:07:57.867" v="3532" actId="26606"/>
+          <ac:grpSpMkLst>
+            <pc:docMk/>
+            <pc:sldMk cId="234320675" sldId="256"/>
+            <ac:grpSpMk id="20" creationId="{032D8612-31EB-44CF-A1D0-14FD4C705424}"/>
+          </ac:grpSpMkLst>
+        </pc:grpChg>
+        <pc:picChg chg="add del mod ord">
+          <ac:chgData name="Hunter Burnham (Student)" userId="e134f687-0b34-4f02-b471-2fa4d76ea700" providerId="ADAL" clId="{387E982F-AC20-48A9-A5D7-3E1105CE4D48}" dt="2024-03-15T17:46:36.462" v="3875" actId="21"/>
+          <ac:picMkLst>
+            <pc:docMk/>
+            <pc:sldMk cId="234320675" sldId="256"/>
+            <ac:picMk id="5" creationId="{7F43B5C3-611A-429E-C0DD-3F8BEFBB819D}"/>
+          </ac:picMkLst>
+        </pc:picChg>
+      </pc:sldChg>
+      <pc:sldChg chg="modSp del mod">
+        <pc:chgData name="Hunter Burnham (Student)" userId="e134f687-0b34-4f02-b471-2fa4d76ea700" providerId="ADAL" clId="{387E982F-AC20-48A9-A5D7-3E1105CE4D48}" dt="2024-03-13T20:57:28.059" v="3253" actId="2696"/>
+        <pc:sldMkLst>
+          <pc:docMk/>
+          <pc:sldMk cId="2116201992" sldId="257"/>
+        </pc:sldMkLst>
+        <pc:spChg chg="mod">
+          <ac:chgData name="Hunter Burnham (Student)" userId="e134f687-0b34-4f02-b471-2fa4d76ea700" providerId="ADAL" clId="{387E982F-AC20-48A9-A5D7-3E1105CE4D48}" dt="2024-03-10T21:42:00.791" v="322" actId="20577"/>
+          <ac:spMkLst>
+            <pc:docMk/>
+            <pc:sldMk cId="2116201992" sldId="257"/>
+            <ac:spMk id="2" creationId="{5DE2EB2F-13B1-E18C-7419-802122B6252C}"/>
+          </ac:spMkLst>
+        </pc:spChg>
+        <pc:spChg chg="mod">
+          <ac:chgData name="Hunter Burnham (Student)" userId="e134f687-0b34-4f02-b471-2fa4d76ea700" providerId="ADAL" clId="{387E982F-AC20-48A9-A5D7-3E1105CE4D48}" dt="2024-03-11T21:12:01.402" v="2030" actId="20577"/>
+          <ac:spMkLst>
+            <pc:docMk/>
+            <pc:sldMk cId="2116201992" sldId="257"/>
+            <ac:spMk id="3" creationId="{D46C8847-1CE6-DFDE-956F-4608305A5DC6}"/>
+          </ac:spMkLst>
+        </pc:spChg>
+      </pc:sldChg>
+      <pc:sldChg chg="modSp new mod">
+        <pc:chgData name="Hunter Burnham (Student)" userId="e134f687-0b34-4f02-b471-2fa4d76ea700" providerId="ADAL" clId="{387E982F-AC20-48A9-A5D7-3E1105CE4D48}" dt="2024-03-10T21:48:12.947" v="1208" actId="20577"/>
+        <pc:sldMkLst>
+          <pc:docMk/>
+          <pc:sldMk cId="572091724" sldId="258"/>
+        </pc:sldMkLst>
+        <pc:spChg chg="mod">
+          <ac:chgData name="Hunter Burnham (Student)" userId="e134f687-0b34-4f02-b471-2fa4d76ea700" providerId="ADAL" clId="{387E982F-AC20-48A9-A5D7-3E1105CE4D48}" dt="2024-03-10T21:39:39.850" v="126" actId="20577"/>
+          <ac:spMkLst>
+            <pc:docMk/>
+            <pc:sldMk cId="572091724" sldId="258"/>
+            <ac:spMk id="2" creationId="{F0E3B5F0-F703-3E5B-8F70-F125AC03285A}"/>
+          </ac:spMkLst>
+        </pc:spChg>
+        <pc:spChg chg="mod">
+          <ac:chgData name="Hunter Burnham (Student)" userId="e134f687-0b34-4f02-b471-2fa4d76ea700" providerId="ADAL" clId="{387E982F-AC20-48A9-A5D7-3E1105CE4D48}" dt="2024-03-10T21:48:12.947" v="1208" actId="20577"/>
+          <ac:spMkLst>
+            <pc:docMk/>
+            <pc:sldMk cId="572091724" sldId="258"/>
+            <ac:spMk id="3" creationId="{A196BE1C-312B-2E1D-77D0-B1BBB68FE8F2}"/>
+          </ac:spMkLst>
+        </pc:spChg>
+      </pc:sldChg>
+      <pc:sldChg chg="modSp del mod ord">
+        <pc:chgData name="Hunter Burnham (Student)" userId="e134f687-0b34-4f02-b471-2fa4d76ea700" providerId="ADAL" clId="{387E982F-AC20-48A9-A5D7-3E1105CE4D48}" dt="2024-03-13T21:05:53.127" v="3529" actId="2696"/>
+        <pc:sldMkLst>
+          <pc:docMk/>
+          <pc:sldMk cId="3372943132" sldId="259"/>
+        </pc:sldMkLst>
+        <pc:spChg chg="mod">
+          <ac:chgData name="Hunter Burnham (Student)" userId="e134f687-0b34-4f02-b471-2fa4d76ea700" providerId="ADAL" clId="{387E982F-AC20-48A9-A5D7-3E1105CE4D48}" dt="2024-03-10T21:40:40.749" v="182" actId="20577"/>
+          <ac:spMkLst>
+            <pc:docMk/>
+            <pc:sldMk cId="3372943132" sldId="259"/>
+            <ac:spMk id="2" creationId="{BEB5B745-96C1-51E4-7056-D9562589D0F5}"/>
+          </ac:spMkLst>
+        </pc:spChg>
+        <pc:spChg chg="mod">
+          <ac:chgData name="Hunter Burnham (Student)" userId="e134f687-0b34-4f02-b471-2fa4d76ea700" providerId="ADAL" clId="{387E982F-AC20-48A9-A5D7-3E1105CE4D48}" dt="2024-03-10T21:50:02.926" v="1270" actId="313"/>
+          <ac:spMkLst>
+            <pc:docMk/>
+            <pc:sldMk cId="3372943132" sldId="259"/>
+            <ac:spMk id="3" creationId="{00B45081-0BD4-AC98-E3FB-757FDF4BCC4C}"/>
+          </ac:spMkLst>
+        </pc:spChg>
+      </pc:sldChg>
+      <pc:sldChg chg="modSp new mod">
+        <pc:chgData name="Hunter Burnham (Student)" userId="e134f687-0b34-4f02-b471-2fa4d76ea700" providerId="ADAL" clId="{387E982F-AC20-48A9-A5D7-3E1105CE4D48}" dt="2024-03-10T21:45:55.502" v="836" actId="313"/>
+        <pc:sldMkLst>
+          <pc:docMk/>
+          <pc:sldMk cId="907987910" sldId="260"/>
+        </pc:sldMkLst>
+        <pc:spChg chg="mod">
+          <ac:chgData name="Hunter Burnham (Student)" userId="e134f687-0b34-4f02-b471-2fa4d76ea700" providerId="ADAL" clId="{387E982F-AC20-48A9-A5D7-3E1105CE4D48}" dt="2024-03-10T21:41:52.725" v="313" actId="20577"/>
+          <ac:spMkLst>
+            <pc:docMk/>
+            <pc:sldMk cId="907987910" sldId="260"/>
+            <ac:spMk id="2" creationId="{68F347CA-AC84-EF9D-06FA-C744906CD24A}"/>
+          </ac:spMkLst>
+        </pc:spChg>
+        <pc:spChg chg="mod">
+          <ac:chgData name="Hunter Burnham (Student)" userId="e134f687-0b34-4f02-b471-2fa4d76ea700" providerId="ADAL" clId="{387E982F-AC20-48A9-A5D7-3E1105CE4D48}" dt="2024-03-10T21:45:55.502" v="836" actId="313"/>
+          <ac:spMkLst>
+            <pc:docMk/>
+            <pc:sldMk cId="907987910" sldId="260"/>
+            <ac:spMk id="3" creationId="{F627CA05-FB38-7BCD-DA2E-437F6146B06B}"/>
+          </ac:spMkLst>
+        </pc:spChg>
+      </pc:sldChg>
+      <pc:sldChg chg="modSp mod">
+        <pc:chgData name="Hunter Burnham (Student)" userId="e134f687-0b34-4f02-b471-2fa4d76ea700" providerId="ADAL" clId="{387E982F-AC20-48A9-A5D7-3E1105CE4D48}" dt="2024-03-10T21:48:18.555" v="1210"/>
+        <pc:sldMkLst>
+          <pc:docMk/>
+          <pc:sldMk cId="3928215850" sldId="261"/>
+        </pc:sldMkLst>
+        <pc:spChg chg="mod">
+          <ac:chgData name="Hunter Burnham (Student)" userId="e134f687-0b34-4f02-b471-2fa4d76ea700" providerId="ADAL" clId="{387E982F-AC20-48A9-A5D7-3E1105CE4D48}" dt="2024-03-10T21:41:04.040" v="210" actId="20577"/>
+          <ac:spMkLst>
+            <pc:docMk/>
+            <pc:sldMk cId="3928215850" sldId="261"/>
+            <ac:spMk id="2" creationId="{FD5CBC22-CD60-DEC3-9B70-431914163214}"/>
+          </ac:spMkLst>
+        </pc:spChg>
+        <pc:spChg chg="mod">
+          <ac:chgData name="Hunter Burnham (Student)" userId="e134f687-0b34-4f02-b471-2fa4d76ea700" providerId="ADAL" clId="{387E982F-AC20-48A9-A5D7-3E1105CE4D48}" dt="2024-03-10T21:48:18.555" v="1210"/>
+          <ac:spMkLst>
+            <pc:docMk/>
+            <pc:sldMk cId="3928215850" sldId="261"/>
+            <ac:spMk id="3" creationId="{82E4FC8A-EAFF-352A-DBD5-537E16C616C2}"/>
+          </ac:spMkLst>
+        </pc:spChg>
+      </pc:sldChg>
+      <pc:sldChg chg="modSp new del mod">
+        <pc:chgData name="Hunter Burnham (Student)" userId="e134f687-0b34-4f02-b471-2fa4d76ea700" providerId="ADAL" clId="{387E982F-AC20-48A9-A5D7-3E1105CE4D48}" dt="2024-03-13T20:36:37.921" v="2529" actId="2696"/>
+        <pc:sldMkLst>
+          <pc:docMk/>
+          <pc:sldMk cId="3446202391" sldId="262"/>
+        </pc:sldMkLst>
+        <pc:spChg chg="mod">
+          <ac:chgData name="Hunter Burnham (Student)" userId="e134f687-0b34-4f02-b471-2fa4d76ea700" providerId="ADAL" clId="{387E982F-AC20-48A9-A5D7-3E1105CE4D48}" dt="2024-03-10T21:41:45.407" v="304" actId="20577"/>
+          <ac:spMkLst>
+            <pc:docMk/>
+            <pc:sldMk cId="3446202391" sldId="262"/>
+            <ac:spMk id="2" creationId="{468B33FC-5B50-2F21-E2B4-5EDC5DFC251A}"/>
+          </ac:spMkLst>
+        </pc:spChg>
+        <pc:spChg chg="mod">
+          <ac:chgData name="Hunter Burnham (Student)" userId="e134f687-0b34-4f02-b471-2fa4d76ea700" providerId="ADAL" clId="{387E982F-AC20-48A9-A5D7-3E1105CE4D48}" dt="2024-03-10T21:48:20.925" v="1212"/>
+          <ac:spMkLst>
+            <pc:docMk/>
+            <pc:sldMk cId="3446202391" sldId="262"/>
+            <ac:spMk id="3" creationId="{BAB3B5AD-7F8D-36AD-1390-9CEDC96A4C13}"/>
+          </ac:spMkLst>
+        </pc:spChg>
+      </pc:sldChg>
+      <pc:sldChg chg="modSp new mod modNotesTx">
+        <pc:chgData name="Hunter Burnham (Student)" userId="e134f687-0b34-4f02-b471-2fa4d76ea700" providerId="ADAL" clId="{387E982F-AC20-48A9-A5D7-3E1105CE4D48}" dt="2024-03-13T21:14:02.459" v="3823" actId="20577"/>
+        <pc:sldMkLst>
+          <pc:docMk/>
+          <pc:sldMk cId="2396793982" sldId="263"/>
+        </pc:sldMkLst>
+        <pc:spChg chg="mod">
+          <ac:chgData name="Hunter Burnham (Student)" userId="e134f687-0b34-4f02-b471-2fa4d76ea700" providerId="ADAL" clId="{387E982F-AC20-48A9-A5D7-3E1105CE4D48}" dt="2024-03-10T21:41:31.558" v="292" actId="20577"/>
+          <ac:spMkLst>
+            <pc:docMk/>
+            <pc:sldMk cId="2396793982" sldId="263"/>
+            <ac:spMk id="2" creationId="{6809C795-4042-CC5A-647E-5016B8E19E84}"/>
+          </ac:spMkLst>
+        </pc:spChg>
+        <pc:spChg chg="mod">
+          <ac:chgData name="Hunter Burnham (Student)" userId="e134f687-0b34-4f02-b471-2fa4d76ea700" providerId="ADAL" clId="{387E982F-AC20-48A9-A5D7-3E1105CE4D48}" dt="2024-03-13T21:12:04.240" v="3653" actId="27636"/>
+          <ac:spMkLst>
+            <pc:docMk/>
+            <pc:sldMk cId="2396793982" sldId="263"/>
+            <ac:spMk id="3" creationId="{A9AC157F-B5D5-20E2-9DA4-EA29118F63FC}"/>
+          </ac:spMkLst>
+        </pc:spChg>
+      </pc:sldChg>
+      <pc:sldChg chg="addSp delSp modSp new mod ord setBg modNotesTx">
+        <pc:chgData name="Hunter Burnham (Student)" userId="e134f687-0b34-4f02-b471-2fa4d76ea700" providerId="ADAL" clId="{387E982F-AC20-48A9-A5D7-3E1105CE4D48}" dt="2024-03-29T22:56:12.030" v="4165" actId="1076"/>
+        <pc:sldMkLst>
+          <pc:docMk/>
+          <pc:sldMk cId="3498185693" sldId="264"/>
+        </pc:sldMkLst>
+        <pc:spChg chg="mod">
+          <ac:chgData name="Hunter Burnham (Student)" userId="e134f687-0b34-4f02-b471-2fa4d76ea700" providerId="ADAL" clId="{387E982F-AC20-48A9-A5D7-3E1105CE4D48}" dt="2024-03-13T20:21:21.533" v="2181" actId="14100"/>
+          <ac:spMkLst>
+            <pc:docMk/>
+            <pc:sldMk cId="3498185693" sldId="264"/>
+            <ac:spMk id="2" creationId="{DAD4FEB1-1896-4D04-3477-F8E40CBA7E2E}"/>
+          </ac:spMkLst>
+        </pc:spChg>
+        <pc:spChg chg="mod ord">
+          <ac:chgData name="Hunter Burnham (Student)" userId="e134f687-0b34-4f02-b471-2fa4d76ea700" providerId="ADAL" clId="{387E982F-AC20-48A9-A5D7-3E1105CE4D48}" dt="2024-03-13T20:48:56.561" v="2843" actId="404"/>
+          <ac:spMkLst>
+            <pc:docMk/>
+            <pc:sldMk cId="3498185693" sldId="264"/>
+            <ac:spMk id="3" creationId="{37BDDD50-4114-09B9-F973-1B6A4E4252F3}"/>
+          </ac:spMkLst>
+        </pc:spChg>
+        <pc:spChg chg="add del">
+          <ac:chgData name="Hunter Burnham (Student)" userId="e134f687-0b34-4f02-b471-2fa4d76ea700" providerId="ADAL" clId="{387E982F-AC20-48A9-A5D7-3E1105CE4D48}" dt="2024-03-13T20:21:04.254" v="2176" actId="26606"/>
+          <ac:spMkLst>
+            <pc:docMk/>
+            <pc:sldMk cId="3498185693" sldId="264"/>
+            <ac:spMk id="11" creationId="{B712E947-0734-45F9-9C4F-41114EC3A33E}"/>
+          </ac:spMkLst>
+        </pc:spChg>
+        <pc:spChg chg="add">
+          <ac:chgData name="Hunter Burnham (Student)" userId="e134f687-0b34-4f02-b471-2fa4d76ea700" providerId="ADAL" clId="{387E982F-AC20-48A9-A5D7-3E1105CE4D48}" dt="2024-03-13T20:21:12.580" v="2179" actId="26606"/>
+          <ac:spMkLst>
+            <pc:docMk/>
+            <pc:sldMk cId="3498185693" sldId="264"/>
+            <ac:spMk id="15" creationId="{2C1BBA94-3F40-40AA-8BB9-E69E25E537C1}"/>
+          </ac:spMkLst>
+        </pc:spChg>
+        <pc:spChg chg="add">
+          <ac:chgData name="Hunter Burnham (Student)" userId="e134f687-0b34-4f02-b471-2fa4d76ea700" providerId="ADAL" clId="{387E982F-AC20-48A9-A5D7-3E1105CE4D48}" dt="2024-03-13T20:21:12.580" v="2179" actId="26606"/>
+          <ac:spMkLst>
+            <pc:docMk/>
+            <pc:sldMk cId="3498185693" sldId="264"/>
+            <ac:spMk id="17" creationId="{FE43805F-24A6-46A4-B19B-54F28347355C}"/>
+          </ac:spMkLst>
+        </pc:spChg>
+        <pc:spChg chg="add del">
+          <ac:chgData name="Hunter Burnham (Student)" userId="e134f687-0b34-4f02-b471-2fa4d76ea700" providerId="ADAL" clId="{387E982F-AC20-48A9-A5D7-3E1105CE4D48}" dt="2024-03-13T20:21:12.550" v="2178" actId="26606"/>
+          <ac:spMkLst>
+            <pc:docMk/>
+            <pc:sldMk cId="3498185693" sldId="264"/>
+            <ac:spMk id="18" creationId="{A51A0227-072A-4F5F-928C-E2C3E5CCD10C}"/>
+          </ac:spMkLst>
+        </pc:spChg>
+        <pc:spChg chg="add del">
+          <ac:chgData name="Hunter Burnham (Student)" userId="e134f687-0b34-4f02-b471-2fa4d76ea700" providerId="ADAL" clId="{387E982F-AC20-48A9-A5D7-3E1105CE4D48}" dt="2024-03-13T20:21:12.550" v="2178" actId="26606"/>
+          <ac:spMkLst>
+            <pc:docMk/>
+            <pc:sldMk cId="3498185693" sldId="264"/>
+            <ac:spMk id="19" creationId="{35D99776-4B38-47DF-A302-11AD9AF87ACA}"/>
+          </ac:spMkLst>
+        </pc:spChg>
+        <pc:spChg chg="add">
+          <ac:chgData name="Hunter Burnham (Student)" userId="e134f687-0b34-4f02-b471-2fa4d76ea700" providerId="ADAL" clId="{387E982F-AC20-48A9-A5D7-3E1105CE4D48}" dt="2024-03-13T20:21:12.580" v="2179" actId="26606"/>
+          <ac:spMkLst>
+            <pc:docMk/>
+            <pc:sldMk cId="3498185693" sldId="264"/>
+            <ac:spMk id="21" creationId="{1022CA72-2A63-428F-B586-37BA5AB6D265}"/>
+          </ac:spMkLst>
+        </pc:spChg>
+        <pc:spChg chg="add">
+          <ac:chgData name="Hunter Burnham (Student)" userId="e134f687-0b34-4f02-b471-2fa4d76ea700" providerId="ADAL" clId="{387E982F-AC20-48A9-A5D7-3E1105CE4D48}" dt="2024-03-13T20:21:12.580" v="2179" actId="26606"/>
+          <ac:spMkLst>
+            <pc:docMk/>
+            <pc:sldMk cId="3498185693" sldId="264"/>
+            <ac:spMk id="22" creationId="{95C8260E-968F-44E8-A823-ABB431311926}"/>
+          </ac:spMkLst>
+        </pc:spChg>
+        <pc:grpChg chg="add del">
+          <ac:chgData name="Hunter Burnham (Student)" userId="e134f687-0b34-4f02-b471-2fa4d76ea700" providerId="ADAL" clId="{387E982F-AC20-48A9-A5D7-3E1105CE4D48}" dt="2024-03-13T20:21:04.254" v="2176" actId="26606"/>
+          <ac:grpSpMkLst>
+            <pc:docMk/>
+            <pc:sldMk cId="3498185693" sldId="264"/>
+            <ac:grpSpMk id="13" creationId="{12B3290A-D3BF-4B87-B55B-FD9A98B49727}"/>
+          </ac:grpSpMkLst>
+        </pc:grpChg>
+        <pc:picChg chg="add mod ord modCrop">
+          <ac:chgData name="Hunter Burnham (Student)" userId="e134f687-0b34-4f02-b471-2fa4d76ea700" providerId="ADAL" clId="{387E982F-AC20-48A9-A5D7-3E1105CE4D48}" dt="2024-03-29T22:56:12.030" v="4165" actId="1076"/>
+          <ac:picMkLst>
+            <pc:docMk/>
+            <pc:sldMk cId="3498185693" sldId="264"/>
+            <ac:picMk id="5" creationId="{4D2F8233-C50F-2635-3B64-71690276E158}"/>
+          </ac:picMkLst>
+        </pc:picChg>
+        <pc:picChg chg="add mod">
+          <ac:chgData name="Hunter Burnham (Student)" userId="e134f687-0b34-4f02-b471-2fa4d76ea700" providerId="ADAL" clId="{387E982F-AC20-48A9-A5D7-3E1105CE4D48}" dt="2024-03-13T20:21:12.580" v="2179" actId="26606"/>
+          <ac:picMkLst>
+            <pc:docMk/>
+            <pc:sldMk cId="3498185693" sldId="264"/>
+            <ac:picMk id="6" creationId="{7C881784-BAA2-6642-FEDE-BD0866746B06}"/>
+          </ac:picMkLst>
+        </pc:picChg>
+      </pc:sldChg>
+      <pc:sldChg chg="addSp modSp new mod setBg modNotesTx">
+        <pc:chgData name="Hunter Burnham (Student)" userId="e134f687-0b34-4f02-b471-2fa4d76ea700" providerId="ADAL" clId="{387E982F-AC20-48A9-A5D7-3E1105CE4D48}" dt="2024-03-15T17:49:10.972" v="4047" actId="20577"/>
+        <pc:sldMkLst>
+          <pc:docMk/>
+          <pc:sldMk cId="4282433805" sldId="265"/>
+        </pc:sldMkLst>
+        <pc:spChg chg="mod">
+          <ac:chgData name="Hunter Burnham (Student)" userId="e134f687-0b34-4f02-b471-2fa4d76ea700" providerId="ADAL" clId="{387E982F-AC20-48A9-A5D7-3E1105CE4D48}" dt="2024-03-13T20:44:43.744" v="2760" actId="26606"/>
+          <ac:spMkLst>
+            <pc:docMk/>
+            <pc:sldMk cId="4282433805" sldId="265"/>
+            <ac:spMk id="2" creationId="{8D59BAEB-686B-076D-6F94-24AF33C43842}"/>
+          </ac:spMkLst>
+        </pc:spChg>
+        <pc:spChg chg="mod">
+          <ac:chgData name="Hunter Burnham (Student)" userId="e134f687-0b34-4f02-b471-2fa4d76ea700" providerId="ADAL" clId="{387E982F-AC20-48A9-A5D7-3E1105CE4D48}" dt="2024-03-13T20:44:43.744" v="2760" actId="26606"/>
+          <ac:spMkLst>
+            <pc:docMk/>
+            <pc:sldMk cId="4282433805" sldId="265"/>
+            <ac:spMk id="3" creationId="{61AA17EB-3313-5381-A3C4-8ACFAF2E635E}"/>
+          </ac:spMkLst>
+        </pc:spChg>
+        <pc:spChg chg="add">
+          <ac:chgData name="Hunter Burnham (Student)" userId="e134f687-0b34-4f02-b471-2fa4d76ea700" providerId="ADAL" clId="{387E982F-AC20-48A9-A5D7-3E1105CE4D48}" dt="2024-03-13T20:44:43.744" v="2760" actId="26606"/>
+          <ac:spMkLst>
+            <pc:docMk/>
+            <pc:sldMk cId="4282433805" sldId="265"/>
+            <ac:spMk id="10" creationId="{201CC55D-ED54-4C5C-95E6-10947BD1103B}"/>
+          </ac:spMkLst>
+        </pc:spChg>
+        <pc:spChg chg="add">
+          <ac:chgData name="Hunter Burnham (Student)" userId="e134f687-0b34-4f02-b471-2fa4d76ea700" providerId="ADAL" clId="{387E982F-AC20-48A9-A5D7-3E1105CE4D48}" dt="2024-03-13T20:44:43.744" v="2760" actId="26606"/>
+          <ac:spMkLst>
+            <pc:docMk/>
+            <pc:sldMk cId="4282433805" sldId="265"/>
+            <ac:spMk id="16" creationId="{3873B707-463F-40B0-8227-E8CC6C67EB25}"/>
+          </ac:spMkLst>
+        </pc:spChg>
+        <pc:spChg chg="add">
+          <ac:chgData name="Hunter Burnham (Student)" userId="e134f687-0b34-4f02-b471-2fa4d76ea700" providerId="ADAL" clId="{387E982F-AC20-48A9-A5D7-3E1105CE4D48}" dt="2024-03-13T20:44:43.744" v="2760" actId="26606"/>
+          <ac:spMkLst>
+            <pc:docMk/>
+            <pc:sldMk cId="4282433805" sldId="265"/>
+            <ac:spMk id="18" creationId="{C13237C8-E62C-4F0D-A318-BD6FB6C2D138}"/>
+          </ac:spMkLst>
+        </pc:spChg>
+        <pc:spChg chg="add">
+          <ac:chgData name="Hunter Burnham (Student)" userId="e134f687-0b34-4f02-b471-2fa4d76ea700" providerId="ADAL" clId="{387E982F-AC20-48A9-A5D7-3E1105CE4D48}" dt="2024-03-13T20:44:43.744" v="2760" actId="26606"/>
+          <ac:spMkLst>
+            <pc:docMk/>
+            <pc:sldMk cId="4282433805" sldId="265"/>
+            <ac:spMk id="20" creationId="{19C9EAEA-39D0-4B0E-A0EB-51E7B26740B1}"/>
+          </ac:spMkLst>
+        </pc:spChg>
+        <pc:grpChg chg="add">
+          <ac:chgData name="Hunter Burnham (Student)" userId="e134f687-0b34-4f02-b471-2fa4d76ea700" providerId="ADAL" clId="{387E982F-AC20-48A9-A5D7-3E1105CE4D48}" dt="2024-03-13T20:44:43.744" v="2760" actId="26606"/>
+          <ac:grpSpMkLst>
+            <pc:docMk/>
+            <pc:sldMk cId="4282433805" sldId="265"/>
+            <ac:grpSpMk id="12" creationId="{1DE889C7-FAD6-4397-98E2-05D503484459}"/>
+          </ac:grpSpMkLst>
+        </pc:grpChg>
+        <pc:picChg chg="add mod modCrop">
+          <ac:chgData name="Hunter Burnham (Student)" userId="e134f687-0b34-4f02-b471-2fa4d76ea700" providerId="ADAL" clId="{387E982F-AC20-48A9-A5D7-3E1105CE4D48}" dt="2024-03-13T20:44:43.744" v="2760" actId="26606"/>
+          <ac:picMkLst>
+            <pc:docMk/>
+            <pc:sldMk cId="4282433805" sldId="265"/>
+            <ac:picMk id="5" creationId="{47716B5C-88D7-AF78-4D9F-38DA4FA92620}"/>
+          </ac:picMkLst>
+        </pc:picChg>
+      </pc:sldChg>
+      <pc:sldChg chg="addSp delSp modSp new mod setBg modNotesTx">
+        <pc:chgData name="Hunter Burnham (Student)" userId="e134f687-0b34-4f02-b471-2fa4d76ea700" providerId="ADAL" clId="{387E982F-AC20-48A9-A5D7-3E1105CE4D48}" dt="2024-03-15T17:48:17.666" v="3900" actId="20577"/>
+        <pc:sldMkLst>
+          <pc:docMk/>
+          <pc:sldMk cId="2592547000" sldId="266"/>
+        </pc:sldMkLst>
+        <pc:spChg chg="mod">
+          <ac:chgData name="Hunter Burnham (Student)" userId="e134f687-0b34-4f02-b471-2fa4d76ea700" providerId="ADAL" clId="{387E982F-AC20-48A9-A5D7-3E1105CE4D48}" dt="2024-03-13T21:07:38.683" v="3530" actId="26606"/>
+          <ac:spMkLst>
+            <pc:docMk/>
+            <pc:sldMk cId="2592547000" sldId="266"/>
+            <ac:spMk id="2" creationId="{82D7485C-C17E-097C-D99E-2E410B176E92}"/>
+          </ac:spMkLst>
+        </pc:spChg>
+        <pc:spChg chg="mod ord">
+          <ac:chgData name="Hunter Burnham (Student)" userId="e134f687-0b34-4f02-b471-2fa4d76ea700" providerId="ADAL" clId="{387E982F-AC20-48A9-A5D7-3E1105CE4D48}" dt="2024-03-13T21:07:38.683" v="3530" actId="26606"/>
+          <ac:spMkLst>
+            <pc:docMk/>
+            <pc:sldMk cId="2592547000" sldId="266"/>
+            <ac:spMk id="3" creationId="{CB0820ED-CB43-CA76-310F-14DE183269CB}"/>
+          </ac:spMkLst>
+        </pc:spChg>
+        <pc:spChg chg="add del">
+          <ac:chgData name="Hunter Burnham (Student)" userId="e134f687-0b34-4f02-b471-2fa4d76ea700" providerId="ADAL" clId="{387E982F-AC20-48A9-A5D7-3E1105CE4D48}" dt="2024-03-13T21:07:38.683" v="3530" actId="26606"/>
+          <ac:spMkLst>
+            <pc:docMk/>
+            <pc:sldMk cId="2592547000" sldId="266"/>
+            <ac:spMk id="9" creationId="{7ED7575E-88D2-B771-681D-46A7E55415DD}"/>
+          </ac:spMkLst>
+        </pc:spChg>
+        <pc:spChg chg="add">
+          <ac:chgData name="Hunter Burnham (Student)" userId="e134f687-0b34-4f02-b471-2fa4d76ea700" providerId="ADAL" clId="{387E982F-AC20-48A9-A5D7-3E1105CE4D48}" dt="2024-03-13T21:07:38.683" v="3530" actId="26606"/>
+          <ac:spMkLst>
+            <pc:docMk/>
+            <pc:sldMk cId="2592547000" sldId="266"/>
+            <ac:spMk id="16" creationId="{DBC6133C-0615-4CE4-9132-37E609A9BDFA}"/>
+          </ac:spMkLst>
+        </pc:spChg>
+        <pc:spChg chg="add">
+          <ac:chgData name="Hunter Burnham (Student)" userId="e134f687-0b34-4f02-b471-2fa4d76ea700" providerId="ADAL" clId="{387E982F-AC20-48A9-A5D7-3E1105CE4D48}" dt="2024-03-13T21:07:38.683" v="3530" actId="26606"/>
+          <ac:spMkLst>
+            <pc:docMk/>
+            <pc:sldMk cId="2592547000" sldId="266"/>
+            <ac:spMk id="18" creationId="{169CC832-2974-4E8D-90ED-3E2941BA7336}"/>
+          </ac:spMkLst>
+        </pc:spChg>
+        <pc:spChg chg="add">
+          <ac:chgData name="Hunter Burnham (Student)" userId="e134f687-0b34-4f02-b471-2fa4d76ea700" providerId="ADAL" clId="{387E982F-AC20-48A9-A5D7-3E1105CE4D48}" dt="2024-03-13T21:07:38.683" v="3530" actId="26606"/>
+          <ac:spMkLst>
+            <pc:docMk/>
+            <pc:sldMk cId="2592547000" sldId="266"/>
+            <ac:spMk id="20" creationId="{55222F96-971A-4F90-B841-6BAB416C7AC1}"/>
+          </ac:spMkLst>
+        </pc:spChg>
+        <pc:spChg chg="add">
+          <ac:chgData name="Hunter Burnham (Student)" userId="e134f687-0b34-4f02-b471-2fa4d76ea700" providerId="ADAL" clId="{387E982F-AC20-48A9-A5D7-3E1105CE4D48}" dt="2024-03-13T21:07:38.683" v="3530" actId="26606"/>
+          <ac:spMkLst>
+            <pc:docMk/>
+            <pc:sldMk cId="2592547000" sldId="266"/>
+            <ac:spMk id="22" creationId="{08980754-6F4B-43C9-B9BE-127B6BED6586}"/>
+          </ac:spMkLst>
+        </pc:spChg>
+        <pc:spChg chg="add">
+          <ac:chgData name="Hunter Burnham (Student)" userId="e134f687-0b34-4f02-b471-2fa4d76ea700" providerId="ADAL" clId="{387E982F-AC20-48A9-A5D7-3E1105CE4D48}" dt="2024-03-13T21:07:38.683" v="3530" actId="26606"/>
+          <ac:spMkLst>
+            <pc:docMk/>
+            <pc:sldMk cId="2592547000" sldId="266"/>
+            <ac:spMk id="24" creationId="{2C1BBA94-3F40-40AA-8BB9-E69E25E537C1}"/>
+          </ac:spMkLst>
+        </pc:spChg>
+        <pc:picChg chg="mod ord">
+          <ac:chgData name="Hunter Burnham (Student)" userId="e134f687-0b34-4f02-b471-2fa4d76ea700" providerId="ADAL" clId="{387E982F-AC20-48A9-A5D7-3E1105CE4D48}" dt="2024-03-13T21:07:38.683" v="3530" actId="26606"/>
+          <ac:picMkLst>
+            <pc:docMk/>
+            <pc:sldMk cId="2592547000" sldId="266"/>
+            <ac:picMk id="4" creationId="{4B28B800-C4CA-98CC-6CED-42EDF0D9E55E}"/>
+          </ac:picMkLst>
+        </pc:picChg>
+        <pc:cxnChg chg="add del">
+          <ac:chgData name="Hunter Burnham (Student)" userId="e134f687-0b34-4f02-b471-2fa4d76ea700" providerId="ADAL" clId="{387E982F-AC20-48A9-A5D7-3E1105CE4D48}" dt="2024-03-13T21:07:38.683" v="3530" actId="26606"/>
+          <ac:cxnSpMkLst>
+            <pc:docMk/>
+            <pc:sldMk cId="2592547000" sldId="266"/>
+            <ac:cxnSpMk id="11" creationId="{249EDD1B-F94D-B4E6-ACAA-566B9A26FDE3}"/>
+          </ac:cxnSpMkLst>
+        </pc:cxnChg>
+      </pc:sldChg>
+      <pc:sldChg chg="modSp">
+        <pc:chgData name="Hunter Burnham (Student)" userId="e134f687-0b34-4f02-b471-2fa4d76ea700" providerId="ADAL" clId="{387E982F-AC20-48A9-A5D7-3E1105CE4D48}" dt="2024-03-29T22:55:49.743" v="4164" actId="1076"/>
+        <pc:sldMkLst>
+          <pc:docMk/>
+          <pc:sldMk cId="675645111" sldId="267"/>
+        </pc:sldMkLst>
+        <pc:picChg chg="mod">
+          <ac:chgData name="Hunter Burnham (Student)" userId="e134f687-0b34-4f02-b471-2fa4d76ea700" providerId="ADAL" clId="{387E982F-AC20-48A9-A5D7-3E1105CE4D48}" dt="2024-03-29T22:55:49.743" v="4164" actId="1076"/>
+          <ac:picMkLst>
+            <pc:docMk/>
+            <pc:sldMk cId="675645111" sldId="267"/>
+            <ac:picMk id="1026" creationId="{76649751-B4BA-7B14-88E7-8BF7D1F4716D}"/>
+          </ac:picMkLst>
+        </pc:picChg>
+      </pc:sldChg>
+      <pc:sldChg chg="addSp delSp modSp mod setBg">
+        <pc:chgData name="Hunter Burnham (Student)" userId="e134f687-0b34-4f02-b471-2fa4d76ea700" providerId="ADAL" clId="{387E982F-AC20-48A9-A5D7-3E1105CE4D48}" dt="2024-03-13T20:59:36.972" v="3269" actId="1076"/>
+        <pc:sldMkLst>
+          <pc:docMk/>
+          <pc:sldMk cId="3085835959" sldId="268"/>
+        </pc:sldMkLst>
+        <pc:spChg chg="mod">
+          <ac:chgData name="Hunter Burnham (Student)" userId="e134f687-0b34-4f02-b471-2fa4d76ea700" providerId="ADAL" clId="{387E982F-AC20-48A9-A5D7-3E1105CE4D48}" dt="2024-03-13T20:59:07.041" v="3257" actId="26606"/>
+          <ac:spMkLst>
+            <pc:docMk/>
+            <pc:sldMk cId="3085835959" sldId="268"/>
+            <ac:spMk id="2" creationId="{E0D42B90-D36E-F541-0DA9-D3AE86A9CC81}"/>
+          </ac:spMkLst>
+        </pc:spChg>
+        <pc:spChg chg="mod">
+          <ac:chgData name="Hunter Burnham (Student)" userId="e134f687-0b34-4f02-b471-2fa4d76ea700" providerId="ADAL" clId="{387E982F-AC20-48A9-A5D7-3E1105CE4D48}" dt="2024-03-13T20:59:13.116" v="3259" actId="14100"/>
+          <ac:spMkLst>
+            <pc:docMk/>
+            <pc:sldMk cId="3085835959" sldId="268"/>
+            <ac:spMk id="3" creationId="{6B3CF716-4EFA-6566-2DC6-AC662E3D731E}"/>
+          </ac:spMkLst>
+        </pc:spChg>
+        <pc:spChg chg="add del">
+          <ac:chgData name="Hunter Burnham (Student)" userId="e134f687-0b34-4f02-b471-2fa4d76ea700" providerId="ADAL" clId="{387E982F-AC20-48A9-A5D7-3E1105CE4D48}" dt="2024-03-13T20:59:07.041" v="3257" actId="26606"/>
+          <ac:spMkLst>
+            <pc:docMk/>
+            <pc:sldMk cId="3085835959" sldId="268"/>
+            <ac:spMk id="8" creationId="{DBC6133C-0615-4CE4-9132-37E609A9BDFA}"/>
+          </ac:spMkLst>
+        </pc:spChg>
+        <pc:spChg chg="add del">
+          <ac:chgData name="Hunter Burnham (Student)" userId="e134f687-0b34-4f02-b471-2fa4d76ea700" providerId="ADAL" clId="{387E982F-AC20-48A9-A5D7-3E1105CE4D48}" dt="2024-03-13T20:59:07.041" v="3257" actId="26606"/>
+          <ac:spMkLst>
+            <pc:docMk/>
+            <pc:sldMk cId="3085835959" sldId="268"/>
+            <ac:spMk id="9" creationId="{169CC832-2974-4E8D-90ED-3E2941BA7336}"/>
+          </ac:spMkLst>
+        </pc:spChg>
+        <pc:spChg chg="add del">
+          <ac:chgData name="Hunter Burnham (Student)" userId="e134f687-0b34-4f02-b471-2fa4d76ea700" providerId="ADAL" clId="{387E982F-AC20-48A9-A5D7-3E1105CE4D48}" dt="2024-03-13T20:59:07.041" v="3257" actId="26606"/>
+          <ac:spMkLst>
+            <pc:docMk/>
+            <pc:sldMk cId="3085835959" sldId="268"/>
+            <ac:spMk id="10" creationId="{55222F96-971A-4F90-B841-6BAB416C7AC1}"/>
+          </ac:spMkLst>
+        </pc:spChg>
+        <pc:spChg chg="add del">
+          <ac:chgData name="Hunter Burnham (Student)" userId="e134f687-0b34-4f02-b471-2fa4d76ea700" providerId="ADAL" clId="{387E982F-AC20-48A9-A5D7-3E1105CE4D48}" dt="2024-03-13T20:59:07.041" v="3257" actId="26606"/>
+          <ac:spMkLst>
+            <pc:docMk/>
+            <pc:sldMk cId="3085835959" sldId="268"/>
+            <ac:spMk id="17" creationId="{08980754-6F4B-43C9-B9BE-127B6BED6586}"/>
+          </ac:spMkLst>
+        </pc:spChg>
+        <pc:spChg chg="add del">
+          <ac:chgData name="Hunter Burnham (Student)" userId="e134f687-0b34-4f02-b471-2fa4d76ea700" providerId="ADAL" clId="{387E982F-AC20-48A9-A5D7-3E1105CE4D48}" dt="2024-03-13T20:59:07.041" v="3257" actId="26606"/>
+          <ac:spMkLst>
+            <pc:docMk/>
+            <pc:sldMk cId="3085835959" sldId="268"/>
+            <ac:spMk id="19" creationId="{2C1BBA94-3F40-40AA-8BB9-E69E25E537C1}"/>
+          </ac:spMkLst>
+        </pc:spChg>
+        <pc:spChg chg="add">
+          <ac:chgData name="Hunter Burnham (Student)" userId="e134f687-0b34-4f02-b471-2fa4d76ea700" providerId="ADAL" clId="{387E982F-AC20-48A9-A5D7-3E1105CE4D48}" dt="2024-03-13T20:59:07.041" v="3257" actId="26606"/>
+          <ac:spMkLst>
+            <pc:docMk/>
+            <pc:sldMk cId="3085835959" sldId="268"/>
+            <ac:spMk id="24" creationId="{058A14AF-9FB5-4CC7-BA35-E8E85D3EDF0E}"/>
+          </ac:spMkLst>
+        </pc:spChg>
+        <pc:spChg chg="add">
+          <ac:chgData name="Hunter Burnham (Student)" userId="e134f687-0b34-4f02-b471-2fa4d76ea700" providerId="ADAL" clId="{387E982F-AC20-48A9-A5D7-3E1105CE4D48}" dt="2024-03-13T20:59:07.041" v="3257" actId="26606"/>
+          <ac:spMkLst>
+            <pc:docMk/>
+            <pc:sldMk cId="3085835959" sldId="268"/>
+            <ac:spMk id="26" creationId="{3A9A4357-BD1D-4622-A4FE-766E6AB8DE84}"/>
+          </ac:spMkLst>
+        </pc:spChg>
+        <pc:spChg chg="add">
+          <ac:chgData name="Hunter Burnham (Student)" userId="e134f687-0b34-4f02-b471-2fa4d76ea700" providerId="ADAL" clId="{387E982F-AC20-48A9-A5D7-3E1105CE4D48}" dt="2024-03-13T20:59:07.041" v="3257" actId="26606"/>
+          <ac:spMkLst>
+            <pc:docMk/>
+            <pc:sldMk cId="3085835959" sldId="268"/>
+            <ac:spMk id="28" creationId="{E659831F-0D9A-4C63-9EBB-8435B85A440F}"/>
+          </ac:spMkLst>
+        </pc:spChg>
+        <pc:spChg chg="add">
+          <ac:chgData name="Hunter Burnham (Student)" userId="e134f687-0b34-4f02-b471-2fa4d76ea700" providerId="ADAL" clId="{387E982F-AC20-48A9-A5D7-3E1105CE4D48}" dt="2024-03-13T20:59:07.041" v="3257" actId="26606"/>
+          <ac:spMkLst>
+            <pc:docMk/>
+            <pc:sldMk cId="3085835959" sldId="268"/>
+            <ac:spMk id="30" creationId="{E6995CE5-F890-4ABA-82A2-26507CE8D2A3}"/>
+          </ac:spMkLst>
+        </pc:spChg>
+        <pc:picChg chg="del">
+          <ac:chgData name="Hunter Burnham (Student)" userId="e134f687-0b34-4f02-b471-2fa4d76ea700" providerId="ADAL" clId="{387E982F-AC20-48A9-A5D7-3E1105CE4D48}" dt="2024-03-13T20:20:16.883" v="2172" actId="21"/>
+          <ac:picMkLst>
+            <pc:docMk/>
+            <pc:sldMk cId="3085835959" sldId="268"/>
+            <ac:picMk id="4" creationId="{7C881784-BAA2-6642-FEDE-BD0866746B06}"/>
+          </ac:picMkLst>
+        </pc:picChg>
+        <pc:picChg chg="mod">
+          <ac:chgData name="Hunter Burnham (Student)" userId="e134f687-0b34-4f02-b471-2fa4d76ea700" providerId="ADAL" clId="{387E982F-AC20-48A9-A5D7-3E1105CE4D48}" dt="2024-03-13T20:59:36.972" v="3269" actId="1076"/>
+          <ac:picMkLst>
+            <pc:docMk/>
+            <pc:sldMk cId="3085835959" sldId="268"/>
+            <ac:picMk id="6" creationId="{08766FB1-FF95-115A-0305-FB1958240F74}"/>
+          </ac:picMkLst>
+        </pc:picChg>
+      </pc:sldChg>
+      <pc:sldChg chg="addSp delSp modSp new mod setBg modNotesTx">
+        <pc:chgData name="Hunter Burnham (Student)" userId="e134f687-0b34-4f02-b471-2fa4d76ea700" providerId="ADAL" clId="{387E982F-AC20-48A9-A5D7-3E1105CE4D48}" dt="2024-03-15T17:48:52.456" v="3991" actId="20577"/>
+        <pc:sldMkLst>
+          <pc:docMk/>
+          <pc:sldMk cId="2002257491" sldId="277"/>
+        </pc:sldMkLst>
+        <pc:spChg chg="mod">
+          <ac:chgData name="Hunter Burnham (Student)" userId="e134f687-0b34-4f02-b471-2fa4d76ea700" providerId="ADAL" clId="{387E982F-AC20-48A9-A5D7-3E1105CE4D48}" dt="2024-03-13T20:35:20.782" v="2526" actId="26606"/>
+          <ac:spMkLst>
+            <pc:docMk/>
+            <pc:sldMk cId="2002257491" sldId="277"/>
+            <ac:spMk id="2" creationId="{67AE8871-96B2-0FB7-216F-2AE202108C5C}"/>
+          </ac:spMkLst>
+        </pc:spChg>
+        <pc:spChg chg="mod">
+          <ac:chgData name="Hunter Burnham (Student)" userId="e134f687-0b34-4f02-b471-2fa4d76ea700" providerId="ADAL" clId="{387E982F-AC20-48A9-A5D7-3E1105CE4D48}" dt="2024-03-13T20:35:20.782" v="2526" actId="26606"/>
+          <ac:spMkLst>
+            <pc:docMk/>
+            <pc:sldMk cId="2002257491" sldId="277"/>
+            <ac:spMk id="3" creationId="{6ADD6E1A-EFCF-E7F9-5CDE-7EB9AB725A6D}"/>
+          </ac:spMkLst>
+        </pc:spChg>
+        <pc:spChg chg="add del">
+          <ac:chgData name="Hunter Burnham (Student)" userId="e134f687-0b34-4f02-b471-2fa4d76ea700" providerId="ADAL" clId="{387E982F-AC20-48A9-A5D7-3E1105CE4D48}" dt="2024-03-13T20:34:27.552" v="2511" actId="26606"/>
+          <ac:spMkLst>
+            <pc:docMk/>
+            <pc:sldMk cId="2002257491" sldId="277"/>
+            <ac:spMk id="9" creationId="{F13C74B1-5B17-4795-BED0-7140497B445A}"/>
+          </ac:spMkLst>
+        </pc:spChg>
+        <pc:spChg chg="add del">
+          <ac:chgData name="Hunter Burnham (Student)" userId="e134f687-0b34-4f02-b471-2fa4d76ea700" providerId="ADAL" clId="{387E982F-AC20-48A9-A5D7-3E1105CE4D48}" dt="2024-03-13T20:34:27.552" v="2511" actId="26606"/>
+          <ac:spMkLst>
+            <pc:docMk/>
+            <pc:sldMk cId="2002257491" sldId="277"/>
+            <ac:spMk id="11" creationId="{D4974D33-8DC5-464E-8C6D-BE58F0669C17}"/>
+          </ac:spMkLst>
+        </pc:spChg>
+        <pc:spChg chg="add del">
+          <ac:chgData name="Hunter Burnham (Student)" userId="e134f687-0b34-4f02-b471-2fa4d76ea700" providerId="ADAL" clId="{387E982F-AC20-48A9-A5D7-3E1105CE4D48}" dt="2024-03-13T20:34:38.222" v="2513" actId="26606"/>
+          <ac:spMkLst>
+            <pc:docMk/>
+            <pc:sldMk cId="2002257491" sldId="277"/>
+            <ac:spMk id="13" creationId="{C0763A76-9F1C-4FC5-82B7-DD475DA461B2}"/>
+          </ac:spMkLst>
+        </pc:spChg>
+        <pc:spChg chg="add del">
+          <ac:chgData name="Hunter Burnham (Student)" userId="e134f687-0b34-4f02-b471-2fa4d76ea700" providerId="ADAL" clId="{387E982F-AC20-48A9-A5D7-3E1105CE4D48}" dt="2024-03-13T20:34:38.222" v="2513" actId="26606"/>
+          <ac:spMkLst>
+            <pc:docMk/>
+            <pc:sldMk cId="2002257491" sldId="277"/>
+            <ac:spMk id="14" creationId="{E81BF4F6-F2CF-4984-9D14-D6966D92F99F}"/>
+          </ac:spMkLst>
+        </pc:spChg>
+        <pc:spChg chg="add del">
+          <ac:chgData name="Hunter Burnham (Student)" userId="e134f687-0b34-4f02-b471-2fa4d76ea700" providerId="ADAL" clId="{387E982F-AC20-48A9-A5D7-3E1105CE4D48}" dt="2024-03-13T20:34:39.307" v="2515" actId="26606"/>
+          <ac:spMkLst>
+            <pc:docMk/>
+            <pc:sldMk cId="2002257491" sldId="277"/>
+            <ac:spMk id="15" creationId="{4A62647B-1222-407C-8740-5A497612B1F5}"/>
+          </ac:spMkLst>
+        </pc:spChg>
+        <pc:spChg chg="add del">
+          <ac:chgData name="Hunter Burnham (Student)" userId="e134f687-0b34-4f02-b471-2fa4d76ea700" providerId="ADAL" clId="{387E982F-AC20-48A9-A5D7-3E1105CE4D48}" dt="2024-03-13T20:34:39.307" v="2515" actId="26606"/>
+          <ac:spMkLst>
+            <pc:docMk/>
+            <pc:sldMk cId="2002257491" sldId="277"/>
+            <ac:spMk id="16" creationId="{19D32F93-50AC-4C46-A5DB-291C60DDB7BD}"/>
+          </ac:spMkLst>
+        </pc:spChg>
+        <pc:spChg chg="add del">
+          <ac:chgData name="Hunter Burnham (Student)" userId="e134f687-0b34-4f02-b471-2fa4d76ea700" providerId="ADAL" clId="{387E982F-AC20-48A9-A5D7-3E1105CE4D48}" dt="2024-03-13T20:34:39.307" v="2515" actId="26606"/>
+          <ac:spMkLst>
+            <pc:docMk/>
+            <pc:sldMk cId="2002257491" sldId="277"/>
+            <ac:spMk id="17" creationId="{86FD7672-78BE-4D6F-A711-2CDB79B52DFF}"/>
+          </ac:spMkLst>
+        </pc:spChg>
+        <pc:spChg chg="add del">
+          <ac:chgData name="Hunter Burnham (Student)" userId="e134f687-0b34-4f02-b471-2fa4d76ea700" providerId="ADAL" clId="{387E982F-AC20-48A9-A5D7-3E1105CE4D48}" dt="2024-03-13T20:34:39.307" v="2515" actId="26606"/>
+          <ac:spMkLst>
+            <pc:docMk/>
+            <pc:sldMk cId="2002257491" sldId="277"/>
+            <ac:spMk id="18" creationId="{827DC2C4-B485-428A-BF4A-472D2967F47F}"/>
+          </ac:spMkLst>
+        </pc:spChg>
+        <pc:spChg chg="add del">
+          <ac:chgData name="Hunter Burnham (Student)" userId="e134f687-0b34-4f02-b471-2fa4d76ea700" providerId="ADAL" clId="{387E982F-AC20-48A9-A5D7-3E1105CE4D48}" dt="2024-03-13T20:34:44.670" v="2517" actId="26606"/>
+          <ac:spMkLst>
+            <pc:docMk/>
+            <pc:sldMk cId="2002257491" sldId="277"/>
+            <ac:spMk id="20" creationId="{F13C74B1-5B17-4795-BED0-7140497B445A}"/>
+          </ac:spMkLst>
+        </pc:spChg>
+        <pc:spChg chg="add del">
+          <ac:chgData name="Hunter Burnham (Student)" userId="e134f687-0b34-4f02-b471-2fa4d76ea700" providerId="ADAL" clId="{387E982F-AC20-48A9-A5D7-3E1105CE4D48}" dt="2024-03-13T20:34:44.670" v="2517" actId="26606"/>
+          <ac:spMkLst>
+            <pc:docMk/>
+            <pc:sldMk cId="2002257491" sldId="277"/>
+            <ac:spMk id="21" creationId="{D4974D33-8DC5-464E-8C6D-BE58F0669C17}"/>
+          </ac:spMkLst>
+        </pc:spChg>
+        <pc:spChg chg="add del">
+          <ac:chgData name="Hunter Burnham (Student)" userId="e134f687-0b34-4f02-b471-2fa4d76ea700" providerId="ADAL" clId="{387E982F-AC20-48A9-A5D7-3E1105CE4D48}" dt="2024-03-13T20:34:48.750" v="2519" actId="26606"/>
+          <ac:spMkLst>
+            <pc:docMk/>
+            <pc:sldMk cId="2002257491" sldId="277"/>
+            <ac:spMk id="23" creationId="{19D32F93-50AC-4C46-A5DB-291C60DDB7BD}"/>
+          </ac:spMkLst>
+        </pc:spChg>
+        <pc:spChg chg="add del">
+          <ac:chgData name="Hunter Burnham (Student)" userId="e134f687-0b34-4f02-b471-2fa4d76ea700" providerId="ADAL" clId="{387E982F-AC20-48A9-A5D7-3E1105CE4D48}" dt="2024-03-13T20:34:48.750" v="2519" actId="26606"/>
+          <ac:spMkLst>
+            <pc:docMk/>
+            <pc:sldMk cId="2002257491" sldId="277"/>
+            <ac:spMk id="24" creationId="{86FD7672-78BE-4D6F-A711-2CDB79B52DFF}"/>
+          </ac:spMkLst>
+        </pc:spChg>
+        <pc:spChg chg="add del">
+          <ac:chgData name="Hunter Burnham (Student)" userId="e134f687-0b34-4f02-b471-2fa4d76ea700" providerId="ADAL" clId="{387E982F-AC20-48A9-A5D7-3E1105CE4D48}" dt="2024-03-13T20:34:48.750" v="2519" actId="26606"/>
+          <ac:spMkLst>
+            <pc:docMk/>
+            <pc:sldMk cId="2002257491" sldId="277"/>
+            <ac:spMk id="25" creationId="{827DC2C4-B485-428A-BF4A-472D2967F47F}"/>
+          </ac:spMkLst>
+        </pc:spChg>
+        <pc:spChg chg="add del">
+          <ac:chgData name="Hunter Burnham (Student)" userId="e134f687-0b34-4f02-b471-2fa4d76ea700" providerId="ADAL" clId="{387E982F-AC20-48A9-A5D7-3E1105CE4D48}" dt="2024-03-13T20:34:48.750" v="2519" actId="26606"/>
+          <ac:spMkLst>
+            <pc:docMk/>
+            <pc:sldMk cId="2002257491" sldId="277"/>
+            <ac:spMk id="26" creationId="{4A62647B-1222-407C-8740-5A497612B1F5}"/>
+          </ac:spMkLst>
+        </pc:spChg>
+        <pc:spChg chg="add del">
+          <ac:chgData name="Hunter Burnham (Student)" userId="e134f687-0b34-4f02-b471-2fa4d76ea700" providerId="ADAL" clId="{387E982F-AC20-48A9-A5D7-3E1105CE4D48}" dt="2024-03-13T20:34:56.748" v="2523" actId="26606"/>
+          <ac:spMkLst>
+            <pc:docMk/>
+            <pc:sldMk cId="2002257491" sldId="277"/>
+            <ac:spMk id="28" creationId="{C0763A76-9F1C-4FC5-82B7-DD475DA461B2}"/>
+          </ac:spMkLst>
+        </pc:spChg>
+        <pc:spChg chg="add del">
+          <ac:chgData name="Hunter Burnham (Student)" userId="e134f687-0b34-4f02-b471-2fa4d76ea700" providerId="ADAL" clId="{387E982F-AC20-48A9-A5D7-3E1105CE4D48}" dt="2024-03-13T20:34:56.748" v="2523" actId="26606"/>
+          <ac:spMkLst>
+            <pc:docMk/>
+            <pc:sldMk cId="2002257491" sldId="277"/>
+            <ac:spMk id="29" creationId="{E81BF4F6-F2CF-4984-9D14-D6966D92F99F}"/>
+          </ac:spMkLst>
+        </pc:spChg>
+        <pc:spChg chg="add del">
+          <ac:chgData name="Hunter Burnham (Student)" userId="e134f687-0b34-4f02-b471-2fa4d76ea700" providerId="ADAL" clId="{387E982F-AC20-48A9-A5D7-3E1105CE4D48}" dt="2024-03-13T20:35:20.782" v="2526" actId="26606"/>
+          <ac:spMkLst>
+            <pc:docMk/>
+            <pc:sldMk cId="2002257491" sldId="277"/>
+            <ac:spMk id="34" creationId="{ECC07320-C2CA-4E29-8481-9D9E143C7788}"/>
+          </ac:spMkLst>
+        </pc:spChg>
+        <pc:spChg chg="add del">
+          <ac:chgData name="Hunter Burnham (Student)" userId="e134f687-0b34-4f02-b471-2fa4d76ea700" providerId="ADAL" clId="{387E982F-AC20-48A9-A5D7-3E1105CE4D48}" dt="2024-03-13T20:35:20.782" v="2526" actId="26606"/>
+          <ac:spMkLst>
+            <pc:docMk/>
+            <pc:sldMk cId="2002257491" sldId="277"/>
+            <ac:spMk id="36" creationId="{178FB36B-5BFE-42CA-BC60-1115E0D95EEC}"/>
+          </ac:spMkLst>
+        </pc:spChg>
+        <pc:spChg chg="add del">
+          <ac:chgData name="Hunter Burnham (Student)" userId="e134f687-0b34-4f02-b471-2fa4d76ea700" providerId="ADAL" clId="{387E982F-AC20-48A9-A5D7-3E1105CE4D48}" dt="2024-03-13T20:35:20.774" v="2525" actId="26606"/>
+          <ac:spMkLst>
+            <pc:docMk/>
+            <pc:sldMk cId="2002257491" sldId="277"/>
+            <ac:spMk id="41" creationId="{55666830-9A19-4E01-8505-D6C7F9AC5665}"/>
+          </ac:spMkLst>
+        </pc:spChg>
+        <pc:spChg chg="add del">
+          <ac:chgData name="Hunter Burnham (Student)" userId="e134f687-0b34-4f02-b471-2fa4d76ea700" providerId="ADAL" clId="{387E982F-AC20-48A9-A5D7-3E1105CE4D48}" dt="2024-03-13T20:35:20.774" v="2525" actId="26606"/>
+          <ac:spMkLst>
+            <pc:docMk/>
+            <pc:sldMk cId="2002257491" sldId="277"/>
+            <ac:spMk id="43" creationId="{AE9FC877-7FB6-4D22-9988-35420644E202}"/>
+          </ac:spMkLst>
+        </pc:spChg>
+        <pc:spChg chg="add del">
+          <ac:chgData name="Hunter Burnham (Student)" userId="e134f687-0b34-4f02-b471-2fa4d76ea700" providerId="ADAL" clId="{387E982F-AC20-48A9-A5D7-3E1105CE4D48}" dt="2024-03-13T20:35:20.774" v="2525" actId="26606"/>
+          <ac:spMkLst>
+            <pc:docMk/>
+            <pc:sldMk cId="2002257491" sldId="277"/>
+            <ac:spMk id="45" creationId="{E41809D1-F12E-46BB-B804-5F209D325E8B}"/>
+          </ac:spMkLst>
+        </pc:spChg>
+        <pc:spChg chg="add del">
+          <ac:chgData name="Hunter Burnham (Student)" userId="e134f687-0b34-4f02-b471-2fa4d76ea700" providerId="ADAL" clId="{387E982F-AC20-48A9-A5D7-3E1105CE4D48}" dt="2024-03-13T20:35:20.774" v="2525" actId="26606"/>
+          <ac:spMkLst>
+            <pc:docMk/>
+            <pc:sldMk cId="2002257491" sldId="277"/>
+            <ac:spMk id="47" creationId="{AF2F604E-43BE-4DC3-B983-E071523364F8}"/>
+          </ac:spMkLst>
+        </pc:spChg>
+        <pc:spChg chg="add del">
+          <ac:chgData name="Hunter Burnham (Student)" userId="e134f687-0b34-4f02-b471-2fa4d76ea700" providerId="ADAL" clId="{387E982F-AC20-48A9-A5D7-3E1105CE4D48}" dt="2024-03-13T20:35:20.774" v="2525" actId="26606"/>
+          <ac:spMkLst>
+            <pc:docMk/>
+            <pc:sldMk cId="2002257491" sldId="277"/>
+            <ac:spMk id="49" creationId="{08C9B587-E65E-4B52-B37C-ABEBB6E87928}"/>
+          </ac:spMkLst>
+        </pc:spChg>
+        <pc:spChg chg="add">
+          <ac:chgData name="Hunter Burnham (Student)" userId="e134f687-0b34-4f02-b471-2fa4d76ea700" providerId="ADAL" clId="{387E982F-AC20-48A9-A5D7-3E1105CE4D48}" dt="2024-03-13T20:35:20.782" v="2526" actId="26606"/>
+          <ac:spMkLst>
+            <pc:docMk/>
+            <pc:sldMk cId="2002257491" sldId="277"/>
+            <ac:spMk id="51" creationId="{91DC6ABD-215C-4EA8-A483-CEF5B99AB385}"/>
+          </ac:spMkLst>
+        </pc:spChg>
+        <pc:spChg chg="add">
+          <ac:chgData name="Hunter Burnham (Student)" userId="e134f687-0b34-4f02-b471-2fa4d76ea700" providerId="ADAL" clId="{387E982F-AC20-48A9-A5D7-3E1105CE4D48}" dt="2024-03-13T20:35:20.782" v="2526" actId="26606"/>
+          <ac:spMkLst>
+            <pc:docMk/>
+            <pc:sldMk cId="2002257491" sldId="277"/>
+            <ac:spMk id="54" creationId="{04357C93-F0CB-4A1C-8F77-4E9063789819}"/>
+          </ac:spMkLst>
+        </pc:spChg>
+        <pc:grpChg chg="add">
+          <ac:chgData name="Hunter Burnham (Student)" userId="e134f687-0b34-4f02-b471-2fa4d76ea700" providerId="ADAL" clId="{387E982F-AC20-48A9-A5D7-3E1105CE4D48}" dt="2024-03-13T20:35:20.782" v="2526" actId="26606"/>
+          <ac:grpSpMkLst>
+            <pc:docMk/>
+            <pc:sldMk cId="2002257491" sldId="277"/>
+            <ac:grpSpMk id="52" creationId="{3AF6A671-C637-4547-85F4-51B6D1881399}"/>
+          </ac:grpSpMkLst>
+        </pc:grpChg>
+        <pc:picChg chg="mod ord">
+          <ac:chgData name="Hunter Burnham (Student)" userId="e134f687-0b34-4f02-b471-2fa4d76ea700" providerId="ADAL" clId="{387E982F-AC20-48A9-A5D7-3E1105CE4D48}" dt="2024-03-13T20:35:20.782" v="2526" actId="26606"/>
+          <ac:picMkLst>
+            <pc:docMk/>
+            <pc:sldMk cId="2002257491" sldId="277"/>
+            <ac:picMk id="4" creationId="{AA0BECA3-9414-E9A7-7722-442863B7798C}"/>
+          </ac:picMkLst>
+        </pc:picChg>
+      </pc:sldChg>
+      <pc:sldChg chg="addSp delSp modSp new mod setBg modNotesTx">
+        <pc:chgData name="Hunter Burnham (Student)" userId="e134f687-0b34-4f02-b471-2fa4d76ea700" providerId="ADAL" clId="{387E982F-AC20-48A9-A5D7-3E1105CE4D48}" dt="2024-03-15T17:49:25.975" v="4093" actId="20577"/>
+        <pc:sldMkLst>
+          <pc:docMk/>
+          <pc:sldMk cId="3717565896" sldId="281"/>
+        </pc:sldMkLst>
+        <pc:spChg chg="mod">
+          <ac:chgData name="Hunter Burnham (Student)" userId="e134f687-0b34-4f02-b471-2fa4d76ea700" providerId="ADAL" clId="{387E982F-AC20-48A9-A5D7-3E1105CE4D48}" dt="2024-03-13T21:03:36.635" v="3416" actId="26606"/>
+          <ac:spMkLst>
+            <pc:docMk/>
+            <pc:sldMk cId="3717565896" sldId="281"/>
+            <ac:spMk id="2" creationId="{50E7C36E-FBD4-D03C-FD47-AB83F936D25A}"/>
+          </ac:spMkLst>
+        </pc:spChg>
+        <pc:spChg chg="del">
+          <ac:chgData name="Hunter Burnham (Student)" userId="e134f687-0b34-4f02-b471-2fa4d76ea700" providerId="ADAL" clId="{387E982F-AC20-48A9-A5D7-3E1105CE4D48}" dt="2024-03-13T20:46:26.856" v="2786" actId="3680"/>
+          <ac:spMkLst>
+            <pc:docMk/>
+            <pc:sldMk cId="3717565896" sldId="281"/>
+            <ac:spMk id="3" creationId="{A5880670-8D01-3789-83FD-F966847C1C0D}"/>
+          </ac:spMkLst>
+        </pc:spChg>
+        <pc:spChg chg="add mod">
+          <ac:chgData name="Hunter Burnham (Student)" userId="e134f687-0b34-4f02-b471-2fa4d76ea700" providerId="ADAL" clId="{387E982F-AC20-48A9-A5D7-3E1105CE4D48}" dt="2024-03-13T21:03:36.635" v="3416" actId="26606"/>
+          <ac:spMkLst>
+            <pc:docMk/>
+            <pc:sldMk cId="3717565896" sldId="281"/>
+            <ac:spMk id="5" creationId="{2EE385B2-D0B9-D866-19CD-4BD275D44F33}"/>
+          </ac:spMkLst>
+        </pc:spChg>
+        <pc:spChg chg="add mod">
+          <ac:chgData name="Hunter Burnham (Student)" userId="e134f687-0b34-4f02-b471-2fa4d76ea700" providerId="ADAL" clId="{387E982F-AC20-48A9-A5D7-3E1105CE4D48}" dt="2024-03-13T21:05:40.613" v="3528" actId="313"/>
+          <ac:spMkLst>
+            <pc:docMk/>
+            <pc:sldMk cId="3717565896" sldId="281"/>
+            <ac:spMk id="6" creationId="{EE6A5CFC-0052-953B-3D22-B122B447516B}"/>
+          </ac:spMkLst>
+        </pc:spChg>
+        <pc:spChg chg="add">
+          <ac:chgData name="Hunter Burnham (Student)" userId="e134f687-0b34-4f02-b471-2fa4d76ea700" providerId="ADAL" clId="{387E982F-AC20-48A9-A5D7-3E1105CE4D48}" dt="2024-03-13T21:03:36.635" v="3416" actId="26606"/>
+          <ac:spMkLst>
+            <pc:docMk/>
+            <pc:sldMk cId="3717565896" sldId="281"/>
+            <ac:spMk id="11" creationId="{9D8233B0-41B5-4D9A-AEEC-13DB66A8C9B5}"/>
+          </ac:spMkLst>
+        </pc:spChg>
+        <pc:spChg chg="add">
+          <ac:chgData name="Hunter Burnham (Student)" userId="e134f687-0b34-4f02-b471-2fa4d76ea700" providerId="ADAL" clId="{387E982F-AC20-48A9-A5D7-3E1105CE4D48}" dt="2024-03-13T21:03:36.635" v="3416" actId="26606"/>
+          <ac:spMkLst>
+            <pc:docMk/>
+            <pc:sldMk cId="3717565896" sldId="281"/>
+            <ac:spMk id="17" creationId="{E659831F-0D9A-4C63-9EBB-8435B85A440F}"/>
+          </ac:spMkLst>
+        </pc:spChg>
+        <pc:grpChg chg="add">
+          <ac:chgData name="Hunter Burnham (Student)" userId="e134f687-0b34-4f02-b471-2fa4d76ea700" providerId="ADAL" clId="{387E982F-AC20-48A9-A5D7-3E1105CE4D48}" dt="2024-03-13T21:03:36.635" v="3416" actId="26606"/>
+          <ac:grpSpMkLst>
+            <pc:docMk/>
+            <pc:sldMk cId="3717565896" sldId="281"/>
+            <ac:grpSpMk id="13" creationId="{28FAF094-D087-493F-8DF9-A486C2D6BBAA}"/>
+          </ac:grpSpMkLst>
+        </pc:grpChg>
+        <pc:graphicFrameChg chg="add mod ord modGraphic">
+          <ac:chgData name="Hunter Burnham (Student)" userId="e134f687-0b34-4f02-b471-2fa4d76ea700" providerId="ADAL" clId="{387E982F-AC20-48A9-A5D7-3E1105CE4D48}" dt="2024-03-13T21:03:36.635" v="3416" actId="26606"/>
+          <ac:graphicFrameMkLst>
+            <pc:docMk/>
+            <pc:sldMk cId="3717565896" sldId="281"/>
+            <ac:graphicFrameMk id="4" creationId="{9B4F24D1-4EAD-A87E-8B5A-A84FD5B22C59}"/>
+          </ac:graphicFrameMkLst>
+        </pc:graphicFrameChg>
+      </pc:sldChg>
+      <pc:sldChg chg="addSp delSp modSp new add del mod ord setBg">
+        <pc:chgData name="Hunter Burnham (Student)" userId="e134f687-0b34-4f02-b471-2fa4d76ea700" providerId="ADAL" clId="{387E982F-AC20-48A9-A5D7-3E1105CE4D48}" dt="2024-03-15T17:50:41.103" v="4131"/>
+        <pc:sldMkLst>
+          <pc:docMk/>
+          <pc:sldMk cId="949957755" sldId="282"/>
+        </pc:sldMkLst>
+        <pc:spChg chg="del">
+          <ac:chgData name="Hunter Burnham (Student)" userId="e134f687-0b34-4f02-b471-2fa4d76ea700" providerId="ADAL" clId="{387E982F-AC20-48A9-A5D7-3E1105CE4D48}" dt="2024-03-15T17:49:41.951" v="4097" actId="26606"/>
+          <ac:spMkLst>
+            <pc:docMk/>
+            <pc:sldMk cId="949957755" sldId="282"/>
+            <ac:spMk id="2" creationId="{F56D5A80-7071-8B9D-1DE3-00BE4444FFFA}"/>
+          </ac:spMkLst>
+        </pc:spChg>
+        <pc:spChg chg="del">
+          <ac:chgData name="Hunter Burnham (Student)" userId="e134f687-0b34-4f02-b471-2fa4d76ea700" providerId="ADAL" clId="{387E982F-AC20-48A9-A5D7-3E1105CE4D48}" dt="2024-03-15T17:49:36.630" v="4095"/>
+          <ac:spMkLst>
+            <pc:docMk/>
+            <pc:sldMk cId="949957755" sldId="282"/>
+            <ac:spMk id="3" creationId="{1D64A930-6A12-620B-E2C3-D51FE6CBB4F3}"/>
+          </ac:spMkLst>
+        </pc:spChg>
+        <pc:spChg chg="add mod">
+          <ac:chgData name="Hunter Burnham (Student)" userId="e134f687-0b34-4f02-b471-2fa4d76ea700" providerId="ADAL" clId="{387E982F-AC20-48A9-A5D7-3E1105CE4D48}" dt="2024-03-15T17:50:24.516" v="4127" actId="14100"/>
+          <ac:spMkLst>
+            <pc:docMk/>
+            <pc:sldMk cId="949957755" sldId="282"/>
+            <ac:spMk id="5" creationId="{FF803A9F-8F10-D0ED-BFC6-6EDDBA0A7604}"/>
+          </ac:spMkLst>
+        </pc:spChg>
+        <pc:spChg chg="add">
+          <ac:chgData name="Hunter Burnham (Student)" userId="e134f687-0b34-4f02-b471-2fa4d76ea700" providerId="ADAL" clId="{387E982F-AC20-48A9-A5D7-3E1105CE4D48}" dt="2024-03-15T17:49:41.951" v="4097" actId="26606"/>
+          <ac:spMkLst>
+            <pc:docMk/>
+            <pc:sldMk cId="949957755" sldId="282"/>
+            <ac:spMk id="9" creationId="{22F15A2D-2324-487D-A02A-BF46C5C580EB}"/>
+          </ac:spMkLst>
+        </pc:spChg>
+        <pc:spChg chg="add">
+          <ac:chgData name="Hunter Burnham (Student)" userId="e134f687-0b34-4f02-b471-2fa4d76ea700" providerId="ADAL" clId="{387E982F-AC20-48A9-A5D7-3E1105CE4D48}" dt="2024-03-15T17:49:41.951" v="4097" actId="26606"/>
+          <ac:spMkLst>
+            <pc:docMk/>
+            <pc:sldMk cId="949957755" sldId="282"/>
+            <ac:spMk id="11" creationId="{2AEAFA59-923A-4F54-8B49-44C970BCC323}"/>
+          </ac:spMkLst>
+        </pc:spChg>
+        <pc:spChg chg="add">
+          <ac:chgData name="Hunter Burnham (Student)" userId="e134f687-0b34-4f02-b471-2fa4d76ea700" providerId="ADAL" clId="{387E982F-AC20-48A9-A5D7-3E1105CE4D48}" dt="2024-03-15T17:49:41.951" v="4097" actId="26606"/>
+          <ac:spMkLst>
+            <pc:docMk/>
+            <pc:sldMk cId="949957755" sldId="282"/>
+            <ac:spMk id="13" creationId="{C37E9D4B-7BFA-4D10-B666-547BAC499469}"/>
+          </ac:spMkLst>
+        </pc:spChg>
+        <pc:picChg chg="add mod">
+          <ac:chgData name="Hunter Burnham (Student)" userId="e134f687-0b34-4f02-b471-2fa4d76ea700" providerId="ADAL" clId="{387E982F-AC20-48A9-A5D7-3E1105CE4D48}" dt="2024-03-15T17:49:41.951" v="4097" actId="26606"/>
+          <ac:picMkLst>
+            <pc:docMk/>
+            <pc:sldMk cId="949957755" sldId="282"/>
+            <ac:picMk id="4" creationId="{C6759827-DD90-0596-D667-FC8C76AC7F7B}"/>
+          </ac:picMkLst>
+        </pc:picChg>
+      </pc:sldChg>
+      <pc:sldChg chg="new del">
+        <pc:chgData name="Hunter Burnham (Student)" userId="e134f687-0b34-4f02-b471-2fa4d76ea700" providerId="ADAL" clId="{387E982F-AC20-48A9-A5D7-3E1105CE4D48}" dt="2024-03-15T17:50:00.300" v="4101" actId="2696"/>
+        <pc:sldMkLst>
+          <pc:docMk/>
+          <pc:sldMk cId="3023232825" sldId="283"/>
+        </pc:sldMkLst>
+      </pc:sldChg>
+    </pc:docChg>
+  </pc:docChgLst>
+  <pc:docChgLst>
+    <pc:chgData name="Joseph Kirby (Student)" userId="S::josephkirby@mines.edu::e8822a9d-bfd7-419b-a2ac-0f6e4b5323f8" providerId="AD" clId="Web-{8B68C9BB-ECBD-11A5-1970-274C38F27C8E}"/>
+    <pc:docChg chg="addSld modSld sldOrd">
+      <pc:chgData name="Joseph Kirby (Student)" userId="S::josephkirby@mines.edu::e8822a9d-bfd7-419b-a2ac-0f6e4b5323f8" providerId="AD" clId="Web-{8B68C9BB-ECBD-11A5-1970-274C38F27C8E}" dt="2024-03-11T22:56:05.999" v="300" actId="20577"/>
+      <pc:docMkLst>
+        <pc:docMk/>
+      </pc:docMkLst>
+      <pc:sldChg chg="addSp modSp ord">
+        <pc:chgData name="Joseph Kirby (Student)" userId="S::josephkirby@mines.edu::e8822a9d-bfd7-419b-a2ac-0f6e4b5323f8" providerId="AD" clId="Web-{8B68C9BB-ECBD-11A5-1970-274C38F27C8E}" dt="2024-03-11T22:29:39.963" v="182"/>
+        <pc:sldMkLst>
+          <pc:docMk/>
+          <pc:sldMk cId="2592547000" sldId="266"/>
+        </pc:sldMkLst>
+        <pc:spChg chg="mod">
+          <ac:chgData name="Joseph Kirby (Student)" userId="S::josephkirby@mines.edu::e8822a9d-bfd7-419b-a2ac-0f6e4b5323f8" providerId="AD" clId="Web-{8B68C9BB-ECBD-11A5-1970-274C38F27C8E}" dt="2024-03-11T21:56:40.500" v="14" actId="20577"/>
+          <ac:spMkLst>
+            <pc:docMk/>
+            <pc:sldMk cId="2592547000" sldId="266"/>
+            <ac:spMk id="2" creationId="{82D7485C-C17E-097C-D99E-2E410B176E92}"/>
+          </ac:spMkLst>
+        </pc:spChg>
+        <pc:spChg chg="mod">
+          <ac:chgData name="Joseph Kirby (Student)" userId="S::josephkirby@mines.edu::e8822a9d-bfd7-419b-a2ac-0f6e4b5323f8" providerId="AD" clId="Web-{8B68C9BB-ECBD-11A5-1970-274C38F27C8E}" dt="2024-03-11T22:06:22.117" v="134" actId="20577"/>
+          <ac:spMkLst>
+            <pc:docMk/>
+            <pc:sldMk cId="2592547000" sldId="266"/>
+            <ac:spMk id="3" creationId="{CB0820ED-CB43-CA76-310F-14DE183269CB}"/>
+          </ac:spMkLst>
+        </pc:spChg>
+        <pc:picChg chg="add mod">
+          <ac:chgData name="Joseph Kirby (Student)" userId="S::josephkirby@mines.edu::e8822a9d-bfd7-419b-a2ac-0f6e4b5323f8" providerId="AD" clId="Web-{8B68C9BB-ECBD-11A5-1970-274C38F27C8E}" dt="2024-03-11T22:06:39.039" v="139" actId="1076"/>
+          <ac:picMkLst>
+            <pc:docMk/>
+            <pc:sldMk cId="2592547000" sldId="266"/>
+            <ac:picMk id="4" creationId="{4B28B800-C4CA-98CC-6CED-42EDF0D9E55E}"/>
+          </ac:picMkLst>
+        </pc:picChg>
+      </pc:sldChg>
+      <pc:sldChg chg="modSp new">
+        <pc:chgData name="Joseph Kirby (Student)" userId="S::josephkirby@mines.edu::e8822a9d-bfd7-419b-a2ac-0f6e4b5323f8" providerId="AD" clId="Web-{8B68C9BB-ECBD-11A5-1970-274C38F27C8E}" dt="2024-03-11T22:56:05.999" v="300" actId="20577"/>
+        <pc:sldMkLst>
+          <pc:docMk/>
+          <pc:sldMk cId="675645111" sldId="267"/>
+        </pc:sldMkLst>
+        <pc:spChg chg="mod">
+          <ac:chgData name="Joseph Kirby (Student)" userId="S::josephkirby@mines.edu::e8822a9d-bfd7-419b-a2ac-0f6e4b5323f8" providerId="AD" clId="Web-{8B68C9BB-ECBD-11A5-1970-274C38F27C8E}" dt="2024-03-11T22:13:56.060" v="157" actId="20577"/>
+          <ac:spMkLst>
+            <pc:docMk/>
+            <pc:sldMk cId="675645111" sldId="267"/>
+            <ac:spMk id="2" creationId="{800BCEC9-E715-B52B-E13E-49CCDFB662C9}"/>
+          </ac:spMkLst>
+        </pc:spChg>
+        <pc:spChg chg="mod">
+          <ac:chgData name="Joseph Kirby (Student)" userId="S::josephkirby@mines.edu::e8822a9d-bfd7-419b-a2ac-0f6e4b5323f8" providerId="AD" clId="Web-{8B68C9BB-ECBD-11A5-1970-274C38F27C8E}" dt="2024-03-11T22:56:05.999" v="300" actId="20577"/>
+          <ac:spMkLst>
+            <pc:docMk/>
+            <pc:sldMk cId="675645111" sldId="267"/>
+            <ac:spMk id="3" creationId="{6AC13EE7-17DA-5C3E-B2C8-1DE0DAFA32FF}"/>
+          </ac:spMkLst>
+        </pc:spChg>
+      </pc:sldChg>
+      <pc:sldChg chg="addSp modSp new">
+        <pc:chgData name="Joseph Kirby (Student)" userId="S::josephkirby@mines.edu::e8822a9d-bfd7-419b-a2ac-0f6e4b5323f8" providerId="AD" clId="Web-{8B68C9BB-ECBD-11A5-1970-274C38F27C8E}" dt="2024-03-11T22:55:48.780" v="270" actId="1076"/>
+        <pc:sldMkLst>
+          <pc:docMk/>
+          <pc:sldMk cId="3085835959" sldId="268"/>
+        </pc:sldMkLst>
+        <pc:spChg chg="mod">
+          <ac:chgData name="Joseph Kirby (Student)" userId="S::josephkirby@mines.edu::e8822a9d-bfd7-419b-a2ac-0f6e4b5323f8" providerId="AD" clId="Web-{8B68C9BB-ECBD-11A5-1970-274C38F27C8E}" dt="2024-03-11T22:35:30.139" v="230" actId="20577"/>
+          <ac:spMkLst>
+            <pc:docMk/>
+            <pc:sldMk cId="3085835959" sldId="268"/>
+            <ac:spMk id="2" creationId="{E0D42B90-D36E-F541-0DA9-D3AE86A9CC81}"/>
+          </ac:spMkLst>
+        </pc:spChg>
+        <pc:spChg chg="mod">
+          <ac:chgData name="Joseph Kirby (Student)" userId="S::josephkirby@mines.edu::e8822a9d-bfd7-419b-a2ac-0f6e4b5323f8" providerId="AD" clId="Web-{8B68C9BB-ECBD-11A5-1970-274C38F27C8E}" dt="2024-03-11T22:36:00.280" v="246" actId="20577"/>
+          <ac:spMkLst>
+            <pc:docMk/>
+            <pc:sldMk cId="3085835959" sldId="268"/>
+            <ac:spMk id="3" creationId="{6B3CF716-4EFA-6566-2DC6-AC662E3D731E}"/>
+          </ac:spMkLst>
+        </pc:spChg>
+        <pc:picChg chg="add mod">
+          <ac:chgData name="Joseph Kirby (Student)" userId="S::josephkirby@mines.edu::e8822a9d-bfd7-419b-a2ac-0f6e4b5323f8" providerId="AD" clId="Web-{8B68C9BB-ECBD-11A5-1970-274C38F27C8E}" dt="2024-03-11T22:39:11.017" v="248" actId="1076"/>
+          <ac:picMkLst>
+            <pc:docMk/>
+            <pc:sldMk cId="3085835959" sldId="268"/>
+            <ac:picMk id="4" creationId="{7C881784-BAA2-6642-FEDE-BD0866746B06}"/>
+          </ac:picMkLst>
+        </pc:picChg>
+        <pc:picChg chg="add mod">
+          <ac:chgData name="Joseph Kirby (Student)" userId="S::josephkirby@mines.edu::e8822a9d-bfd7-419b-a2ac-0f6e4b5323f8" providerId="AD" clId="Web-{8B68C9BB-ECBD-11A5-1970-274C38F27C8E}" dt="2024-03-11T22:55:48.780" v="270" actId="1076"/>
+          <ac:picMkLst>
+            <pc:docMk/>
+            <pc:sldMk cId="3085835959" sldId="268"/>
+            <ac:picMk id="5" creationId="{70444C2F-5D23-D084-6686-188E5401C5E1}"/>
+          </ac:picMkLst>
+        </pc:picChg>
+      </pc:sldChg>
+    </pc:docChg>
+  </pc:docChgLst>
   <pc:docChgLst>
     <pc:chgData name="Caden Nubel (Student)" userId="S::cnubel@mines.edu::d1ab956a-99f4-4cea-80c3-a77e0e4018dd" providerId="AD" clId="Web-{A9DB9383-0E22-94D3-D5A6-5E7D078EAA8F}"/>
     <pc:docChg chg="addSld delSld modSld sldOrd">
@@ -354,2691 +3078,6 @@
             <ac:spMk id="2" creationId="{36D767C6-431B-F41E-77DD-74CB0B6E8974}"/>
           </ac:spMkLst>
         </pc:spChg>
-      </pc:sldChg>
-    </pc:docChg>
-  </pc:docChgLst>
-  <pc:docChgLst>
-    <pc:chgData name="Joseph Kirby (Student)" userId="S::josephkirby@mines.edu::e8822a9d-bfd7-419b-a2ac-0f6e4b5323f8" providerId="AD" clId="Web-{8B68C9BB-ECBD-11A5-1970-274C38F27C8E}"/>
-    <pc:docChg chg="addSld modSld sldOrd">
-      <pc:chgData name="Joseph Kirby (Student)" userId="S::josephkirby@mines.edu::e8822a9d-bfd7-419b-a2ac-0f6e4b5323f8" providerId="AD" clId="Web-{8B68C9BB-ECBD-11A5-1970-274C38F27C8E}" dt="2024-03-11T22:56:05.999" v="300" actId="20577"/>
-      <pc:docMkLst>
-        <pc:docMk/>
-      </pc:docMkLst>
-      <pc:sldChg chg="addSp modSp ord">
-        <pc:chgData name="Joseph Kirby (Student)" userId="S::josephkirby@mines.edu::e8822a9d-bfd7-419b-a2ac-0f6e4b5323f8" providerId="AD" clId="Web-{8B68C9BB-ECBD-11A5-1970-274C38F27C8E}" dt="2024-03-11T22:29:39.963" v="182"/>
-        <pc:sldMkLst>
-          <pc:docMk/>
-          <pc:sldMk cId="2592547000" sldId="266"/>
-        </pc:sldMkLst>
-        <pc:spChg chg="mod">
-          <ac:chgData name="Joseph Kirby (Student)" userId="S::josephkirby@mines.edu::e8822a9d-bfd7-419b-a2ac-0f6e4b5323f8" providerId="AD" clId="Web-{8B68C9BB-ECBD-11A5-1970-274C38F27C8E}" dt="2024-03-11T21:56:40.500" v="14" actId="20577"/>
-          <ac:spMkLst>
-            <pc:docMk/>
-            <pc:sldMk cId="2592547000" sldId="266"/>
-            <ac:spMk id="2" creationId="{82D7485C-C17E-097C-D99E-2E410B176E92}"/>
-          </ac:spMkLst>
-        </pc:spChg>
-        <pc:spChg chg="mod">
-          <ac:chgData name="Joseph Kirby (Student)" userId="S::josephkirby@mines.edu::e8822a9d-bfd7-419b-a2ac-0f6e4b5323f8" providerId="AD" clId="Web-{8B68C9BB-ECBD-11A5-1970-274C38F27C8E}" dt="2024-03-11T22:06:22.117" v="134" actId="20577"/>
-          <ac:spMkLst>
-            <pc:docMk/>
-            <pc:sldMk cId="2592547000" sldId="266"/>
-            <ac:spMk id="3" creationId="{CB0820ED-CB43-CA76-310F-14DE183269CB}"/>
-          </ac:spMkLst>
-        </pc:spChg>
-        <pc:picChg chg="add mod">
-          <ac:chgData name="Joseph Kirby (Student)" userId="S::josephkirby@mines.edu::e8822a9d-bfd7-419b-a2ac-0f6e4b5323f8" providerId="AD" clId="Web-{8B68C9BB-ECBD-11A5-1970-274C38F27C8E}" dt="2024-03-11T22:06:39.039" v="139" actId="1076"/>
-          <ac:picMkLst>
-            <pc:docMk/>
-            <pc:sldMk cId="2592547000" sldId="266"/>
-            <ac:picMk id="4" creationId="{4B28B800-C4CA-98CC-6CED-42EDF0D9E55E}"/>
-          </ac:picMkLst>
-        </pc:picChg>
-      </pc:sldChg>
-      <pc:sldChg chg="modSp new">
-        <pc:chgData name="Joseph Kirby (Student)" userId="S::josephkirby@mines.edu::e8822a9d-bfd7-419b-a2ac-0f6e4b5323f8" providerId="AD" clId="Web-{8B68C9BB-ECBD-11A5-1970-274C38F27C8E}" dt="2024-03-11T22:56:05.999" v="300" actId="20577"/>
-        <pc:sldMkLst>
-          <pc:docMk/>
-          <pc:sldMk cId="675645111" sldId="267"/>
-        </pc:sldMkLst>
-        <pc:spChg chg="mod">
-          <ac:chgData name="Joseph Kirby (Student)" userId="S::josephkirby@mines.edu::e8822a9d-bfd7-419b-a2ac-0f6e4b5323f8" providerId="AD" clId="Web-{8B68C9BB-ECBD-11A5-1970-274C38F27C8E}" dt="2024-03-11T22:13:56.060" v="157" actId="20577"/>
-          <ac:spMkLst>
-            <pc:docMk/>
-            <pc:sldMk cId="675645111" sldId="267"/>
-            <ac:spMk id="2" creationId="{800BCEC9-E715-B52B-E13E-49CCDFB662C9}"/>
-          </ac:spMkLst>
-        </pc:spChg>
-        <pc:spChg chg="mod">
-          <ac:chgData name="Joseph Kirby (Student)" userId="S::josephkirby@mines.edu::e8822a9d-bfd7-419b-a2ac-0f6e4b5323f8" providerId="AD" clId="Web-{8B68C9BB-ECBD-11A5-1970-274C38F27C8E}" dt="2024-03-11T22:56:05.999" v="300" actId="20577"/>
-          <ac:spMkLst>
-            <pc:docMk/>
-            <pc:sldMk cId="675645111" sldId="267"/>
-            <ac:spMk id="3" creationId="{6AC13EE7-17DA-5C3E-B2C8-1DE0DAFA32FF}"/>
-          </ac:spMkLst>
-        </pc:spChg>
-      </pc:sldChg>
-      <pc:sldChg chg="addSp modSp new">
-        <pc:chgData name="Joseph Kirby (Student)" userId="S::josephkirby@mines.edu::e8822a9d-bfd7-419b-a2ac-0f6e4b5323f8" providerId="AD" clId="Web-{8B68C9BB-ECBD-11A5-1970-274C38F27C8E}" dt="2024-03-11T22:55:48.780" v="270" actId="1076"/>
-        <pc:sldMkLst>
-          <pc:docMk/>
-          <pc:sldMk cId="3085835959" sldId="268"/>
-        </pc:sldMkLst>
-        <pc:spChg chg="mod">
-          <ac:chgData name="Joseph Kirby (Student)" userId="S::josephkirby@mines.edu::e8822a9d-bfd7-419b-a2ac-0f6e4b5323f8" providerId="AD" clId="Web-{8B68C9BB-ECBD-11A5-1970-274C38F27C8E}" dt="2024-03-11T22:35:30.139" v="230" actId="20577"/>
-          <ac:spMkLst>
-            <pc:docMk/>
-            <pc:sldMk cId="3085835959" sldId="268"/>
-            <ac:spMk id="2" creationId="{E0D42B90-D36E-F541-0DA9-D3AE86A9CC81}"/>
-          </ac:spMkLst>
-        </pc:spChg>
-        <pc:spChg chg="mod">
-          <ac:chgData name="Joseph Kirby (Student)" userId="S::josephkirby@mines.edu::e8822a9d-bfd7-419b-a2ac-0f6e4b5323f8" providerId="AD" clId="Web-{8B68C9BB-ECBD-11A5-1970-274C38F27C8E}" dt="2024-03-11T22:36:00.280" v="246" actId="20577"/>
-          <ac:spMkLst>
-            <pc:docMk/>
-            <pc:sldMk cId="3085835959" sldId="268"/>
-            <ac:spMk id="3" creationId="{6B3CF716-4EFA-6566-2DC6-AC662E3D731E}"/>
-          </ac:spMkLst>
-        </pc:spChg>
-        <pc:picChg chg="add mod">
-          <ac:chgData name="Joseph Kirby (Student)" userId="S::josephkirby@mines.edu::e8822a9d-bfd7-419b-a2ac-0f6e4b5323f8" providerId="AD" clId="Web-{8B68C9BB-ECBD-11A5-1970-274C38F27C8E}" dt="2024-03-11T22:39:11.017" v="248" actId="1076"/>
-          <ac:picMkLst>
-            <pc:docMk/>
-            <pc:sldMk cId="3085835959" sldId="268"/>
-            <ac:picMk id="4" creationId="{7C881784-BAA2-6642-FEDE-BD0866746B06}"/>
-          </ac:picMkLst>
-        </pc:picChg>
-        <pc:picChg chg="add mod">
-          <ac:chgData name="Joseph Kirby (Student)" userId="S::josephkirby@mines.edu::e8822a9d-bfd7-419b-a2ac-0f6e4b5323f8" providerId="AD" clId="Web-{8B68C9BB-ECBD-11A5-1970-274C38F27C8E}" dt="2024-03-11T22:55:48.780" v="270" actId="1076"/>
-          <ac:picMkLst>
-            <pc:docMk/>
-            <pc:sldMk cId="3085835959" sldId="268"/>
-            <ac:picMk id="5" creationId="{70444C2F-5D23-D084-6686-188E5401C5E1}"/>
-          </ac:picMkLst>
-        </pc:picChg>
-      </pc:sldChg>
-    </pc:docChg>
-  </pc:docChgLst>
-  <pc:docChgLst>
-    <pc:chgData name="Joseph Kirby (Student)" userId="S::josephkirby@mines.edu::e8822a9d-bfd7-419b-a2ac-0f6e4b5323f8" providerId="AD" clId="Web-{54E2F79E-DDDB-2ED5-E763-AEDFE91C596B}"/>
-    <pc:docChg chg="modSld">
-      <pc:chgData name="Joseph Kirby (Student)" userId="S::josephkirby@mines.edu::e8822a9d-bfd7-419b-a2ac-0f6e4b5323f8" providerId="AD" clId="Web-{54E2F79E-DDDB-2ED5-E763-AEDFE91C596B}" dt="2024-03-13T20:31:22.928" v="89" actId="20577"/>
-      <pc:docMkLst>
-        <pc:docMk/>
-      </pc:docMkLst>
-      <pc:sldChg chg="modSp">
-        <pc:chgData name="Joseph Kirby (Student)" userId="S::josephkirby@mines.edu::e8822a9d-bfd7-419b-a2ac-0f6e4b5323f8" providerId="AD" clId="Web-{54E2F79E-DDDB-2ED5-E763-AEDFE91C596B}" dt="2024-03-13T20:31:22.928" v="89" actId="20577"/>
-        <pc:sldMkLst>
-          <pc:docMk/>
-          <pc:sldMk cId="2396793982" sldId="263"/>
-        </pc:sldMkLst>
-        <pc:spChg chg="mod">
-          <ac:chgData name="Joseph Kirby (Student)" userId="S::josephkirby@mines.edu::e8822a9d-bfd7-419b-a2ac-0f6e4b5323f8" providerId="AD" clId="Web-{54E2F79E-DDDB-2ED5-E763-AEDFE91C596B}" dt="2024-03-13T20:31:22.928" v="89" actId="20577"/>
-          <ac:spMkLst>
-            <pc:docMk/>
-            <pc:sldMk cId="2396793982" sldId="263"/>
-            <ac:spMk id="3" creationId="{A9AC157F-B5D5-20E2-9DA4-EA29118F63FC}"/>
-          </ac:spMkLst>
-        </pc:spChg>
-      </pc:sldChg>
-      <pc:sldChg chg="addSp delSp modSp">
-        <pc:chgData name="Joseph Kirby (Student)" userId="S::josephkirby@mines.edu::e8822a9d-bfd7-419b-a2ac-0f6e4b5323f8" providerId="AD" clId="Web-{54E2F79E-DDDB-2ED5-E763-AEDFE91C596B}" dt="2024-03-13T20:31:12.990" v="71" actId="20577"/>
-        <pc:sldMkLst>
-          <pc:docMk/>
-          <pc:sldMk cId="3085835959" sldId="268"/>
-        </pc:sldMkLst>
-        <pc:spChg chg="mod">
-          <ac:chgData name="Joseph Kirby (Student)" userId="S::josephkirby@mines.edu::e8822a9d-bfd7-419b-a2ac-0f6e4b5323f8" providerId="AD" clId="Web-{54E2F79E-DDDB-2ED5-E763-AEDFE91C596B}" dt="2024-03-13T20:31:12.990" v="71" actId="20577"/>
-          <ac:spMkLst>
-            <pc:docMk/>
-            <pc:sldMk cId="3085835959" sldId="268"/>
-            <ac:spMk id="3" creationId="{6B3CF716-4EFA-6566-2DC6-AC662E3D731E}"/>
-          </ac:spMkLst>
-        </pc:spChg>
-        <pc:picChg chg="add del mod">
-          <ac:chgData name="Joseph Kirby (Student)" userId="S::josephkirby@mines.edu::e8822a9d-bfd7-419b-a2ac-0f6e4b5323f8" providerId="AD" clId="Web-{54E2F79E-DDDB-2ED5-E763-AEDFE91C596B}" dt="2024-03-13T20:28:52.534" v="15"/>
-          <ac:picMkLst>
-            <pc:docMk/>
-            <pc:sldMk cId="3085835959" sldId="268"/>
-            <ac:picMk id="4" creationId="{7353F93A-7F9A-3E7F-2C74-46629F08CB64}"/>
-          </ac:picMkLst>
-        </pc:picChg>
-        <pc:picChg chg="del">
-          <ac:chgData name="Joseph Kirby (Student)" userId="S::josephkirby@mines.edu::e8822a9d-bfd7-419b-a2ac-0f6e4b5323f8" providerId="AD" clId="Web-{54E2F79E-DDDB-2ED5-E763-AEDFE91C596B}" dt="2024-03-13T20:26:52.578" v="0"/>
-          <ac:picMkLst>
-            <pc:docMk/>
-            <pc:sldMk cId="3085835959" sldId="268"/>
-            <ac:picMk id="5" creationId="{70444C2F-5D23-D084-6686-188E5401C5E1}"/>
-          </ac:picMkLst>
-        </pc:picChg>
-        <pc:picChg chg="add mod">
-          <ac:chgData name="Joseph Kirby (Student)" userId="S::josephkirby@mines.edu::e8822a9d-bfd7-419b-a2ac-0f6e4b5323f8" providerId="AD" clId="Web-{54E2F79E-DDDB-2ED5-E763-AEDFE91C596B}" dt="2024-03-13T20:29:22.191" v="18" actId="14100"/>
-          <ac:picMkLst>
-            <pc:docMk/>
-            <pc:sldMk cId="3085835959" sldId="268"/>
-            <ac:picMk id="6" creationId="{08766FB1-FF95-115A-0305-FB1958240F74}"/>
-          </ac:picMkLst>
-        </pc:picChg>
-      </pc:sldChg>
-    </pc:docChg>
-  </pc:docChgLst>
-  <pc:docChgLst>
-    <pc:chgData name="Joseph Kirby (Student)" userId="S::josephkirby@mines.edu::e8822a9d-bfd7-419b-a2ac-0f6e4b5323f8" providerId="AD" clId="Web-{9CE1BDE5-E15A-3C55-EB4E-707B527F9D4E}"/>
-    <pc:docChg chg="modSld">
-      <pc:chgData name="Joseph Kirby (Student)" userId="S::josephkirby@mines.edu::e8822a9d-bfd7-419b-a2ac-0f6e4b5323f8" providerId="AD" clId="Web-{9CE1BDE5-E15A-3C55-EB4E-707B527F9D4E}" dt="2024-03-11T21:10:09.022" v="0" actId="20577"/>
-      <pc:docMkLst>
-        <pc:docMk/>
-      </pc:docMkLst>
-      <pc:sldChg chg="modSp">
-        <pc:chgData name="Joseph Kirby (Student)" userId="S::josephkirby@mines.edu::e8822a9d-bfd7-419b-a2ac-0f6e4b5323f8" providerId="AD" clId="Web-{9CE1BDE5-E15A-3C55-EB4E-707B527F9D4E}" dt="2024-03-11T21:10:09.022" v="0" actId="20577"/>
-        <pc:sldMkLst>
-          <pc:docMk/>
-          <pc:sldMk cId="234320675" sldId="256"/>
-        </pc:sldMkLst>
-        <pc:spChg chg="mod">
-          <ac:chgData name="Joseph Kirby (Student)" userId="S::josephkirby@mines.edu::e8822a9d-bfd7-419b-a2ac-0f6e4b5323f8" providerId="AD" clId="Web-{9CE1BDE5-E15A-3C55-EB4E-707B527F9D4E}" dt="2024-03-11T21:10:09.022" v="0" actId="20577"/>
-          <ac:spMkLst>
-            <pc:docMk/>
-            <pc:sldMk cId="234320675" sldId="256"/>
-            <ac:spMk id="3" creationId="{4DFAF4A9-F54B-F3A4-7967-31664984E776}"/>
-          </ac:spMkLst>
-        </pc:spChg>
-      </pc:sldChg>
-    </pc:docChg>
-  </pc:docChgLst>
-  <pc:docChgLst>
-    <pc:chgData name="Joel Shorey (Student)" userId="efeb13ac-a1a8-4105-bba8-6f92df6e6b9f" providerId="ADAL" clId="{631F1702-B937-4118-906D-5A11C7AE1DE5}"/>
-    <pc:docChg chg="undo custSel addSld delSld modSld">
-      <pc:chgData name="Joel Shorey (Student)" userId="efeb13ac-a1a8-4105-bba8-6f92df6e6b9f" providerId="ADAL" clId="{631F1702-B937-4118-906D-5A11C7AE1DE5}" dt="2024-03-15T18:16:56.358" v="2647" actId="1076"/>
-      <pc:docMkLst>
-        <pc:docMk/>
-      </pc:docMkLst>
-      <pc:sldChg chg="modSp mod">
-        <pc:chgData name="Joel Shorey (Student)" userId="efeb13ac-a1a8-4105-bba8-6f92df6e6b9f" providerId="ADAL" clId="{631F1702-B937-4118-906D-5A11C7AE1DE5}" dt="2024-03-15T17:16:14.075" v="2537" actId="255"/>
-        <pc:sldMkLst>
-          <pc:docMk/>
-          <pc:sldMk cId="234320675" sldId="256"/>
-        </pc:sldMkLst>
-        <pc:spChg chg="mod">
-          <ac:chgData name="Joel Shorey (Student)" userId="efeb13ac-a1a8-4105-bba8-6f92df6e6b9f" providerId="ADAL" clId="{631F1702-B937-4118-906D-5A11C7AE1DE5}" dt="2024-03-15T17:16:14.075" v="2537" actId="255"/>
-          <ac:spMkLst>
-            <pc:docMk/>
-            <pc:sldMk cId="234320675" sldId="256"/>
-            <ac:spMk id="2" creationId="{20F0F418-8CFC-AF03-63CD-F9449637605C}"/>
-          </ac:spMkLst>
-        </pc:spChg>
-      </pc:sldChg>
-      <pc:sldChg chg="del">
-        <pc:chgData name="Joel Shorey (Student)" userId="efeb13ac-a1a8-4105-bba8-6f92df6e6b9f" providerId="ADAL" clId="{631F1702-B937-4118-906D-5A11C7AE1DE5}" dt="2024-03-13T21:09:15.726" v="1543" actId="47"/>
-        <pc:sldMkLst>
-          <pc:docMk/>
-          <pc:sldMk cId="907987910" sldId="260"/>
-        </pc:sldMkLst>
-      </pc:sldChg>
-      <pc:sldChg chg="del">
-        <pc:chgData name="Joel Shorey (Student)" userId="efeb13ac-a1a8-4105-bba8-6f92df6e6b9f" providerId="ADAL" clId="{631F1702-B937-4118-906D-5A11C7AE1DE5}" dt="2024-03-13T21:04:53.508" v="1530" actId="47"/>
-        <pc:sldMkLst>
-          <pc:docMk/>
-          <pc:sldMk cId="3928215850" sldId="261"/>
-        </pc:sldMkLst>
-      </pc:sldChg>
-      <pc:sldChg chg="modSp mod">
-        <pc:chgData name="Joel Shorey (Student)" userId="efeb13ac-a1a8-4105-bba8-6f92df6e6b9f" providerId="ADAL" clId="{631F1702-B937-4118-906D-5A11C7AE1DE5}" dt="2024-03-15T17:24:28.761" v="2621" actId="14100"/>
-        <pc:sldMkLst>
-          <pc:docMk/>
-          <pc:sldMk cId="2396793982" sldId="263"/>
-        </pc:sldMkLst>
-        <pc:spChg chg="mod">
-          <ac:chgData name="Joel Shorey (Student)" userId="efeb13ac-a1a8-4105-bba8-6f92df6e6b9f" providerId="ADAL" clId="{631F1702-B937-4118-906D-5A11C7AE1DE5}" dt="2024-03-15T17:24:22.235" v="2619" actId="1076"/>
-          <ac:spMkLst>
-            <pc:docMk/>
-            <pc:sldMk cId="2396793982" sldId="263"/>
-            <ac:spMk id="2" creationId="{6809C795-4042-CC5A-647E-5016B8E19E84}"/>
-          </ac:spMkLst>
-        </pc:spChg>
-        <pc:spChg chg="mod">
-          <ac:chgData name="Joel Shorey (Student)" userId="efeb13ac-a1a8-4105-bba8-6f92df6e6b9f" providerId="ADAL" clId="{631F1702-B937-4118-906D-5A11C7AE1DE5}" dt="2024-03-15T17:24:28.761" v="2621" actId="14100"/>
-          <ac:spMkLst>
-            <pc:docMk/>
-            <pc:sldMk cId="2396793982" sldId="263"/>
-            <ac:spMk id="3" creationId="{A9AC157F-B5D5-20E2-9DA4-EA29118F63FC}"/>
-          </ac:spMkLst>
-        </pc:spChg>
-      </pc:sldChg>
-      <pc:sldChg chg="modSp mod">
-        <pc:chgData name="Joel Shorey (Student)" userId="efeb13ac-a1a8-4105-bba8-6f92df6e6b9f" providerId="ADAL" clId="{631F1702-B937-4118-906D-5A11C7AE1DE5}" dt="2024-03-15T17:23:48.656" v="2615" actId="1076"/>
-        <pc:sldMkLst>
-          <pc:docMk/>
-          <pc:sldMk cId="3498185693" sldId="264"/>
-        </pc:sldMkLst>
-        <pc:spChg chg="mod">
-          <ac:chgData name="Joel Shorey (Student)" userId="efeb13ac-a1a8-4105-bba8-6f92df6e6b9f" providerId="ADAL" clId="{631F1702-B937-4118-906D-5A11C7AE1DE5}" dt="2024-03-15T17:23:48.656" v="2615" actId="1076"/>
-          <ac:spMkLst>
-            <pc:docMk/>
-            <pc:sldMk cId="3498185693" sldId="264"/>
-            <ac:spMk id="2" creationId="{DAD4FEB1-1896-4D04-3477-F8E40CBA7E2E}"/>
-          </ac:spMkLst>
-        </pc:spChg>
-        <pc:spChg chg="mod">
-          <ac:chgData name="Joel Shorey (Student)" userId="efeb13ac-a1a8-4105-bba8-6f92df6e6b9f" providerId="ADAL" clId="{631F1702-B937-4118-906D-5A11C7AE1DE5}" dt="2024-03-15T17:23:38.272" v="2613" actId="1076"/>
-          <ac:spMkLst>
-            <pc:docMk/>
-            <pc:sldMk cId="3498185693" sldId="264"/>
-            <ac:spMk id="3" creationId="{37BDDD50-4114-09B9-F973-1B6A4E4252F3}"/>
-          </ac:spMkLst>
-        </pc:spChg>
-      </pc:sldChg>
-      <pc:sldChg chg="modSp mod">
-        <pc:chgData name="Joel Shorey (Student)" userId="efeb13ac-a1a8-4105-bba8-6f92df6e6b9f" providerId="ADAL" clId="{631F1702-B937-4118-906D-5A11C7AE1DE5}" dt="2024-03-15T17:24:01.503" v="2617" actId="1076"/>
-        <pc:sldMkLst>
-          <pc:docMk/>
-          <pc:sldMk cId="4282433805" sldId="265"/>
-        </pc:sldMkLst>
-        <pc:spChg chg="mod">
-          <ac:chgData name="Joel Shorey (Student)" userId="efeb13ac-a1a8-4105-bba8-6f92df6e6b9f" providerId="ADAL" clId="{631F1702-B937-4118-906D-5A11C7AE1DE5}" dt="2024-03-15T17:15:30.318" v="2532" actId="255"/>
-          <ac:spMkLst>
-            <pc:docMk/>
-            <pc:sldMk cId="4282433805" sldId="265"/>
-            <ac:spMk id="2" creationId="{8D59BAEB-686B-076D-6F94-24AF33C43842}"/>
-          </ac:spMkLst>
-        </pc:spChg>
-        <pc:spChg chg="mod">
-          <ac:chgData name="Joel Shorey (Student)" userId="efeb13ac-a1a8-4105-bba8-6f92df6e6b9f" providerId="ADAL" clId="{631F1702-B937-4118-906D-5A11C7AE1DE5}" dt="2024-03-15T17:24:01.503" v="2617" actId="1076"/>
-          <ac:spMkLst>
-            <pc:docMk/>
-            <pc:sldMk cId="4282433805" sldId="265"/>
-            <ac:spMk id="3" creationId="{61AA17EB-3313-5381-A3C4-8ACFAF2E635E}"/>
-          </ac:spMkLst>
-        </pc:spChg>
-      </pc:sldChg>
-      <pc:sldChg chg="modSp mod">
-        <pc:chgData name="Joel Shorey (Student)" userId="efeb13ac-a1a8-4105-bba8-6f92df6e6b9f" providerId="ADAL" clId="{631F1702-B937-4118-906D-5A11C7AE1DE5}" dt="2024-03-15T17:18:49.177" v="2554" actId="14100"/>
-        <pc:sldMkLst>
-          <pc:docMk/>
-          <pc:sldMk cId="2592547000" sldId="266"/>
-        </pc:sldMkLst>
-        <pc:spChg chg="mod">
-          <ac:chgData name="Joel Shorey (Student)" userId="efeb13ac-a1a8-4105-bba8-6f92df6e6b9f" providerId="ADAL" clId="{631F1702-B937-4118-906D-5A11C7AE1DE5}" dt="2024-03-15T17:12:22.957" v="2503" actId="255"/>
-          <ac:spMkLst>
-            <pc:docMk/>
-            <pc:sldMk cId="2592547000" sldId="266"/>
-            <ac:spMk id="2" creationId="{82D7485C-C17E-097C-D99E-2E410B176E92}"/>
-          </ac:spMkLst>
-        </pc:spChg>
-        <pc:spChg chg="mod">
-          <ac:chgData name="Joel Shorey (Student)" userId="efeb13ac-a1a8-4105-bba8-6f92df6e6b9f" providerId="ADAL" clId="{631F1702-B937-4118-906D-5A11C7AE1DE5}" dt="2024-03-15T17:18:49.177" v="2554" actId="14100"/>
-          <ac:spMkLst>
-            <pc:docMk/>
-            <pc:sldMk cId="2592547000" sldId="266"/>
-            <ac:spMk id="3" creationId="{CB0820ED-CB43-CA76-310F-14DE183269CB}"/>
-          </ac:spMkLst>
-        </pc:spChg>
-      </pc:sldChg>
-      <pc:sldChg chg="addSp modSp mod setBg">
-        <pc:chgData name="Joel Shorey (Student)" userId="efeb13ac-a1a8-4105-bba8-6f92df6e6b9f" providerId="ADAL" clId="{631F1702-B937-4118-906D-5A11C7AE1DE5}" dt="2024-03-15T17:18:26.596" v="2551" actId="14100"/>
-        <pc:sldMkLst>
-          <pc:docMk/>
-          <pc:sldMk cId="675645111" sldId="267"/>
-        </pc:sldMkLst>
-        <pc:spChg chg="mod">
-          <ac:chgData name="Joel Shorey (Student)" userId="efeb13ac-a1a8-4105-bba8-6f92df6e6b9f" providerId="ADAL" clId="{631F1702-B937-4118-906D-5A11C7AE1DE5}" dt="2024-03-15T17:12:32.150" v="2504" actId="255"/>
-          <ac:spMkLst>
-            <pc:docMk/>
-            <pc:sldMk cId="675645111" sldId="267"/>
-            <ac:spMk id="2" creationId="{800BCEC9-E715-B52B-E13E-49CCDFB662C9}"/>
-          </ac:spMkLst>
-        </pc:spChg>
-        <pc:spChg chg="mod">
-          <ac:chgData name="Joel Shorey (Student)" userId="efeb13ac-a1a8-4105-bba8-6f92df6e6b9f" providerId="ADAL" clId="{631F1702-B937-4118-906D-5A11C7AE1DE5}" dt="2024-03-15T17:18:26.596" v="2551" actId="14100"/>
-          <ac:spMkLst>
-            <pc:docMk/>
-            <pc:sldMk cId="675645111" sldId="267"/>
-            <ac:spMk id="3" creationId="{6AC13EE7-17DA-5C3E-B2C8-1DE0DAFA32FF}"/>
-          </ac:spMkLst>
-        </pc:spChg>
-        <pc:spChg chg="add">
-          <ac:chgData name="Joel Shorey (Student)" userId="efeb13ac-a1a8-4105-bba8-6f92df6e6b9f" providerId="ADAL" clId="{631F1702-B937-4118-906D-5A11C7AE1DE5}" dt="2024-03-15T17:04:53.702" v="2486" actId="26606"/>
-          <ac:spMkLst>
-            <pc:docMk/>
-            <pc:sldMk cId="675645111" sldId="267"/>
-            <ac:spMk id="1031" creationId="{6EFC920F-B85A-4068-BD93-41064EDE93D3}"/>
-          </ac:spMkLst>
-        </pc:spChg>
-        <pc:spChg chg="add">
-          <ac:chgData name="Joel Shorey (Student)" userId="efeb13ac-a1a8-4105-bba8-6f92df6e6b9f" providerId="ADAL" clId="{631F1702-B937-4118-906D-5A11C7AE1DE5}" dt="2024-03-15T17:04:53.702" v="2486" actId="26606"/>
-          <ac:spMkLst>
-            <pc:docMk/>
-            <pc:sldMk cId="675645111" sldId="267"/>
-            <ac:spMk id="1037" creationId="{CBC4F608-B4B8-48C3-9572-C0F061B1CD99}"/>
-          </ac:spMkLst>
-        </pc:spChg>
-        <pc:spChg chg="add">
-          <ac:chgData name="Joel Shorey (Student)" userId="efeb13ac-a1a8-4105-bba8-6f92df6e6b9f" providerId="ADAL" clId="{631F1702-B937-4118-906D-5A11C7AE1DE5}" dt="2024-03-15T17:04:53.702" v="2486" actId="26606"/>
-          <ac:spMkLst>
-            <pc:docMk/>
-            <pc:sldMk cId="675645111" sldId="267"/>
-            <ac:spMk id="1039" creationId="{1382A32C-5B0C-4B1C-A074-76C6DBCC9F87}"/>
-          </ac:spMkLst>
-        </pc:spChg>
-        <pc:grpChg chg="add">
-          <ac:chgData name="Joel Shorey (Student)" userId="efeb13ac-a1a8-4105-bba8-6f92df6e6b9f" providerId="ADAL" clId="{631F1702-B937-4118-906D-5A11C7AE1DE5}" dt="2024-03-15T17:04:53.702" v="2486" actId="26606"/>
-          <ac:grpSpMkLst>
-            <pc:docMk/>
-            <pc:sldMk cId="675645111" sldId="267"/>
-            <ac:grpSpMk id="1033" creationId="{1C559108-BBAE-426C-8564-051D2BA6DDC8}"/>
-          </ac:grpSpMkLst>
-        </pc:grpChg>
-        <pc:picChg chg="add mod">
-          <ac:chgData name="Joel Shorey (Student)" userId="efeb13ac-a1a8-4105-bba8-6f92df6e6b9f" providerId="ADAL" clId="{631F1702-B937-4118-906D-5A11C7AE1DE5}" dt="2024-03-15T17:04:53.702" v="2486" actId="26606"/>
-          <ac:picMkLst>
-            <pc:docMk/>
-            <pc:sldMk cId="675645111" sldId="267"/>
-            <ac:picMk id="1026" creationId="{76649751-B4BA-7B14-88E7-8BF7D1F4716D}"/>
-          </ac:picMkLst>
-        </pc:picChg>
-      </pc:sldChg>
-      <pc:sldChg chg="modSp mod">
-        <pc:chgData name="Joel Shorey (Student)" userId="efeb13ac-a1a8-4105-bba8-6f92df6e6b9f" providerId="ADAL" clId="{631F1702-B937-4118-906D-5A11C7AE1DE5}" dt="2024-03-15T17:23:09.687" v="2607" actId="1076"/>
-        <pc:sldMkLst>
-          <pc:docMk/>
-          <pc:sldMk cId="3085835959" sldId="268"/>
-        </pc:sldMkLst>
-        <pc:spChg chg="mod">
-          <ac:chgData name="Joel Shorey (Student)" userId="efeb13ac-a1a8-4105-bba8-6f92df6e6b9f" providerId="ADAL" clId="{631F1702-B937-4118-906D-5A11C7AE1DE5}" dt="2024-03-15T17:14:55.175" v="2525" actId="255"/>
-          <ac:spMkLst>
-            <pc:docMk/>
-            <pc:sldMk cId="3085835959" sldId="268"/>
-            <ac:spMk id="2" creationId="{E0D42B90-D36E-F541-0DA9-D3AE86A9CC81}"/>
-          </ac:spMkLst>
-        </pc:spChg>
-        <pc:spChg chg="mod">
-          <ac:chgData name="Joel Shorey (Student)" userId="efeb13ac-a1a8-4105-bba8-6f92df6e6b9f" providerId="ADAL" clId="{631F1702-B937-4118-906D-5A11C7AE1DE5}" dt="2024-03-15T17:23:09.687" v="2607" actId="1076"/>
-          <ac:spMkLst>
-            <pc:docMk/>
-            <pc:sldMk cId="3085835959" sldId="268"/>
-            <ac:spMk id="3" creationId="{6B3CF716-4EFA-6566-2DC6-AC662E3D731E}"/>
-          </ac:spMkLst>
-        </pc:spChg>
-      </pc:sldChg>
-      <pc:sldChg chg="addSp modSp mod setBg modNotesTx">
-        <pc:chgData name="Joel Shorey (Student)" userId="efeb13ac-a1a8-4105-bba8-6f92df6e6b9f" providerId="ADAL" clId="{631F1702-B937-4118-906D-5A11C7AE1DE5}" dt="2024-03-15T18:16:56.358" v="2647" actId="1076"/>
-        <pc:sldMkLst>
-          <pc:docMk/>
-          <pc:sldMk cId="429712299" sldId="269"/>
-        </pc:sldMkLst>
-        <pc:spChg chg="mod">
-          <ac:chgData name="Joel Shorey (Student)" userId="efeb13ac-a1a8-4105-bba8-6f92df6e6b9f" providerId="ADAL" clId="{631F1702-B937-4118-906D-5A11C7AE1DE5}" dt="2024-03-15T17:12:15.480" v="2502" actId="255"/>
-          <ac:spMkLst>
-            <pc:docMk/>
-            <pc:sldMk cId="429712299" sldId="269"/>
-            <ac:spMk id="2" creationId="{A1BE16B5-0518-3336-16DF-25E2E5A448A0}"/>
-          </ac:spMkLst>
-        </pc:spChg>
-        <pc:spChg chg="mod">
-          <ac:chgData name="Joel Shorey (Student)" userId="efeb13ac-a1a8-4105-bba8-6f92df6e6b9f" providerId="ADAL" clId="{631F1702-B937-4118-906D-5A11C7AE1DE5}" dt="2024-03-15T18:16:56.358" v="2647" actId="1076"/>
-          <ac:spMkLst>
-            <pc:docMk/>
-            <pc:sldMk cId="429712299" sldId="269"/>
-            <ac:spMk id="3" creationId="{0DE0A9B2-02E3-EEC7-79A0-D9CAE464B68B}"/>
-          </ac:spMkLst>
-        </pc:spChg>
-        <pc:spChg chg="add">
-          <ac:chgData name="Joel Shorey (Student)" userId="efeb13ac-a1a8-4105-bba8-6f92df6e6b9f" providerId="ADAL" clId="{631F1702-B937-4118-906D-5A11C7AE1DE5}" dt="2024-03-15T17:05:04.025" v="2487" actId="26606"/>
-          <ac:spMkLst>
-            <pc:docMk/>
-            <pc:sldMk cId="429712299" sldId="269"/>
-            <ac:spMk id="8" creationId="{DBF61EA3-B236-439E-9C0B-340980D56BEE}"/>
-          </ac:spMkLst>
-        </pc:spChg>
-        <pc:spChg chg="add">
-          <ac:chgData name="Joel Shorey (Student)" userId="efeb13ac-a1a8-4105-bba8-6f92df6e6b9f" providerId="ADAL" clId="{631F1702-B937-4118-906D-5A11C7AE1DE5}" dt="2024-03-15T17:05:04.025" v="2487" actId="26606"/>
-          <ac:spMkLst>
-            <pc:docMk/>
-            <pc:sldMk cId="429712299" sldId="269"/>
-            <ac:spMk id="14" creationId="{E659831F-0D9A-4C63-9EBB-8435B85A440F}"/>
-          </ac:spMkLst>
-        </pc:spChg>
-        <pc:grpChg chg="add">
-          <ac:chgData name="Joel Shorey (Student)" userId="efeb13ac-a1a8-4105-bba8-6f92df6e6b9f" providerId="ADAL" clId="{631F1702-B937-4118-906D-5A11C7AE1DE5}" dt="2024-03-15T17:05:04.025" v="2487" actId="26606"/>
-          <ac:grpSpMkLst>
-            <pc:docMk/>
-            <pc:sldMk cId="429712299" sldId="269"/>
-            <ac:grpSpMk id="10" creationId="{28FAF094-D087-493F-8DF9-A486C2D6BBAA}"/>
-          </ac:grpSpMkLst>
-        </pc:grpChg>
-      </pc:sldChg>
-      <pc:sldChg chg="addSp modSp mod setBg modNotesTx">
-        <pc:chgData name="Joel Shorey (Student)" userId="efeb13ac-a1a8-4105-bba8-6f92df6e6b9f" providerId="ADAL" clId="{631F1702-B937-4118-906D-5A11C7AE1DE5}" dt="2024-03-15T17:22:15.436" v="2595" actId="1076"/>
-        <pc:sldMkLst>
-          <pc:docMk/>
-          <pc:sldMk cId="2766623718" sldId="270"/>
-        </pc:sldMkLst>
-        <pc:spChg chg="mod">
-          <ac:chgData name="Joel Shorey (Student)" userId="efeb13ac-a1a8-4105-bba8-6f92df6e6b9f" providerId="ADAL" clId="{631F1702-B937-4118-906D-5A11C7AE1DE5}" dt="2024-03-15T17:22:06.833" v="2593" actId="14100"/>
-          <ac:spMkLst>
-            <pc:docMk/>
-            <pc:sldMk cId="2766623718" sldId="270"/>
-            <ac:spMk id="2" creationId="{62253C70-6C03-D2B4-6ED8-5BEC296D605C}"/>
-          </ac:spMkLst>
-        </pc:spChg>
-        <pc:spChg chg="mod">
-          <ac:chgData name="Joel Shorey (Student)" userId="efeb13ac-a1a8-4105-bba8-6f92df6e6b9f" providerId="ADAL" clId="{631F1702-B937-4118-906D-5A11C7AE1DE5}" dt="2024-03-15T17:22:15.436" v="2595" actId="1076"/>
-          <ac:spMkLst>
-            <pc:docMk/>
-            <pc:sldMk cId="2766623718" sldId="270"/>
-            <ac:spMk id="3" creationId="{5150BF1F-3C30-460C-F88F-4312665694A6}"/>
-          </ac:spMkLst>
-        </pc:spChg>
-        <pc:spChg chg="add">
-          <ac:chgData name="Joel Shorey (Student)" userId="efeb13ac-a1a8-4105-bba8-6f92df6e6b9f" providerId="ADAL" clId="{631F1702-B937-4118-906D-5A11C7AE1DE5}" dt="2024-03-15T17:05:26.959" v="2489" actId="26606"/>
-          <ac:spMkLst>
-            <pc:docMk/>
-            <pc:sldMk cId="2766623718" sldId="270"/>
-            <ac:spMk id="8" creationId="{4DA718D0-4865-4629-8134-44F68D41D574}"/>
-          </ac:spMkLst>
-        </pc:spChg>
-        <pc:spChg chg="add">
-          <ac:chgData name="Joel Shorey (Student)" userId="efeb13ac-a1a8-4105-bba8-6f92df6e6b9f" providerId="ADAL" clId="{631F1702-B937-4118-906D-5A11C7AE1DE5}" dt="2024-03-15T17:05:26.959" v="2489" actId="26606"/>
-          <ac:spMkLst>
-            <pc:docMk/>
-            <pc:sldMk cId="2766623718" sldId="270"/>
-            <ac:spMk id="14" creationId="{CBC4F608-B4B8-48C3-9572-C0F061B1CD99}"/>
-          </ac:spMkLst>
-        </pc:spChg>
-        <pc:grpChg chg="add">
-          <ac:chgData name="Joel Shorey (Student)" userId="efeb13ac-a1a8-4105-bba8-6f92df6e6b9f" providerId="ADAL" clId="{631F1702-B937-4118-906D-5A11C7AE1DE5}" dt="2024-03-15T17:05:26.959" v="2489" actId="26606"/>
-          <ac:grpSpMkLst>
-            <pc:docMk/>
-            <pc:sldMk cId="2766623718" sldId="270"/>
-            <ac:grpSpMk id="10" creationId="{65167ED7-6315-43AB-B1B6-C326D5FD8F84}"/>
-          </ac:grpSpMkLst>
-        </pc:grpChg>
-      </pc:sldChg>
-      <pc:sldChg chg="addSp modSp mod setBg modNotesTx">
-        <pc:chgData name="Joel Shorey (Student)" userId="efeb13ac-a1a8-4105-bba8-6f92df6e6b9f" providerId="ADAL" clId="{631F1702-B937-4118-906D-5A11C7AE1DE5}" dt="2024-03-15T17:22:29.680" v="2597" actId="1076"/>
-        <pc:sldMkLst>
-          <pc:docMk/>
-          <pc:sldMk cId="1344676927" sldId="271"/>
-        </pc:sldMkLst>
-        <pc:spChg chg="mod">
-          <ac:chgData name="Joel Shorey (Student)" userId="efeb13ac-a1a8-4105-bba8-6f92df6e6b9f" providerId="ADAL" clId="{631F1702-B937-4118-906D-5A11C7AE1DE5}" dt="2024-03-15T17:13:30.345" v="2511" actId="255"/>
-          <ac:spMkLst>
-            <pc:docMk/>
-            <pc:sldMk cId="1344676927" sldId="271"/>
-            <ac:spMk id="2" creationId="{37969071-03F3-BF68-7DF7-9A6E553EF9F2}"/>
-          </ac:spMkLst>
-        </pc:spChg>
-        <pc:spChg chg="mod">
-          <ac:chgData name="Joel Shorey (Student)" userId="efeb13ac-a1a8-4105-bba8-6f92df6e6b9f" providerId="ADAL" clId="{631F1702-B937-4118-906D-5A11C7AE1DE5}" dt="2024-03-15T17:22:29.680" v="2597" actId="1076"/>
-          <ac:spMkLst>
-            <pc:docMk/>
-            <pc:sldMk cId="1344676927" sldId="271"/>
-            <ac:spMk id="3" creationId="{C15207E0-F9CD-47A3-D8CB-8486831FB6A4}"/>
-          </ac:spMkLst>
-        </pc:spChg>
-        <pc:spChg chg="add">
-          <ac:chgData name="Joel Shorey (Student)" userId="efeb13ac-a1a8-4105-bba8-6f92df6e6b9f" providerId="ADAL" clId="{631F1702-B937-4118-906D-5A11C7AE1DE5}" dt="2024-03-15T17:06:13.609" v="2492" actId="26606"/>
-          <ac:spMkLst>
-            <pc:docMk/>
-            <pc:sldMk cId="1344676927" sldId="271"/>
-            <ac:spMk id="8" creationId="{B6CDA21F-E7AF-4C75-8395-33F58D5B0E45}"/>
-          </ac:spMkLst>
-        </pc:spChg>
-        <pc:spChg chg="add">
-          <ac:chgData name="Joel Shorey (Student)" userId="efeb13ac-a1a8-4105-bba8-6f92df6e6b9f" providerId="ADAL" clId="{631F1702-B937-4118-906D-5A11C7AE1DE5}" dt="2024-03-15T17:06:13.609" v="2492" actId="26606"/>
-          <ac:spMkLst>
-            <pc:docMk/>
-            <pc:sldMk cId="1344676927" sldId="271"/>
-            <ac:spMk id="15" creationId="{D5B0017B-2ECA-49AF-B397-DC140825DF8D}"/>
-          </ac:spMkLst>
-        </pc:spChg>
-        <pc:grpChg chg="add">
-          <ac:chgData name="Joel Shorey (Student)" userId="efeb13ac-a1a8-4105-bba8-6f92df6e6b9f" providerId="ADAL" clId="{631F1702-B937-4118-906D-5A11C7AE1DE5}" dt="2024-03-15T17:06:13.609" v="2492" actId="26606"/>
-          <ac:grpSpMkLst>
-            <pc:docMk/>
-            <pc:sldMk cId="1344676927" sldId="271"/>
-            <ac:grpSpMk id="10" creationId="{AE1C45F0-260A-458C-96ED-C1F6D2151219}"/>
-          </ac:grpSpMkLst>
-        </pc:grpChg>
-        <pc:cxnChg chg="add">
-          <ac:chgData name="Joel Shorey (Student)" userId="efeb13ac-a1a8-4105-bba8-6f92df6e6b9f" providerId="ADAL" clId="{631F1702-B937-4118-906D-5A11C7AE1DE5}" dt="2024-03-15T17:06:13.609" v="2492" actId="26606"/>
-          <ac:cxnSpMkLst>
-            <pc:docMk/>
-            <pc:sldMk cId="1344676927" sldId="271"/>
-            <ac:cxnSpMk id="17" creationId="{6CF1BAF6-AD41-4082-B212-8A1F9A2E8779}"/>
-          </ac:cxnSpMkLst>
-        </pc:cxnChg>
-      </pc:sldChg>
-      <pc:sldChg chg="new">
-        <pc:chgData name="Joel Shorey (Student)" userId="efeb13ac-a1a8-4105-bba8-6f92df6e6b9f" providerId="ADAL" clId="{631F1702-B937-4118-906D-5A11C7AE1DE5}" dt="2024-03-13T20:12:46.573" v="0" actId="680"/>
-        <pc:sldMkLst>
-          <pc:docMk/>
-          <pc:sldMk cId="176244466" sldId="272"/>
-        </pc:sldMkLst>
-      </pc:sldChg>
-      <pc:sldChg chg="addSp modSp mod setBg modNotesTx">
-        <pc:chgData name="Joel Shorey (Student)" userId="efeb13ac-a1a8-4105-bba8-6f92df6e6b9f" providerId="ADAL" clId="{631F1702-B937-4118-906D-5A11C7AE1DE5}" dt="2024-03-15T17:26:51.151" v="2639" actId="14100"/>
-        <pc:sldMkLst>
-          <pc:docMk/>
-          <pc:sldMk cId="833408984" sldId="272"/>
-        </pc:sldMkLst>
-        <pc:spChg chg="mod">
-          <ac:chgData name="Joel Shorey (Student)" userId="efeb13ac-a1a8-4105-bba8-6f92df6e6b9f" providerId="ADAL" clId="{631F1702-B937-4118-906D-5A11C7AE1DE5}" dt="2024-03-15T17:26:51.151" v="2639" actId="14100"/>
-          <ac:spMkLst>
-            <pc:docMk/>
-            <pc:sldMk cId="833408984" sldId="272"/>
-            <ac:spMk id="2" creationId="{F4AF2B95-5C06-5380-8759-E58BF961D259}"/>
-          </ac:spMkLst>
-        </pc:spChg>
-        <pc:spChg chg="mod">
-          <ac:chgData name="Joel Shorey (Student)" userId="efeb13ac-a1a8-4105-bba8-6f92df6e6b9f" providerId="ADAL" clId="{631F1702-B937-4118-906D-5A11C7AE1DE5}" dt="2024-03-15T17:22:41.291" v="2600" actId="1076"/>
-          <ac:spMkLst>
-            <pc:docMk/>
-            <pc:sldMk cId="833408984" sldId="272"/>
-            <ac:spMk id="3" creationId="{CED9B64C-B477-2972-D888-A88C6427B333}"/>
-          </ac:spMkLst>
-        </pc:spChg>
-        <pc:spChg chg="add">
-          <ac:chgData name="Joel Shorey (Student)" userId="efeb13ac-a1a8-4105-bba8-6f92df6e6b9f" providerId="ADAL" clId="{631F1702-B937-4118-906D-5A11C7AE1DE5}" dt="2024-03-15T17:07:01.268" v="2498" actId="26606"/>
-          <ac:spMkLst>
-            <pc:docMk/>
-            <pc:sldMk cId="833408984" sldId="272"/>
-            <ac:spMk id="8" creationId="{DBF61EA3-B236-439E-9C0B-340980D56BEE}"/>
-          </ac:spMkLst>
-        </pc:spChg>
-        <pc:spChg chg="add">
-          <ac:chgData name="Joel Shorey (Student)" userId="efeb13ac-a1a8-4105-bba8-6f92df6e6b9f" providerId="ADAL" clId="{631F1702-B937-4118-906D-5A11C7AE1DE5}" dt="2024-03-15T17:07:01.268" v="2498" actId="26606"/>
-          <ac:spMkLst>
-            <pc:docMk/>
-            <pc:sldMk cId="833408984" sldId="272"/>
-            <ac:spMk id="14" creationId="{E659831F-0D9A-4C63-9EBB-8435B85A440F}"/>
-          </ac:spMkLst>
-        </pc:spChg>
-        <pc:grpChg chg="add">
-          <ac:chgData name="Joel Shorey (Student)" userId="efeb13ac-a1a8-4105-bba8-6f92df6e6b9f" providerId="ADAL" clId="{631F1702-B937-4118-906D-5A11C7AE1DE5}" dt="2024-03-15T17:07:01.268" v="2498" actId="26606"/>
-          <ac:grpSpMkLst>
-            <pc:docMk/>
-            <pc:sldMk cId="833408984" sldId="272"/>
-            <ac:grpSpMk id="10" creationId="{28FAF094-D087-493F-8DF9-A486C2D6BBAA}"/>
-          </ac:grpSpMkLst>
-        </pc:grpChg>
-      </pc:sldChg>
-      <pc:sldChg chg="addSp delSp modSp mod setBg">
-        <pc:chgData name="Joel Shorey (Student)" userId="efeb13ac-a1a8-4105-bba8-6f92df6e6b9f" providerId="ADAL" clId="{631F1702-B937-4118-906D-5A11C7AE1DE5}" dt="2024-03-15T17:14:22.296" v="2521" actId="1076"/>
-        <pc:sldMkLst>
-          <pc:docMk/>
-          <pc:sldMk cId="176244466" sldId="273"/>
-        </pc:sldMkLst>
-        <pc:spChg chg="mod">
-          <ac:chgData name="Joel Shorey (Student)" userId="efeb13ac-a1a8-4105-bba8-6f92df6e6b9f" providerId="ADAL" clId="{631F1702-B937-4118-906D-5A11C7AE1DE5}" dt="2024-03-15T17:14:22.296" v="2521" actId="1076"/>
-          <ac:spMkLst>
-            <pc:docMk/>
-            <pc:sldMk cId="176244466" sldId="273"/>
-            <ac:spMk id="2" creationId="{7417232C-720D-6752-429B-B5252B698094}"/>
-          </ac:spMkLst>
-        </pc:spChg>
-        <pc:spChg chg="del">
-          <ac:chgData name="Joel Shorey (Student)" userId="efeb13ac-a1a8-4105-bba8-6f92df6e6b9f" providerId="ADAL" clId="{631F1702-B937-4118-906D-5A11C7AE1DE5}" dt="2024-03-13T20:13:01.460" v="43" actId="478"/>
-          <ac:spMkLst>
-            <pc:docMk/>
-            <pc:sldMk cId="176244466" sldId="273"/>
-            <ac:spMk id="3" creationId="{B84FE517-D4F4-CA78-278D-FD94279633E4}"/>
-          </ac:spMkLst>
-        </pc:spChg>
-        <pc:spChg chg="add">
-          <ac:chgData name="Joel Shorey (Student)" userId="efeb13ac-a1a8-4105-bba8-6f92df6e6b9f" providerId="ADAL" clId="{631F1702-B937-4118-906D-5A11C7AE1DE5}" dt="2024-03-15T17:05:38.383" v="2490" actId="26606"/>
-          <ac:spMkLst>
-            <pc:docMk/>
-            <pc:sldMk cId="176244466" sldId="273"/>
-            <ac:spMk id="10" creationId="{9180DE06-7362-4888-AADA-7AADD57AC49D}"/>
-          </ac:spMkLst>
-        </pc:spChg>
-        <pc:spChg chg="add">
-          <ac:chgData name="Joel Shorey (Student)" userId="efeb13ac-a1a8-4105-bba8-6f92df6e6b9f" providerId="ADAL" clId="{631F1702-B937-4118-906D-5A11C7AE1DE5}" dt="2024-03-15T17:05:38.383" v="2490" actId="26606"/>
-          <ac:spMkLst>
-            <pc:docMk/>
-            <pc:sldMk cId="176244466" sldId="273"/>
-            <ac:spMk id="16" creationId="{04357C93-F0CB-4A1C-8F77-4E9063789819}"/>
-          </ac:spMkLst>
-        </pc:spChg>
-        <pc:grpChg chg="add">
-          <ac:chgData name="Joel Shorey (Student)" userId="efeb13ac-a1a8-4105-bba8-6f92df6e6b9f" providerId="ADAL" clId="{631F1702-B937-4118-906D-5A11C7AE1DE5}" dt="2024-03-15T17:05:38.383" v="2490" actId="26606"/>
-          <ac:grpSpMkLst>
-            <pc:docMk/>
-            <pc:sldMk cId="176244466" sldId="273"/>
-            <ac:grpSpMk id="12" creationId="{3AF6A671-C637-4547-85F4-51B6D1881399}"/>
-          </ac:grpSpMkLst>
-        </pc:grpChg>
-        <pc:picChg chg="add mod">
-          <ac:chgData name="Joel Shorey (Student)" userId="efeb13ac-a1a8-4105-bba8-6f92df6e6b9f" providerId="ADAL" clId="{631F1702-B937-4118-906D-5A11C7AE1DE5}" dt="2024-03-15T17:05:38.383" v="2490" actId="26606"/>
-          <ac:picMkLst>
-            <pc:docMk/>
-            <pc:sldMk cId="176244466" sldId="273"/>
-            <ac:picMk id="5" creationId="{A6794B46-FF66-85AE-5630-997F6718DE13}"/>
-          </ac:picMkLst>
-        </pc:picChg>
-      </pc:sldChg>
-      <pc:sldChg chg="addSp modSp mod setBg modNotesTx">
-        <pc:chgData name="Joel Shorey (Student)" userId="efeb13ac-a1a8-4105-bba8-6f92df6e6b9f" providerId="ADAL" clId="{631F1702-B937-4118-906D-5A11C7AE1DE5}" dt="2024-03-15T17:21:48.353" v="2589" actId="1076"/>
-        <pc:sldMkLst>
-          <pc:docMk/>
-          <pc:sldMk cId="898442046" sldId="274"/>
-        </pc:sldMkLst>
-        <pc:spChg chg="mod">
-          <ac:chgData name="Joel Shorey (Student)" userId="efeb13ac-a1a8-4105-bba8-6f92df6e6b9f" providerId="ADAL" clId="{631F1702-B937-4118-906D-5A11C7AE1DE5}" dt="2024-03-15T17:12:52.035" v="2505" actId="255"/>
-          <ac:spMkLst>
-            <pc:docMk/>
-            <pc:sldMk cId="898442046" sldId="274"/>
-            <ac:spMk id="2" creationId="{CE5C8BC2-B6F2-8846-40B0-D7E2B2FF9C3F}"/>
-          </ac:spMkLst>
-        </pc:spChg>
-        <pc:spChg chg="mod">
-          <ac:chgData name="Joel Shorey (Student)" userId="efeb13ac-a1a8-4105-bba8-6f92df6e6b9f" providerId="ADAL" clId="{631F1702-B937-4118-906D-5A11C7AE1DE5}" dt="2024-03-15T17:21:48.353" v="2589" actId="1076"/>
-          <ac:spMkLst>
-            <pc:docMk/>
-            <pc:sldMk cId="898442046" sldId="274"/>
-            <ac:spMk id="3" creationId="{4119DD99-55A5-19B7-62DB-07F85371ACFC}"/>
-          </ac:spMkLst>
-        </pc:spChg>
-        <pc:spChg chg="add">
-          <ac:chgData name="Joel Shorey (Student)" userId="efeb13ac-a1a8-4105-bba8-6f92df6e6b9f" providerId="ADAL" clId="{631F1702-B937-4118-906D-5A11C7AE1DE5}" dt="2024-03-15T17:05:17.847" v="2488" actId="26606"/>
-          <ac:spMkLst>
-            <pc:docMk/>
-            <pc:sldMk cId="898442046" sldId="274"/>
-            <ac:spMk id="8" creationId="{B6CDA21F-E7AF-4C75-8395-33F58D5B0E45}"/>
-          </ac:spMkLst>
-        </pc:spChg>
-        <pc:spChg chg="add">
-          <ac:chgData name="Joel Shorey (Student)" userId="efeb13ac-a1a8-4105-bba8-6f92df6e6b9f" providerId="ADAL" clId="{631F1702-B937-4118-906D-5A11C7AE1DE5}" dt="2024-03-15T17:05:17.847" v="2488" actId="26606"/>
-          <ac:spMkLst>
-            <pc:docMk/>
-            <pc:sldMk cId="898442046" sldId="274"/>
-            <ac:spMk id="15" creationId="{D5B0017B-2ECA-49AF-B397-DC140825DF8D}"/>
-          </ac:spMkLst>
-        </pc:spChg>
-        <pc:grpChg chg="add">
-          <ac:chgData name="Joel Shorey (Student)" userId="efeb13ac-a1a8-4105-bba8-6f92df6e6b9f" providerId="ADAL" clId="{631F1702-B937-4118-906D-5A11C7AE1DE5}" dt="2024-03-15T17:05:17.847" v="2488" actId="26606"/>
-          <ac:grpSpMkLst>
-            <pc:docMk/>
-            <pc:sldMk cId="898442046" sldId="274"/>
-            <ac:grpSpMk id="10" creationId="{AE1C45F0-260A-458C-96ED-C1F6D2151219}"/>
-          </ac:grpSpMkLst>
-        </pc:grpChg>
-        <pc:cxnChg chg="add">
-          <ac:chgData name="Joel Shorey (Student)" userId="efeb13ac-a1a8-4105-bba8-6f92df6e6b9f" providerId="ADAL" clId="{631F1702-B937-4118-906D-5A11C7AE1DE5}" dt="2024-03-15T17:05:17.847" v="2488" actId="26606"/>
-          <ac:cxnSpMkLst>
-            <pc:docMk/>
-            <pc:sldMk cId="898442046" sldId="274"/>
-            <ac:cxnSpMk id="17" creationId="{6CF1BAF6-AD41-4082-B212-8A1F9A2E8779}"/>
-          </ac:cxnSpMkLst>
-        </pc:cxnChg>
-      </pc:sldChg>
-      <pc:sldChg chg="del">
-        <pc:chgData name="Joel Shorey (Student)" userId="efeb13ac-a1a8-4105-bba8-6f92df6e6b9f" providerId="ADAL" clId="{631F1702-B937-4118-906D-5A11C7AE1DE5}" dt="2024-03-13T20:53:01.307" v="774" actId="47"/>
-        <pc:sldMkLst>
-          <pc:docMk/>
-          <pc:sldMk cId="1409966744" sldId="276"/>
-        </pc:sldMkLst>
-      </pc:sldChg>
-      <pc:sldChg chg="addSp delSp modSp mod">
-        <pc:chgData name="Joel Shorey (Student)" userId="efeb13ac-a1a8-4105-bba8-6f92df6e6b9f" providerId="ADAL" clId="{631F1702-B937-4118-906D-5A11C7AE1DE5}" dt="2024-03-15T17:23:29.570" v="2611" actId="1076"/>
-        <pc:sldMkLst>
-          <pc:docMk/>
-          <pc:sldMk cId="2002257491" sldId="277"/>
-        </pc:sldMkLst>
-        <pc:spChg chg="mod">
-          <ac:chgData name="Joel Shorey (Student)" userId="efeb13ac-a1a8-4105-bba8-6f92df6e6b9f" providerId="ADAL" clId="{631F1702-B937-4118-906D-5A11C7AE1DE5}" dt="2024-03-15T17:15:17.262" v="2530" actId="1076"/>
-          <ac:spMkLst>
-            <pc:docMk/>
-            <pc:sldMk cId="2002257491" sldId="277"/>
-            <ac:spMk id="2" creationId="{67AE8871-96B2-0FB7-216F-2AE202108C5C}"/>
-          </ac:spMkLst>
-        </pc:spChg>
-        <pc:spChg chg="mod">
-          <ac:chgData name="Joel Shorey (Student)" userId="efeb13ac-a1a8-4105-bba8-6f92df6e6b9f" providerId="ADAL" clId="{631F1702-B937-4118-906D-5A11C7AE1DE5}" dt="2024-03-15T17:23:29.570" v="2611" actId="1076"/>
-          <ac:spMkLst>
-            <pc:docMk/>
-            <pc:sldMk cId="2002257491" sldId="277"/>
-            <ac:spMk id="3" creationId="{6ADD6E1A-EFCF-E7F9-5CDE-7EB9AB725A6D}"/>
-          </ac:spMkLst>
-        </pc:spChg>
-        <pc:spChg chg="add del">
-          <ac:chgData name="Joel Shorey (Student)" userId="efeb13ac-a1a8-4105-bba8-6f92df6e6b9f" providerId="ADAL" clId="{631F1702-B937-4118-906D-5A11C7AE1DE5}" dt="2024-03-15T17:04:21.214" v="2485" actId="26606"/>
-          <ac:spMkLst>
-            <pc:docMk/>
-            <pc:sldMk cId="2002257491" sldId="277"/>
-            <ac:spMk id="51" creationId="{91DC6ABD-215C-4EA8-A483-CEF5B99AB385}"/>
-          </ac:spMkLst>
-        </pc:spChg>
-        <pc:spChg chg="add del">
-          <ac:chgData name="Joel Shorey (Student)" userId="efeb13ac-a1a8-4105-bba8-6f92df6e6b9f" providerId="ADAL" clId="{631F1702-B937-4118-906D-5A11C7AE1DE5}" dt="2024-03-15T17:04:21.214" v="2485" actId="26606"/>
-          <ac:spMkLst>
-            <pc:docMk/>
-            <pc:sldMk cId="2002257491" sldId="277"/>
-            <ac:spMk id="54" creationId="{04357C93-F0CB-4A1C-8F77-4E9063789819}"/>
-          </ac:spMkLst>
-        </pc:spChg>
-        <pc:spChg chg="add del">
-          <ac:chgData name="Joel Shorey (Student)" userId="efeb13ac-a1a8-4105-bba8-6f92df6e6b9f" providerId="ADAL" clId="{631F1702-B937-4118-906D-5A11C7AE1DE5}" dt="2024-03-15T17:04:21.214" v="2485" actId="26606"/>
-          <ac:spMkLst>
-            <pc:docMk/>
-            <pc:sldMk cId="2002257491" sldId="277"/>
-            <ac:spMk id="59" creationId="{22A397E7-BF60-45B2-84C7-B074B76C37A7}"/>
-          </ac:spMkLst>
-        </pc:spChg>
-        <pc:spChg chg="add del">
-          <ac:chgData name="Joel Shorey (Student)" userId="efeb13ac-a1a8-4105-bba8-6f92df6e6b9f" providerId="ADAL" clId="{631F1702-B937-4118-906D-5A11C7AE1DE5}" dt="2024-03-15T17:04:21.214" v="2485" actId="26606"/>
-          <ac:spMkLst>
-            <pc:docMk/>
-            <pc:sldMk cId="2002257491" sldId="277"/>
-            <ac:spMk id="61" creationId="{890DEF05-784E-4B61-89E4-04C4ECF4E5A0}"/>
-          </ac:spMkLst>
-        </pc:spChg>
-        <pc:grpChg chg="add del">
-          <ac:chgData name="Joel Shorey (Student)" userId="efeb13ac-a1a8-4105-bba8-6f92df6e6b9f" providerId="ADAL" clId="{631F1702-B937-4118-906D-5A11C7AE1DE5}" dt="2024-03-15T17:04:21.214" v="2485" actId="26606"/>
-          <ac:grpSpMkLst>
-            <pc:docMk/>
-            <pc:sldMk cId="2002257491" sldId="277"/>
-            <ac:grpSpMk id="52" creationId="{3AF6A671-C637-4547-85F4-51B6D1881399}"/>
-          </ac:grpSpMkLst>
-        </pc:grpChg>
-        <pc:picChg chg="mod ord">
-          <ac:chgData name="Joel Shorey (Student)" userId="efeb13ac-a1a8-4105-bba8-6f92df6e6b9f" providerId="ADAL" clId="{631F1702-B937-4118-906D-5A11C7AE1DE5}" dt="2024-03-15T17:04:21.214" v="2485" actId="26606"/>
-          <ac:picMkLst>
-            <pc:docMk/>
-            <pc:sldMk cId="2002257491" sldId="277"/>
-            <ac:picMk id="4" creationId="{AA0BECA3-9414-E9A7-7722-442863B7798C}"/>
-          </ac:picMkLst>
-        </pc:picChg>
-        <pc:cxnChg chg="add del">
-          <ac:chgData name="Joel Shorey (Student)" userId="efeb13ac-a1a8-4105-bba8-6f92df6e6b9f" providerId="ADAL" clId="{631F1702-B937-4118-906D-5A11C7AE1DE5}" dt="2024-03-15T17:04:21.214" v="2485" actId="26606"/>
-          <ac:cxnSpMkLst>
-            <pc:docMk/>
-            <pc:sldMk cId="2002257491" sldId="277"/>
-            <ac:cxnSpMk id="63" creationId="{C41BAEC7-F7B0-4224-8B18-8F74B7D87F0B}"/>
-          </ac:cxnSpMkLst>
-        </pc:cxnChg>
-      </pc:sldChg>
-      <pc:sldChg chg="addSp delSp modSp mod setBg modNotesTx">
-        <pc:chgData name="Joel Shorey (Student)" userId="efeb13ac-a1a8-4105-bba8-6f92df6e6b9f" providerId="ADAL" clId="{631F1702-B937-4118-906D-5A11C7AE1DE5}" dt="2024-03-15T17:27:02.696" v="2646" actId="20577"/>
-        <pc:sldMkLst>
-          <pc:docMk/>
-          <pc:sldMk cId="4106172094" sldId="278"/>
-        </pc:sldMkLst>
-        <pc:spChg chg="mod">
-          <ac:chgData name="Joel Shorey (Student)" userId="efeb13ac-a1a8-4105-bba8-6f92df6e6b9f" providerId="ADAL" clId="{631F1702-B937-4118-906D-5A11C7AE1DE5}" dt="2024-03-15T17:27:02.696" v="2646" actId="20577"/>
-          <ac:spMkLst>
-            <pc:docMk/>
-            <pc:sldMk cId="4106172094" sldId="278"/>
-            <ac:spMk id="2" creationId="{6F710674-8F47-E652-60B0-D9489E02E111}"/>
-          </ac:spMkLst>
-        </pc:spChg>
-        <pc:spChg chg="add del mod">
-          <ac:chgData name="Joel Shorey (Student)" userId="efeb13ac-a1a8-4105-bba8-6f92df6e6b9f" providerId="ADAL" clId="{631F1702-B937-4118-906D-5A11C7AE1DE5}" dt="2024-03-15T17:22:54.059" v="2603" actId="1076"/>
-          <ac:spMkLst>
-            <pc:docMk/>
-            <pc:sldMk cId="4106172094" sldId="278"/>
-            <ac:spMk id="3" creationId="{B524E7C7-9AE5-4E83-66DF-0AA1322B12ED}"/>
-          </ac:spMkLst>
-        </pc:spChg>
-        <pc:spChg chg="add">
-          <ac:chgData name="Joel Shorey (Student)" userId="efeb13ac-a1a8-4105-bba8-6f92df6e6b9f" providerId="ADAL" clId="{631F1702-B937-4118-906D-5A11C7AE1DE5}" dt="2024-03-15T17:07:07.490" v="2499" actId="26606"/>
-          <ac:spMkLst>
-            <pc:docMk/>
-            <pc:sldMk cId="4106172094" sldId="278"/>
-            <ac:spMk id="7" creationId="{D5B0017B-2ECA-49AF-B397-DC140825DF8D}"/>
-          </ac:spMkLst>
-        </pc:spChg>
-        <pc:spChg chg="add">
-          <ac:chgData name="Joel Shorey (Student)" userId="efeb13ac-a1a8-4105-bba8-6f92df6e6b9f" providerId="ADAL" clId="{631F1702-B937-4118-906D-5A11C7AE1DE5}" dt="2024-03-15T17:07:07.490" v="2499" actId="26606"/>
-          <ac:spMkLst>
-            <pc:docMk/>
-            <pc:sldMk cId="4106172094" sldId="278"/>
-            <ac:spMk id="8" creationId="{B6CDA21F-E7AF-4C75-8395-33F58D5B0E45}"/>
-          </ac:spMkLst>
-        </pc:spChg>
-        <pc:spChg chg="add del">
-          <ac:chgData name="Joel Shorey (Student)" userId="efeb13ac-a1a8-4105-bba8-6f92df6e6b9f" providerId="ADAL" clId="{631F1702-B937-4118-906D-5A11C7AE1DE5}" dt="2024-03-15T17:01:49.554" v="2483" actId="26606"/>
-          <ac:spMkLst>
-            <pc:docMk/>
-            <pc:sldMk cId="4106172094" sldId="278"/>
-            <ac:spMk id="9" creationId="{A1F6BF70-C7D1-4AF9-8DB4-BEEB8A9C3529}"/>
-          </ac:spMkLst>
-        </pc:spChg>
-        <pc:spChg chg="add del">
-          <ac:chgData name="Joel Shorey (Student)" userId="efeb13ac-a1a8-4105-bba8-6f92df6e6b9f" providerId="ADAL" clId="{631F1702-B937-4118-906D-5A11C7AE1DE5}" dt="2024-03-15T17:01:49.554" v="2483" actId="26606"/>
-          <ac:spMkLst>
-            <pc:docMk/>
-            <pc:sldMk cId="4106172094" sldId="278"/>
-            <ac:spMk id="15" creationId="{2C1BBA94-3F40-40AA-8BB9-E69E25E537C1}"/>
-          </ac:spMkLst>
-        </pc:spChg>
-        <pc:grpChg chg="add">
-          <ac:chgData name="Joel Shorey (Student)" userId="efeb13ac-a1a8-4105-bba8-6f92df6e6b9f" providerId="ADAL" clId="{631F1702-B937-4118-906D-5A11C7AE1DE5}" dt="2024-03-15T17:07:07.490" v="2499" actId="26606"/>
-          <ac:grpSpMkLst>
-            <pc:docMk/>
-            <pc:sldMk cId="4106172094" sldId="278"/>
-            <ac:grpSpMk id="10" creationId="{AE1C45F0-260A-458C-96ED-C1F6D2151219}"/>
-          </ac:grpSpMkLst>
-        </pc:grpChg>
-        <pc:grpChg chg="add del">
-          <ac:chgData name="Joel Shorey (Student)" userId="efeb13ac-a1a8-4105-bba8-6f92df6e6b9f" providerId="ADAL" clId="{631F1702-B937-4118-906D-5A11C7AE1DE5}" dt="2024-03-15T17:01:49.554" v="2483" actId="26606"/>
-          <ac:grpSpMkLst>
-            <pc:docMk/>
-            <pc:sldMk cId="4106172094" sldId="278"/>
-            <ac:grpSpMk id="11" creationId="{0C66A8B6-1F6E-4FCC-93B9-B9986B6FD111}"/>
-          </ac:grpSpMkLst>
-        </pc:grpChg>
-        <pc:graphicFrameChg chg="add del">
-          <ac:chgData name="Joel Shorey (Student)" userId="efeb13ac-a1a8-4105-bba8-6f92df6e6b9f" providerId="ADAL" clId="{631F1702-B937-4118-906D-5A11C7AE1DE5}" dt="2024-03-15T17:01:49.554" v="2483" actId="26606"/>
-          <ac:graphicFrameMkLst>
-            <pc:docMk/>
-            <pc:sldMk cId="4106172094" sldId="278"/>
-            <ac:graphicFrameMk id="5" creationId="{FCC22DD5-4CA4-5B5A-001E-B9CF698A187B}"/>
-          </ac:graphicFrameMkLst>
-        </pc:graphicFrameChg>
-        <pc:cxnChg chg="add">
-          <ac:chgData name="Joel Shorey (Student)" userId="efeb13ac-a1a8-4105-bba8-6f92df6e6b9f" providerId="ADAL" clId="{631F1702-B937-4118-906D-5A11C7AE1DE5}" dt="2024-03-15T17:07:07.490" v="2499" actId="26606"/>
-          <ac:cxnSpMkLst>
-            <pc:docMk/>
-            <pc:sldMk cId="4106172094" sldId="278"/>
-            <ac:cxnSpMk id="17" creationId="{6CF1BAF6-AD41-4082-B212-8A1F9A2E8779}"/>
-          </ac:cxnSpMkLst>
-        </pc:cxnChg>
-      </pc:sldChg>
-      <pc:sldChg chg="addSp delSp modSp new mod setBg">
-        <pc:chgData name="Joel Shorey (Student)" userId="efeb13ac-a1a8-4105-bba8-6f92df6e6b9f" providerId="ADAL" clId="{631F1702-B937-4118-906D-5A11C7AE1DE5}" dt="2024-03-15T17:26:02.697" v="2623" actId="14100"/>
-        <pc:sldMkLst>
-          <pc:docMk/>
-          <pc:sldMk cId="959600081" sldId="280"/>
-        </pc:sldMkLst>
-        <pc:spChg chg="mod">
-          <ac:chgData name="Joel Shorey (Student)" userId="efeb13ac-a1a8-4105-bba8-6f92df6e6b9f" providerId="ADAL" clId="{631F1702-B937-4118-906D-5A11C7AE1DE5}" dt="2024-03-15T17:14:02.027" v="2517" actId="255"/>
-          <ac:spMkLst>
-            <pc:docMk/>
-            <pc:sldMk cId="959600081" sldId="280"/>
-            <ac:spMk id="2" creationId="{55CEA096-E629-EEB3-F135-725A15F1EC1C}"/>
-          </ac:spMkLst>
-        </pc:spChg>
-        <pc:spChg chg="del">
-          <ac:chgData name="Joel Shorey (Student)" userId="efeb13ac-a1a8-4105-bba8-6f92df6e6b9f" providerId="ADAL" clId="{631F1702-B937-4118-906D-5A11C7AE1DE5}" dt="2024-03-13T20:36:13.194" v="126" actId="478"/>
-          <ac:spMkLst>
-            <pc:docMk/>
-            <pc:sldMk cId="959600081" sldId="280"/>
-            <ac:spMk id="3" creationId="{244D0872-B977-EA8E-4D72-0AA8DB874BDA}"/>
-          </ac:spMkLst>
-        </pc:spChg>
-        <pc:spChg chg="add">
-          <ac:chgData name="Joel Shorey (Student)" userId="efeb13ac-a1a8-4105-bba8-6f92df6e6b9f" providerId="ADAL" clId="{631F1702-B937-4118-906D-5A11C7AE1DE5}" dt="2024-03-15T17:06:27.625" v="2493" actId="26606"/>
-          <ac:spMkLst>
-            <pc:docMk/>
-            <pc:sldMk cId="959600081" sldId="280"/>
-            <ac:spMk id="10" creationId="{BA79A7CF-01AF-4178-9369-94E0C90EB046}"/>
-          </ac:spMkLst>
-        </pc:spChg>
-        <pc:spChg chg="add">
-          <ac:chgData name="Joel Shorey (Student)" userId="efeb13ac-a1a8-4105-bba8-6f92df6e6b9f" providerId="ADAL" clId="{631F1702-B937-4118-906D-5A11C7AE1DE5}" dt="2024-03-15T17:06:27.625" v="2493" actId="26606"/>
-          <ac:spMkLst>
-            <pc:docMk/>
-            <pc:sldMk cId="959600081" sldId="280"/>
-            <ac:spMk id="12" creationId="{99413ED5-9ED4-4772-BCE4-2BCAE6B12E35}"/>
-          </ac:spMkLst>
-        </pc:spChg>
-        <pc:spChg chg="add">
-          <ac:chgData name="Joel Shorey (Student)" userId="efeb13ac-a1a8-4105-bba8-6f92df6e6b9f" providerId="ADAL" clId="{631F1702-B937-4118-906D-5A11C7AE1DE5}" dt="2024-03-15T17:06:27.625" v="2493" actId="26606"/>
-          <ac:spMkLst>
-            <pc:docMk/>
-            <pc:sldMk cId="959600081" sldId="280"/>
-            <ac:spMk id="14" creationId="{04357C93-F0CB-4A1C-8F77-4E9063789819}"/>
-          </ac:spMkLst>
-        </pc:spChg>
-        <pc:spChg chg="add">
-          <ac:chgData name="Joel Shorey (Student)" userId="efeb13ac-a1a8-4105-bba8-6f92df6e6b9f" providerId="ADAL" clId="{631F1702-B937-4118-906D-5A11C7AE1DE5}" dt="2024-03-15T17:06:27.625" v="2493" actId="26606"/>
-          <ac:spMkLst>
-            <pc:docMk/>
-            <pc:sldMk cId="959600081" sldId="280"/>
-            <ac:spMk id="16" creationId="{90F533E9-6690-41A8-A372-4C6C622D028D}"/>
-          </ac:spMkLst>
-        </pc:spChg>
-        <pc:picChg chg="add mod">
-          <ac:chgData name="Joel Shorey (Student)" userId="efeb13ac-a1a8-4105-bba8-6f92df6e6b9f" providerId="ADAL" clId="{631F1702-B937-4118-906D-5A11C7AE1DE5}" dt="2024-03-15T17:26:02.697" v="2623" actId="14100"/>
-          <ac:picMkLst>
-            <pc:docMk/>
-            <pc:sldMk cId="959600081" sldId="280"/>
-            <ac:picMk id="5" creationId="{7AEBBE45-B1A8-1C03-E51D-6FE4699332E0}"/>
-          </ac:picMkLst>
-        </pc:picChg>
-      </pc:sldChg>
-      <pc:sldChg chg="modSp mod">
-        <pc:chgData name="Joel Shorey (Student)" userId="efeb13ac-a1a8-4105-bba8-6f92df6e6b9f" providerId="ADAL" clId="{631F1702-B937-4118-906D-5A11C7AE1DE5}" dt="2024-03-15T17:24:12.730" v="2618" actId="1076"/>
-        <pc:sldMkLst>
-          <pc:docMk/>
-          <pc:sldMk cId="3717565896" sldId="281"/>
-        </pc:sldMkLst>
-        <pc:spChg chg="mod">
-          <ac:chgData name="Joel Shorey (Student)" userId="efeb13ac-a1a8-4105-bba8-6f92df6e6b9f" providerId="ADAL" clId="{631F1702-B937-4118-906D-5A11C7AE1DE5}" dt="2024-03-15T17:15:37.597" v="2533" actId="255"/>
-          <ac:spMkLst>
-            <pc:docMk/>
-            <pc:sldMk cId="3717565896" sldId="281"/>
-            <ac:spMk id="2" creationId="{50E7C36E-FBD4-D03C-FD47-AB83F936D25A}"/>
-          </ac:spMkLst>
-        </pc:spChg>
-        <pc:spChg chg="mod">
-          <ac:chgData name="Joel Shorey (Student)" userId="efeb13ac-a1a8-4105-bba8-6f92df6e6b9f" providerId="ADAL" clId="{631F1702-B937-4118-906D-5A11C7AE1DE5}" dt="2024-03-15T17:20:53.887" v="2582" actId="14100"/>
-          <ac:spMkLst>
-            <pc:docMk/>
-            <pc:sldMk cId="3717565896" sldId="281"/>
-            <ac:spMk id="5" creationId="{2EE385B2-D0B9-D866-19CD-4BD275D44F33}"/>
-          </ac:spMkLst>
-        </pc:spChg>
-        <pc:spChg chg="mod">
-          <ac:chgData name="Joel Shorey (Student)" userId="efeb13ac-a1a8-4105-bba8-6f92df6e6b9f" providerId="ADAL" clId="{631F1702-B937-4118-906D-5A11C7AE1DE5}" dt="2024-03-15T17:20:12.598" v="2573" actId="14100"/>
-          <ac:spMkLst>
-            <pc:docMk/>
-            <pc:sldMk cId="3717565896" sldId="281"/>
-            <ac:spMk id="6" creationId="{EE6A5CFC-0052-953B-3D22-B122B447516B}"/>
-          </ac:spMkLst>
-        </pc:spChg>
-        <pc:graphicFrameChg chg="mod">
-          <ac:chgData name="Joel Shorey (Student)" userId="efeb13ac-a1a8-4105-bba8-6f92df6e6b9f" providerId="ADAL" clId="{631F1702-B937-4118-906D-5A11C7AE1DE5}" dt="2024-03-15T17:24:12.730" v="2618" actId="1076"/>
-          <ac:graphicFrameMkLst>
-            <pc:docMk/>
-            <pc:sldMk cId="3717565896" sldId="281"/>
-            <ac:graphicFrameMk id="4" creationId="{9B4F24D1-4EAD-A87E-8B5A-A84FD5B22C59}"/>
-          </ac:graphicFrameMkLst>
-        </pc:graphicFrameChg>
-      </pc:sldChg>
-    </pc:docChg>
-  </pc:docChgLst>
-  <pc:docChgLst>
-    <pc:chgData name="Jonah Bertolino (Student)" userId="S::jonahbertolino@mines.edu::9e5659ea-b595-4c3b-9a51-e4ce62b2395f" providerId="AD" clId="Web-{04C64894-5397-A2BA-EE8E-98946C4C4F1F}"/>
-    <pc:docChg chg="addSld delSld modSld">
-      <pc:chgData name="Jonah Bertolino (Student)" userId="S::jonahbertolino@mines.edu::9e5659ea-b595-4c3b-9a51-e4ce62b2395f" providerId="AD" clId="Web-{04C64894-5397-A2BA-EE8E-98946C4C4F1F}" dt="2024-03-13T21:16:19.482" v="127" actId="1076"/>
-      <pc:docMkLst>
-        <pc:docMk/>
-      </pc:docMkLst>
-      <pc:sldChg chg="addSp delSp modSp mod setBg">
-        <pc:chgData name="Jonah Bertolino (Student)" userId="S::jonahbertolino@mines.edu::9e5659ea-b595-4c3b-9a51-e4ce62b2395f" providerId="AD" clId="Web-{04C64894-5397-A2BA-EE8E-98946C4C4F1F}" dt="2024-03-13T21:03:57.077" v="89"/>
-        <pc:sldMkLst>
-          <pc:docMk/>
-          <pc:sldMk cId="2396793982" sldId="263"/>
-        </pc:sldMkLst>
-        <pc:spChg chg="mod">
-          <ac:chgData name="Jonah Bertolino (Student)" userId="S::jonahbertolino@mines.edu::9e5659ea-b595-4c3b-9a51-e4ce62b2395f" providerId="AD" clId="Web-{04C64894-5397-A2BA-EE8E-98946C4C4F1F}" dt="2024-03-13T21:03:57.077" v="89"/>
-          <ac:spMkLst>
-            <pc:docMk/>
-            <pc:sldMk cId="2396793982" sldId="263"/>
-            <ac:spMk id="2" creationId="{6809C795-4042-CC5A-647E-5016B8E19E84}"/>
-          </ac:spMkLst>
-        </pc:spChg>
-        <pc:spChg chg="mod">
-          <ac:chgData name="Jonah Bertolino (Student)" userId="S::jonahbertolino@mines.edu::9e5659ea-b595-4c3b-9a51-e4ce62b2395f" providerId="AD" clId="Web-{04C64894-5397-A2BA-EE8E-98946C4C4F1F}" dt="2024-03-13T21:03:57.077" v="89"/>
-          <ac:spMkLst>
-            <pc:docMk/>
-            <pc:sldMk cId="2396793982" sldId="263"/>
-            <ac:spMk id="3" creationId="{A9AC157F-B5D5-20E2-9DA4-EA29118F63FC}"/>
-          </ac:spMkLst>
-        </pc:spChg>
-        <pc:spChg chg="add del">
-          <ac:chgData name="Jonah Bertolino (Student)" userId="S::jonahbertolino@mines.edu::9e5659ea-b595-4c3b-9a51-e4ce62b2395f" providerId="AD" clId="Web-{04C64894-5397-A2BA-EE8E-98946C4C4F1F}" dt="2024-03-13T21:03:57.077" v="89"/>
-          <ac:spMkLst>
-            <pc:docMk/>
-            <pc:sldMk cId="2396793982" sldId="263"/>
-            <ac:spMk id="9" creationId="{D776D29F-0A2C-4F75-8582-7C7DFCBD11D5}"/>
-          </ac:spMkLst>
-        </pc:spChg>
-        <pc:spChg chg="add del">
-          <ac:chgData name="Jonah Bertolino (Student)" userId="S::jonahbertolino@mines.edu::9e5659ea-b595-4c3b-9a51-e4ce62b2395f" providerId="AD" clId="Web-{04C64894-5397-A2BA-EE8E-98946C4C4F1F}" dt="2024-03-13T21:03:57.077" v="89"/>
-          <ac:spMkLst>
-            <pc:docMk/>
-            <pc:sldMk cId="2396793982" sldId="263"/>
-            <ac:spMk id="11" creationId="{C4D41903-2C9D-4F9E-AA1F-6161F8A6FC01}"/>
-          </ac:spMkLst>
-        </pc:spChg>
-        <pc:spChg chg="add del">
-          <ac:chgData name="Jonah Bertolino (Student)" userId="S::jonahbertolino@mines.edu::9e5659ea-b595-4c3b-9a51-e4ce62b2395f" providerId="AD" clId="Web-{04C64894-5397-A2BA-EE8E-98946C4C4F1F}" dt="2024-03-13T21:03:57.077" v="89"/>
-          <ac:spMkLst>
-            <pc:docMk/>
-            <pc:sldMk cId="2396793982" sldId="263"/>
-            <ac:spMk id="13" creationId="{9E4574B5-C90E-412D-BAB0-B9F483290C67}"/>
-          </ac:spMkLst>
-        </pc:spChg>
-        <pc:spChg chg="add">
-          <ac:chgData name="Jonah Bertolino (Student)" userId="S::jonahbertolino@mines.edu::9e5659ea-b595-4c3b-9a51-e4ce62b2395f" providerId="AD" clId="Web-{04C64894-5397-A2BA-EE8E-98946C4C4F1F}" dt="2024-03-13T21:03:57.077" v="89"/>
-          <ac:spMkLst>
-            <pc:docMk/>
-            <pc:sldMk cId="2396793982" sldId="263"/>
-            <ac:spMk id="18" creationId="{91DC6ABD-215C-4EA8-A483-CEF5B99AB385}"/>
-          </ac:spMkLst>
-        </pc:spChg>
-        <pc:spChg chg="add">
-          <ac:chgData name="Jonah Bertolino (Student)" userId="S::jonahbertolino@mines.edu::9e5659ea-b595-4c3b-9a51-e4ce62b2395f" providerId="AD" clId="Web-{04C64894-5397-A2BA-EE8E-98946C4C4F1F}" dt="2024-03-13T21:03:57.077" v="89"/>
-          <ac:spMkLst>
-            <pc:docMk/>
-            <pc:sldMk cId="2396793982" sldId="263"/>
-            <ac:spMk id="24" creationId="{04357C93-F0CB-4A1C-8F77-4E9063789819}"/>
-          </ac:spMkLst>
-        </pc:spChg>
-        <pc:grpChg chg="add">
-          <ac:chgData name="Jonah Bertolino (Student)" userId="S::jonahbertolino@mines.edu::9e5659ea-b595-4c3b-9a51-e4ce62b2395f" providerId="AD" clId="Web-{04C64894-5397-A2BA-EE8E-98946C4C4F1F}" dt="2024-03-13T21:03:57.077" v="89"/>
-          <ac:grpSpMkLst>
-            <pc:docMk/>
-            <pc:sldMk cId="2396793982" sldId="263"/>
-            <ac:grpSpMk id="20" creationId="{3AF6A671-C637-4547-85F4-51B6D1881399}"/>
-          </ac:grpSpMkLst>
-        </pc:grpChg>
-        <pc:picChg chg="add mod">
-          <ac:chgData name="Jonah Bertolino (Student)" userId="S::jonahbertolino@mines.edu::9e5659ea-b595-4c3b-9a51-e4ce62b2395f" providerId="AD" clId="Web-{04C64894-5397-A2BA-EE8E-98946C4C4F1F}" dt="2024-03-13T21:03:57.077" v="89"/>
-          <ac:picMkLst>
-            <pc:docMk/>
-            <pc:sldMk cId="2396793982" sldId="263"/>
-            <ac:picMk id="4" creationId="{3ECD532D-C132-DCCD-6D89-0D1118B8D2BD}"/>
-          </ac:picMkLst>
-        </pc:picChg>
-      </pc:sldChg>
-      <pc:sldChg chg="addSp delSp modSp mod setBg">
-        <pc:chgData name="Jonah Bertolino (Student)" userId="S::jonahbertolino@mines.edu::9e5659ea-b595-4c3b-9a51-e4ce62b2395f" providerId="AD" clId="Web-{04C64894-5397-A2BA-EE8E-98946C4C4F1F}" dt="2024-03-13T20:58:33.367" v="85"/>
-        <pc:sldMkLst>
-          <pc:docMk/>
-          <pc:sldMk cId="3085835959" sldId="268"/>
-        </pc:sldMkLst>
-        <pc:spChg chg="mod">
-          <ac:chgData name="Jonah Bertolino (Student)" userId="S::jonahbertolino@mines.edu::9e5659ea-b595-4c3b-9a51-e4ce62b2395f" providerId="AD" clId="Web-{04C64894-5397-A2BA-EE8E-98946C4C4F1F}" dt="2024-03-13T20:58:33.367" v="85"/>
-          <ac:spMkLst>
-            <pc:docMk/>
-            <pc:sldMk cId="3085835959" sldId="268"/>
-            <ac:spMk id="2" creationId="{E0D42B90-D36E-F541-0DA9-D3AE86A9CC81}"/>
-          </ac:spMkLst>
-        </pc:spChg>
-        <pc:spChg chg="mod ord">
-          <ac:chgData name="Jonah Bertolino (Student)" userId="S::jonahbertolino@mines.edu::9e5659ea-b595-4c3b-9a51-e4ce62b2395f" providerId="AD" clId="Web-{04C64894-5397-A2BA-EE8E-98946C4C4F1F}" dt="2024-03-13T20:58:33.367" v="85"/>
-          <ac:spMkLst>
-            <pc:docMk/>
-            <pc:sldMk cId="3085835959" sldId="268"/>
-            <ac:spMk id="3" creationId="{6B3CF716-4EFA-6566-2DC6-AC662E3D731E}"/>
-          </ac:spMkLst>
-        </pc:spChg>
-        <pc:spChg chg="add del">
-          <ac:chgData name="Jonah Bertolino (Student)" userId="S::jonahbertolino@mines.edu::9e5659ea-b595-4c3b-9a51-e4ce62b2395f" providerId="AD" clId="Web-{04C64894-5397-A2BA-EE8E-98946C4C4F1F}" dt="2024-03-13T20:58:33.367" v="85"/>
-          <ac:spMkLst>
-            <pc:docMk/>
-            <pc:sldMk cId="3085835959" sldId="268"/>
-            <ac:spMk id="11" creationId="{E8A8EAB8-D2FF-444D-B34B-7D32F106AD0E}"/>
-          </ac:spMkLst>
-        </pc:spChg>
-        <pc:spChg chg="add del">
-          <ac:chgData name="Jonah Bertolino (Student)" userId="S::jonahbertolino@mines.edu::9e5659ea-b595-4c3b-9a51-e4ce62b2395f" providerId="AD" clId="Web-{04C64894-5397-A2BA-EE8E-98946C4C4F1F}" dt="2024-03-13T20:58:29.398" v="79"/>
-          <ac:spMkLst>
-            <pc:docMk/>
-            <pc:sldMk cId="3085835959" sldId="268"/>
-            <ac:spMk id="20" creationId="{B1595A09-E336-4D1B-9B3A-06A2287A54E2}"/>
-          </ac:spMkLst>
-        </pc:spChg>
-        <pc:spChg chg="add del">
-          <ac:chgData name="Jonah Bertolino (Student)" userId="S::jonahbertolino@mines.edu::9e5659ea-b595-4c3b-9a51-e4ce62b2395f" providerId="AD" clId="Web-{04C64894-5397-A2BA-EE8E-98946C4C4F1F}" dt="2024-03-13T20:58:29.398" v="79"/>
-          <ac:spMkLst>
-            <pc:docMk/>
-            <pc:sldMk cId="3085835959" sldId="268"/>
-            <ac:spMk id="22" creationId="{3540989C-C7B8-473B-BF87-6F2DA6A90006}"/>
-          </ac:spMkLst>
-        </pc:spChg>
-        <pc:picChg chg="mod modCrop">
-          <ac:chgData name="Jonah Bertolino (Student)" userId="S::jonahbertolino@mines.edu::9e5659ea-b595-4c3b-9a51-e4ce62b2395f" providerId="AD" clId="Web-{04C64894-5397-A2BA-EE8E-98946C4C4F1F}" dt="2024-03-13T20:58:33.367" v="85"/>
-          <ac:picMkLst>
-            <pc:docMk/>
-            <pc:sldMk cId="3085835959" sldId="268"/>
-            <ac:picMk id="6" creationId="{08766FB1-FF95-115A-0305-FB1958240F74}"/>
-          </ac:picMkLst>
-        </pc:picChg>
-        <pc:cxnChg chg="add del">
-          <ac:chgData name="Jonah Bertolino (Student)" userId="S::jonahbertolino@mines.edu::9e5659ea-b595-4c3b-9a51-e4ce62b2395f" providerId="AD" clId="Web-{04C64894-5397-A2BA-EE8E-98946C4C4F1F}" dt="2024-03-13T20:58:33.367" v="85"/>
-          <ac:cxnSpMkLst>
-            <pc:docMk/>
-            <pc:sldMk cId="3085835959" sldId="268"/>
-            <ac:cxnSpMk id="13" creationId="{EEA38897-7BA3-4408-8083-3235339C4A60}"/>
-          </ac:cxnSpMkLst>
-        </pc:cxnChg>
-        <pc:cxnChg chg="add del">
-          <ac:chgData name="Jonah Bertolino (Student)" userId="S::jonahbertolino@mines.edu::9e5659ea-b595-4c3b-9a51-e4ce62b2395f" providerId="AD" clId="Web-{04C64894-5397-A2BA-EE8E-98946C4C4F1F}" dt="2024-03-13T20:58:33.367" v="85"/>
-          <ac:cxnSpMkLst>
-            <pc:docMk/>
-            <pc:sldMk cId="3085835959" sldId="268"/>
-            <ac:cxnSpMk id="15" creationId="{F11AD06B-AB20-4097-8606-5DA00DBACE88}"/>
-          </ac:cxnSpMkLst>
-        </pc:cxnChg>
-      </pc:sldChg>
-      <pc:sldChg chg="modSp new del">
-        <pc:chgData name="Jonah Bertolino (Student)" userId="S::jonahbertolino@mines.edu::9e5659ea-b595-4c3b-9a51-e4ce62b2395f" providerId="AD" clId="Web-{04C64894-5397-A2BA-EE8E-98946C4C4F1F}" dt="2024-03-13T20:59:43.306" v="88"/>
-        <pc:sldMkLst>
-          <pc:docMk/>
-          <pc:sldMk cId="2061822980" sldId="275"/>
-        </pc:sldMkLst>
-        <pc:spChg chg="mod">
-          <ac:chgData name="Jonah Bertolino (Student)" userId="S::jonahbertolino@mines.edu::9e5659ea-b595-4c3b-9a51-e4ce62b2395f" providerId="AD" clId="Web-{04C64894-5397-A2BA-EE8E-98946C4C4F1F}" dt="2024-03-13T20:21:01.246" v="11" actId="20577"/>
-          <ac:spMkLst>
-            <pc:docMk/>
-            <pc:sldMk cId="2061822980" sldId="275"/>
-            <ac:spMk id="2" creationId="{B6D9029B-6C41-D409-F312-FEAAE00597AE}"/>
-          </ac:spMkLst>
-        </pc:spChg>
-      </pc:sldChg>
-      <pc:sldChg chg="addSp modSp">
-        <pc:chgData name="Jonah Bertolino (Student)" userId="S::jonahbertolino@mines.edu::9e5659ea-b595-4c3b-9a51-e4ce62b2395f" providerId="AD" clId="Web-{04C64894-5397-A2BA-EE8E-98946C4C4F1F}" dt="2024-03-13T20:34:06.714" v="27" actId="20577"/>
-        <pc:sldMkLst>
-          <pc:docMk/>
-          <pc:sldMk cId="2002257491" sldId="277"/>
-        </pc:sldMkLst>
-        <pc:spChg chg="mod">
-          <ac:chgData name="Jonah Bertolino (Student)" userId="S::jonahbertolino@mines.edu::9e5659ea-b595-4c3b-9a51-e4ce62b2395f" providerId="AD" clId="Web-{04C64894-5397-A2BA-EE8E-98946C4C4F1F}" dt="2024-03-13T20:34:06.714" v="27" actId="20577"/>
-          <ac:spMkLst>
-            <pc:docMk/>
-            <pc:sldMk cId="2002257491" sldId="277"/>
-            <ac:spMk id="3" creationId="{6ADD6E1A-EFCF-E7F9-5CDE-7EB9AB725A6D}"/>
-          </ac:spMkLst>
-        </pc:spChg>
-        <pc:picChg chg="add mod">
-          <ac:chgData name="Jonah Bertolino (Student)" userId="S::jonahbertolino@mines.edu::9e5659ea-b595-4c3b-9a51-e4ce62b2395f" providerId="AD" clId="Web-{04C64894-5397-A2BA-EE8E-98946C4C4F1F}" dt="2024-03-13T20:33:23.526" v="19" actId="1076"/>
-          <ac:picMkLst>
-            <pc:docMk/>
-            <pc:sldMk cId="2002257491" sldId="277"/>
-            <ac:picMk id="4" creationId="{AA0BECA3-9414-E9A7-7722-442863B7798C}"/>
-          </ac:picMkLst>
-        </pc:picChg>
-      </pc:sldChg>
-      <pc:sldChg chg="addSp delSp modSp new mod setBg addAnim delAnim modAnim">
-        <pc:chgData name="Jonah Bertolino (Student)" userId="S::jonahbertolino@mines.edu::9e5659ea-b595-4c3b-9a51-e4ce62b2395f" providerId="AD" clId="Web-{04C64894-5397-A2BA-EE8E-98946C4C4F1F}" dt="2024-03-13T21:16:19.482" v="127" actId="1076"/>
-        <pc:sldMkLst>
-          <pc:docMk/>
-          <pc:sldMk cId="1052766174" sldId="279"/>
-        </pc:sldMkLst>
-        <pc:spChg chg="mod ord">
-          <ac:chgData name="Jonah Bertolino (Student)" userId="S::jonahbertolino@mines.edu::9e5659ea-b595-4c3b-9a51-e4ce62b2395f" providerId="AD" clId="Web-{04C64894-5397-A2BA-EE8E-98946C4C4F1F}" dt="2024-03-13T21:05:34.485" v="111"/>
-          <ac:spMkLst>
-            <pc:docMk/>
-            <pc:sldMk cId="1052766174" sldId="279"/>
-            <ac:spMk id="2" creationId="{7B1DBB69-A9CF-8ABD-9859-D6161068EC57}"/>
-          </ac:spMkLst>
-        </pc:spChg>
-        <pc:spChg chg="del">
-          <ac:chgData name="Jonah Bertolino (Student)" userId="S::jonahbertolino@mines.edu::9e5659ea-b595-4c3b-9a51-e4ce62b2395f" providerId="AD" clId="Web-{04C64894-5397-A2BA-EE8E-98946C4C4F1F}" dt="2024-03-13T20:41:16.535" v="35"/>
-          <ac:spMkLst>
-            <pc:docMk/>
-            <pc:sldMk cId="1052766174" sldId="279"/>
-            <ac:spMk id="3" creationId="{29187699-EED9-6415-6381-EB645BB998BC}"/>
-          </ac:spMkLst>
-        </pc:spChg>
-        <pc:spChg chg="add del mod">
-          <ac:chgData name="Jonah Bertolino (Student)" userId="S::jonahbertolino@mines.edu::9e5659ea-b595-4c3b-9a51-e4ce62b2395f" providerId="AD" clId="Web-{04C64894-5397-A2BA-EE8E-98946C4C4F1F}" dt="2024-03-13T20:53:22.955" v="43"/>
-          <ac:spMkLst>
-            <pc:docMk/>
-            <pc:sldMk cId="1052766174" sldId="279"/>
-            <ac:spMk id="6" creationId="{E6A09884-5FE3-267D-A409-36350A19D92D}"/>
-          </ac:spMkLst>
-        </pc:spChg>
-        <pc:spChg chg="add del">
-          <ac:chgData name="Jonah Bertolino (Student)" userId="S::jonahbertolino@mines.edu::9e5659ea-b595-4c3b-9a51-e4ce62b2395f" providerId="AD" clId="Web-{04C64894-5397-A2BA-EE8E-98946C4C4F1F}" dt="2024-03-13T20:53:44.315" v="50"/>
-          <ac:spMkLst>
-            <pc:docMk/>
-            <pc:sldMk cId="1052766174" sldId="279"/>
-            <ac:spMk id="9" creationId="{A34066D6-1B59-4642-A86D-39464CEE971B}"/>
-          </ac:spMkLst>
-        </pc:spChg>
-        <pc:spChg chg="add del mod">
-          <ac:chgData name="Jonah Bertolino (Student)" userId="S::jonahbertolino@mines.edu::9e5659ea-b595-4c3b-9a51-e4ce62b2395f" providerId="AD" clId="Web-{04C64894-5397-A2BA-EE8E-98946C4C4F1F}" dt="2024-03-13T20:56:04.224" v="64"/>
-          <ac:spMkLst>
-            <pc:docMk/>
-            <pc:sldMk cId="1052766174" sldId="279"/>
-            <ac:spMk id="10" creationId="{4108C6AB-4AA5-91C1-E72E-A39C87EEB2D3}"/>
-          </ac:spMkLst>
-        </pc:spChg>
-        <pc:spChg chg="add del">
-          <ac:chgData name="Jonah Bertolino (Student)" userId="S::jonahbertolino@mines.edu::9e5659ea-b595-4c3b-9a51-e4ce62b2395f" providerId="AD" clId="Web-{04C64894-5397-A2BA-EE8E-98946C4C4F1F}" dt="2024-03-13T20:53:44.315" v="50"/>
-          <ac:spMkLst>
-            <pc:docMk/>
-            <pc:sldMk cId="1052766174" sldId="279"/>
-            <ac:spMk id="11" creationId="{18E928D9-3091-4385-B979-265D55AD02CE}"/>
-          </ac:spMkLst>
-        </pc:spChg>
-        <pc:spChg chg="add del">
-          <ac:chgData name="Jonah Bertolino (Student)" userId="S::jonahbertolino@mines.edu::9e5659ea-b595-4c3b-9a51-e4ce62b2395f" providerId="AD" clId="Web-{04C64894-5397-A2BA-EE8E-98946C4C4F1F}" dt="2024-03-13T20:53:44.315" v="50"/>
-          <ac:spMkLst>
-            <pc:docMk/>
-            <pc:sldMk cId="1052766174" sldId="279"/>
-            <ac:spMk id="13" creationId="{7D602432-D774-4CF5-94E8-7D52D01059D2}"/>
-          </ac:spMkLst>
-        </pc:spChg>
-        <pc:spChg chg="add del">
-          <ac:chgData name="Jonah Bertolino (Student)" userId="S::jonahbertolino@mines.edu::9e5659ea-b595-4c3b-9a51-e4ce62b2395f" providerId="AD" clId="Web-{04C64894-5397-A2BA-EE8E-98946C4C4F1F}" dt="2024-03-13T20:53:44.315" v="50"/>
-          <ac:spMkLst>
-            <pc:docMk/>
-            <pc:sldMk cId="1052766174" sldId="279"/>
-            <ac:spMk id="15" creationId="{CBF9EBB4-5078-47B2-AAA0-DF4A88D8182A}"/>
-          </ac:spMkLst>
-        </pc:spChg>
-        <pc:spChg chg="add del">
-          <ac:chgData name="Jonah Bertolino (Student)" userId="S::jonahbertolino@mines.edu::9e5659ea-b595-4c3b-9a51-e4ce62b2395f" providerId="AD" clId="Web-{04C64894-5397-A2BA-EE8E-98946C4C4F1F}" dt="2024-03-13T21:05:04.390" v="100"/>
-          <ac:spMkLst>
-            <pc:docMk/>
-            <pc:sldMk cId="1052766174" sldId="279"/>
-            <ac:spMk id="16" creationId="{E659831F-0D9A-4C63-9EBB-8435B85A440F}"/>
-          </ac:spMkLst>
-        </pc:spChg>
-        <pc:spChg chg="add del">
-          <ac:chgData name="Jonah Bertolino (Student)" userId="S::jonahbertolino@mines.edu::9e5659ea-b595-4c3b-9a51-e4ce62b2395f" providerId="AD" clId="Web-{04C64894-5397-A2BA-EE8E-98946C4C4F1F}" dt="2024-03-13T20:53:40.877" v="47"/>
-          <ac:spMkLst>
-            <pc:docMk/>
-            <pc:sldMk cId="1052766174" sldId="279"/>
-            <ac:spMk id="19" creationId="{4E84D788-B256-5225-0E0A-87BA406D02BF}"/>
-          </ac:spMkLst>
-        </pc:spChg>
-        <pc:spChg chg="add del">
-          <ac:chgData name="Jonah Bertolino (Student)" userId="S::jonahbertolino@mines.edu::9e5659ea-b595-4c3b-9a51-e4ce62b2395f" providerId="AD" clId="Web-{04C64894-5397-A2BA-EE8E-98946C4C4F1F}" dt="2024-03-13T20:53:30.783" v="45"/>
-          <ac:spMkLst>
-            <pc:docMk/>
-            <pc:sldMk cId="1052766174" sldId="279"/>
-            <ac:spMk id="20" creationId="{A34066D6-1B59-4642-A86D-39464CEE971B}"/>
-          </ac:spMkLst>
-        </pc:spChg>
-        <pc:spChg chg="add del">
-          <ac:chgData name="Jonah Bertolino (Student)" userId="S::jonahbertolino@mines.edu::9e5659ea-b595-4c3b-9a51-e4ce62b2395f" providerId="AD" clId="Web-{04C64894-5397-A2BA-EE8E-98946C4C4F1F}" dt="2024-03-13T20:53:30.783" v="45"/>
-          <ac:spMkLst>
-            <pc:docMk/>
-            <pc:sldMk cId="1052766174" sldId="279"/>
-            <ac:spMk id="22" creationId="{18E928D9-3091-4385-B979-265D55AD02CE}"/>
-          </ac:spMkLst>
-        </pc:spChg>
-        <pc:spChg chg="add del">
-          <ac:chgData name="Jonah Bertolino (Student)" userId="S::jonahbertolino@mines.edu::9e5659ea-b595-4c3b-9a51-e4ce62b2395f" providerId="AD" clId="Web-{04C64894-5397-A2BA-EE8E-98946C4C4F1F}" dt="2024-03-13T20:53:30.783" v="45"/>
-          <ac:spMkLst>
-            <pc:docMk/>
-            <pc:sldMk cId="1052766174" sldId="279"/>
-            <ac:spMk id="24" creationId="{7D602432-D774-4CF5-94E8-7D52D01059D2}"/>
-          </ac:spMkLst>
-        </pc:spChg>
-        <pc:spChg chg="add del">
-          <ac:chgData name="Jonah Bertolino (Student)" userId="S::jonahbertolino@mines.edu::9e5659ea-b595-4c3b-9a51-e4ce62b2395f" providerId="AD" clId="Web-{04C64894-5397-A2BA-EE8E-98946C4C4F1F}" dt="2024-03-13T20:53:30.783" v="45"/>
-          <ac:spMkLst>
-            <pc:docMk/>
-            <pc:sldMk cId="1052766174" sldId="279"/>
-            <ac:spMk id="26" creationId="{CBF9EBB4-5078-47B2-AAA0-DF4A88D8182A}"/>
-          </ac:spMkLst>
-        </pc:spChg>
-        <pc:spChg chg="add del">
-          <ac:chgData name="Jonah Bertolino (Student)" userId="S::jonahbertolino@mines.edu::9e5659ea-b595-4c3b-9a51-e4ce62b2395f" providerId="AD" clId="Web-{04C64894-5397-A2BA-EE8E-98946C4C4F1F}" dt="2024-03-13T20:53:40.877" v="47"/>
-          <ac:spMkLst>
-            <pc:docMk/>
-            <pc:sldMk cId="1052766174" sldId="279"/>
-            <ac:spMk id="28" creationId="{A7AE9375-4664-4DB2-922D-2782A6E439AC}"/>
-          </ac:spMkLst>
-        </pc:spChg>
-        <pc:spChg chg="add del">
-          <ac:chgData name="Jonah Bertolino (Student)" userId="S::jonahbertolino@mines.edu::9e5659ea-b595-4c3b-9a51-e4ce62b2395f" providerId="AD" clId="Web-{04C64894-5397-A2BA-EE8E-98946C4C4F1F}" dt="2024-03-13T20:53:44.299" v="49"/>
-          <ac:spMkLst>
-            <pc:docMk/>
-            <pc:sldMk cId="1052766174" sldId="279"/>
-            <ac:spMk id="32" creationId="{5396781C-32A1-4FDA-A83B-A7FF8C1B1E99}"/>
-          </ac:spMkLst>
-        </pc:spChg>
-        <pc:spChg chg="add del">
-          <ac:chgData name="Jonah Bertolino (Student)" userId="S::jonahbertolino@mines.edu::9e5659ea-b595-4c3b-9a51-e4ce62b2395f" providerId="AD" clId="Web-{04C64894-5397-A2BA-EE8E-98946C4C4F1F}" dt="2024-03-13T20:53:44.299" v="49"/>
-          <ac:spMkLst>
-            <pc:docMk/>
-            <pc:sldMk cId="1052766174" sldId="279"/>
-            <ac:spMk id="35" creationId="{C1DC8D11-B51E-A295-3225-5620FC557F42}"/>
-          </ac:spMkLst>
-        </pc:spChg>
-        <pc:spChg chg="add del">
-          <ac:chgData name="Jonah Bertolino (Student)" userId="S::jonahbertolino@mines.edu::9e5659ea-b595-4c3b-9a51-e4ce62b2395f" providerId="AD" clId="Web-{04C64894-5397-A2BA-EE8E-98946C4C4F1F}" dt="2024-03-13T20:54:12.222" v="54"/>
-          <ac:spMkLst>
-            <pc:docMk/>
-            <pc:sldMk cId="1052766174" sldId="279"/>
-            <ac:spMk id="37" creationId="{135FA909-3F24-448C-A8BC-7CF77F62F84F}"/>
-          </ac:spMkLst>
-        </pc:spChg>
-        <pc:spChg chg="add del">
-          <ac:chgData name="Jonah Bertolino (Student)" userId="S::jonahbertolino@mines.edu::9e5659ea-b595-4c3b-9a51-e4ce62b2395f" providerId="AD" clId="Web-{04C64894-5397-A2BA-EE8E-98946C4C4F1F}" dt="2024-03-13T20:54:12.222" v="54"/>
-          <ac:spMkLst>
-            <pc:docMk/>
-            <pc:sldMk cId="1052766174" sldId="279"/>
-            <ac:spMk id="38" creationId="{6C32E633-BDBF-961A-CB5D-0F054618E9AE}"/>
-          </ac:spMkLst>
-        </pc:spChg>
-        <pc:spChg chg="add del">
-          <ac:chgData name="Jonah Bertolino (Student)" userId="S::jonahbertolino@mines.edu::9e5659ea-b595-4c3b-9a51-e4ce62b2395f" providerId="AD" clId="Web-{04C64894-5397-A2BA-EE8E-98946C4C4F1F}" dt="2024-03-13T20:54:12.206" v="53"/>
-          <ac:spMkLst>
-            <pc:docMk/>
-            <pc:sldMk cId="1052766174" sldId="279"/>
-            <ac:spMk id="45" creationId="{FB5B0058-AF13-4859-B429-4EDDE2A26F7F}"/>
-          </ac:spMkLst>
-        </pc:spChg>
-        <pc:spChg chg="add del">
-          <ac:chgData name="Jonah Bertolino (Student)" userId="S::jonahbertolino@mines.edu::9e5659ea-b595-4c3b-9a51-e4ce62b2395f" providerId="AD" clId="Web-{04C64894-5397-A2BA-EE8E-98946C4C4F1F}" dt="2024-03-13T20:54:12.206" v="53"/>
-          <ac:spMkLst>
-            <pc:docMk/>
-            <pc:sldMk cId="1052766174" sldId="279"/>
-            <ac:spMk id="49" creationId="{A4A161CC-6DC5-4863-B213-94529D6E06D7}"/>
-          </ac:spMkLst>
-        </pc:spChg>
-        <pc:spChg chg="add del">
-          <ac:chgData name="Jonah Bertolino (Student)" userId="S::jonahbertolino@mines.edu::9e5659ea-b595-4c3b-9a51-e4ce62b2395f" providerId="AD" clId="Web-{04C64894-5397-A2BA-EE8E-98946C4C4F1F}" dt="2024-03-13T20:54:57.269" v="59"/>
-          <ac:spMkLst>
-            <pc:docMk/>
-            <pc:sldMk cId="1052766174" sldId="279"/>
-            <ac:spMk id="51" creationId="{5396781C-32A1-4FDA-A83B-A7FF8C1B1E99}"/>
-          </ac:spMkLst>
-        </pc:spChg>
-        <pc:spChg chg="add del">
-          <ac:chgData name="Jonah Bertolino (Student)" userId="S::jonahbertolino@mines.edu::9e5659ea-b595-4c3b-9a51-e4ce62b2395f" providerId="AD" clId="Web-{04C64894-5397-A2BA-EE8E-98946C4C4F1F}" dt="2024-03-13T20:54:51.816" v="55"/>
-          <ac:spMkLst>
-            <pc:docMk/>
-            <pc:sldMk cId="1052766174" sldId="279"/>
-            <ac:spMk id="54" creationId="{6C32E633-BDBF-961A-CB5D-0F054618E9AE}"/>
-          </ac:spMkLst>
-        </pc:spChg>
-        <pc:spChg chg="add del mod">
-          <ac:chgData name="Jonah Bertolino (Student)" userId="S::jonahbertolino@mines.edu::9e5659ea-b595-4c3b-9a51-e4ce62b2395f" providerId="AD" clId="Web-{04C64894-5397-A2BA-EE8E-98946C4C4F1F}" dt="2024-03-13T20:56:19.474" v="66"/>
-          <ac:spMkLst>
-            <pc:docMk/>
-            <pc:sldMk cId="1052766174" sldId="279"/>
-            <ac:spMk id="57" creationId="{B8C0EE08-9749-26AA-7ADE-7D37E5FD508B}"/>
-          </ac:spMkLst>
-        </pc:spChg>
-        <pc:spChg chg="add del">
-          <ac:chgData name="Jonah Bertolino (Student)" userId="S::jonahbertolino@mines.edu::9e5659ea-b595-4c3b-9a51-e4ce62b2395f" providerId="AD" clId="Web-{04C64894-5397-A2BA-EE8E-98946C4C4F1F}" dt="2024-03-13T20:56:11.755" v="65"/>
-          <ac:spMkLst>
-            <pc:docMk/>
-            <pc:sldMk cId="1052766174" sldId="279"/>
-            <ac:spMk id="60" creationId="{2172A0AC-3DCE-4672-BCAF-28FEF91F6020}"/>
-          </ac:spMkLst>
-        </pc:spChg>
-        <pc:spChg chg="add del">
-          <ac:chgData name="Jonah Bertolino (Student)" userId="S::jonahbertolino@mines.edu::9e5659ea-b595-4c3b-9a51-e4ce62b2395f" providerId="AD" clId="Web-{04C64894-5397-A2BA-EE8E-98946C4C4F1F}" dt="2024-03-13T20:56:11.755" v="65"/>
-          <ac:spMkLst>
-            <pc:docMk/>
-            <pc:sldMk cId="1052766174" sldId="279"/>
-            <ac:spMk id="62" creationId="{AE6F1C77-EDC9-4C5F-8C1C-62DD46BDA3C3}"/>
-          </ac:spMkLst>
-        </pc:spChg>
-        <pc:spChg chg="add del">
-          <ac:chgData name="Jonah Bertolino (Student)" userId="S::jonahbertolino@mines.edu::9e5659ea-b595-4c3b-9a51-e4ce62b2395f" providerId="AD" clId="Web-{04C64894-5397-A2BA-EE8E-98946C4C4F1F}" dt="2024-03-13T21:04:01.858" v="90"/>
-          <ac:spMkLst>
-            <pc:docMk/>
-            <pc:sldMk cId="1052766174" sldId="279"/>
-            <ac:spMk id="67" creationId="{135FA909-3F24-448C-A8BC-7CF77F62F84F}"/>
-          </ac:spMkLst>
-        </pc:spChg>
-        <pc:spChg chg="add del mod">
-          <ac:chgData name="Jonah Bertolino (Student)" userId="S::jonahbertolino@mines.edu::9e5659ea-b595-4c3b-9a51-e4ce62b2395f" providerId="AD" clId="Web-{04C64894-5397-A2BA-EE8E-98946C4C4F1F}" dt="2024-03-13T21:05:41.422" v="112"/>
-          <ac:spMkLst>
-            <pc:docMk/>
-            <pc:sldMk cId="1052766174" sldId="279"/>
-            <ac:spMk id="75" creationId="{1063622A-C147-A002-86A8-077CADF92CDA}"/>
-          </ac:spMkLst>
-        </pc:spChg>
-        <pc:spChg chg="add del">
-          <ac:chgData name="Jonah Bertolino (Student)" userId="S::jonahbertolino@mines.edu::9e5659ea-b595-4c3b-9a51-e4ce62b2395f" providerId="AD" clId="Web-{04C64894-5397-A2BA-EE8E-98946C4C4F1F}" dt="2024-03-13T21:05:34.485" v="111"/>
-          <ac:spMkLst>
-            <pc:docMk/>
-            <pc:sldMk cId="1052766174" sldId="279"/>
-            <ac:spMk id="78" creationId="{26CAED0A-2A45-4C9C-BCDD-21A8A092C5F3}"/>
-          </ac:spMkLst>
-        </pc:spChg>
-        <pc:spChg chg="add del">
-          <ac:chgData name="Jonah Bertolino (Student)" userId="S::jonahbertolino@mines.edu::9e5659ea-b595-4c3b-9a51-e4ce62b2395f" providerId="AD" clId="Web-{04C64894-5397-A2BA-EE8E-98946C4C4F1F}" dt="2024-03-13T21:05:34.485" v="111"/>
-          <ac:spMkLst>
-            <pc:docMk/>
-            <pc:sldMk cId="1052766174" sldId="279"/>
-            <ac:spMk id="80" creationId="{3A9A4357-BD1D-4622-A4FE-766E6AB8DE84}"/>
-          </ac:spMkLst>
-        </pc:spChg>
-        <pc:spChg chg="add del">
-          <ac:chgData name="Jonah Bertolino (Student)" userId="S::jonahbertolino@mines.edu::9e5659ea-b595-4c3b-9a51-e4ce62b2395f" providerId="AD" clId="Web-{04C64894-5397-A2BA-EE8E-98946C4C4F1F}" dt="2024-03-13T21:05:29.782" v="109"/>
-          <ac:spMkLst>
-            <pc:docMk/>
-            <pc:sldMk cId="1052766174" sldId="279"/>
-            <ac:spMk id="82" creationId="{E659831F-0D9A-4C63-9EBB-8435B85A440F}"/>
-          </ac:spMkLst>
-        </pc:spChg>
-        <pc:spChg chg="add del">
-          <ac:chgData name="Jonah Bertolino (Student)" userId="S::jonahbertolino@mines.edu::9e5659ea-b595-4c3b-9a51-e4ce62b2395f" providerId="AD" clId="Web-{04C64894-5397-A2BA-EE8E-98946C4C4F1F}" dt="2024-03-13T21:05:34.485" v="111"/>
-          <ac:spMkLst>
-            <pc:docMk/>
-            <pc:sldMk cId="1052766174" sldId="279"/>
-            <ac:spMk id="84" creationId="{E6995CE5-F890-4ABA-82A2-26507CE8D2A3}"/>
-          </ac:spMkLst>
-        </pc:spChg>
-        <pc:spChg chg="add">
-          <ac:chgData name="Jonah Bertolino (Student)" userId="S::jonahbertolino@mines.edu::9e5659ea-b595-4c3b-9a51-e4ce62b2395f" providerId="AD" clId="Web-{04C64894-5397-A2BA-EE8E-98946C4C4F1F}" dt="2024-03-13T21:05:34.485" v="111"/>
-          <ac:spMkLst>
-            <pc:docMk/>
-            <pc:sldMk cId="1052766174" sldId="279"/>
-            <ac:spMk id="86" creationId="{201CC55D-ED54-4C5C-95E6-10947BD1103B}"/>
-          </ac:spMkLst>
-        </pc:spChg>
-        <pc:spChg chg="add">
-          <ac:chgData name="Jonah Bertolino (Student)" userId="S::jonahbertolino@mines.edu::9e5659ea-b595-4c3b-9a51-e4ce62b2395f" providerId="AD" clId="Web-{04C64894-5397-A2BA-EE8E-98946C4C4F1F}" dt="2024-03-13T21:05:34.485" v="111"/>
-          <ac:spMkLst>
-            <pc:docMk/>
-            <pc:sldMk cId="1052766174" sldId="279"/>
-            <ac:spMk id="88" creationId="{3873B707-463F-40B0-8227-E8CC6C67EB25}"/>
-          </ac:spMkLst>
-        </pc:spChg>
-        <pc:spChg chg="add del">
-          <ac:chgData name="Jonah Bertolino (Student)" userId="S::jonahbertolino@mines.edu::9e5659ea-b595-4c3b-9a51-e4ce62b2395f" providerId="AD" clId="Web-{04C64894-5397-A2BA-EE8E-98946C4C4F1F}" dt="2024-03-13T21:05:05.328" v="101"/>
-          <ac:spMkLst>
-            <pc:docMk/>
-            <pc:sldMk cId="1052766174" sldId="279"/>
-            <ac:spMk id="89" creationId="{201CC55D-ED54-4C5C-95E6-10947BD1103B}"/>
-          </ac:spMkLst>
-        </pc:spChg>
-        <pc:spChg chg="add">
-          <ac:chgData name="Jonah Bertolino (Student)" userId="S::jonahbertolino@mines.edu::9e5659ea-b595-4c3b-9a51-e4ce62b2395f" providerId="AD" clId="Web-{04C64894-5397-A2BA-EE8E-98946C4C4F1F}" dt="2024-03-13T21:05:34.485" v="111"/>
-          <ac:spMkLst>
-            <pc:docMk/>
-            <pc:sldMk cId="1052766174" sldId="279"/>
-            <ac:spMk id="90" creationId="{C13237C8-E62C-4F0D-A318-BD6FB6C2D138}"/>
-          </ac:spMkLst>
-        </pc:spChg>
-        <pc:spChg chg="add del">
-          <ac:chgData name="Jonah Bertolino (Student)" userId="S::jonahbertolino@mines.edu::9e5659ea-b595-4c3b-9a51-e4ce62b2395f" providerId="AD" clId="Web-{04C64894-5397-A2BA-EE8E-98946C4C4F1F}" dt="2024-03-13T21:06:14.392" v="117"/>
-          <ac:spMkLst>
-            <pc:docMk/>
-            <pc:sldMk cId="1052766174" sldId="279"/>
-            <ac:spMk id="94" creationId="{19C9EAEA-39D0-4B0E-A0EB-51E7B26740B1}"/>
-          </ac:spMkLst>
-        </pc:spChg>
-        <pc:spChg chg="add del">
-          <ac:chgData name="Jonah Bertolino (Student)" userId="S::jonahbertolino@mines.edu::9e5659ea-b595-4c3b-9a51-e4ce62b2395f" providerId="AD" clId="Web-{04C64894-5397-A2BA-EE8E-98946C4C4F1F}" dt="2024-03-13T21:05:05.328" v="101"/>
-          <ac:spMkLst>
-            <pc:docMk/>
-            <pc:sldMk cId="1052766174" sldId="279"/>
-            <ac:spMk id="95" creationId="{3873B707-463F-40B0-8227-E8CC6C67EB25}"/>
-          </ac:spMkLst>
-        </pc:spChg>
-        <pc:spChg chg="add del">
-          <ac:chgData name="Jonah Bertolino (Student)" userId="S::jonahbertolino@mines.edu::9e5659ea-b595-4c3b-9a51-e4ce62b2395f" providerId="AD" clId="Web-{04C64894-5397-A2BA-EE8E-98946C4C4F1F}" dt="2024-03-13T21:05:05.328" v="101"/>
-          <ac:spMkLst>
-            <pc:docMk/>
-            <pc:sldMk cId="1052766174" sldId="279"/>
-            <ac:spMk id="97" creationId="{C13237C8-E62C-4F0D-A318-BD6FB6C2D138}"/>
-          </ac:spMkLst>
-        </pc:spChg>
-        <pc:spChg chg="add del">
-          <ac:chgData name="Jonah Bertolino (Student)" userId="S::jonahbertolino@mines.edu::9e5659ea-b595-4c3b-9a51-e4ce62b2395f" providerId="AD" clId="Web-{04C64894-5397-A2BA-EE8E-98946C4C4F1F}" dt="2024-03-13T21:05:05.328" v="101"/>
-          <ac:spMkLst>
-            <pc:docMk/>
-            <pc:sldMk cId="1052766174" sldId="279"/>
-            <ac:spMk id="99" creationId="{19C9EAEA-39D0-4B0E-A0EB-51E7B26740B1}"/>
-          </ac:spMkLst>
-        </pc:spChg>
-        <pc:grpChg chg="add del">
-          <ac:chgData name="Jonah Bertolino (Student)" userId="S::jonahbertolino@mines.edu::9e5659ea-b595-4c3b-9a51-e4ce62b2395f" providerId="AD" clId="Web-{04C64894-5397-A2BA-EE8E-98946C4C4F1F}" dt="2024-03-13T20:53:44.299" v="49"/>
-          <ac:grpSpMkLst>
-            <pc:docMk/>
-            <pc:sldMk cId="1052766174" sldId="279"/>
-            <ac:grpSpMk id="33" creationId="{54A1C8FD-E5B7-4BEC-A74A-A55FB8EA7CFE}"/>
-          </ac:grpSpMkLst>
-        </pc:grpChg>
-        <pc:grpChg chg="add del">
-          <ac:chgData name="Jonah Bertolino (Student)" userId="S::jonahbertolino@mines.edu::9e5659ea-b595-4c3b-9a51-e4ce62b2395f" providerId="AD" clId="Web-{04C64894-5397-A2BA-EE8E-98946C4C4F1F}" dt="2024-03-13T20:54:12.222" v="54"/>
-          <ac:grpSpMkLst>
-            <pc:docMk/>
-            <pc:sldMk cId="1052766174" sldId="279"/>
-            <ac:grpSpMk id="39" creationId="{8B60959F-9B69-4520-A16E-EA6BECC747D6}"/>
-          </ac:grpSpMkLst>
-        </pc:grpChg>
-        <pc:grpChg chg="add del">
-          <ac:chgData name="Jonah Bertolino (Student)" userId="S::jonahbertolino@mines.edu::9e5659ea-b595-4c3b-9a51-e4ce62b2395f" providerId="AD" clId="Web-{04C64894-5397-A2BA-EE8E-98946C4C4F1F}" dt="2024-03-13T20:54:57.269" v="59"/>
-          <ac:grpSpMkLst>
-            <pc:docMk/>
-            <pc:sldMk cId="1052766174" sldId="279"/>
-            <ac:grpSpMk id="52" creationId="{54A1C8FD-E5B7-4BEC-A74A-A55FB8EA7CFE}"/>
-          </ac:grpSpMkLst>
-        </pc:grpChg>
-        <pc:grpChg chg="add del">
-          <ac:chgData name="Jonah Bertolino (Student)" userId="S::jonahbertolino@mines.edu::9e5659ea-b595-4c3b-9a51-e4ce62b2395f" providerId="AD" clId="Web-{04C64894-5397-A2BA-EE8E-98946C4C4F1F}" dt="2024-03-13T21:04:01.858" v="90"/>
-          <ac:grpSpMkLst>
-            <pc:docMk/>
-            <pc:sldMk cId="1052766174" sldId="279"/>
-            <ac:grpSpMk id="69" creationId="{8B60959F-9B69-4520-A16E-EA6BECC747D6}"/>
-          </ac:grpSpMkLst>
-        </pc:grpChg>
-        <pc:grpChg chg="add">
-          <ac:chgData name="Jonah Bertolino (Student)" userId="S::jonahbertolino@mines.edu::9e5659ea-b595-4c3b-9a51-e4ce62b2395f" providerId="AD" clId="Web-{04C64894-5397-A2BA-EE8E-98946C4C4F1F}" dt="2024-03-13T21:05:34.485" v="111"/>
-          <ac:grpSpMkLst>
-            <pc:docMk/>
-            <pc:sldMk cId="1052766174" sldId="279"/>
-            <ac:grpSpMk id="87" creationId="{1DE889C7-FAD6-4397-98E2-05D503484459}"/>
-          </ac:grpSpMkLst>
-        </pc:grpChg>
-        <pc:grpChg chg="add del">
-          <ac:chgData name="Jonah Bertolino (Student)" userId="S::jonahbertolino@mines.edu::9e5659ea-b595-4c3b-9a51-e4ce62b2395f" providerId="AD" clId="Web-{04C64894-5397-A2BA-EE8E-98946C4C4F1F}" dt="2024-03-13T21:05:05.328" v="101"/>
-          <ac:grpSpMkLst>
-            <pc:docMk/>
-            <pc:sldMk cId="1052766174" sldId="279"/>
-            <ac:grpSpMk id="91" creationId="{1DE889C7-FAD6-4397-98E2-05D503484459}"/>
-          </ac:grpSpMkLst>
-        </pc:grpChg>
-        <pc:picChg chg="add del mod ord">
-          <ac:chgData name="Jonah Bertolino (Student)" userId="S::jonahbertolino@mines.edu::9e5659ea-b595-4c3b-9a51-e4ce62b2395f" providerId="AD" clId="Web-{04C64894-5397-A2BA-EE8E-98946C4C4F1F}" dt="2024-03-13T20:53:13.799" v="42"/>
-          <ac:picMkLst>
-            <pc:docMk/>
-            <pc:sldMk cId="1052766174" sldId="279"/>
-            <ac:picMk id="4" creationId="{74C737AD-9FEF-EF2B-9DC5-CC13C9EE6A7B}"/>
-          </ac:picMkLst>
-        </pc:picChg>
-        <pc:picChg chg="add del mod ord modCrop">
-          <ac:chgData name="Jonah Bertolino (Student)" userId="S::jonahbertolino@mines.edu::9e5659ea-b595-4c3b-9a51-e4ce62b2395f" providerId="AD" clId="Web-{04C64894-5397-A2BA-EE8E-98946C4C4F1F}" dt="2024-03-13T21:15:38.669" v="119"/>
-          <ac:picMkLst>
-            <pc:docMk/>
-            <pc:sldMk cId="1052766174" sldId="279"/>
-            <ac:picMk id="7" creationId="{2D93EF3F-33C1-EC24-201B-37A39E876B0A}"/>
-          </ac:picMkLst>
-        </pc:picChg>
-        <pc:picChg chg="add del mod ord">
-          <ac:chgData name="Jonah Bertolino (Student)" userId="S::jonahbertolino@mines.edu::9e5659ea-b595-4c3b-9a51-e4ce62b2395f" providerId="AD" clId="Web-{04C64894-5397-A2BA-EE8E-98946C4C4F1F}" dt="2024-03-13T20:56:04.224" v="64"/>
-          <ac:picMkLst>
-            <pc:docMk/>
-            <pc:sldMk cId="1052766174" sldId="279"/>
-            <ac:picMk id="8" creationId="{92684E06-8E73-FFA1-29F3-586A7E0B5667}"/>
-          </ac:picMkLst>
-        </pc:picChg>
-        <pc:picChg chg="add del mod ord">
-          <ac:chgData name="Jonah Bertolino (Student)" userId="S::jonahbertolino@mines.edu::9e5659ea-b595-4c3b-9a51-e4ce62b2395f" providerId="AD" clId="Web-{04C64894-5397-A2BA-EE8E-98946C4C4F1F}" dt="2024-03-13T21:05:32.219" v="110"/>
-          <ac:picMkLst>
-            <pc:docMk/>
-            <pc:sldMk cId="1052766174" sldId="279"/>
-            <ac:picMk id="14" creationId="{EA3ECBC4-1396-A3EE-EF8F-4CF4F6FE007E}"/>
-          </ac:picMkLst>
-        </pc:picChg>
-        <pc:picChg chg="add del mod ord">
-          <ac:chgData name="Jonah Bertolino (Student)" userId="S::jonahbertolino@mines.edu::9e5659ea-b595-4c3b-9a51-e4ce62b2395f" providerId="AD" clId="Web-{04C64894-5397-A2BA-EE8E-98946C4C4F1F}" dt="2024-03-13T21:05:46.235" v="113"/>
-          <ac:picMkLst>
-            <pc:docMk/>
-            <pc:sldMk cId="1052766174" sldId="279"/>
-            <ac:picMk id="17" creationId="{1A6ABD3E-EBC5-96B9-51B6-EA1E1D51C933}"/>
-          </ac:picMkLst>
-        </pc:picChg>
-        <pc:picChg chg="add mod modCrop">
-          <ac:chgData name="Jonah Bertolino (Student)" userId="S::jonahbertolino@mines.edu::9e5659ea-b595-4c3b-9a51-e4ce62b2395f" providerId="AD" clId="Web-{04C64894-5397-A2BA-EE8E-98946C4C4F1F}" dt="2024-03-13T21:16:19.482" v="127" actId="1076"/>
-          <ac:picMkLst>
-            <pc:docMk/>
-            <pc:sldMk cId="1052766174" sldId="279"/>
-            <ac:picMk id="18" creationId="{0A8B447F-A66F-0934-EF13-418B6913A925}"/>
-          </ac:picMkLst>
-        </pc:picChg>
-        <pc:cxnChg chg="add del">
-          <ac:chgData name="Jonah Bertolino (Student)" userId="S::jonahbertolino@mines.edu::9e5659ea-b595-4c3b-9a51-e4ce62b2395f" providerId="AD" clId="Web-{04C64894-5397-A2BA-EE8E-98946C4C4F1F}" dt="2024-03-13T20:53:40.877" v="47"/>
-          <ac:cxnSpMkLst>
-            <pc:docMk/>
-            <pc:sldMk cId="1052766174" sldId="279"/>
-            <ac:cxnSpMk id="29" creationId="{EE504C98-6397-41C1-A8D8-2D9C4ED307E0}"/>
-          </ac:cxnSpMkLst>
-        </pc:cxnChg>
-        <pc:cxnChg chg="add del">
-          <ac:chgData name="Jonah Bertolino (Student)" userId="S::jonahbertolino@mines.edu::9e5659ea-b595-4c3b-9a51-e4ce62b2395f" providerId="AD" clId="Web-{04C64894-5397-A2BA-EE8E-98946C4C4F1F}" dt="2024-03-13T20:53:40.877" v="47"/>
-          <ac:cxnSpMkLst>
-            <pc:docMk/>
-            <pc:sldMk cId="1052766174" sldId="279"/>
-            <ac:cxnSpMk id="30" creationId="{B7188D9B-1674-419B-A379-D1632A7EC3A2}"/>
-          </ac:cxnSpMkLst>
-        </pc:cxnChg>
-        <pc:cxnChg chg="add del">
-          <ac:chgData name="Jonah Bertolino (Student)" userId="S::jonahbertolino@mines.edu::9e5659ea-b595-4c3b-9a51-e4ce62b2395f" providerId="AD" clId="Web-{04C64894-5397-A2BA-EE8E-98946C4C4F1F}" dt="2024-03-13T20:54:12.206" v="53"/>
-          <ac:cxnSpMkLst>
-            <pc:docMk/>
-            <pc:sldMk cId="1052766174" sldId="279"/>
-            <ac:cxnSpMk id="47" creationId="{AC65C03C-3F17-45DC-A1B9-35ACA43397D4}"/>
-          </ac:cxnSpMkLst>
-        </pc:cxnChg>
-      </pc:sldChg>
-    </pc:docChg>
-  </pc:docChgLst>
-  <pc:docChgLst>
-    <pc:chgData name="Hunter Burnham (Student)" userId="e134f687-0b34-4f02-b471-2fa4d76ea700" providerId="ADAL" clId="{387E982F-AC20-48A9-A5D7-3E1105CE4D48}"/>
-    <pc:docChg chg="undo custSel addSld delSld modSld sldOrd">
-      <pc:chgData name="Hunter Burnham (Student)" userId="e134f687-0b34-4f02-b471-2fa4d76ea700" providerId="ADAL" clId="{387E982F-AC20-48A9-A5D7-3E1105CE4D48}" dt="2024-03-29T22:56:12.030" v="4165" actId="1076"/>
-      <pc:docMkLst>
-        <pc:docMk/>
-      </pc:docMkLst>
-      <pc:sldChg chg="addSp delSp modSp mod modMedia setBg delAnim">
-        <pc:chgData name="Hunter Burnham (Student)" userId="e134f687-0b34-4f02-b471-2fa4d76ea700" providerId="ADAL" clId="{387E982F-AC20-48A9-A5D7-3E1105CE4D48}" dt="2024-03-15T17:47:44.831" v="3894" actId="20577"/>
-        <pc:sldMkLst>
-          <pc:docMk/>
-          <pc:sldMk cId="234320675" sldId="256"/>
-        </pc:sldMkLst>
-        <pc:spChg chg="mod">
-          <ac:chgData name="Hunter Burnham (Student)" userId="e134f687-0b34-4f02-b471-2fa4d76ea700" providerId="ADAL" clId="{387E982F-AC20-48A9-A5D7-3E1105CE4D48}" dt="2024-03-15T17:47:33.387" v="3884" actId="14100"/>
-          <ac:spMkLst>
-            <pc:docMk/>
-            <pc:sldMk cId="234320675" sldId="256"/>
-            <ac:spMk id="2" creationId="{20F0F418-8CFC-AF03-63CD-F9449637605C}"/>
-          </ac:spMkLst>
-        </pc:spChg>
-        <pc:spChg chg="mod">
-          <ac:chgData name="Hunter Burnham (Student)" userId="e134f687-0b34-4f02-b471-2fa4d76ea700" providerId="ADAL" clId="{387E982F-AC20-48A9-A5D7-3E1105CE4D48}" dt="2024-03-15T17:47:44.831" v="3894" actId="20577"/>
-          <ac:spMkLst>
-            <pc:docMk/>
-            <pc:sldMk cId="234320675" sldId="256"/>
-            <ac:spMk id="3" creationId="{4DFAF4A9-F54B-F3A4-7967-31664984E776}"/>
-          </ac:spMkLst>
-        </pc:spChg>
-        <pc:spChg chg="add del">
-          <ac:chgData name="Hunter Burnham (Student)" userId="e134f687-0b34-4f02-b471-2fa4d76ea700" providerId="ADAL" clId="{387E982F-AC20-48A9-A5D7-3E1105CE4D48}" dt="2024-03-15T17:47:05.848" v="3876" actId="26606"/>
-          <ac:spMkLst>
-            <pc:docMk/>
-            <pc:sldMk cId="234320675" sldId="256"/>
-            <ac:spMk id="9" creationId="{716F42E0-28DF-4093-AFC5-CA01F54C8897}"/>
-          </ac:spMkLst>
-        </pc:spChg>
-        <pc:spChg chg="add del">
-          <ac:chgData name="Hunter Burnham (Student)" userId="e134f687-0b34-4f02-b471-2fa4d76ea700" providerId="ADAL" clId="{387E982F-AC20-48A9-A5D7-3E1105CE4D48}" dt="2024-03-15T17:47:05.848" v="3876" actId="26606"/>
-          <ac:spMkLst>
-            <pc:docMk/>
-            <pc:sldMk cId="234320675" sldId="256"/>
-            <ac:spMk id="11" creationId="{4063B759-00FC-46D1-9898-8E8625268FAF}"/>
-          </ac:spMkLst>
-        </pc:spChg>
-        <pc:spChg chg="add del">
-          <ac:chgData name="Hunter Burnham (Student)" userId="e134f687-0b34-4f02-b471-2fa4d76ea700" providerId="ADAL" clId="{387E982F-AC20-48A9-A5D7-3E1105CE4D48}" dt="2024-03-15T17:47:05.848" v="3876" actId="26606"/>
-          <ac:spMkLst>
-            <pc:docMk/>
-            <pc:sldMk cId="234320675" sldId="256"/>
-            <ac:spMk id="13" creationId="{D5B012D8-7F27-4758-9AC6-C889B154BD73}"/>
-          </ac:spMkLst>
-        </pc:spChg>
-        <pc:spChg chg="add">
-          <ac:chgData name="Hunter Burnham (Student)" userId="e134f687-0b34-4f02-b471-2fa4d76ea700" providerId="ADAL" clId="{387E982F-AC20-48A9-A5D7-3E1105CE4D48}" dt="2024-03-15T17:47:05.848" v="3876" actId="26606"/>
-          <ac:spMkLst>
-            <pc:docMk/>
-            <pc:sldMk cId="234320675" sldId="256"/>
-            <ac:spMk id="15" creationId="{934F1179-B481-4F9E-BCA3-AFB972070F83}"/>
-          </ac:spMkLst>
-        </pc:spChg>
-        <pc:spChg chg="add">
-          <ac:chgData name="Hunter Burnham (Student)" userId="e134f687-0b34-4f02-b471-2fa4d76ea700" providerId="ADAL" clId="{387E982F-AC20-48A9-A5D7-3E1105CE4D48}" dt="2024-03-15T17:47:05.848" v="3876" actId="26606"/>
-          <ac:spMkLst>
-            <pc:docMk/>
-            <pc:sldMk cId="234320675" sldId="256"/>
-            <ac:spMk id="16" creationId="{827DC2C4-B485-428A-BF4A-472D2967F47F}"/>
-          </ac:spMkLst>
-        </pc:spChg>
-        <pc:spChg chg="add del">
-          <ac:chgData name="Hunter Burnham (Student)" userId="e134f687-0b34-4f02-b471-2fa4d76ea700" providerId="ADAL" clId="{387E982F-AC20-48A9-A5D7-3E1105CE4D48}" dt="2024-03-13T21:07:57.867" v="3532" actId="26606"/>
-          <ac:spMkLst>
-            <pc:docMk/>
-            <pc:sldMk cId="234320675" sldId="256"/>
-            <ac:spMk id="18" creationId="{47942995-B07F-4636-9A06-C6A104B260A8}"/>
-          </ac:spMkLst>
-        </pc:spChg>
-        <pc:spChg chg="add">
-          <ac:chgData name="Hunter Burnham (Student)" userId="e134f687-0b34-4f02-b471-2fa4d76ea700" providerId="ADAL" clId="{387E982F-AC20-48A9-A5D7-3E1105CE4D48}" dt="2024-03-15T17:47:05.848" v="3876" actId="26606"/>
-          <ac:spMkLst>
-            <pc:docMk/>
-            <pc:sldMk cId="234320675" sldId="256"/>
-            <ac:spMk id="22" creationId="{EE04B5EB-F158-4507-90DD-BD23620C7CC9}"/>
-          </ac:spMkLst>
-        </pc:spChg>
-        <pc:spChg chg="add del">
-          <ac:chgData name="Hunter Burnham (Student)" userId="e134f687-0b34-4f02-b471-2fa4d76ea700" providerId="ADAL" clId="{387E982F-AC20-48A9-A5D7-3E1105CE4D48}" dt="2024-03-13T21:07:57.867" v="3532" actId="26606"/>
-          <ac:spMkLst>
-            <pc:docMk/>
-            <pc:sldMk cId="234320675" sldId="256"/>
-            <ac:spMk id="25" creationId="{B81933D1-5615-42C7-9C0B-4EB7105CCE2D}"/>
-          </ac:spMkLst>
-        </pc:spChg>
-        <pc:spChg chg="add del">
-          <ac:chgData name="Hunter Burnham (Student)" userId="e134f687-0b34-4f02-b471-2fa4d76ea700" providerId="ADAL" clId="{387E982F-AC20-48A9-A5D7-3E1105CE4D48}" dt="2024-03-13T21:07:57.867" v="3532" actId="26606"/>
-          <ac:spMkLst>
-            <pc:docMk/>
-            <pc:sldMk cId="234320675" sldId="256"/>
-            <ac:spMk id="27" creationId="{19C9EAEA-39D0-4B0E-A0EB-51E7B26740B1}"/>
-          </ac:spMkLst>
-        </pc:spChg>
-        <pc:grpChg chg="add del">
-          <ac:chgData name="Hunter Burnham (Student)" userId="e134f687-0b34-4f02-b471-2fa4d76ea700" providerId="ADAL" clId="{387E982F-AC20-48A9-A5D7-3E1105CE4D48}" dt="2024-03-13T21:07:57.867" v="3532" actId="26606"/>
-          <ac:grpSpMkLst>
-            <pc:docMk/>
-            <pc:sldMk cId="234320675" sldId="256"/>
-            <ac:grpSpMk id="20" creationId="{032D8612-31EB-44CF-A1D0-14FD4C705424}"/>
-          </ac:grpSpMkLst>
-        </pc:grpChg>
-        <pc:picChg chg="add del mod ord">
-          <ac:chgData name="Hunter Burnham (Student)" userId="e134f687-0b34-4f02-b471-2fa4d76ea700" providerId="ADAL" clId="{387E982F-AC20-48A9-A5D7-3E1105CE4D48}" dt="2024-03-15T17:46:36.462" v="3875" actId="21"/>
-          <ac:picMkLst>
-            <pc:docMk/>
-            <pc:sldMk cId="234320675" sldId="256"/>
-            <ac:picMk id="5" creationId="{7F43B5C3-611A-429E-C0DD-3F8BEFBB819D}"/>
-          </ac:picMkLst>
-        </pc:picChg>
-      </pc:sldChg>
-      <pc:sldChg chg="modSp del mod">
-        <pc:chgData name="Hunter Burnham (Student)" userId="e134f687-0b34-4f02-b471-2fa4d76ea700" providerId="ADAL" clId="{387E982F-AC20-48A9-A5D7-3E1105CE4D48}" dt="2024-03-13T20:57:28.059" v="3253" actId="2696"/>
-        <pc:sldMkLst>
-          <pc:docMk/>
-          <pc:sldMk cId="2116201992" sldId="257"/>
-        </pc:sldMkLst>
-        <pc:spChg chg="mod">
-          <ac:chgData name="Hunter Burnham (Student)" userId="e134f687-0b34-4f02-b471-2fa4d76ea700" providerId="ADAL" clId="{387E982F-AC20-48A9-A5D7-3E1105CE4D48}" dt="2024-03-10T21:42:00.791" v="322" actId="20577"/>
-          <ac:spMkLst>
-            <pc:docMk/>
-            <pc:sldMk cId="2116201992" sldId="257"/>
-            <ac:spMk id="2" creationId="{5DE2EB2F-13B1-E18C-7419-802122B6252C}"/>
-          </ac:spMkLst>
-        </pc:spChg>
-        <pc:spChg chg="mod">
-          <ac:chgData name="Hunter Burnham (Student)" userId="e134f687-0b34-4f02-b471-2fa4d76ea700" providerId="ADAL" clId="{387E982F-AC20-48A9-A5D7-3E1105CE4D48}" dt="2024-03-11T21:12:01.402" v="2030" actId="20577"/>
-          <ac:spMkLst>
-            <pc:docMk/>
-            <pc:sldMk cId="2116201992" sldId="257"/>
-            <ac:spMk id="3" creationId="{D46C8847-1CE6-DFDE-956F-4608305A5DC6}"/>
-          </ac:spMkLst>
-        </pc:spChg>
-      </pc:sldChg>
-      <pc:sldChg chg="modSp new mod">
-        <pc:chgData name="Hunter Burnham (Student)" userId="e134f687-0b34-4f02-b471-2fa4d76ea700" providerId="ADAL" clId="{387E982F-AC20-48A9-A5D7-3E1105CE4D48}" dt="2024-03-10T21:48:12.947" v="1208" actId="20577"/>
-        <pc:sldMkLst>
-          <pc:docMk/>
-          <pc:sldMk cId="572091724" sldId="258"/>
-        </pc:sldMkLst>
-        <pc:spChg chg="mod">
-          <ac:chgData name="Hunter Burnham (Student)" userId="e134f687-0b34-4f02-b471-2fa4d76ea700" providerId="ADAL" clId="{387E982F-AC20-48A9-A5D7-3E1105CE4D48}" dt="2024-03-10T21:39:39.850" v="126" actId="20577"/>
-          <ac:spMkLst>
-            <pc:docMk/>
-            <pc:sldMk cId="572091724" sldId="258"/>
-            <ac:spMk id="2" creationId="{F0E3B5F0-F703-3E5B-8F70-F125AC03285A}"/>
-          </ac:spMkLst>
-        </pc:spChg>
-        <pc:spChg chg="mod">
-          <ac:chgData name="Hunter Burnham (Student)" userId="e134f687-0b34-4f02-b471-2fa4d76ea700" providerId="ADAL" clId="{387E982F-AC20-48A9-A5D7-3E1105CE4D48}" dt="2024-03-10T21:48:12.947" v="1208" actId="20577"/>
-          <ac:spMkLst>
-            <pc:docMk/>
-            <pc:sldMk cId="572091724" sldId="258"/>
-            <ac:spMk id="3" creationId="{A196BE1C-312B-2E1D-77D0-B1BBB68FE8F2}"/>
-          </ac:spMkLst>
-        </pc:spChg>
-      </pc:sldChg>
-      <pc:sldChg chg="modSp del mod ord">
-        <pc:chgData name="Hunter Burnham (Student)" userId="e134f687-0b34-4f02-b471-2fa4d76ea700" providerId="ADAL" clId="{387E982F-AC20-48A9-A5D7-3E1105CE4D48}" dt="2024-03-13T21:05:53.127" v="3529" actId="2696"/>
-        <pc:sldMkLst>
-          <pc:docMk/>
-          <pc:sldMk cId="3372943132" sldId="259"/>
-        </pc:sldMkLst>
-        <pc:spChg chg="mod">
-          <ac:chgData name="Hunter Burnham (Student)" userId="e134f687-0b34-4f02-b471-2fa4d76ea700" providerId="ADAL" clId="{387E982F-AC20-48A9-A5D7-3E1105CE4D48}" dt="2024-03-10T21:40:40.749" v="182" actId="20577"/>
-          <ac:spMkLst>
-            <pc:docMk/>
-            <pc:sldMk cId="3372943132" sldId="259"/>
-            <ac:spMk id="2" creationId="{BEB5B745-96C1-51E4-7056-D9562589D0F5}"/>
-          </ac:spMkLst>
-        </pc:spChg>
-        <pc:spChg chg="mod">
-          <ac:chgData name="Hunter Burnham (Student)" userId="e134f687-0b34-4f02-b471-2fa4d76ea700" providerId="ADAL" clId="{387E982F-AC20-48A9-A5D7-3E1105CE4D48}" dt="2024-03-10T21:50:02.926" v="1270" actId="313"/>
-          <ac:spMkLst>
-            <pc:docMk/>
-            <pc:sldMk cId="3372943132" sldId="259"/>
-            <ac:spMk id="3" creationId="{00B45081-0BD4-AC98-E3FB-757FDF4BCC4C}"/>
-          </ac:spMkLst>
-        </pc:spChg>
-      </pc:sldChg>
-      <pc:sldChg chg="modSp new mod">
-        <pc:chgData name="Hunter Burnham (Student)" userId="e134f687-0b34-4f02-b471-2fa4d76ea700" providerId="ADAL" clId="{387E982F-AC20-48A9-A5D7-3E1105CE4D48}" dt="2024-03-10T21:45:55.502" v="836" actId="313"/>
-        <pc:sldMkLst>
-          <pc:docMk/>
-          <pc:sldMk cId="907987910" sldId="260"/>
-        </pc:sldMkLst>
-        <pc:spChg chg="mod">
-          <ac:chgData name="Hunter Burnham (Student)" userId="e134f687-0b34-4f02-b471-2fa4d76ea700" providerId="ADAL" clId="{387E982F-AC20-48A9-A5D7-3E1105CE4D48}" dt="2024-03-10T21:41:52.725" v="313" actId="20577"/>
-          <ac:spMkLst>
-            <pc:docMk/>
-            <pc:sldMk cId="907987910" sldId="260"/>
-            <ac:spMk id="2" creationId="{68F347CA-AC84-EF9D-06FA-C744906CD24A}"/>
-          </ac:spMkLst>
-        </pc:spChg>
-        <pc:spChg chg="mod">
-          <ac:chgData name="Hunter Burnham (Student)" userId="e134f687-0b34-4f02-b471-2fa4d76ea700" providerId="ADAL" clId="{387E982F-AC20-48A9-A5D7-3E1105CE4D48}" dt="2024-03-10T21:45:55.502" v="836" actId="313"/>
-          <ac:spMkLst>
-            <pc:docMk/>
-            <pc:sldMk cId="907987910" sldId="260"/>
-            <ac:spMk id="3" creationId="{F627CA05-FB38-7BCD-DA2E-437F6146B06B}"/>
-          </ac:spMkLst>
-        </pc:spChg>
-      </pc:sldChg>
-      <pc:sldChg chg="modSp mod">
-        <pc:chgData name="Hunter Burnham (Student)" userId="e134f687-0b34-4f02-b471-2fa4d76ea700" providerId="ADAL" clId="{387E982F-AC20-48A9-A5D7-3E1105CE4D48}" dt="2024-03-10T21:48:18.555" v="1210"/>
-        <pc:sldMkLst>
-          <pc:docMk/>
-          <pc:sldMk cId="3928215850" sldId="261"/>
-        </pc:sldMkLst>
-        <pc:spChg chg="mod">
-          <ac:chgData name="Hunter Burnham (Student)" userId="e134f687-0b34-4f02-b471-2fa4d76ea700" providerId="ADAL" clId="{387E982F-AC20-48A9-A5D7-3E1105CE4D48}" dt="2024-03-10T21:41:04.040" v="210" actId="20577"/>
-          <ac:spMkLst>
-            <pc:docMk/>
-            <pc:sldMk cId="3928215850" sldId="261"/>
-            <ac:spMk id="2" creationId="{FD5CBC22-CD60-DEC3-9B70-431914163214}"/>
-          </ac:spMkLst>
-        </pc:spChg>
-        <pc:spChg chg="mod">
-          <ac:chgData name="Hunter Burnham (Student)" userId="e134f687-0b34-4f02-b471-2fa4d76ea700" providerId="ADAL" clId="{387E982F-AC20-48A9-A5D7-3E1105CE4D48}" dt="2024-03-10T21:48:18.555" v="1210"/>
-          <ac:spMkLst>
-            <pc:docMk/>
-            <pc:sldMk cId="3928215850" sldId="261"/>
-            <ac:spMk id="3" creationId="{82E4FC8A-EAFF-352A-DBD5-537E16C616C2}"/>
-          </ac:spMkLst>
-        </pc:spChg>
-      </pc:sldChg>
-      <pc:sldChg chg="modSp new del mod">
-        <pc:chgData name="Hunter Burnham (Student)" userId="e134f687-0b34-4f02-b471-2fa4d76ea700" providerId="ADAL" clId="{387E982F-AC20-48A9-A5D7-3E1105CE4D48}" dt="2024-03-13T20:36:37.921" v="2529" actId="2696"/>
-        <pc:sldMkLst>
-          <pc:docMk/>
-          <pc:sldMk cId="3446202391" sldId="262"/>
-        </pc:sldMkLst>
-        <pc:spChg chg="mod">
-          <ac:chgData name="Hunter Burnham (Student)" userId="e134f687-0b34-4f02-b471-2fa4d76ea700" providerId="ADAL" clId="{387E982F-AC20-48A9-A5D7-3E1105CE4D48}" dt="2024-03-10T21:41:45.407" v="304" actId="20577"/>
-          <ac:spMkLst>
-            <pc:docMk/>
-            <pc:sldMk cId="3446202391" sldId="262"/>
-            <ac:spMk id="2" creationId="{468B33FC-5B50-2F21-E2B4-5EDC5DFC251A}"/>
-          </ac:spMkLst>
-        </pc:spChg>
-        <pc:spChg chg="mod">
-          <ac:chgData name="Hunter Burnham (Student)" userId="e134f687-0b34-4f02-b471-2fa4d76ea700" providerId="ADAL" clId="{387E982F-AC20-48A9-A5D7-3E1105CE4D48}" dt="2024-03-10T21:48:20.925" v="1212"/>
-          <ac:spMkLst>
-            <pc:docMk/>
-            <pc:sldMk cId="3446202391" sldId="262"/>
-            <ac:spMk id="3" creationId="{BAB3B5AD-7F8D-36AD-1390-9CEDC96A4C13}"/>
-          </ac:spMkLst>
-        </pc:spChg>
-      </pc:sldChg>
-      <pc:sldChg chg="modSp new mod modNotesTx">
-        <pc:chgData name="Hunter Burnham (Student)" userId="e134f687-0b34-4f02-b471-2fa4d76ea700" providerId="ADAL" clId="{387E982F-AC20-48A9-A5D7-3E1105CE4D48}" dt="2024-03-13T21:14:02.459" v="3823" actId="20577"/>
-        <pc:sldMkLst>
-          <pc:docMk/>
-          <pc:sldMk cId="2396793982" sldId="263"/>
-        </pc:sldMkLst>
-        <pc:spChg chg="mod">
-          <ac:chgData name="Hunter Burnham (Student)" userId="e134f687-0b34-4f02-b471-2fa4d76ea700" providerId="ADAL" clId="{387E982F-AC20-48A9-A5D7-3E1105CE4D48}" dt="2024-03-10T21:41:31.558" v="292" actId="20577"/>
-          <ac:spMkLst>
-            <pc:docMk/>
-            <pc:sldMk cId="2396793982" sldId="263"/>
-            <ac:spMk id="2" creationId="{6809C795-4042-CC5A-647E-5016B8E19E84}"/>
-          </ac:spMkLst>
-        </pc:spChg>
-        <pc:spChg chg="mod">
-          <ac:chgData name="Hunter Burnham (Student)" userId="e134f687-0b34-4f02-b471-2fa4d76ea700" providerId="ADAL" clId="{387E982F-AC20-48A9-A5D7-3E1105CE4D48}" dt="2024-03-13T21:12:04.240" v="3653" actId="27636"/>
-          <ac:spMkLst>
-            <pc:docMk/>
-            <pc:sldMk cId="2396793982" sldId="263"/>
-            <ac:spMk id="3" creationId="{A9AC157F-B5D5-20E2-9DA4-EA29118F63FC}"/>
-          </ac:spMkLst>
-        </pc:spChg>
-      </pc:sldChg>
-      <pc:sldChg chg="addSp delSp modSp new mod ord setBg modNotesTx">
-        <pc:chgData name="Hunter Burnham (Student)" userId="e134f687-0b34-4f02-b471-2fa4d76ea700" providerId="ADAL" clId="{387E982F-AC20-48A9-A5D7-3E1105CE4D48}" dt="2024-03-29T22:56:12.030" v="4165" actId="1076"/>
-        <pc:sldMkLst>
-          <pc:docMk/>
-          <pc:sldMk cId="3498185693" sldId="264"/>
-        </pc:sldMkLst>
-        <pc:spChg chg="mod">
-          <ac:chgData name="Hunter Burnham (Student)" userId="e134f687-0b34-4f02-b471-2fa4d76ea700" providerId="ADAL" clId="{387E982F-AC20-48A9-A5D7-3E1105CE4D48}" dt="2024-03-13T20:21:21.533" v="2181" actId="14100"/>
-          <ac:spMkLst>
-            <pc:docMk/>
-            <pc:sldMk cId="3498185693" sldId="264"/>
-            <ac:spMk id="2" creationId="{DAD4FEB1-1896-4D04-3477-F8E40CBA7E2E}"/>
-          </ac:spMkLst>
-        </pc:spChg>
-        <pc:spChg chg="mod ord">
-          <ac:chgData name="Hunter Burnham (Student)" userId="e134f687-0b34-4f02-b471-2fa4d76ea700" providerId="ADAL" clId="{387E982F-AC20-48A9-A5D7-3E1105CE4D48}" dt="2024-03-13T20:48:56.561" v="2843" actId="404"/>
-          <ac:spMkLst>
-            <pc:docMk/>
-            <pc:sldMk cId="3498185693" sldId="264"/>
-            <ac:spMk id="3" creationId="{37BDDD50-4114-09B9-F973-1B6A4E4252F3}"/>
-          </ac:spMkLst>
-        </pc:spChg>
-        <pc:spChg chg="add del">
-          <ac:chgData name="Hunter Burnham (Student)" userId="e134f687-0b34-4f02-b471-2fa4d76ea700" providerId="ADAL" clId="{387E982F-AC20-48A9-A5D7-3E1105CE4D48}" dt="2024-03-13T20:21:04.254" v="2176" actId="26606"/>
-          <ac:spMkLst>
-            <pc:docMk/>
-            <pc:sldMk cId="3498185693" sldId="264"/>
-            <ac:spMk id="11" creationId="{B712E947-0734-45F9-9C4F-41114EC3A33E}"/>
-          </ac:spMkLst>
-        </pc:spChg>
-        <pc:spChg chg="add">
-          <ac:chgData name="Hunter Burnham (Student)" userId="e134f687-0b34-4f02-b471-2fa4d76ea700" providerId="ADAL" clId="{387E982F-AC20-48A9-A5D7-3E1105CE4D48}" dt="2024-03-13T20:21:12.580" v="2179" actId="26606"/>
-          <ac:spMkLst>
-            <pc:docMk/>
-            <pc:sldMk cId="3498185693" sldId="264"/>
-            <ac:spMk id="15" creationId="{2C1BBA94-3F40-40AA-8BB9-E69E25E537C1}"/>
-          </ac:spMkLst>
-        </pc:spChg>
-        <pc:spChg chg="add">
-          <ac:chgData name="Hunter Burnham (Student)" userId="e134f687-0b34-4f02-b471-2fa4d76ea700" providerId="ADAL" clId="{387E982F-AC20-48A9-A5D7-3E1105CE4D48}" dt="2024-03-13T20:21:12.580" v="2179" actId="26606"/>
-          <ac:spMkLst>
-            <pc:docMk/>
-            <pc:sldMk cId="3498185693" sldId="264"/>
-            <ac:spMk id="17" creationId="{FE43805F-24A6-46A4-B19B-54F28347355C}"/>
-          </ac:spMkLst>
-        </pc:spChg>
-        <pc:spChg chg="add del">
-          <ac:chgData name="Hunter Burnham (Student)" userId="e134f687-0b34-4f02-b471-2fa4d76ea700" providerId="ADAL" clId="{387E982F-AC20-48A9-A5D7-3E1105CE4D48}" dt="2024-03-13T20:21:12.550" v="2178" actId="26606"/>
-          <ac:spMkLst>
-            <pc:docMk/>
-            <pc:sldMk cId="3498185693" sldId="264"/>
-            <ac:spMk id="18" creationId="{A51A0227-072A-4F5F-928C-E2C3E5CCD10C}"/>
-          </ac:spMkLst>
-        </pc:spChg>
-        <pc:spChg chg="add del">
-          <ac:chgData name="Hunter Burnham (Student)" userId="e134f687-0b34-4f02-b471-2fa4d76ea700" providerId="ADAL" clId="{387E982F-AC20-48A9-A5D7-3E1105CE4D48}" dt="2024-03-13T20:21:12.550" v="2178" actId="26606"/>
-          <ac:spMkLst>
-            <pc:docMk/>
-            <pc:sldMk cId="3498185693" sldId="264"/>
-            <ac:spMk id="19" creationId="{35D99776-4B38-47DF-A302-11AD9AF87ACA}"/>
-          </ac:spMkLst>
-        </pc:spChg>
-        <pc:spChg chg="add">
-          <ac:chgData name="Hunter Burnham (Student)" userId="e134f687-0b34-4f02-b471-2fa4d76ea700" providerId="ADAL" clId="{387E982F-AC20-48A9-A5D7-3E1105CE4D48}" dt="2024-03-13T20:21:12.580" v="2179" actId="26606"/>
-          <ac:spMkLst>
-            <pc:docMk/>
-            <pc:sldMk cId="3498185693" sldId="264"/>
-            <ac:spMk id="21" creationId="{1022CA72-2A63-428F-B586-37BA5AB6D265}"/>
-          </ac:spMkLst>
-        </pc:spChg>
-        <pc:spChg chg="add">
-          <ac:chgData name="Hunter Burnham (Student)" userId="e134f687-0b34-4f02-b471-2fa4d76ea700" providerId="ADAL" clId="{387E982F-AC20-48A9-A5D7-3E1105CE4D48}" dt="2024-03-13T20:21:12.580" v="2179" actId="26606"/>
-          <ac:spMkLst>
-            <pc:docMk/>
-            <pc:sldMk cId="3498185693" sldId="264"/>
-            <ac:spMk id="22" creationId="{95C8260E-968F-44E8-A823-ABB431311926}"/>
-          </ac:spMkLst>
-        </pc:spChg>
-        <pc:grpChg chg="add del">
-          <ac:chgData name="Hunter Burnham (Student)" userId="e134f687-0b34-4f02-b471-2fa4d76ea700" providerId="ADAL" clId="{387E982F-AC20-48A9-A5D7-3E1105CE4D48}" dt="2024-03-13T20:21:04.254" v="2176" actId="26606"/>
-          <ac:grpSpMkLst>
-            <pc:docMk/>
-            <pc:sldMk cId="3498185693" sldId="264"/>
-            <ac:grpSpMk id="13" creationId="{12B3290A-D3BF-4B87-B55B-FD9A98B49727}"/>
-          </ac:grpSpMkLst>
-        </pc:grpChg>
-        <pc:picChg chg="add mod ord modCrop">
-          <ac:chgData name="Hunter Burnham (Student)" userId="e134f687-0b34-4f02-b471-2fa4d76ea700" providerId="ADAL" clId="{387E982F-AC20-48A9-A5D7-3E1105CE4D48}" dt="2024-03-29T22:56:12.030" v="4165" actId="1076"/>
-          <ac:picMkLst>
-            <pc:docMk/>
-            <pc:sldMk cId="3498185693" sldId="264"/>
-            <ac:picMk id="5" creationId="{4D2F8233-C50F-2635-3B64-71690276E158}"/>
-          </ac:picMkLst>
-        </pc:picChg>
-        <pc:picChg chg="add mod">
-          <ac:chgData name="Hunter Burnham (Student)" userId="e134f687-0b34-4f02-b471-2fa4d76ea700" providerId="ADAL" clId="{387E982F-AC20-48A9-A5D7-3E1105CE4D48}" dt="2024-03-13T20:21:12.580" v="2179" actId="26606"/>
-          <ac:picMkLst>
-            <pc:docMk/>
-            <pc:sldMk cId="3498185693" sldId="264"/>
-            <ac:picMk id="6" creationId="{7C881784-BAA2-6642-FEDE-BD0866746B06}"/>
-          </ac:picMkLst>
-        </pc:picChg>
-      </pc:sldChg>
-      <pc:sldChg chg="addSp modSp new mod setBg modNotesTx">
-        <pc:chgData name="Hunter Burnham (Student)" userId="e134f687-0b34-4f02-b471-2fa4d76ea700" providerId="ADAL" clId="{387E982F-AC20-48A9-A5D7-3E1105CE4D48}" dt="2024-03-15T17:49:10.972" v="4047" actId="20577"/>
-        <pc:sldMkLst>
-          <pc:docMk/>
-          <pc:sldMk cId="4282433805" sldId="265"/>
-        </pc:sldMkLst>
-        <pc:spChg chg="mod">
-          <ac:chgData name="Hunter Burnham (Student)" userId="e134f687-0b34-4f02-b471-2fa4d76ea700" providerId="ADAL" clId="{387E982F-AC20-48A9-A5D7-3E1105CE4D48}" dt="2024-03-13T20:44:43.744" v="2760" actId="26606"/>
-          <ac:spMkLst>
-            <pc:docMk/>
-            <pc:sldMk cId="4282433805" sldId="265"/>
-            <ac:spMk id="2" creationId="{8D59BAEB-686B-076D-6F94-24AF33C43842}"/>
-          </ac:spMkLst>
-        </pc:spChg>
-        <pc:spChg chg="mod">
-          <ac:chgData name="Hunter Burnham (Student)" userId="e134f687-0b34-4f02-b471-2fa4d76ea700" providerId="ADAL" clId="{387E982F-AC20-48A9-A5D7-3E1105CE4D48}" dt="2024-03-13T20:44:43.744" v="2760" actId="26606"/>
-          <ac:spMkLst>
-            <pc:docMk/>
-            <pc:sldMk cId="4282433805" sldId="265"/>
-            <ac:spMk id="3" creationId="{61AA17EB-3313-5381-A3C4-8ACFAF2E635E}"/>
-          </ac:spMkLst>
-        </pc:spChg>
-        <pc:spChg chg="add">
-          <ac:chgData name="Hunter Burnham (Student)" userId="e134f687-0b34-4f02-b471-2fa4d76ea700" providerId="ADAL" clId="{387E982F-AC20-48A9-A5D7-3E1105CE4D48}" dt="2024-03-13T20:44:43.744" v="2760" actId="26606"/>
-          <ac:spMkLst>
-            <pc:docMk/>
-            <pc:sldMk cId="4282433805" sldId="265"/>
-            <ac:spMk id="10" creationId="{201CC55D-ED54-4C5C-95E6-10947BD1103B}"/>
-          </ac:spMkLst>
-        </pc:spChg>
-        <pc:spChg chg="add">
-          <ac:chgData name="Hunter Burnham (Student)" userId="e134f687-0b34-4f02-b471-2fa4d76ea700" providerId="ADAL" clId="{387E982F-AC20-48A9-A5D7-3E1105CE4D48}" dt="2024-03-13T20:44:43.744" v="2760" actId="26606"/>
-          <ac:spMkLst>
-            <pc:docMk/>
-            <pc:sldMk cId="4282433805" sldId="265"/>
-            <ac:spMk id="16" creationId="{3873B707-463F-40B0-8227-E8CC6C67EB25}"/>
-          </ac:spMkLst>
-        </pc:spChg>
-        <pc:spChg chg="add">
-          <ac:chgData name="Hunter Burnham (Student)" userId="e134f687-0b34-4f02-b471-2fa4d76ea700" providerId="ADAL" clId="{387E982F-AC20-48A9-A5D7-3E1105CE4D48}" dt="2024-03-13T20:44:43.744" v="2760" actId="26606"/>
-          <ac:spMkLst>
-            <pc:docMk/>
-            <pc:sldMk cId="4282433805" sldId="265"/>
-            <ac:spMk id="18" creationId="{C13237C8-E62C-4F0D-A318-BD6FB6C2D138}"/>
-          </ac:spMkLst>
-        </pc:spChg>
-        <pc:spChg chg="add">
-          <ac:chgData name="Hunter Burnham (Student)" userId="e134f687-0b34-4f02-b471-2fa4d76ea700" providerId="ADAL" clId="{387E982F-AC20-48A9-A5D7-3E1105CE4D48}" dt="2024-03-13T20:44:43.744" v="2760" actId="26606"/>
-          <ac:spMkLst>
-            <pc:docMk/>
-            <pc:sldMk cId="4282433805" sldId="265"/>
-            <ac:spMk id="20" creationId="{19C9EAEA-39D0-4B0E-A0EB-51E7B26740B1}"/>
-          </ac:spMkLst>
-        </pc:spChg>
-        <pc:grpChg chg="add">
-          <ac:chgData name="Hunter Burnham (Student)" userId="e134f687-0b34-4f02-b471-2fa4d76ea700" providerId="ADAL" clId="{387E982F-AC20-48A9-A5D7-3E1105CE4D48}" dt="2024-03-13T20:44:43.744" v="2760" actId="26606"/>
-          <ac:grpSpMkLst>
-            <pc:docMk/>
-            <pc:sldMk cId="4282433805" sldId="265"/>
-            <ac:grpSpMk id="12" creationId="{1DE889C7-FAD6-4397-98E2-05D503484459}"/>
-          </ac:grpSpMkLst>
-        </pc:grpChg>
-        <pc:picChg chg="add mod modCrop">
-          <ac:chgData name="Hunter Burnham (Student)" userId="e134f687-0b34-4f02-b471-2fa4d76ea700" providerId="ADAL" clId="{387E982F-AC20-48A9-A5D7-3E1105CE4D48}" dt="2024-03-13T20:44:43.744" v="2760" actId="26606"/>
-          <ac:picMkLst>
-            <pc:docMk/>
-            <pc:sldMk cId="4282433805" sldId="265"/>
-            <ac:picMk id="5" creationId="{47716B5C-88D7-AF78-4D9F-38DA4FA92620}"/>
-          </ac:picMkLst>
-        </pc:picChg>
-      </pc:sldChg>
-      <pc:sldChg chg="addSp delSp modSp new mod setBg modNotesTx">
-        <pc:chgData name="Hunter Burnham (Student)" userId="e134f687-0b34-4f02-b471-2fa4d76ea700" providerId="ADAL" clId="{387E982F-AC20-48A9-A5D7-3E1105CE4D48}" dt="2024-03-15T17:48:17.666" v="3900" actId="20577"/>
-        <pc:sldMkLst>
-          <pc:docMk/>
-          <pc:sldMk cId="2592547000" sldId="266"/>
-        </pc:sldMkLst>
-        <pc:spChg chg="mod">
-          <ac:chgData name="Hunter Burnham (Student)" userId="e134f687-0b34-4f02-b471-2fa4d76ea700" providerId="ADAL" clId="{387E982F-AC20-48A9-A5D7-3E1105CE4D48}" dt="2024-03-13T21:07:38.683" v="3530" actId="26606"/>
-          <ac:spMkLst>
-            <pc:docMk/>
-            <pc:sldMk cId="2592547000" sldId="266"/>
-            <ac:spMk id="2" creationId="{82D7485C-C17E-097C-D99E-2E410B176E92}"/>
-          </ac:spMkLst>
-        </pc:spChg>
-        <pc:spChg chg="mod ord">
-          <ac:chgData name="Hunter Burnham (Student)" userId="e134f687-0b34-4f02-b471-2fa4d76ea700" providerId="ADAL" clId="{387E982F-AC20-48A9-A5D7-3E1105CE4D48}" dt="2024-03-13T21:07:38.683" v="3530" actId="26606"/>
-          <ac:spMkLst>
-            <pc:docMk/>
-            <pc:sldMk cId="2592547000" sldId="266"/>
-            <ac:spMk id="3" creationId="{CB0820ED-CB43-CA76-310F-14DE183269CB}"/>
-          </ac:spMkLst>
-        </pc:spChg>
-        <pc:spChg chg="add del">
-          <ac:chgData name="Hunter Burnham (Student)" userId="e134f687-0b34-4f02-b471-2fa4d76ea700" providerId="ADAL" clId="{387E982F-AC20-48A9-A5D7-3E1105CE4D48}" dt="2024-03-13T21:07:38.683" v="3530" actId="26606"/>
-          <ac:spMkLst>
-            <pc:docMk/>
-            <pc:sldMk cId="2592547000" sldId="266"/>
-            <ac:spMk id="9" creationId="{7ED7575E-88D2-B771-681D-46A7E55415DD}"/>
-          </ac:spMkLst>
-        </pc:spChg>
-        <pc:spChg chg="add">
-          <ac:chgData name="Hunter Burnham (Student)" userId="e134f687-0b34-4f02-b471-2fa4d76ea700" providerId="ADAL" clId="{387E982F-AC20-48A9-A5D7-3E1105CE4D48}" dt="2024-03-13T21:07:38.683" v="3530" actId="26606"/>
-          <ac:spMkLst>
-            <pc:docMk/>
-            <pc:sldMk cId="2592547000" sldId="266"/>
-            <ac:spMk id="16" creationId="{DBC6133C-0615-4CE4-9132-37E609A9BDFA}"/>
-          </ac:spMkLst>
-        </pc:spChg>
-        <pc:spChg chg="add">
-          <ac:chgData name="Hunter Burnham (Student)" userId="e134f687-0b34-4f02-b471-2fa4d76ea700" providerId="ADAL" clId="{387E982F-AC20-48A9-A5D7-3E1105CE4D48}" dt="2024-03-13T21:07:38.683" v="3530" actId="26606"/>
-          <ac:spMkLst>
-            <pc:docMk/>
-            <pc:sldMk cId="2592547000" sldId="266"/>
-            <ac:spMk id="18" creationId="{169CC832-2974-4E8D-90ED-3E2941BA7336}"/>
-          </ac:spMkLst>
-        </pc:spChg>
-        <pc:spChg chg="add">
-          <ac:chgData name="Hunter Burnham (Student)" userId="e134f687-0b34-4f02-b471-2fa4d76ea700" providerId="ADAL" clId="{387E982F-AC20-48A9-A5D7-3E1105CE4D48}" dt="2024-03-13T21:07:38.683" v="3530" actId="26606"/>
-          <ac:spMkLst>
-            <pc:docMk/>
-            <pc:sldMk cId="2592547000" sldId="266"/>
-            <ac:spMk id="20" creationId="{55222F96-971A-4F90-B841-6BAB416C7AC1}"/>
-          </ac:spMkLst>
-        </pc:spChg>
-        <pc:spChg chg="add">
-          <ac:chgData name="Hunter Burnham (Student)" userId="e134f687-0b34-4f02-b471-2fa4d76ea700" providerId="ADAL" clId="{387E982F-AC20-48A9-A5D7-3E1105CE4D48}" dt="2024-03-13T21:07:38.683" v="3530" actId="26606"/>
-          <ac:spMkLst>
-            <pc:docMk/>
-            <pc:sldMk cId="2592547000" sldId="266"/>
-            <ac:spMk id="22" creationId="{08980754-6F4B-43C9-B9BE-127B6BED6586}"/>
-          </ac:spMkLst>
-        </pc:spChg>
-        <pc:spChg chg="add">
-          <ac:chgData name="Hunter Burnham (Student)" userId="e134f687-0b34-4f02-b471-2fa4d76ea700" providerId="ADAL" clId="{387E982F-AC20-48A9-A5D7-3E1105CE4D48}" dt="2024-03-13T21:07:38.683" v="3530" actId="26606"/>
-          <ac:spMkLst>
-            <pc:docMk/>
-            <pc:sldMk cId="2592547000" sldId="266"/>
-            <ac:spMk id="24" creationId="{2C1BBA94-3F40-40AA-8BB9-E69E25E537C1}"/>
-          </ac:spMkLst>
-        </pc:spChg>
-        <pc:picChg chg="mod ord">
-          <ac:chgData name="Hunter Burnham (Student)" userId="e134f687-0b34-4f02-b471-2fa4d76ea700" providerId="ADAL" clId="{387E982F-AC20-48A9-A5D7-3E1105CE4D48}" dt="2024-03-13T21:07:38.683" v="3530" actId="26606"/>
-          <ac:picMkLst>
-            <pc:docMk/>
-            <pc:sldMk cId="2592547000" sldId="266"/>
-            <ac:picMk id="4" creationId="{4B28B800-C4CA-98CC-6CED-42EDF0D9E55E}"/>
-          </ac:picMkLst>
-        </pc:picChg>
-        <pc:cxnChg chg="add del">
-          <ac:chgData name="Hunter Burnham (Student)" userId="e134f687-0b34-4f02-b471-2fa4d76ea700" providerId="ADAL" clId="{387E982F-AC20-48A9-A5D7-3E1105CE4D48}" dt="2024-03-13T21:07:38.683" v="3530" actId="26606"/>
-          <ac:cxnSpMkLst>
-            <pc:docMk/>
-            <pc:sldMk cId="2592547000" sldId="266"/>
-            <ac:cxnSpMk id="11" creationId="{249EDD1B-F94D-B4E6-ACAA-566B9A26FDE3}"/>
-          </ac:cxnSpMkLst>
-        </pc:cxnChg>
-      </pc:sldChg>
-      <pc:sldChg chg="modSp">
-        <pc:chgData name="Hunter Burnham (Student)" userId="e134f687-0b34-4f02-b471-2fa4d76ea700" providerId="ADAL" clId="{387E982F-AC20-48A9-A5D7-3E1105CE4D48}" dt="2024-03-29T22:55:49.743" v="4164" actId="1076"/>
-        <pc:sldMkLst>
-          <pc:docMk/>
-          <pc:sldMk cId="675645111" sldId="267"/>
-        </pc:sldMkLst>
-        <pc:picChg chg="mod">
-          <ac:chgData name="Hunter Burnham (Student)" userId="e134f687-0b34-4f02-b471-2fa4d76ea700" providerId="ADAL" clId="{387E982F-AC20-48A9-A5D7-3E1105CE4D48}" dt="2024-03-29T22:55:49.743" v="4164" actId="1076"/>
-          <ac:picMkLst>
-            <pc:docMk/>
-            <pc:sldMk cId="675645111" sldId="267"/>
-            <ac:picMk id="1026" creationId="{76649751-B4BA-7B14-88E7-8BF7D1F4716D}"/>
-          </ac:picMkLst>
-        </pc:picChg>
-      </pc:sldChg>
-      <pc:sldChg chg="addSp delSp modSp mod setBg">
-        <pc:chgData name="Hunter Burnham (Student)" userId="e134f687-0b34-4f02-b471-2fa4d76ea700" providerId="ADAL" clId="{387E982F-AC20-48A9-A5D7-3E1105CE4D48}" dt="2024-03-13T20:59:36.972" v="3269" actId="1076"/>
-        <pc:sldMkLst>
-          <pc:docMk/>
-          <pc:sldMk cId="3085835959" sldId="268"/>
-        </pc:sldMkLst>
-        <pc:spChg chg="mod">
-          <ac:chgData name="Hunter Burnham (Student)" userId="e134f687-0b34-4f02-b471-2fa4d76ea700" providerId="ADAL" clId="{387E982F-AC20-48A9-A5D7-3E1105CE4D48}" dt="2024-03-13T20:59:07.041" v="3257" actId="26606"/>
-          <ac:spMkLst>
-            <pc:docMk/>
-            <pc:sldMk cId="3085835959" sldId="268"/>
-            <ac:spMk id="2" creationId="{E0D42B90-D36E-F541-0DA9-D3AE86A9CC81}"/>
-          </ac:spMkLst>
-        </pc:spChg>
-        <pc:spChg chg="mod">
-          <ac:chgData name="Hunter Burnham (Student)" userId="e134f687-0b34-4f02-b471-2fa4d76ea700" providerId="ADAL" clId="{387E982F-AC20-48A9-A5D7-3E1105CE4D48}" dt="2024-03-13T20:59:13.116" v="3259" actId="14100"/>
-          <ac:spMkLst>
-            <pc:docMk/>
-            <pc:sldMk cId="3085835959" sldId="268"/>
-            <ac:spMk id="3" creationId="{6B3CF716-4EFA-6566-2DC6-AC662E3D731E}"/>
-          </ac:spMkLst>
-        </pc:spChg>
-        <pc:spChg chg="add del">
-          <ac:chgData name="Hunter Burnham (Student)" userId="e134f687-0b34-4f02-b471-2fa4d76ea700" providerId="ADAL" clId="{387E982F-AC20-48A9-A5D7-3E1105CE4D48}" dt="2024-03-13T20:59:07.041" v="3257" actId="26606"/>
-          <ac:spMkLst>
-            <pc:docMk/>
-            <pc:sldMk cId="3085835959" sldId="268"/>
-            <ac:spMk id="8" creationId="{DBC6133C-0615-4CE4-9132-37E609A9BDFA}"/>
-          </ac:spMkLst>
-        </pc:spChg>
-        <pc:spChg chg="add del">
-          <ac:chgData name="Hunter Burnham (Student)" userId="e134f687-0b34-4f02-b471-2fa4d76ea700" providerId="ADAL" clId="{387E982F-AC20-48A9-A5D7-3E1105CE4D48}" dt="2024-03-13T20:59:07.041" v="3257" actId="26606"/>
-          <ac:spMkLst>
-            <pc:docMk/>
-            <pc:sldMk cId="3085835959" sldId="268"/>
-            <ac:spMk id="9" creationId="{169CC832-2974-4E8D-90ED-3E2941BA7336}"/>
-          </ac:spMkLst>
-        </pc:spChg>
-        <pc:spChg chg="add del">
-          <ac:chgData name="Hunter Burnham (Student)" userId="e134f687-0b34-4f02-b471-2fa4d76ea700" providerId="ADAL" clId="{387E982F-AC20-48A9-A5D7-3E1105CE4D48}" dt="2024-03-13T20:59:07.041" v="3257" actId="26606"/>
-          <ac:spMkLst>
-            <pc:docMk/>
-            <pc:sldMk cId="3085835959" sldId="268"/>
-            <ac:spMk id="10" creationId="{55222F96-971A-4F90-B841-6BAB416C7AC1}"/>
-          </ac:spMkLst>
-        </pc:spChg>
-        <pc:spChg chg="add del">
-          <ac:chgData name="Hunter Burnham (Student)" userId="e134f687-0b34-4f02-b471-2fa4d76ea700" providerId="ADAL" clId="{387E982F-AC20-48A9-A5D7-3E1105CE4D48}" dt="2024-03-13T20:59:07.041" v="3257" actId="26606"/>
-          <ac:spMkLst>
-            <pc:docMk/>
-            <pc:sldMk cId="3085835959" sldId="268"/>
-            <ac:spMk id="17" creationId="{08980754-6F4B-43C9-B9BE-127B6BED6586}"/>
-          </ac:spMkLst>
-        </pc:spChg>
-        <pc:spChg chg="add del">
-          <ac:chgData name="Hunter Burnham (Student)" userId="e134f687-0b34-4f02-b471-2fa4d76ea700" providerId="ADAL" clId="{387E982F-AC20-48A9-A5D7-3E1105CE4D48}" dt="2024-03-13T20:59:07.041" v="3257" actId="26606"/>
-          <ac:spMkLst>
-            <pc:docMk/>
-            <pc:sldMk cId="3085835959" sldId="268"/>
-            <ac:spMk id="19" creationId="{2C1BBA94-3F40-40AA-8BB9-E69E25E537C1}"/>
-          </ac:spMkLst>
-        </pc:spChg>
-        <pc:spChg chg="add">
-          <ac:chgData name="Hunter Burnham (Student)" userId="e134f687-0b34-4f02-b471-2fa4d76ea700" providerId="ADAL" clId="{387E982F-AC20-48A9-A5D7-3E1105CE4D48}" dt="2024-03-13T20:59:07.041" v="3257" actId="26606"/>
-          <ac:spMkLst>
-            <pc:docMk/>
-            <pc:sldMk cId="3085835959" sldId="268"/>
-            <ac:spMk id="24" creationId="{058A14AF-9FB5-4CC7-BA35-E8E85D3EDF0E}"/>
-          </ac:spMkLst>
-        </pc:spChg>
-        <pc:spChg chg="add">
-          <ac:chgData name="Hunter Burnham (Student)" userId="e134f687-0b34-4f02-b471-2fa4d76ea700" providerId="ADAL" clId="{387E982F-AC20-48A9-A5D7-3E1105CE4D48}" dt="2024-03-13T20:59:07.041" v="3257" actId="26606"/>
-          <ac:spMkLst>
-            <pc:docMk/>
-            <pc:sldMk cId="3085835959" sldId="268"/>
-            <ac:spMk id="26" creationId="{3A9A4357-BD1D-4622-A4FE-766E6AB8DE84}"/>
-          </ac:spMkLst>
-        </pc:spChg>
-        <pc:spChg chg="add">
-          <ac:chgData name="Hunter Burnham (Student)" userId="e134f687-0b34-4f02-b471-2fa4d76ea700" providerId="ADAL" clId="{387E982F-AC20-48A9-A5D7-3E1105CE4D48}" dt="2024-03-13T20:59:07.041" v="3257" actId="26606"/>
-          <ac:spMkLst>
-            <pc:docMk/>
-            <pc:sldMk cId="3085835959" sldId="268"/>
-            <ac:spMk id="28" creationId="{E659831F-0D9A-4C63-9EBB-8435B85A440F}"/>
-          </ac:spMkLst>
-        </pc:spChg>
-        <pc:spChg chg="add">
-          <ac:chgData name="Hunter Burnham (Student)" userId="e134f687-0b34-4f02-b471-2fa4d76ea700" providerId="ADAL" clId="{387E982F-AC20-48A9-A5D7-3E1105CE4D48}" dt="2024-03-13T20:59:07.041" v="3257" actId="26606"/>
-          <ac:spMkLst>
-            <pc:docMk/>
-            <pc:sldMk cId="3085835959" sldId="268"/>
-            <ac:spMk id="30" creationId="{E6995CE5-F890-4ABA-82A2-26507CE8D2A3}"/>
-          </ac:spMkLst>
-        </pc:spChg>
-        <pc:picChg chg="del">
-          <ac:chgData name="Hunter Burnham (Student)" userId="e134f687-0b34-4f02-b471-2fa4d76ea700" providerId="ADAL" clId="{387E982F-AC20-48A9-A5D7-3E1105CE4D48}" dt="2024-03-13T20:20:16.883" v="2172" actId="21"/>
-          <ac:picMkLst>
-            <pc:docMk/>
-            <pc:sldMk cId="3085835959" sldId="268"/>
-            <ac:picMk id="4" creationId="{7C881784-BAA2-6642-FEDE-BD0866746B06}"/>
-          </ac:picMkLst>
-        </pc:picChg>
-        <pc:picChg chg="mod">
-          <ac:chgData name="Hunter Burnham (Student)" userId="e134f687-0b34-4f02-b471-2fa4d76ea700" providerId="ADAL" clId="{387E982F-AC20-48A9-A5D7-3E1105CE4D48}" dt="2024-03-13T20:59:36.972" v="3269" actId="1076"/>
-          <ac:picMkLst>
-            <pc:docMk/>
-            <pc:sldMk cId="3085835959" sldId="268"/>
-            <ac:picMk id="6" creationId="{08766FB1-FF95-115A-0305-FB1958240F74}"/>
-          </ac:picMkLst>
-        </pc:picChg>
-      </pc:sldChg>
-      <pc:sldChg chg="addSp delSp modSp new mod setBg modNotesTx">
-        <pc:chgData name="Hunter Burnham (Student)" userId="e134f687-0b34-4f02-b471-2fa4d76ea700" providerId="ADAL" clId="{387E982F-AC20-48A9-A5D7-3E1105CE4D48}" dt="2024-03-15T17:48:52.456" v="3991" actId="20577"/>
-        <pc:sldMkLst>
-          <pc:docMk/>
-          <pc:sldMk cId="2002257491" sldId="277"/>
-        </pc:sldMkLst>
-        <pc:spChg chg="mod">
-          <ac:chgData name="Hunter Burnham (Student)" userId="e134f687-0b34-4f02-b471-2fa4d76ea700" providerId="ADAL" clId="{387E982F-AC20-48A9-A5D7-3E1105CE4D48}" dt="2024-03-13T20:35:20.782" v="2526" actId="26606"/>
-          <ac:spMkLst>
-            <pc:docMk/>
-            <pc:sldMk cId="2002257491" sldId="277"/>
-            <ac:spMk id="2" creationId="{67AE8871-96B2-0FB7-216F-2AE202108C5C}"/>
-          </ac:spMkLst>
-        </pc:spChg>
-        <pc:spChg chg="mod">
-          <ac:chgData name="Hunter Burnham (Student)" userId="e134f687-0b34-4f02-b471-2fa4d76ea700" providerId="ADAL" clId="{387E982F-AC20-48A9-A5D7-3E1105CE4D48}" dt="2024-03-13T20:35:20.782" v="2526" actId="26606"/>
-          <ac:spMkLst>
-            <pc:docMk/>
-            <pc:sldMk cId="2002257491" sldId="277"/>
-            <ac:spMk id="3" creationId="{6ADD6E1A-EFCF-E7F9-5CDE-7EB9AB725A6D}"/>
-          </ac:spMkLst>
-        </pc:spChg>
-        <pc:spChg chg="add del">
-          <ac:chgData name="Hunter Burnham (Student)" userId="e134f687-0b34-4f02-b471-2fa4d76ea700" providerId="ADAL" clId="{387E982F-AC20-48A9-A5D7-3E1105CE4D48}" dt="2024-03-13T20:34:27.552" v="2511" actId="26606"/>
-          <ac:spMkLst>
-            <pc:docMk/>
-            <pc:sldMk cId="2002257491" sldId="277"/>
-            <ac:spMk id="9" creationId="{F13C74B1-5B17-4795-BED0-7140497B445A}"/>
-          </ac:spMkLst>
-        </pc:spChg>
-        <pc:spChg chg="add del">
-          <ac:chgData name="Hunter Burnham (Student)" userId="e134f687-0b34-4f02-b471-2fa4d76ea700" providerId="ADAL" clId="{387E982F-AC20-48A9-A5D7-3E1105CE4D48}" dt="2024-03-13T20:34:27.552" v="2511" actId="26606"/>
-          <ac:spMkLst>
-            <pc:docMk/>
-            <pc:sldMk cId="2002257491" sldId="277"/>
-            <ac:spMk id="11" creationId="{D4974D33-8DC5-464E-8C6D-BE58F0669C17}"/>
-          </ac:spMkLst>
-        </pc:spChg>
-        <pc:spChg chg="add del">
-          <ac:chgData name="Hunter Burnham (Student)" userId="e134f687-0b34-4f02-b471-2fa4d76ea700" providerId="ADAL" clId="{387E982F-AC20-48A9-A5D7-3E1105CE4D48}" dt="2024-03-13T20:34:38.222" v="2513" actId="26606"/>
-          <ac:spMkLst>
-            <pc:docMk/>
-            <pc:sldMk cId="2002257491" sldId="277"/>
-            <ac:spMk id="13" creationId="{C0763A76-9F1C-4FC5-82B7-DD475DA461B2}"/>
-          </ac:spMkLst>
-        </pc:spChg>
-        <pc:spChg chg="add del">
-          <ac:chgData name="Hunter Burnham (Student)" userId="e134f687-0b34-4f02-b471-2fa4d76ea700" providerId="ADAL" clId="{387E982F-AC20-48A9-A5D7-3E1105CE4D48}" dt="2024-03-13T20:34:38.222" v="2513" actId="26606"/>
-          <ac:spMkLst>
-            <pc:docMk/>
-            <pc:sldMk cId="2002257491" sldId="277"/>
-            <ac:spMk id="14" creationId="{E81BF4F6-F2CF-4984-9D14-D6966D92F99F}"/>
-          </ac:spMkLst>
-        </pc:spChg>
-        <pc:spChg chg="add del">
-          <ac:chgData name="Hunter Burnham (Student)" userId="e134f687-0b34-4f02-b471-2fa4d76ea700" providerId="ADAL" clId="{387E982F-AC20-48A9-A5D7-3E1105CE4D48}" dt="2024-03-13T20:34:39.307" v="2515" actId="26606"/>
-          <ac:spMkLst>
-            <pc:docMk/>
-            <pc:sldMk cId="2002257491" sldId="277"/>
-            <ac:spMk id="15" creationId="{4A62647B-1222-407C-8740-5A497612B1F5}"/>
-          </ac:spMkLst>
-        </pc:spChg>
-        <pc:spChg chg="add del">
-          <ac:chgData name="Hunter Burnham (Student)" userId="e134f687-0b34-4f02-b471-2fa4d76ea700" providerId="ADAL" clId="{387E982F-AC20-48A9-A5D7-3E1105CE4D48}" dt="2024-03-13T20:34:39.307" v="2515" actId="26606"/>
-          <ac:spMkLst>
-            <pc:docMk/>
-            <pc:sldMk cId="2002257491" sldId="277"/>
-            <ac:spMk id="16" creationId="{19D32F93-50AC-4C46-A5DB-291C60DDB7BD}"/>
-          </ac:spMkLst>
-        </pc:spChg>
-        <pc:spChg chg="add del">
-          <ac:chgData name="Hunter Burnham (Student)" userId="e134f687-0b34-4f02-b471-2fa4d76ea700" providerId="ADAL" clId="{387E982F-AC20-48A9-A5D7-3E1105CE4D48}" dt="2024-03-13T20:34:39.307" v="2515" actId="26606"/>
-          <ac:spMkLst>
-            <pc:docMk/>
-            <pc:sldMk cId="2002257491" sldId="277"/>
-            <ac:spMk id="17" creationId="{86FD7672-78BE-4D6F-A711-2CDB79B52DFF}"/>
-          </ac:spMkLst>
-        </pc:spChg>
-        <pc:spChg chg="add del">
-          <ac:chgData name="Hunter Burnham (Student)" userId="e134f687-0b34-4f02-b471-2fa4d76ea700" providerId="ADAL" clId="{387E982F-AC20-48A9-A5D7-3E1105CE4D48}" dt="2024-03-13T20:34:39.307" v="2515" actId="26606"/>
-          <ac:spMkLst>
-            <pc:docMk/>
-            <pc:sldMk cId="2002257491" sldId="277"/>
-            <ac:spMk id="18" creationId="{827DC2C4-B485-428A-BF4A-472D2967F47F}"/>
-          </ac:spMkLst>
-        </pc:spChg>
-        <pc:spChg chg="add del">
-          <ac:chgData name="Hunter Burnham (Student)" userId="e134f687-0b34-4f02-b471-2fa4d76ea700" providerId="ADAL" clId="{387E982F-AC20-48A9-A5D7-3E1105CE4D48}" dt="2024-03-13T20:34:44.670" v="2517" actId="26606"/>
-          <ac:spMkLst>
-            <pc:docMk/>
-            <pc:sldMk cId="2002257491" sldId="277"/>
-            <ac:spMk id="20" creationId="{F13C74B1-5B17-4795-BED0-7140497B445A}"/>
-          </ac:spMkLst>
-        </pc:spChg>
-        <pc:spChg chg="add del">
-          <ac:chgData name="Hunter Burnham (Student)" userId="e134f687-0b34-4f02-b471-2fa4d76ea700" providerId="ADAL" clId="{387E982F-AC20-48A9-A5D7-3E1105CE4D48}" dt="2024-03-13T20:34:44.670" v="2517" actId="26606"/>
-          <ac:spMkLst>
-            <pc:docMk/>
-            <pc:sldMk cId="2002257491" sldId="277"/>
-            <ac:spMk id="21" creationId="{D4974D33-8DC5-464E-8C6D-BE58F0669C17}"/>
-          </ac:spMkLst>
-        </pc:spChg>
-        <pc:spChg chg="add del">
-          <ac:chgData name="Hunter Burnham (Student)" userId="e134f687-0b34-4f02-b471-2fa4d76ea700" providerId="ADAL" clId="{387E982F-AC20-48A9-A5D7-3E1105CE4D48}" dt="2024-03-13T20:34:48.750" v="2519" actId="26606"/>
-          <ac:spMkLst>
-            <pc:docMk/>
-            <pc:sldMk cId="2002257491" sldId="277"/>
-            <ac:spMk id="23" creationId="{19D32F93-50AC-4C46-A5DB-291C60DDB7BD}"/>
-          </ac:spMkLst>
-        </pc:spChg>
-        <pc:spChg chg="add del">
-          <ac:chgData name="Hunter Burnham (Student)" userId="e134f687-0b34-4f02-b471-2fa4d76ea700" providerId="ADAL" clId="{387E982F-AC20-48A9-A5D7-3E1105CE4D48}" dt="2024-03-13T20:34:48.750" v="2519" actId="26606"/>
-          <ac:spMkLst>
-            <pc:docMk/>
-            <pc:sldMk cId="2002257491" sldId="277"/>
-            <ac:spMk id="24" creationId="{86FD7672-78BE-4D6F-A711-2CDB79B52DFF}"/>
-          </ac:spMkLst>
-        </pc:spChg>
-        <pc:spChg chg="add del">
-          <ac:chgData name="Hunter Burnham (Student)" userId="e134f687-0b34-4f02-b471-2fa4d76ea700" providerId="ADAL" clId="{387E982F-AC20-48A9-A5D7-3E1105CE4D48}" dt="2024-03-13T20:34:48.750" v="2519" actId="26606"/>
-          <ac:spMkLst>
-            <pc:docMk/>
-            <pc:sldMk cId="2002257491" sldId="277"/>
-            <ac:spMk id="25" creationId="{827DC2C4-B485-428A-BF4A-472D2967F47F}"/>
-          </ac:spMkLst>
-        </pc:spChg>
-        <pc:spChg chg="add del">
-          <ac:chgData name="Hunter Burnham (Student)" userId="e134f687-0b34-4f02-b471-2fa4d76ea700" providerId="ADAL" clId="{387E982F-AC20-48A9-A5D7-3E1105CE4D48}" dt="2024-03-13T20:34:48.750" v="2519" actId="26606"/>
-          <ac:spMkLst>
-            <pc:docMk/>
-            <pc:sldMk cId="2002257491" sldId="277"/>
-            <ac:spMk id="26" creationId="{4A62647B-1222-407C-8740-5A497612B1F5}"/>
-          </ac:spMkLst>
-        </pc:spChg>
-        <pc:spChg chg="add del">
-          <ac:chgData name="Hunter Burnham (Student)" userId="e134f687-0b34-4f02-b471-2fa4d76ea700" providerId="ADAL" clId="{387E982F-AC20-48A9-A5D7-3E1105CE4D48}" dt="2024-03-13T20:34:56.748" v="2523" actId="26606"/>
-          <ac:spMkLst>
-            <pc:docMk/>
-            <pc:sldMk cId="2002257491" sldId="277"/>
-            <ac:spMk id="28" creationId="{C0763A76-9F1C-4FC5-82B7-DD475DA461B2}"/>
-          </ac:spMkLst>
-        </pc:spChg>
-        <pc:spChg chg="add del">
-          <ac:chgData name="Hunter Burnham (Student)" userId="e134f687-0b34-4f02-b471-2fa4d76ea700" providerId="ADAL" clId="{387E982F-AC20-48A9-A5D7-3E1105CE4D48}" dt="2024-03-13T20:34:56.748" v="2523" actId="26606"/>
-          <ac:spMkLst>
-            <pc:docMk/>
-            <pc:sldMk cId="2002257491" sldId="277"/>
-            <ac:spMk id="29" creationId="{E81BF4F6-F2CF-4984-9D14-D6966D92F99F}"/>
-          </ac:spMkLst>
-        </pc:spChg>
-        <pc:spChg chg="add del">
-          <ac:chgData name="Hunter Burnham (Student)" userId="e134f687-0b34-4f02-b471-2fa4d76ea700" providerId="ADAL" clId="{387E982F-AC20-48A9-A5D7-3E1105CE4D48}" dt="2024-03-13T20:35:20.782" v="2526" actId="26606"/>
-          <ac:spMkLst>
-            <pc:docMk/>
-            <pc:sldMk cId="2002257491" sldId="277"/>
-            <ac:spMk id="34" creationId="{ECC07320-C2CA-4E29-8481-9D9E143C7788}"/>
-          </ac:spMkLst>
-        </pc:spChg>
-        <pc:spChg chg="add del">
-          <ac:chgData name="Hunter Burnham (Student)" userId="e134f687-0b34-4f02-b471-2fa4d76ea700" providerId="ADAL" clId="{387E982F-AC20-48A9-A5D7-3E1105CE4D48}" dt="2024-03-13T20:35:20.782" v="2526" actId="26606"/>
-          <ac:spMkLst>
-            <pc:docMk/>
-            <pc:sldMk cId="2002257491" sldId="277"/>
-            <ac:spMk id="36" creationId="{178FB36B-5BFE-42CA-BC60-1115E0D95EEC}"/>
-          </ac:spMkLst>
-        </pc:spChg>
-        <pc:spChg chg="add del">
-          <ac:chgData name="Hunter Burnham (Student)" userId="e134f687-0b34-4f02-b471-2fa4d76ea700" providerId="ADAL" clId="{387E982F-AC20-48A9-A5D7-3E1105CE4D48}" dt="2024-03-13T20:35:20.774" v="2525" actId="26606"/>
-          <ac:spMkLst>
-            <pc:docMk/>
-            <pc:sldMk cId="2002257491" sldId="277"/>
-            <ac:spMk id="41" creationId="{55666830-9A19-4E01-8505-D6C7F9AC5665}"/>
-          </ac:spMkLst>
-        </pc:spChg>
-        <pc:spChg chg="add del">
-          <ac:chgData name="Hunter Burnham (Student)" userId="e134f687-0b34-4f02-b471-2fa4d76ea700" providerId="ADAL" clId="{387E982F-AC20-48A9-A5D7-3E1105CE4D48}" dt="2024-03-13T20:35:20.774" v="2525" actId="26606"/>
-          <ac:spMkLst>
-            <pc:docMk/>
-            <pc:sldMk cId="2002257491" sldId="277"/>
-            <ac:spMk id="43" creationId="{AE9FC877-7FB6-4D22-9988-35420644E202}"/>
-          </ac:spMkLst>
-        </pc:spChg>
-        <pc:spChg chg="add del">
-          <ac:chgData name="Hunter Burnham (Student)" userId="e134f687-0b34-4f02-b471-2fa4d76ea700" providerId="ADAL" clId="{387E982F-AC20-48A9-A5D7-3E1105CE4D48}" dt="2024-03-13T20:35:20.774" v="2525" actId="26606"/>
-          <ac:spMkLst>
-            <pc:docMk/>
-            <pc:sldMk cId="2002257491" sldId="277"/>
-            <ac:spMk id="45" creationId="{E41809D1-F12E-46BB-B804-5F209D325E8B}"/>
-          </ac:spMkLst>
-        </pc:spChg>
-        <pc:spChg chg="add del">
-          <ac:chgData name="Hunter Burnham (Student)" userId="e134f687-0b34-4f02-b471-2fa4d76ea700" providerId="ADAL" clId="{387E982F-AC20-48A9-A5D7-3E1105CE4D48}" dt="2024-03-13T20:35:20.774" v="2525" actId="26606"/>
-          <ac:spMkLst>
-            <pc:docMk/>
-            <pc:sldMk cId="2002257491" sldId="277"/>
-            <ac:spMk id="47" creationId="{AF2F604E-43BE-4DC3-B983-E071523364F8}"/>
-          </ac:spMkLst>
-        </pc:spChg>
-        <pc:spChg chg="add del">
-          <ac:chgData name="Hunter Burnham (Student)" userId="e134f687-0b34-4f02-b471-2fa4d76ea700" providerId="ADAL" clId="{387E982F-AC20-48A9-A5D7-3E1105CE4D48}" dt="2024-03-13T20:35:20.774" v="2525" actId="26606"/>
-          <ac:spMkLst>
-            <pc:docMk/>
-            <pc:sldMk cId="2002257491" sldId="277"/>
-            <ac:spMk id="49" creationId="{08C9B587-E65E-4B52-B37C-ABEBB6E87928}"/>
-          </ac:spMkLst>
-        </pc:spChg>
-        <pc:spChg chg="add">
-          <ac:chgData name="Hunter Burnham (Student)" userId="e134f687-0b34-4f02-b471-2fa4d76ea700" providerId="ADAL" clId="{387E982F-AC20-48A9-A5D7-3E1105CE4D48}" dt="2024-03-13T20:35:20.782" v="2526" actId="26606"/>
-          <ac:spMkLst>
-            <pc:docMk/>
-            <pc:sldMk cId="2002257491" sldId="277"/>
-            <ac:spMk id="51" creationId="{91DC6ABD-215C-4EA8-A483-CEF5B99AB385}"/>
-          </ac:spMkLst>
-        </pc:spChg>
-        <pc:spChg chg="add">
-          <ac:chgData name="Hunter Burnham (Student)" userId="e134f687-0b34-4f02-b471-2fa4d76ea700" providerId="ADAL" clId="{387E982F-AC20-48A9-A5D7-3E1105CE4D48}" dt="2024-03-13T20:35:20.782" v="2526" actId="26606"/>
-          <ac:spMkLst>
-            <pc:docMk/>
-            <pc:sldMk cId="2002257491" sldId="277"/>
-            <ac:spMk id="54" creationId="{04357C93-F0CB-4A1C-8F77-4E9063789819}"/>
-          </ac:spMkLst>
-        </pc:spChg>
-        <pc:grpChg chg="add">
-          <ac:chgData name="Hunter Burnham (Student)" userId="e134f687-0b34-4f02-b471-2fa4d76ea700" providerId="ADAL" clId="{387E982F-AC20-48A9-A5D7-3E1105CE4D48}" dt="2024-03-13T20:35:20.782" v="2526" actId="26606"/>
-          <ac:grpSpMkLst>
-            <pc:docMk/>
-            <pc:sldMk cId="2002257491" sldId="277"/>
-            <ac:grpSpMk id="52" creationId="{3AF6A671-C637-4547-85F4-51B6D1881399}"/>
-          </ac:grpSpMkLst>
-        </pc:grpChg>
-        <pc:picChg chg="mod ord">
-          <ac:chgData name="Hunter Burnham (Student)" userId="e134f687-0b34-4f02-b471-2fa4d76ea700" providerId="ADAL" clId="{387E982F-AC20-48A9-A5D7-3E1105CE4D48}" dt="2024-03-13T20:35:20.782" v="2526" actId="26606"/>
-          <ac:picMkLst>
-            <pc:docMk/>
-            <pc:sldMk cId="2002257491" sldId="277"/>
-            <ac:picMk id="4" creationId="{AA0BECA3-9414-E9A7-7722-442863B7798C}"/>
-          </ac:picMkLst>
-        </pc:picChg>
-      </pc:sldChg>
-      <pc:sldChg chg="addSp delSp modSp new mod setBg modNotesTx">
-        <pc:chgData name="Hunter Burnham (Student)" userId="e134f687-0b34-4f02-b471-2fa4d76ea700" providerId="ADAL" clId="{387E982F-AC20-48A9-A5D7-3E1105CE4D48}" dt="2024-03-15T17:49:25.975" v="4093" actId="20577"/>
-        <pc:sldMkLst>
-          <pc:docMk/>
-          <pc:sldMk cId="3717565896" sldId="281"/>
-        </pc:sldMkLst>
-        <pc:spChg chg="mod">
-          <ac:chgData name="Hunter Burnham (Student)" userId="e134f687-0b34-4f02-b471-2fa4d76ea700" providerId="ADAL" clId="{387E982F-AC20-48A9-A5D7-3E1105CE4D48}" dt="2024-03-13T21:03:36.635" v="3416" actId="26606"/>
-          <ac:spMkLst>
-            <pc:docMk/>
-            <pc:sldMk cId="3717565896" sldId="281"/>
-            <ac:spMk id="2" creationId="{50E7C36E-FBD4-D03C-FD47-AB83F936D25A}"/>
-          </ac:spMkLst>
-        </pc:spChg>
-        <pc:spChg chg="del">
-          <ac:chgData name="Hunter Burnham (Student)" userId="e134f687-0b34-4f02-b471-2fa4d76ea700" providerId="ADAL" clId="{387E982F-AC20-48A9-A5D7-3E1105CE4D48}" dt="2024-03-13T20:46:26.856" v="2786" actId="3680"/>
-          <ac:spMkLst>
-            <pc:docMk/>
-            <pc:sldMk cId="3717565896" sldId="281"/>
-            <ac:spMk id="3" creationId="{A5880670-8D01-3789-83FD-F966847C1C0D}"/>
-          </ac:spMkLst>
-        </pc:spChg>
-        <pc:spChg chg="add mod">
-          <ac:chgData name="Hunter Burnham (Student)" userId="e134f687-0b34-4f02-b471-2fa4d76ea700" providerId="ADAL" clId="{387E982F-AC20-48A9-A5D7-3E1105CE4D48}" dt="2024-03-13T21:03:36.635" v="3416" actId="26606"/>
-          <ac:spMkLst>
-            <pc:docMk/>
-            <pc:sldMk cId="3717565896" sldId="281"/>
-            <ac:spMk id="5" creationId="{2EE385B2-D0B9-D866-19CD-4BD275D44F33}"/>
-          </ac:spMkLst>
-        </pc:spChg>
-        <pc:spChg chg="add mod">
-          <ac:chgData name="Hunter Burnham (Student)" userId="e134f687-0b34-4f02-b471-2fa4d76ea700" providerId="ADAL" clId="{387E982F-AC20-48A9-A5D7-3E1105CE4D48}" dt="2024-03-13T21:05:40.613" v="3528" actId="313"/>
-          <ac:spMkLst>
-            <pc:docMk/>
-            <pc:sldMk cId="3717565896" sldId="281"/>
-            <ac:spMk id="6" creationId="{EE6A5CFC-0052-953B-3D22-B122B447516B}"/>
-          </ac:spMkLst>
-        </pc:spChg>
-        <pc:spChg chg="add">
-          <ac:chgData name="Hunter Burnham (Student)" userId="e134f687-0b34-4f02-b471-2fa4d76ea700" providerId="ADAL" clId="{387E982F-AC20-48A9-A5D7-3E1105CE4D48}" dt="2024-03-13T21:03:36.635" v="3416" actId="26606"/>
-          <ac:spMkLst>
-            <pc:docMk/>
-            <pc:sldMk cId="3717565896" sldId="281"/>
-            <ac:spMk id="11" creationId="{9D8233B0-41B5-4D9A-AEEC-13DB66A8C9B5}"/>
-          </ac:spMkLst>
-        </pc:spChg>
-        <pc:spChg chg="add">
-          <ac:chgData name="Hunter Burnham (Student)" userId="e134f687-0b34-4f02-b471-2fa4d76ea700" providerId="ADAL" clId="{387E982F-AC20-48A9-A5D7-3E1105CE4D48}" dt="2024-03-13T21:03:36.635" v="3416" actId="26606"/>
-          <ac:spMkLst>
-            <pc:docMk/>
-            <pc:sldMk cId="3717565896" sldId="281"/>
-            <ac:spMk id="17" creationId="{E659831F-0D9A-4C63-9EBB-8435B85A440F}"/>
-          </ac:spMkLst>
-        </pc:spChg>
-        <pc:grpChg chg="add">
-          <ac:chgData name="Hunter Burnham (Student)" userId="e134f687-0b34-4f02-b471-2fa4d76ea700" providerId="ADAL" clId="{387E982F-AC20-48A9-A5D7-3E1105CE4D48}" dt="2024-03-13T21:03:36.635" v="3416" actId="26606"/>
-          <ac:grpSpMkLst>
-            <pc:docMk/>
-            <pc:sldMk cId="3717565896" sldId="281"/>
-            <ac:grpSpMk id="13" creationId="{28FAF094-D087-493F-8DF9-A486C2D6BBAA}"/>
-          </ac:grpSpMkLst>
-        </pc:grpChg>
-        <pc:graphicFrameChg chg="add mod ord modGraphic">
-          <ac:chgData name="Hunter Burnham (Student)" userId="e134f687-0b34-4f02-b471-2fa4d76ea700" providerId="ADAL" clId="{387E982F-AC20-48A9-A5D7-3E1105CE4D48}" dt="2024-03-13T21:03:36.635" v="3416" actId="26606"/>
-          <ac:graphicFrameMkLst>
-            <pc:docMk/>
-            <pc:sldMk cId="3717565896" sldId="281"/>
-            <ac:graphicFrameMk id="4" creationId="{9B4F24D1-4EAD-A87E-8B5A-A84FD5B22C59}"/>
-          </ac:graphicFrameMkLst>
-        </pc:graphicFrameChg>
-      </pc:sldChg>
-      <pc:sldChg chg="addSp delSp modSp new add del mod ord setBg">
-        <pc:chgData name="Hunter Burnham (Student)" userId="e134f687-0b34-4f02-b471-2fa4d76ea700" providerId="ADAL" clId="{387E982F-AC20-48A9-A5D7-3E1105CE4D48}" dt="2024-03-15T17:50:41.103" v="4131"/>
-        <pc:sldMkLst>
-          <pc:docMk/>
-          <pc:sldMk cId="949957755" sldId="282"/>
-        </pc:sldMkLst>
-        <pc:spChg chg="del">
-          <ac:chgData name="Hunter Burnham (Student)" userId="e134f687-0b34-4f02-b471-2fa4d76ea700" providerId="ADAL" clId="{387E982F-AC20-48A9-A5D7-3E1105CE4D48}" dt="2024-03-15T17:49:41.951" v="4097" actId="26606"/>
-          <ac:spMkLst>
-            <pc:docMk/>
-            <pc:sldMk cId="949957755" sldId="282"/>
-            <ac:spMk id="2" creationId="{F56D5A80-7071-8B9D-1DE3-00BE4444FFFA}"/>
-          </ac:spMkLst>
-        </pc:spChg>
-        <pc:spChg chg="del">
-          <ac:chgData name="Hunter Burnham (Student)" userId="e134f687-0b34-4f02-b471-2fa4d76ea700" providerId="ADAL" clId="{387E982F-AC20-48A9-A5D7-3E1105CE4D48}" dt="2024-03-15T17:49:36.630" v="4095"/>
-          <ac:spMkLst>
-            <pc:docMk/>
-            <pc:sldMk cId="949957755" sldId="282"/>
-            <ac:spMk id="3" creationId="{1D64A930-6A12-620B-E2C3-D51FE6CBB4F3}"/>
-          </ac:spMkLst>
-        </pc:spChg>
-        <pc:spChg chg="add mod">
-          <ac:chgData name="Hunter Burnham (Student)" userId="e134f687-0b34-4f02-b471-2fa4d76ea700" providerId="ADAL" clId="{387E982F-AC20-48A9-A5D7-3E1105CE4D48}" dt="2024-03-15T17:50:24.516" v="4127" actId="14100"/>
-          <ac:spMkLst>
-            <pc:docMk/>
-            <pc:sldMk cId="949957755" sldId="282"/>
-            <ac:spMk id="5" creationId="{FF803A9F-8F10-D0ED-BFC6-6EDDBA0A7604}"/>
-          </ac:spMkLst>
-        </pc:spChg>
-        <pc:spChg chg="add">
-          <ac:chgData name="Hunter Burnham (Student)" userId="e134f687-0b34-4f02-b471-2fa4d76ea700" providerId="ADAL" clId="{387E982F-AC20-48A9-A5D7-3E1105CE4D48}" dt="2024-03-15T17:49:41.951" v="4097" actId="26606"/>
-          <ac:spMkLst>
-            <pc:docMk/>
-            <pc:sldMk cId="949957755" sldId="282"/>
-            <ac:spMk id="9" creationId="{22F15A2D-2324-487D-A02A-BF46C5C580EB}"/>
-          </ac:spMkLst>
-        </pc:spChg>
-        <pc:spChg chg="add">
-          <ac:chgData name="Hunter Burnham (Student)" userId="e134f687-0b34-4f02-b471-2fa4d76ea700" providerId="ADAL" clId="{387E982F-AC20-48A9-A5D7-3E1105CE4D48}" dt="2024-03-15T17:49:41.951" v="4097" actId="26606"/>
-          <ac:spMkLst>
-            <pc:docMk/>
-            <pc:sldMk cId="949957755" sldId="282"/>
-            <ac:spMk id="11" creationId="{2AEAFA59-923A-4F54-8B49-44C970BCC323}"/>
-          </ac:spMkLst>
-        </pc:spChg>
-        <pc:spChg chg="add">
-          <ac:chgData name="Hunter Burnham (Student)" userId="e134f687-0b34-4f02-b471-2fa4d76ea700" providerId="ADAL" clId="{387E982F-AC20-48A9-A5D7-3E1105CE4D48}" dt="2024-03-15T17:49:41.951" v="4097" actId="26606"/>
-          <ac:spMkLst>
-            <pc:docMk/>
-            <pc:sldMk cId="949957755" sldId="282"/>
-            <ac:spMk id="13" creationId="{C37E9D4B-7BFA-4D10-B666-547BAC499469}"/>
-          </ac:spMkLst>
-        </pc:spChg>
-        <pc:picChg chg="add mod">
-          <ac:chgData name="Hunter Burnham (Student)" userId="e134f687-0b34-4f02-b471-2fa4d76ea700" providerId="ADAL" clId="{387E982F-AC20-48A9-A5D7-3E1105CE4D48}" dt="2024-03-15T17:49:41.951" v="4097" actId="26606"/>
-          <ac:picMkLst>
-            <pc:docMk/>
-            <pc:sldMk cId="949957755" sldId="282"/>
-            <ac:picMk id="4" creationId="{C6759827-DD90-0596-D667-FC8C76AC7F7B}"/>
-          </ac:picMkLst>
-        </pc:picChg>
-      </pc:sldChg>
-      <pc:sldChg chg="new del">
-        <pc:chgData name="Hunter Burnham (Student)" userId="e134f687-0b34-4f02-b471-2fa4d76ea700" providerId="ADAL" clId="{387E982F-AC20-48A9-A5D7-3E1105CE4D48}" dt="2024-03-15T17:50:00.300" v="4101" actId="2696"/>
-        <pc:sldMkLst>
-          <pc:docMk/>
-          <pc:sldMk cId="3023232825" sldId="283"/>
-        </pc:sldMkLst>
       </pc:sldChg>
     </pc:docChg>
   </pc:docChgLst>
@@ -3127,7 +3166,7 @@
           <a:p>
             <a:fld id="{9C0BEE93-BD2C-4176-AEB0-96F81204B769}" type="datetimeFigureOut">
               <a:rPr lang="en-US" smtClean="0"/>
-              <a:t>3/29/2024</a:t>
+              <a:t>4/22/2024</a:t>
             </a:fld>
             <a:endParaRPr lang="en-US"/>
           </a:p>
@@ -4705,7 +4744,7 @@
           <a:p>
             <a:fld id="{CA45E206-6551-4622-8FB4-F518B278DF17}" type="datetimeFigureOut">
               <a:rPr lang="en-US" smtClean="0"/>
-              <a:t>3/29/2024</a:t>
+              <a:t>4/22/2024</a:t>
             </a:fld>
             <a:endParaRPr lang="en-US"/>
           </a:p>
@@ -4903,7 +4942,7 @@
           <a:p>
             <a:fld id="{CA45E206-6551-4622-8FB4-F518B278DF17}" type="datetimeFigureOut">
               <a:rPr lang="en-US" smtClean="0"/>
-              <a:t>3/29/2024</a:t>
+              <a:t>4/22/2024</a:t>
             </a:fld>
             <a:endParaRPr lang="en-US"/>
           </a:p>
@@ -5111,7 +5150,7 @@
           <a:p>
             <a:fld id="{CA45E206-6551-4622-8FB4-F518B278DF17}" type="datetimeFigureOut">
               <a:rPr lang="en-US" smtClean="0"/>
-              <a:t>3/29/2024</a:t>
+              <a:t>4/22/2024</a:t>
             </a:fld>
             <a:endParaRPr lang="en-US"/>
           </a:p>
@@ -5309,7 +5348,7 @@
           <a:p>
             <a:fld id="{CA45E206-6551-4622-8FB4-F518B278DF17}" type="datetimeFigureOut">
               <a:rPr lang="en-US" smtClean="0"/>
-              <a:t>3/29/2024</a:t>
+              <a:t>4/22/2024</a:t>
             </a:fld>
             <a:endParaRPr lang="en-US"/>
           </a:p>
@@ -5584,7 +5623,7 @@
           <a:p>
             <a:fld id="{CA45E206-6551-4622-8FB4-F518B278DF17}" type="datetimeFigureOut">
               <a:rPr lang="en-US" smtClean="0"/>
-              <a:t>3/29/2024</a:t>
+              <a:t>4/22/2024</a:t>
             </a:fld>
             <a:endParaRPr lang="en-US"/>
           </a:p>
@@ -5849,7 +5888,7 @@
           <a:p>
             <a:fld id="{CA45E206-6551-4622-8FB4-F518B278DF17}" type="datetimeFigureOut">
               <a:rPr lang="en-US" smtClean="0"/>
-              <a:t>3/29/2024</a:t>
+              <a:t>4/22/2024</a:t>
             </a:fld>
             <a:endParaRPr lang="en-US"/>
           </a:p>
@@ -6261,7 +6300,7 @@
           <a:p>
             <a:fld id="{CA45E206-6551-4622-8FB4-F518B278DF17}" type="datetimeFigureOut">
               <a:rPr lang="en-US" smtClean="0"/>
-              <a:t>3/29/2024</a:t>
+              <a:t>4/22/2024</a:t>
             </a:fld>
             <a:endParaRPr lang="en-US"/>
           </a:p>
@@ -6402,7 +6441,7 @@
           <a:p>
             <a:fld id="{CA45E206-6551-4622-8FB4-F518B278DF17}" type="datetimeFigureOut">
               <a:rPr lang="en-US" smtClean="0"/>
-              <a:t>3/29/2024</a:t>
+              <a:t>4/22/2024</a:t>
             </a:fld>
             <a:endParaRPr lang="en-US"/>
           </a:p>
@@ -6515,7 +6554,7 @@
           <a:p>
             <a:fld id="{CA45E206-6551-4622-8FB4-F518B278DF17}" type="datetimeFigureOut">
               <a:rPr lang="en-US" smtClean="0"/>
-              <a:t>3/29/2024</a:t>
+              <a:t>4/22/2024</a:t>
             </a:fld>
             <a:endParaRPr lang="en-US"/>
           </a:p>
@@ -6826,7 +6865,7 @@
           <a:p>
             <a:fld id="{CA45E206-6551-4622-8FB4-F518B278DF17}" type="datetimeFigureOut">
               <a:rPr lang="en-US" smtClean="0"/>
-              <a:t>3/29/2024</a:t>
+              <a:t>4/22/2024</a:t>
             </a:fld>
             <a:endParaRPr lang="en-US"/>
           </a:p>
@@ -7114,7 +7153,7 @@
           <a:p>
             <a:fld id="{CA45E206-6551-4622-8FB4-F518B278DF17}" type="datetimeFigureOut">
               <a:rPr lang="en-US" smtClean="0"/>
-              <a:t>3/29/2024</a:t>
+              <a:t>4/22/2024</a:t>
             </a:fld>
             <a:endParaRPr lang="en-US"/>
           </a:p>
@@ -7355,7 +7394,7 @@
           <a:p>
             <a:fld id="{CA45E206-6551-4622-8FB4-F518B278DF17}" type="datetimeFigureOut">
               <a:rPr lang="en-US" smtClean="0"/>
-              <a:t>3/29/2024</a:t>
+              <a:t>4/22/2024</a:t>
             </a:fld>
             <a:endParaRPr lang="en-US"/>
           </a:p>
@@ -10261,8 +10300,8 @@
           </a:p>
         </p:txBody>
       </p:sp>
-      <mc:AlternateContent xmlns:mc="http://schemas.openxmlformats.org/markup-compatibility/2006" xmlns:a14="http://schemas.microsoft.com/office/drawing/2010/main">
-        <mc:Choice Requires="a14">
+      <mc:AlternateContent xmlns:mc="http://schemas.openxmlformats.org/markup-compatibility/2006">
+        <mc:Choice xmlns:a14="http://schemas.microsoft.com/office/drawing/2010/main" Requires="a14">
           <p:sp>
             <p:nvSpPr>
               <p:cNvPr id="3" name="Content Placeholder 2">
@@ -10566,7 +10605,7 @@
             </p:txBody>
           </p:sp>
         </mc:Choice>
-        <mc:Fallback xmlns="">
+        <mc:Fallback>
           <p:sp>
             <p:nvSpPr>
               <p:cNvPr id="3" name="Content Placeholder 2">
